--- a/document/Presentation Password Generator.pptx
+++ b/document/Presentation Password Generator.pptx
@@ -17,8 +17,8 @@
     <p:sldId id="264" r:id="rId11"/>
     <p:sldId id="265" r:id="rId12"/>
     <p:sldId id="267" r:id="rId13"/>
-    <p:sldId id="269" r:id="rId14"/>
-    <p:sldId id="268" r:id="rId15"/>
+    <p:sldId id="268" r:id="rId14"/>
+    <p:sldId id="269" r:id="rId15"/>
   </p:sldIdLst>
   <p:sldSz cx="12192000" cy="6858000"/>
   <p:notesSz cx="6858000" cy="9144000"/>
@@ -117,6 +117,11 @@
       </a:defRPr>
     </a:lvl9pPr>
   </p:defaultTextStyle>
+  <p:extLst>
+    <p:ext uri="{EFAFB233-063F-42B5-8137-9DF3F51BA10A}">
+      <p15:sldGuideLst xmlns:p15="http://schemas.microsoft.com/office/powerpoint/2012/main"/>
+    </p:ext>
+  </p:extLst>
 </p:presentation>
 </file>
 
@@ -290,7 +295,7 @@
           <a:p>
             <a:fld id="{F1FEB44C-43DA-42AA-B9E9-395B842E5567}" type="datetimeFigureOut">
               <a:rPr lang="en-NZ" smtClean="0"/>
-              <a:t>29/08/2022</a:t>
+              <a:t>30/08/2022</a:t>
             </a:fld>
             <a:endParaRPr lang="en-NZ"/>
           </a:p>
@@ -557,7 +562,7 @@
           <a:p>
             <a:fld id="{F1FEB44C-43DA-42AA-B9E9-395B842E5567}" type="datetimeFigureOut">
               <a:rPr lang="en-NZ" smtClean="0"/>
-              <a:t>29/08/2022</a:t>
+              <a:t>30/08/2022</a:t>
             </a:fld>
             <a:endParaRPr lang="en-NZ"/>
           </a:p>
@@ -788,7 +793,7 @@
           <a:p>
             <a:fld id="{F1FEB44C-43DA-42AA-B9E9-395B842E5567}" type="datetimeFigureOut">
               <a:rPr lang="en-NZ" smtClean="0"/>
-              <a:t>29/08/2022</a:t>
+              <a:t>30/08/2022</a:t>
             </a:fld>
             <a:endParaRPr lang="en-NZ"/>
           </a:p>
@@ -1098,7 +1103,7 @@
           <a:p>
             <a:fld id="{F1FEB44C-43DA-42AA-B9E9-395B842E5567}" type="datetimeFigureOut">
               <a:rPr lang="en-NZ" smtClean="0"/>
-              <a:t>29/08/2022</a:t>
+              <a:t>30/08/2022</a:t>
             </a:fld>
             <a:endParaRPr lang="en-NZ"/>
           </a:p>
@@ -1571,7 +1576,7 @@
           <a:p>
             <a:fld id="{F1FEB44C-43DA-42AA-B9E9-395B842E5567}" type="datetimeFigureOut">
               <a:rPr lang="en-NZ" smtClean="0"/>
-              <a:t>29/08/2022</a:t>
+              <a:t>30/08/2022</a:t>
             </a:fld>
             <a:endParaRPr lang="en-NZ"/>
           </a:p>
@@ -2118,7 +2123,7 @@
           <a:p>
             <a:fld id="{F1FEB44C-43DA-42AA-B9E9-395B842E5567}" type="datetimeFigureOut">
               <a:rPr lang="en-NZ" smtClean="0"/>
-              <a:t>29/08/2022</a:t>
+              <a:t>30/08/2022</a:t>
             </a:fld>
             <a:endParaRPr lang="en-NZ"/>
           </a:p>
@@ -2892,7 +2897,7 @@
           <a:p>
             <a:fld id="{F1FEB44C-43DA-42AA-B9E9-395B842E5567}" type="datetimeFigureOut">
               <a:rPr lang="en-NZ" smtClean="0"/>
-              <a:t>29/08/2022</a:t>
+              <a:t>30/08/2022</a:t>
             </a:fld>
             <a:endParaRPr lang="en-NZ"/>
           </a:p>
@@ -3067,7 +3072,7 @@
           <a:p>
             <a:fld id="{F1FEB44C-43DA-42AA-B9E9-395B842E5567}" type="datetimeFigureOut">
               <a:rPr lang="en-NZ" smtClean="0"/>
-              <a:t>29/08/2022</a:t>
+              <a:t>30/08/2022</a:t>
             </a:fld>
             <a:endParaRPr lang="en-NZ"/>
           </a:p>
@@ -3290,7 +3295,7 @@
           <a:p>
             <a:fld id="{F1FEB44C-43DA-42AA-B9E9-395B842E5567}" type="datetimeFigureOut">
               <a:rPr lang="en-NZ" smtClean="0"/>
-              <a:t>29/08/2022</a:t>
+              <a:t>30/08/2022</a:t>
             </a:fld>
             <a:endParaRPr lang="en-NZ"/>
           </a:p>
@@ -3470,7 +3475,7 @@
           <a:p>
             <a:fld id="{F1FEB44C-43DA-42AA-B9E9-395B842E5567}" type="datetimeFigureOut">
               <a:rPr lang="en-NZ" smtClean="0"/>
-              <a:t>29/08/2022</a:t>
+              <a:t>30/08/2022</a:t>
             </a:fld>
             <a:endParaRPr lang="en-NZ"/>
           </a:p>
@@ -3759,7 +3764,7 @@
           <a:p>
             <a:fld id="{F1FEB44C-43DA-42AA-B9E9-395B842E5567}" type="datetimeFigureOut">
               <a:rPr lang="en-NZ" smtClean="0"/>
-              <a:t>29/08/2022</a:t>
+              <a:t>30/08/2022</a:t>
             </a:fld>
             <a:endParaRPr lang="en-NZ"/>
           </a:p>
@@ -4001,7 +4006,7 @@
           <a:p>
             <a:fld id="{F1FEB44C-43DA-42AA-B9E9-395B842E5567}" type="datetimeFigureOut">
               <a:rPr lang="en-NZ" smtClean="0"/>
-              <a:t>29/08/2022</a:t>
+              <a:t>30/08/2022</a:t>
             </a:fld>
             <a:endParaRPr lang="en-NZ"/>
           </a:p>
@@ -4380,7 +4385,7 @@
           <a:p>
             <a:fld id="{F1FEB44C-43DA-42AA-B9E9-395B842E5567}" type="datetimeFigureOut">
               <a:rPr lang="en-NZ" smtClean="0"/>
-              <a:t>29/08/2022</a:t>
+              <a:t>30/08/2022</a:t>
             </a:fld>
             <a:endParaRPr lang="en-NZ"/>
           </a:p>
@@ -4498,7 +4503,7 @@
           <a:p>
             <a:fld id="{F1FEB44C-43DA-42AA-B9E9-395B842E5567}" type="datetimeFigureOut">
               <a:rPr lang="en-NZ" smtClean="0"/>
-              <a:t>29/08/2022</a:t>
+              <a:t>30/08/2022</a:t>
             </a:fld>
             <a:endParaRPr lang="en-NZ"/>
           </a:p>
@@ -4593,7 +4598,7 @@
           <a:p>
             <a:fld id="{F1FEB44C-43DA-42AA-B9E9-395B842E5567}" type="datetimeFigureOut">
               <a:rPr lang="en-NZ" smtClean="0"/>
-              <a:t>29/08/2022</a:t>
+              <a:t>30/08/2022</a:t>
             </a:fld>
             <a:endParaRPr lang="en-NZ"/>
           </a:p>
@@ -4842,7 +4847,7 @@
           <a:p>
             <a:fld id="{F1FEB44C-43DA-42AA-B9E9-395B842E5567}" type="datetimeFigureOut">
               <a:rPr lang="en-NZ" smtClean="0"/>
-              <a:t>29/08/2022</a:t>
+              <a:t>30/08/2022</a:t>
             </a:fld>
             <a:endParaRPr lang="en-NZ"/>
           </a:p>
@@ -5099,7 +5104,7 @@
           <a:p>
             <a:fld id="{F1FEB44C-43DA-42AA-B9E9-395B842E5567}" type="datetimeFigureOut">
               <a:rPr lang="en-NZ" smtClean="0"/>
-              <a:t>29/08/2022</a:t>
+              <a:t>30/08/2022</a:t>
             </a:fld>
             <a:endParaRPr lang="en-NZ"/>
           </a:p>
@@ -5342,7 +5347,7 @@
           <a:p>
             <a:fld id="{F1FEB44C-43DA-42AA-B9E9-395B842E5567}" type="datetimeFigureOut">
               <a:rPr lang="en-NZ" smtClean="0"/>
-              <a:t>29/08/2022</a:t>
+              <a:t>30/08/2022</a:t>
             </a:fld>
             <a:endParaRPr lang="en-NZ"/>
           </a:p>
@@ -6268,7 +6273,7 @@
           <p:cNvPr id="2" name="标题 1">
             <a:extLst>
               <a:ext uri="{FF2B5EF4-FFF2-40B4-BE49-F238E27FC236}">
-                <a16:creationId xmlns:a16="http://schemas.microsoft.com/office/drawing/2014/main" id="{931FF632-26A4-A3C5-3BFA-108378087F3B}"/>
+                <a16:creationId xmlns:a16="http://schemas.microsoft.com/office/drawing/2014/main" id="{7968832C-C89A-B085-ABDF-723E25F15B4E}"/>
               </a:ext>
             </a:extLst>
           </p:cNvPr>
@@ -6286,7 +6291,7 @@
           <a:p>
             <a:r>
               <a:rPr lang="en-NZ" dirty="0"/>
-              <a:t>Q&amp;A</a:t>
+              <a:t>References</a:t>
             </a:r>
           </a:p>
         </p:txBody>
@@ -6296,7 +6301,7 @@
           <p:cNvPr id="3" name="内容占位符 2">
             <a:extLst>
               <a:ext uri="{FF2B5EF4-FFF2-40B4-BE49-F238E27FC236}">
-                <a16:creationId xmlns:a16="http://schemas.microsoft.com/office/drawing/2014/main" id="{10C10AB0-F6BB-26E5-C279-0931E8572F2F}"/>
+                <a16:creationId xmlns:a16="http://schemas.microsoft.com/office/drawing/2014/main" id="{4029B2BD-2B47-E1CA-0E88-D9FBD2CA4E6C}"/>
               </a:ext>
             </a:extLst>
           </p:cNvPr>
@@ -6312,17 +6317,14 @@
           <a:bodyPr/>
           <a:lstStyle/>
           <a:p>
-            <a:r>
-              <a:rPr lang="en-NZ" dirty="0"/>
-              <a:t>Answer Questions</a:t>
-            </a:r>
+            <a:endParaRPr lang="en-NZ" dirty="0"/>
           </a:p>
         </p:txBody>
       </p:sp>
     </p:spTree>
     <p:extLst>
       <p:ext uri="{BB962C8B-B14F-4D97-AF65-F5344CB8AC3E}">
-        <p14:creationId xmlns:p14="http://schemas.microsoft.com/office/powerpoint/2010/main" val="1405912245"/>
+        <p14:creationId xmlns:p14="http://schemas.microsoft.com/office/powerpoint/2010/main" val="1669517618"/>
       </p:ext>
     </p:extLst>
   </p:cSld>
@@ -6354,7 +6356,7 @@
           <p:cNvPr id="2" name="标题 1">
             <a:extLst>
               <a:ext uri="{FF2B5EF4-FFF2-40B4-BE49-F238E27FC236}">
-                <a16:creationId xmlns:a16="http://schemas.microsoft.com/office/drawing/2014/main" id="{7968832C-C89A-B085-ABDF-723E25F15B4E}"/>
+                <a16:creationId xmlns:a16="http://schemas.microsoft.com/office/drawing/2014/main" id="{931FF632-26A4-A3C5-3BFA-108378087F3B}"/>
               </a:ext>
             </a:extLst>
           </p:cNvPr>
@@ -6372,7 +6374,7 @@
           <a:p>
             <a:r>
               <a:rPr lang="en-NZ" dirty="0"/>
-              <a:t>References</a:t>
+              <a:t>Q&amp;A</a:t>
             </a:r>
           </a:p>
         </p:txBody>
@@ -6382,7 +6384,7 @@
           <p:cNvPr id="3" name="内容占位符 2">
             <a:extLst>
               <a:ext uri="{FF2B5EF4-FFF2-40B4-BE49-F238E27FC236}">
-                <a16:creationId xmlns:a16="http://schemas.microsoft.com/office/drawing/2014/main" id="{4029B2BD-2B47-E1CA-0E88-D9FBD2CA4E6C}"/>
+                <a16:creationId xmlns:a16="http://schemas.microsoft.com/office/drawing/2014/main" id="{10C10AB0-F6BB-26E5-C279-0931E8572F2F}"/>
               </a:ext>
             </a:extLst>
           </p:cNvPr>
@@ -6398,14 +6400,17 @@
           <a:bodyPr/>
           <a:lstStyle/>
           <a:p>
-            <a:endParaRPr lang="en-NZ" dirty="0"/>
+            <a:r>
+              <a:rPr lang="en-NZ" dirty="0"/>
+              <a:t>Answer Questions</a:t>
+            </a:r>
           </a:p>
         </p:txBody>
       </p:sp>
     </p:spTree>
     <p:extLst>
       <p:ext uri="{BB962C8B-B14F-4D97-AF65-F5344CB8AC3E}">
-        <p14:creationId xmlns:p14="http://schemas.microsoft.com/office/powerpoint/2010/main" val="1669517618"/>
+        <p14:creationId xmlns:p14="http://schemas.microsoft.com/office/powerpoint/2010/main" val="1405912245"/>
       </p:ext>
     </p:extLst>
   </p:cSld>
@@ -8184,7 +8189,12 @@
             <p:ph idx="1"/>
           </p:nvPr>
         </p:nvSpPr>
-        <p:spPr/>
+        <p:spPr>
+          <a:xfrm>
+            <a:off x="685800" y="2194561"/>
+            <a:ext cx="5410200" cy="3082290"/>
+          </a:xfrm>
+        </p:spPr>
         <p:txBody>
           <a:bodyPr>
             <a:normAutofit/>
@@ -8192,18 +8202,18 @@
           <a:lstStyle/>
           <a:p>
             <a:r>
-              <a:rPr lang="en-NZ" sz="2400" dirty="0">
+              <a:rPr lang="en-NZ" sz="2800" dirty="0">
                 <a:effectLst/>
                 <a:latin typeface="Times New Roman" panose="02020603050405020304" pitchFamily="18" charset="0"/>
                 <a:cs typeface="Times New Roman" panose="02020603050405020304" pitchFamily="18" charset="0"/>
               </a:rPr>
-              <a:t>waterfall methodology </a:t>
+              <a:t>4 reasons for  using waterfall methodology </a:t>
             </a:r>
           </a:p>
           <a:p>
             <a:pPr lvl="1"/>
             <a:r>
-              <a:rPr lang="en-NZ" sz="2400" dirty="0">
+              <a:rPr lang="en-NZ" sz="2800" dirty="0">
                 <a:effectLst/>
                 <a:latin typeface="Times New Roman" panose="02020603050405020304" pitchFamily="18" charset="0"/>
                 <a:cs typeface="Times New Roman" panose="02020603050405020304" pitchFamily="18" charset="0"/>
@@ -8214,15 +8224,15 @@
           <a:p>
             <a:pPr lvl="1"/>
             <a:r>
-              <a:rPr lang="en-US" altLang="zh-CN" sz="2400" dirty="0">
+              <a:rPr lang="en-US" altLang="zh-CN" sz="2800" dirty="0">
                 <a:effectLst/>
                 <a:latin typeface="Times New Roman" panose="02020603050405020304" pitchFamily="18" charset="0"/>
                 <a:cs typeface="Times New Roman" panose="02020603050405020304" pitchFamily="18" charset="0"/>
               </a:rPr>
-              <a:t>Relative </a:t>
-            </a:r>
-            <a:r>
-              <a:rPr lang="en-NZ" sz="2400" dirty="0">
+              <a:t>Relatively </a:t>
+            </a:r>
+            <a:r>
+              <a:rPr lang="en-NZ" sz="2800" dirty="0">
                 <a:effectLst/>
                 <a:latin typeface="Times New Roman" panose="02020603050405020304" pitchFamily="18" charset="0"/>
                 <a:cs typeface="Times New Roman" panose="02020603050405020304" pitchFamily="18" charset="0"/>
@@ -8233,18 +8243,18 @@
           <a:p>
             <a:pPr lvl="1"/>
             <a:r>
-              <a:rPr lang="en-NZ" sz="2400" dirty="0">
+              <a:rPr lang="en-NZ" sz="2800" dirty="0">
                 <a:effectLst/>
                 <a:latin typeface="Times New Roman" panose="02020603050405020304" pitchFamily="18" charset="0"/>
                 <a:cs typeface="Times New Roman" panose="02020603050405020304" pitchFamily="18" charset="0"/>
               </a:rPr>
-              <a:t>Only be used in certain circumstances .</a:t>
+              <a:t>Only be used in certain circumstances </a:t>
             </a:r>
           </a:p>
           <a:p>
             <a:pPr lvl="1"/>
             <a:r>
-              <a:rPr lang="en-US" altLang="zh-CN" sz="2400" dirty="0">
+              <a:rPr lang="en-US" altLang="zh-CN" sz="2800" dirty="0">
                 <a:effectLst/>
                 <a:latin typeface="Times New Roman" panose="02020603050405020304" pitchFamily="18" charset="0"/>
                 <a:cs typeface="Times New Roman" panose="02020603050405020304" pitchFamily="18" charset="0"/>
@@ -8252,7 +8262,7 @@
               <a:t>U</a:t>
             </a:r>
             <a:r>
-              <a:rPr lang="en-NZ" sz="2400" dirty="0" err="1">
+              <a:rPr lang="en-NZ" sz="2800" dirty="0" err="1">
                 <a:effectLst/>
                 <a:latin typeface="Times New Roman" panose="02020603050405020304" pitchFamily="18" charset="0"/>
                 <a:cs typeface="Times New Roman" panose="02020603050405020304" pitchFamily="18" charset="0"/>
@@ -8260,17 +8270,234 @@
               <a:t>nlikely</a:t>
             </a:r>
             <a:r>
-              <a:rPr lang="en-NZ" sz="2400" dirty="0">
+              <a:rPr lang="en-NZ" sz="2800" dirty="0">
                 <a:effectLst/>
                 <a:latin typeface="Times New Roman" panose="02020603050405020304" pitchFamily="18" charset="0"/>
                 <a:cs typeface="Times New Roman" panose="02020603050405020304" pitchFamily="18" charset="0"/>
               </a:rPr>
               <a:t> to be changed.</a:t>
             </a:r>
-            <a:endParaRPr lang="en-NZ" sz="2400" dirty="0">
+            <a:endParaRPr lang="en-NZ" sz="2800" dirty="0">
               <a:latin typeface="Times New Roman" panose="02020603050405020304" pitchFamily="18" charset="0"/>
               <a:cs typeface="Times New Roman" panose="02020603050405020304" pitchFamily="18" charset="0"/>
             </a:endParaRPr>
+          </a:p>
+        </p:txBody>
+      </p:sp>
+      <p:sp>
+        <p:nvSpPr>
+          <p:cNvPr id="5" name="文本框 4">
+            <a:extLst>
+              <a:ext uri="{FF2B5EF4-FFF2-40B4-BE49-F238E27FC236}">
+                <a16:creationId xmlns:a16="http://schemas.microsoft.com/office/drawing/2014/main" id="{D233536E-5C4E-5A22-114B-E507F99608AF}"/>
+              </a:ext>
+            </a:extLst>
+          </p:cNvPr>
+          <p:cNvSpPr txBox="1"/>
+          <p:nvPr/>
+        </p:nvSpPr>
+        <p:spPr>
+          <a:xfrm>
+            <a:off x="6661150" y="2232542"/>
+            <a:ext cx="5099050" cy="3139321"/>
+          </a:xfrm>
+          <a:prstGeom prst="rect">
+            <a:avLst/>
+          </a:prstGeom>
+          <a:noFill/>
+        </p:spPr>
+        <p:txBody>
+          <a:bodyPr wrap="square" rtlCol="0">
+            <a:spAutoFit/>
+          </a:bodyPr>
+          <a:lstStyle/>
+          <a:p>
+            <a:pPr marL="0" algn="l" rtl="0" eaLnBrk="1" fontAlgn="b" latinLnBrk="0" hangingPunct="1">
+              <a:spcBef>
+                <a:spcPts val="0"/>
+              </a:spcBef>
+              <a:spcAft>
+                <a:spcPts val="0"/>
+              </a:spcAft>
+            </a:pPr>
+            <a:r>
+              <a:rPr lang="en-NZ" sz="1800" b="0" i="0" u="none" strike="noStrike" kern="1200" dirty="0">
+                <a:solidFill>
+                  <a:schemeClr val="tx2">
+                    <a:lumMod val="90000"/>
+                  </a:schemeClr>
+                </a:solidFill>
+                <a:effectLst/>
+                <a:latin typeface="Times New Roman" panose="02020603050405020304" pitchFamily="18" charset="0"/>
+                <a:cs typeface="Times New Roman" panose="02020603050405020304" pitchFamily="18" charset="0"/>
+              </a:rPr>
+              <a:t>1.    Allow input of various input parameters on password such as Password Length, Include Symbols, Numbers, Lower/Upper case Characters, etc</a:t>
+            </a:r>
+            <a:endParaRPr lang="en-NZ" sz="1800" b="0" i="0" u="none" strike="noStrike" dirty="0">
+              <a:solidFill>
+                <a:schemeClr val="tx2">
+                  <a:lumMod val="90000"/>
+                </a:schemeClr>
+              </a:solidFill>
+              <a:effectLst/>
+              <a:latin typeface="Times New Roman" panose="02020603050405020304" pitchFamily="18" charset="0"/>
+              <a:cs typeface="Times New Roman" panose="02020603050405020304" pitchFamily="18" charset="0"/>
+            </a:endParaRPr>
+          </a:p>
+          <a:p>
+            <a:pPr marL="0" algn="l" rtl="0" eaLnBrk="1" fontAlgn="b" latinLnBrk="0" hangingPunct="1">
+              <a:spcBef>
+                <a:spcPts val="0"/>
+              </a:spcBef>
+              <a:spcAft>
+                <a:spcPts val="0"/>
+              </a:spcAft>
+            </a:pPr>
+            <a:r>
+              <a:rPr lang="en-NZ" sz="1800" b="0" i="0" u="none" strike="noStrike" kern="1200" dirty="0">
+                <a:solidFill>
+                  <a:schemeClr val="tx2">
+                    <a:lumMod val="90000"/>
+                  </a:schemeClr>
+                </a:solidFill>
+                <a:effectLst/>
+                <a:latin typeface="Times New Roman" panose="02020603050405020304" pitchFamily="18" charset="0"/>
+                <a:cs typeface="Times New Roman" panose="02020603050405020304" pitchFamily="18" charset="0"/>
+              </a:rPr>
+              <a:t>2.    Save the above parameter :( save all the settings above for later use)</a:t>
+            </a:r>
+            <a:endParaRPr lang="en-NZ" sz="1800" b="0" i="0" u="none" strike="noStrike" dirty="0">
+              <a:solidFill>
+                <a:schemeClr val="tx2">
+                  <a:lumMod val="90000"/>
+                </a:schemeClr>
+              </a:solidFill>
+              <a:effectLst/>
+              <a:latin typeface="Times New Roman" panose="02020603050405020304" pitchFamily="18" charset="0"/>
+              <a:cs typeface="Times New Roman" panose="02020603050405020304" pitchFamily="18" charset="0"/>
+            </a:endParaRPr>
+          </a:p>
+          <a:p>
+            <a:pPr marL="0" algn="l" rtl="0" eaLnBrk="1" fontAlgn="b" latinLnBrk="0" hangingPunct="1">
+              <a:spcBef>
+                <a:spcPts val="0"/>
+              </a:spcBef>
+              <a:spcAft>
+                <a:spcPts val="0"/>
+              </a:spcAft>
+            </a:pPr>
+            <a:r>
+              <a:rPr lang="en-NZ" sz="1800" b="0" i="0" u="none" strike="noStrike" kern="1200" dirty="0">
+                <a:solidFill>
+                  <a:schemeClr val="tx2">
+                    <a:lumMod val="90000"/>
+                  </a:schemeClr>
+                </a:solidFill>
+                <a:effectLst/>
+                <a:latin typeface="Times New Roman" panose="02020603050405020304" pitchFamily="18" charset="0"/>
+                <a:cs typeface="Times New Roman" panose="02020603050405020304" pitchFamily="18" charset="0"/>
+              </a:rPr>
+              <a:t>3.    Generate a random password for based on the above parameters</a:t>
+            </a:r>
+            <a:endParaRPr lang="en-NZ" sz="1800" b="0" i="0" u="none" strike="noStrike" dirty="0">
+              <a:solidFill>
+                <a:schemeClr val="tx2">
+                  <a:lumMod val="90000"/>
+                </a:schemeClr>
+              </a:solidFill>
+              <a:effectLst/>
+              <a:latin typeface="Times New Roman" panose="02020603050405020304" pitchFamily="18" charset="0"/>
+              <a:cs typeface="Times New Roman" panose="02020603050405020304" pitchFamily="18" charset="0"/>
+            </a:endParaRPr>
+          </a:p>
+          <a:p>
+            <a:pPr marL="0" algn="l" rtl="0" eaLnBrk="1" fontAlgn="b" latinLnBrk="0" hangingPunct="1">
+              <a:spcBef>
+                <a:spcPts val="0"/>
+              </a:spcBef>
+              <a:spcAft>
+                <a:spcPts val="0"/>
+              </a:spcAft>
+            </a:pPr>
+            <a:r>
+              <a:rPr lang="en-NZ" sz="1800" b="0" i="0" u="none" strike="noStrike" kern="1200" dirty="0">
+                <a:solidFill>
+                  <a:schemeClr val="tx2">
+                    <a:lumMod val="90000"/>
+                  </a:schemeClr>
+                </a:solidFill>
+                <a:effectLst/>
+                <a:latin typeface="Times New Roman" panose="02020603050405020304" pitchFamily="18" charset="0"/>
+                <a:cs typeface="Times New Roman" panose="02020603050405020304" pitchFamily="18" charset="0"/>
+              </a:rPr>
+              <a:t>4.    Copy function to copy the generated password to the buffer (like Control + C)</a:t>
+            </a:r>
+            <a:endParaRPr lang="en-NZ" sz="1800" b="0" i="0" u="none" strike="noStrike" dirty="0">
+              <a:solidFill>
+                <a:schemeClr val="tx2">
+                  <a:lumMod val="90000"/>
+                </a:schemeClr>
+              </a:solidFill>
+              <a:effectLst/>
+              <a:latin typeface="Times New Roman" panose="02020603050405020304" pitchFamily="18" charset="0"/>
+              <a:cs typeface="Times New Roman" panose="02020603050405020304" pitchFamily="18" charset="0"/>
+            </a:endParaRPr>
+          </a:p>
+          <a:p>
+            <a:endParaRPr lang="en-NZ" dirty="0">
+              <a:solidFill>
+                <a:schemeClr val="tx2">
+                  <a:lumMod val="90000"/>
+                </a:schemeClr>
+              </a:solidFill>
+              <a:latin typeface="Times New Roman" panose="02020603050405020304" pitchFamily="18" charset="0"/>
+              <a:cs typeface="Times New Roman" panose="02020603050405020304" pitchFamily="18" charset="0"/>
+            </a:endParaRPr>
+          </a:p>
+        </p:txBody>
+      </p:sp>
+      <p:sp>
+        <p:nvSpPr>
+          <p:cNvPr id="6" name="文本框 5">
+            <a:extLst>
+              <a:ext uri="{FF2B5EF4-FFF2-40B4-BE49-F238E27FC236}">
+                <a16:creationId xmlns:a16="http://schemas.microsoft.com/office/drawing/2014/main" id="{4432D91B-110E-9A16-F8F5-9DE69295486D}"/>
+              </a:ext>
+            </a:extLst>
+          </p:cNvPr>
+          <p:cNvSpPr txBox="1"/>
+          <p:nvPr/>
+        </p:nvSpPr>
+        <p:spPr>
+          <a:xfrm>
+            <a:off x="6572250" y="5638800"/>
+            <a:ext cx="4724400" cy="338554"/>
+          </a:xfrm>
+          <a:prstGeom prst="rect">
+            <a:avLst/>
+          </a:prstGeom>
+          <a:noFill/>
+        </p:spPr>
+        <p:txBody>
+          <a:bodyPr wrap="square" rtlCol="0">
+            <a:spAutoFit/>
+          </a:bodyPr>
+          <a:lstStyle/>
+          <a:p>
+            <a:r>
+              <a:rPr lang="en-NZ" sz="1600" dirty="0" err="1">
+                <a:latin typeface="Times New Roman" panose="02020603050405020304" pitchFamily="18" charset="0"/>
+                <a:cs typeface="Times New Roman" panose="02020603050405020304" pitchFamily="18" charset="0"/>
+              </a:rPr>
+              <a:t>Retrived</a:t>
+            </a:r>
+            <a:r>
+              <a:rPr lang="en-NZ" sz="1600" dirty="0">
+                <a:latin typeface="Times New Roman" panose="02020603050405020304" pitchFamily="18" charset="0"/>
+                <a:cs typeface="Times New Roman" panose="02020603050405020304" pitchFamily="18" charset="0"/>
+              </a:rPr>
+              <a:t> from: project list</a:t>
+            </a:r>
           </a:p>
         </p:txBody>
       </p:sp>

--- a/document/Presentation Password Generator.pptx
+++ b/document/Presentation Password Generator.pptx
@@ -119,7 +119,7 @@
   </p:defaultTextStyle>
   <p:extLst>
     <p:ext uri="{EFAFB233-063F-42B5-8137-9DF3F51BA10A}">
-      <p15:sldGuideLst xmlns:p15="http://schemas.microsoft.com/office/powerpoint/2012/main"/>
+      <p15:sldGuideLst xmlns:p15="http://schemas.microsoft.com/office/powerpoint/2012/main" xmlns=""/>
     </p:ext>
   </p:extLst>
 </p:presentation>
@@ -154,7 +154,7 @@
           <a:blip r:embed="rId2">
             <a:extLst>
               <a:ext uri="{28A0092B-C50C-407E-A947-70E740481C1C}">
-                <a14:useLocalDpi xmlns:a14="http://schemas.microsoft.com/office/drawing/2010/main" val="0"/>
+                <a14:useLocalDpi xmlns:a14="http://schemas.microsoft.com/office/drawing/2010/main" xmlns="" val="0"/>
               </a:ext>
             </a:extLst>
           </a:blip>
@@ -295,7 +295,8 @@
           <a:p>
             <a:fld id="{F1FEB44C-43DA-42AA-B9E9-395B842E5567}" type="datetimeFigureOut">
               <a:rPr lang="en-NZ" smtClean="0"/>
-              <a:t>30/08/2022</a:t>
+              <a:pPr/>
+              <a:t>31/08/2022</a:t>
             </a:fld>
             <a:endParaRPr lang="en-NZ"/>
           </a:p>
@@ -347,6 +348,7 @@
           <a:p>
             <a:fld id="{2BBF2EFA-5656-4F17-ABB9-B94C6EE7A36B}" type="slidenum">
               <a:rPr lang="en-NZ" smtClean="0"/>
+              <a:pPr/>
               <a:t>‹#›</a:t>
             </a:fld>
             <a:endParaRPr lang="en-NZ"/>
@@ -356,7 +358,7 @@
     </p:spTree>
     <p:extLst>
       <p:ext uri="{BB962C8B-B14F-4D97-AF65-F5344CB8AC3E}">
-        <p14:creationId xmlns:p14="http://schemas.microsoft.com/office/powerpoint/2010/main" val="3646990326"/>
+        <p14:creationId xmlns:p14="http://schemas.microsoft.com/office/powerpoint/2010/main" xmlns="" val="3646990326"/>
       </p:ext>
     </p:extLst>
   </p:cSld>
@@ -562,7 +564,8 @@
           <a:p>
             <a:fld id="{F1FEB44C-43DA-42AA-B9E9-395B842E5567}" type="datetimeFigureOut">
               <a:rPr lang="en-NZ" smtClean="0"/>
-              <a:t>30/08/2022</a:t>
+              <a:pPr/>
+              <a:t>31/08/2022</a:t>
             </a:fld>
             <a:endParaRPr lang="en-NZ"/>
           </a:p>
@@ -604,6 +607,7 @@
           <a:p>
             <a:fld id="{2BBF2EFA-5656-4F17-ABB9-B94C6EE7A36B}" type="slidenum">
               <a:rPr lang="en-NZ" smtClean="0"/>
+              <a:pPr/>
               <a:t>‹#›</a:t>
             </a:fld>
             <a:endParaRPr lang="en-NZ"/>
@@ -613,7 +617,7 @@
     </p:spTree>
     <p:extLst>
       <p:ext uri="{BB962C8B-B14F-4D97-AF65-F5344CB8AC3E}">
-        <p14:creationId xmlns:p14="http://schemas.microsoft.com/office/powerpoint/2010/main" val="71176386"/>
+        <p14:creationId xmlns:p14="http://schemas.microsoft.com/office/powerpoint/2010/main" xmlns="" val="71176386"/>
       </p:ext>
     </p:extLst>
   </p:cSld>
@@ -652,7 +656,7 @@
           <a:blip r:embed="rId2">
             <a:extLst>
               <a:ext uri="{28A0092B-C50C-407E-A947-70E740481C1C}">
-                <a14:useLocalDpi xmlns:a14="http://schemas.microsoft.com/office/drawing/2010/main" val="0"/>
+                <a14:useLocalDpi xmlns:a14="http://schemas.microsoft.com/office/drawing/2010/main" xmlns="" val="0"/>
               </a:ext>
             </a:extLst>
           </a:blip>
@@ -793,7 +797,8 @@
           <a:p>
             <a:fld id="{F1FEB44C-43DA-42AA-B9E9-395B842E5567}" type="datetimeFigureOut">
               <a:rPr lang="en-NZ" smtClean="0"/>
-              <a:t>30/08/2022</a:t>
+              <a:pPr/>
+              <a:t>31/08/2022</a:t>
             </a:fld>
             <a:endParaRPr lang="en-NZ"/>
           </a:p>
@@ -845,6 +850,7 @@
           <a:p>
             <a:fld id="{2BBF2EFA-5656-4F17-ABB9-B94C6EE7A36B}" type="slidenum">
               <a:rPr lang="en-NZ" smtClean="0"/>
+              <a:pPr/>
               <a:t>‹#›</a:t>
             </a:fld>
             <a:endParaRPr lang="en-NZ"/>
@@ -854,7 +860,7 @@
     </p:spTree>
     <p:extLst>
       <p:ext uri="{BB962C8B-B14F-4D97-AF65-F5344CB8AC3E}">
-        <p14:creationId xmlns:p14="http://schemas.microsoft.com/office/powerpoint/2010/main" val="1798571661"/>
+        <p14:creationId xmlns:p14="http://schemas.microsoft.com/office/powerpoint/2010/main" xmlns="" val="1798571661"/>
       </p:ext>
     </p:extLst>
   </p:cSld>
@@ -893,7 +899,7 @@
           <a:blip r:embed="rId2">
             <a:extLst>
               <a:ext uri="{28A0092B-C50C-407E-A947-70E740481C1C}">
-                <a14:useLocalDpi xmlns:a14="http://schemas.microsoft.com/office/drawing/2010/main" val="0"/>
+                <a14:useLocalDpi xmlns:a14="http://schemas.microsoft.com/office/drawing/2010/main" xmlns="" val="0"/>
               </a:ext>
             </a:extLst>
           </a:blip>
@@ -1103,7 +1109,8 @@
           <a:p>
             <a:fld id="{F1FEB44C-43DA-42AA-B9E9-395B842E5567}" type="datetimeFigureOut">
               <a:rPr lang="en-NZ" smtClean="0"/>
-              <a:t>30/08/2022</a:t>
+              <a:pPr/>
+              <a:t>31/08/2022</a:t>
             </a:fld>
             <a:endParaRPr lang="en-NZ"/>
           </a:p>
@@ -1155,6 +1162,7 @@
           <a:p>
             <a:fld id="{2BBF2EFA-5656-4F17-ABB9-B94C6EE7A36B}" type="slidenum">
               <a:rPr lang="en-NZ" smtClean="0"/>
+              <a:pPr/>
               <a:t>‹#›</a:t>
             </a:fld>
             <a:endParaRPr lang="en-NZ"/>
@@ -1396,7 +1404,7 @@
     </p:spTree>
     <p:extLst>
       <p:ext uri="{BB962C8B-B14F-4D97-AF65-F5344CB8AC3E}">
-        <p14:creationId xmlns:p14="http://schemas.microsoft.com/office/powerpoint/2010/main" val="2241860457"/>
+        <p14:creationId xmlns:p14="http://schemas.microsoft.com/office/powerpoint/2010/main" xmlns="" val="2241860457"/>
       </p:ext>
     </p:extLst>
   </p:cSld>
@@ -1435,7 +1443,7 @@
           <a:blip r:embed="rId2">
             <a:extLst>
               <a:ext uri="{28A0092B-C50C-407E-A947-70E740481C1C}">
-                <a14:useLocalDpi xmlns:a14="http://schemas.microsoft.com/office/drawing/2010/main" val="0"/>
+                <a14:useLocalDpi xmlns:a14="http://schemas.microsoft.com/office/drawing/2010/main" xmlns="" val="0"/>
               </a:ext>
             </a:extLst>
           </a:blip>
@@ -1576,7 +1584,8 @@
           <a:p>
             <a:fld id="{F1FEB44C-43DA-42AA-B9E9-395B842E5567}" type="datetimeFigureOut">
               <a:rPr lang="en-NZ" smtClean="0"/>
-              <a:t>30/08/2022</a:t>
+              <a:pPr/>
+              <a:t>31/08/2022</a:t>
             </a:fld>
             <a:endParaRPr lang="en-NZ"/>
           </a:p>
@@ -1628,6 +1637,7 @@
           <a:p>
             <a:fld id="{2BBF2EFA-5656-4F17-ABB9-B94C6EE7A36B}" type="slidenum">
               <a:rPr lang="en-NZ" smtClean="0"/>
+              <a:pPr/>
               <a:t>‹#›</a:t>
             </a:fld>
             <a:endParaRPr lang="en-NZ"/>
@@ -1637,7 +1647,7 @@
     </p:spTree>
     <p:extLst>
       <p:ext uri="{BB962C8B-B14F-4D97-AF65-F5344CB8AC3E}">
-        <p14:creationId xmlns:p14="http://schemas.microsoft.com/office/powerpoint/2010/main" val="3785431333"/>
+        <p14:creationId xmlns:p14="http://schemas.microsoft.com/office/powerpoint/2010/main" xmlns="" val="3785431333"/>
       </p:ext>
     </p:extLst>
   </p:cSld>
@@ -2123,7 +2133,8 @@
           <a:p>
             <a:fld id="{F1FEB44C-43DA-42AA-B9E9-395B842E5567}" type="datetimeFigureOut">
               <a:rPr lang="en-NZ" smtClean="0"/>
-              <a:t>30/08/2022</a:t>
+              <a:pPr/>
+              <a:t>31/08/2022</a:t>
             </a:fld>
             <a:endParaRPr lang="en-NZ"/>
           </a:p>
@@ -2165,6 +2176,7 @@
           <a:p>
             <a:fld id="{2BBF2EFA-5656-4F17-ABB9-B94C6EE7A36B}" type="slidenum">
               <a:rPr lang="en-NZ" smtClean="0"/>
+              <a:pPr/>
               <a:t>‹#›</a:t>
             </a:fld>
             <a:endParaRPr lang="en-NZ"/>
@@ -2174,7 +2186,7 @@
     </p:spTree>
     <p:extLst>
       <p:ext uri="{BB962C8B-B14F-4D97-AF65-F5344CB8AC3E}">
-        <p14:creationId xmlns:p14="http://schemas.microsoft.com/office/powerpoint/2010/main" val="3188093362"/>
+        <p14:creationId xmlns:p14="http://schemas.microsoft.com/office/powerpoint/2010/main" xmlns="" val="3188093362"/>
       </p:ext>
     </p:extLst>
   </p:cSld>
@@ -2897,7 +2909,8 @@
           <a:p>
             <a:fld id="{F1FEB44C-43DA-42AA-B9E9-395B842E5567}" type="datetimeFigureOut">
               <a:rPr lang="en-NZ" smtClean="0"/>
-              <a:t>30/08/2022</a:t>
+              <a:pPr/>
+              <a:t>31/08/2022</a:t>
             </a:fld>
             <a:endParaRPr lang="en-NZ"/>
           </a:p>
@@ -2939,6 +2952,7 @@
           <a:p>
             <a:fld id="{2BBF2EFA-5656-4F17-ABB9-B94C6EE7A36B}" type="slidenum">
               <a:rPr lang="en-NZ" smtClean="0"/>
+              <a:pPr/>
               <a:t>‹#›</a:t>
             </a:fld>
             <a:endParaRPr lang="en-NZ"/>
@@ -2948,7 +2962,7 @@
     </p:spTree>
     <p:extLst>
       <p:ext uri="{BB962C8B-B14F-4D97-AF65-F5344CB8AC3E}">
-        <p14:creationId xmlns:p14="http://schemas.microsoft.com/office/powerpoint/2010/main" val="1247721429"/>
+        <p14:creationId xmlns:p14="http://schemas.microsoft.com/office/powerpoint/2010/main" xmlns="" val="1247721429"/>
       </p:ext>
     </p:extLst>
   </p:cSld>
@@ -3072,7 +3086,8 @@
           <a:p>
             <a:fld id="{F1FEB44C-43DA-42AA-B9E9-395B842E5567}" type="datetimeFigureOut">
               <a:rPr lang="en-NZ" smtClean="0"/>
-              <a:t>30/08/2022</a:t>
+              <a:pPr/>
+              <a:t>31/08/2022</a:t>
             </a:fld>
             <a:endParaRPr lang="en-NZ"/>
           </a:p>
@@ -3114,6 +3129,7 @@
           <a:p>
             <a:fld id="{2BBF2EFA-5656-4F17-ABB9-B94C6EE7A36B}" type="slidenum">
               <a:rPr lang="en-NZ" smtClean="0"/>
+              <a:pPr/>
               <a:t>‹#›</a:t>
             </a:fld>
             <a:endParaRPr lang="en-NZ"/>
@@ -3123,7 +3139,7 @@
     </p:spTree>
     <p:extLst>
       <p:ext uri="{BB962C8B-B14F-4D97-AF65-F5344CB8AC3E}">
-        <p14:creationId xmlns:p14="http://schemas.microsoft.com/office/powerpoint/2010/main" val="1314504317"/>
+        <p14:creationId xmlns:p14="http://schemas.microsoft.com/office/powerpoint/2010/main" xmlns="" val="1314504317"/>
       </p:ext>
     </p:extLst>
   </p:cSld>
@@ -3162,7 +3178,7 @@
           <a:blip r:embed="rId2">
             <a:extLst>
               <a:ext uri="{28A0092B-C50C-407E-A947-70E740481C1C}">
-                <a14:useLocalDpi xmlns:a14="http://schemas.microsoft.com/office/drawing/2010/main" val="0"/>
+                <a14:useLocalDpi xmlns:a14="http://schemas.microsoft.com/office/drawing/2010/main" xmlns="" val="0"/>
               </a:ext>
             </a:extLst>
           </a:blip>
@@ -3295,7 +3311,8 @@
           <a:p>
             <a:fld id="{F1FEB44C-43DA-42AA-B9E9-395B842E5567}" type="datetimeFigureOut">
               <a:rPr lang="en-NZ" smtClean="0"/>
-              <a:t>30/08/2022</a:t>
+              <a:pPr/>
+              <a:t>31/08/2022</a:t>
             </a:fld>
             <a:endParaRPr lang="en-NZ"/>
           </a:p>
@@ -3347,6 +3364,7 @@
           <a:p>
             <a:fld id="{2BBF2EFA-5656-4F17-ABB9-B94C6EE7A36B}" type="slidenum">
               <a:rPr lang="en-NZ" smtClean="0"/>
+              <a:pPr/>
               <a:t>‹#›</a:t>
             </a:fld>
             <a:endParaRPr lang="en-NZ"/>
@@ -3356,7 +3374,7 @@
     </p:spTree>
     <p:extLst>
       <p:ext uri="{BB962C8B-B14F-4D97-AF65-F5344CB8AC3E}">
-        <p14:creationId xmlns:p14="http://schemas.microsoft.com/office/powerpoint/2010/main" val="3268017753"/>
+        <p14:creationId xmlns:p14="http://schemas.microsoft.com/office/powerpoint/2010/main" xmlns="" val="3268017753"/>
       </p:ext>
     </p:extLst>
   </p:cSld>
@@ -3475,7 +3493,8 @@
           <a:p>
             <a:fld id="{F1FEB44C-43DA-42AA-B9E9-395B842E5567}" type="datetimeFigureOut">
               <a:rPr lang="en-NZ" smtClean="0"/>
-              <a:t>30/08/2022</a:t>
+              <a:pPr/>
+              <a:t>31/08/2022</a:t>
             </a:fld>
             <a:endParaRPr lang="en-NZ"/>
           </a:p>
@@ -3517,6 +3536,7 @@
           <a:p>
             <a:fld id="{2BBF2EFA-5656-4F17-ABB9-B94C6EE7A36B}" type="slidenum">
               <a:rPr lang="en-NZ" smtClean="0"/>
+              <a:pPr/>
               <a:t>‹#›</a:t>
             </a:fld>
             <a:endParaRPr lang="en-NZ"/>
@@ -3526,7 +3546,7 @@
     </p:spTree>
     <p:extLst>
       <p:ext uri="{BB962C8B-B14F-4D97-AF65-F5344CB8AC3E}">
-        <p14:creationId xmlns:p14="http://schemas.microsoft.com/office/powerpoint/2010/main" val="900410543"/>
+        <p14:creationId xmlns:p14="http://schemas.microsoft.com/office/powerpoint/2010/main" xmlns="" val="900410543"/>
       </p:ext>
     </p:extLst>
   </p:cSld>
@@ -3565,7 +3585,7 @@
           <a:blip r:embed="rId2">
             <a:extLst>
               <a:ext uri="{28A0092B-C50C-407E-A947-70E740481C1C}">
-                <a14:useLocalDpi xmlns:a14="http://schemas.microsoft.com/office/drawing/2010/main" val="0"/>
+                <a14:useLocalDpi xmlns:a14="http://schemas.microsoft.com/office/drawing/2010/main" xmlns="" val="0"/>
               </a:ext>
             </a:extLst>
           </a:blip>
@@ -3764,7 +3784,8 @@
           <a:p>
             <a:fld id="{F1FEB44C-43DA-42AA-B9E9-395B842E5567}" type="datetimeFigureOut">
               <a:rPr lang="en-NZ" smtClean="0"/>
-              <a:t>30/08/2022</a:t>
+              <a:pPr/>
+              <a:t>31/08/2022</a:t>
             </a:fld>
             <a:endParaRPr lang="en-NZ"/>
           </a:p>
@@ -3816,6 +3837,7 @@
           <a:p>
             <a:fld id="{2BBF2EFA-5656-4F17-ABB9-B94C6EE7A36B}" type="slidenum">
               <a:rPr lang="en-NZ" smtClean="0"/>
+              <a:pPr/>
               <a:t>‹#›</a:t>
             </a:fld>
             <a:endParaRPr lang="en-NZ"/>
@@ -3825,7 +3847,7 @@
     </p:spTree>
     <p:extLst>
       <p:ext uri="{BB962C8B-B14F-4D97-AF65-F5344CB8AC3E}">
-        <p14:creationId xmlns:p14="http://schemas.microsoft.com/office/powerpoint/2010/main" val="2811421413"/>
+        <p14:creationId xmlns:p14="http://schemas.microsoft.com/office/powerpoint/2010/main" xmlns="" val="2811421413"/>
       </p:ext>
     </p:extLst>
   </p:cSld>
@@ -4006,7 +4028,8 @@
           <a:p>
             <a:fld id="{F1FEB44C-43DA-42AA-B9E9-395B842E5567}" type="datetimeFigureOut">
               <a:rPr lang="en-NZ" smtClean="0"/>
-              <a:t>30/08/2022</a:t>
+              <a:pPr/>
+              <a:t>31/08/2022</a:t>
             </a:fld>
             <a:endParaRPr lang="en-NZ"/>
           </a:p>
@@ -4048,6 +4071,7 @@
           <a:p>
             <a:fld id="{2BBF2EFA-5656-4F17-ABB9-B94C6EE7A36B}" type="slidenum">
               <a:rPr lang="en-NZ" smtClean="0"/>
+              <a:pPr/>
               <a:t>‹#›</a:t>
             </a:fld>
             <a:endParaRPr lang="en-NZ"/>
@@ -4057,7 +4081,7 @@
     </p:spTree>
     <p:extLst>
       <p:ext uri="{BB962C8B-B14F-4D97-AF65-F5344CB8AC3E}">
-        <p14:creationId xmlns:p14="http://schemas.microsoft.com/office/powerpoint/2010/main" val="2818974999"/>
+        <p14:creationId xmlns:p14="http://schemas.microsoft.com/office/powerpoint/2010/main" xmlns="" val="2818974999"/>
       </p:ext>
     </p:extLst>
   </p:cSld>
@@ -4385,7 +4409,8 @@
           <a:p>
             <a:fld id="{F1FEB44C-43DA-42AA-B9E9-395B842E5567}" type="datetimeFigureOut">
               <a:rPr lang="en-NZ" smtClean="0"/>
-              <a:t>30/08/2022</a:t>
+              <a:pPr/>
+              <a:t>31/08/2022</a:t>
             </a:fld>
             <a:endParaRPr lang="en-NZ"/>
           </a:p>
@@ -4427,6 +4452,7 @@
           <a:p>
             <a:fld id="{2BBF2EFA-5656-4F17-ABB9-B94C6EE7A36B}" type="slidenum">
               <a:rPr lang="en-NZ" smtClean="0"/>
+              <a:pPr/>
               <a:t>‹#›</a:t>
             </a:fld>
             <a:endParaRPr lang="en-NZ"/>
@@ -4436,7 +4462,7 @@
     </p:spTree>
     <p:extLst>
       <p:ext uri="{BB962C8B-B14F-4D97-AF65-F5344CB8AC3E}">
-        <p14:creationId xmlns:p14="http://schemas.microsoft.com/office/powerpoint/2010/main" val="3602584676"/>
+        <p14:creationId xmlns:p14="http://schemas.microsoft.com/office/powerpoint/2010/main" xmlns="" val="3602584676"/>
       </p:ext>
     </p:extLst>
   </p:cSld>
@@ -4503,7 +4529,8 @@
           <a:p>
             <a:fld id="{F1FEB44C-43DA-42AA-B9E9-395B842E5567}" type="datetimeFigureOut">
               <a:rPr lang="en-NZ" smtClean="0"/>
-              <a:t>30/08/2022</a:t>
+              <a:pPr/>
+              <a:t>31/08/2022</a:t>
             </a:fld>
             <a:endParaRPr lang="en-NZ"/>
           </a:p>
@@ -4545,6 +4572,7 @@
           <a:p>
             <a:fld id="{2BBF2EFA-5656-4F17-ABB9-B94C6EE7A36B}" type="slidenum">
               <a:rPr lang="en-NZ" smtClean="0"/>
+              <a:pPr/>
               <a:t>‹#›</a:t>
             </a:fld>
             <a:endParaRPr lang="en-NZ"/>
@@ -4554,7 +4582,7 @@
     </p:spTree>
     <p:extLst>
       <p:ext uri="{BB962C8B-B14F-4D97-AF65-F5344CB8AC3E}">
-        <p14:creationId xmlns:p14="http://schemas.microsoft.com/office/powerpoint/2010/main" val="3525800094"/>
+        <p14:creationId xmlns:p14="http://schemas.microsoft.com/office/powerpoint/2010/main" xmlns="" val="3525800094"/>
       </p:ext>
     </p:extLst>
   </p:cSld>
@@ -4598,7 +4626,8 @@
           <a:p>
             <a:fld id="{F1FEB44C-43DA-42AA-B9E9-395B842E5567}" type="datetimeFigureOut">
               <a:rPr lang="en-NZ" smtClean="0"/>
-              <a:t>30/08/2022</a:t>
+              <a:pPr/>
+              <a:t>31/08/2022</a:t>
             </a:fld>
             <a:endParaRPr lang="en-NZ"/>
           </a:p>
@@ -4640,6 +4669,7 @@
           <a:p>
             <a:fld id="{2BBF2EFA-5656-4F17-ABB9-B94C6EE7A36B}" type="slidenum">
               <a:rPr lang="en-NZ" smtClean="0"/>
+              <a:pPr/>
               <a:t>‹#›</a:t>
             </a:fld>
             <a:endParaRPr lang="en-NZ"/>
@@ -4649,7 +4679,7 @@
     </p:spTree>
     <p:extLst>
       <p:ext uri="{BB962C8B-B14F-4D97-AF65-F5344CB8AC3E}">
-        <p14:creationId xmlns:p14="http://schemas.microsoft.com/office/powerpoint/2010/main" val="900002222"/>
+        <p14:creationId xmlns:p14="http://schemas.microsoft.com/office/powerpoint/2010/main" xmlns="" val="900002222"/>
       </p:ext>
     </p:extLst>
   </p:cSld>
@@ -4847,7 +4877,8 @@
           <a:p>
             <a:fld id="{F1FEB44C-43DA-42AA-B9E9-395B842E5567}" type="datetimeFigureOut">
               <a:rPr lang="en-NZ" smtClean="0"/>
-              <a:t>30/08/2022</a:t>
+              <a:pPr/>
+              <a:t>31/08/2022</a:t>
             </a:fld>
             <a:endParaRPr lang="en-NZ"/>
           </a:p>
@@ -4889,6 +4920,7 @@
           <a:p>
             <a:fld id="{2BBF2EFA-5656-4F17-ABB9-B94C6EE7A36B}" type="slidenum">
               <a:rPr lang="en-NZ" smtClean="0"/>
+              <a:pPr/>
               <a:t>‹#›</a:t>
             </a:fld>
             <a:endParaRPr lang="en-NZ"/>
@@ -4898,7 +4930,7 @@
     </p:spTree>
     <p:extLst>
       <p:ext uri="{BB962C8B-B14F-4D97-AF65-F5344CB8AC3E}">
-        <p14:creationId xmlns:p14="http://schemas.microsoft.com/office/powerpoint/2010/main" val="1979681908"/>
+        <p14:creationId xmlns:p14="http://schemas.microsoft.com/office/powerpoint/2010/main" xmlns="" val="1979681908"/>
       </p:ext>
     </p:extLst>
   </p:cSld>
@@ -5104,7 +5136,8 @@
           <a:p>
             <a:fld id="{F1FEB44C-43DA-42AA-B9E9-395B842E5567}" type="datetimeFigureOut">
               <a:rPr lang="en-NZ" smtClean="0"/>
-              <a:t>30/08/2022</a:t>
+              <a:pPr/>
+              <a:t>31/08/2022</a:t>
             </a:fld>
             <a:endParaRPr lang="en-NZ"/>
           </a:p>
@@ -5146,6 +5179,7 @@
           <a:p>
             <a:fld id="{2BBF2EFA-5656-4F17-ABB9-B94C6EE7A36B}" type="slidenum">
               <a:rPr lang="en-NZ" smtClean="0"/>
+              <a:pPr/>
               <a:t>‹#›</a:t>
             </a:fld>
             <a:endParaRPr lang="en-NZ"/>
@@ -5155,7 +5189,7 @@
     </p:spTree>
     <p:extLst>
       <p:ext uri="{BB962C8B-B14F-4D97-AF65-F5344CB8AC3E}">
-        <p14:creationId xmlns:p14="http://schemas.microsoft.com/office/powerpoint/2010/main" val="3490336120"/>
+        <p14:creationId xmlns:p14="http://schemas.microsoft.com/office/powerpoint/2010/main" xmlns="" val="3490336120"/>
       </p:ext>
     </p:extLst>
   </p:cSld>
@@ -5199,7 +5233,7 @@
           <a:blip r:embed="rId19">
             <a:extLst>
               <a:ext uri="{28A0092B-C50C-407E-A947-70E740481C1C}">
-                <a14:useLocalDpi xmlns:a14="http://schemas.microsoft.com/office/drawing/2010/main" val="0"/>
+                <a14:useLocalDpi xmlns:a14="http://schemas.microsoft.com/office/drawing/2010/main" xmlns="" val="0"/>
               </a:ext>
             </a:extLst>
           </a:blip>
@@ -5347,7 +5381,8 @@
           <a:p>
             <a:fld id="{F1FEB44C-43DA-42AA-B9E9-395B842E5567}" type="datetimeFigureOut">
               <a:rPr lang="en-NZ" smtClean="0"/>
-              <a:t>30/08/2022</a:t>
+              <a:pPr/>
+              <a:t>31/08/2022</a:t>
             </a:fld>
             <a:endParaRPr lang="en-NZ"/>
           </a:p>
@@ -5425,6 +5460,7 @@
           <a:p>
             <a:fld id="{2BBF2EFA-5656-4F17-ABB9-B94C6EE7A36B}" type="slidenum">
               <a:rPr lang="en-NZ" smtClean="0"/>
+              <a:pPr/>
               <a:t>‹#›</a:t>
             </a:fld>
             <a:endParaRPr lang="en-NZ"/>
@@ -5434,7 +5470,7 @@
     </p:spTree>
     <p:extLst>
       <p:ext uri="{BB962C8B-B14F-4D97-AF65-F5344CB8AC3E}">
-        <p14:creationId xmlns:p14="http://schemas.microsoft.com/office/powerpoint/2010/main" val="475220722"/>
+        <p14:creationId xmlns:p14="http://schemas.microsoft.com/office/powerpoint/2010/main" xmlns="" val="475220722"/>
       </p:ext>
     </p:extLst>
   </p:cSld>
@@ -5763,7 +5799,7 @@
           <p:cNvPr id="2" name="标题 1">
             <a:extLst>
               <a:ext uri="{FF2B5EF4-FFF2-40B4-BE49-F238E27FC236}">
-                <a16:creationId xmlns:a16="http://schemas.microsoft.com/office/drawing/2014/main" id="{9378BB5D-5C77-1E3D-912F-AA79F30B85B4}"/>
+                <a16:creationId xmlns:a16="http://schemas.microsoft.com/office/drawing/2014/main" xmlns="" id="{9378BB5D-5C77-1E3D-912F-AA79F30B85B4}"/>
               </a:ext>
             </a:extLst>
           </p:cNvPr>
@@ -5794,7 +5830,7 @@
           <p:cNvPr id="3" name="副标题 2">
             <a:extLst>
               <a:ext uri="{FF2B5EF4-FFF2-40B4-BE49-F238E27FC236}">
-                <a16:creationId xmlns:a16="http://schemas.microsoft.com/office/drawing/2014/main" id="{BE25738F-A275-37A7-AD92-00E90E767875}"/>
+                <a16:creationId xmlns:a16="http://schemas.microsoft.com/office/drawing/2014/main" xmlns="" id="{BE25738F-A275-37A7-AD92-00E90E767875}"/>
               </a:ext>
             </a:extLst>
           </p:cNvPr>
@@ -5849,7 +5885,7 @@
     </p:spTree>
     <p:extLst>
       <p:ext uri="{BB962C8B-B14F-4D97-AF65-F5344CB8AC3E}">
-        <p14:creationId xmlns:p14="http://schemas.microsoft.com/office/powerpoint/2010/main" val="467902368"/>
+        <p14:creationId xmlns:p14="http://schemas.microsoft.com/office/powerpoint/2010/main" xmlns="" val="467902368"/>
       </p:ext>
     </p:extLst>
   </p:cSld>
@@ -5881,7 +5917,7 @@
           <p:cNvPr id="2" name="标题 1">
             <a:extLst>
               <a:ext uri="{FF2B5EF4-FFF2-40B4-BE49-F238E27FC236}">
-                <a16:creationId xmlns:a16="http://schemas.microsoft.com/office/drawing/2014/main" id="{B26EBC45-122C-5FE6-01A0-0B6F24E25785}"/>
+                <a16:creationId xmlns:a16="http://schemas.microsoft.com/office/drawing/2014/main" xmlns="" id="{B26EBC45-122C-5FE6-01A0-0B6F24E25785}"/>
               </a:ext>
             </a:extLst>
           </p:cNvPr>
@@ -5909,7 +5945,7 @@
           <p:cNvPr id="5" name="内容占位符 4">
             <a:extLst>
               <a:ext uri="{FF2B5EF4-FFF2-40B4-BE49-F238E27FC236}">
-                <a16:creationId xmlns:a16="http://schemas.microsoft.com/office/drawing/2014/main" id="{B34579D3-B1D0-FFDD-242D-00F815568178}"/>
+                <a16:creationId xmlns:a16="http://schemas.microsoft.com/office/drawing/2014/main" xmlns="" id="{B34579D3-B1D0-FFDD-242D-00F815568178}"/>
               </a:ext>
             </a:extLst>
           </p:cNvPr>
@@ -5924,7 +5960,7 @@
           <a:blip r:embed="rId2">
             <a:extLst>
               <a:ext uri="{28A0092B-C50C-407E-A947-70E740481C1C}">
-                <a14:useLocalDpi xmlns:a14="http://schemas.microsoft.com/office/drawing/2010/main" val="0"/>
+                <a14:useLocalDpi xmlns:a14="http://schemas.microsoft.com/office/drawing/2010/main" xmlns="" val="0"/>
               </a:ext>
             </a:extLst>
           </a:blip>
@@ -5942,7 +5978,7 @@
     </p:spTree>
     <p:extLst>
       <p:ext uri="{BB962C8B-B14F-4D97-AF65-F5344CB8AC3E}">
-        <p14:creationId xmlns:p14="http://schemas.microsoft.com/office/powerpoint/2010/main" val="3123407964"/>
+        <p14:creationId xmlns:p14="http://schemas.microsoft.com/office/powerpoint/2010/main" xmlns="" val="3123407964"/>
       </p:ext>
     </p:extLst>
   </p:cSld>
@@ -5974,7 +6010,7 @@
           <p:cNvPr id="2" name="标题 1">
             <a:extLst>
               <a:ext uri="{FF2B5EF4-FFF2-40B4-BE49-F238E27FC236}">
-                <a16:creationId xmlns:a16="http://schemas.microsoft.com/office/drawing/2014/main" id="{083AE34A-2EE8-6BAE-70F0-3E8DBE525781}"/>
+                <a16:creationId xmlns:a16="http://schemas.microsoft.com/office/drawing/2014/main" xmlns="" id="{083AE34A-2EE8-6BAE-70F0-3E8DBE525781}"/>
               </a:ext>
             </a:extLst>
           </p:cNvPr>
@@ -6002,7 +6038,7 @@
           <p:cNvPr id="3" name="内容占位符 2">
             <a:extLst>
               <a:ext uri="{FF2B5EF4-FFF2-40B4-BE49-F238E27FC236}">
-                <a16:creationId xmlns:a16="http://schemas.microsoft.com/office/drawing/2014/main" id="{D1631241-63E7-CCA1-C041-9CEE6DF91618}"/>
+                <a16:creationId xmlns:a16="http://schemas.microsoft.com/office/drawing/2014/main" xmlns="" id="{D1631241-63E7-CCA1-C041-9CEE6DF91618}"/>
               </a:ext>
             </a:extLst>
           </p:cNvPr>
@@ -6131,7 +6167,7 @@
     </p:spTree>
     <p:extLst>
       <p:ext uri="{BB962C8B-B14F-4D97-AF65-F5344CB8AC3E}">
-        <p14:creationId xmlns:p14="http://schemas.microsoft.com/office/powerpoint/2010/main" val="3396672449"/>
+        <p14:creationId xmlns:p14="http://schemas.microsoft.com/office/powerpoint/2010/main" xmlns="" val="3396672449"/>
       </p:ext>
     </p:extLst>
   </p:cSld>
@@ -6163,7 +6199,7 @@
           <p:cNvPr id="2" name="标题 1">
             <a:extLst>
               <a:ext uri="{FF2B5EF4-FFF2-40B4-BE49-F238E27FC236}">
-                <a16:creationId xmlns:a16="http://schemas.microsoft.com/office/drawing/2014/main" id="{BCD0B7BF-66C7-8E0C-EE6E-210BC09261AB}"/>
+                <a16:creationId xmlns:a16="http://schemas.microsoft.com/office/drawing/2014/main" xmlns="" id="{BCD0B7BF-66C7-8E0C-EE6E-210BC09261AB}"/>
               </a:ext>
             </a:extLst>
           </p:cNvPr>
@@ -6191,7 +6227,7 @@
           <p:cNvPr id="3" name="内容占位符 2">
             <a:extLst>
               <a:ext uri="{FF2B5EF4-FFF2-40B4-BE49-F238E27FC236}">
-                <a16:creationId xmlns:a16="http://schemas.microsoft.com/office/drawing/2014/main" id="{99BC1E35-F9E7-1295-FBBD-ED8B0075BF59}"/>
+                <a16:creationId xmlns:a16="http://schemas.microsoft.com/office/drawing/2014/main" xmlns="" id="{99BC1E35-F9E7-1295-FBBD-ED8B0075BF59}"/>
               </a:ext>
             </a:extLst>
           </p:cNvPr>
@@ -6241,7 +6277,7 @@
     </p:spTree>
     <p:extLst>
       <p:ext uri="{BB962C8B-B14F-4D97-AF65-F5344CB8AC3E}">
-        <p14:creationId xmlns:p14="http://schemas.microsoft.com/office/powerpoint/2010/main" val="358586711"/>
+        <p14:creationId xmlns:p14="http://schemas.microsoft.com/office/powerpoint/2010/main" xmlns="" val="358586711"/>
       </p:ext>
     </p:extLst>
   </p:cSld>
@@ -6273,7 +6309,7 @@
           <p:cNvPr id="2" name="标题 1">
             <a:extLst>
               <a:ext uri="{FF2B5EF4-FFF2-40B4-BE49-F238E27FC236}">
-                <a16:creationId xmlns:a16="http://schemas.microsoft.com/office/drawing/2014/main" id="{7968832C-C89A-B085-ABDF-723E25F15B4E}"/>
+                <a16:creationId xmlns:a16="http://schemas.microsoft.com/office/drawing/2014/main" xmlns="" id="{7968832C-C89A-B085-ABDF-723E25F15B4E}"/>
               </a:ext>
             </a:extLst>
           </p:cNvPr>
@@ -6301,7 +6337,7 @@
           <p:cNvPr id="3" name="内容占位符 2">
             <a:extLst>
               <a:ext uri="{FF2B5EF4-FFF2-40B4-BE49-F238E27FC236}">
-                <a16:creationId xmlns:a16="http://schemas.microsoft.com/office/drawing/2014/main" id="{4029B2BD-2B47-E1CA-0E88-D9FBD2CA4E6C}"/>
+                <a16:creationId xmlns:a16="http://schemas.microsoft.com/office/drawing/2014/main" xmlns="" id="{4029B2BD-2B47-E1CA-0E88-D9FBD2CA4E6C}"/>
               </a:ext>
             </a:extLst>
           </p:cNvPr>
@@ -6324,7 +6360,7 @@
     </p:spTree>
     <p:extLst>
       <p:ext uri="{BB962C8B-B14F-4D97-AF65-F5344CB8AC3E}">
-        <p14:creationId xmlns:p14="http://schemas.microsoft.com/office/powerpoint/2010/main" val="1669517618"/>
+        <p14:creationId xmlns:p14="http://schemas.microsoft.com/office/powerpoint/2010/main" xmlns="" val="1669517618"/>
       </p:ext>
     </p:extLst>
   </p:cSld>
@@ -6356,7 +6392,7 @@
           <p:cNvPr id="2" name="标题 1">
             <a:extLst>
               <a:ext uri="{FF2B5EF4-FFF2-40B4-BE49-F238E27FC236}">
-                <a16:creationId xmlns:a16="http://schemas.microsoft.com/office/drawing/2014/main" id="{931FF632-26A4-A3C5-3BFA-108378087F3B}"/>
+                <a16:creationId xmlns:a16="http://schemas.microsoft.com/office/drawing/2014/main" xmlns="" id="{931FF632-26A4-A3C5-3BFA-108378087F3B}"/>
               </a:ext>
             </a:extLst>
           </p:cNvPr>
@@ -6384,7 +6420,7 @@
           <p:cNvPr id="3" name="内容占位符 2">
             <a:extLst>
               <a:ext uri="{FF2B5EF4-FFF2-40B4-BE49-F238E27FC236}">
-                <a16:creationId xmlns:a16="http://schemas.microsoft.com/office/drawing/2014/main" id="{10C10AB0-F6BB-26E5-C279-0931E8572F2F}"/>
+                <a16:creationId xmlns:a16="http://schemas.microsoft.com/office/drawing/2014/main" xmlns="" id="{10C10AB0-F6BB-26E5-C279-0931E8572F2F}"/>
               </a:ext>
             </a:extLst>
           </p:cNvPr>
@@ -6410,7 +6446,7 @@
     </p:spTree>
     <p:extLst>
       <p:ext uri="{BB962C8B-B14F-4D97-AF65-F5344CB8AC3E}">
-        <p14:creationId xmlns:p14="http://schemas.microsoft.com/office/powerpoint/2010/main" val="1405912245"/>
+        <p14:creationId xmlns:p14="http://schemas.microsoft.com/office/powerpoint/2010/main" xmlns="" val="1405912245"/>
       </p:ext>
     </p:extLst>
   </p:cSld>
@@ -6442,7 +6478,7 @@
           <p:cNvPr id="2" name="标题 1">
             <a:extLst>
               <a:ext uri="{FF2B5EF4-FFF2-40B4-BE49-F238E27FC236}">
-                <a16:creationId xmlns:a16="http://schemas.microsoft.com/office/drawing/2014/main" id="{3B121F95-2659-B777-A490-44CC5DFFC3A1}"/>
+                <a16:creationId xmlns:a16="http://schemas.microsoft.com/office/drawing/2014/main" xmlns="" id="{3B121F95-2659-B777-A490-44CC5DFFC3A1}"/>
               </a:ext>
             </a:extLst>
           </p:cNvPr>
@@ -6470,7 +6506,7 @@
           <p:cNvPr id="3" name="内容占位符 2">
             <a:extLst>
               <a:ext uri="{FF2B5EF4-FFF2-40B4-BE49-F238E27FC236}">
-                <a16:creationId xmlns:a16="http://schemas.microsoft.com/office/drawing/2014/main" id="{7A6FE493-6895-3F84-9D5F-AB2A89BCCCAE}"/>
+                <a16:creationId xmlns:a16="http://schemas.microsoft.com/office/drawing/2014/main" xmlns="" id="{7A6FE493-6895-3F84-9D5F-AB2A89BCCCAE}"/>
               </a:ext>
             </a:extLst>
           </p:cNvPr>
@@ -6543,7 +6579,7 @@
     </p:spTree>
     <p:extLst>
       <p:ext uri="{BB962C8B-B14F-4D97-AF65-F5344CB8AC3E}">
-        <p14:creationId xmlns:p14="http://schemas.microsoft.com/office/powerpoint/2010/main" val="3104536044"/>
+        <p14:creationId xmlns:p14="http://schemas.microsoft.com/office/powerpoint/2010/main" xmlns="" val="3104536044"/>
       </p:ext>
     </p:extLst>
   </p:cSld>
@@ -6575,7 +6611,7 @@
           <p:cNvPr id="2" name="标题 1">
             <a:extLst>
               <a:ext uri="{FF2B5EF4-FFF2-40B4-BE49-F238E27FC236}">
-                <a16:creationId xmlns:a16="http://schemas.microsoft.com/office/drawing/2014/main" id="{92465190-A9B5-15FB-0CC7-52D427954EC8}"/>
+                <a16:creationId xmlns:a16="http://schemas.microsoft.com/office/drawing/2014/main" xmlns="" id="{92465190-A9B5-15FB-0CC7-52D427954EC8}"/>
               </a:ext>
             </a:extLst>
           </p:cNvPr>
@@ -6603,7 +6639,7 @@
           <p:cNvPr id="3" name="内容占位符 2">
             <a:extLst>
               <a:ext uri="{FF2B5EF4-FFF2-40B4-BE49-F238E27FC236}">
-                <a16:creationId xmlns:a16="http://schemas.microsoft.com/office/drawing/2014/main" id="{CAC7A421-7F2F-3B65-83AB-9B04FEA923A7}"/>
+                <a16:creationId xmlns:a16="http://schemas.microsoft.com/office/drawing/2014/main" xmlns="" id="{CAC7A421-7F2F-3B65-83AB-9B04FEA923A7}"/>
               </a:ext>
             </a:extLst>
           </p:cNvPr>
@@ -6657,7 +6693,7 @@
     </p:spTree>
     <p:extLst>
       <p:ext uri="{BB962C8B-B14F-4D97-AF65-F5344CB8AC3E}">
-        <p14:creationId xmlns:p14="http://schemas.microsoft.com/office/powerpoint/2010/main" val="3295134947"/>
+        <p14:creationId xmlns:p14="http://schemas.microsoft.com/office/powerpoint/2010/main" xmlns="" val="3295134947"/>
       </p:ext>
     </p:extLst>
   </p:cSld>
@@ -6689,7 +6725,7 @@
           <p:cNvPr id="2" name="标题 1">
             <a:extLst>
               <a:ext uri="{FF2B5EF4-FFF2-40B4-BE49-F238E27FC236}">
-                <a16:creationId xmlns:a16="http://schemas.microsoft.com/office/drawing/2014/main" id="{FCD0B3A6-F68D-1E92-C281-AEDB26248FFD}"/>
+                <a16:creationId xmlns:a16="http://schemas.microsoft.com/office/drawing/2014/main" xmlns="" id="{FCD0B3A6-F68D-1E92-C281-AEDB26248FFD}"/>
               </a:ext>
             </a:extLst>
           </p:cNvPr>
@@ -6722,7 +6758,7 @@
           <p:cNvPr id="3" name="内容占位符 2">
             <a:extLst>
               <a:ext uri="{FF2B5EF4-FFF2-40B4-BE49-F238E27FC236}">
-                <a16:creationId xmlns:a16="http://schemas.microsoft.com/office/drawing/2014/main" id="{78485416-BC42-8064-E043-36117E18E39D}"/>
+                <a16:creationId xmlns:a16="http://schemas.microsoft.com/office/drawing/2014/main" xmlns="" id="{78485416-BC42-8064-E043-36117E18E39D}"/>
               </a:ext>
             </a:extLst>
           </p:cNvPr>
@@ -6753,7 +6789,7 @@
           <p:cNvPr id="5" name="图片 4">
             <a:extLst>
               <a:ext uri="{FF2B5EF4-FFF2-40B4-BE49-F238E27FC236}">
-                <a16:creationId xmlns:a16="http://schemas.microsoft.com/office/drawing/2014/main" id="{FD0FF263-82E7-8F18-CDC3-B5F66EC461C5}"/>
+                <a16:creationId xmlns:a16="http://schemas.microsoft.com/office/drawing/2014/main" xmlns="" id="{FD0FF263-82E7-8F18-CDC3-B5F66EC461C5}"/>
               </a:ext>
             </a:extLst>
           </p:cNvPr>
@@ -6766,7 +6802,7 @@
           <a:blip r:embed="rId2">
             <a:extLst>
               <a:ext uri="{28A0092B-C50C-407E-A947-70E740481C1C}">
-                <a14:useLocalDpi xmlns:a14="http://schemas.microsoft.com/office/drawing/2010/main" val="0"/>
+                <a14:useLocalDpi xmlns:a14="http://schemas.microsoft.com/office/drawing/2010/main" xmlns="" val="0"/>
               </a:ext>
             </a:extLst>
           </a:blip>
@@ -6789,7 +6825,7 @@
           <p:cNvPr id="7" name="图片 6">
             <a:extLst>
               <a:ext uri="{FF2B5EF4-FFF2-40B4-BE49-F238E27FC236}">
-                <a16:creationId xmlns:a16="http://schemas.microsoft.com/office/drawing/2014/main" id="{B6D4D5DA-1838-0E59-1374-8C6526271A56}"/>
+                <a16:creationId xmlns:a16="http://schemas.microsoft.com/office/drawing/2014/main" xmlns="" id="{B6D4D5DA-1838-0E59-1374-8C6526271A56}"/>
               </a:ext>
             </a:extLst>
           </p:cNvPr>
@@ -6802,7 +6838,7 @@
           <a:blip r:embed="rId3">
             <a:extLst>
               <a:ext uri="{28A0092B-C50C-407E-A947-70E740481C1C}">
-                <a14:useLocalDpi xmlns:a14="http://schemas.microsoft.com/office/drawing/2010/main" val="0"/>
+                <a14:useLocalDpi xmlns:a14="http://schemas.microsoft.com/office/drawing/2010/main" xmlns="" val="0"/>
               </a:ext>
             </a:extLst>
           </a:blip>
@@ -6825,7 +6861,7 @@
           <p:cNvPr id="9" name="图片 8">
             <a:extLst>
               <a:ext uri="{FF2B5EF4-FFF2-40B4-BE49-F238E27FC236}">
-                <a16:creationId xmlns:a16="http://schemas.microsoft.com/office/drawing/2014/main" id="{FF651C45-FDCD-6C22-94A4-F7073AFDB5F7}"/>
+                <a16:creationId xmlns:a16="http://schemas.microsoft.com/office/drawing/2014/main" xmlns="" id="{FF651C45-FDCD-6C22-94A4-F7073AFDB5F7}"/>
               </a:ext>
             </a:extLst>
           </p:cNvPr>
@@ -6838,7 +6874,7 @@
           <a:blip r:embed="rId4">
             <a:extLst>
               <a:ext uri="{28A0092B-C50C-407E-A947-70E740481C1C}">
-                <a14:useLocalDpi xmlns:a14="http://schemas.microsoft.com/office/drawing/2010/main" val="0"/>
+                <a14:useLocalDpi xmlns:a14="http://schemas.microsoft.com/office/drawing/2010/main" xmlns="" val="0"/>
               </a:ext>
             </a:extLst>
           </a:blip>
@@ -6861,7 +6897,7 @@
           <p:cNvPr id="11" name="图片 10">
             <a:extLst>
               <a:ext uri="{FF2B5EF4-FFF2-40B4-BE49-F238E27FC236}">
-                <a16:creationId xmlns:a16="http://schemas.microsoft.com/office/drawing/2014/main" id="{9773E204-33CE-964E-0098-1E0F62D66402}"/>
+                <a16:creationId xmlns:a16="http://schemas.microsoft.com/office/drawing/2014/main" xmlns="" id="{9773E204-33CE-964E-0098-1E0F62D66402}"/>
               </a:ext>
             </a:extLst>
           </p:cNvPr>
@@ -6874,7 +6910,7 @@
           <a:blip r:embed="rId5">
             <a:extLst>
               <a:ext uri="{28A0092B-C50C-407E-A947-70E740481C1C}">
-                <a14:useLocalDpi xmlns:a14="http://schemas.microsoft.com/office/drawing/2010/main" val="0"/>
+                <a14:useLocalDpi xmlns:a14="http://schemas.microsoft.com/office/drawing/2010/main" xmlns="" val="0"/>
               </a:ext>
             </a:extLst>
           </a:blip>
@@ -6895,7 +6931,7 @@
     </p:spTree>
     <p:extLst>
       <p:ext uri="{BB962C8B-B14F-4D97-AF65-F5344CB8AC3E}">
-        <p14:creationId xmlns:p14="http://schemas.microsoft.com/office/powerpoint/2010/main" val="2552742250"/>
+        <p14:creationId xmlns:p14="http://schemas.microsoft.com/office/powerpoint/2010/main" xmlns="" val="2552742250"/>
       </p:ext>
     </p:extLst>
   </p:cSld>
@@ -6927,7 +6963,7 @@
           <p:cNvPr id="2" name="标题 1">
             <a:extLst>
               <a:ext uri="{FF2B5EF4-FFF2-40B4-BE49-F238E27FC236}">
-                <a16:creationId xmlns:a16="http://schemas.microsoft.com/office/drawing/2014/main" id="{1C26FFD8-8C79-58A2-F8D7-E748D28C4407}"/>
+                <a16:creationId xmlns:a16="http://schemas.microsoft.com/office/drawing/2014/main" xmlns="" id="{1C26FFD8-8C79-58A2-F8D7-E748D28C4407}"/>
               </a:ext>
             </a:extLst>
           </p:cNvPr>
@@ -6957,7 +6993,7 @@
           <p:cNvPr id="3" name="内容占位符 2">
             <a:extLst>
               <a:ext uri="{FF2B5EF4-FFF2-40B4-BE49-F238E27FC236}">
-                <a16:creationId xmlns:a16="http://schemas.microsoft.com/office/drawing/2014/main" id="{41F1D2A7-5294-7557-9EB3-8D491A63F4EB}"/>
+                <a16:creationId xmlns:a16="http://schemas.microsoft.com/office/drawing/2014/main" xmlns="" id="{41F1D2A7-5294-7557-9EB3-8D491A63F4EB}"/>
               </a:ext>
             </a:extLst>
           </p:cNvPr>
@@ -6992,7 +7028,7 @@
           <p:cNvPr id="4" name="内容占位符 2">
             <a:extLst>
               <a:ext uri="{FF2B5EF4-FFF2-40B4-BE49-F238E27FC236}">
-                <a16:creationId xmlns:a16="http://schemas.microsoft.com/office/drawing/2014/main" id="{4FF7128B-6B50-FCD4-9C75-80B7963E49CE}"/>
+                <a16:creationId xmlns:a16="http://schemas.microsoft.com/office/drawing/2014/main" xmlns="" id="{4FF7128B-6B50-FCD4-9C75-80B7963E49CE}"/>
               </a:ext>
             </a:extLst>
           </p:cNvPr>
@@ -7191,7 +7227,7 @@
           <p:cNvPr id="6" name="内容占位符 2">
             <a:extLst>
               <a:ext uri="{FF2B5EF4-FFF2-40B4-BE49-F238E27FC236}">
-                <a16:creationId xmlns:a16="http://schemas.microsoft.com/office/drawing/2014/main" id="{F12022C7-B80B-2281-9B7A-0C3246F09551}"/>
+                <a16:creationId xmlns:a16="http://schemas.microsoft.com/office/drawing/2014/main" xmlns="" id="{F12022C7-B80B-2281-9B7A-0C3246F09551}"/>
               </a:ext>
             </a:extLst>
           </p:cNvPr>
@@ -7399,7 +7435,7 @@
           <p:cNvPr id="8" name="内容占位符 2">
             <a:extLst>
               <a:ext uri="{FF2B5EF4-FFF2-40B4-BE49-F238E27FC236}">
-                <a16:creationId xmlns:a16="http://schemas.microsoft.com/office/drawing/2014/main" id="{764F7FE3-0392-CCF7-AAD7-C83EF28C73C9}"/>
+                <a16:creationId xmlns:a16="http://schemas.microsoft.com/office/drawing/2014/main" xmlns="" id="{764F7FE3-0392-CCF7-AAD7-C83EF28C73C9}"/>
               </a:ext>
             </a:extLst>
           </p:cNvPr>
@@ -7596,7 +7632,7 @@
     </p:spTree>
     <p:extLst>
       <p:ext uri="{BB962C8B-B14F-4D97-AF65-F5344CB8AC3E}">
-        <p14:creationId xmlns:p14="http://schemas.microsoft.com/office/powerpoint/2010/main" val="244496848"/>
+        <p14:creationId xmlns:p14="http://schemas.microsoft.com/office/powerpoint/2010/main" xmlns="" val="244496848"/>
       </p:ext>
     </p:extLst>
   </p:cSld>
@@ -7628,7 +7664,7 @@
           <p:cNvPr id="7" name="标题 6">
             <a:extLst>
               <a:ext uri="{FF2B5EF4-FFF2-40B4-BE49-F238E27FC236}">
-                <a16:creationId xmlns:a16="http://schemas.microsoft.com/office/drawing/2014/main" id="{CD83F32C-8A6B-5F30-3947-35CFC8F07AD6}"/>
+                <a16:creationId xmlns:a16="http://schemas.microsoft.com/office/drawing/2014/main" xmlns="" id="{CD83F32C-8A6B-5F30-3947-35CFC8F07AD6}"/>
               </a:ext>
             </a:extLst>
           </p:cNvPr>
@@ -7663,7 +7699,7 @@
           <p:cNvPr id="5" name="内容占位符 4">
             <a:extLst>
               <a:ext uri="{FF2B5EF4-FFF2-40B4-BE49-F238E27FC236}">
-                <a16:creationId xmlns:a16="http://schemas.microsoft.com/office/drawing/2014/main" id="{A72F22B4-E4AA-DED2-4FE8-84589D8E0072}"/>
+                <a16:creationId xmlns:a16="http://schemas.microsoft.com/office/drawing/2014/main" xmlns="" id="{A72F22B4-E4AA-DED2-4FE8-84589D8E0072}"/>
               </a:ext>
             </a:extLst>
           </p:cNvPr>
@@ -7678,7 +7714,7 @@
           <a:blip r:embed="rId2">
             <a:extLst>
               <a:ext uri="{28A0092B-C50C-407E-A947-70E740481C1C}">
-                <a14:useLocalDpi xmlns:a14="http://schemas.microsoft.com/office/drawing/2010/main" val="0"/>
+                <a14:useLocalDpi xmlns:a14="http://schemas.microsoft.com/office/drawing/2010/main" xmlns="" val="0"/>
               </a:ext>
             </a:extLst>
           </a:blip>
@@ -7698,7 +7734,7 @@
           <p:cNvPr id="8" name="文本框 7">
             <a:extLst>
               <a:ext uri="{FF2B5EF4-FFF2-40B4-BE49-F238E27FC236}">
-                <a16:creationId xmlns:a16="http://schemas.microsoft.com/office/drawing/2014/main" id="{848B05F5-64E6-7B36-6AD3-7E4F7830C95F}"/>
+                <a16:creationId xmlns:a16="http://schemas.microsoft.com/office/drawing/2014/main" xmlns="" id="{848B05F5-64E6-7B36-6AD3-7E4F7830C95F}"/>
               </a:ext>
             </a:extLst>
           </p:cNvPr>
@@ -7750,7 +7786,7 @@
     </p:spTree>
     <p:extLst>
       <p:ext uri="{BB962C8B-B14F-4D97-AF65-F5344CB8AC3E}">
-        <p14:creationId xmlns:p14="http://schemas.microsoft.com/office/powerpoint/2010/main" val="4200007885"/>
+        <p14:creationId xmlns:p14="http://schemas.microsoft.com/office/powerpoint/2010/main" xmlns="" val="4200007885"/>
       </p:ext>
     </p:extLst>
   </p:cSld>
@@ -7782,7 +7818,7 @@
           <p:cNvPr id="2" name="标题 1">
             <a:extLst>
               <a:ext uri="{FF2B5EF4-FFF2-40B4-BE49-F238E27FC236}">
-                <a16:creationId xmlns:a16="http://schemas.microsoft.com/office/drawing/2014/main" id="{B3F13335-104A-015E-3032-EACBD2BEBA00}"/>
+                <a16:creationId xmlns:a16="http://schemas.microsoft.com/office/drawing/2014/main" xmlns="" id="{B3F13335-104A-015E-3032-EACBD2BEBA00}"/>
               </a:ext>
             </a:extLst>
           </p:cNvPr>
@@ -7810,7 +7846,7 @@
           <p:cNvPr id="5" name="内容占位符 4">
             <a:extLst>
               <a:ext uri="{FF2B5EF4-FFF2-40B4-BE49-F238E27FC236}">
-                <a16:creationId xmlns:a16="http://schemas.microsoft.com/office/drawing/2014/main" id="{37CA7186-F461-8768-6AB0-EDB502334978}"/>
+                <a16:creationId xmlns:a16="http://schemas.microsoft.com/office/drawing/2014/main" xmlns="" id="{37CA7186-F461-8768-6AB0-EDB502334978}"/>
               </a:ext>
             </a:extLst>
           </p:cNvPr>
@@ -7822,10 +7858,10 @@
           </p:nvPr>
         </p:nvPicPr>
         <p:blipFill>
-          <a:blip r:embed="rId2">
+          <a:blip r:embed="rId2" cstate="print">
             <a:extLst>
               <a:ext uri="{28A0092B-C50C-407E-A947-70E740481C1C}">
-                <a14:useLocalDpi xmlns:a14="http://schemas.microsoft.com/office/drawing/2010/main" val="0"/>
+                <a14:useLocalDpi xmlns:a14="http://schemas.microsoft.com/office/drawing/2010/main" xmlns="" val="0"/>
               </a:ext>
             </a:extLst>
           </a:blip>
@@ -7845,7 +7881,7 @@
           <p:cNvPr id="6" name="标题 1">
             <a:extLst>
               <a:ext uri="{FF2B5EF4-FFF2-40B4-BE49-F238E27FC236}">
-                <a16:creationId xmlns:a16="http://schemas.microsoft.com/office/drawing/2014/main" id="{C81291C8-DC21-C98A-E80F-705776E3EB74}"/>
+                <a16:creationId xmlns:a16="http://schemas.microsoft.com/office/drawing/2014/main" xmlns="" id="{C81291C8-DC21-C98A-E80F-705776E3EB74}"/>
               </a:ext>
             </a:extLst>
           </p:cNvPr>
@@ -7920,7 +7956,7 @@
           <p:cNvPr id="7" name="文本框 6">
             <a:extLst>
               <a:ext uri="{FF2B5EF4-FFF2-40B4-BE49-F238E27FC236}">
-                <a16:creationId xmlns:a16="http://schemas.microsoft.com/office/drawing/2014/main" id="{5A115FD7-B5F6-D919-5860-BD9C52F64019}"/>
+                <a16:creationId xmlns:a16="http://schemas.microsoft.com/office/drawing/2014/main" xmlns="" id="{5A115FD7-B5F6-D919-5860-BD9C52F64019}"/>
               </a:ext>
             </a:extLst>
           </p:cNvPr>
@@ -7975,7 +8011,7 @@
     </p:spTree>
     <p:extLst>
       <p:ext uri="{BB962C8B-B14F-4D97-AF65-F5344CB8AC3E}">
-        <p14:creationId xmlns:p14="http://schemas.microsoft.com/office/powerpoint/2010/main" val="1039722178"/>
+        <p14:creationId xmlns:p14="http://schemas.microsoft.com/office/powerpoint/2010/main" xmlns="" val="1039722178"/>
       </p:ext>
     </p:extLst>
   </p:cSld>
@@ -8007,7 +8043,7 @@
           <p:cNvPr id="2" name="标题 1">
             <a:extLst>
               <a:ext uri="{FF2B5EF4-FFF2-40B4-BE49-F238E27FC236}">
-                <a16:creationId xmlns:a16="http://schemas.microsoft.com/office/drawing/2014/main" id="{03477B6E-72BF-255C-BEB8-DAC7203DD43E}"/>
+                <a16:creationId xmlns:a16="http://schemas.microsoft.com/office/drawing/2014/main" xmlns="" id="{03477B6E-72BF-255C-BEB8-DAC7203DD43E}"/>
               </a:ext>
             </a:extLst>
           </p:cNvPr>
@@ -8035,7 +8071,7 @@
           <p:cNvPr id="3" name="内容占位符 2">
             <a:extLst>
               <a:ext uri="{FF2B5EF4-FFF2-40B4-BE49-F238E27FC236}">
-                <a16:creationId xmlns:a16="http://schemas.microsoft.com/office/drawing/2014/main" id="{B5BDCBB6-C660-4E0C-04B9-8784DABF995E}"/>
+                <a16:creationId xmlns:a16="http://schemas.microsoft.com/office/drawing/2014/main" xmlns="" id="{B5BDCBB6-C660-4E0C-04B9-8784DABF995E}"/>
               </a:ext>
             </a:extLst>
           </p:cNvPr>
@@ -8118,7 +8154,7 @@
     </p:spTree>
     <p:extLst>
       <p:ext uri="{BB962C8B-B14F-4D97-AF65-F5344CB8AC3E}">
-        <p14:creationId xmlns:p14="http://schemas.microsoft.com/office/powerpoint/2010/main" val="1522651155"/>
+        <p14:creationId xmlns:p14="http://schemas.microsoft.com/office/powerpoint/2010/main" xmlns="" val="1522651155"/>
       </p:ext>
     </p:extLst>
   </p:cSld>
@@ -8150,7 +8186,7 @@
           <p:cNvPr id="2" name="标题 1">
             <a:extLst>
               <a:ext uri="{FF2B5EF4-FFF2-40B4-BE49-F238E27FC236}">
-                <a16:creationId xmlns:a16="http://schemas.microsoft.com/office/drawing/2014/main" id="{594441FE-9332-F0E4-7AE1-3123F39EBF02}"/>
+                <a16:creationId xmlns:a16="http://schemas.microsoft.com/office/drawing/2014/main" xmlns="" id="{594441FE-9332-F0E4-7AE1-3123F39EBF02}"/>
               </a:ext>
             </a:extLst>
           </p:cNvPr>
@@ -8178,7 +8214,7 @@
           <p:cNvPr id="3" name="内容占位符 2">
             <a:extLst>
               <a:ext uri="{FF2B5EF4-FFF2-40B4-BE49-F238E27FC236}">
-                <a16:creationId xmlns:a16="http://schemas.microsoft.com/office/drawing/2014/main" id="{C1BFAA36-BAFA-2A56-98AB-CC6300CECA0C}"/>
+                <a16:creationId xmlns:a16="http://schemas.microsoft.com/office/drawing/2014/main" xmlns="" id="{C1BFAA36-BAFA-2A56-98AB-CC6300CECA0C}"/>
               </a:ext>
             </a:extLst>
           </p:cNvPr>
@@ -8289,7 +8325,7 @@
           <p:cNvPr id="5" name="文本框 4">
             <a:extLst>
               <a:ext uri="{FF2B5EF4-FFF2-40B4-BE49-F238E27FC236}">
-                <a16:creationId xmlns:a16="http://schemas.microsoft.com/office/drawing/2014/main" id="{D233536E-5C4E-5A22-114B-E507F99608AF}"/>
+                <a16:creationId xmlns:a16="http://schemas.microsoft.com/office/drawing/2014/main" xmlns="" id="{D233536E-5C4E-5A22-114B-E507F99608AF}"/>
               </a:ext>
             </a:extLst>
           </p:cNvPr>
@@ -8461,7 +8497,7 @@
           <p:cNvPr id="6" name="文本框 5">
             <a:extLst>
               <a:ext uri="{FF2B5EF4-FFF2-40B4-BE49-F238E27FC236}">
-                <a16:creationId xmlns:a16="http://schemas.microsoft.com/office/drawing/2014/main" id="{4432D91B-110E-9A16-F8F5-9DE69295486D}"/>
+                <a16:creationId xmlns:a16="http://schemas.microsoft.com/office/drawing/2014/main" xmlns="" id="{4432D91B-110E-9A16-F8F5-9DE69295486D}"/>
               </a:ext>
             </a:extLst>
           </p:cNvPr>
@@ -8504,7 +8540,7 @@
     </p:spTree>
     <p:extLst>
       <p:ext uri="{BB962C8B-B14F-4D97-AF65-F5344CB8AC3E}">
-        <p14:creationId xmlns:p14="http://schemas.microsoft.com/office/powerpoint/2010/main" val="2361374323"/>
+        <p14:creationId xmlns:p14="http://schemas.microsoft.com/office/powerpoint/2010/main" xmlns="" val="2361374323"/>
       </p:ext>
     </p:extLst>
   </p:cSld>
@@ -8557,7 +8593,7 @@
     </a:clrScheme>
     <a:fontScheme name="水汽尾迹">
       <a:majorFont>
-        <a:latin typeface="Century Gothic" panose="020B0502020202020204"/>
+        <a:latin typeface="Century Gothic"/>
         <a:ea typeface=""/>
         <a:cs typeface=""/>
         <a:font script="Jpan" typeface="ＭＳ Ｐゴシック"/>
@@ -8592,7 +8628,7 @@
         <a:font script="Geor" typeface="Sylfaen"/>
       </a:majorFont>
       <a:minorFont>
-        <a:latin typeface="Century Gothic" panose="020B0502020202020204"/>
+        <a:latin typeface="Century Gothic"/>
         <a:ea typeface=""/>
         <a:cs typeface=""/>
         <a:font script="Jpan" typeface="ＭＳ Ｐゴシック"/>
@@ -8778,7 +8814,7 @@
   <a:extraClrSchemeLst/>
   <a:extLst>
     <a:ext uri="{05A4C25C-085E-4340-85A3-A5531E510DB2}">
-      <thm15:themeFamily xmlns:thm15="http://schemas.microsoft.com/office/thememl/2012/main" name="Vapor Trail" id="{4FDF2955-7D9C-493C-B9F9-C205151B46CD}" vid="{8F31A783-2159-4870-BC29-2BA7D038EA44}"/>
+      <thm15:themeFamily xmlns:thm15="http://schemas.microsoft.com/office/thememl/2012/main" xmlns="" name="Vapor Trail" id="{4FDF2955-7D9C-493C-B9F9-C205151B46CD}" vid="{8F31A783-2159-4870-BC29-2BA7D038EA44}"/>
     </a:ext>
   </a:extLst>
 </a:theme>

--- a/document/Presentation Password Generator.pptx
+++ b/document/Presentation Password Generator.pptx
@@ -8,17 +8,18 @@
     <p:sldId id="256" r:id="rId2"/>
     <p:sldId id="257" r:id="rId3"/>
     <p:sldId id="258" r:id="rId4"/>
-    <p:sldId id="259" r:id="rId5"/>
-    <p:sldId id="260" r:id="rId6"/>
-    <p:sldId id="261" r:id="rId7"/>
-    <p:sldId id="262" r:id="rId8"/>
-    <p:sldId id="263" r:id="rId9"/>
-    <p:sldId id="266" r:id="rId10"/>
-    <p:sldId id="264" r:id="rId11"/>
-    <p:sldId id="265" r:id="rId12"/>
-    <p:sldId id="267" r:id="rId13"/>
-    <p:sldId id="268" r:id="rId14"/>
-    <p:sldId id="269" r:id="rId15"/>
+    <p:sldId id="270" r:id="rId5"/>
+    <p:sldId id="259" r:id="rId6"/>
+    <p:sldId id="260" r:id="rId7"/>
+    <p:sldId id="261" r:id="rId8"/>
+    <p:sldId id="262" r:id="rId9"/>
+    <p:sldId id="263" r:id="rId10"/>
+    <p:sldId id="266" r:id="rId11"/>
+    <p:sldId id="264" r:id="rId12"/>
+    <p:sldId id="265" r:id="rId13"/>
+    <p:sldId id="267" r:id="rId14"/>
+    <p:sldId id="268" r:id="rId15"/>
+    <p:sldId id="269" r:id="rId16"/>
   </p:sldIdLst>
   <p:sldSz cx="12192000" cy="6858000"/>
   <p:notesSz cx="6858000" cy="9144000"/>
@@ -119,7 +120,18 @@
   </p:defaultTextStyle>
   <p:extLst>
     <p:ext uri="{EFAFB233-063F-42B5-8137-9DF3F51BA10A}">
-      <p15:sldGuideLst xmlns:p15="http://schemas.microsoft.com/office/powerpoint/2012/main" xmlns=""/>
+      <p15:sldGuideLst xmlns:p15="http://schemas.microsoft.com/office/powerpoint/2012/main">
+        <p15:guide id="1" orient="horz" pos="2160">
+          <p15:clr>
+            <a:srgbClr val="A4A3A4"/>
+          </p15:clr>
+        </p15:guide>
+        <p15:guide id="2" pos="3840">
+          <p15:clr>
+            <a:srgbClr val="A4A3A4"/>
+          </p15:clr>
+        </p15:guide>
+      </p15:sldGuideLst>
     </p:ext>
   </p:extLst>
 </p:presentation>
@@ -154,7 +166,7 @@
           <a:blip r:embed="rId2">
             <a:extLst>
               <a:ext uri="{28A0092B-C50C-407E-A947-70E740481C1C}">
-                <a14:useLocalDpi xmlns:a14="http://schemas.microsoft.com/office/drawing/2010/main" xmlns="" val="0"/>
+                <a14:useLocalDpi xmlns:a14="http://schemas.microsoft.com/office/drawing/2010/main" val="0"/>
               </a:ext>
             </a:extLst>
           </a:blip>
@@ -296,7 +308,7 @@
             <a:fld id="{F1FEB44C-43DA-42AA-B9E9-395B842E5567}" type="datetimeFigureOut">
               <a:rPr lang="en-NZ" smtClean="0"/>
               <a:pPr/>
-              <a:t>31/08/2022</a:t>
+              <a:t>7/09/2022</a:t>
             </a:fld>
             <a:endParaRPr lang="en-NZ"/>
           </a:p>
@@ -358,7 +370,7 @@
     </p:spTree>
     <p:extLst>
       <p:ext uri="{BB962C8B-B14F-4D97-AF65-F5344CB8AC3E}">
-        <p14:creationId xmlns:p14="http://schemas.microsoft.com/office/powerpoint/2010/main" xmlns="" val="3646990326"/>
+        <p14:creationId xmlns:p14="http://schemas.microsoft.com/office/powerpoint/2010/main" val="3646990326"/>
       </p:ext>
     </p:extLst>
   </p:cSld>
@@ -565,7 +577,7 @@
             <a:fld id="{F1FEB44C-43DA-42AA-B9E9-395B842E5567}" type="datetimeFigureOut">
               <a:rPr lang="en-NZ" smtClean="0"/>
               <a:pPr/>
-              <a:t>31/08/2022</a:t>
+              <a:t>7/09/2022</a:t>
             </a:fld>
             <a:endParaRPr lang="en-NZ"/>
           </a:p>
@@ -617,7 +629,7 @@
     </p:spTree>
     <p:extLst>
       <p:ext uri="{BB962C8B-B14F-4D97-AF65-F5344CB8AC3E}">
-        <p14:creationId xmlns:p14="http://schemas.microsoft.com/office/powerpoint/2010/main" xmlns="" val="71176386"/>
+        <p14:creationId xmlns:p14="http://schemas.microsoft.com/office/powerpoint/2010/main" val="71176386"/>
       </p:ext>
     </p:extLst>
   </p:cSld>
@@ -656,7 +668,7 @@
           <a:blip r:embed="rId2">
             <a:extLst>
               <a:ext uri="{28A0092B-C50C-407E-A947-70E740481C1C}">
-                <a14:useLocalDpi xmlns:a14="http://schemas.microsoft.com/office/drawing/2010/main" xmlns="" val="0"/>
+                <a14:useLocalDpi xmlns:a14="http://schemas.microsoft.com/office/drawing/2010/main" val="0"/>
               </a:ext>
             </a:extLst>
           </a:blip>
@@ -798,7 +810,7 @@
             <a:fld id="{F1FEB44C-43DA-42AA-B9E9-395B842E5567}" type="datetimeFigureOut">
               <a:rPr lang="en-NZ" smtClean="0"/>
               <a:pPr/>
-              <a:t>31/08/2022</a:t>
+              <a:t>7/09/2022</a:t>
             </a:fld>
             <a:endParaRPr lang="en-NZ"/>
           </a:p>
@@ -860,7 +872,7 @@
     </p:spTree>
     <p:extLst>
       <p:ext uri="{BB962C8B-B14F-4D97-AF65-F5344CB8AC3E}">
-        <p14:creationId xmlns:p14="http://schemas.microsoft.com/office/powerpoint/2010/main" xmlns="" val="1798571661"/>
+        <p14:creationId xmlns:p14="http://schemas.microsoft.com/office/powerpoint/2010/main" val="1798571661"/>
       </p:ext>
     </p:extLst>
   </p:cSld>
@@ -899,7 +911,7 @@
           <a:blip r:embed="rId2">
             <a:extLst>
               <a:ext uri="{28A0092B-C50C-407E-A947-70E740481C1C}">
-                <a14:useLocalDpi xmlns:a14="http://schemas.microsoft.com/office/drawing/2010/main" xmlns="" val="0"/>
+                <a14:useLocalDpi xmlns:a14="http://schemas.microsoft.com/office/drawing/2010/main" val="0"/>
               </a:ext>
             </a:extLst>
           </a:blip>
@@ -1110,7 +1122,7 @@
             <a:fld id="{F1FEB44C-43DA-42AA-B9E9-395B842E5567}" type="datetimeFigureOut">
               <a:rPr lang="en-NZ" smtClean="0"/>
               <a:pPr/>
-              <a:t>31/08/2022</a:t>
+              <a:t>7/09/2022</a:t>
             </a:fld>
             <a:endParaRPr lang="en-NZ"/>
           </a:p>
@@ -1404,7 +1416,7 @@
     </p:spTree>
     <p:extLst>
       <p:ext uri="{BB962C8B-B14F-4D97-AF65-F5344CB8AC3E}">
-        <p14:creationId xmlns:p14="http://schemas.microsoft.com/office/powerpoint/2010/main" xmlns="" val="2241860457"/>
+        <p14:creationId xmlns:p14="http://schemas.microsoft.com/office/powerpoint/2010/main" val="2241860457"/>
       </p:ext>
     </p:extLst>
   </p:cSld>
@@ -1443,7 +1455,7 @@
           <a:blip r:embed="rId2">
             <a:extLst>
               <a:ext uri="{28A0092B-C50C-407E-A947-70E740481C1C}">
-                <a14:useLocalDpi xmlns:a14="http://schemas.microsoft.com/office/drawing/2010/main" xmlns="" val="0"/>
+                <a14:useLocalDpi xmlns:a14="http://schemas.microsoft.com/office/drawing/2010/main" val="0"/>
               </a:ext>
             </a:extLst>
           </a:blip>
@@ -1585,7 +1597,7 @@
             <a:fld id="{F1FEB44C-43DA-42AA-B9E9-395B842E5567}" type="datetimeFigureOut">
               <a:rPr lang="en-NZ" smtClean="0"/>
               <a:pPr/>
-              <a:t>31/08/2022</a:t>
+              <a:t>7/09/2022</a:t>
             </a:fld>
             <a:endParaRPr lang="en-NZ"/>
           </a:p>
@@ -1647,7 +1659,7 @@
     </p:spTree>
     <p:extLst>
       <p:ext uri="{BB962C8B-B14F-4D97-AF65-F5344CB8AC3E}">
-        <p14:creationId xmlns:p14="http://schemas.microsoft.com/office/powerpoint/2010/main" xmlns="" val="3785431333"/>
+        <p14:creationId xmlns:p14="http://schemas.microsoft.com/office/powerpoint/2010/main" val="3785431333"/>
       </p:ext>
     </p:extLst>
   </p:cSld>
@@ -2134,7 +2146,7 @@
             <a:fld id="{F1FEB44C-43DA-42AA-B9E9-395B842E5567}" type="datetimeFigureOut">
               <a:rPr lang="en-NZ" smtClean="0"/>
               <a:pPr/>
-              <a:t>31/08/2022</a:t>
+              <a:t>7/09/2022</a:t>
             </a:fld>
             <a:endParaRPr lang="en-NZ"/>
           </a:p>
@@ -2186,7 +2198,7 @@
     </p:spTree>
     <p:extLst>
       <p:ext uri="{BB962C8B-B14F-4D97-AF65-F5344CB8AC3E}">
-        <p14:creationId xmlns:p14="http://schemas.microsoft.com/office/powerpoint/2010/main" xmlns="" val="3188093362"/>
+        <p14:creationId xmlns:p14="http://schemas.microsoft.com/office/powerpoint/2010/main" val="3188093362"/>
       </p:ext>
     </p:extLst>
   </p:cSld>
@@ -2910,7 +2922,7 @@
             <a:fld id="{F1FEB44C-43DA-42AA-B9E9-395B842E5567}" type="datetimeFigureOut">
               <a:rPr lang="en-NZ" smtClean="0"/>
               <a:pPr/>
-              <a:t>31/08/2022</a:t>
+              <a:t>7/09/2022</a:t>
             </a:fld>
             <a:endParaRPr lang="en-NZ"/>
           </a:p>
@@ -2962,7 +2974,7 @@
     </p:spTree>
     <p:extLst>
       <p:ext uri="{BB962C8B-B14F-4D97-AF65-F5344CB8AC3E}">
-        <p14:creationId xmlns:p14="http://schemas.microsoft.com/office/powerpoint/2010/main" xmlns="" val="1247721429"/>
+        <p14:creationId xmlns:p14="http://schemas.microsoft.com/office/powerpoint/2010/main" val="1247721429"/>
       </p:ext>
     </p:extLst>
   </p:cSld>
@@ -3087,7 +3099,7 @@
             <a:fld id="{F1FEB44C-43DA-42AA-B9E9-395B842E5567}" type="datetimeFigureOut">
               <a:rPr lang="en-NZ" smtClean="0"/>
               <a:pPr/>
-              <a:t>31/08/2022</a:t>
+              <a:t>7/09/2022</a:t>
             </a:fld>
             <a:endParaRPr lang="en-NZ"/>
           </a:p>
@@ -3139,7 +3151,7 @@
     </p:spTree>
     <p:extLst>
       <p:ext uri="{BB962C8B-B14F-4D97-AF65-F5344CB8AC3E}">
-        <p14:creationId xmlns:p14="http://schemas.microsoft.com/office/powerpoint/2010/main" xmlns="" val="1314504317"/>
+        <p14:creationId xmlns:p14="http://schemas.microsoft.com/office/powerpoint/2010/main" val="1314504317"/>
       </p:ext>
     </p:extLst>
   </p:cSld>
@@ -3178,7 +3190,7 @@
           <a:blip r:embed="rId2">
             <a:extLst>
               <a:ext uri="{28A0092B-C50C-407E-A947-70E740481C1C}">
-                <a14:useLocalDpi xmlns:a14="http://schemas.microsoft.com/office/drawing/2010/main" xmlns="" val="0"/>
+                <a14:useLocalDpi xmlns:a14="http://schemas.microsoft.com/office/drawing/2010/main" val="0"/>
               </a:ext>
             </a:extLst>
           </a:blip>
@@ -3312,7 +3324,7 @@
             <a:fld id="{F1FEB44C-43DA-42AA-B9E9-395B842E5567}" type="datetimeFigureOut">
               <a:rPr lang="en-NZ" smtClean="0"/>
               <a:pPr/>
-              <a:t>31/08/2022</a:t>
+              <a:t>7/09/2022</a:t>
             </a:fld>
             <a:endParaRPr lang="en-NZ"/>
           </a:p>
@@ -3374,7 +3386,7 @@
     </p:spTree>
     <p:extLst>
       <p:ext uri="{BB962C8B-B14F-4D97-AF65-F5344CB8AC3E}">
-        <p14:creationId xmlns:p14="http://schemas.microsoft.com/office/powerpoint/2010/main" xmlns="" val="3268017753"/>
+        <p14:creationId xmlns:p14="http://schemas.microsoft.com/office/powerpoint/2010/main" val="3268017753"/>
       </p:ext>
     </p:extLst>
   </p:cSld>
@@ -3494,7 +3506,7 @@
             <a:fld id="{F1FEB44C-43DA-42AA-B9E9-395B842E5567}" type="datetimeFigureOut">
               <a:rPr lang="en-NZ" smtClean="0"/>
               <a:pPr/>
-              <a:t>31/08/2022</a:t>
+              <a:t>7/09/2022</a:t>
             </a:fld>
             <a:endParaRPr lang="en-NZ"/>
           </a:p>
@@ -3546,7 +3558,7 @@
     </p:spTree>
     <p:extLst>
       <p:ext uri="{BB962C8B-B14F-4D97-AF65-F5344CB8AC3E}">
-        <p14:creationId xmlns:p14="http://schemas.microsoft.com/office/powerpoint/2010/main" xmlns="" val="900410543"/>
+        <p14:creationId xmlns:p14="http://schemas.microsoft.com/office/powerpoint/2010/main" val="900410543"/>
       </p:ext>
     </p:extLst>
   </p:cSld>
@@ -3585,7 +3597,7 @@
           <a:blip r:embed="rId2">
             <a:extLst>
               <a:ext uri="{28A0092B-C50C-407E-A947-70E740481C1C}">
-                <a14:useLocalDpi xmlns:a14="http://schemas.microsoft.com/office/drawing/2010/main" xmlns="" val="0"/>
+                <a14:useLocalDpi xmlns:a14="http://schemas.microsoft.com/office/drawing/2010/main" val="0"/>
               </a:ext>
             </a:extLst>
           </a:blip>
@@ -3785,7 +3797,7 @@
             <a:fld id="{F1FEB44C-43DA-42AA-B9E9-395B842E5567}" type="datetimeFigureOut">
               <a:rPr lang="en-NZ" smtClean="0"/>
               <a:pPr/>
-              <a:t>31/08/2022</a:t>
+              <a:t>7/09/2022</a:t>
             </a:fld>
             <a:endParaRPr lang="en-NZ"/>
           </a:p>
@@ -3847,7 +3859,7 @@
     </p:spTree>
     <p:extLst>
       <p:ext uri="{BB962C8B-B14F-4D97-AF65-F5344CB8AC3E}">
-        <p14:creationId xmlns:p14="http://schemas.microsoft.com/office/powerpoint/2010/main" xmlns="" val="2811421413"/>
+        <p14:creationId xmlns:p14="http://schemas.microsoft.com/office/powerpoint/2010/main" val="2811421413"/>
       </p:ext>
     </p:extLst>
   </p:cSld>
@@ -4029,7 +4041,7 @@
             <a:fld id="{F1FEB44C-43DA-42AA-B9E9-395B842E5567}" type="datetimeFigureOut">
               <a:rPr lang="en-NZ" smtClean="0"/>
               <a:pPr/>
-              <a:t>31/08/2022</a:t>
+              <a:t>7/09/2022</a:t>
             </a:fld>
             <a:endParaRPr lang="en-NZ"/>
           </a:p>
@@ -4081,7 +4093,7 @@
     </p:spTree>
     <p:extLst>
       <p:ext uri="{BB962C8B-B14F-4D97-AF65-F5344CB8AC3E}">
-        <p14:creationId xmlns:p14="http://schemas.microsoft.com/office/powerpoint/2010/main" xmlns="" val="2818974999"/>
+        <p14:creationId xmlns:p14="http://schemas.microsoft.com/office/powerpoint/2010/main" val="2818974999"/>
       </p:ext>
     </p:extLst>
   </p:cSld>
@@ -4410,7 +4422,7 @@
             <a:fld id="{F1FEB44C-43DA-42AA-B9E9-395B842E5567}" type="datetimeFigureOut">
               <a:rPr lang="en-NZ" smtClean="0"/>
               <a:pPr/>
-              <a:t>31/08/2022</a:t>
+              <a:t>7/09/2022</a:t>
             </a:fld>
             <a:endParaRPr lang="en-NZ"/>
           </a:p>
@@ -4462,7 +4474,7 @@
     </p:spTree>
     <p:extLst>
       <p:ext uri="{BB962C8B-B14F-4D97-AF65-F5344CB8AC3E}">
-        <p14:creationId xmlns:p14="http://schemas.microsoft.com/office/powerpoint/2010/main" xmlns="" val="3602584676"/>
+        <p14:creationId xmlns:p14="http://schemas.microsoft.com/office/powerpoint/2010/main" val="3602584676"/>
       </p:ext>
     </p:extLst>
   </p:cSld>
@@ -4530,7 +4542,7 @@
             <a:fld id="{F1FEB44C-43DA-42AA-B9E9-395B842E5567}" type="datetimeFigureOut">
               <a:rPr lang="en-NZ" smtClean="0"/>
               <a:pPr/>
-              <a:t>31/08/2022</a:t>
+              <a:t>7/09/2022</a:t>
             </a:fld>
             <a:endParaRPr lang="en-NZ"/>
           </a:p>
@@ -4582,7 +4594,7 @@
     </p:spTree>
     <p:extLst>
       <p:ext uri="{BB962C8B-B14F-4D97-AF65-F5344CB8AC3E}">
-        <p14:creationId xmlns:p14="http://schemas.microsoft.com/office/powerpoint/2010/main" xmlns="" val="3525800094"/>
+        <p14:creationId xmlns:p14="http://schemas.microsoft.com/office/powerpoint/2010/main" val="3525800094"/>
       </p:ext>
     </p:extLst>
   </p:cSld>
@@ -4627,7 +4639,7 @@
             <a:fld id="{F1FEB44C-43DA-42AA-B9E9-395B842E5567}" type="datetimeFigureOut">
               <a:rPr lang="en-NZ" smtClean="0"/>
               <a:pPr/>
-              <a:t>31/08/2022</a:t>
+              <a:t>7/09/2022</a:t>
             </a:fld>
             <a:endParaRPr lang="en-NZ"/>
           </a:p>
@@ -4679,7 +4691,7 @@
     </p:spTree>
     <p:extLst>
       <p:ext uri="{BB962C8B-B14F-4D97-AF65-F5344CB8AC3E}">
-        <p14:creationId xmlns:p14="http://schemas.microsoft.com/office/powerpoint/2010/main" xmlns="" val="900002222"/>
+        <p14:creationId xmlns:p14="http://schemas.microsoft.com/office/powerpoint/2010/main" val="900002222"/>
       </p:ext>
     </p:extLst>
   </p:cSld>
@@ -4878,7 +4890,7 @@
             <a:fld id="{F1FEB44C-43DA-42AA-B9E9-395B842E5567}" type="datetimeFigureOut">
               <a:rPr lang="en-NZ" smtClean="0"/>
               <a:pPr/>
-              <a:t>31/08/2022</a:t>
+              <a:t>7/09/2022</a:t>
             </a:fld>
             <a:endParaRPr lang="en-NZ"/>
           </a:p>
@@ -4930,7 +4942,7 @@
     </p:spTree>
     <p:extLst>
       <p:ext uri="{BB962C8B-B14F-4D97-AF65-F5344CB8AC3E}">
-        <p14:creationId xmlns:p14="http://schemas.microsoft.com/office/powerpoint/2010/main" xmlns="" val="1979681908"/>
+        <p14:creationId xmlns:p14="http://schemas.microsoft.com/office/powerpoint/2010/main" val="1979681908"/>
       </p:ext>
     </p:extLst>
   </p:cSld>
@@ -5137,7 +5149,7 @@
             <a:fld id="{F1FEB44C-43DA-42AA-B9E9-395B842E5567}" type="datetimeFigureOut">
               <a:rPr lang="en-NZ" smtClean="0"/>
               <a:pPr/>
-              <a:t>31/08/2022</a:t>
+              <a:t>7/09/2022</a:t>
             </a:fld>
             <a:endParaRPr lang="en-NZ"/>
           </a:p>
@@ -5189,7 +5201,7 @@
     </p:spTree>
     <p:extLst>
       <p:ext uri="{BB962C8B-B14F-4D97-AF65-F5344CB8AC3E}">
-        <p14:creationId xmlns:p14="http://schemas.microsoft.com/office/powerpoint/2010/main" xmlns="" val="3490336120"/>
+        <p14:creationId xmlns:p14="http://schemas.microsoft.com/office/powerpoint/2010/main" val="3490336120"/>
       </p:ext>
     </p:extLst>
   </p:cSld>
@@ -5233,7 +5245,7 @@
           <a:blip r:embed="rId19">
             <a:extLst>
               <a:ext uri="{28A0092B-C50C-407E-A947-70E740481C1C}">
-                <a14:useLocalDpi xmlns:a14="http://schemas.microsoft.com/office/drawing/2010/main" xmlns="" val="0"/>
+                <a14:useLocalDpi xmlns:a14="http://schemas.microsoft.com/office/drawing/2010/main" val="0"/>
               </a:ext>
             </a:extLst>
           </a:blip>
@@ -5382,7 +5394,7 @@
             <a:fld id="{F1FEB44C-43DA-42AA-B9E9-395B842E5567}" type="datetimeFigureOut">
               <a:rPr lang="en-NZ" smtClean="0"/>
               <a:pPr/>
-              <a:t>31/08/2022</a:t>
+              <a:t>7/09/2022</a:t>
             </a:fld>
             <a:endParaRPr lang="en-NZ"/>
           </a:p>
@@ -5470,7 +5482,7 @@
     </p:spTree>
     <p:extLst>
       <p:ext uri="{BB962C8B-B14F-4D97-AF65-F5344CB8AC3E}">
-        <p14:creationId xmlns:p14="http://schemas.microsoft.com/office/powerpoint/2010/main" xmlns="" val="475220722"/>
+        <p14:creationId xmlns:p14="http://schemas.microsoft.com/office/powerpoint/2010/main" val="475220722"/>
       </p:ext>
     </p:extLst>
   </p:cSld>
@@ -5799,7 +5811,7 @@
           <p:cNvPr id="2" name="标题 1">
             <a:extLst>
               <a:ext uri="{FF2B5EF4-FFF2-40B4-BE49-F238E27FC236}">
-                <a16:creationId xmlns:a16="http://schemas.microsoft.com/office/drawing/2014/main" xmlns="" id="{9378BB5D-5C77-1E3D-912F-AA79F30B85B4}"/>
+                <a16:creationId xmlns:a16="http://schemas.microsoft.com/office/drawing/2014/main" id="{9378BB5D-5C77-1E3D-912F-AA79F30B85B4}"/>
               </a:ext>
             </a:extLst>
           </p:cNvPr>
@@ -5830,7 +5842,7 @@
           <p:cNvPr id="3" name="副标题 2">
             <a:extLst>
               <a:ext uri="{FF2B5EF4-FFF2-40B4-BE49-F238E27FC236}">
-                <a16:creationId xmlns:a16="http://schemas.microsoft.com/office/drawing/2014/main" xmlns="" id="{BE25738F-A275-37A7-AD92-00E90E767875}"/>
+                <a16:creationId xmlns:a16="http://schemas.microsoft.com/office/drawing/2014/main" id="{BE25738F-A275-37A7-AD92-00E90E767875}"/>
               </a:ext>
             </a:extLst>
           </p:cNvPr>
@@ -5859,8 +5871,19 @@
                 <a:latin typeface="Times New Roman" panose="02020603050405020304" pitchFamily="18" charset="0"/>
                 <a:cs typeface="Times New Roman" panose="02020603050405020304" pitchFamily="18" charset="0"/>
               </a:rPr>
-              <a:t>Maribeth</a:t>
-            </a:r>
+              <a:t>Maribeth </a:t>
+            </a:r>
+            <a:r>
+              <a:rPr lang="en-NZ" sz="3200" dirty="0" err="1">
+                <a:latin typeface="Times New Roman" panose="02020603050405020304" pitchFamily="18" charset="0"/>
+                <a:cs typeface="Times New Roman" panose="02020603050405020304" pitchFamily="18" charset="0"/>
+              </a:rPr>
+              <a:t>Estimos</a:t>
+            </a:r>
+            <a:endParaRPr lang="en-NZ" sz="3200" dirty="0">
+              <a:latin typeface="Times New Roman" panose="02020603050405020304" pitchFamily="18" charset="0"/>
+              <a:cs typeface="Times New Roman" panose="02020603050405020304" pitchFamily="18" charset="0"/>
+            </a:endParaRPr>
           </a:p>
           <a:p>
             <a:r>
@@ -5868,16 +5891,23 @@
                 <a:latin typeface="Times New Roman" panose="02020603050405020304" pitchFamily="18" charset="0"/>
                 <a:cs typeface="Times New Roman" panose="02020603050405020304" pitchFamily="18" charset="0"/>
               </a:rPr>
-              <a:t>Richard</a:t>
-            </a:r>
-          </a:p>
-          <a:p>
+              <a:t>Xian (Richard) Zhang</a:t>
+            </a:r>
+          </a:p>
+          <a:p>
+            <a:r>
+              <a:rPr lang="en-NZ" sz="3200" dirty="0" err="1">
+                <a:latin typeface="Times New Roman" panose="02020603050405020304" pitchFamily="18" charset="0"/>
+                <a:cs typeface="Times New Roman" panose="02020603050405020304" pitchFamily="18" charset="0"/>
+              </a:rPr>
+              <a:t>Zhengwen</a:t>
+            </a:r>
             <a:r>
               <a:rPr lang="en-NZ" sz="3200" dirty="0">
                 <a:latin typeface="Times New Roman" panose="02020603050405020304" pitchFamily="18" charset="0"/>
                 <a:cs typeface="Times New Roman" panose="02020603050405020304" pitchFamily="18" charset="0"/>
               </a:rPr>
-              <a:t>Steven</a:t>
+              <a:t> (Steven) Lei</a:t>
             </a:r>
           </a:p>
         </p:txBody>
@@ -5885,7 +5915,7 @@
     </p:spTree>
     <p:extLst>
       <p:ext uri="{BB962C8B-B14F-4D97-AF65-F5344CB8AC3E}">
-        <p14:creationId xmlns:p14="http://schemas.microsoft.com/office/powerpoint/2010/main" xmlns="" val="467902368"/>
+        <p14:creationId xmlns:p14="http://schemas.microsoft.com/office/powerpoint/2010/main" val="467902368"/>
       </p:ext>
     </p:extLst>
   </p:cSld>
@@ -5917,7 +5947,7 @@
           <p:cNvPr id="2" name="标题 1">
             <a:extLst>
               <a:ext uri="{FF2B5EF4-FFF2-40B4-BE49-F238E27FC236}">
-                <a16:creationId xmlns:a16="http://schemas.microsoft.com/office/drawing/2014/main" xmlns="" id="{B26EBC45-122C-5FE6-01A0-0B6F24E25785}"/>
+                <a16:creationId xmlns:a16="http://schemas.microsoft.com/office/drawing/2014/main" id="{594441FE-9332-F0E4-7AE1-3123F39EBF02}"/>
               </a:ext>
             </a:extLst>
           </p:cNvPr>
@@ -5935,50 +5965,333 @@
           <a:p>
             <a:r>
               <a:rPr lang="en-NZ" dirty="0"/>
-              <a:t>TEAM WORK</a:t>
-            </a:r>
-          </a:p>
-        </p:txBody>
-      </p:sp>
-      <p:pic>
-        <p:nvPicPr>
-          <p:cNvPr id="5" name="内容占位符 4">
+              <a:t>methodology</a:t>
+            </a:r>
+          </a:p>
+        </p:txBody>
+      </p:sp>
+      <p:sp>
+        <p:nvSpPr>
+          <p:cNvPr id="3" name="内容占位符 2">
             <a:extLst>
               <a:ext uri="{FF2B5EF4-FFF2-40B4-BE49-F238E27FC236}">
-                <a16:creationId xmlns:a16="http://schemas.microsoft.com/office/drawing/2014/main" xmlns="" id="{B34579D3-B1D0-FFDD-242D-00F815568178}"/>
+                <a16:creationId xmlns:a16="http://schemas.microsoft.com/office/drawing/2014/main" id="{C1BFAA36-BAFA-2A56-98AB-CC6300CECA0C}"/>
               </a:ext>
             </a:extLst>
           </p:cNvPr>
-          <p:cNvPicPr>
-            <a:picLocks noGrp="1" noChangeAspect="1"/>
-          </p:cNvPicPr>
+          <p:cNvSpPr>
+            <a:spLocks noGrp="1"/>
+          </p:cNvSpPr>
           <p:nvPr>
             <p:ph idx="1"/>
           </p:nvPr>
-        </p:nvPicPr>
-        <p:blipFill>
-          <a:blip r:embed="rId2">
+        </p:nvSpPr>
+        <p:spPr>
+          <a:xfrm>
+            <a:off x="704851" y="2232542"/>
+            <a:ext cx="5410200" cy="3082290"/>
+          </a:xfrm>
+        </p:spPr>
+        <p:txBody>
+          <a:bodyPr>
+            <a:normAutofit/>
+          </a:bodyPr>
+          <a:lstStyle/>
+          <a:p>
+            <a:r>
+              <a:rPr lang="en-NZ" sz="2800" dirty="0">
+                <a:effectLst/>
+                <a:latin typeface="Times New Roman" panose="02020603050405020304" pitchFamily="18" charset="0"/>
+                <a:cs typeface="Times New Roman" panose="02020603050405020304" pitchFamily="18" charset="0"/>
+              </a:rPr>
+              <a:t>4 reasons for  using waterfall methodology </a:t>
+            </a:r>
+          </a:p>
+          <a:p>
+            <a:pPr lvl="1"/>
+            <a:r>
+              <a:rPr lang="en-NZ" sz="2800" dirty="0">
+                <a:effectLst/>
+                <a:latin typeface="Times New Roman" panose="02020603050405020304" pitchFamily="18" charset="0"/>
+                <a:cs typeface="Times New Roman" panose="02020603050405020304" pitchFamily="18" charset="0"/>
+              </a:rPr>
+              <a:t>The requirements are clear. </a:t>
+            </a:r>
+          </a:p>
+          <a:p>
+            <a:pPr lvl="1"/>
+            <a:r>
+              <a:rPr lang="en-US" altLang="zh-CN" sz="2800" dirty="0">
+                <a:effectLst/>
+                <a:latin typeface="Times New Roman" panose="02020603050405020304" pitchFamily="18" charset="0"/>
+                <a:cs typeface="Times New Roman" panose="02020603050405020304" pitchFamily="18" charset="0"/>
+              </a:rPr>
+              <a:t>Relatively </a:t>
+            </a:r>
+            <a:r>
+              <a:rPr lang="en-NZ" sz="2800" dirty="0">
+                <a:effectLst/>
+                <a:latin typeface="Times New Roman" panose="02020603050405020304" pitchFamily="18" charset="0"/>
+                <a:cs typeface="Times New Roman" panose="02020603050405020304" pitchFamily="18" charset="0"/>
+              </a:rPr>
+              <a:t>simple system. </a:t>
+            </a:r>
+          </a:p>
+          <a:p>
+            <a:pPr lvl="1"/>
+            <a:r>
+              <a:rPr lang="en-NZ" sz="2800" dirty="0">
+                <a:effectLst/>
+                <a:latin typeface="Times New Roman" panose="02020603050405020304" pitchFamily="18" charset="0"/>
+                <a:cs typeface="Times New Roman" panose="02020603050405020304" pitchFamily="18" charset="0"/>
+              </a:rPr>
+              <a:t>Only used in certain circumstances </a:t>
+            </a:r>
+          </a:p>
+          <a:p>
+            <a:pPr lvl="1"/>
+            <a:r>
+              <a:rPr lang="en-US" altLang="zh-CN" sz="2800" dirty="0">
+                <a:effectLst/>
+                <a:latin typeface="Times New Roman" panose="02020603050405020304" pitchFamily="18" charset="0"/>
+                <a:cs typeface="Times New Roman" panose="02020603050405020304" pitchFamily="18" charset="0"/>
+              </a:rPr>
+              <a:t>U</a:t>
+            </a:r>
+            <a:r>
+              <a:rPr lang="en-NZ" sz="2800" dirty="0" err="1">
+                <a:effectLst/>
+                <a:latin typeface="Times New Roman" panose="02020603050405020304" pitchFamily="18" charset="0"/>
+                <a:cs typeface="Times New Roman" panose="02020603050405020304" pitchFamily="18" charset="0"/>
+              </a:rPr>
+              <a:t>nlikely</a:t>
+            </a:r>
+            <a:r>
+              <a:rPr lang="en-NZ" sz="2800" dirty="0">
+                <a:effectLst/>
+                <a:latin typeface="Times New Roman" panose="02020603050405020304" pitchFamily="18" charset="0"/>
+                <a:cs typeface="Times New Roman" panose="02020603050405020304" pitchFamily="18" charset="0"/>
+              </a:rPr>
+              <a:t> to be changed.</a:t>
+            </a:r>
+            <a:endParaRPr lang="en-NZ" sz="2800" dirty="0">
+              <a:latin typeface="Times New Roman" panose="02020603050405020304" pitchFamily="18" charset="0"/>
+              <a:cs typeface="Times New Roman" panose="02020603050405020304" pitchFamily="18" charset="0"/>
+            </a:endParaRPr>
+          </a:p>
+        </p:txBody>
+      </p:sp>
+      <p:sp>
+        <p:nvSpPr>
+          <p:cNvPr id="5" name="文本框 4">
             <a:extLst>
-              <a:ext uri="{28A0092B-C50C-407E-A947-70E740481C1C}">
-                <a14:useLocalDpi xmlns:a14="http://schemas.microsoft.com/office/drawing/2010/main" xmlns="" val="0"/>
+              <a:ext uri="{FF2B5EF4-FFF2-40B4-BE49-F238E27FC236}">
+                <a16:creationId xmlns:a16="http://schemas.microsoft.com/office/drawing/2014/main" id="{D233536E-5C4E-5A22-114B-E507F99608AF}"/>
               </a:ext>
             </a:extLst>
-          </a:blip>
-          <a:stretch>
-            <a:fillRect/>
-          </a:stretch>
-        </p:blipFill>
-        <p:spPr>
-          <a:xfrm>
-            <a:off x="2644663" y="2193925"/>
-            <a:ext cx="6902674" cy="4024313"/>
-          </a:xfrm>
-        </p:spPr>
-      </p:pic>
+          </p:cNvPr>
+          <p:cNvSpPr txBox="1"/>
+          <p:nvPr/>
+        </p:nvSpPr>
+        <p:spPr>
+          <a:xfrm>
+            <a:off x="6661150" y="2232542"/>
+            <a:ext cx="5099050" cy="2585323"/>
+          </a:xfrm>
+          <a:prstGeom prst="rect">
+            <a:avLst/>
+          </a:prstGeom>
+          <a:noFill/>
+        </p:spPr>
+        <p:txBody>
+          <a:bodyPr wrap="square" rtlCol="0">
+            <a:spAutoFit/>
+          </a:bodyPr>
+          <a:lstStyle/>
+          <a:p>
+            <a:pPr marL="0" algn="l" rtl="0" eaLnBrk="1" fontAlgn="b" latinLnBrk="0" hangingPunct="1">
+              <a:spcBef>
+                <a:spcPts val="0"/>
+              </a:spcBef>
+              <a:spcAft>
+                <a:spcPts val="0"/>
+              </a:spcAft>
+            </a:pPr>
+            <a:r>
+              <a:rPr lang="en-NZ" sz="1800" b="0" i="0" u="none" strike="noStrike" kern="1200" dirty="0">
+                <a:solidFill>
+                  <a:schemeClr val="tx2">
+                    <a:lumMod val="90000"/>
+                  </a:schemeClr>
+                </a:solidFill>
+                <a:effectLst/>
+                <a:latin typeface="Times New Roman" panose="02020603050405020304" pitchFamily="18" charset="0"/>
+                <a:cs typeface="Times New Roman" panose="02020603050405020304" pitchFamily="18" charset="0"/>
+              </a:rPr>
+              <a:t>1.    Allow input of various input parameters on password such as Password Length, Include Special Characters, Numbers, Lower/Upper case Characters</a:t>
+            </a:r>
+          </a:p>
+          <a:p>
+            <a:pPr marL="0" algn="l" rtl="0" eaLnBrk="1" fontAlgn="b" latinLnBrk="0" hangingPunct="1">
+              <a:spcBef>
+                <a:spcPts val="0"/>
+              </a:spcBef>
+              <a:spcAft>
+                <a:spcPts val="0"/>
+              </a:spcAft>
+            </a:pPr>
+            <a:r>
+              <a:rPr lang="en-NZ" sz="1800" b="0" i="0" u="none" strike="noStrike" kern="1200" dirty="0">
+                <a:solidFill>
+                  <a:schemeClr val="tx2">
+                    <a:lumMod val="90000"/>
+                  </a:schemeClr>
+                </a:solidFill>
+                <a:effectLst/>
+                <a:latin typeface="Times New Roman" panose="02020603050405020304" pitchFamily="18" charset="0"/>
+                <a:cs typeface="Times New Roman" panose="02020603050405020304" pitchFamily="18" charset="0"/>
+              </a:rPr>
+              <a:t>2.    Save the settings for future use</a:t>
+            </a:r>
+            <a:endParaRPr lang="en-NZ" sz="1800" b="0" i="0" u="none" strike="noStrike" dirty="0">
+              <a:solidFill>
+                <a:schemeClr val="tx2">
+                  <a:lumMod val="90000"/>
+                </a:schemeClr>
+              </a:solidFill>
+              <a:effectLst/>
+              <a:latin typeface="Times New Roman" panose="02020603050405020304" pitchFamily="18" charset="0"/>
+              <a:cs typeface="Times New Roman" panose="02020603050405020304" pitchFamily="18" charset="0"/>
+            </a:endParaRPr>
+          </a:p>
+          <a:p>
+            <a:pPr marL="0" algn="l" rtl="0" eaLnBrk="1" fontAlgn="b" latinLnBrk="0" hangingPunct="1">
+              <a:spcBef>
+                <a:spcPts val="0"/>
+              </a:spcBef>
+              <a:spcAft>
+                <a:spcPts val="0"/>
+              </a:spcAft>
+            </a:pPr>
+            <a:r>
+              <a:rPr lang="en-NZ" sz="1800" b="0" i="0" u="none" strike="noStrike" kern="1200" dirty="0">
+                <a:solidFill>
+                  <a:schemeClr val="tx2">
+                    <a:lumMod val="90000"/>
+                  </a:schemeClr>
+                </a:solidFill>
+                <a:effectLst/>
+                <a:latin typeface="Times New Roman" panose="02020603050405020304" pitchFamily="18" charset="0"/>
+                <a:cs typeface="Times New Roman" panose="02020603050405020304" pitchFamily="18" charset="0"/>
+              </a:rPr>
+              <a:t>3.    Generate a random password based on the above parameters</a:t>
+            </a:r>
+            <a:endParaRPr lang="en-NZ" sz="1800" b="0" i="0" u="none" strike="noStrike" dirty="0">
+              <a:solidFill>
+                <a:schemeClr val="tx2">
+                  <a:lumMod val="90000"/>
+                </a:schemeClr>
+              </a:solidFill>
+              <a:effectLst/>
+              <a:latin typeface="Times New Roman" panose="02020603050405020304" pitchFamily="18" charset="0"/>
+              <a:cs typeface="Times New Roman" panose="02020603050405020304" pitchFamily="18" charset="0"/>
+            </a:endParaRPr>
+          </a:p>
+          <a:p>
+            <a:pPr marL="0" algn="l" rtl="0" eaLnBrk="1" fontAlgn="b" latinLnBrk="0" hangingPunct="1">
+              <a:spcBef>
+                <a:spcPts val="0"/>
+              </a:spcBef>
+              <a:spcAft>
+                <a:spcPts val="0"/>
+              </a:spcAft>
+            </a:pPr>
+            <a:r>
+              <a:rPr lang="en-NZ" sz="1800" b="0" i="0" u="none" strike="noStrike" kern="1200" dirty="0">
+                <a:solidFill>
+                  <a:schemeClr val="tx2">
+                    <a:lumMod val="90000"/>
+                  </a:schemeClr>
+                </a:solidFill>
+                <a:effectLst/>
+                <a:latin typeface="Times New Roman" panose="02020603050405020304" pitchFamily="18" charset="0"/>
+                <a:cs typeface="Times New Roman" panose="02020603050405020304" pitchFamily="18" charset="0"/>
+              </a:rPr>
+              <a:t>4.    Copy function to copy the generated password to the buffer (like Control + C)</a:t>
+            </a:r>
+            <a:endParaRPr lang="en-NZ" sz="1800" b="0" i="0" u="none" strike="noStrike" dirty="0">
+              <a:solidFill>
+                <a:schemeClr val="tx2">
+                  <a:lumMod val="90000"/>
+                </a:schemeClr>
+              </a:solidFill>
+              <a:effectLst/>
+              <a:latin typeface="Times New Roman" panose="02020603050405020304" pitchFamily="18" charset="0"/>
+              <a:cs typeface="Times New Roman" panose="02020603050405020304" pitchFamily="18" charset="0"/>
+            </a:endParaRPr>
+          </a:p>
+          <a:p>
+            <a:endParaRPr lang="en-NZ" dirty="0">
+              <a:solidFill>
+                <a:schemeClr val="tx2">
+                  <a:lumMod val="90000"/>
+                </a:schemeClr>
+              </a:solidFill>
+              <a:latin typeface="Times New Roman" panose="02020603050405020304" pitchFamily="18" charset="0"/>
+              <a:cs typeface="Times New Roman" panose="02020603050405020304" pitchFamily="18" charset="0"/>
+            </a:endParaRPr>
+          </a:p>
+        </p:txBody>
+      </p:sp>
+      <p:sp>
+        <p:nvSpPr>
+          <p:cNvPr id="6" name="文本框 5">
+            <a:extLst>
+              <a:ext uri="{FF2B5EF4-FFF2-40B4-BE49-F238E27FC236}">
+                <a16:creationId xmlns:a16="http://schemas.microsoft.com/office/drawing/2014/main" id="{4432D91B-110E-9A16-F8F5-9DE69295486D}"/>
+              </a:ext>
+            </a:extLst>
+          </p:cNvPr>
+          <p:cNvSpPr txBox="1"/>
+          <p:nvPr/>
+        </p:nvSpPr>
+        <p:spPr>
+          <a:xfrm>
+            <a:off x="6572250" y="5638800"/>
+            <a:ext cx="4724400" cy="338554"/>
+          </a:xfrm>
+          <a:prstGeom prst="rect">
+            <a:avLst/>
+          </a:prstGeom>
+          <a:noFill/>
+        </p:spPr>
+        <p:txBody>
+          <a:bodyPr wrap="square" rtlCol="0">
+            <a:spAutoFit/>
+          </a:bodyPr>
+          <a:lstStyle/>
+          <a:p>
+            <a:r>
+              <a:rPr lang="en-NZ" sz="1600" dirty="0" err="1">
+                <a:latin typeface="Times New Roman" panose="02020603050405020304" pitchFamily="18" charset="0"/>
+                <a:cs typeface="Times New Roman" panose="02020603050405020304" pitchFamily="18" charset="0"/>
+              </a:rPr>
+              <a:t>Retrived</a:t>
+            </a:r>
+            <a:r>
+              <a:rPr lang="en-NZ" sz="1600" dirty="0">
+                <a:latin typeface="Times New Roman" panose="02020603050405020304" pitchFamily="18" charset="0"/>
+                <a:cs typeface="Times New Roman" panose="02020603050405020304" pitchFamily="18" charset="0"/>
+              </a:rPr>
+              <a:t> from: project list</a:t>
+            </a:r>
+          </a:p>
+        </p:txBody>
+      </p:sp>
     </p:spTree>
     <p:extLst>
       <p:ext uri="{BB962C8B-B14F-4D97-AF65-F5344CB8AC3E}">
-        <p14:creationId xmlns:p14="http://schemas.microsoft.com/office/powerpoint/2010/main" xmlns="" val="3123407964"/>
+        <p14:creationId xmlns:p14="http://schemas.microsoft.com/office/powerpoint/2010/main" val="2361374323"/>
       </p:ext>
     </p:extLst>
   </p:cSld>
@@ -6010,7 +6323,7 @@
           <p:cNvPr id="2" name="标题 1">
             <a:extLst>
               <a:ext uri="{FF2B5EF4-FFF2-40B4-BE49-F238E27FC236}">
-                <a16:creationId xmlns:a16="http://schemas.microsoft.com/office/drawing/2014/main" xmlns="" id="{083AE34A-2EE8-6BAE-70F0-3E8DBE525781}"/>
+                <a16:creationId xmlns:a16="http://schemas.microsoft.com/office/drawing/2014/main" id="{B26EBC45-122C-5FE6-01A0-0B6F24E25785}"/>
               </a:ext>
             </a:extLst>
           </p:cNvPr>
@@ -6033,141 +6346,45 @@
           </a:p>
         </p:txBody>
       </p:sp>
-      <p:sp>
-        <p:nvSpPr>
-          <p:cNvPr id="3" name="内容占位符 2">
+      <p:pic>
+        <p:nvPicPr>
+          <p:cNvPr id="5" name="内容占位符 4">
             <a:extLst>
               <a:ext uri="{FF2B5EF4-FFF2-40B4-BE49-F238E27FC236}">
-                <a16:creationId xmlns:a16="http://schemas.microsoft.com/office/drawing/2014/main" xmlns="" id="{D1631241-63E7-CCA1-C041-9CEE6DF91618}"/>
+                <a16:creationId xmlns:a16="http://schemas.microsoft.com/office/drawing/2014/main" id="{B34579D3-B1D0-FFDD-242D-00F815568178}"/>
               </a:ext>
             </a:extLst>
           </p:cNvPr>
-          <p:cNvSpPr>
-            <a:spLocks noGrp="1"/>
-          </p:cNvSpPr>
+          <p:cNvPicPr>
+            <a:picLocks noGrp="1" noChangeAspect="1"/>
+          </p:cNvPicPr>
           <p:nvPr>
             <p:ph idx="1"/>
           </p:nvPr>
-        </p:nvSpPr>
-        <p:spPr/>
-        <p:txBody>
-          <a:bodyPr/>
-          <a:lstStyle/>
-          <a:p>
-            <a:r>
-              <a:rPr lang="en-NZ" dirty="0"/>
-              <a:t>Client (Richard)</a:t>
-            </a:r>
-          </a:p>
-          <a:p>
-            <a:pPr lvl="1"/>
-            <a:r>
-              <a:rPr lang="en-NZ" dirty="0"/>
-              <a:t>User Interface (Html/</a:t>
-            </a:r>
-            <a:r>
-              <a:rPr lang="en-NZ" dirty="0" err="1"/>
-              <a:t>ejs</a:t>
-            </a:r>
-            <a:r>
-              <a:rPr lang="en-NZ" dirty="0"/>
-              <a:t>, </a:t>
-            </a:r>
-            <a:r>
-              <a:rPr lang="en-NZ" dirty="0" err="1"/>
-              <a:t>css</a:t>
-            </a:r>
-            <a:r>
-              <a:rPr lang="en-NZ" dirty="0"/>
-              <a:t>, embedded </a:t>
-            </a:r>
-            <a:r>
-              <a:rPr lang="en-NZ" dirty="0" err="1"/>
-              <a:t>javascript</a:t>
-            </a:r>
-            <a:r>
-              <a:rPr lang="en-NZ" dirty="0"/>
-              <a:t>)</a:t>
-            </a:r>
-          </a:p>
-          <a:p>
-            <a:r>
-              <a:rPr lang="en-US" altLang="zh-CN" dirty="0"/>
-              <a:t>Server (Steven)</a:t>
-            </a:r>
-          </a:p>
-          <a:p>
-            <a:pPr lvl="1"/>
-            <a:r>
-              <a:rPr lang="en-US" altLang="zh-CN" dirty="0"/>
-              <a:t>request process (</a:t>
-            </a:r>
-            <a:r>
-              <a:rPr lang="en-US" altLang="zh-CN" dirty="0" err="1"/>
-              <a:t>javascript</a:t>
-            </a:r>
-            <a:r>
-              <a:rPr lang="en-US" altLang="zh-CN" dirty="0"/>
-              <a:t>)</a:t>
-            </a:r>
-          </a:p>
-          <a:p>
-            <a:pPr marL="457200" lvl="1" indent="0">
-              <a:buNone/>
-            </a:pPr>
-            <a:r>
-              <a:rPr lang="en-US" altLang="zh-CN" dirty="0"/>
-              <a:t>. Cookies process </a:t>
-            </a:r>
-            <a:r>
-              <a:rPr lang="zh-CN" altLang="en-US" dirty="0"/>
-              <a:t> </a:t>
-            </a:r>
-            <a:r>
-              <a:rPr lang="en-NZ" altLang="zh-CN" dirty="0"/>
-              <a:t>(</a:t>
-            </a:r>
-            <a:r>
-              <a:rPr lang="en-NZ" altLang="zh-CN" dirty="0" err="1"/>
-              <a:t>javascript</a:t>
-            </a:r>
-            <a:r>
-              <a:rPr lang="en-NZ" altLang="zh-CN" dirty="0"/>
-              <a:t>)</a:t>
-            </a:r>
-            <a:endParaRPr lang="en-US" altLang="zh-CN" dirty="0"/>
-          </a:p>
-          <a:p>
-            <a:r>
-              <a:rPr lang="en-US" altLang="zh-CN" dirty="0"/>
-              <a:t>Server( Maribeth)</a:t>
-            </a:r>
-          </a:p>
-          <a:p>
-            <a:pPr lvl="1"/>
-            <a:r>
-              <a:rPr lang="en-US" altLang="zh-CN" dirty="0"/>
-              <a:t> implement of the module - Password Generator (</a:t>
-            </a:r>
-            <a:r>
-              <a:rPr lang="en-US" altLang="zh-CN" dirty="0" err="1"/>
-              <a:t>javascript</a:t>
-            </a:r>
-            <a:r>
-              <a:rPr lang="en-US" altLang="zh-CN" dirty="0"/>
-              <a:t>)</a:t>
-            </a:r>
-          </a:p>
-          <a:p>
-            <a:pPr lvl="1"/>
-            <a:endParaRPr lang="en-US" altLang="zh-CN" dirty="0"/>
-          </a:p>
-        </p:txBody>
-      </p:sp>
+        </p:nvPicPr>
+        <p:blipFill>
+          <a:blip r:embed="rId2">
+            <a:extLst>
+              <a:ext uri="{28A0092B-C50C-407E-A947-70E740481C1C}">
+                <a14:useLocalDpi xmlns:a14="http://schemas.microsoft.com/office/drawing/2010/main" val="0"/>
+              </a:ext>
+            </a:extLst>
+          </a:blip>
+          <a:stretch>
+            <a:fillRect/>
+          </a:stretch>
+        </p:blipFill>
+        <p:spPr>
+          <a:xfrm>
+            <a:off x="2644663" y="2193925"/>
+            <a:ext cx="6902674" cy="4024313"/>
+          </a:xfrm>
+        </p:spPr>
+      </p:pic>
     </p:spTree>
     <p:extLst>
       <p:ext uri="{BB962C8B-B14F-4D97-AF65-F5344CB8AC3E}">
-        <p14:creationId xmlns:p14="http://schemas.microsoft.com/office/powerpoint/2010/main" xmlns="" val="3396672449"/>
+        <p14:creationId xmlns:p14="http://schemas.microsoft.com/office/powerpoint/2010/main" val="3123407964"/>
       </p:ext>
     </p:extLst>
   </p:cSld>
@@ -6199,7 +6416,7 @@
           <p:cNvPr id="2" name="标题 1">
             <a:extLst>
               <a:ext uri="{FF2B5EF4-FFF2-40B4-BE49-F238E27FC236}">
-                <a16:creationId xmlns:a16="http://schemas.microsoft.com/office/drawing/2014/main" xmlns="" id="{BCD0B7BF-66C7-8E0C-EE6E-210BC09261AB}"/>
+                <a16:creationId xmlns:a16="http://schemas.microsoft.com/office/drawing/2014/main" id="{083AE34A-2EE8-6BAE-70F0-3E8DBE525781}"/>
               </a:ext>
             </a:extLst>
           </p:cNvPr>
@@ -6217,7 +6434,7 @@
           <a:p>
             <a:r>
               <a:rPr lang="en-NZ" dirty="0"/>
-              <a:t>Reflections</a:t>
+              <a:t>TEAM WORK</a:t>
             </a:r>
           </a:p>
         </p:txBody>
@@ -6227,7 +6444,7 @@
           <p:cNvPr id="3" name="内容占位符 2">
             <a:extLst>
               <a:ext uri="{FF2B5EF4-FFF2-40B4-BE49-F238E27FC236}">
-                <a16:creationId xmlns:a16="http://schemas.microsoft.com/office/drawing/2014/main" xmlns="" id="{99BC1E35-F9E7-1295-FBBD-ED8B0075BF59}"/>
+                <a16:creationId xmlns:a16="http://schemas.microsoft.com/office/drawing/2014/main" id="{D1631241-63E7-CCA1-C041-9CEE6DF91618}"/>
               </a:ext>
             </a:extLst>
           </p:cNvPr>
@@ -6245,39 +6462,110 @@
           <a:p>
             <a:r>
               <a:rPr lang="en-NZ" dirty="0"/>
-              <a:t>Maribeth:</a:t>
-            </a:r>
-          </a:p>
-          <a:p>
-            <a:endParaRPr lang="en-NZ" dirty="0"/>
-          </a:p>
-          <a:p>
-            <a:endParaRPr lang="en-NZ" dirty="0"/>
-          </a:p>
-          <a:p>
+              <a:t>Client (Richard)</a:t>
+            </a:r>
+          </a:p>
+          <a:p>
+            <a:pPr lvl="1"/>
             <a:r>
               <a:rPr lang="en-NZ" dirty="0"/>
-              <a:t>Richard:</a:t>
-            </a:r>
-          </a:p>
-          <a:p>
-            <a:endParaRPr lang="en-NZ" dirty="0"/>
-          </a:p>
-          <a:p>
-            <a:endParaRPr lang="en-NZ" dirty="0"/>
-          </a:p>
-          <a:p>
+              <a:t>User Interface (HTML/</a:t>
+            </a:r>
+            <a:r>
+              <a:rPr lang="en-NZ" dirty="0" err="1"/>
+              <a:t>ejs</a:t>
+            </a:r>
             <a:r>
               <a:rPr lang="en-NZ" dirty="0"/>
-              <a:t>Steven:</a:t>
-            </a:r>
+              <a:t>, CSS, embedded </a:t>
+            </a:r>
+            <a:r>
+              <a:rPr lang="en-NZ" dirty="0" err="1"/>
+              <a:t>javascript</a:t>
+            </a:r>
+            <a:r>
+              <a:rPr lang="en-NZ" dirty="0"/>
+              <a:t>)</a:t>
+            </a:r>
+          </a:p>
+          <a:p>
+            <a:r>
+              <a:rPr lang="en-US" altLang="zh-CN" dirty="0"/>
+              <a:t>Server (Steven)</a:t>
+            </a:r>
+          </a:p>
+          <a:p>
+            <a:pPr lvl="1"/>
+            <a:r>
+              <a:rPr lang="en-US" altLang="zh-CN" dirty="0"/>
+              <a:t>request process (</a:t>
+            </a:r>
+            <a:r>
+              <a:rPr lang="en-US" altLang="zh-CN" dirty="0" err="1"/>
+              <a:t>javascript</a:t>
+            </a:r>
+            <a:r>
+              <a:rPr lang="en-US" altLang="zh-CN" dirty="0"/>
+              <a:t>)</a:t>
+            </a:r>
+          </a:p>
+          <a:p>
+            <a:pPr marL="457200" lvl="1" indent="0">
+              <a:buNone/>
+            </a:pPr>
+            <a:r>
+              <a:rPr lang="en-US" altLang="zh-CN" dirty="0"/>
+              <a:t>. Cookies process </a:t>
+            </a:r>
+            <a:r>
+              <a:rPr lang="zh-CN" altLang="en-US" dirty="0"/>
+              <a:t> </a:t>
+            </a:r>
+            <a:r>
+              <a:rPr lang="en-NZ" altLang="zh-CN" dirty="0"/>
+              <a:t>(</a:t>
+            </a:r>
+            <a:r>
+              <a:rPr lang="en-NZ" altLang="zh-CN" dirty="0" err="1"/>
+              <a:t>javascript</a:t>
+            </a:r>
+            <a:r>
+              <a:rPr lang="en-NZ" altLang="zh-CN" dirty="0"/>
+              <a:t>)</a:t>
+            </a:r>
+            <a:endParaRPr lang="en-US" altLang="zh-CN" dirty="0"/>
+          </a:p>
+          <a:p>
+            <a:r>
+              <a:rPr lang="en-US" altLang="zh-CN" dirty="0"/>
+              <a:t>Server( Maribeth)</a:t>
+            </a:r>
+          </a:p>
+          <a:p>
+            <a:pPr lvl="1"/>
+            <a:r>
+              <a:rPr lang="en-US" altLang="zh-CN" dirty="0"/>
+              <a:t> implement a module for Password Generator (</a:t>
+            </a:r>
+            <a:r>
+              <a:rPr lang="en-US" altLang="zh-CN" dirty="0" err="1"/>
+              <a:t>javascript</a:t>
+            </a:r>
+            <a:r>
+              <a:rPr lang="en-US" altLang="zh-CN" dirty="0"/>
+              <a:t>)</a:t>
+            </a:r>
+          </a:p>
+          <a:p>
+            <a:pPr lvl="1"/>
+            <a:endParaRPr lang="en-US" altLang="zh-CN" dirty="0"/>
           </a:p>
         </p:txBody>
       </p:sp>
     </p:spTree>
     <p:extLst>
       <p:ext uri="{BB962C8B-B14F-4D97-AF65-F5344CB8AC3E}">
-        <p14:creationId xmlns:p14="http://schemas.microsoft.com/office/powerpoint/2010/main" xmlns="" val="358586711"/>
+        <p14:creationId xmlns:p14="http://schemas.microsoft.com/office/powerpoint/2010/main" val="3396672449"/>
       </p:ext>
     </p:extLst>
   </p:cSld>
@@ -6309,7 +6597,7 @@
           <p:cNvPr id="2" name="标题 1">
             <a:extLst>
               <a:ext uri="{FF2B5EF4-FFF2-40B4-BE49-F238E27FC236}">
-                <a16:creationId xmlns:a16="http://schemas.microsoft.com/office/drawing/2014/main" xmlns="" id="{7968832C-C89A-B085-ABDF-723E25F15B4E}"/>
+                <a16:creationId xmlns:a16="http://schemas.microsoft.com/office/drawing/2014/main" id="{BCD0B7BF-66C7-8E0C-EE6E-210BC09261AB}"/>
               </a:ext>
             </a:extLst>
           </p:cNvPr>
@@ -6327,7 +6615,7 @@
           <a:p>
             <a:r>
               <a:rPr lang="en-NZ" dirty="0"/>
-              <a:t>References</a:t>
+              <a:t>Reflections</a:t>
             </a:r>
           </a:p>
         </p:txBody>
@@ -6337,7 +6625,7 @@
           <p:cNvPr id="3" name="内容占位符 2">
             <a:extLst>
               <a:ext uri="{FF2B5EF4-FFF2-40B4-BE49-F238E27FC236}">
-                <a16:creationId xmlns:a16="http://schemas.microsoft.com/office/drawing/2014/main" xmlns="" id="{4029B2BD-2B47-E1CA-0E88-D9FBD2CA4E6C}"/>
+                <a16:creationId xmlns:a16="http://schemas.microsoft.com/office/drawing/2014/main" id="{99BC1E35-F9E7-1295-FBBD-ED8B0075BF59}"/>
               </a:ext>
             </a:extLst>
           </p:cNvPr>
@@ -6353,14 +6641,41 @@
           <a:bodyPr/>
           <a:lstStyle/>
           <a:p>
+            <a:r>
+              <a:rPr lang="en-NZ" dirty="0"/>
+              <a:t>Maribeth:</a:t>
+            </a:r>
+          </a:p>
+          <a:p>
             <a:endParaRPr lang="en-NZ" dirty="0"/>
+          </a:p>
+          <a:p>
+            <a:endParaRPr lang="en-NZ" dirty="0"/>
+          </a:p>
+          <a:p>
+            <a:r>
+              <a:rPr lang="en-NZ" dirty="0"/>
+              <a:t>Richard:</a:t>
+            </a:r>
+          </a:p>
+          <a:p>
+            <a:endParaRPr lang="en-NZ" dirty="0"/>
+          </a:p>
+          <a:p>
+            <a:endParaRPr lang="en-NZ" dirty="0"/>
+          </a:p>
+          <a:p>
+            <a:r>
+              <a:rPr lang="en-NZ" dirty="0"/>
+              <a:t>Steven:</a:t>
+            </a:r>
           </a:p>
         </p:txBody>
       </p:sp>
     </p:spTree>
     <p:extLst>
       <p:ext uri="{BB962C8B-B14F-4D97-AF65-F5344CB8AC3E}">
-        <p14:creationId xmlns:p14="http://schemas.microsoft.com/office/powerpoint/2010/main" xmlns="" val="1669517618"/>
+        <p14:creationId xmlns:p14="http://schemas.microsoft.com/office/powerpoint/2010/main" val="358586711"/>
       </p:ext>
     </p:extLst>
   </p:cSld>
@@ -6392,7 +6707,7 @@
           <p:cNvPr id="2" name="标题 1">
             <a:extLst>
               <a:ext uri="{FF2B5EF4-FFF2-40B4-BE49-F238E27FC236}">
-                <a16:creationId xmlns:a16="http://schemas.microsoft.com/office/drawing/2014/main" xmlns="" id="{931FF632-26A4-A3C5-3BFA-108378087F3B}"/>
+                <a16:creationId xmlns:a16="http://schemas.microsoft.com/office/drawing/2014/main" id="{7968832C-C89A-B085-ABDF-723E25F15B4E}"/>
               </a:ext>
             </a:extLst>
           </p:cNvPr>
@@ -6410,7 +6725,7 @@
           <a:p>
             <a:r>
               <a:rPr lang="en-NZ" dirty="0"/>
-              <a:t>Q&amp;A</a:t>
+              <a:t>References</a:t>
             </a:r>
           </a:p>
         </p:txBody>
@@ -6420,7 +6735,7 @@
           <p:cNvPr id="3" name="内容占位符 2">
             <a:extLst>
               <a:ext uri="{FF2B5EF4-FFF2-40B4-BE49-F238E27FC236}">
-                <a16:creationId xmlns:a16="http://schemas.microsoft.com/office/drawing/2014/main" xmlns="" id="{10C10AB0-F6BB-26E5-C279-0931E8572F2F}"/>
+                <a16:creationId xmlns:a16="http://schemas.microsoft.com/office/drawing/2014/main" id="{4029B2BD-2B47-E1CA-0E88-D9FBD2CA4E6C}"/>
               </a:ext>
             </a:extLst>
           </p:cNvPr>
@@ -6436,17 +6751,100 @@
           <a:bodyPr/>
           <a:lstStyle/>
           <a:p>
-            <a:r>
-              <a:rPr lang="en-NZ" dirty="0"/>
-              <a:t>Answer Questions</a:t>
-            </a:r>
+            <a:endParaRPr lang="en-NZ" dirty="0"/>
           </a:p>
         </p:txBody>
       </p:sp>
     </p:spTree>
     <p:extLst>
       <p:ext uri="{BB962C8B-B14F-4D97-AF65-F5344CB8AC3E}">
-        <p14:creationId xmlns:p14="http://schemas.microsoft.com/office/powerpoint/2010/main" xmlns="" val="1405912245"/>
+        <p14:creationId xmlns:p14="http://schemas.microsoft.com/office/powerpoint/2010/main" val="1669517618"/>
+      </p:ext>
+    </p:extLst>
+  </p:cSld>
+  <p:clrMapOvr>
+    <a:masterClrMapping/>
+  </p:clrMapOvr>
+</p:sld>
+</file>
+
+<file path=ppt/slides/slide15.xml><?xml version="1.0" encoding="utf-8"?>
+<p:sld xmlns:a="http://schemas.openxmlformats.org/drawingml/2006/main" xmlns:r="http://schemas.openxmlformats.org/officeDocument/2006/relationships" xmlns:p="http://schemas.openxmlformats.org/presentationml/2006/main">
+  <p:cSld>
+    <p:spTree>
+      <p:nvGrpSpPr>
+        <p:cNvPr id="1" name=""/>
+        <p:cNvGrpSpPr/>
+        <p:nvPr/>
+      </p:nvGrpSpPr>
+      <p:grpSpPr>
+        <a:xfrm>
+          <a:off x="0" y="0"/>
+          <a:ext cx="0" cy="0"/>
+          <a:chOff x="0" y="0"/>
+          <a:chExt cx="0" cy="0"/>
+        </a:xfrm>
+      </p:grpSpPr>
+      <p:sp>
+        <p:nvSpPr>
+          <p:cNvPr id="2" name="标题 1">
+            <a:extLst>
+              <a:ext uri="{FF2B5EF4-FFF2-40B4-BE49-F238E27FC236}">
+                <a16:creationId xmlns:a16="http://schemas.microsoft.com/office/drawing/2014/main" id="{931FF632-26A4-A3C5-3BFA-108378087F3B}"/>
+              </a:ext>
+            </a:extLst>
+          </p:cNvPr>
+          <p:cNvSpPr>
+            <a:spLocks noGrp="1"/>
+          </p:cNvSpPr>
+          <p:nvPr>
+            <p:ph type="title"/>
+          </p:nvPr>
+        </p:nvSpPr>
+        <p:spPr/>
+        <p:txBody>
+          <a:bodyPr/>
+          <a:lstStyle/>
+          <a:p>
+            <a:r>
+              <a:rPr lang="en-NZ" dirty="0"/>
+              <a:t>Q&amp;A</a:t>
+            </a:r>
+          </a:p>
+        </p:txBody>
+      </p:sp>
+      <p:sp>
+        <p:nvSpPr>
+          <p:cNvPr id="3" name="内容占位符 2">
+            <a:extLst>
+              <a:ext uri="{FF2B5EF4-FFF2-40B4-BE49-F238E27FC236}">
+                <a16:creationId xmlns:a16="http://schemas.microsoft.com/office/drawing/2014/main" id="{10C10AB0-F6BB-26E5-C279-0931E8572F2F}"/>
+              </a:ext>
+            </a:extLst>
+          </p:cNvPr>
+          <p:cNvSpPr>
+            <a:spLocks noGrp="1"/>
+          </p:cNvSpPr>
+          <p:nvPr>
+            <p:ph idx="1"/>
+          </p:nvPr>
+        </p:nvSpPr>
+        <p:spPr/>
+        <p:txBody>
+          <a:bodyPr/>
+          <a:lstStyle/>
+          <a:p>
+            <a:r>
+              <a:rPr lang="en-NZ" dirty="0"/>
+              <a:t>Answer Questions</a:t>
+            </a:r>
+          </a:p>
+        </p:txBody>
+      </p:sp>
+    </p:spTree>
+    <p:extLst>
+      <p:ext uri="{BB962C8B-B14F-4D97-AF65-F5344CB8AC3E}">
+        <p14:creationId xmlns:p14="http://schemas.microsoft.com/office/powerpoint/2010/main" val="1405912245"/>
       </p:ext>
     </p:extLst>
   </p:cSld>
@@ -6478,7 +6876,7 @@
           <p:cNvPr id="2" name="标题 1">
             <a:extLst>
               <a:ext uri="{FF2B5EF4-FFF2-40B4-BE49-F238E27FC236}">
-                <a16:creationId xmlns:a16="http://schemas.microsoft.com/office/drawing/2014/main" xmlns="" id="{3B121F95-2659-B777-A490-44CC5DFFC3A1}"/>
+                <a16:creationId xmlns:a16="http://schemas.microsoft.com/office/drawing/2014/main" id="{3B121F95-2659-B777-A490-44CC5DFFC3A1}"/>
               </a:ext>
             </a:extLst>
           </p:cNvPr>
@@ -6496,7 +6894,7 @@
           <a:p>
             <a:r>
               <a:rPr lang="en-NZ" dirty="0"/>
-              <a:t>Content</a:t>
+              <a:t>Agenda</a:t>
             </a:r>
           </a:p>
         </p:txBody>
@@ -6506,7 +6904,7 @@
           <p:cNvPr id="3" name="内容占位符 2">
             <a:extLst>
               <a:ext uri="{FF2B5EF4-FFF2-40B4-BE49-F238E27FC236}">
-                <a16:creationId xmlns:a16="http://schemas.microsoft.com/office/drawing/2014/main" xmlns="" id="{7A6FE493-6895-3F84-9D5F-AB2A89BCCCAE}"/>
+                <a16:creationId xmlns:a16="http://schemas.microsoft.com/office/drawing/2014/main" id="{7A6FE493-6895-3F84-9D5F-AB2A89BCCCAE}"/>
               </a:ext>
             </a:extLst>
           </p:cNvPr>
@@ -6530,7 +6928,7 @@
           <a:p>
             <a:r>
               <a:rPr lang="en-NZ" dirty="0"/>
-              <a:t>2. Why we choose this project</a:t>
+              <a:t>2. Why we chose this project</a:t>
             </a:r>
           </a:p>
           <a:p>
@@ -6565,13 +6963,19 @@
           <a:p>
             <a:r>
               <a:rPr lang="en-NZ" dirty="0"/>
-              <a:t>7. Q &amp; A</a:t>
+              <a:t>7. References</a:t>
             </a:r>
           </a:p>
           <a:p>
             <a:r>
               <a:rPr lang="en-NZ" dirty="0"/>
-              <a:t>8. References</a:t>
+              <a:t>8. Demo</a:t>
+            </a:r>
+          </a:p>
+          <a:p>
+            <a:r>
+              <a:rPr lang="en-NZ" dirty="0"/>
+              <a:t>9. Q &amp; A</a:t>
             </a:r>
           </a:p>
         </p:txBody>
@@ -6579,7 +6983,7 @@
     </p:spTree>
     <p:extLst>
       <p:ext uri="{BB962C8B-B14F-4D97-AF65-F5344CB8AC3E}">
-        <p14:creationId xmlns:p14="http://schemas.microsoft.com/office/powerpoint/2010/main" xmlns="" val="3104536044"/>
+        <p14:creationId xmlns:p14="http://schemas.microsoft.com/office/powerpoint/2010/main" val="3104536044"/>
       </p:ext>
     </p:extLst>
   </p:cSld>
@@ -6611,7 +7015,7 @@
           <p:cNvPr id="2" name="标题 1">
             <a:extLst>
               <a:ext uri="{FF2B5EF4-FFF2-40B4-BE49-F238E27FC236}">
-                <a16:creationId xmlns:a16="http://schemas.microsoft.com/office/drawing/2014/main" xmlns="" id="{92465190-A9B5-15FB-0CC7-52D427954EC8}"/>
+                <a16:creationId xmlns:a16="http://schemas.microsoft.com/office/drawing/2014/main" id="{92465190-A9B5-15FB-0CC7-52D427954EC8}"/>
               </a:ext>
             </a:extLst>
           </p:cNvPr>
@@ -6629,7 +7033,7 @@
           <a:p>
             <a:r>
               <a:rPr lang="en-NZ" dirty="0"/>
-              <a:t>What is Password Generator</a:t>
+              <a:t>What is A Password Generator</a:t>
             </a:r>
           </a:p>
         </p:txBody>
@@ -6639,7 +7043,7 @@
           <p:cNvPr id="3" name="内容占位符 2">
             <a:extLst>
               <a:ext uri="{FF2B5EF4-FFF2-40B4-BE49-F238E27FC236}">
-                <a16:creationId xmlns:a16="http://schemas.microsoft.com/office/drawing/2014/main" xmlns="" id="{CAC7A421-7F2F-3B65-83AB-9B04FEA923A7}"/>
+                <a16:creationId xmlns:a16="http://schemas.microsoft.com/office/drawing/2014/main" id="{CAC7A421-7F2F-3B65-83AB-9B04FEA923A7}"/>
               </a:ext>
             </a:extLst>
           </p:cNvPr>
@@ -6657,7 +7061,7 @@
           <a:p>
             <a:r>
               <a:rPr lang="en-NZ" dirty="0"/>
-              <a:t>Create a random password while we are registering or modifying in websites, apps</a:t>
+              <a:t>Create a random password for use when registering or changing passwords in websites and apps</a:t>
             </a:r>
           </a:p>
           <a:p>
@@ -6670,30 +7074,31 @@
             <a:pPr lvl="1"/>
             <a:r>
               <a:rPr lang="en-NZ" dirty="0"/>
-              <a:t>Computers/Laptop(Mac &amp; Windows), phones(IOS &amp; Android), </a:t>
+              <a:t>Computers/Laptops (Mac &amp; Windows), phones (IOS &amp; Android), </a:t>
             </a:r>
             <a:r>
               <a:rPr lang="en-US" altLang="zh-CN" dirty="0"/>
-              <a:t>tablets(</a:t>
+              <a:t>tablets (</a:t>
+            </a:r>
+            <a:r>
+              <a:rPr lang="en-NZ" altLang="zh-CN" dirty="0" err="1"/>
+              <a:t>i</a:t>
             </a:r>
             <a:r>
               <a:rPr lang="en-NZ" dirty="0" err="1"/>
-              <a:t>Ipads</a:t>
+              <a:t>pads</a:t>
             </a:r>
             <a:r>
               <a:rPr lang="en-NZ" dirty="0"/>
-              <a:t> &amp; other brand) and so on.</a:t>
-            </a:r>
-          </a:p>
-          <a:p>
-            <a:endParaRPr lang="en-NZ" dirty="0"/>
+              <a:t> &amp; other brands)</a:t>
+            </a:r>
           </a:p>
         </p:txBody>
       </p:sp>
     </p:spTree>
     <p:extLst>
       <p:ext uri="{BB962C8B-B14F-4D97-AF65-F5344CB8AC3E}">
-        <p14:creationId xmlns:p14="http://schemas.microsoft.com/office/powerpoint/2010/main" xmlns="" val="3295134947"/>
+        <p14:creationId xmlns:p14="http://schemas.microsoft.com/office/powerpoint/2010/main" val="3295134947"/>
       </p:ext>
     </p:extLst>
   </p:cSld>
@@ -6725,7 +7130,7 @@
           <p:cNvPr id="2" name="标题 1">
             <a:extLst>
               <a:ext uri="{FF2B5EF4-FFF2-40B4-BE49-F238E27FC236}">
-                <a16:creationId xmlns:a16="http://schemas.microsoft.com/office/drawing/2014/main" xmlns="" id="{FCD0B3A6-F68D-1E92-C281-AEDB26248FFD}"/>
+                <a16:creationId xmlns:a16="http://schemas.microsoft.com/office/drawing/2014/main" id="{FCD0B3A6-F68D-1E92-C281-AEDB26248FFD}"/>
               </a:ext>
             </a:extLst>
           </p:cNvPr>
@@ -6748,7 +7153,7 @@
                 <a:latin typeface="Times New Roman" panose="02020603050405020304" pitchFamily="18" charset="0"/>
                 <a:cs typeface="Times New Roman" panose="02020603050405020304" pitchFamily="18" charset="0"/>
               </a:rPr>
-              <a:t>Why we choose this project</a:t>
+              <a:t>Why we chose this project</a:t>
             </a:r>
           </a:p>
         </p:txBody>
@@ -6758,7 +7163,7 @@
           <p:cNvPr id="3" name="内容占位符 2">
             <a:extLst>
               <a:ext uri="{FF2B5EF4-FFF2-40B4-BE49-F238E27FC236}">
-                <a16:creationId xmlns:a16="http://schemas.microsoft.com/office/drawing/2014/main" xmlns="" id="{78485416-BC42-8064-E043-36117E18E39D}"/>
+                <a16:creationId xmlns:a16="http://schemas.microsoft.com/office/drawing/2014/main" id="{78485416-BC42-8064-E043-36117E18E39D}"/>
               </a:ext>
             </a:extLst>
           </p:cNvPr>
@@ -6776,7 +7181,7 @@
           <a:p>
             <a:r>
               <a:rPr lang="en-NZ" sz="3200" dirty="0"/>
-              <a:t>Hard to create an ideal password</a:t>
+              <a:t>Hard to create a complex password</a:t>
             </a:r>
           </a:p>
           <a:p>
@@ -6786,10 +7191,10 @@
       </p:sp>
       <p:pic>
         <p:nvPicPr>
-          <p:cNvPr id="5" name="图片 4">
+          <p:cNvPr id="9" name="图片 8">
             <a:extLst>
               <a:ext uri="{FF2B5EF4-FFF2-40B4-BE49-F238E27FC236}">
-                <a16:creationId xmlns:a16="http://schemas.microsoft.com/office/drawing/2014/main" xmlns="" id="{FD0FF263-82E7-8F18-CDC3-B5F66EC461C5}"/>
+                <a16:creationId xmlns:a16="http://schemas.microsoft.com/office/drawing/2014/main" id="{FF651C45-FDCD-6C22-94A4-F7073AFDB5F7}"/>
               </a:ext>
             </a:extLst>
           </p:cNvPr>
@@ -6802,7 +7207,7 @@
           <a:blip r:embed="rId2">
             <a:extLst>
               <a:ext uri="{28A0092B-C50C-407E-A947-70E740481C1C}">
-                <a14:useLocalDpi xmlns:a14="http://schemas.microsoft.com/office/drawing/2010/main" xmlns="" val="0"/>
+                <a14:useLocalDpi xmlns:a14="http://schemas.microsoft.com/office/drawing/2010/main" val="0"/>
               </a:ext>
             </a:extLst>
           </a:blip>
@@ -6812,116 +7217,8 @@
         </p:blipFill>
         <p:spPr>
           <a:xfrm>
-            <a:off x="607996" y="2747958"/>
-            <a:ext cx="4562508" cy="681042"/>
-          </a:xfrm>
-          <a:prstGeom prst="rect">
-            <a:avLst/>
-          </a:prstGeom>
-        </p:spPr>
-      </p:pic>
-      <p:pic>
-        <p:nvPicPr>
-          <p:cNvPr id="7" name="图片 6">
-            <a:extLst>
-              <a:ext uri="{FF2B5EF4-FFF2-40B4-BE49-F238E27FC236}">
-                <a16:creationId xmlns:a16="http://schemas.microsoft.com/office/drawing/2014/main" xmlns="" id="{B6D4D5DA-1838-0E59-1374-8C6526271A56}"/>
-              </a:ext>
-            </a:extLst>
-          </p:cNvPr>
-          <p:cNvPicPr>
-            <a:picLocks noChangeAspect="1"/>
-          </p:cNvPicPr>
-          <p:nvPr/>
-        </p:nvPicPr>
-        <p:blipFill>
-          <a:blip r:embed="rId3">
-            <a:extLst>
-              <a:ext uri="{28A0092B-C50C-407E-A947-70E740481C1C}">
-                <a14:useLocalDpi xmlns:a14="http://schemas.microsoft.com/office/drawing/2010/main" xmlns="" val="0"/>
-              </a:ext>
-            </a:extLst>
-          </a:blip>
-          <a:stretch>
-            <a:fillRect/>
-          </a:stretch>
-        </p:blipFill>
-        <p:spPr>
-          <a:xfrm>
-            <a:off x="1112027" y="4220342"/>
-            <a:ext cx="3231373" cy="1859783"/>
-          </a:xfrm>
-          <a:prstGeom prst="rect">
-            <a:avLst/>
-          </a:prstGeom>
-        </p:spPr>
-      </p:pic>
-      <p:pic>
-        <p:nvPicPr>
-          <p:cNvPr id="9" name="图片 8">
-            <a:extLst>
-              <a:ext uri="{FF2B5EF4-FFF2-40B4-BE49-F238E27FC236}">
-                <a16:creationId xmlns:a16="http://schemas.microsoft.com/office/drawing/2014/main" xmlns="" id="{FF651C45-FDCD-6C22-94A4-F7073AFDB5F7}"/>
-              </a:ext>
-            </a:extLst>
-          </p:cNvPr>
-          <p:cNvPicPr>
-            <a:picLocks noChangeAspect="1"/>
-          </p:cNvPicPr>
-          <p:nvPr/>
-        </p:nvPicPr>
-        <p:blipFill>
-          <a:blip r:embed="rId4">
-            <a:extLst>
-              <a:ext uri="{28A0092B-C50C-407E-A947-70E740481C1C}">
-                <a14:useLocalDpi xmlns:a14="http://schemas.microsoft.com/office/drawing/2010/main" xmlns="" val="0"/>
-              </a:ext>
-            </a:extLst>
-          </a:blip>
-          <a:stretch>
-            <a:fillRect/>
-          </a:stretch>
-        </p:blipFill>
-        <p:spPr>
-          <a:xfrm>
-            <a:off x="5740328" y="2597150"/>
-            <a:ext cx="4113938" cy="1478368"/>
-          </a:xfrm>
-          <a:prstGeom prst="rect">
-            <a:avLst/>
-          </a:prstGeom>
-        </p:spPr>
-      </p:pic>
-      <p:pic>
-        <p:nvPicPr>
-          <p:cNvPr id="11" name="图片 10">
-            <a:extLst>
-              <a:ext uri="{FF2B5EF4-FFF2-40B4-BE49-F238E27FC236}">
-                <a16:creationId xmlns:a16="http://schemas.microsoft.com/office/drawing/2014/main" xmlns="" id="{9773E204-33CE-964E-0098-1E0F62D66402}"/>
-              </a:ext>
-            </a:extLst>
-          </p:cNvPr>
-          <p:cNvPicPr>
-            <a:picLocks noChangeAspect="1"/>
-          </p:cNvPicPr>
-          <p:nvPr/>
-        </p:nvPicPr>
-        <p:blipFill>
-          <a:blip r:embed="rId5">
-            <a:extLst>
-              <a:ext uri="{28A0092B-C50C-407E-A947-70E740481C1C}">
-                <a14:useLocalDpi xmlns:a14="http://schemas.microsoft.com/office/drawing/2010/main" xmlns="" val="0"/>
-              </a:ext>
-            </a:extLst>
-          </a:blip>
-          <a:stretch>
-            <a:fillRect/>
-          </a:stretch>
-        </p:blipFill>
-        <p:spPr>
-          <a:xfrm>
-            <a:off x="6041231" y="4135765"/>
-            <a:ext cx="3477419" cy="2357110"/>
+            <a:off x="124422" y="2597149"/>
+            <a:ext cx="9729844" cy="3496477"/>
           </a:xfrm>
           <a:prstGeom prst="rect">
             <a:avLst/>
@@ -6931,7 +7228,7 @@
     </p:spTree>
     <p:extLst>
       <p:ext uri="{BB962C8B-B14F-4D97-AF65-F5344CB8AC3E}">
-        <p14:creationId xmlns:p14="http://schemas.microsoft.com/office/powerpoint/2010/main" xmlns="" val="2552742250"/>
+        <p14:creationId xmlns:p14="http://schemas.microsoft.com/office/powerpoint/2010/main" val="1071497059"/>
       </p:ext>
     </p:extLst>
   </p:cSld>
@@ -6963,7 +7260,7 @@
           <p:cNvPr id="2" name="标题 1">
             <a:extLst>
               <a:ext uri="{FF2B5EF4-FFF2-40B4-BE49-F238E27FC236}">
-                <a16:creationId xmlns:a16="http://schemas.microsoft.com/office/drawing/2014/main" xmlns="" id="{1C26FFD8-8C79-58A2-F8D7-E748D28C4407}"/>
+                <a16:creationId xmlns:a16="http://schemas.microsoft.com/office/drawing/2014/main" id="{FCD0B3A6-F68D-1E92-C281-AEDB26248FFD}"/>
               </a:ext>
             </a:extLst>
           </p:cNvPr>
@@ -6982,8 +7279,11 @@
           <a:lstStyle/>
           <a:p>
             <a:r>
-              <a:rPr lang="en-NZ" sz="2400" dirty="0"/>
-              <a:t>Why we choose this project</a:t>
+              <a:rPr lang="en-NZ" sz="2400" dirty="0">
+                <a:latin typeface="Times New Roman" panose="02020603050405020304" pitchFamily="18" charset="0"/>
+                <a:cs typeface="Times New Roman" panose="02020603050405020304" pitchFamily="18" charset="0"/>
+              </a:rPr>
+              <a:t>Why we chose this project</a:t>
             </a:r>
           </a:p>
         </p:txBody>
@@ -6993,7 +7293,7 @@
           <p:cNvPr id="3" name="内容占位符 2">
             <a:extLst>
               <a:ext uri="{FF2B5EF4-FFF2-40B4-BE49-F238E27FC236}">
-                <a16:creationId xmlns:a16="http://schemas.microsoft.com/office/drawing/2014/main" xmlns="" id="{41F1D2A7-5294-7557-9EB3-8D491A63F4EB}"/>
+                <a16:creationId xmlns:a16="http://schemas.microsoft.com/office/drawing/2014/main" id="{78485416-BC42-8064-E043-36117E18E39D}"/>
               </a:ext>
             </a:extLst>
           </p:cNvPr>
@@ -7004,12 +7304,104 @@
             <p:ph idx="1"/>
           </p:nvPr>
         </p:nvSpPr>
-        <p:spPr>
-          <a:xfrm>
-            <a:off x="838200" y="1825626"/>
-            <a:ext cx="6991350" cy="460376"/>
-          </a:xfrm>
-        </p:spPr>
+        <p:spPr/>
+        <p:txBody>
+          <a:bodyPr/>
+          <a:lstStyle/>
+          <a:p>
+            <a:r>
+              <a:rPr lang="en-NZ" sz="3200" dirty="0"/>
+              <a:t>Hard to create a complex password</a:t>
+            </a:r>
+          </a:p>
+          <a:p>
+            <a:endParaRPr lang="en-NZ" dirty="0"/>
+          </a:p>
+        </p:txBody>
+      </p:sp>
+      <p:pic>
+        <p:nvPicPr>
+          <p:cNvPr id="11" name="图片 10">
+            <a:extLst>
+              <a:ext uri="{FF2B5EF4-FFF2-40B4-BE49-F238E27FC236}">
+                <a16:creationId xmlns:a16="http://schemas.microsoft.com/office/drawing/2014/main" id="{9773E204-33CE-964E-0098-1E0F62D66402}"/>
+              </a:ext>
+            </a:extLst>
+          </p:cNvPr>
+          <p:cNvPicPr>
+            <a:picLocks noChangeAspect="1"/>
+          </p:cNvPicPr>
+          <p:nvPr/>
+        </p:nvPicPr>
+        <p:blipFill>
+          <a:blip r:embed="rId2">
+            <a:extLst>
+              <a:ext uri="{28A0092B-C50C-407E-A947-70E740481C1C}">
+                <a14:useLocalDpi xmlns:a14="http://schemas.microsoft.com/office/drawing/2010/main" val="0"/>
+              </a:ext>
+            </a:extLst>
+          </a:blip>
+          <a:stretch>
+            <a:fillRect/>
+          </a:stretch>
+        </p:blipFill>
+        <p:spPr>
+          <a:xfrm>
+            <a:off x="1428750" y="2764919"/>
+            <a:ext cx="8413749" cy="3590925"/>
+          </a:xfrm>
+          <a:prstGeom prst="rect">
+            <a:avLst/>
+          </a:prstGeom>
+        </p:spPr>
+      </p:pic>
+    </p:spTree>
+    <p:extLst>
+      <p:ext uri="{BB962C8B-B14F-4D97-AF65-F5344CB8AC3E}">
+        <p14:creationId xmlns:p14="http://schemas.microsoft.com/office/powerpoint/2010/main" val="2552742250"/>
+      </p:ext>
+    </p:extLst>
+  </p:cSld>
+  <p:clrMapOvr>
+    <a:masterClrMapping/>
+  </p:clrMapOvr>
+</p:sld>
+</file>
+
+<file path=ppt/slides/slide6.xml><?xml version="1.0" encoding="utf-8"?>
+<p:sld xmlns:a="http://schemas.openxmlformats.org/drawingml/2006/main" xmlns:r="http://schemas.openxmlformats.org/officeDocument/2006/relationships" xmlns:p="http://schemas.openxmlformats.org/presentationml/2006/main">
+  <p:cSld>
+    <p:spTree>
+      <p:nvGrpSpPr>
+        <p:cNvPr id="1" name=""/>
+        <p:cNvGrpSpPr/>
+        <p:nvPr/>
+      </p:nvGrpSpPr>
+      <p:grpSpPr>
+        <a:xfrm>
+          <a:off x="0" y="0"/>
+          <a:ext cx="0" cy="0"/>
+          <a:chOff x="0" y="0"/>
+          <a:chExt cx="0" cy="0"/>
+        </a:xfrm>
+      </p:grpSpPr>
+      <p:sp>
+        <p:nvSpPr>
+          <p:cNvPr id="2" name="标题 1">
+            <a:extLst>
+              <a:ext uri="{FF2B5EF4-FFF2-40B4-BE49-F238E27FC236}">
+                <a16:creationId xmlns:a16="http://schemas.microsoft.com/office/drawing/2014/main" id="{1C26FFD8-8C79-58A2-F8D7-E748D28C4407}"/>
+              </a:ext>
+            </a:extLst>
+          </p:cNvPr>
+          <p:cNvSpPr>
+            <a:spLocks noGrp="1"/>
+          </p:cNvSpPr>
+          <p:nvPr>
+            <p:ph type="title"/>
+          </p:nvPr>
+        </p:nvSpPr>
+        <p:spPr/>
         <p:txBody>
           <a:bodyPr>
             <a:normAutofit/>
@@ -7017,8 +7409,43 @@
           <a:lstStyle/>
           <a:p>
             <a:r>
+              <a:rPr lang="en-NZ" sz="2400" dirty="0"/>
+              <a:t>Why we chose this project</a:t>
+            </a:r>
+          </a:p>
+        </p:txBody>
+      </p:sp>
+      <p:sp>
+        <p:nvSpPr>
+          <p:cNvPr id="3" name="内容占位符 2">
+            <a:extLst>
+              <a:ext uri="{FF2B5EF4-FFF2-40B4-BE49-F238E27FC236}">
+                <a16:creationId xmlns:a16="http://schemas.microsoft.com/office/drawing/2014/main" id="{41F1D2A7-5294-7557-9EB3-8D491A63F4EB}"/>
+              </a:ext>
+            </a:extLst>
+          </p:cNvPr>
+          <p:cNvSpPr>
+            <a:spLocks noGrp="1"/>
+          </p:cNvSpPr>
+          <p:nvPr>
+            <p:ph idx="1"/>
+          </p:nvPr>
+        </p:nvSpPr>
+        <p:spPr>
+          <a:xfrm>
+            <a:off x="838200" y="1825626"/>
+            <a:ext cx="6991350" cy="460376"/>
+          </a:xfrm>
+        </p:spPr>
+        <p:txBody>
+          <a:bodyPr>
+            <a:normAutofit/>
+          </a:bodyPr>
+          <a:lstStyle/>
+          <a:p>
+            <a:r>
               <a:rPr lang="en-NZ" dirty="0"/>
-              <a:t>Unlikely to create a strong password</a:t>
+              <a:t>Users often create simple passwords like these</a:t>
             </a:r>
           </a:p>
         </p:txBody>
@@ -7028,7 +7455,7 @@
           <p:cNvPr id="4" name="内容占位符 2">
             <a:extLst>
               <a:ext uri="{FF2B5EF4-FFF2-40B4-BE49-F238E27FC236}">
-                <a16:creationId xmlns:a16="http://schemas.microsoft.com/office/drawing/2014/main" xmlns="" id="{4FF7128B-6B50-FCD4-9C75-80B7963E49CE}"/>
+                <a16:creationId xmlns:a16="http://schemas.microsoft.com/office/drawing/2014/main" id="{4FF7128B-6B50-FCD4-9C75-80B7963E49CE}"/>
               </a:ext>
             </a:extLst>
           </p:cNvPr>
@@ -7227,7 +7654,7 @@
           <p:cNvPr id="6" name="内容占位符 2">
             <a:extLst>
               <a:ext uri="{FF2B5EF4-FFF2-40B4-BE49-F238E27FC236}">
-                <a16:creationId xmlns:a16="http://schemas.microsoft.com/office/drawing/2014/main" xmlns="" id="{F12022C7-B80B-2281-9B7A-0C3246F09551}"/>
+                <a16:creationId xmlns:a16="http://schemas.microsoft.com/office/drawing/2014/main" id="{F12022C7-B80B-2281-9B7A-0C3246F09551}"/>
               </a:ext>
             </a:extLst>
           </p:cNvPr>
@@ -7435,7 +7862,7 @@
           <p:cNvPr id="8" name="内容占位符 2">
             <a:extLst>
               <a:ext uri="{FF2B5EF4-FFF2-40B4-BE49-F238E27FC236}">
-                <a16:creationId xmlns:a16="http://schemas.microsoft.com/office/drawing/2014/main" xmlns="" id="{764F7FE3-0392-CCF7-AAD7-C83EF28C73C9}"/>
+                <a16:creationId xmlns:a16="http://schemas.microsoft.com/office/drawing/2014/main" id="{764F7FE3-0392-CCF7-AAD7-C83EF28C73C9}"/>
               </a:ext>
             </a:extLst>
           </p:cNvPr>
@@ -7446,7 +7873,7 @@
         </p:nvSpPr>
         <p:spPr>
           <a:xfrm>
-            <a:off x="1454150" y="3352803"/>
+            <a:off x="1454150" y="3338510"/>
             <a:ext cx="6991350" cy="460375"/>
           </a:xfrm>
           <a:prstGeom prst="rect">
@@ -7632,161 +8059,7 @@
     </p:spTree>
     <p:extLst>
       <p:ext uri="{BB962C8B-B14F-4D97-AF65-F5344CB8AC3E}">
-        <p14:creationId xmlns:p14="http://schemas.microsoft.com/office/powerpoint/2010/main" xmlns="" val="244496848"/>
-      </p:ext>
-    </p:extLst>
-  </p:cSld>
-  <p:clrMapOvr>
-    <a:masterClrMapping/>
-  </p:clrMapOvr>
-</p:sld>
-</file>
-
-<file path=ppt/slides/slide6.xml><?xml version="1.0" encoding="utf-8"?>
-<p:sld xmlns:a="http://schemas.openxmlformats.org/drawingml/2006/main" xmlns:r="http://schemas.openxmlformats.org/officeDocument/2006/relationships" xmlns:p="http://schemas.openxmlformats.org/presentationml/2006/main">
-  <p:cSld>
-    <p:spTree>
-      <p:nvGrpSpPr>
-        <p:cNvPr id="1" name=""/>
-        <p:cNvGrpSpPr/>
-        <p:nvPr/>
-      </p:nvGrpSpPr>
-      <p:grpSpPr>
-        <a:xfrm>
-          <a:off x="0" y="0"/>
-          <a:ext cx="0" cy="0"/>
-          <a:chOff x="0" y="0"/>
-          <a:chExt cx="0" cy="0"/>
-        </a:xfrm>
-      </p:grpSpPr>
-      <p:sp>
-        <p:nvSpPr>
-          <p:cNvPr id="7" name="标题 6">
-            <a:extLst>
-              <a:ext uri="{FF2B5EF4-FFF2-40B4-BE49-F238E27FC236}">
-                <a16:creationId xmlns:a16="http://schemas.microsoft.com/office/drawing/2014/main" xmlns="" id="{CD83F32C-8A6B-5F30-3947-35CFC8F07AD6}"/>
-              </a:ext>
-            </a:extLst>
-          </p:cNvPr>
-          <p:cNvSpPr>
-            <a:spLocks noGrp="1"/>
-          </p:cNvSpPr>
-          <p:nvPr>
-            <p:ph type="title"/>
-          </p:nvPr>
-        </p:nvSpPr>
-        <p:spPr>
-          <a:xfrm>
-            <a:off x="184150" y="831850"/>
-            <a:ext cx="10515600" cy="1320800"/>
-          </a:xfrm>
-        </p:spPr>
-        <p:txBody>
-          <a:bodyPr>
-            <a:normAutofit/>
-          </a:bodyPr>
-          <a:lstStyle/>
-          <a:p>
-            <a:endParaRPr lang="en-NZ" sz="1800" dirty="0">
-              <a:latin typeface="Times New Roman" panose="02020603050405020304" pitchFamily="18" charset="0"/>
-              <a:cs typeface="Times New Roman" panose="02020603050405020304" pitchFamily="18" charset="0"/>
-            </a:endParaRPr>
-          </a:p>
-        </p:txBody>
-      </p:sp>
-      <p:pic>
-        <p:nvPicPr>
-          <p:cNvPr id="5" name="内容占位符 4">
-            <a:extLst>
-              <a:ext uri="{FF2B5EF4-FFF2-40B4-BE49-F238E27FC236}">
-                <a16:creationId xmlns:a16="http://schemas.microsoft.com/office/drawing/2014/main" xmlns="" id="{A72F22B4-E4AA-DED2-4FE8-84589D8E0072}"/>
-              </a:ext>
-            </a:extLst>
-          </p:cNvPr>
-          <p:cNvPicPr>
-            <a:picLocks noGrp="1" noChangeAspect="1"/>
-          </p:cNvPicPr>
-          <p:nvPr>
-            <p:ph idx="1"/>
-          </p:nvPr>
-        </p:nvPicPr>
-        <p:blipFill>
-          <a:blip r:embed="rId2">
-            <a:extLst>
-              <a:ext uri="{28A0092B-C50C-407E-A947-70E740481C1C}">
-                <a14:useLocalDpi xmlns:a14="http://schemas.microsoft.com/office/drawing/2010/main" xmlns="" val="0"/>
-              </a:ext>
-            </a:extLst>
-          </a:blip>
-          <a:stretch>
-            <a:fillRect/>
-          </a:stretch>
-        </p:blipFill>
-        <p:spPr>
-          <a:xfrm>
-            <a:off x="1162050" y="436458"/>
-            <a:ext cx="10064750" cy="5243344"/>
-          </a:xfrm>
-        </p:spPr>
-      </p:pic>
-      <p:sp>
-        <p:nvSpPr>
-          <p:cNvPr id="8" name="文本框 7">
-            <a:extLst>
-              <a:ext uri="{FF2B5EF4-FFF2-40B4-BE49-F238E27FC236}">
-                <a16:creationId xmlns:a16="http://schemas.microsoft.com/office/drawing/2014/main" xmlns="" id="{848B05F5-64E6-7B36-6AD3-7E4F7830C95F}"/>
-              </a:ext>
-            </a:extLst>
-          </p:cNvPr>
-          <p:cNvSpPr txBox="1"/>
-          <p:nvPr/>
-        </p:nvSpPr>
-        <p:spPr>
-          <a:xfrm>
-            <a:off x="1435100" y="5975769"/>
-            <a:ext cx="9791700" cy="369332"/>
-          </a:xfrm>
-          <a:prstGeom prst="rect">
-            <a:avLst/>
-          </a:prstGeom>
-          <a:noFill/>
-        </p:spPr>
-        <p:txBody>
-          <a:bodyPr wrap="square" rtlCol="0">
-            <a:spAutoFit/>
-          </a:bodyPr>
-          <a:lstStyle/>
-          <a:p>
-            <a:r>
-              <a:rPr lang="en-NZ" sz="1800" dirty="0" err="1">
-                <a:latin typeface="Times New Roman" panose="02020603050405020304" pitchFamily="18" charset="0"/>
-                <a:cs typeface="Times New Roman" panose="02020603050405020304" pitchFamily="18" charset="0"/>
-              </a:rPr>
-              <a:t>Retrived</a:t>
-            </a:r>
-            <a:r>
-              <a:rPr lang="en-NZ" sz="1800" dirty="0">
-                <a:latin typeface="Times New Roman" panose="02020603050405020304" pitchFamily="18" charset="0"/>
-                <a:cs typeface="Times New Roman" panose="02020603050405020304" pitchFamily="18" charset="0"/>
-              </a:rPr>
-              <a:t> from: </a:t>
-            </a:r>
-            <a:r>
-              <a:rPr lang="en-NZ" sz="1800" dirty="0">
-                <a:latin typeface="Times New Roman" panose="02020603050405020304" pitchFamily="18" charset="0"/>
-                <a:cs typeface="Times New Roman" panose="02020603050405020304" pitchFamily="18" charset="0"/>
-                <a:hlinkClick r:id="rId3"/>
-              </a:rPr>
-              <a:t>List of the most common passwords - Wikipedia</a:t>
-            </a:r>
-            <a:endParaRPr lang="en-NZ" dirty="0"/>
-          </a:p>
-        </p:txBody>
-      </p:sp>
-    </p:spTree>
-    <p:extLst>
-      <p:ext uri="{BB962C8B-B14F-4D97-AF65-F5344CB8AC3E}">
-        <p14:creationId xmlns:p14="http://schemas.microsoft.com/office/powerpoint/2010/main" xmlns="" val="4200007885"/>
+        <p14:creationId xmlns:p14="http://schemas.microsoft.com/office/powerpoint/2010/main" val="244496848"/>
       </p:ext>
     </p:extLst>
   </p:cSld>
@@ -7815,10 +8088,10 @@
       </p:grpSpPr>
       <p:sp>
         <p:nvSpPr>
-          <p:cNvPr id="2" name="标题 1">
+          <p:cNvPr id="7" name="标题 6">
             <a:extLst>
               <a:ext uri="{FF2B5EF4-FFF2-40B4-BE49-F238E27FC236}">
-                <a16:creationId xmlns:a16="http://schemas.microsoft.com/office/drawing/2014/main" xmlns="" id="{B3F13335-104A-015E-3032-EACBD2BEBA00}"/>
+                <a16:creationId xmlns:a16="http://schemas.microsoft.com/office/drawing/2014/main" id="{CD83F32C-8A6B-5F30-3947-35CFC8F07AD6}"/>
               </a:ext>
             </a:extLst>
           </p:cNvPr>
@@ -7829,15 +8102,22 @@
             <p:ph type="title"/>
           </p:nvPr>
         </p:nvSpPr>
-        <p:spPr/>
-        <p:txBody>
-          <a:bodyPr/>
-          <a:lstStyle/>
-          <a:p>
-            <a:r>
-              <a:rPr lang="en-NZ" dirty="0"/>
-              <a:t>Risks of password leaking</a:t>
-            </a:r>
+        <p:spPr>
+          <a:xfrm>
+            <a:off x="184150" y="831850"/>
+            <a:ext cx="10515600" cy="1320800"/>
+          </a:xfrm>
+        </p:spPr>
+        <p:txBody>
+          <a:bodyPr>
+            <a:normAutofit/>
+          </a:bodyPr>
+          <a:lstStyle/>
+          <a:p>
+            <a:endParaRPr lang="en-NZ" sz="1800" dirty="0">
+              <a:latin typeface="Times New Roman" panose="02020603050405020304" pitchFamily="18" charset="0"/>
+              <a:cs typeface="Times New Roman" panose="02020603050405020304" pitchFamily="18" charset="0"/>
+            </a:endParaRPr>
           </a:p>
         </p:txBody>
       </p:sp>
@@ -7846,7 +8126,7 @@
           <p:cNvPr id="5" name="内容占位符 4">
             <a:extLst>
               <a:ext uri="{FF2B5EF4-FFF2-40B4-BE49-F238E27FC236}">
-                <a16:creationId xmlns:a16="http://schemas.microsoft.com/office/drawing/2014/main" xmlns="" id="{37CA7186-F461-8768-6AB0-EDB502334978}"/>
+                <a16:creationId xmlns:a16="http://schemas.microsoft.com/office/drawing/2014/main" id="{A72F22B4-E4AA-DED2-4FE8-84589D8E0072}"/>
               </a:ext>
             </a:extLst>
           </p:cNvPr>
@@ -7858,10 +8138,10 @@
           </p:nvPr>
         </p:nvPicPr>
         <p:blipFill>
-          <a:blip r:embed="rId2" cstate="print">
+          <a:blip r:embed="rId2">
             <a:extLst>
               <a:ext uri="{28A0092B-C50C-407E-A947-70E740481C1C}">
-                <a14:useLocalDpi xmlns:a14="http://schemas.microsoft.com/office/drawing/2010/main" xmlns="" val="0"/>
+                <a14:useLocalDpi xmlns:a14="http://schemas.microsoft.com/office/drawing/2010/main" val="0"/>
               </a:ext>
             </a:extLst>
           </a:blip>
@@ -7871,92 +8151,17 @@
         </p:blipFill>
         <p:spPr>
           <a:xfrm>
-            <a:off x="5999984" y="2136775"/>
-            <a:ext cx="4192532" cy="4024313"/>
+            <a:off x="1162050" y="436458"/>
+            <a:ext cx="10064750" cy="5243344"/>
           </a:xfrm>
         </p:spPr>
       </p:pic>
       <p:sp>
         <p:nvSpPr>
-          <p:cNvPr id="6" name="标题 1">
+          <p:cNvPr id="8" name="文本框 7">
             <a:extLst>
               <a:ext uri="{FF2B5EF4-FFF2-40B4-BE49-F238E27FC236}">
-                <a16:creationId xmlns:a16="http://schemas.microsoft.com/office/drawing/2014/main" xmlns="" id="{C81291C8-DC21-C98A-E80F-705776E3EB74}"/>
-              </a:ext>
-            </a:extLst>
-          </p:cNvPr>
-          <p:cNvSpPr txBox="1">
-            <a:spLocks/>
-          </p:cNvSpPr>
-          <p:nvPr/>
-        </p:nvSpPr>
-        <p:spPr>
-          <a:xfrm>
-            <a:off x="590550" y="1577975"/>
-            <a:ext cx="5334000" cy="5032375"/>
-          </a:xfrm>
-          <a:prstGeom prst="rect">
-            <a:avLst/>
-          </a:prstGeom>
-        </p:spPr>
-        <p:txBody>
-          <a:bodyPr vert="horz" lIns="91440" tIns="45720" rIns="91440" bIns="45720" rtlCol="0" anchor="ctr">
-            <a:normAutofit/>
-          </a:bodyPr>
-          <a:lstStyle>
-            <a:lvl1pPr algn="l" defTabSz="914400" rtl="0" eaLnBrk="1" latinLnBrk="0" hangingPunct="1">
-              <a:lnSpc>
-                <a:spcPct val="90000"/>
-              </a:lnSpc>
-              <a:spcBef>
-                <a:spcPct val="0"/>
-              </a:spcBef>
-              <a:buNone/>
-              <a:defRPr sz="4400" kern="1200">
-                <a:solidFill>
-                  <a:schemeClr val="tx1"/>
-                </a:solidFill>
-                <a:latin typeface="+mj-lt"/>
-                <a:ea typeface="+mj-ea"/>
-                <a:cs typeface="+mj-cs"/>
-              </a:defRPr>
-            </a:lvl1pPr>
-          </a:lstStyle>
-          <a:p>
-            <a:r>
-              <a:rPr lang="en-NZ" sz="2800" dirty="0">
-                <a:latin typeface="Times New Roman" panose="02020603050405020304" pitchFamily="18" charset="0"/>
-                <a:cs typeface="Times New Roman" panose="02020603050405020304" pitchFamily="18" charset="0"/>
-              </a:rPr>
-              <a:t>1. Private information exposure</a:t>
-            </a:r>
-          </a:p>
-          <a:p>
-            <a:r>
-              <a:rPr lang="en-NZ" sz="2800" dirty="0">
-                <a:latin typeface="Times New Roman" panose="02020603050405020304" pitchFamily="18" charset="0"/>
-                <a:cs typeface="Times New Roman" panose="02020603050405020304" pitchFamily="18" charset="0"/>
-              </a:rPr>
-              <a:t>2. Money loss</a:t>
-            </a:r>
-          </a:p>
-          <a:p>
-            <a:r>
-              <a:rPr lang="en-NZ" sz="2800" dirty="0">
-                <a:latin typeface="Times New Roman" panose="02020603050405020304" pitchFamily="18" charset="0"/>
-                <a:cs typeface="Times New Roman" panose="02020603050405020304" pitchFamily="18" charset="0"/>
-              </a:rPr>
-              <a:t>3. Risks of ID frauds</a:t>
-            </a:r>
-          </a:p>
-        </p:txBody>
-      </p:sp>
-      <p:sp>
-        <p:nvSpPr>
-          <p:cNvPr id="7" name="文本框 6">
-            <a:extLst>
-              <a:ext uri="{FF2B5EF4-FFF2-40B4-BE49-F238E27FC236}">
-                <a16:creationId xmlns:a16="http://schemas.microsoft.com/office/drawing/2014/main" xmlns="" id="{5A115FD7-B5F6-D919-5860-BD9C52F64019}"/>
+                <a16:creationId xmlns:a16="http://schemas.microsoft.com/office/drawing/2014/main" id="{848B05F5-64E6-7B36-6AD3-7E4F7830C95F}"/>
               </a:ext>
             </a:extLst>
           </p:cNvPr>
@@ -7965,8 +8170,8 @@
         </p:nvSpPr>
         <p:spPr>
           <a:xfrm>
-            <a:off x="1016000" y="6470651"/>
-            <a:ext cx="10204450" cy="369332"/>
+            <a:off x="1435100" y="5975769"/>
+            <a:ext cx="9791700" cy="369332"/>
           </a:xfrm>
           <a:prstGeom prst="rect">
             <a:avLst/>
@@ -7980,38 +8185,35 @@
           <a:lstStyle/>
           <a:p>
             <a:r>
-              <a:rPr lang="en-NZ" dirty="0" err="1">
+              <a:rPr lang="en-NZ" sz="1800" dirty="0" err="1">
                 <a:latin typeface="Times New Roman" panose="02020603050405020304" pitchFamily="18" charset="0"/>
                 <a:cs typeface="Times New Roman" panose="02020603050405020304" pitchFamily="18" charset="0"/>
               </a:rPr>
               <a:t>Retrived</a:t>
             </a:r>
             <a:r>
-              <a:rPr lang="en-NZ" dirty="0">
+              <a:rPr lang="en-NZ" sz="1800" dirty="0">
                 <a:latin typeface="Times New Roman" panose="02020603050405020304" pitchFamily="18" charset="0"/>
                 <a:cs typeface="Times New Roman" panose="02020603050405020304" pitchFamily="18" charset="0"/>
               </a:rPr>
-              <a:t> from:</a:t>
-            </a:r>
-            <a:r>
-              <a:rPr lang="en-NZ" dirty="0">
+              <a:t> from: </a:t>
+            </a:r>
+            <a:r>
+              <a:rPr lang="en-NZ" sz="1800" dirty="0">
                 <a:latin typeface="Times New Roman" panose="02020603050405020304" pitchFamily="18" charset="0"/>
                 <a:cs typeface="Times New Roman" panose="02020603050405020304" pitchFamily="18" charset="0"/>
                 <a:hlinkClick r:id="rId3"/>
               </a:rPr>
-              <a:t> Change your password NOW! 15 million Plex passwords stolen by hackers | Express.co.uk</a:t>
-            </a:r>
-            <a:endParaRPr lang="en-NZ" dirty="0">
-              <a:latin typeface="Times New Roman" panose="02020603050405020304" pitchFamily="18" charset="0"/>
-              <a:cs typeface="Times New Roman" panose="02020603050405020304" pitchFamily="18" charset="0"/>
-            </a:endParaRPr>
+              <a:t>List of the most common passwords - Wikipedia</a:t>
+            </a:r>
+            <a:endParaRPr lang="en-NZ" dirty="0"/>
           </a:p>
         </p:txBody>
       </p:sp>
     </p:spTree>
     <p:extLst>
       <p:ext uri="{BB962C8B-B14F-4D97-AF65-F5344CB8AC3E}">
-        <p14:creationId xmlns:p14="http://schemas.microsoft.com/office/powerpoint/2010/main" xmlns="" val="1039722178"/>
+        <p14:creationId xmlns:p14="http://schemas.microsoft.com/office/powerpoint/2010/main" val="4200007885"/>
       </p:ext>
     </p:extLst>
   </p:cSld>
@@ -8043,7 +8245,7 @@
           <p:cNvPr id="2" name="标题 1">
             <a:extLst>
               <a:ext uri="{FF2B5EF4-FFF2-40B4-BE49-F238E27FC236}">
-                <a16:creationId xmlns:a16="http://schemas.microsoft.com/office/drawing/2014/main" xmlns="" id="{03477B6E-72BF-255C-BEB8-DAC7203DD43E}"/>
+                <a16:creationId xmlns:a16="http://schemas.microsoft.com/office/drawing/2014/main" id="{B3F13335-104A-015E-3032-EACBD2BEBA00}"/>
               </a:ext>
             </a:extLst>
           </p:cNvPr>
@@ -8061,100 +8263,182 @@
           <a:p>
             <a:r>
               <a:rPr lang="en-NZ" dirty="0"/>
-              <a:t>Technologies</a:t>
-            </a:r>
-          </a:p>
-        </p:txBody>
-      </p:sp>
-      <p:sp>
-        <p:nvSpPr>
-          <p:cNvPr id="3" name="内容占位符 2">
+              <a:t>Risks of password leaking</a:t>
+            </a:r>
+          </a:p>
+        </p:txBody>
+      </p:sp>
+      <p:pic>
+        <p:nvPicPr>
+          <p:cNvPr id="5" name="内容占位符 4">
             <a:extLst>
               <a:ext uri="{FF2B5EF4-FFF2-40B4-BE49-F238E27FC236}">
-                <a16:creationId xmlns:a16="http://schemas.microsoft.com/office/drawing/2014/main" xmlns="" id="{B5BDCBB6-C660-4E0C-04B9-8784DABF995E}"/>
+                <a16:creationId xmlns:a16="http://schemas.microsoft.com/office/drawing/2014/main" id="{37CA7186-F461-8768-6AB0-EDB502334978}"/>
               </a:ext>
             </a:extLst>
           </p:cNvPr>
-          <p:cNvSpPr>
-            <a:spLocks noGrp="1"/>
-          </p:cNvSpPr>
+          <p:cNvPicPr>
+            <a:picLocks noGrp="1" noChangeAspect="1"/>
+          </p:cNvPicPr>
           <p:nvPr>
             <p:ph idx="1"/>
           </p:nvPr>
-        </p:nvSpPr>
-        <p:spPr/>
-        <p:txBody>
-          <a:bodyPr/>
-          <a:lstStyle/>
-          <a:p>
-            <a:r>
-              <a:rPr lang="en-NZ" sz="3200" dirty="0"/>
-              <a:t>Web base software</a:t>
-            </a:r>
-          </a:p>
-          <a:p>
-            <a:pPr lvl="1"/>
-            <a:r>
-              <a:rPr lang="en-NZ" dirty="0"/>
-              <a:t>Tools: Apache, Nodejs</a:t>
-            </a:r>
-          </a:p>
-          <a:p>
-            <a:pPr lvl="1"/>
-            <a:r>
-              <a:rPr lang="en-NZ" dirty="0"/>
-              <a:t>Modules: express, </a:t>
-            </a:r>
-            <a:r>
-              <a:rPr lang="en-NZ" dirty="0" err="1"/>
-              <a:t>ejs</a:t>
-            </a:r>
-            <a:r>
-              <a:rPr lang="en-NZ" dirty="0"/>
-              <a:t>, cookie-parser</a:t>
-            </a:r>
-          </a:p>
-          <a:p>
-            <a:pPr lvl="1"/>
-            <a:r>
-              <a:rPr lang="en-NZ" dirty="0"/>
-              <a:t>Languages: </a:t>
-            </a:r>
-            <a:r>
-              <a:rPr lang="en-NZ" dirty="0" err="1"/>
-              <a:t>Javascript</a:t>
-            </a:r>
-            <a:r>
-              <a:rPr lang="en-NZ" dirty="0"/>
-              <a:t>, </a:t>
-            </a:r>
-            <a:r>
-              <a:rPr lang="en-NZ" dirty="0" err="1"/>
-              <a:t>Javascript</a:t>
-            </a:r>
-            <a:r>
-              <a:rPr lang="en-NZ" dirty="0"/>
-              <a:t>( embedded ), Html, </a:t>
-            </a:r>
-            <a:r>
-              <a:rPr lang="en-NZ" dirty="0" err="1"/>
-              <a:t>css</a:t>
-            </a:r>
-            <a:endParaRPr lang="en-NZ" dirty="0"/>
-          </a:p>
-          <a:p>
-            <a:pPr lvl="1"/>
-            <a:r>
-              <a:rPr lang="en-NZ" dirty="0"/>
-              <a:t>Request method: POST / GET</a:t>
-            </a:r>
+        </p:nvPicPr>
+        <p:blipFill>
+          <a:blip r:embed="rId2" cstate="print">
+            <a:extLst>
+              <a:ext uri="{28A0092B-C50C-407E-A947-70E740481C1C}">
+                <a14:useLocalDpi xmlns:a14="http://schemas.microsoft.com/office/drawing/2010/main" val="0"/>
+              </a:ext>
+            </a:extLst>
+          </a:blip>
+          <a:stretch>
+            <a:fillRect/>
+          </a:stretch>
+        </p:blipFill>
+        <p:spPr>
+          <a:xfrm>
+            <a:off x="5999984" y="2136775"/>
+            <a:ext cx="4192532" cy="4024313"/>
+          </a:xfrm>
+        </p:spPr>
+      </p:pic>
+      <p:sp>
+        <p:nvSpPr>
+          <p:cNvPr id="6" name="标题 1">
+            <a:extLst>
+              <a:ext uri="{FF2B5EF4-FFF2-40B4-BE49-F238E27FC236}">
+                <a16:creationId xmlns:a16="http://schemas.microsoft.com/office/drawing/2014/main" id="{C81291C8-DC21-C98A-E80F-705776E3EB74}"/>
+              </a:ext>
+            </a:extLst>
+          </p:cNvPr>
+          <p:cNvSpPr txBox="1">
+            <a:spLocks/>
+          </p:cNvSpPr>
+          <p:nvPr/>
+        </p:nvSpPr>
+        <p:spPr>
+          <a:xfrm>
+            <a:off x="590550" y="1577975"/>
+            <a:ext cx="5334000" cy="5032375"/>
+          </a:xfrm>
+          <a:prstGeom prst="rect">
+            <a:avLst/>
+          </a:prstGeom>
+        </p:spPr>
+        <p:txBody>
+          <a:bodyPr vert="horz" lIns="91440" tIns="45720" rIns="91440" bIns="45720" rtlCol="0" anchor="ctr">
+            <a:normAutofit/>
+          </a:bodyPr>
+          <a:lstStyle>
+            <a:lvl1pPr algn="l" defTabSz="914400" rtl="0" eaLnBrk="1" latinLnBrk="0" hangingPunct="1">
+              <a:lnSpc>
+                <a:spcPct val="90000"/>
+              </a:lnSpc>
+              <a:spcBef>
+                <a:spcPct val="0"/>
+              </a:spcBef>
+              <a:buNone/>
+              <a:defRPr sz="4400" kern="1200">
+                <a:solidFill>
+                  <a:schemeClr val="tx1"/>
+                </a:solidFill>
+                <a:latin typeface="+mj-lt"/>
+                <a:ea typeface="+mj-ea"/>
+                <a:cs typeface="+mj-cs"/>
+              </a:defRPr>
+            </a:lvl1pPr>
+          </a:lstStyle>
+          <a:p>
+            <a:r>
+              <a:rPr lang="en-NZ" sz="2800" dirty="0">
+                <a:latin typeface="Times New Roman" panose="02020603050405020304" pitchFamily="18" charset="0"/>
+                <a:cs typeface="Times New Roman" panose="02020603050405020304" pitchFamily="18" charset="0"/>
+              </a:rPr>
+              <a:t>1. Private information exposure</a:t>
+            </a:r>
+          </a:p>
+          <a:p>
+            <a:r>
+              <a:rPr lang="en-NZ" sz="2800" dirty="0">
+                <a:latin typeface="Times New Roman" panose="02020603050405020304" pitchFamily="18" charset="0"/>
+                <a:cs typeface="Times New Roman" panose="02020603050405020304" pitchFamily="18" charset="0"/>
+              </a:rPr>
+              <a:t>2. Money loss</a:t>
+            </a:r>
+          </a:p>
+          <a:p>
+            <a:r>
+              <a:rPr lang="en-NZ" sz="2800" dirty="0">
+                <a:latin typeface="Times New Roman" panose="02020603050405020304" pitchFamily="18" charset="0"/>
+                <a:cs typeface="Times New Roman" panose="02020603050405020304" pitchFamily="18" charset="0"/>
+              </a:rPr>
+              <a:t>3. Risks of ID frauds</a:t>
+            </a:r>
+          </a:p>
+        </p:txBody>
+      </p:sp>
+      <p:sp>
+        <p:nvSpPr>
+          <p:cNvPr id="7" name="文本框 6">
+            <a:extLst>
+              <a:ext uri="{FF2B5EF4-FFF2-40B4-BE49-F238E27FC236}">
+                <a16:creationId xmlns:a16="http://schemas.microsoft.com/office/drawing/2014/main" id="{5A115FD7-B5F6-D919-5860-BD9C52F64019}"/>
+              </a:ext>
+            </a:extLst>
+          </p:cNvPr>
+          <p:cNvSpPr txBox="1"/>
+          <p:nvPr/>
+        </p:nvSpPr>
+        <p:spPr>
+          <a:xfrm>
+            <a:off x="1016000" y="6470651"/>
+            <a:ext cx="10204450" cy="369332"/>
+          </a:xfrm>
+          <a:prstGeom prst="rect">
+            <a:avLst/>
+          </a:prstGeom>
+          <a:noFill/>
+        </p:spPr>
+        <p:txBody>
+          <a:bodyPr wrap="square" rtlCol="0">
+            <a:spAutoFit/>
+          </a:bodyPr>
+          <a:lstStyle/>
+          <a:p>
+            <a:r>
+              <a:rPr lang="en-NZ" dirty="0" err="1">
+                <a:latin typeface="Times New Roman" panose="02020603050405020304" pitchFamily="18" charset="0"/>
+                <a:cs typeface="Times New Roman" panose="02020603050405020304" pitchFamily="18" charset="0"/>
+              </a:rPr>
+              <a:t>Retrived</a:t>
+            </a:r>
+            <a:r>
+              <a:rPr lang="en-NZ" dirty="0">
+                <a:latin typeface="Times New Roman" panose="02020603050405020304" pitchFamily="18" charset="0"/>
+                <a:cs typeface="Times New Roman" panose="02020603050405020304" pitchFamily="18" charset="0"/>
+              </a:rPr>
+              <a:t> from:</a:t>
+            </a:r>
+            <a:r>
+              <a:rPr lang="en-NZ" dirty="0">
+                <a:latin typeface="Times New Roman" panose="02020603050405020304" pitchFamily="18" charset="0"/>
+                <a:cs typeface="Times New Roman" panose="02020603050405020304" pitchFamily="18" charset="0"/>
+                <a:hlinkClick r:id="rId3"/>
+              </a:rPr>
+              <a:t> Change your password NOW! 15 million Plex passwords stolen by hackers | Express.co.uk</a:t>
+            </a:r>
+            <a:endParaRPr lang="en-NZ" dirty="0">
+              <a:latin typeface="Times New Roman" panose="02020603050405020304" pitchFamily="18" charset="0"/>
+              <a:cs typeface="Times New Roman" panose="02020603050405020304" pitchFamily="18" charset="0"/>
+            </a:endParaRPr>
           </a:p>
         </p:txBody>
       </p:sp>
     </p:spTree>
     <p:extLst>
       <p:ext uri="{BB962C8B-B14F-4D97-AF65-F5344CB8AC3E}">
-        <p14:creationId xmlns:p14="http://schemas.microsoft.com/office/powerpoint/2010/main" xmlns="" val="1522651155"/>
+        <p14:creationId xmlns:p14="http://schemas.microsoft.com/office/powerpoint/2010/main" val="1039722178"/>
       </p:ext>
     </p:extLst>
   </p:cSld>
@@ -8186,7 +8470,7 @@
           <p:cNvPr id="2" name="标题 1">
             <a:extLst>
               <a:ext uri="{FF2B5EF4-FFF2-40B4-BE49-F238E27FC236}">
-                <a16:creationId xmlns:a16="http://schemas.microsoft.com/office/drawing/2014/main" xmlns="" id="{594441FE-9332-F0E4-7AE1-3123F39EBF02}"/>
+                <a16:creationId xmlns:a16="http://schemas.microsoft.com/office/drawing/2014/main" id="{03477B6E-72BF-255C-BEB8-DAC7203DD43E}"/>
               </a:ext>
             </a:extLst>
           </p:cNvPr>
@@ -8204,7 +8488,7 @@
           <a:p>
             <a:r>
               <a:rPr lang="en-NZ" dirty="0"/>
-              <a:t>methodology</a:t>
+              <a:t>Technologies Used</a:t>
             </a:r>
           </a:p>
         </p:txBody>
@@ -8214,7 +8498,7 @@
           <p:cNvPr id="3" name="内容占位符 2">
             <a:extLst>
               <a:ext uri="{FF2B5EF4-FFF2-40B4-BE49-F238E27FC236}">
-                <a16:creationId xmlns:a16="http://schemas.microsoft.com/office/drawing/2014/main" xmlns="" id="{C1BFAA36-BAFA-2A56-98AB-CC6300CECA0C}"/>
+                <a16:creationId xmlns:a16="http://schemas.microsoft.com/office/drawing/2014/main" id="{B5BDCBB6-C660-4E0C-04B9-8784DABF995E}"/>
               </a:ext>
             </a:extLst>
           </p:cNvPr>
@@ -8225,314 +8509,66 @@
             <p:ph idx="1"/>
           </p:nvPr>
         </p:nvSpPr>
-        <p:spPr>
-          <a:xfrm>
-            <a:off x="685800" y="2194561"/>
-            <a:ext cx="5410200" cy="3082290"/>
-          </a:xfrm>
-        </p:spPr>
-        <p:txBody>
-          <a:bodyPr>
-            <a:normAutofit/>
-          </a:bodyPr>
-          <a:lstStyle/>
-          <a:p>
-            <a:r>
-              <a:rPr lang="en-NZ" sz="2800" dirty="0">
-                <a:effectLst/>
-                <a:latin typeface="Times New Roman" panose="02020603050405020304" pitchFamily="18" charset="0"/>
-                <a:cs typeface="Times New Roman" panose="02020603050405020304" pitchFamily="18" charset="0"/>
-              </a:rPr>
-              <a:t>4 reasons for  using waterfall methodology </a:t>
+        <p:spPr/>
+        <p:txBody>
+          <a:bodyPr/>
+          <a:lstStyle/>
+          <a:p>
+            <a:r>
+              <a:rPr lang="en-NZ" sz="3200" dirty="0"/>
+              <a:t>Web-based software</a:t>
             </a:r>
           </a:p>
           <a:p>
             <a:pPr lvl="1"/>
             <a:r>
-              <a:rPr lang="en-NZ" sz="2800" dirty="0">
-                <a:effectLst/>
-                <a:latin typeface="Times New Roman" panose="02020603050405020304" pitchFamily="18" charset="0"/>
-                <a:cs typeface="Times New Roman" panose="02020603050405020304" pitchFamily="18" charset="0"/>
-              </a:rPr>
-              <a:t>The requirements are explicit. </a:t>
+              <a:rPr lang="en-NZ" dirty="0"/>
+              <a:t>Tools: Apache, Nodejs</a:t>
             </a:r>
           </a:p>
           <a:p>
             <a:pPr lvl="1"/>
             <a:r>
-              <a:rPr lang="en-US" altLang="zh-CN" sz="2800" dirty="0">
-                <a:effectLst/>
-                <a:latin typeface="Times New Roman" panose="02020603050405020304" pitchFamily="18" charset="0"/>
-                <a:cs typeface="Times New Roman" panose="02020603050405020304" pitchFamily="18" charset="0"/>
-              </a:rPr>
-              <a:t>Relatively </a:t>
-            </a:r>
-            <a:r>
-              <a:rPr lang="en-NZ" sz="2800" dirty="0">
-                <a:effectLst/>
-                <a:latin typeface="Times New Roman" panose="02020603050405020304" pitchFamily="18" charset="0"/>
-                <a:cs typeface="Times New Roman" panose="02020603050405020304" pitchFamily="18" charset="0"/>
-              </a:rPr>
-              <a:t>simple system. </a:t>
+              <a:rPr lang="en-NZ" dirty="0"/>
+              <a:t>Modules: express, </a:t>
+            </a:r>
+            <a:r>
+              <a:rPr lang="en-NZ" dirty="0" err="1"/>
+              <a:t>ejs</a:t>
+            </a:r>
+            <a:r>
+              <a:rPr lang="en-NZ" dirty="0"/>
+              <a:t>, cookie-parser</a:t>
             </a:r>
           </a:p>
           <a:p>
             <a:pPr lvl="1"/>
             <a:r>
-              <a:rPr lang="en-NZ" sz="2800" dirty="0">
-                <a:effectLst/>
-                <a:latin typeface="Times New Roman" panose="02020603050405020304" pitchFamily="18" charset="0"/>
-                <a:cs typeface="Times New Roman" panose="02020603050405020304" pitchFamily="18" charset="0"/>
-              </a:rPr>
-              <a:t>Only be used in certain circumstances </a:t>
+              <a:rPr lang="en-NZ" dirty="0"/>
+              <a:t>Languages: </a:t>
+            </a:r>
+            <a:r>
+              <a:rPr lang="en-NZ" dirty="0" err="1"/>
+              <a:t>Javascript</a:t>
+            </a:r>
+            <a:r>
+              <a:rPr lang="en-NZ" dirty="0"/>
+              <a:t>, </a:t>
+            </a:r>
+            <a:r>
+              <a:rPr lang="en-NZ" dirty="0" err="1"/>
+              <a:t>Javascript</a:t>
+            </a:r>
+            <a:r>
+              <a:rPr lang="en-NZ" dirty="0"/>
+              <a:t>( embedded ), HTML, CSS</a:t>
             </a:r>
           </a:p>
           <a:p>
             <a:pPr lvl="1"/>
             <a:r>
-              <a:rPr lang="en-US" altLang="zh-CN" sz="2800" dirty="0">
-                <a:effectLst/>
-                <a:latin typeface="Times New Roman" panose="02020603050405020304" pitchFamily="18" charset="0"/>
-                <a:cs typeface="Times New Roman" panose="02020603050405020304" pitchFamily="18" charset="0"/>
-              </a:rPr>
-              <a:t>U</a:t>
-            </a:r>
-            <a:r>
-              <a:rPr lang="en-NZ" sz="2800" dirty="0" err="1">
-                <a:effectLst/>
-                <a:latin typeface="Times New Roman" panose="02020603050405020304" pitchFamily="18" charset="0"/>
-                <a:cs typeface="Times New Roman" panose="02020603050405020304" pitchFamily="18" charset="0"/>
-              </a:rPr>
-              <a:t>nlikely</a:t>
-            </a:r>
-            <a:r>
-              <a:rPr lang="en-NZ" sz="2800" dirty="0">
-                <a:effectLst/>
-                <a:latin typeface="Times New Roman" panose="02020603050405020304" pitchFamily="18" charset="0"/>
-                <a:cs typeface="Times New Roman" panose="02020603050405020304" pitchFamily="18" charset="0"/>
-              </a:rPr>
-              <a:t> to be changed.</a:t>
-            </a:r>
-            <a:endParaRPr lang="en-NZ" sz="2800" dirty="0">
-              <a:latin typeface="Times New Roman" panose="02020603050405020304" pitchFamily="18" charset="0"/>
-              <a:cs typeface="Times New Roman" panose="02020603050405020304" pitchFamily="18" charset="0"/>
-            </a:endParaRPr>
-          </a:p>
-        </p:txBody>
-      </p:sp>
-      <p:sp>
-        <p:nvSpPr>
-          <p:cNvPr id="5" name="文本框 4">
-            <a:extLst>
-              <a:ext uri="{FF2B5EF4-FFF2-40B4-BE49-F238E27FC236}">
-                <a16:creationId xmlns:a16="http://schemas.microsoft.com/office/drawing/2014/main" xmlns="" id="{D233536E-5C4E-5A22-114B-E507F99608AF}"/>
-              </a:ext>
-            </a:extLst>
-          </p:cNvPr>
-          <p:cNvSpPr txBox="1"/>
-          <p:nvPr/>
-        </p:nvSpPr>
-        <p:spPr>
-          <a:xfrm>
-            <a:off x="6661150" y="2232542"/>
-            <a:ext cx="5099050" cy="3139321"/>
-          </a:xfrm>
-          <a:prstGeom prst="rect">
-            <a:avLst/>
-          </a:prstGeom>
-          <a:noFill/>
-        </p:spPr>
-        <p:txBody>
-          <a:bodyPr wrap="square" rtlCol="0">
-            <a:spAutoFit/>
-          </a:bodyPr>
-          <a:lstStyle/>
-          <a:p>
-            <a:pPr marL="0" algn="l" rtl="0" eaLnBrk="1" fontAlgn="b" latinLnBrk="0" hangingPunct="1">
-              <a:spcBef>
-                <a:spcPts val="0"/>
-              </a:spcBef>
-              <a:spcAft>
-                <a:spcPts val="0"/>
-              </a:spcAft>
-            </a:pPr>
-            <a:r>
-              <a:rPr lang="en-NZ" sz="1800" b="0" i="0" u="none" strike="noStrike" kern="1200" dirty="0">
-                <a:solidFill>
-                  <a:schemeClr val="tx2">
-                    <a:lumMod val="90000"/>
-                  </a:schemeClr>
-                </a:solidFill>
-                <a:effectLst/>
-                <a:latin typeface="Times New Roman" panose="02020603050405020304" pitchFamily="18" charset="0"/>
-                <a:cs typeface="Times New Roman" panose="02020603050405020304" pitchFamily="18" charset="0"/>
-              </a:rPr>
-              <a:t>1.    Allow input of various input parameters on password such as Password Length, Include Symbols, Numbers, Lower/Upper case Characters, etc</a:t>
-            </a:r>
-            <a:endParaRPr lang="en-NZ" sz="1800" b="0" i="0" u="none" strike="noStrike" dirty="0">
-              <a:solidFill>
-                <a:schemeClr val="tx2">
-                  <a:lumMod val="90000"/>
-                </a:schemeClr>
-              </a:solidFill>
-              <a:effectLst/>
-              <a:latin typeface="Times New Roman" panose="02020603050405020304" pitchFamily="18" charset="0"/>
-              <a:cs typeface="Times New Roman" panose="02020603050405020304" pitchFamily="18" charset="0"/>
-            </a:endParaRPr>
-          </a:p>
-          <a:p>
-            <a:pPr marL="0" algn="l" rtl="0" eaLnBrk="1" fontAlgn="b" latinLnBrk="0" hangingPunct="1">
-              <a:spcBef>
-                <a:spcPts val="0"/>
-              </a:spcBef>
-              <a:spcAft>
-                <a:spcPts val="0"/>
-              </a:spcAft>
-            </a:pPr>
-            <a:r>
-              <a:rPr lang="en-NZ" sz="1800" b="0" i="0" u="none" strike="noStrike" kern="1200" dirty="0">
-                <a:solidFill>
-                  <a:schemeClr val="tx2">
-                    <a:lumMod val="90000"/>
-                  </a:schemeClr>
-                </a:solidFill>
-                <a:effectLst/>
-                <a:latin typeface="Times New Roman" panose="02020603050405020304" pitchFamily="18" charset="0"/>
-                <a:cs typeface="Times New Roman" panose="02020603050405020304" pitchFamily="18" charset="0"/>
-              </a:rPr>
-              <a:t>2.    Save the above parameter :( save all the settings above for later use)</a:t>
-            </a:r>
-            <a:endParaRPr lang="en-NZ" sz="1800" b="0" i="0" u="none" strike="noStrike" dirty="0">
-              <a:solidFill>
-                <a:schemeClr val="tx2">
-                  <a:lumMod val="90000"/>
-                </a:schemeClr>
-              </a:solidFill>
-              <a:effectLst/>
-              <a:latin typeface="Times New Roman" panose="02020603050405020304" pitchFamily="18" charset="0"/>
-              <a:cs typeface="Times New Roman" panose="02020603050405020304" pitchFamily="18" charset="0"/>
-            </a:endParaRPr>
-          </a:p>
-          <a:p>
-            <a:pPr marL="0" algn="l" rtl="0" eaLnBrk="1" fontAlgn="b" latinLnBrk="0" hangingPunct="1">
-              <a:spcBef>
-                <a:spcPts val="0"/>
-              </a:spcBef>
-              <a:spcAft>
-                <a:spcPts val="0"/>
-              </a:spcAft>
-            </a:pPr>
-            <a:r>
-              <a:rPr lang="en-NZ" sz="1800" b="0" i="0" u="none" strike="noStrike" kern="1200" dirty="0">
-                <a:solidFill>
-                  <a:schemeClr val="tx2">
-                    <a:lumMod val="90000"/>
-                  </a:schemeClr>
-                </a:solidFill>
-                <a:effectLst/>
-                <a:latin typeface="Times New Roman" panose="02020603050405020304" pitchFamily="18" charset="0"/>
-                <a:cs typeface="Times New Roman" panose="02020603050405020304" pitchFamily="18" charset="0"/>
-              </a:rPr>
-              <a:t>3.    Generate a random password for based on the above parameters</a:t>
-            </a:r>
-            <a:endParaRPr lang="en-NZ" sz="1800" b="0" i="0" u="none" strike="noStrike" dirty="0">
-              <a:solidFill>
-                <a:schemeClr val="tx2">
-                  <a:lumMod val="90000"/>
-                </a:schemeClr>
-              </a:solidFill>
-              <a:effectLst/>
-              <a:latin typeface="Times New Roman" panose="02020603050405020304" pitchFamily="18" charset="0"/>
-              <a:cs typeface="Times New Roman" panose="02020603050405020304" pitchFamily="18" charset="0"/>
-            </a:endParaRPr>
-          </a:p>
-          <a:p>
-            <a:pPr marL="0" algn="l" rtl="0" eaLnBrk="1" fontAlgn="b" latinLnBrk="0" hangingPunct="1">
-              <a:spcBef>
-                <a:spcPts val="0"/>
-              </a:spcBef>
-              <a:spcAft>
-                <a:spcPts val="0"/>
-              </a:spcAft>
-            </a:pPr>
-            <a:r>
-              <a:rPr lang="en-NZ" sz="1800" b="0" i="0" u="none" strike="noStrike" kern="1200" dirty="0">
-                <a:solidFill>
-                  <a:schemeClr val="tx2">
-                    <a:lumMod val="90000"/>
-                  </a:schemeClr>
-                </a:solidFill>
-                <a:effectLst/>
-                <a:latin typeface="Times New Roman" panose="02020603050405020304" pitchFamily="18" charset="0"/>
-                <a:cs typeface="Times New Roman" panose="02020603050405020304" pitchFamily="18" charset="0"/>
-              </a:rPr>
-              <a:t>4.    Copy function to copy the generated password to the buffer (like Control + C)</a:t>
-            </a:r>
-            <a:endParaRPr lang="en-NZ" sz="1800" b="0" i="0" u="none" strike="noStrike" dirty="0">
-              <a:solidFill>
-                <a:schemeClr val="tx2">
-                  <a:lumMod val="90000"/>
-                </a:schemeClr>
-              </a:solidFill>
-              <a:effectLst/>
-              <a:latin typeface="Times New Roman" panose="02020603050405020304" pitchFamily="18" charset="0"/>
-              <a:cs typeface="Times New Roman" panose="02020603050405020304" pitchFamily="18" charset="0"/>
-            </a:endParaRPr>
-          </a:p>
-          <a:p>
-            <a:endParaRPr lang="en-NZ" dirty="0">
-              <a:solidFill>
-                <a:schemeClr val="tx2">
-                  <a:lumMod val="90000"/>
-                </a:schemeClr>
-              </a:solidFill>
-              <a:latin typeface="Times New Roman" panose="02020603050405020304" pitchFamily="18" charset="0"/>
-              <a:cs typeface="Times New Roman" panose="02020603050405020304" pitchFamily="18" charset="0"/>
-            </a:endParaRPr>
-          </a:p>
-        </p:txBody>
-      </p:sp>
-      <p:sp>
-        <p:nvSpPr>
-          <p:cNvPr id="6" name="文本框 5">
-            <a:extLst>
-              <a:ext uri="{FF2B5EF4-FFF2-40B4-BE49-F238E27FC236}">
-                <a16:creationId xmlns:a16="http://schemas.microsoft.com/office/drawing/2014/main" xmlns="" id="{4432D91B-110E-9A16-F8F5-9DE69295486D}"/>
-              </a:ext>
-            </a:extLst>
-          </p:cNvPr>
-          <p:cNvSpPr txBox="1"/>
-          <p:nvPr/>
-        </p:nvSpPr>
-        <p:spPr>
-          <a:xfrm>
-            <a:off x="6572250" y="5638800"/>
-            <a:ext cx="4724400" cy="338554"/>
-          </a:xfrm>
-          <a:prstGeom prst="rect">
-            <a:avLst/>
-          </a:prstGeom>
-          <a:noFill/>
-        </p:spPr>
-        <p:txBody>
-          <a:bodyPr wrap="square" rtlCol="0">
-            <a:spAutoFit/>
-          </a:bodyPr>
-          <a:lstStyle/>
-          <a:p>
-            <a:r>
-              <a:rPr lang="en-NZ" sz="1600" dirty="0" err="1">
-                <a:latin typeface="Times New Roman" panose="02020603050405020304" pitchFamily="18" charset="0"/>
-                <a:cs typeface="Times New Roman" panose="02020603050405020304" pitchFamily="18" charset="0"/>
-              </a:rPr>
-              <a:t>Retrived</a:t>
-            </a:r>
-            <a:r>
-              <a:rPr lang="en-NZ" sz="1600" dirty="0">
-                <a:latin typeface="Times New Roman" panose="02020603050405020304" pitchFamily="18" charset="0"/>
-                <a:cs typeface="Times New Roman" panose="02020603050405020304" pitchFamily="18" charset="0"/>
-              </a:rPr>
-              <a:t> from: project list</a:t>
+              <a:rPr lang="en-NZ" dirty="0"/>
+              <a:t>Request method: POST / GET</a:t>
             </a:r>
           </a:p>
         </p:txBody>
@@ -8540,7 +8576,7 @@
     </p:spTree>
     <p:extLst>
       <p:ext uri="{BB962C8B-B14F-4D97-AF65-F5344CB8AC3E}">
-        <p14:creationId xmlns:p14="http://schemas.microsoft.com/office/powerpoint/2010/main" xmlns="" val="2361374323"/>
+        <p14:creationId xmlns:p14="http://schemas.microsoft.com/office/powerpoint/2010/main" val="1522651155"/>
       </p:ext>
     </p:extLst>
   </p:cSld>
@@ -8814,7 +8850,7 @@
   <a:extraClrSchemeLst/>
   <a:extLst>
     <a:ext uri="{05A4C25C-085E-4340-85A3-A5531E510DB2}">
-      <thm15:themeFamily xmlns:thm15="http://schemas.microsoft.com/office/thememl/2012/main" xmlns="" name="Vapor Trail" id="{4FDF2955-7D9C-493C-B9F9-C205151B46CD}" vid="{8F31A783-2159-4870-BC29-2BA7D038EA44}"/>
+      <thm15:themeFamily xmlns:thm15="http://schemas.microsoft.com/office/thememl/2012/main" name="Vapor Trail" id="{4FDF2955-7D9C-493C-B9F9-C205151B46CD}" vid="{8F31A783-2159-4870-BC29-2BA7D038EA44}"/>
     </a:ext>
   </a:extLst>
 </a:theme>

--- a/document/Presentation Password Generator.pptx
+++ b/document/Presentation Password Generator.pptx
@@ -120,7 +120,7 @@
   </p:defaultTextStyle>
   <p:extLst>
     <p:ext uri="{EFAFB233-063F-42B5-8137-9DF3F51BA10A}">
-      <p15:sldGuideLst xmlns:p15="http://schemas.microsoft.com/office/powerpoint/2012/main">
+      <p15:sldGuideLst xmlns:p15="http://schemas.microsoft.com/office/powerpoint/2012/main" xmlns="">
         <p15:guide id="1" orient="horz" pos="2160">
           <p15:clr>
             <a:srgbClr val="A4A3A4"/>
@@ -166,7 +166,7 @@
           <a:blip r:embed="rId2">
             <a:extLst>
               <a:ext uri="{28A0092B-C50C-407E-A947-70E740481C1C}">
-                <a14:useLocalDpi xmlns:a14="http://schemas.microsoft.com/office/drawing/2010/main" val="0"/>
+                <a14:useLocalDpi xmlns:a14="http://schemas.microsoft.com/office/drawing/2010/main" xmlns="" val="0"/>
               </a:ext>
             </a:extLst>
           </a:blip>
@@ -308,7 +308,7 @@
             <a:fld id="{F1FEB44C-43DA-42AA-B9E9-395B842E5567}" type="datetimeFigureOut">
               <a:rPr lang="en-NZ" smtClean="0"/>
               <a:pPr/>
-              <a:t>7/09/2022</a:t>
+              <a:t>14/09/2022</a:t>
             </a:fld>
             <a:endParaRPr lang="en-NZ"/>
           </a:p>
@@ -370,7 +370,7 @@
     </p:spTree>
     <p:extLst>
       <p:ext uri="{BB962C8B-B14F-4D97-AF65-F5344CB8AC3E}">
-        <p14:creationId xmlns:p14="http://schemas.microsoft.com/office/powerpoint/2010/main" val="3646990326"/>
+        <p14:creationId xmlns:p14="http://schemas.microsoft.com/office/powerpoint/2010/main" xmlns="" val="3646990326"/>
       </p:ext>
     </p:extLst>
   </p:cSld>
@@ -577,7 +577,7 @@
             <a:fld id="{F1FEB44C-43DA-42AA-B9E9-395B842E5567}" type="datetimeFigureOut">
               <a:rPr lang="en-NZ" smtClean="0"/>
               <a:pPr/>
-              <a:t>7/09/2022</a:t>
+              <a:t>14/09/2022</a:t>
             </a:fld>
             <a:endParaRPr lang="en-NZ"/>
           </a:p>
@@ -629,7 +629,7 @@
     </p:spTree>
     <p:extLst>
       <p:ext uri="{BB962C8B-B14F-4D97-AF65-F5344CB8AC3E}">
-        <p14:creationId xmlns:p14="http://schemas.microsoft.com/office/powerpoint/2010/main" val="71176386"/>
+        <p14:creationId xmlns:p14="http://schemas.microsoft.com/office/powerpoint/2010/main" xmlns="" val="71176386"/>
       </p:ext>
     </p:extLst>
   </p:cSld>
@@ -668,7 +668,7 @@
           <a:blip r:embed="rId2">
             <a:extLst>
               <a:ext uri="{28A0092B-C50C-407E-A947-70E740481C1C}">
-                <a14:useLocalDpi xmlns:a14="http://schemas.microsoft.com/office/drawing/2010/main" val="0"/>
+                <a14:useLocalDpi xmlns:a14="http://schemas.microsoft.com/office/drawing/2010/main" xmlns="" val="0"/>
               </a:ext>
             </a:extLst>
           </a:blip>
@@ -810,7 +810,7 @@
             <a:fld id="{F1FEB44C-43DA-42AA-B9E9-395B842E5567}" type="datetimeFigureOut">
               <a:rPr lang="en-NZ" smtClean="0"/>
               <a:pPr/>
-              <a:t>7/09/2022</a:t>
+              <a:t>14/09/2022</a:t>
             </a:fld>
             <a:endParaRPr lang="en-NZ"/>
           </a:p>
@@ -872,7 +872,7 @@
     </p:spTree>
     <p:extLst>
       <p:ext uri="{BB962C8B-B14F-4D97-AF65-F5344CB8AC3E}">
-        <p14:creationId xmlns:p14="http://schemas.microsoft.com/office/powerpoint/2010/main" val="1798571661"/>
+        <p14:creationId xmlns:p14="http://schemas.microsoft.com/office/powerpoint/2010/main" xmlns="" val="1798571661"/>
       </p:ext>
     </p:extLst>
   </p:cSld>
@@ -911,7 +911,7 @@
           <a:blip r:embed="rId2">
             <a:extLst>
               <a:ext uri="{28A0092B-C50C-407E-A947-70E740481C1C}">
-                <a14:useLocalDpi xmlns:a14="http://schemas.microsoft.com/office/drawing/2010/main" val="0"/>
+                <a14:useLocalDpi xmlns:a14="http://schemas.microsoft.com/office/drawing/2010/main" xmlns="" val="0"/>
               </a:ext>
             </a:extLst>
           </a:blip>
@@ -1122,7 +1122,7 @@
             <a:fld id="{F1FEB44C-43DA-42AA-B9E9-395B842E5567}" type="datetimeFigureOut">
               <a:rPr lang="en-NZ" smtClean="0"/>
               <a:pPr/>
-              <a:t>7/09/2022</a:t>
+              <a:t>14/09/2022</a:t>
             </a:fld>
             <a:endParaRPr lang="en-NZ"/>
           </a:p>
@@ -1416,7 +1416,7 @@
     </p:spTree>
     <p:extLst>
       <p:ext uri="{BB962C8B-B14F-4D97-AF65-F5344CB8AC3E}">
-        <p14:creationId xmlns:p14="http://schemas.microsoft.com/office/powerpoint/2010/main" val="2241860457"/>
+        <p14:creationId xmlns:p14="http://schemas.microsoft.com/office/powerpoint/2010/main" xmlns="" val="2241860457"/>
       </p:ext>
     </p:extLst>
   </p:cSld>
@@ -1455,7 +1455,7 @@
           <a:blip r:embed="rId2">
             <a:extLst>
               <a:ext uri="{28A0092B-C50C-407E-A947-70E740481C1C}">
-                <a14:useLocalDpi xmlns:a14="http://schemas.microsoft.com/office/drawing/2010/main" val="0"/>
+                <a14:useLocalDpi xmlns:a14="http://schemas.microsoft.com/office/drawing/2010/main" xmlns="" val="0"/>
               </a:ext>
             </a:extLst>
           </a:blip>
@@ -1597,7 +1597,7 @@
             <a:fld id="{F1FEB44C-43DA-42AA-B9E9-395B842E5567}" type="datetimeFigureOut">
               <a:rPr lang="en-NZ" smtClean="0"/>
               <a:pPr/>
-              <a:t>7/09/2022</a:t>
+              <a:t>14/09/2022</a:t>
             </a:fld>
             <a:endParaRPr lang="en-NZ"/>
           </a:p>
@@ -1659,7 +1659,7 @@
     </p:spTree>
     <p:extLst>
       <p:ext uri="{BB962C8B-B14F-4D97-AF65-F5344CB8AC3E}">
-        <p14:creationId xmlns:p14="http://schemas.microsoft.com/office/powerpoint/2010/main" val="3785431333"/>
+        <p14:creationId xmlns:p14="http://schemas.microsoft.com/office/powerpoint/2010/main" xmlns="" val="3785431333"/>
       </p:ext>
     </p:extLst>
   </p:cSld>
@@ -2146,7 +2146,7 @@
             <a:fld id="{F1FEB44C-43DA-42AA-B9E9-395B842E5567}" type="datetimeFigureOut">
               <a:rPr lang="en-NZ" smtClean="0"/>
               <a:pPr/>
-              <a:t>7/09/2022</a:t>
+              <a:t>14/09/2022</a:t>
             </a:fld>
             <a:endParaRPr lang="en-NZ"/>
           </a:p>
@@ -2198,7 +2198,7 @@
     </p:spTree>
     <p:extLst>
       <p:ext uri="{BB962C8B-B14F-4D97-AF65-F5344CB8AC3E}">
-        <p14:creationId xmlns:p14="http://schemas.microsoft.com/office/powerpoint/2010/main" val="3188093362"/>
+        <p14:creationId xmlns:p14="http://schemas.microsoft.com/office/powerpoint/2010/main" xmlns="" val="3188093362"/>
       </p:ext>
     </p:extLst>
   </p:cSld>
@@ -2922,7 +2922,7 @@
             <a:fld id="{F1FEB44C-43DA-42AA-B9E9-395B842E5567}" type="datetimeFigureOut">
               <a:rPr lang="en-NZ" smtClean="0"/>
               <a:pPr/>
-              <a:t>7/09/2022</a:t>
+              <a:t>14/09/2022</a:t>
             </a:fld>
             <a:endParaRPr lang="en-NZ"/>
           </a:p>
@@ -2974,7 +2974,7 @@
     </p:spTree>
     <p:extLst>
       <p:ext uri="{BB962C8B-B14F-4D97-AF65-F5344CB8AC3E}">
-        <p14:creationId xmlns:p14="http://schemas.microsoft.com/office/powerpoint/2010/main" val="1247721429"/>
+        <p14:creationId xmlns:p14="http://schemas.microsoft.com/office/powerpoint/2010/main" xmlns="" val="1247721429"/>
       </p:ext>
     </p:extLst>
   </p:cSld>
@@ -3099,7 +3099,7 @@
             <a:fld id="{F1FEB44C-43DA-42AA-B9E9-395B842E5567}" type="datetimeFigureOut">
               <a:rPr lang="en-NZ" smtClean="0"/>
               <a:pPr/>
-              <a:t>7/09/2022</a:t>
+              <a:t>14/09/2022</a:t>
             </a:fld>
             <a:endParaRPr lang="en-NZ"/>
           </a:p>
@@ -3151,7 +3151,7 @@
     </p:spTree>
     <p:extLst>
       <p:ext uri="{BB962C8B-B14F-4D97-AF65-F5344CB8AC3E}">
-        <p14:creationId xmlns:p14="http://schemas.microsoft.com/office/powerpoint/2010/main" val="1314504317"/>
+        <p14:creationId xmlns:p14="http://schemas.microsoft.com/office/powerpoint/2010/main" xmlns="" val="1314504317"/>
       </p:ext>
     </p:extLst>
   </p:cSld>
@@ -3190,7 +3190,7 @@
           <a:blip r:embed="rId2">
             <a:extLst>
               <a:ext uri="{28A0092B-C50C-407E-A947-70E740481C1C}">
-                <a14:useLocalDpi xmlns:a14="http://schemas.microsoft.com/office/drawing/2010/main" val="0"/>
+                <a14:useLocalDpi xmlns:a14="http://schemas.microsoft.com/office/drawing/2010/main" xmlns="" val="0"/>
               </a:ext>
             </a:extLst>
           </a:blip>
@@ -3324,7 +3324,7 @@
             <a:fld id="{F1FEB44C-43DA-42AA-B9E9-395B842E5567}" type="datetimeFigureOut">
               <a:rPr lang="en-NZ" smtClean="0"/>
               <a:pPr/>
-              <a:t>7/09/2022</a:t>
+              <a:t>14/09/2022</a:t>
             </a:fld>
             <a:endParaRPr lang="en-NZ"/>
           </a:p>
@@ -3386,7 +3386,7 @@
     </p:spTree>
     <p:extLst>
       <p:ext uri="{BB962C8B-B14F-4D97-AF65-F5344CB8AC3E}">
-        <p14:creationId xmlns:p14="http://schemas.microsoft.com/office/powerpoint/2010/main" val="3268017753"/>
+        <p14:creationId xmlns:p14="http://schemas.microsoft.com/office/powerpoint/2010/main" xmlns="" val="3268017753"/>
       </p:ext>
     </p:extLst>
   </p:cSld>
@@ -3506,7 +3506,7 @@
             <a:fld id="{F1FEB44C-43DA-42AA-B9E9-395B842E5567}" type="datetimeFigureOut">
               <a:rPr lang="en-NZ" smtClean="0"/>
               <a:pPr/>
-              <a:t>7/09/2022</a:t>
+              <a:t>14/09/2022</a:t>
             </a:fld>
             <a:endParaRPr lang="en-NZ"/>
           </a:p>
@@ -3558,7 +3558,7 @@
     </p:spTree>
     <p:extLst>
       <p:ext uri="{BB962C8B-B14F-4D97-AF65-F5344CB8AC3E}">
-        <p14:creationId xmlns:p14="http://schemas.microsoft.com/office/powerpoint/2010/main" val="900410543"/>
+        <p14:creationId xmlns:p14="http://schemas.microsoft.com/office/powerpoint/2010/main" xmlns="" val="900410543"/>
       </p:ext>
     </p:extLst>
   </p:cSld>
@@ -3597,7 +3597,7 @@
           <a:blip r:embed="rId2">
             <a:extLst>
               <a:ext uri="{28A0092B-C50C-407E-A947-70E740481C1C}">
-                <a14:useLocalDpi xmlns:a14="http://schemas.microsoft.com/office/drawing/2010/main" val="0"/>
+                <a14:useLocalDpi xmlns:a14="http://schemas.microsoft.com/office/drawing/2010/main" xmlns="" val="0"/>
               </a:ext>
             </a:extLst>
           </a:blip>
@@ -3797,7 +3797,7 @@
             <a:fld id="{F1FEB44C-43DA-42AA-B9E9-395B842E5567}" type="datetimeFigureOut">
               <a:rPr lang="en-NZ" smtClean="0"/>
               <a:pPr/>
-              <a:t>7/09/2022</a:t>
+              <a:t>14/09/2022</a:t>
             </a:fld>
             <a:endParaRPr lang="en-NZ"/>
           </a:p>
@@ -3859,7 +3859,7 @@
     </p:spTree>
     <p:extLst>
       <p:ext uri="{BB962C8B-B14F-4D97-AF65-F5344CB8AC3E}">
-        <p14:creationId xmlns:p14="http://schemas.microsoft.com/office/powerpoint/2010/main" val="2811421413"/>
+        <p14:creationId xmlns:p14="http://schemas.microsoft.com/office/powerpoint/2010/main" xmlns="" val="2811421413"/>
       </p:ext>
     </p:extLst>
   </p:cSld>
@@ -4041,7 +4041,7 @@
             <a:fld id="{F1FEB44C-43DA-42AA-B9E9-395B842E5567}" type="datetimeFigureOut">
               <a:rPr lang="en-NZ" smtClean="0"/>
               <a:pPr/>
-              <a:t>7/09/2022</a:t>
+              <a:t>14/09/2022</a:t>
             </a:fld>
             <a:endParaRPr lang="en-NZ"/>
           </a:p>
@@ -4093,7 +4093,7 @@
     </p:spTree>
     <p:extLst>
       <p:ext uri="{BB962C8B-B14F-4D97-AF65-F5344CB8AC3E}">
-        <p14:creationId xmlns:p14="http://schemas.microsoft.com/office/powerpoint/2010/main" val="2818974999"/>
+        <p14:creationId xmlns:p14="http://schemas.microsoft.com/office/powerpoint/2010/main" xmlns="" val="2818974999"/>
       </p:ext>
     </p:extLst>
   </p:cSld>
@@ -4422,7 +4422,7 @@
             <a:fld id="{F1FEB44C-43DA-42AA-B9E9-395B842E5567}" type="datetimeFigureOut">
               <a:rPr lang="en-NZ" smtClean="0"/>
               <a:pPr/>
-              <a:t>7/09/2022</a:t>
+              <a:t>14/09/2022</a:t>
             </a:fld>
             <a:endParaRPr lang="en-NZ"/>
           </a:p>
@@ -4474,7 +4474,7 @@
     </p:spTree>
     <p:extLst>
       <p:ext uri="{BB962C8B-B14F-4D97-AF65-F5344CB8AC3E}">
-        <p14:creationId xmlns:p14="http://schemas.microsoft.com/office/powerpoint/2010/main" val="3602584676"/>
+        <p14:creationId xmlns:p14="http://schemas.microsoft.com/office/powerpoint/2010/main" xmlns="" val="3602584676"/>
       </p:ext>
     </p:extLst>
   </p:cSld>
@@ -4542,7 +4542,7 @@
             <a:fld id="{F1FEB44C-43DA-42AA-B9E9-395B842E5567}" type="datetimeFigureOut">
               <a:rPr lang="en-NZ" smtClean="0"/>
               <a:pPr/>
-              <a:t>7/09/2022</a:t>
+              <a:t>14/09/2022</a:t>
             </a:fld>
             <a:endParaRPr lang="en-NZ"/>
           </a:p>
@@ -4594,7 +4594,7 @@
     </p:spTree>
     <p:extLst>
       <p:ext uri="{BB962C8B-B14F-4D97-AF65-F5344CB8AC3E}">
-        <p14:creationId xmlns:p14="http://schemas.microsoft.com/office/powerpoint/2010/main" val="3525800094"/>
+        <p14:creationId xmlns:p14="http://schemas.microsoft.com/office/powerpoint/2010/main" xmlns="" val="3525800094"/>
       </p:ext>
     </p:extLst>
   </p:cSld>
@@ -4639,7 +4639,7 @@
             <a:fld id="{F1FEB44C-43DA-42AA-B9E9-395B842E5567}" type="datetimeFigureOut">
               <a:rPr lang="en-NZ" smtClean="0"/>
               <a:pPr/>
-              <a:t>7/09/2022</a:t>
+              <a:t>14/09/2022</a:t>
             </a:fld>
             <a:endParaRPr lang="en-NZ"/>
           </a:p>
@@ -4691,7 +4691,7 @@
     </p:spTree>
     <p:extLst>
       <p:ext uri="{BB962C8B-B14F-4D97-AF65-F5344CB8AC3E}">
-        <p14:creationId xmlns:p14="http://schemas.microsoft.com/office/powerpoint/2010/main" val="900002222"/>
+        <p14:creationId xmlns:p14="http://schemas.microsoft.com/office/powerpoint/2010/main" xmlns="" val="900002222"/>
       </p:ext>
     </p:extLst>
   </p:cSld>
@@ -4890,7 +4890,7 @@
             <a:fld id="{F1FEB44C-43DA-42AA-B9E9-395B842E5567}" type="datetimeFigureOut">
               <a:rPr lang="en-NZ" smtClean="0"/>
               <a:pPr/>
-              <a:t>7/09/2022</a:t>
+              <a:t>14/09/2022</a:t>
             </a:fld>
             <a:endParaRPr lang="en-NZ"/>
           </a:p>
@@ -4942,7 +4942,7 @@
     </p:spTree>
     <p:extLst>
       <p:ext uri="{BB962C8B-B14F-4D97-AF65-F5344CB8AC3E}">
-        <p14:creationId xmlns:p14="http://schemas.microsoft.com/office/powerpoint/2010/main" val="1979681908"/>
+        <p14:creationId xmlns:p14="http://schemas.microsoft.com/office/powerpoint/2010/main" xmlns="" val="1979681908"/>
       </p:ext>
     </p:extLst>
   </p:cSld>
@@ -5149,7 +5149,7 @@
             <a:fld id="{F1FEB44C-43DA-42AA-B9E9-395B842E5567}" type="datetimeFigureOut">
               <a:rPr lang="en-NZ" smtClean="0"/>
               <a:pPr/>
-              <a:t>7/09/2022</a:t>
+              <a:t>14/09/2022</a:t>
             </a:fld>
             <a:endParaRPr lang="en-NZ"/>
           </a:p>
@@ -5201,7 +5201,7 @@
     </p:spTree>
     <p:extLst>
       <p:ext uri="{BB962C8B-B14F-4D97-AF65-F5344CB8AC3E}">
-        <p14:creationId xmlns:p14="http://schemas.microsoft.com/office/powerpoint/2010/main" val="3490336120"/>
+        <p14:creationId xmlns:p14="http://schemas.microsoft.com/office/powerpoint/2010/main" xmlns="" val="3490336120"/>
       </p:ext>
     </p:extLst>
   </p:cSld>
@@ -5245,7 +5245,7 @@
           <a:blip r:embed="rId19">
             <a:extLst>
               <a:ext uri="{28A0092B-C50C-407E-A947-70E740481C1C}">
-                <a14:useLocalDpi xmlns:a14="http://schemas.microsoft.com/office/drawing/2010/main" val="0"/>
+                <a14:useLocalDpi xmlns:a14="http://schemas.microsoft.com/office/drawing/2010/main" xmlns="" val="0"/>
               </a:ext>
             </a:extLst>
           </a:blip>
@@ -5394,7 +5394,7 @@
             <a:fld id="{F1FEB44C-43DA-42AA-B9E9-395B842E5567}" type="datetimeFigureOut">
               <a:rPr lang="en-NZ" smtClean="0"/>
               <a:pPr/>
-              <a:t>7/09/2022</a:t>
+              <a:t>14/09/2022</a:t>
             </a:fld>
             <a:endParaRPr lang="en-NZ"/>
           </a:p>
@@ -5482,7 +5482,7 @@
     </p:spTree>
     <p:extLst>
       <p:ext uri="{BB962C8B-B14F-4D97-AF65-F5344CB8AC3E}">
-        <p14:creationId xmlns:p14="http://schemas.microsoft.com/office/powerpoint/2010/main" val="475220722"/>
+        <p14:creationId xmlns:p14="http://schemas.microsoft.com/office/powerpoint/2010/main" xmlns="" val="475220722"/>
       </p:ext>
     </p:extLst>
   </p:cSld>
@@ -5811,7 +5811,7 @@
           <p:cNvPr id="2" name="标题 1">
             <a:extLst>
               <a:ext uri="{FF2B5EF4-FFF2-40B4-BE49-F238E27FC236}">
-                <a16:creationId xmlns:a16="http://schemas.microsoft.com/office/drawing/2014/main" id="{9378BB5D-5C77-1E3D-912F-AA79F30B85B4}"/>
+                <a16:creationId xmlns:a16="http://schemas.microsoft.com/office/drawing/2014/main" xmlns="" id="{9378BB5D-5C77-1E3D-912F-AA79F30B85B4}"/>
               </a:ext>
             </a:extLst>
           </p:cNvPr>
@@ -5842,7 +5842,7 @@
           <p:cNvPr id="3" name="副标题 2">
             <a:extLst>
               <a:ext uri="{FF2B5EF4-FFF2-40B4-BE49-F238E27FC236}">
-                <a16:creationId xmlns:a16="http://schemas.microsoft.com/office/drawing/2014/main" id="{BE25738F-A275-37A7-AD92-00E90E767875}"/>
+                <a16:creationId xmlns:a16="http://schemas.microsoft.com/office/drawing/2014/main" xmlns="" id="{BE25738F-A275-37A7-AD92-00E90E767875}"/>
               </a:ext>
             </a:extLst>
           </p:cNvPr>
@@ -5915,7 +5915,7 @@
     </p:spTree>
     <p:extLst>
       <p:ext uri="{BB962C8B-B14F-4D97-AF65-F5344CB8AC3E}">
-        <p14:creationId xmlns:p14="http://schemas.microsoft.com/office/powerpoint/2010/main" val="467902368"/>
+        <p14:creationId xmlns:p14="http://schemas.microsoft.com/office/powerpoint/2010/main" xmlns="" val="467902368"/>
       </p:ext>
     </p:extLst>
   </p:cSld>
@@ -5947,7 +5947,7 @@
           <p:cNvPr id="2" name="标题 1">
             <a:extLst>
               <a:ext uri="{FF2B5EF4-FFF2-40B4-BE49-F238E27FC236}">
-                <a16:creationId xmlns:a16="http://schemas.microsoft.com/office/drawing/2014/main" id="{594441FE-9332-F0E4-7AE1-3123F39EBF02}"/>
+                <a16:creationId xmlns:a16="http://schemas.microsoft.com/office/drawing/2014/main" xmlns="" id="{594441FE-9332-F0E4-7AE1-3123F39EBF02}"/>
               </a:ext>
             </a:extLst>
           </p:cNvPr>
@@ -5975,7 +5975,7 @@
           <p:cNvPr id="3" name="内容占位符 2">
             <a:extLst>
               <a:ext uri="{FF2B5EF4-FFF2-40B4-BE49-F238E27FC236}">
-                <a16:creationId xmlns:a16="http://schemas.microsoft.com/office/drawing/2014/main" id="{C1BFAA36-BAFA-2A56-98AB-CC6300CECA0C}"/>
+                <a16:creationId xmlns:a16="http://schemas.microsoft.com/office/drawing/2014/main" xmlns="" id="{C1BFAA36-BAFA-2A56-98AB-CC6300CECA0C}"/>
               </a:ext>
             </a:extLst>
           </p:cNvPr>
@@ -6086,7 +6086,7 @@
           <p:cNvPr id="5" name="文本框 4">
             <a:extLst>
               <a:ext uri="{FF2B5EF4-FFF2-40B4-BE49-F238E27FC236}">
-                <a16:creationId xmlns:a16="http://schemas.microsoft.com/office/drawing/2014/main" id="{D233536E-5C4E-5A22-114B-E507F99608AF}"/>
+                <a16:creationId xmlns:a16="http://schemas.microsoft.com/office/drawing/2014/main" xmlns="" id="{D233536E-5C4E-5A22-114B-E507F99608AF}"/>
               </a:ext>
             </a:extLst>
           </p:cNvPr>
@@ -6248,7 +6248,7 @@
           <p:cNvPr id="6" name="文本框 5">
             <a:extLst>
               <a:ext uri="{FF2B5EF4-FFF2-40B4-BE49-F238E27FC236}">
-                <a16:creationId xmlns:a16="http://schemas.microsoft.com/office/drawing/2014/main" id="{4432D91B-110E-9A16-F8F5-9DE69295486D}"/>
+                <a16:creationId xmlns:a16="http://schemas.microsoft.com/office/drawing/2014/main" xmlns="" id="{4432D91B-110E-9A16-F8F5-9DE69295486D}"/>
               </a:ext>
             </a:extLst>
           </p:cNvPr>
@@ -6291,7 +6291,7 @@
     </p:spTree>
     <p:extLst>
       <p:ext uri="{BB962C8B-B14F-4D97-AF65-F5344CB8AC3E}">
-        <p14:creationId xmlns:p14="http://schemas.microsoft.com/office/powerpoint/2010/main" val="2361374323"/>
+        <p14:creationId xmlns:p14="http://schemas.microsoft.com/office/powerpoint/2010/main" xmlns="" val="2361374323"/>
       </p:ext>
     </p:extLst>
   </p:cSld>
@@ -6323,7 +6323,7 @@
           <p:cNvPr id="2" name="标题 1">
             <a:extLst>
               <a:ext uri="{FF2B5EF4-FFF2-40B4-BE49-F238E27FC236}">
-                <a16:creationId xmlns:a16="http://schemas.microsoft.com/office/drawing/2014/main" id="{B26EBC45-122C-5FE6-01A0-0B6F24E25785}"/>
+                <a16:creationId xmlns:a16="http://schemas.microsoft.com/office/drawing/2014/main" xmlns="" id="{B26EBC45-122C-5FE6-01A0-0B6F24E25785}"/>
               </a:ext>
             </a:extLst>
           </p:cNvPr>
@@ -6351,7 +6351,7 @@
           <p:cNvPr id="5" name="内容占位符 4">
             <a:extLst>
               <a:ext uri="{FF2B5EF4-FFF2-40B4-BE49-F238E27FC236}">
-                <a16:creationId xmlns:a16="http://schemas.microsoft.com/office/drawing/2014/main" id="{B34579D3-B1D0-FFDD-242D-00F815568178}"/>
+                <a16:creationId xmlns:a16="http://schemas.microsoft.com/office/drawing/2014/main" xmlns="" id="{B34579D3-B1D0-FFDD-242D-00F815568178}"/>
               </a:ext>
             </a:extLst>
           </p:cNvPr>
@@ -6366,7 +6366,7 @@
           <a:blip r:embed="rId2">
             <a:extLst>
               <a:ext uri="{28A0092B-C50C-407E-A947-70E740481C1C}">
-                <a14:useLocalDpi xmlns:a14="http://schemas.microsoft.com/office/drawing/2010/main" val="0"/>
+                <a14:useLocalDpi xmlns:a14="http://schemas.microsoft.com/office/drawing/2010/main" xmlns="" val="0"/>
               </a:ext>
             </a:extLst>
           </a:blip>
@@ -6384,7 +6384,7 @@
     </p:spTree>
     <p:extLst>
       <p:ext uri="{BB962C8B-B14F-4D97-AF65-F5344CB8AC3E}">
-        <p14:creationId xmlns:p14="http://schemas.microsoft.com/office/powerpoint/2010/main" val="3123407964"/>
+        <p14:creationId xmlns:p14="http://schemas.microsoft.com/office/powerpoint/2010/main" xmlns="" val="3123407964"/>
       </p:ext>
     </p:extLst>
   </p:cSld>
@@ -6416,7 +6416,7 @@
           <p:cNvPr id="2" name="标题 1">
             <a:extLst>
               <a:ext uri="{FF2B5EF4-FFF2-40B4-BE49-F238E27FC236}">
-                <a16:creationId xmlns:a16="http://schemas.microsoft.com/office/drawing/2014/main" id="{083AE34A-2EE8-6BAE-70F0-3E8DBE525781}"/>
+                <a16:creationId xmlns:a16="http://schemas.microsoft.com/office/drawing/2014/main" xmlns="" id="{083AE34A-2EE8-6BAE-70F0-3E8DBE525781}"/>
               </a:ext>
             </a:extLst>
           </p:cNvPr>
@@ -6444,7 +6444,7 @@
           <p:cNvPr id="3" name="内容占位符 2">
             <a:extLst>
               <a:ext uri="{FF2B5EF4-FFF2-40B4-BE49-F238E27FC236}">
-                <a16:creationId xmlns:a16="http://schemas.microsoft.com/office/drawing/2014/main" id="{D1631241-63E7-CCA1-C041-9CEE6DF91618}"/>
+                <a16:creationId xmlns:a16="http://schemas.microsoft.com/office/drawing/2014/main" xmlns="" id="{D1631241-63E7-CCA1-C041-9CEE6DF91618}"/>
               </a:ext>
             </a:extLst>
           </p:cNvPr>
@@ -6565,7 +6565,7 @@
     </p:spTree>
     <p:extLst>
       <p:ext uri="{BB962C8B-B14F-4D97-AF65-F5344CB8AC3E}">
-        <p14:creationId xmlns:p14="http://schemas.microsoft.com/office/powerpoint/2010/main" val="3396672449"/>
+        <p14:creationId xmlns:p14="http://schemas.microsoft.com/office/powerpoint/2010/main" xmlns="" val="3396672449"/>
       </p:ext>
     </p:extLst>
   </p:cSld>
@@ -6597,7 +6597,7 @@
           <p:cNvPr id="2" name="标题 1">
             <a:extLst>
               <a:ext uri="{FF2B5EF4-FFF2-40B4-BE49-F238E27FC236}">
-                <a16:creationId xmlns:a16="http://schemas.microsoft.com/office/drawing/2014/main" id="{BCD0B7BF-66C7-8E0C-EE6E-210BC09261AB}"/>
+                <a16:creationId xmlns:a16="http://schemas.microsoft.com/office/drawing/2014/main" xmlns="" id="{BCD0B7BF-66C7-8E0C-EE6E-210BC09261AB}"/>
               </a:ext>
             </a:extLst>
           </p:cNvPr>
@@ -6625,7 +6625,7 @@
           <p:cNvPr id="3" name="内容占位符 2">
             <a:extLst>
               <a:ext uri="{FF2B5EF4-FFF2-40B4-BE49-F238E27FC236}">
-                <a16:creationId xmlns:a16="http://schemas.microsoft.com/office/drawing/2014/main" id="{99BC1E35-F9E7-1295-FBBD-ED8B0075BF59}"/>
+                <a16:creationId xmlns:a16="http://schemas.microsoft.com/office/drawing/2014/main" xmlns="" id="{99BC1E35-F9E7-1295-FBBD-ED8B0075BF59}"/>
               </a:ext>
             </a:extLst>
           </p:cNvPr>
@@ -6642,9 +6642,18 @@
           <a:lstStyle/>
           <a:p>
             <a:r>
-              <a:rPr lang="en-NZ" dirty="0"/>
-              <a:t>Maribeth:</a:t>
-            </a:r>
+              <a:rPr lang="en-NZ" dirty="0" err="1"/>
+              <a:t>Maribeth</a:t>
+            </a:r>
+            <a:r>
+              <a:rPr lang="en-NZ" dirty="0" smtClean="0"/>
+              <a:t>: </a:t>
+            </a:r>
+            <a:r>
+              <a:rPr lang="en-NZ" smtClean="0"/>
+              <a:t>mamamam</a:t>
+            </a:r>
+            <a:endParaRPr lang="en-NZ" dirty="0"/>
           </a:p>
           <a:p>
             <a:endParaRPr lang="en-NZ" dirty="0"/>
@@ -6675,7 +6684,7 @@
     </p:spTree>
     <p:extLst>
       <p:ext uri="{BB962C8B-B14F-4D97-AF65-F5344CB8AC3E}">
-        <p14:creationId xmlns:p14="http://schemas.microsoft.com/office/powerpoint/2010/main" val="358586711"/>
+        <p14:creationId xmlns:p14="http://schemas.microsoft.com/office/powerpoint/2010/main" xmlns="" val="358586711"/>
       </p:ext>
     </p:extLst>
   </p:cSld>
@@ -6707,7 +6716,7 @@
           <p:cNvPr id="2" name="标题 1">
             <a:extLst>
               <a:ext uri="{FF2B5EF4-FFF2-40B4-BE49-F238E27FC236}">
-                <a16:creationId xmlns:a16="http://schemas.microsoft.com/office/drawing/2014/main" id="{7968832C-C89A-B085-ABDF-723E25F15B4E}"/>
+                <a16:creationId xmlns:a16="http://schemas.microsoft.com/office/drawing/2014/main" xmlns="" id="{7968832C-C89A-B085-ABDF-723E25F15B4E}"/>
               </a:ext>
             </a:extLst>
           </p:cNvPr>
@@ -6735,7 +6744,7 @@
           <p:cNvPr id="3" name="内容占位符 2">
             <a:extLst>
               <a:ext uri="{FF2B5EF4-FFF2-40B4-BE49-F238E27FC236}">
-                <a16:creationId xmlns:a16="http://schemas.microsoft.com/office/drawing/2014/main" id="{4029B2BD-2B47-E1CA-0E88-D9FBD2CA4E6C}"/>
+                <a16:creationId xmlns:a16="http://schemas.microsoft.com/office/drawing/2014/main" xmlns="" id="{4029B2BD-2B47-E1CA-0E88-D9FBD2CA4E6C}"/>
               </a:ext>
             </a:extLst>
           </p:cNvPr>
@@ -6758,7 +6767,7 @@
     </p:spTree>
     <p:extLst>
       <p:ext uri="{BB962C8B-B14F-4D97-AF65-F5344CB8AC3E}">
-        <p14:creationId xmlns:p14="http://schemas.microsoft.com/office/powerpoint/2010/main" val="1669517618"/>
+        <p14:creationId xmlns:p14="http://schemas.microsoft.com/office/powerpoint/2010/main" xmlns="" val="1669517618"/>
       </p:ext>
     </p:extLst>
   </p:cSld>
@@ -6790,7 +6799,7 @@
           <p:cNvPr id="2" name="标题 1">
             <a:extLst>
               <a:ext uri="{FF2B5EF4-FFF2-40B4-BE49-F238E27FC236}">
-                <a16:creationId xmlns:a16="http://schemas.microsoft.com/office/drawing/2014/main" id="{931FF632-26A4-A3C5-3BFA-108378087F3B}"/>
+                <a16:creationId xmlns:a16="http://schemas.microsoft.com/office/drawing/2014/main" xmlns="" id="{931FF632-26A4-A3C5-3BFA-108378087F3B}"/>
               </a:ext>
             </a:extLst>
           </p:cNvPr>
@@ -6818,7 +6827,7 @@
           <p:cNvPr id="3" name="内容占位符 2">
             <a:extLst>
               <a:ext uri="{FF2B5EF4-FFF2-40B4-BE49-F238E27FC236}">
-                <a16:creationId xmlns:a16="http://schemas.microsoft.com/office/drawing/2014/main" id="{10C10AB0-F6BB-26E5-C279-0931E8572F2F}"/>
+                <a16:creationId xmlns:a16="http://schemas.microsoft.com/office/drawing/2014/main" xmlns="" id="{10C10AB0-F6BB-26E5-C279-0931E8572F2F}"/>
               </a:ext>
             </a:extLst>
           </p:cNvPr>
@@ -6844,7 +6853,7 @@
     </p:spTree>
     <p:extLst>
       <p:ext uri="{BB962C8B-B14F-4D97-AF65-F5344CB8AC3E}">
-        <p14:creationId xmlns:p14="http://schemas.microsoft.com/office/powerpoint/2010/main" val="1405912245"/>
+        <p14:creationId xmlns:p14="http://schemas.microsoft.com/office/powerpoint/2010/main" xmlns="" val="1405912245"/>
       </p:ext>
     </p:extLst>
   </p:cSld>
@@ -6876,7 +6885,7 @@
           <p:cNvPr id="2" name="标题 1">
             <a:extLst>
               <a:ext uri="{FF2B5EF4-FFF2-40B4-BE49-F238E27FC236}">
-                <a16:creationId xmlns:a16="http://schemas.microsoft.com/office/drawing/2014/main" id="{3B121F95-2659-B777-A490-44CC5DFFC3A1}"/>
+                <a16:creationId xmlns:a16="http://schemas.microsoft.com/office/drawing/2014/main" xmlns="" id="{3B121F95-2659-B777-A490-44CC5DFFC3A1}"/>
               </a:ext>
             </a:extLst>
           </p:cNvPr>
@@ -6904,7 +6913,7 @@
           <p:cNvPr id="3" name="内容占位符 2">
             <a:extLst>
               <a:ext uri="{FF2B5EF4-FFF2-40B4-BE49-F238E27FC236}">
-                <a16:creationId xmlns:a16="http://schemas.microsoft.com/office/drawing/2014/main" id="{7A6FE493-6895-3F84-9D5F-AB2A89BCCCAE}"/>
+                <a16:creationId xmlns:a16="http://schemas.microsoft.com/office/drawing/2014/main" xmlns="" id="{7A6FE493-6895-3F84-9D5F-AB2A89BCCCAE}"/>
               </a:ext>
             </a:extLst>
           </p:cNvPr>
@@ -6983,7 +6992,7 @@
     </p:spTree>
     <p:extLst>
       <p:ext uri="{BB962C8B-B14F-4D97-AF65-F5344CB8AC3E}">
-        <p14:creationId xmlns:p14="http://schemas.microsoft.com/office/powerpoint/2010/main" val="3104536044"/>
+        <p14:creationId xmlns:p14="http://schemas.microsoft.com/office/powerpoint/2010/main" xmlns="" val="3104536044"/>
       </p:ext>
     </p:extLst>
   </p:cSld>
@@ -7015,7 +7024,7 @@
           <p:cNvPr id="2" name="标题 1">
             <a:extLst>
               <a:ext uri="{FF2B5EF4-FFF2-40B4-BE49-F238E27FC236}">
-                <a16:creationId xmlns:a16="http://schemas.microsoft.com/office/drawing/2014/main" id="{92465190-A9B5-15FB-0CC7-52D427954EC8}"/>
+                <a16:creationId xmlns:a16="http://schemas.microsoft.com/office/drawing/2014/main" xmlns="" id="{92465190-A9B5-15FB-0CC7-52D427954EC8}"/>
               </a:ext>
             </a:extLst>
           </p:cNvPr>
@@ -7043,7 +7052,7 @@
           <p:cNvPr id="3" name="内容占位符 2">
             <a:extLst>
               <a:ext uri="{FF2B5EF4-FFF2-40B4-BE49-F238E27FC236}">
-                <a16:creationId xmlns:a16="http://schemas.microsoft.com/office/drawing/2014/main" id="{CAC7A421-7F2F-3B65-83AB-9B04FEA923A7}"/>
+                <a16:creationId xmlns:a16="http://schemas.microsoft.com/office/drawing/2014/main" xmlns="" id="{CAC7A421-7F2F-3B65-83AB-9B04FEA923A7}"/>
               </a:ext>
             </a:extLst>
           </p:cNvPr>
@@ -7098,7 +7107,7 @@
     </p:spTree>
     <p:extLst>
       <p:ext uri="{BB962C8B-B14F-4D97-AF65-F5344CB8AC3E}">
-        <p14:creationId xmlns:p14="http://schemas.microsoft.com/office/powerpoint/2010/main" val="3295134947"/>
+        <p14:creationId xmlns:p14="http://schemas.microsoft.com/office/powerpoint/2010/main" xmlns="" val="3295134947"/>
       </p:ext>
     </p:extLst>
   </p:cSld>
@@ -7130,7 +7139,7 @@
           <p:cNvPr id="2" name="标题 1">
             <a:extLst>
               <a:ext uri="{FF2B5EF4-FFF2-40B4-BE49-F238E27FC236}">
-                <a16:creationId xmlns:a16="http://schemas.microsoft.com/office/drawing/2014/main" id="{FCD0B3A6-F68D-1E92-C281-AEDB26248FFD}"/>
+                <a16:creationId xmlns:a16="http://schemas.microsoft.com/office/drawing/2014/main" xmlns="" id="{FCD0B3A6-F68D-1E92-C281-AEDB26248FFD}"/>
               </a:ext>
             </a:extLst>
           </p:cNvPr>
@@ -7163,7 +7172,7 @@
           <p:cNvPr id="3" name="内容占位符 2">
             <a:extLst>
               <a:ext uri="{FF2B5EF4-FFF2-40B4-BE49-F238E27FC236}">
-                <a16:creationId xmlns:a16="http://schemas.microsoft.com/office/drawing/2014/main" id="{78485416-BC42-8064-E043-36117E18E39D}"/>
+                <a16:creationId xmlns:a16="http://schemas.microsoft.com/office/drawing/2014/main" xmlns="" id="{78485416-BC42-8064-E043-36117E18E39D}"/>
               </a:ext>
             </a:extLst>
           </p:cNvPr>
@@ -7194,7 +7203,7 @@
           <p:cNvPr id="9" name="图片 8">
             <a:extLst>
               <a:ext uri="{FF2B5EF4-FFF2-40B4-BE49-F238E27FC236}">
-                <a16:creationId xmlns:a16="http://schemas.microsoft.com/office/drawing/2014/main" id="{FF651C45-FDCD-6C22-94A4-F7073AFDB5F7}"/>
+                <a16:creationId xmlns:a16="http://schemas.microsoft.com/office/drawing/2014/main" xmlns="" id="{FF651C45-FDCD-6C22-94A4-F7073AFDB5F7}"/>
               </a:ext>
             </a:extLst>
           </p:cNvPr>
@@ -7207,7 +7216,7 @@
           <a:blip r:embed="rId2">
             <a:extLst>
               <a:ext uri="{28A0092B-C50C-407E-A947-70E740481C1C}">
-                <a14:useLocalDpi xmlns:a14="http://schemas.microsoft.com/office/drawing/2010/main" val="0"/>
+                <a14:useLocalDpi xmlns:a14="http://schemas.microsoft.com/office/drawing/2010/main" xmlns="" val="0"/>
               </a:ext>
             </a:extLst>
           </a:blip>
@@ -7228,7 +7237,7 @@
     </p:spTree>
     <p:extLst>
       <p:ext uri="{BB962C8B-B14F-4D97-AF65-F5344CB8AC3E}">
-        <p14:creationId xmlns:p14="http://schemas.microsoft.com/office/powerpoint/2010/main" val="1071497059"/>
+        <p14:creationId xmlns:p14="http://schemas.microsoft.com/office/powerpoint/2010/main" xmlns="" val="1071497059"/>
       </p:ext>
     </p:extLst>
   </p:cSld>
@@ -7260,7 +7269,7 @@
           <p:cNvPr id="2" name="标题 1">
             <a:extLst>
               <a:ext uri="{FF2B5EF4-FFF2-40B4-BE49-F238E27FC236}">
-                <a16:creationId xmlns:a16="http://schemas.microsoft.com/office/drawing/2014/main" id="{FCD0B3A6-F68D-1E92-C281-AEDB26248FFD}"/>
+                <a16:creationId xmlns:a16="http://schemas.microsoft.com/office/drawing/2014/main" xmlns="" id="{FCD0B3A6-F68D-1E92-C281-AEDB26248FFD}"/>
               </a:ext>
             </a:extLst>
           </p:cNvPr>
@@ -7293,7 +7302,7 @@
           <p:cNvPr id="3" name="内容占位符 2">
             <a:extLst>
               <a:ext uri="{FF2B5EF4-FFF2-40B4-BE49-F238E27FC236}">
-                <a16:creationId xmlns:a16="http://schemas.microsoft.com/office/drawing/2014/main" id="{78485416-BC42-8064-E043-36117E18E39D}"/>
+                <a16:creationId xmlns:a16="http://schemas.microsoft.com/office/drawing/2014/main" xmlns="" id="{78485416-BC42-8064-E043-36117E18E39D}"/>
               </a:ext>
             </a:extLst>
           </p:cNvPr>
@@ -7324,7 +7333,7 @@
           <p:cNvPr id="11" name="图片 10">
             <a:extLst>
               <a:ext uri="{FF2B5EF4-FFF2-40B4-BE49-F238E27FC236}">
-                <a16:creationId xmlns:a16="http://schemas.microsoft.com/office/drawing/2014/main" id="{9773E204-33CE-964E-0098-1E0F62D66402}"/>
+                <a16:creationId xmlns:a16="http://schemas.microsoft.com/office/drawing/2014/main" xmlns="" id="{9773E204-33CE-964E-0098-1E0F62D66402}"/>
               </a:ext>
             </a:extLst>
           </p:cNvPr>
@@ -7337,7 +7346,7 @@
           <a:blip r:embed="rId2">
             <a:extLst>
               <a:ext uri="{28A0092B-C50C-407E-A947-70E740481C1C}">
-                <a14:useLocalDpi xmlns:a14="http://schemas.microsoft.com/office/drawing/2010/main" val="0"/>
+                <a14:useLocalDpi xmlns:a14="http://schemas.microsoft.com/office/drawing/2010/main" xmlns="" val="0"/>
               </a:ext>
             </a:extLst>
           </a:blip>
@@ -7358,7 +7367,7 @@
     </p:spTree>
     <p:extLst>
       <p:ext uri="{BB962C8B-B14F-4D97-AF65-F5344CB8AC3E}">
-        <p14:creationId xmlns:p14="http://schemas.microsoft.com/office/powerpoint/2010/main" val="2552742250"/>
+        <p14:creationId xmlns:p14="http://schemas.microsoft.com/office/powerpoint/2010/main" xmlns="" val="2552742250"/>
       </p:ext>
     </p:extLst>
   </p:cSld>
@@ -7390,7 +7399,7 @@
           <p:cNvPr id="2" name="标题 1">
             <a:extLst>
               <a:ext uri="{FF2B5EF4-FFF2-40B4-BE49-F238E27FC236}">
-                <a16:creationId xmlns:a16="http://schemas.microsoft.com/office/drawing/2014/main" id="{1C26FFD8-8C79-58A2-F8D7-E748D28C4407}"/>
+                <a16:creationId xmlns:a16="http://schemas.microsoft.com/office/drawing/2014/main" xmlns="" id="{1C26FFD8-8C79-58A2-F8D7-E748D28C4407}"/>
               </a:ext>
             </a:extLst>
           </p:cNvPr>
@@ -7420,7 +7429,7 @@
           <p:cNvPr id="3" name="内容占位符 2">
             <a:extLst>
               <a:ext uri="{FF2B5EF4-FFF2-40B4-BE49-F238E27FC236}">
-                <a16:creationId xmlns:a16="http://schemas.microsoft.com/office/drawing/2014/main" id="{41F1D2A7-5294-7557-9EB3-8D491A63F4EB}"/>
+                <a16:creationId xmlns:a16="http://schemas.microsoft.com/office/drawing/2014/main" xmlns="" id="{41F1D2A7-5294-7557-9EB3-8D491A63F4EB}"/>
               </a:ext>
             </a:extLst>
           </p:cNvPr>
@@ -7455,7 +7464,7 @@
           <p:cNvPr id="4" name="内容占位符 2">
             <a:extLst>
               <a:ext uri="{FF2B5EF4-FFF2-40B4-BE49-F238E27FC236}">
-                <a16:creationId xmlns:a16="http://schemas.microsoft.com/office/drawing/2014/main" id="{4FF7128B-6B50-FCD4-9C75-80B7963E49CE}"/>
+                <a16:creationId xmlns:a16="http://schemas.microsoft.com/office/drawing/2014/main" xmlns="" id="{4FF7128B-6B50-FCD4-9C75-80B7963E49CE}"/>
               </a:ext>
             </a:extLst>
           </p:cNvPr>
@@ -7654,7 +7663,7 @@
           <p:cNvPr id="6" name="内容占位符 2">
             <a:extLst>
               <a:ext uri="{FF2B5EF4-FFF2-40B4-BE49-F238E27FC236}">
-                <a16:creationId xmlns:a16="http://schemas.microsoft.com/office/drawing/2014/main" id="{F12022C7-B80B-2281-9B7A-0C3246F09551}"/>
+                <a16:creationId xmlns:a16="http://schemas.microsoft.com/office/drawing/2014/main" xmlns="" id="{F12022C7-B80B-2281-9B7A-0C3246F09551}"/>
               </a:ext>
             </a:extLst>
           </p:cNvPr>
@@ -7862,7 +7871,7 @@
           <p:cNvPr id="8" name="内容占位符 2">
             <a:extLst>
               <a:ext uri="{FF2B5EF4-FFF2-40B4-BE49-F238E27FC236}">
-                <a16:creationId xmlns:a16="http://schemas.microsoft.com/office/drawing/2014/main" id="{764F7FE3-0392-CCF7-AAD7-C83EF28C73C9}"/>
+                <a16:creationId xmlns:a16="http://schemas.microsoft.com/office/drawing/2014/main" xmlns="" id="{764F7FE3-0392-CCF7-AAD7-C83EF28C73C9}"/>
               </a:ext>
             </a:extLst>
           </p:cNvPr>
@@ -8059,7 +8068,7 @@
     </p:spTree>
     <p:extLst>
       <p:ext uri="{BB962C8B-B14F-4D97-AF65-F5344CB8AC3E}">
-        <p14:creationId xmlns:p14="http://schemas.microsoft.com/office/powerpoint/2010/main" val="244496848"/>
+        <p14:creationId xmlns:p14="http://schemas.microsoft.com/office/powerpoint/2010/main" xmlns="" val="244496848"/>
       </p:ext>
     </p:extLst>
   </p:cSld>
@@ -8091,7 +8100,7 @@
           <p:cNvPr id="7" name="标题 6">
             <a:extLst>
               <a:ext uri="{FF2B5EF4-FFF2-40B4-BE49-F238E27FC236}">
-                <a16:creationId xmlns:a16="http://schemas.microsoft.com/office/drawing/2014/main" id="{CD83F32C-8A6B-5F30-3947-35CFC8F07AD6}"/>
+                <a16:creationId xmlns:a16="http://schemas.microsoft.com/office/drawing/2014/main" xmlns="" id="{CD83F32C-8A6B-5F30-3947-35CFC8F07AD6}"/>
               </a:ext>
             </a:extLst>
           </p:cNvPr>
@@ -8126,7 +8135,7 @@
           <p:cNvPr id="5" name="内容占位符 4">
             <a:extLst>
               <a:ext uri="{FF2B5EF4-FFF2-40B4-BE49-F238E27FC236}">
-                <a16:creationId xmlns:a16="http://schemas.microsoft.com/office/drawing/2014/main" id="{A72F22B4-E4AA-DED2-4FE8-84589D8E0072}"/>
+                <a16:creationId xmlns:a16="http://schemas.microsoft.com/office/drawing/2014/main" xmlns="" id="{A72F22B4-E4AA-DED2-4FE8-84589D8E0072}"/>
               </a:ext>
             </a:extLst>
           </p:cNvPr>
@@ -8141,7 +8150,7 @@
           <a:blip r:embed="rId2">
             <a:extLst>
               <a:ext uri="{28A0092B-C50C-407E-A947-70E740481C1C}">
-                <a14:useLocalDpi xmlns:a14="http://schemas.microsoft.com/office/drawing/2010/main" val="0"/>
+                <a14:useLocalDpi xmlns:a14="http://schemas.microsoft.com/office/drawing/2010/main" xmlns="" val="0"/>
               </a:ext>
             </a:extLst>
           </a:blip>
@@ -8161,7 +8170,7 @@
           <p:cNvPr id="8" name="文本框 7">
             <a:extLst>
               <a:ext uri="{FF2B5EF4-FFF2-40B4-BE49-F238E27FC236}">
-                <a16:creationId xmlns:a16="http://schemas.microsoft.com/office/drawing/2014/main" id="{848B05F5-64E6-7B36-6AD3-7E4F7830C95F}"/>
+                <a16:creationId xmlns:a16="http://schemas.microsoft.com/office/drawing/2014/main" xmlns="" id="{848B05F5-64E6-7B36-6AD3-7E4F7830C95F}"/>
               </a:ext>
             </a:extLst>
           </p:cNvPr>
@@ -8213,7 +8222,7 @@
     </p:spTree>
     <p:extLst>
       <p:ext uri="{BB962C8B-B14F-4D97-AF65-F5344CB8AC3E}">
-        <p14:creationId xmlns:p14="http://schemas.microsoft.com/office/powerpoint/2010/main" val="4200007885"/>
+        <p14:creationId xmlns:p14="http://schemas.microsoft.com/office/powerpoint/2010/main" xmlns="" val="4200007885"/>
       </p:ext>
     </p:extLst>
   </p:cSld>
@@ -8245,7 +8254,7 @@
           <p:cNvPr id="2" name="标题 1">
             <a:extLst>
               <a:ext uri="{FF2B5EF4-FFF2-40B4-BE49-F238E27FC236}">
-                <a16:creationId xmlns:a16="http://schemas.microsoft.com/office/drawing/2014/main" id="{B3F13335-104A-015E-3032-EACBD2BEBA00}"/>
+                <a16:creationId xmlns:a16="http://schemas.microsoft.com/office/drawing/2014/main" xmlns="" id="{B3F13335-104A-015E-3032-EACBD2BEBA00}"/>
               </a:ext>
             </a:extLst>
           </p:cNvPr>
@@ -8273,7 +8282,7 @@
           <p:cNvPr id="5" name="内容占位符 4">
             <a:extLst>
               <a:ext uri="{FF2B5EF4-FFF2-40B4-BE49-F238E27FC236}">
-                <a16:creationId xmlns:a16="http://schemas.microsoft.com/office/drawing/2014/main" id="{37CA7186-F461-8768-6AB0-EDB502334978}"/>
+                <a16:creationId xmlns:a16="http://schemas.microsoft.com/office/drawing/2014/main" xmlns="" id="{37CA7186-F461-8768-6AB0-EDB502334978}"/>
               </a:ext>
             </a:extLst>
           </p:cNvPr>
@@ -8288,7 +8297,7 @@
           <a:blip r:embed="rId2" cstate="print">
             <a:extLst>
               <a:ext uri="{28A0092B-C50C-407E-A947-70E740481C1C}">
-                <a14:useLocalDpi xmlns:a14="http://schemas.microsoft.com/office/drawing/2010/main" val="0"/>
+                <a14:useLocalDpi xmlns:a14="http://schemas.microsoft.com/office/drawing/2010/main" xmlns="" val="0"/>
               </a:ext>
             </a:extLst>
           </a:blip>
@@ -8308,7 +8317,7 @@
           <p:cNvPr id="6" name="标题 1">
             <a:extLst>
               <a:ext uri="{FF2B5EF4-FFF2-40B4-BE49-F238E27FC236}">
-                <a16:creationId xmlns:a16="http://schemas.microsoft.com/office/drawing/2014/main" id="{C81291C8-DC21-C98A-E80F-705776E3EB74}"/>
+                <a16:creationId xmlns:a16="http://schemas.microsoft.com/office/drawing/2014/main" xmlns="" id="{C81291C8-DC21-C98A-E80F-705776E3EB74}"/>
               </a:ext>
             </a:extLst>
           </p:cNvPr>
@@ -8383,7 +8392,7 @@
           <p:cNvPr id="7" name="文本框 6">
             <a:extLst>
               <a:ext uri="{FF2B5EF4-FFF2-40B4-BE49-F238E27FC236}">
-                <a16:creationId xmlns:a16="http://schemas.microsoft.com/office/drawing/2014/main" id="{5A115FD7-B5F6-D919-5860-BD9C52F64019}"/>
+                <a16:creationId xmlns:a16="http://schemas.microsoft.com/office/drawing/2014/main" xmlns="" id="{5A115FD7-B5F6-D919-5860-BD9C52F64019}"/>
               </a:ext>
             </a:extLst>
           </p:cNvPr>
@@ -8438,7 +8447,7 @@
     </p:spTree>
     <p:extLst>
       <p:ext uri="{BB962C8B-B14F-4D97-AF65-F5344CB8AC3E}">
-        <p14:creationId xmlns:p14="http://schemas.microsoft.com/office/powerpoint/2010/main" val="1039722178"/>
+        <p14:creationId xmlns:p14="http://schemas.microsoft.com/office/powerpoint/2010/main" xmlns="" val="1039722178"/>
       </p:ext>
     </p:extLst>
   </p:cSld>
@@ -8470,7 +8479,7 @@
           <p:cNvPr id="2" name="标题 1">
             <a:extLst>
               <a:ext uri="{FF2B5EF4-FFF2-40B4-BE49-F238E27FC236}">
-                <a16:creationId xmlns:a16="http://schemas.microsoft.com/office/drawing/2014/main" id="{03477B6E-72BF-255C-BEB8-DAC7203DD43E}"/>
+                <a16:creationId xmlns:a16="http://schemas.microsoft.com/office/drawing/2014/main" xmlns="" id="{03477B6E-72BF-255C-BEB8-DAC7203DD43E}"/>
               </a:ext>
             </a:extLst>
           </p:cNvPr>
@@ -8498,7 +8507,7 @@
           <p:cNvPr id="3" name="内容占位符 2">
             <a:extLst>
               <a:ext uri="{FF2B5EF4-FFF2-40B4-BE49-F238E27FC236}">
-                <a16:creationId xmlns:a16="http://schemas.microsoft.com/office/drawing/2014/main" id="{B5BDCBB6-C660-4E0C-04B9-8784DABF995E}"/>
+                <a16:creationId xmlns:a16="http://schemas.microsoft.com/office/drawing/2014/main" xmlns="" id="{B5BDCBB6-C660-4E0C-04B9-8784DABF995E}"/>
               </a:ext>
             </a:extLst>
           </p:cNvPr>
@@ -8576,7 +8585,7 @@
     </p:spTree>
     <p:extLst>
       <p:ext uri="{BB962C8B-B14F-4D97-AF65-F5344CB8AC3E}">
-        <p14:creationId xmlns:p14="http://schemas.microsoft.com/office/powerpoint/2010/main" val="1522651155"/>
+        <p14:creationId xmlns:p14="http://schemas.microsoft.com/office/powerpoint/2010/main" xmlns="" val="1522651155"/>
       </p:ext>
     </p:extLst>
   </p:cSld>
@@ -8850,7 +8859,7 @@
   <a:extraClrSchemeLst/>
   <a:extLst>
     <a:ext uri="{05A4C25C-085E-4340-85A3-A5531E510DB2}">
-      <thm15:themeFamily xmlns:thm15="http://schemas.microsoft.com/office/thememl/2012/main" name="Vapor Trail" id="{4FDF2955-7D9C-493C-B9F9-C205151B46CD}" vid="{8F31A783-2159-4870-BC29-2BA7D038EA44}"/>
+      <thm15:themeFamily xmlns:thm15="http://schemas.microsoft.com/office/thememl/2012/main" xmlns="" name="Vapor Trail" id="{4FDF2955-7D9C-493C-B9F9-C205151B46CD}" vid="{8F31A783-2159-4870-BC29-2BA7D038EA44}"/>
     </a:ext>
   </a:extLst>
 </a:theme>

--- a/document/Presentation Password Generator.pptx
+++ b/document/Presentation Password Generator.pptx
@@ -5,21 +5,22 @@
     <p:sldMasterId id="2147483772" r:id="rId1"/>
   </p:sldMasterIdLst>
   <p:sldIdLst>
-    <p:sldId id="256" r:id="rId2"/>
-    <p:sldId id="257" r:id="rId3"/>
-    <p:sldId id="258" r:id="rId4"/>
-    <p:sldId id="270" r:id="rId5"/>
-    <p:sldId id="259" r:id="rId6"/>
-    <p:sldId id="260" r:id="rId7"/>
-    <p:sldId id="261" r:id="rId8"/>
-    <p:sldId id="262" r:id="rId9"/>
-    <p:sldId id="263" r:id="rId10"/>
-    <p:sldId id="266" r:id="rId11"/>
-    <p:sldId id="264" r:id="rId12"/>
-    <p:sldId id="265" r:id="rId13"/>
-    <p:sldId id="267" r:id="rId14"/>
-    <p:sldId id="268" r:id="rId15"/>
-    <p:sldId id="269" r:id="rId16"/>
+    <p:sldId id="271" r:id="rId2"/>
+    <p:sldId id="256" r:id="rId3"/>
+    <p:sldId id="257" r:id="rId4"/>
+    <p:sldId id="258" r:id="rId5"/>
+    <p:sldId id="270" r:id="rId6"/>
+    <p:sldId id="259" r:id="rId7"/>
+    <p:sldId id="260" r:id="rId8"/>
+    <p:sldId id="261" r:id="rId9"/>
+    <p:sldId id="262" r:id="rId10"/>
+    <p:sldId id="263" r:id="rId11"/>
+    <p:sldId id="266" r:id="rId12"/>
+    <p:sldId id="264" r:id="rId13"/>
+    <p:sldId id="265" r:id="rId14"/>
+    <p:sldId id="267" r:id="rId15"/>
+    <p:sldId id="268" r:id="rId16"/>
+    <p:sldId id="269" r:id="rId17"/>
   </p:sldIdLst>
   <p:sldSz cx="12192000" cy="6858000"/>
   <p:notesSz cx="6858000" cy="9144000"/>
@@ -120,7 +121,7 @@
   </p:defaultTextStyle>
   <p:extLst>
     <p:ext uri="{EFAFB233-063F-42B5-8137-9DF3F51BA10A}">
-      <p15:sldGuideLst xmlns:p15="http://schemas.microsoft.com/office/powerpoint/2012/main" xmlns="">
+      <p15:sldGuideLst xmlns="" xmlns:p15="http://schemas.microsoft.com/office/powerpoint/2012/main">
         <p15:guide id="1" orient="horz" pos="2160">
           <p15:clr>
             <a:srgbClr val="A4A3A4"/>
@@ -166,7 +167,7 @@
           <a:blip r:embed="rId2">
             <a:extLst>
               <a:ext uri="{28A0092B-C50C-407E-A947-70E740481C1C}">
-                <a14:useLocalDpi xmlns:a14="http://schemas.microsoft.com/office/drawing/2010/main" xmlns="" val="0"/>
+                <a14:useLocalDpi xmlns="" xmlns:a14="http://schemas.microsoft.com/office/drawing/2010/main" val="0"/>
               </a:ext>
             </a:extLst>
           </a:blip>
@@ -308,7 +309,7 @@
             <a:fld id="{F1FEB44C-43DA-42AA-B9E9-395B842E5567}" type="datetimeFigureOut">
               <a:rPr lang="en-NZ" smtClean="0"/>
               <a:pPr/>
-              <a:t>14/09/2022</a:t>
+              <a:t>17/09/2022</a:t>
             </a:fld>
             <a:endParaRPr lang="en-NZ"/>
           </a:p>
@@ -370,13 +371,16 @@
     </p:spTree>
     <p:extLst>
       <p:ext uri="{BB962C8B-B14F-4D97-AF65-F5344CB8AC3E}">
-        <p14:creationId xmlns:p14="http://schemas.microsoft.com/office/powerpoint/2010/main" xmlns="" val="3646990326"/>
+        <p14:creationId xmlns="" xmlns:p14="http://schemas.microsoft.com/office/powerpoint/2010/main" val="3646990326"/>
       </p:ext>
     </p:extLst>
   </p:cSld>
   <p:clrMapOvr>
     <a:masterClrMapping/>
   </p:clrMapOvr>
+  <p:transition spd="slow">
+    <p:cover dir="d"/>
+  </p:transition>
 </p:sldLayout>
 </file>
 
@@ -577,7 +581,7 @@
             <a:fld id="{F1FEB44C-43DA-42AA-B9E9-395B842E5567}" type="datetimeFigureOut">
               <a:rPr lang="en-NZ" smtClean="0"/>
               <a:pPr/>
-              <a:t>14/09/2022</a:t>
+              <a:t>17/09/2022</a:t>
             </a:fld>
             <a:endParaRPr lang="en-NZ"/>
           </a:p>
@@ -629,13 +633,16 @@
     </p:spTree>
     <p:extLst>
       <p:ext uri="{BB962C8B-B14F-4D97-AF65-F5344CB8AC3E}">
-        <p14:creationId xmlns:p14="http://schemas.microsoft.com/office/powerpoint/2010/main" xmlns="" val="71176386"/>
+        <p14:creationId xmlns="" xmlns:p14="http://schemas.microsoft.com/office/powerpoint/2010/main" val="71176386"/>
       </p:ext>
     </p:extLst>
   </p:cSld>
   <p:clrMapOvr>
     <a:masterClrMapping/>
   </p:clrMapOvr>
+  <p:transition spd="slow">
+    <p:cover dir="d"/>
+  </p:transition>
 </p:sldLayout>
 </file>
 
@@ -668,7 +675,7 @@
           <a:blip r:embed="rId2">
             <a:extLst>
               <a:ext uri="{28A0092B-C50C-407E-A947-70E740481C1C}">
-                <a14:useLocalDpi xmlns:a14="http://schemas.microsoft.com/office/drawing/2010/main" xmlns="" val="0"/>
+                <a14:useLocalDpi xmlns="" xmlns:a14="http://schemas.microsoft.com/office/drawing/2010/main" val="0"/>
               </a:ext>
             </a:extLst>
           </a:blip>
@@ -810,7 +817,7 @@
             <a:fld id="{F1FEB44C-43DA-42AA-B9E9-395B842E5567}" type="datetimeFigureOut">
               <a:rPr lang="en-NZ" smtClean="0"/>
               <a:pPr/>
-              <a:t>14/09/2022</a:t>
+              <a:t>17/09/2022</a:t>
             </a:fld>
             <a:endParaRPr lang="en-NZ"/>
           </a:p>
@@ -872,13 +879,16 @@
     </p:spTree>
     <p:extLst>
       <p:ext uri="{BB962C8B-B14F-4D97-AF65-F5344CB8AC3E}">
-        <p14:creationId xmlns:p14="http://schemas.microsoft.com/office/powerpoint/2010/main" xmlns="" val="1798571661"/>
+        <p14:creationId xmlns="" xmlns:p14="http://schemas.microsoft.com/office/powerpoint/2010/main" val="1798571661"/>
       </p:ext>
     </p:extLst>
   </p:cSld>
   <p:clrMapOvr>
     <a:masterClrMapping/>
   </p:clrMapOvr>
+  <p:transition spd="slow">
+    <p:cover dir="d"/>
+  </p:transition>
 </p:sldLayout>
 </file>
 
@@ -911,7 +921,7 @@
           <a:blip r:embed="rId2">
             <a:extLst>
               <a:ext uri="{28A0092B-C50C-407E-A947-70E740481C1C}">
-                <a14:useLocalDpi xmlns:a14="http://schemas.microsoft.com/office/drawing/2010/main" xmlns="" val="0"/>
+                <a14:useLocalDpi xmlns="" xmlns:a14="http://schemas.microsoft.com/office/drawing/2010/main" val="0"/>
               </a:ext>
             </a:extLst>
           </a:blip>
@@ -1122,7 +1132,7 @@
             <a:fld id="{F1FEB44C-43DA-42AA-B9E9-395B842E5567}" type="datetimeFigureOut">
               <a:rPr lang="en-NZ" smtClean="0"/>
               <a:pPr/>
-              <a:t>14/09/2022</a:t>
+              <a:t>17/09/2022</a:t>
             </a:fld>
             <a:endParaRPr lang="en-NZ"/>
           </a:p>
@@ -1416,13 +1426,16 @@
     </p:spTree>
     <p:extLst>
       <p:ext uri="{BB962C8B-B14F-4D97-AF65-F5344CB8AC3E}">
-        <p14:creationId xmlns:p14="http://schemas.microsoft.com/office/powerpoint/2010/main" xmlns="" val="2241860457"/>
+        <p14:creationId xmlns="" xmlns:p14="http://schemas.microsoft.com/office/powerpoint/2010/main" val="2241860457"/>
       </p:ext>
     </p:extLst>
   </p:cSld>
   <p:clrMapOvr>
     <a:masterClrMapping/>
   </p:clrMapOvr>
+  <p:transition spd="slow">
+    <p:cover dir="d"/>
+  </p:transition>
 </p:sldLayout>
 </file>
 
@@ -1455,7 +1468,7 @@
           <a:blip r:embed="rId2">
             <a:extLst>
               <a:ext uri="{28A0092B-C50C-407E-A947-70E740481C1C}">
-                <a14:useLocalDpi xmlns:a14="http://schemas.microsoft.com/office/drawing/2010/main" xmlns="" val="0"/>
+                <a14:useLocalDpi xmlns="" xmlns:a14="http://schemas.microsoft.com/office/drawing/2010/main" val="0"/>
               </a:ext>
             </a:extLst>
           </a:blip>
@@ -1597,7 +1610,7 @@
             <a:fld id="{F1FEB44C-43DA-42AA-B9E9-395B842E5567}" type="datetimeFigureOut">
               <a:rPr lang="en-NZ" smtClean="0"/>
               <a:pPr/>
-              <a:t>14/09/2022</a:t>
+              <a:t>17/09/2022</a:t>
             </a:fld>
             <a:endParaRPr lang="en-NZ"/>
           </a:p>
@@ -1659,13 +1672,16 @@
     </p:spTree>
     <p:extLst>
       <p:ext uri="{BB962C8B-B14F-4D97-AF65-F5344CB8AC3E}">
-        <p14:creationId xmlns:p14="http://schemas.microsoft.com/office/powerpoint/2010/main" xmlns="" val="3785431333"/>
+        <p14:creationId xmlns="" xmlns:p14="http://schemas.microsoft.com/office/powerpoint/2010/main" val="3785431333"/>
       </p:ext>
     </p:extLst>
   </p:cSld>
   <p:clrMapOvr>
     <a:masterClrMapping/>
   </p:clrMapOvr>
+  <p:transition spd="slow">
+    <p:cover dir="d"/>
+  </p:transition>
 </p:sldLayout>
 </file>
 
@@ -2146,7 +2162,7 @@
             <a:fld id="{F1FEB44C-43DA-42AA-B9E9-395B842E5567}" type="datetimeFigureOut">
               <a:rPr lang="en-NZ" smtClean="0"/>
               <a:pPr/>
-              <a:t>14/09/2022</a:t>
+              <a:t>17/09/2022</a:t>
             </a:fld>
             <a:endParaRPr lang="en-NZ"/>
           </a:p>
@@ -2198,13 +2214,16 @@
     </p:spTree>
     <p:extLst>
       <p:ext uri="{BB962C8B-B14F-4D97-AF65-F5344CB8AC3E}">
-        <p14:creationId xmlns:p14="http://schemas.microsoft.com/office/powerpoint/2010/main" xmlns="" val="3188093362"/>
+        <p14:creationId xmlns="" xmlns:p14="http://schemas.microsoft.com/office/powerpoint/2010/main" val="3188093362"/>
       </p:ext>
     </p:extLst>
   </p:cSld>
   <p:clrMapOvr>
     <a:masterClrMapping/>
   </p:clrMapOvr>
+  <p:transition spd="slow">
+    <p:cover dir="d"/>
+  </p:transition>
 </p:sldLayout>
 </file>
 
@@ -2922,7 +2941,7 @@
             <a:fld id="{F1FEB44C-43DA-42AA-B9E9-395B842E5567}" type="datetimeFigureOut">
               <a:rPr lang="en-NZ" smtClean="0"/>
               <a:pPr/>
-              <a:t>14/09/2022</a:t>
+              <a:t>17/09/2022</a:t>
             </a:fld>
             <a:endParaRPr lang="en-NZ"/>
           </a:p>
@@ -2974,13 +2993,16 @@
     </p:spTree>
     <p:extLst>
       <p:ext uri="{BB962C8B-B14F-4D97-AF65-F5344CB8AC3E}">
-        <p14:creationId xmlns:p14="http://schemas.microsoft.com/office/powerpoint/2010/main" xmlns="" val="1247721429"/>
+        <p14:creationId xmlns="" xmlns:p14="http://schemas.microsoft.com/office/powerpoint/2010/main" val="1247721429"/>
       </p:ext>
     </p:extLst>
   </p:cSld>
   <p:clrMapOvr>
     <a:masterClrMapping/>
   </p:clrMapOvr>
+  <p:transition spd="slow">
+    <p:cover dir="d"/>
+  </p:transition>
 </p:sldLayout>
 </file>
 
@@ -3099,7 +3121,7 @@
             <a:fld id="{F1FEB44C-43DA-42AA-B9E9-395B842E5567}" type="datetimeFigureOut">
               <a:rPr lang="en-NZ" smtClean="0"/>
               <a:pPr/>
-              <a:t>14/09/2022</a:t>
+              <a:t>17/09/2022</a:t>
             </a:fld>
             <a:endParaRPr lang="en-NZ"/>
           </a:p>
@@ -3151,13 +3173,16 @@
     </p:spTree>
     <p:extLst>
       <p:ext uri="{BB962C8B-B14F-4D97-AF65-F5344CB8AC3E}">
-        <p14:creationId xmlns:p14="http://schemas.microsoft.com/office/powerpoint/2010/main" xmlns="" val="1314504317"/>
+        <p14:creationId xmlns="" xmlns:p14="http://schemas.microsoft.com/office/powerpoint/2010/main" val="1314504317"/>
       </p:ext>
     </p:extLst>
   </p:cSld>
   <p:clrMapOvr>
     <a:masterClrMapping/>
   </p:clrMapOvr>
+  <p:transition spd="slow">
+    <p:cover dir="d"/>
+  </p:transition>
 </p:sldLayout>
 </file>
 
@@ -3190,7 +3215,7 @@
           <a:blip r:embed="rId2">
             <a:extLst>
               <a:ext uri="{28A0092B-C50C-407E-A947-70E740481C1C}">
-                <a14:useLocalDpi xmlns:a14="http://schemas.microsoft.com/office/drawing/2010/main" xmlns="" val="0"/>
+                <a14:useLocalDpi xmlns="" xmlns:a14="http://schemas.microsoft.com/office/drawing/2010/main" val="0"/>
               </a:ext>
             </a:extLst>
           </a:blip>
@@ -3324,7 +3349,7 @@
             <a:fld id="{F1FEB44C-43DA-42AA-B9E9-395B842E5567}" type="datetimeFigureOut">
               <a:rPr lang="en-NZ" smtClean="0"/>
               <a:pPr/>
-              <a:t>14/09/2022</a:t>
+              <a:t>17/09/2022</a:t>
             </a:fld>
             <a:endParaRPr lang="en-NZ"/>
           </a:p>
@@ -3386,13 +3411,16 @@
     </p:spTree>
     <p:extLst>
       <p:ext uri="{BB962C8B-B14F-4D97-AF65-F5344CB8AC3E}">
-        <p14:creationId xmlns:p14="http://schemas.microsoft.com/office/powerpoint/2010/main" xmlns="" val="3268017753"/>
+        <p14:creationId xmlns="" xmlns:p14="http://schemas.microsoft.com/office/powerpoint/2010/main" val="3268017753"/>
       </p:ext>
     </p:extLst>
   </p:cSld>
   <p:clrMapOvr>
     <a:masterClrMapping/>
   </p:clrMapOvr>
+  <p:transition spd="slow">
+    <p:cover dir="d"/>
+  </p:transition>
 </p:sldLayout>
 </file>
 
@@ -3506,7 +3534,7 @@
             <a:fld id="{F1FEB44C-43DA-42AA-B9E9-395B842E5567}" type="datetimeFigureOut">
               <a:rPr lang="en-NZ" smtClean="0"/>
               <a:pPr/>
-              <a:t>14/09/2022</a:t>
+              <a:t>17/09/2022</a:t>
             </a:fld>
             <a:endParaRPr lang="en-NZ"/>
           </a:p>
@@ -3558,13 +3586,16 @@
     </p:spTree>
     <p:extLst>
       <p:ext uri="{BB962C8B-B14F-4D97-AF65-F5344CB8AC3E}">
-        <p14:creationId xmlns:p14="http://schemas.microsoft.com/office/powerpoint/2010/main" xmlns="" val="900410543"/>
+        <p14:creationId xmlns="" xmlns:p14="http://schemas.microsoft.com/office/powerpoint/2010/main" val="900410543"/>
       </p:ext>
     </p:extLst>
   </p:cSld>
   <p:clrMapOvr>
     <a:masterClrMapping/>
   </p:clrMapOvr>
+  <p:transition spd="slow">
+    <p:cover dir="d"/>
+  </p:transition>
 </p:sldLayout>
 </file>
 
@@ -3597,7 +3628,7 @@
           <a:blip r:embed="rId2">
             <a:extLst>
               <a:ext uri="{28A0092B-C50C-407E-A947-70E740481C1C}">
-                <a14:useLocalDpi xmlns:a14="http://schemas.microsoft.com/office/drawing/2010/main" xmlns="" val="0"/>
+                <a14:useLocalDpi xmlns="" xmlns:a14="http://schemas.microsoft.com/office/drawing/2010/main" val="0"/>
               </a:ext>
             </a:extLst>
           </a:blip>
@@ -3797,7 +3828,7 @@
             <a:fld id="{F1FEB44C-43DA-42AA-B9E9-395B842E5567}" type="datetimeFigureOut">
               <a:rPr lang="en-NZ" smtClean="0"/>
               <a:pPr/>
-              <a:t>14/09/2022</a:t>
+              <a:t>17/09/2022</a:t>
             </a:fld>
             <a:endParaRPr lang="en-NZ"/>
           </a:p>
@@ -3859,13 +3890,16 @@
     </p:spTree>
     <p:extLst>
       <p:ext uri="{BB962C8B-B14F-4D97-AF65-F5344CB8AC3E}">
-        <p14:creationId xmlns:p14="http://schemas.microsoft.com/office/powerpoint/2010/main" xmlns="" val="2811421413"/>
+        <p14:creationId xmlns="" xmlns:p14="http://schemas.microsoft.com/office/powerpoint/2010/main" val="2811421413"/>
       </p:ext>
     </p:extLst>
   </p:cSld>
   <p:clrMapOvr>
     <a:masterClrMapping/>
   </p:clrMapOvr>
+  <p:transition spd="slow">
+    <p:cover dir="d"/>
+  </p:transition>
 </p:sldLayout>
 </file>
 
@@ -4041,7 +4075,7 @@
             <a:fld id="{F1FEB44C-43DA-42AA-B9E9-395B842E5567}" type="datetimeFigureOut">
               <a:rPr lang="en-NZ" smtClean="0"/>
               <a:pPr/>
-              <a:t>14/09/2022</a:t>
+              <a:t>17/09/2022</a:t>
             </a:fld>
             <a:endParaRPr lang="en-NZ"/>
           </a:p>
@@ -4093,13 +4127,16 @@
     </p:spTree>
     <p:extLst>
       <p:ext uri="{BB962C8B-B14F-4D97-AF65-F5344CB8AC3E}">
-        <p14:creationId xmlns:p14="http://schemas.microsoft.com/office/powerpoint/2010/main" xmlns="" val="2818974999"/>
+        <p14:creationId xmlns="" xmlns:p14="http://schemas.microsoft.com/office/powerpoint/2010/main" val="2818974999"/>
       </p:ext>
     </p:extLst>
   </p:cSld>
   <p:clrMapOvr>
     <a:masterClrMapping/>
   </p:clrMapOvr>
+  <p:transition spd="slow">
+    <p:cover dir="d"/>
+  </p:transition>
 </p:sldLayout>
 </file>
 
@@ -4422,7 +4459,7 @@
             <a:fld id="{F1FEB44C-43DA-42AA-B9E9-395B842E5567}" type="datetimeFigureOut">
               <a:rPr lang="en-NZ" smtClean="0"/>
               <a:pPr/>
-              <a:t>14/09/2022</a:t>
+              <a:t>17/09/2022</a:t>
             </a:fld>
             <a:endParaRPr lang="en-NZ"/>
           </a:p>
@@ -4474,13 +4511,16 @@
     </p:spTree>
     <p:extLst>
       <p:ext uri="{BB962C8B-B14F-4D97-AF65-F5344CB8AC3E}">
-        <p14:creationId xmlns:p14="http://schemas.microsoft.com/office/powerpoint/2010/main" xmlns="" val="3602584676"/>
+        <p14:creationId xmlns="" xmlns:p14="http://schemas.microsoft.com/office/powerpoint/2010/main" val="3602584676"/>
       </p:ext>
     </p:extLst>
   </p:cSld>
   <p:clrMapOvr>
     <a:masterClrMapping/>
   </p:clrMapOvr>
+  <p:transition spd="slow">
+    <p:cover dir="d"/>
+  </p:transition>
 </p:sldLayout>
 </file>
 
@@ -4542,7 +4582,7 @@
             <a:fld id="{F1FEB44C-43DA-42AA-B9E9-395B842E5567}" type="datetimeFigureOut">
               <a:rPr lang="en-NZ" smtClean="0"/>
               <a:pPr/>
-              <a:t>14/09/2022</a:t>
+              <a:t>17/09/2022</a:t>
             </a:fld>
             <a:endParaRPr lang="en-NZ"/>
           </a:p>
@@ -4594,13 +4634,16 @@
     </p:spTree>
     <p:extLst>
       <p:ext uri="{BB962C8B-B14F-4D97-AF65-F5344CB8AC3E}">
-        <p14:creationId xmlns:p14="http://schemas.microsoft.com/office/powerpoint/2010/main" xmlns="" val="3525800094"/>
+        <p14:creationId xmlns="" xmlns:p14="http://schemas.microsoft.com/office/powerpoint/2010/main" val="3525800094"/>
       </p:ext>
     </p:extLst>
   </p:cSld>
   <p:clrMapOvr>
     <a:masterClrMapping/>
   </p:clrMapOvr>
+  <p:transition spd="slow">
+    <p:cover dir="d"/>
+  </p:transition>
 </p:sldLayout>
 </file>
 
@@ -4639,7 +4682,7 @@
             <a:fld id="{F1FEB44C-43DA-42AA-B9E9-395B842E5567}" type="datetimeFigureOut">
               <a:rPr lang="en-NZ" smtClean="0"/>
               <a:pPr/>
-              <a:t>14/09/2022</a:t>
+              <a:t>17/09/2022</a:t>
             </a:fld>
             <a:endParaRPr lang="en-NZ"/>
           </a:p>
@@ -4691,13 +4734,16 @@
     </p:spTree>
     <p:extLst>
       <p:ext uri="{BB962C8B-B14F-4D97-AF65-F5344CB8AC3E}">
-        <p14:creationId xmlns:p14="http://schemas.microsoft.com/office/powerpoint/2010/main" xmlns="" val="900002222"/>
+        <p14:creationId xmlns="" xmlns:p14="http://schemas.microsoft.com/office/powerpoint/2010/main" val="900002222"/>
       </p:ext>
     </p:extLst>
   </p:cSld>
   <p:clrMapOvr>
     <a:masterClrMapping/>
   </p:clrMapOvr>
+  <p:transition spd="slow">
+    <p:cover dir="d"/>
+  </p:transition>
 </p:sldLayout>
 </file>
 
@@ -4890,7 +4936,7 @@
             <a:fld id="{F1FEB44C-43DA-42AA-B9E9-395B842E5567}" type="datetimeFigureOut">
               <a:rPr lang="en-NZ" smtClean="0"/>
               <a:pPr/>
-              <a:t>14/09/2022</a:t>
+              <a:t>17/09/2022</a:t>
             </a:fld>
             <a:endParaRPr lang="en-NZ"/>
           </a:p>
@@ -4942,13 +4988,16 @@
     </p:spTree>
     <p:extLst>
       <p:ext uri="{BB962C8B-B14F-4D97-AF65-F5344CB8AC3E}">
-        <p14:creationId xmlns:p14="http://schemas.microsoft.com/office/powerpoint/2010/main" xmlns="" val="1979681908"/>
+        <p14:creationId xmlns="" xmlns:p14="http://schemas.microsoft.com/office/powerpoint/2010/main" val="1979681908"/>
       </p:ext>
     </p:extLst>
   </p:cSld>
   <p:clrMapOvr>
     <a:masterClrMapping/>
   </p:clrMapOvr>
+  <p:transition spd="slow">
+    <p:cover dir="d"/>
+  </p:transition>
 </p:sldLayout>
 </file>
 
@@ -5149,7 +5198,7 @@
             <a:fld id="{F1FEB44C-43DA-42AA-B9E9-395B842E5567}" type="datetimeFigureOut">
               <a:rPr lang="en-NZ" smtClean="0"/>
               <a:pPr/>
-              <a:t>14/09/2022</a:t>
+              <a:t>17/09/2022</a:t>
             </a:fld>
             <a:endParaRPr lang="en-NZ"/>
           </a:p>
@@ -5201,13 +5250,16 @@
     </p:spTree>
     <p:extLst>
       <p:ext uri="{BB962C8B-B14F-4D97-AF65-F5344CB8AC3E}">
-        <p14:creationId xmlns:p14="http://schemas.microsoft.com/office/powerpoint/2010/main" xmlns="" val="3490336120"/>
+        <p14:creationId xmlns="" xmlns:p14="http://schemas.microsoft.com/office/powerpoint/2010/main" val="3490336120"/>
       </p:ext>
     </p:extLst>
   </p:cSld>
   <p:clrMapOvr>
     <a:masterClrMapping/>
   </p:clrMapOvr>
+  <p:transition spd="slow">
+    <p:cover dir="d"/>
+  </p:transition>
 </p:sldLayout>
 </file>
 
@@ -5245,7 +5297,7 @@
           <a:blip r:embed="rId19">
             <a:extLst>
               <a:ext uri="{28A0092B-C50C-407E-A947-70E740481C1C}">
-                <a14:useLocalDpi xmlns:a14="http://schemas.microsoft.com/office/drawing/2010/main" xmlns="" val="0"/>
+                <a14:useLocalDpi xmlns="" xmlns:a14="http://schemas.microsoft.com/office/drawing/2010/main" val="0"/>
               </a:ext>
             </a:extLst>
           </a:blip>
@@ -5394,7 +5446,7 @@
             <a:fld id="{F1FEB44C-43DA-42AA-B9E9-395B842E5567}" type="datetimeFigureOut">
               <a:rPr lang="en-NZ" smtClean="0"/>
               <a:pPr/>
-              <a:t>14/09/2022</a:t>
+              <a:t>17/09/2022</a:t>
             </a:fld>
             <a:endParaRPr lang="en-NZ"/>
           </a:p>
@@ -5482,7 +5534,7 @@
     </p:spTree>
     <p:extLst>
       <p:ext uri="{BB962C8B-B14F-4D97-AF65-F5344CB8AC3E}">
-        <p14:creationId xmlns:p14="http://schemas.microsoft.com/office/powerpoint/2010/main" xmlns="" val="475220722"/>
+        <p14:creationId xmlns="" xmlns:p14="http://schemas.microsoft.com/office/powerpoint/2010/main" val="475220722"/>
       </p:ext>
     </p:extLst>
   </p:cSld>
@@ -5506,6 +5558,9 @@
     <p:sldLayoutId id="2147483788" r:id="rId16"/>
     <p:sldLayoutId id="2147483789" r:id="rId17"/>
   </p:sldLayoutIdLst>
+  <p:transition spd="slow">
+    <p:cover dir="d"/>
+  </p:transition>
   <p:txStyles>
     <p:titleStyle>
       <a:lvl1pPr algn="r" defTabSz="914400" rtl="0" eaLnBrk="1" latinLnBrk="0" hangingPunct="1">
@@ -5808,18 +5863,74 @@
       </p:grpSpPr>
       <p:sp>
         <p:nvSpPr>
-          <p:cNvPr id="2" name="标题 1">
-            <a:extLst>
-              <a:ext uri="{FF2B5EF4-FFF2-40B4-BE49-F238E27FC236}">
-                <a16:creationId xmlns:a16="http://schemas.microsoft.com/office/drawing/2014/main" xmlns="" id="{9378BB5D-5C77-1E3D-912F-AA79F30B85B4}"/>
-              </a:ext>
-            </a:extLst>
-          </p:cNvPr>
-          <p:cNvSpPr>
-            <a:spLocks noGrp="1"/>
-          </p:cNvSpPr>
-          <p:nvPr>
-            <p:ph type="ctrTitle"/>
+          <p:cNvPr id="2" name="Title 1"/>
+          <p:cNvSpPr>
+            <a:spLocks noGrp="1"/>
+          </p:cNvSpPr>
+          <p:nvPr>
+            <p:ph type="title"/>
+          </p:nvPr>
+        </p:nvSpPr>
+        <p:spPr>
+          <a:xfrm>
+            <a:off x="419820" y="692038"/>
+            <a:ext cx="8610600" cy="2219419"/>
+          </a:xfrm>
+        </p:spPr>
+        <p:txBody>
+          <a:bodyPr>
+            <a:normAutofit fontScale="90000"/>
+          </a:bodyPr>
+          <a:lstStyle/>
+          <a:p>
+            <a:pPr algn="l"/>
+            <a:r>
+              <a:rPr lang="en-US" b="1" dirty="0" smtClean="0">
+                <a:solidFill>
+                  <a:srgbClr val="FFFF00"/>
+                </a:solidFill>
+              </a:rPr>
+              <a:t>MCSD51:                                    </a:t>
+            </a:r>
+            <a:r>
+              <a:rPr lang="en-US" b="1" dirty="0" smtClean="0">
+                <a:solidFill>
+                  <a:srgbClr val="FFFF00"/>
+                </a:solidFill>
+              </a:rPr>
+              <a:t>Certificate </a:t>
+            </a:r>
+            <a:r>
+              <a:rPr lang="en-US" b="1" dirty="0" smtClean="0">
+                <a:solidFill>
+                  <a:srgbClr val="FFFF00"/>
+                </a:solidFill>
+              </a:rPr>
+              <a:t>in Introductory Software Development Level 5</a:t>
+            </a:r>
+            <a:br>
+              <a:rPr lang="en-US" b="1" dirty="0" smtClean="0">
+                <a:solidFill>
+                  <a:srgbClr val="FFFF00"/>
+                </a:solidFill>
+              </a:rPr>
+            </a:br>
+            <a:endParaRPr lang="en-US" dirty="0">
+              <a:solidFill>
+                <a:srgbClr val="FFFF00"/>
+              </a:solidFill>
+            </a:endParaRPr>
+          </a:p>
+        </p:txBody>
+      </p:sp>
+      <p:sp>
+        <p:nvSpPr>
+          <p:cNvPr id="3" name="Content Placeholder 2"/>
+          <p:cNvSpPr>
+            <a:spLocks noGrp="1"/>
+          </p:cNvSpPr>
+          <p:nvPr>
+            <p:ph idx="1"/>
           </p:nvPr>
         </p:nvSpPr>
         <p:spPr/>
@@ -5827,101 +5938,47 @@
           <a:bodyPr/>
           <a:lstStyle/>
           <a:p>
-            <a:r>
-              <a:rPr lang="en-NZ" b="1" dirty="0">
-                <a:latin typeface="Times New Roman" panose="02020603050405020304" pitchFamily="18" charset="0"/>
-                <a:cs typeface="Times New Roman" panose="02020603050405020304" pitchFamily="18" charset="0"/>
-              </a:rPr>
-              <a:t>Password Generator</a:t>
-            </a:r>
-          </a:p>
-        </p:txBody>
-      </p:sp>
-      <p:sp>
-        <p:nvSpPr>
-          <p:cNvPr id="3" name="副标题 2">
-            <a:extLst>
-              <a:ext uri="{FF2B5EF4-FFF2-40B4-BE49-F238E27FC236}">
-                <a16:creationId xmlns:a16="http://schemas.microsoft.com/office/drawing/2014/main" xmlns="" id="{BE25738F-A275-37A7-AD92-00E90E767875}"/>
-              </a:ext>
-            </a:extLst>
-          </p:cNvPr>
-          <p:cNvSpPr>
-            <a:spLocks noGrp="1"/>
-          </p:cNvSpPr>
-          <p:nvPr>
-            <p:ph type="subTitle" idx="1"/>
-          </p:nvPr>
-        </p:nvSpPr>
-        <p:spPr/>
-        <p:txBody>
-          <a:bodyPr>
-            <a:noAutofit/>
-          </a:bodyPr>
-          <a:lstStyle/>
-          <a:p>
-            <a:endParaRPr lang="en-NZ" sz="3200" dirty="0">
-              <a:latin typeface="Times New Roman" panose="02020603050405020304" pitchFamily="18" charset="0"/>
-              <a:cs typeface="Times New Roman" panose="02020603050405020304" pitchFamily="18" charset="0"/>
-            </a:endParaRPr>
-          </a:p>
-          <a:p>
-            <a:r>
-              <a:rPr lang="en-NZ" sz="3200" dirty="0">
-                <a:latin typeface="Times New Roman" panose="02020603050405020304" pitchFamily="18" charset="0"/>
-                <a:cs typeface="Times New Roman" panose="02020603050405020304" pitchFamily="18" charset="0"/>
-              </a:rPr>
-              <a:t>Maribeth </a:t>
-            </a:r>
-            <a:r>
-              <a:rPr lang="en-NZ" sz="3200" dirty="0" err="1">
-                <a:latin typeface="Times New Roman" panose="02020603050405020304" pitchFamily="18" charset="0"/>
-                <a:cs typeface="Times New Roman" panose="02020603050405020304" pitchFamily="18" charset="0"/>
-              </a:rPr>
-              <a:t>Estimos</a:t>
-            </a:r>
-            <a:endParaRPr lang="en-NZ" sz="3200" dirty="0">
-              <a:latin typeface="Times New Roman" panose="02020603050405020304" pitchFamily="18" charset="0"/>
-              <a:cs typeface="Times New Roman" panose="02020603050405020304" pitchFamily="18" charset="0"/>
-            </a:endParaRPr>
-          </a:p>
-          <a:p>
-            <a:r>
-              <a:rPr lang="en-NZ" sz="3200" dirty="0">
-                <a:latin typeface="Times New Roman" panose="02020603050405020304" pitchFamily="18" charset="0"/>
-                <a:cs typeface="Times New Roman" panose="02020603050405020304" pitchFamily="18" charset="0"/>
-              </a:rPr>
-              <a:t>Xian (Richard) Zhang</a:t>
-            </a:r>
-          </a:p>
-          <a:p>
-            <a:r>
-              <a:rPr lang="en-NZ" sz="3200" dirty="0" err="1">
-                <a:latin typeface="Times New Roman" panose="02020603050405020304" pitchFamily="18" charset="0"/>
-                <a:cs typeface="Times New Roman" panose="02020603050405020304" pitchFamily="18" charset="0"/>
-              </a:rPr>
-              <a:t>Zhengwen</a:t>
-            </a:r>
-            <a:r>
-              <a:rPr lang="en-NZ" sz="3200" dirty="0">
-                <a:latin typeface="Times New Roman" panose="02020603050405020304" pitchFamily="18" charset="0"/>
-                <a:cs typeface="Times New Roman" panose="02020603050405020304" pitchFamily="18" charset="0"/>
-              </a:rPr>
-              <a:t> (Steven) Lei</a:t>
-            </a:r>
+            <a:pPr algn="ctr">
+              <a:buNone/>
+            </a:pPr>
+            <a:endParaRPr lang="en-SG" sz="4800" b="1" dirty="0" smtClean="0"/>
+          </a:p>
+          <a:p>
+            <a:pPr algn="ctr">
+              <a:buNone/>
+            </a:pPr>
+            <a:r>
+              <a:rPr lang="en-SG" sz="4800" b="1" dirty="0" smtClean="0"/>
+              <a:t>Part 2:</a:t>
+            </a:r>
+          </a:p>
+          <a:p>
+            <a:pPr algn="ctr">
+              <a:buNone/>
+            </a:pPr>
+            <a:r>
+              <a:rPr lang="en-SG" sz="4800" b="1" dirty="0" smtClean="0"/>
+              <a:t>Product Implementation</a:t>
+            </a:r>
+            <a:endParaRPr lang="en-US" sz="4800" b="1" dirty="0"/>
           </a:p>
         </p:txBody>
       </p:sp>
     </p:spTree>
-    <p:extLst>
-      <p:ext uri="{BB962C8B-B14F-4D97-AF65-F5344CB8AC3E}">
-        <p14:creationId xmlns:p14="http://schemas.microsoft.com/office/powerpoint/2010/main" xmlns="" val="467902368"/>
-      </p:ext>
-    </p:extLst>
   </p:cSld>
   <p:clrMapOvr>
     <a:masterClrMapping/>
   </p:clrMapOvr>
+  <p:transition spd="slow">
+    <p:cover dir="d"/>
+  </p:transition>
+  <p:timing>
+    <p:tnLst>
+      <p:par>
+        <p:cTn id="1" dur="indefinite" restart="never" nodeType="tmRoot"/>
+      </p:par>
+    </p:tnLst>
+  </p:timing>
 </p:sld>
 </file>
 
@@ -5947,7 +6004,7 @@
           <p:cNvPr id="2" name="标题 1">
             <a:extLst>
               <a:ext uri="{FF2B5EF4-FFF2-40B4-BE49-F238E27FC236}">
-                <a16:creationId xmlns:a16="http://schemas.microsoft.com/office/drawing/2014/main" xmlns="" id="{594441FE-9332-F0E4-7AE1-3123F39EBF02}"/>
+                <a16:creationId xmlns="" xmlns:a16="http://schemas.microsoft.com/office/drawing/2014/main" id="{03477B6E-72BF-255C-BEB8-DAC7203DD43E}"/>
               </a:ext>
             </a:extLst>
           </p:cNvPr>
@@ -5958,14 +6015,20 @@
             <p:ph type="title"/>
           </p:nvPr>
         </p:nvSpPr>
-        <p:spPr/>
+        <p:spPr>
+          <a:xfrm>
+            <a:off x="575094" y="876517"/>
+            <a:ext cx="8610600" cy="1293028"/>
+          </a:xfrm>
+        </p:spPr>
         <p:txBody>
           <a:bodyPr/>
           <a:lstStyle/>
           <a:p>
-            <a:r>
-              <a:rPr lang="en-NZ" dirty="0"/>
-              <a:t>methodology</a:t>
+            <a:pPr algn="l"/>
+            <a:r>
+              <a:rPr lang="en-NZ" b="1" dirty="0"/>
+              <a:t>Technologies Used</a:t>
             </a:r>
           </a:p>
         </p:txBody>
@@ -5975,7 +6038,7 @@
           <p:cNvPr id="3" name="内容占位符 2">
             <a:extLst>
               <a:ext uri="{FF2B5EF4-FFF2-40B4-BE49-F238E27FC236}">
-                <a16:creationId xmlns:a16="http://schemas.microsoft.com/office/drawing/2014/main" xmlns="" id="{C1BFAA36-BAFA-2A56-98AB-CC6300CECA0C}"/>
+                <a16:creationId xmlns="" xmlns:a16="http://schemas.microsoft.com/office/drawing/2014/main" id="{B5BDCBB6-C660-4E0C-04B9-8784DABF995E}"/>
               </a:ext>
             </a:extLst>
           </p:cNvPr>
@@ -5986,304 +6049,85 @@
             <p:ph idx="1"/>
           </p:nvPr>
         </p:nvSpPr>
-        <p:spPr>
-          <a:xfrm>
-            <a:off x="704851" y="2232542"/>
-            <a:ext cx="5410200" cy="3082290"/>
-          </a:xfrm>
-        </p:spPr>
-        <p:txBody>
-          <a:bodyPr>
-            <a:normAutofit/>
-          </a:bodyPr>
+        <p:spPr/>
+        <p:txBody>
+          <a:bodyPr/>
           <a:lstStyle/>
           <a:p>
-            <a:r>
-              <a:rPr lang="en-NZ" sz="2800" dirty="0">
-                <a:effectLst/>
-                <a:latin typeface="Times New Roman" panose="02020603050405020304" pitchFamily="18" charset="0"/>
-                <a:cs typeface="Times New Roman" panose="02020603050405020304" pitchFamily="18" charset="0"/>
-              </a:rPr>
-              <a:t>4 reasons for  using waterfall methodology </a:t>
-            </a:r>
-          </a:p>
-          <a:p>
-            <a:pPr lvl="1"/>
-            <a:r>
-              <a:rPr lang="en-NZ" sz="2800" dirty="0">
-                <a:effectLst/>
-                <a:latin typeface="Times New Roman" panose="02020603050405020304" pitchFamily="18" charset="0"/>
-                <a:cs typeface="Times New Roman" panose="02020603050405020304" pitchFamily="18" charset="0"/>
-              </a:rPr>
-              <a:t>The requirements are clear. </a:t>
-            </a:r>
-          </a:p>
-          <a:p>
-            <a:pPr lvl="1"/>
-            <a:r>
-              <a:rPr lang="en-US" altLang="zh-CN" sz="2800" dirty="0">
-                <a:effectLst/>
-                <a:latin typeface="Times New Roman" panose="02020603050405020304" pitchFamily="18" charset="0"/>
-                <a:cs typeface="Times New Roman" panose="02020603050405020304" pitchFamily="18" charset="0"/>
-              </a:rPr>
-              <a:t>Relatively </a:t>
-            </a:r>
-            <a:r>
-              <a:rPr lang="en-NZ" sz="2800" dirty="0">
-                <a:effectLst/>
-                <a:latin typeface="Times New Roman" panose="02020603050405020304" pitchFamily="18" charset="0"/>
-                <a:cs typeface="Times New Roman" panose="02020603050405020304" pitchFamily="18" charset="0"/>
-              </a:rPr>
-              <a:t>simple system. </a:t>
-            </a:r>
-          </a:p>
-          <a:p>
-            <a:pPr lvl="1"/>
-            <a:r>
-              <a:rPr lang="en-NZ" sz="2800" dirty="0">
-                <a:effectLst/>
-                <a:latin typeface="Times New Roman" panose="02020603050405020304" pitchFamily="18" charset="0"/>
-                <a:cs typeface="Times New Roman" panose="02020603050405020304" pitchFamily="18" charset="0"/>
-              </a:rPr>
-              <a:t>Only used in certain circumstances </a:t>
-            </a:r>
-          </a:p>
-          <a:p>
-            <a:pPr lvl="1"/>
-            <a:r>
-              <a:rPr lang="en-US" altLang="zh-CN" sz="2800" dirty="0">
-                <a:effectLst/>
-                <a:latin typeface="Times New Roman" panose="02020603050405020304" pitchFamily="18" charset="0"/>
-                <a:cs typeface="Times New Roman" panose="02020603050405020304" pitchFamily="18" charset="0"/>
-              </a:rPr>
-              <a:t>U</a:t>
-            </a:r>
-            <a:r>
-              <a:rPr lang="en-NZ" sz="2800" dirty="0" err="1">
-                <a:effectLst/>
-                <a:latin typeface="Times New Roman" panose="02020603050405020304" pitchFamily="18" charset="0"/>
-                <a:cs typeface="Times New Roman" panose="02020603050405020304" pitchFamily="18" charset="0"/>
-              </a:rPr>
-              <a:t>nlikely</a:t>
-            </a:r>
-            <a:r>
-              <a:rPr lang="en-NZ" sz="2800" dirty="0">
-                <a:effectLst/>
-                <a:latin typeface="Times New Roman" panose="02020603050405020304" pitchFamily="18" charset="0"/>
-                <a:cs typeface="Times New Roman" panose="02020603050405020304" pitchFamily="18" charset="0"/>
-              </a:rPr>
-              <a:t> to be changed.</a:t>
-            </a:r>
-            <a:endParaRPr lang="en-NZ" sz="2800" dirty="0">
-              <a:latin typeface="Times New Roman" panose="02020603050405020304" pitchFamily="18" charset="0"/>
-              <a:cs typeface="Times New Roman" panose="02020603050405020304" pitchFamily="18" charset="0"/>
-            </a:endParaRPr>
-          </a:p>
-        </p:txBody>
-      </p:sp>
-      <p:sp>
-        <p:nvSpPr>
-          <p:cNvPr id="5" name="文本框 4">
-            <a:extLst>
-              <a:ext uri="{FF2B5EF4-FFF2-40B4-BE49-F238E27FC236}">
-                <a16:creationId xmlns:a16="http://schemas.microsoft.com/office/drawing/2014/main" xmlns="" id="{D233536E-5C4E-5A22-114B-E507F99608AF}"/>
-              </a:ext>
-            </a:extLst>
-          </p:cNvPr>
-          <p:cNvSpPr txBox="1"/>
-          <p:nvPr/>
-        </p:nvSpPr>
-        <p:spPr>
-          <a:xfrm>
-            <a:off x="6661150" y="2232542"/>
-            <a:ext cx="5099050" cy="2585323"/>
-          </a:xfrm>
-          <a:prstGeom prst="rect">
-            <a:avLst/>
-          </a:prstGeom>
-          <a:noFill/>
-        </p:spPr>
-        <p:txBody>
-          <a:bodyPr wrap="square" rtlCol="0">
-            <a:spAutoFit/>
-          </a:bodyPr>
-          <a:lstStyle/>
-          <a:p>
-            <a:pPr marL="0" algn="l" rtl="0" eaLnBrk="1" fontAlgn="b" latinLnBrk="0" hangingPunct="1">
-              <a:spcBef>
-                <a:spcPts val="0"/>
-              </a:spcBef>
-              <a:spcAft>
-                <a:spcPts val="0"/>
-              </a:spcAft>
+            <a:pPr>
+              <a:buNone/>
             </a:pPr>
             <a:r>
-              <a:rPr lang="en-NZ" sz="1800" b="0" i="0" u="none" strike="noStrike" kern="1200" dirty="0">
-                <a:solidFill>
-                  <a:schemeClr val="tx2">
-                    <a:lumMod val="90000"/>
-                  </a:schemeClr>
-                </a:solidFill>
-                <a:effectLst/>
-                <a:latin typeface="Times New Roman" panose="02020603050405020304" pitchFamily="18" charset="0"/>
-                <a:cs typeface="Times New Roman" panose="02020603050405020304" pitchFamily="18" charset="0"/>
-              </a:rPr>
-              <a:t>1.    Allow input of various input parameters on password such as Password Length, Include Special Characters, Numbers, Lower/Upper case Characters</a:t>
-            </a:r>
-          </a:p>
-          <a:p>
-            <a:pPr marL="0" algn="l" rtl="0" eaLnBrk="1" fontAlgn="b" latinLnBrk="0" hangingPunct="1">
-              <a:spcBef>
-                <a:spcPts val="0"/>
-              </a:spcBef>
-              <a:spcAft>
-                <a:spcPts val="0"/>
-              </a:spcAft>
+              <a:rPr lang="en-NZ" sz="3200" dirty="0"/>
+              <a:t>Web-based software</a:t>
+            </a:r>
+          </a:p>
+          <a:p>
+            <a:pPr lvl="1">
+              <a:lnSpc>
+                <a:spcPct val="150000"/>
+              </a:lnSpc>
             </a:pPr>
             <a:r>
-              <a:rPr lang="en-NZ" sz="1800" b="0" i="0" u="none" strike="noStrike" kern="1200" dirty="0">
-                <a:solidFill>
-                  <a:schemeClr val="tx2">
-                    <a:lumMod val="90000"/>
-                  </a:schemeClr>
-                </a:solidFill>
-                <a:effectLst/>
-                <a:latin typeface="Times New Roman" panose="02020603050405020304" pitchFamily="18" charset="0"/>
-                <a:cs typeface="Times New Roman" panose="02020603050405020304" pitchFamily="18" charset="0"/>
-              </a:rPr>
-              <a:t>2.    Save the settings for future use</a:t>
-            </a:r>
-            <a:endParaRPr lang="en-NZ" sz="1800" b="0" i="0" u="none" strike="noStrike" dirty="0">
-              <a:solidFill>
-                <a:schemeClr val="tx2">
-                  <a:lumMod val="90000"/>
-                </a:schemeClr>
-              </a:solidFill>
-              <a:effectLst/>
-              <a:latin typeface="Times New Roman" panose="02020603050405020304" pitchFamily="18" charset="0"/>
-              <a:cs typeface="Times New Roman" panose="02020603050405020304" pitchFamily="18" charset="0"/>
-            </a:endParaRPr>
-          </a:p>
-          <a:p>
-            <a:pPr marL="0" algn="l" rtl="0" eaLnBrk="1" fontAlgn="b" latinLnBrk="0" hangingPunct="1">
-              <a:spcBef>
-                <a:spcPts val="0"/>
-              </a:spcBef>
-              <a:spcAft>
-                <a:spcPts val="0"/>
-              </a:spcAft>
+              <a:rPr lang="en-NZ" dirty="0"/>
+              <a:t>Tools: Apache, Nodejs</a:t>
+            </a:r>
+          </a:p>
+          <a:p>
+            <a:pPr lvl="1">
+              <a:lnSpc>
+                <a:spcPct val="150000"/>
+              </a:lnSpc>
             </a:pPr>
             <a:r>
-              <a:rPr lang="en-NZ" sz="1800" b="0" i="0" u="none" strike="noStrike" kern="1200" dirty="0">
-                <a:solidFill>
-                  <a:schemeClr val="tx2">
-                    <a:lumMod val="90000"/>
-                  </a:schemeClr>
-                </a:solidFill>
-                <a:effectLst/>
-                <a:latin typeface="Times New Roman" panose="02020603050405020304" pitchFamily="18" charset="0"/>
-                <a:cs typeface="Times New Roman" panose="02020603050405020304" pitchFamily="18" charset="0"/>
-              </a:rPr>
-              <a:t>3.    Generate a random password based on the above parameters</a:t>
-            </a:r>
-            <a:endParaRPr lang="en-NZ" sz="1800" b="0" i="0" u="none" strike="noStrike" dirty="0">
-              <a:solidFill>
-                <a:schemeClr val="tx2">
-                  <a:lumMod val="90000"/>
-                </a:schemeClr>
-              </a:solidFill>
-              <a:effectLst/>
-              <a:latin typeface="Times New Roman" panose="02020603050405020304" pitchFamily="18" charset="0"/>
-              <a:cs typeface="Times New Roman" panose="02020603050405020304" pitchFamily="18" charset="0"/>
-            </a:endParaRPr>
-          </a:p>
-          <a:p>
-            <a:pPr marL="0" algn="l" rtl="0" eaLnBrk="1" fontAlgn="b" latinLnBrk="0" hangingPunct="1">
-              <a:spcBef>
-                <a:spcPts val="0"/>
-              </a:spcBef>
-              <a:spcAft>
-                <a:spcPts val="0"/>
-              </a:spcAft>
+              <a:rPr lang="en-NZ" dirty="0"/>
+              <a:t>Modules: express, </a:t>
+            </a:r>
+            <a:r>
+              <a:rPr lang="en-NZ" dirty="0" err="1"/>
+              <a:t>ejs</a:t>
+            </a:r>
+            <a:r>
+              <a:rPr lang="en-NZ" dirty="0"/>
+              <a:t>, cookie-parser</a:t>
+            </a:r>
+          </a:p>
+          <a:p>
+            <a:pPr lvl="1">
+              <a:lnSpc>
+                <a:spcPct val="150000"/>
+              </a:lnSpc>
             </a:pPr>
             <a:r>
-              <a:rPr lang="en-NZ" sz="1800" b="0" i="0" u="none" strike="noStrike" kern="1200" dirty="0">
-                <a:solidFill>
-                  <a:schemeClr val="tx2">
-                    <a:lumMod val="90000"/>
-                  </a:schemeClr>
-                </a:solidFill>
-                <a:effectLst/>
-                <a:latin typeface="Times New Roman" panose="02020603050405020304" pitchFamily="18" charset="0"/>
-                <a:cs typeface="Times New Roman" panose="02020603050405020304" pitchFamily="18" charset="0"/>
-              </a:rPr>
-              <a:t>4.    Copy function to copy the generated password to the buffer (like Control + C)</a:t>
-            </a:r>
-            <a:endParaRPr lang="en-NZ" sz="1800" b="0" i="0" u="none" strike="noStrike" dirty="0">
-              <a:solidFill>
-                <a:schemeClr val="tx2">
-                  <a:lumMod val="90000"/>
-                </a:schemeClr>
-              </a:solidFill>
-              <a:effectLst/>
-              <a:latin typeface="Times New Roman" panose="02020603050405020304" pitchFamily="18" charset="0"/>
-              <a:cs typeface="Times New Roman" panose="02020603050405020304" pitchFamily="18" charset="0"/>
-            </a:endParaRPr>
-          </a:p>
-          <a:p>
-            <a:endParaRPr lang="en-NZ" dirty="0">
-              <a:solidFill>
-                <a:schemeClr val="tx2">
-                  <a:lumMod val="90000"/>
-                </a:schemeClr>
-              </a:solidFill>
-              <a:latin typeface="Times New Roman" panose="02020603050405020304" pitchFamily="18" charset="0"/>
-              <a:cs typeface="Times New Roman" panose="02020603050405020304" pitchFamily="18" charset="0"/>
-            </a:endParaRPr>
-          </a:p>
-        </p:txBody>
-      </p:sp>
-      <p:sp>
-        <p:nvSpPr>
-          <p:cNvPr id="6" name="文本框 5">
-            <a:extLst>
-              <a:ext uri="{FF2B5EF4-FFF2-40B4-BE49-F238E27FC236}">
-                <a16:creationId xmlns:a16="http://schemas.microsoft.com/office/drawing/2014/main" xmlns="" id="{4432D91B-110E-9A16-F8F5-9DE69295486D}"/>
-              </a:ext>
-            </a:extLst>
-          </p:cNvPr>
-          <p:cNvSpPr txBox="1"/>
-          <p:nvPr/>
-        </p:nvSpPr>
-        <p:spPr>
-          <a:xfrm>
-            <a:off x="6572250" y="5638800"/>
-            <a:ext cx="4724400" cy="338554"/>
-          </a:xfrm>
-          <a:prstGeom prst="rect">
-            <a:avLst/>
-          </a:prstGeom>
-          <a:noFill/>
-        </p:spPr>
-        <p:txBody>
-          <a:bodyPr wrap="square" rtlCol="0">
-            <a:spAutoFit/>
-          </a:bodyPr>
-          <a:lstStyle/>
-          <a:p>
-            <a:r>
-              <a:rPr lang="en-NZ" sz="1600" dirty="0" err="1">
-                <a:latin typeface="Times New Roman" panose="02020603050405020304" pitchFamily="18" charset="0"/>
-                <a:cs typeface="Times New Roman" panose="02020603050405020304" pitchFamily="18" charset="0"/>
-              </a:rPr>
-              <a:t>Retrived</a:t>
-            </a:r>
-            <a:r>
-              <a:rPr lang="en-NZ" sz="1600" dirty="0">
-                <a:latin typeface="Times New Roman" panose="02020603050405020304" pitchFamily="18" charset="0"/>
-                <a:cs typeface="Times New Roman" panose="02020603050405020304" pitchFamily="18" charset="0"/>
-              </a:rPr>
-              <a:t> from: project list</a:t>
+              <a:rPr lang="en-NZ" dirty="0"/>
+              <a:t>Languages: </a:t>
+            </a:r>
+            <a:r>
+              <a:rPr lang="en-NZ" dirty="0" err="1"/>
+              <a:t>Javascript</a:t>
+            </a:r>
+            <a:r>
+              <a:rPr lang="en-NZ" dirty="0"/>
+              <a:t>, </a:t>
+            </a:r>
+            <a:r>
+              <a:rPr lang="en-NZ" dirty="0" err="1"/>
+              <a:t>Javascript</a:t>
+            </a:r>
+            <a:r>
+              <a:rPr lang="en-NZ" dirty="0"/>
+              <a:t>( embedded ), HTML, CSS</a:t>
+            </a:r>
+          </a:p>
+          <a:p>
+            <a:pPr lvl="1">
+              <a:lnSpc>
+                <a:spcPct val="150000"/>
+              </a:lnSpc>
+            </a:pPr>
+            <a:r>
+              <a:rPr lang="en-NZ" dirty="0"/>
+              <a:t>Request method: POST / GET</a:t>
             </a:r>
           </a:p>
         </p:txBody>
@@ -6291,13 +6135,282 @@
     </p:spTree>
     <p:extLst>
       <p:ext uri="{BB962C8B-B14F-4D97-AF65-F5344CB8AC3E}">
-        <p14:creationId xmlns:p14="http://schemas.microsoft.com/office/powerpoint/2010/main" xmlns="" val="2361374323"/>
+        <p14:creationId xmlns="" xmlns:p14="http://schemas.microsoft.com/office/powerpoint/2010/main" val="1522651155"/>
       </p:ext>
     </p:extLst>
   </p:cSld>
   <p:clrMapOvr>
     <a:masterClrMapping/>
   </p:clrMapOvr>
+  <p:transition spd="slow">
+    <p:cover dir="d"/>
+  </p:transition>
+  <p:timing>
+    <p:tnLst>
+      <p:par>
+        <p:cTn id="1" dur="indefinite" restart="never" nodeType="tmRoot">
+          <p:childTnLst>
+            <p:seq concurrent="1" nextAc="seek">
+              <p:cTn id="2" dur="indefinite" nodeType="mainSeq">
+                <p:childTnLst>
+                  <p:par>
+                    <p:cTn id="3" fill="hold">
+                      <p:stCondLst>
+                        <p:cond delay="indefinite"/>
+                      </p:stCondLst>
+                      <p:childTnLst>
+                        <p:par>
+                          <p:cTn id="4" fill="hold">
+                            <p:stCondLst>
+                              <p:cond delay="0"/>
+                            </p:stCondLst>
+                            <p:childTnLst>
+                              <p:par>
+                                <p:cTn id="5" presetID="10" presetClass="entr" presetSubtype="0" fill="hold" grpId="0" nodeType="clickEffect">
+                                  <p:stCondLst>
+                                    <p:cond delay="0"/>
+                                  </p:stCondLst>
+                                  <p:childTnLst>
+                                    <p:set>
+                                      <p:cBhvr>
+                                        <p:cTn id="6" dur="1" fill="hold">
+                                          <p:stCondLst>
+                                            <p:cond delay="0"/>
+                                          </p:stCondLst>
+                                        </p:cTn>
+                                        <p:tgtEl>
+                                          <p:spTgt spid="3">
+                                            <p:txEl>
+                                              <p:pRg st="0" end="0"/>
+                                            </p:txEl>
+                                          </p:spTgt>
+                                        </p:tgtEl>
+                                        <p:attrNameLst>
+                                          <p:attrName>style.visibility</p:attrName>
+                                        </p:attrNameLst>
+                                      </p:cBhvr>
+                                      <p:to>
+                                        <p:strVal val="visible"/>
+                                      </p:to>
+                                    </p:set>
+                                    <p:animEffect transition="in" filter="fade">
+                                      <p:cBhvr>
+                                        <p:cTn id="7" dur="2000"/>
+                                        <p:tgtEl>
+                                          <p:spTgt spid="3">
+                                            <p:txEl>
+                                              <p:pRg st="0" end="0"/>
+                                            </p:txEl>
+                                          </p:spTgt>
+                                        </p:tgtEl>
+                                      </p:cBhvr>
+                                    </p:animEffect>
+                                  </p:childTnLst>
+                                </p:cTn>
+                              </p:par>
+                              <p:par>
+                                <p:cTn id="8" presetID="10" presetClass="entr" presetSubtype="0" fill="hold" grpId="0" nodeType="withEffect">
+                                  <p:stCondLst>
+                                    <p:cond delay="0"/>
+                                  </p:stCondLst>
+                                  <p:childTnLst>
+                                    <p:set>
+                                      <p:cBhvr>
+                                        <p:cTn id="9" dur="1" fill="hold">
+                                          <p:stCondLst>
+                                            <p:cond delay="0"/>
+                                          </p:stCondLst>
+                                        </p:cTn>
+                                        <p:tgtEl>
+                                          <p:spTgt spid="3">
+                                            <p:txEl>
+                                              <p:pRg st="1" end="1"/>
+                                            </p:txEl>
+                                          </p:spTgt>
+                                        </p:tgtEl>
+                                        <p:attrNameLst>
+                                          <p:attrName>style.visibility</p:attrName>
+                                        </p:attrNameLst>
+                                      </p:cBhvr>
+                                      <p:to>
+                                        <p:strVal val="visible"/>
+                                      </p:to>
+                                    </p:set>
+                                    <p:animEffect transition="in" filter="fade">
+                                      <p:cBhvr>
+                                        <p:cTn id="10" dur="2000"/>
+                                        <p:tgtEl>
+                                          <p:spTgt spid="3">
+                                            <p:txEl>
+                                              <p:pRg st="1" end="1"/>
+                                            </p:txEl>
+                                          </p:spTgt>
+                                        </p:tgtEl>
+                                      </p:cBhvr>
+                                    </p:animEffect>
+                                  </p:childTnLst>
+                                </p:cTn>
+                              </p:par>
+                              <p:par>
+                                <p:cTn id="11" presetID="10" presetClass="entr" presetSubtype="0" fill="hold" grpId="0" nodeType="withEffect">
+                                  <p:stCondLst>
+                                    <p:cond delay="0"/>
+                                  </p:stCondLst>
+                                  <p:childTnLst>
+                                    <p:set>
+                                      <p:cBhvr>
+                                        <p:cTn id="12" dur="1" fill="hold">
+                                          <p:stCondLst>
+                                            <p:cond delay="0"/>
+                                          </p:stCondLst>
+                                        </p:cTn>
+                                        <p:tgtEl>
+                                          <p:spTgt spid="3">
+                                            <p:txEl>
+                                              <p:pRg st="2" end="2"/>
+                                            </p:txEl>
+                                          </p:spTgt>
+                                        </p:tgtEl>
+                                        <p:attrNameLst>
+                                          <p:attrName>style.visibility</p:attrName>
+                                        </p:attrNameLst>
+                                      </p:cBhvr>
+                                      <p:to>
+                                        <p:strVal val="visible"/>
+                                      </p:to>
+                                    </p:set>
+                                    <p:animEffect transition="in" filter="fade">
+                                      <p:cBhvr>
+                                        <p:cTn id="13" dur="2000"/>
+                                        <p:tgtEl>
+                                          <p:spTgt spid="3">
+                                            <p:txEl>
+                                              <p:pRg st="2" end="2"/>
+                                            </p:txEl>
+                                          </p:spTgt>
+                                        </p:tgtEl>
+                                      </p:cBhvr>
+                                    </p:animEffect>
+                                  </p:childTnLst>
+                                </p:cTn>
+                              </p:par>
+                              <p:par>
+                                <p:cTn id="14" presetID="10" presetClass="entr" presetSubtype="0" fill="hold" grpId="0" nodeType="withEffect">
+                                  <p:stCondLst>
+                                    <p:cond delay="0"/>
+                                  </p:stCondLst>
+                                  <p:childTnLst>
+                                    <p:set>
+                                      <p:cBhvr>
+                                        <p:cTn id="15" dur="1" fill="hold">
+                                          <p:stCondLst>
+                                            <p:cond delay="0"/>
+                                          </p:stCondLst>
+                                        </p:cTn>
+                                        <p:tgtEl>
+                                          <p:spTgt spid="3">
+                                            <p:txEl>
+                                              <p:pRg st="3" end="3"/>
+                                            </p:txEl>
+                                          </p:spTgt>
+                                        </p:tgtEl>
+                                        <p:attrNameLst>
+                                          <p:attrName>style.visibility</p:attrName>
+                                        </p:attrNameLst>
+                                      </p:cBhvr>
+                                      <p:to>
+                                        <p:strVal val="visible"/>
+                                      </p:to>
+                                    </p:set>
+                                    <p:animEffect transition="in" filter="fade">
+                                      <p:cBhvr>
+                                        <p:cTn id="16" dur="2000"/>
+                                        <p:tgtEl>
+                                          <p:spTgt spid="3">
+                                            <p:txEl>
+                                              <p:pRg st="3" end="3"/>
+                                            </p:txEl>
+                                          </p:spTgt>
+                                        </p:tgtEl>
+                                      </p:cBhvr>
+                                    </p:animEffect>
+                                  </p:childTnLst>
+                                </p:cTn>
+                              </p:par>
+                              <p:par>
+                                <p:cTn id="17" presetID="10" presetClass="entr" presetSubtype="0" fill="hold" grpId="0" nodeType="withEffect">
+                                  <p:stCondLst>
+                                    <p:cond delay="0"/>
+                                  </p:stCondLst>
+                                  <p:childTnLst>
+                                    <p:set>
+                                      <p:cBhvr>
+                                        <p:cTn id="18" dur="1" fill="hold">
+                                          <p:stCondLst>
+                                            <p:cond delay="0"/>
+                                          </p:stCondLst>
+                                        </p:cTn>
+                                        <p:tgtEl>
+                                          <p:spTgt spid="3">
+                                            <p:txEl>
+                                              <p:pRg st="4" end="4"/>
+                                            </p:txEl>
+                                          </p:spTgt>
+                                        </p:tgtEl>
+                                        <p:attrNameLst>
+                                          <p:attrName>style.visibility</p:attrName>
+                                        </p:attrNameLst>
+                                      </p:cBhvr>
+                                      <p:to>
+                                        <p:strVal val="visible"/>
+                                      </p:to>
+                                    </p:set>
+                                    <p:animEffect transition="in" filter="fade">
+                                      <p:cBhvr>
+                                        <p:cTn id="19" dur="2000"/>
+                                        <p:tgtEl>
+                                          <p:spTgt spid="3">
+                                            <p:txEl>
+                                              <p:pRg st="4" end="4"/>
+                                            </p:txEl>
+                                          </p:spTgt>
+                                        </p:tgtEl>
+                                      </p:cBhvr>
+                                    </p:animEffect>
+                                  </p:childTnLst>
+                                </p:cTn>
+                              </p:par>
+                            </p:childTnLst>
+                          </p:cTn>
+                        </p:par>
+                      </p:childTnLst>
+                    </p:cTn>
+                  </p:par>
+                </p:childTnLst>
+              </p:cTn>
+              <p:prevCondLst>
+                <p:cond evt="onPrev" delay="0">
+                  <p:tgtEl>
+                    <p:sldTgt/>
+                  </p:tgtEl>
+                </p:cond>
+              </p:prevCondLst>
+              <p:nextCondLst>
+                <p:cond evt="onNext" delay="0">
+                  <p:tgtEl>
+                    <p:sldTgt/>
+                  </p:tgtEl>
+                </p:cond>
+              </p:nextCondLst>
+            </p:seq>
+          </p:childTnLst>
+        </p:cTn>
+      </p:par>
+    </p:tnLst>
+    <p:bldLst>
+      <p:bldP spid="3" grpId="0" uiExpand="1" build="p"/>
+    </p:bldLst>
+  </p:timing>
 </p:sld>
 </file>
 
@@ -6323,7 +6436,7 @@
           <p:cNvPr id="2" name="标题 1">
             <a:extLst>
               <a:ext uri="{FF2B5EF4-FFF2-40B4-BE49-F238E27FC236}">
-                <a16:creationId xmlns:a16="http://schemas.microsoft.com/office/drawing/2014/main" xmlns="" id="{B26EBC45-122C-5FE6-01A0-0B6F24E25785}"/>
+                <a16:creationId xmlns="" xmlns:a16="http://schemas.microsoft.com/office/drawing/2014/main" id="{594441FE-9332-F0E4-7AE1-3123F39EBF02}"/>
               </a:ext>
             </a:extLst>
           </p:cNvPr>
@@ -6334,63 +6447,425 @@
             <p:ph type="title"/>
           </p:nvPr>
         </p:nvSpPr>
-        <p:spPr/>
+        <p:spPr>
+          <a:xfrm>
+            <a:off x="299049" y="548714"/>
+            <a:ext cx="8610600" cy="1293028"/>
+          </a:xfrm>
+        </p:spPr>
         <p:txBody>
           <a:bodyPr/>
           <a:lstStyle/>
           <a:p>
-            <a:r>
-              <a:rPr lang="en-NZ" dirty="0"/>
-              <a:t>TEAM WORK</a:t>
-            </a:r>
-          </a:p>
-        </p:txBody>
-      </p:sp>
-      <p:pic>
-        <p:nvPicPr>
-          <p:cNvPr id="5" name="内容占位符 4">
+            <a:pPr algn="l"/>
+            <a:r>
+              <a:rPr lang="en-NZ" b="1" dirty="0"/>
+              <a:t>methodology</a:t>
+            </a:r>
+          </a:p>
+        </p:txBody>
+      </p:sp>
+      <p:sp>
+        <p:nvSpPr>
+          <p:cNvPr id="3" name="内容占位符 2">
             <a:extLst>
               <a:ext uri="{FF2B5EF4-FFF2-40B4-BE49-F238E27FC236}">
-                <a16:creationId xmlns:a16="http://schemas.microsoft.com/office/drawing/2014/main" xmlns="" id="{B34579D3-B1D0-FFDD-242D-00F815568178}"/>
+                <a16:creationId xmlns="" xmlns:a16="http://schemas.microsoft.com/office/drawing/2014/main" id="{C1BFAA36-BAFA-2A56-98AB-CC6300CECA0C}"/>
               </a:ext>
             </a:extLst>
           </p:cNvPr>
-          <p:cNvPicPr>
-            <a:picLocks noGrp="1" noChangeAspect="1"/>
-          </p:cNvPicPr>
+          <p:cNvSpPr>
+            <a:spLocks noGrp="1"/>
+          </p:cNvSpPr>
           <p:nvPr>
             <p:ph idx="1"/>
           </p:nvPr>
-        </p:nvPicPr>
-        <p:blipFill>
-          <a:blip r:embed="rId2">
+        </p:nvSpPr>
+        <p:spPr>
+          <a:xfrm>
+            <a:off x="120771" y="1801221"/>
+            <a:ext cx="6357667" cy="3184848"/>
+          </a:xfrm>
+        </p:spPr>
+        <p:txBody>
+          <a:bodyPr numCol="1">
+            <a:normAutofit/>
+          </a:bodyPr>
+          <a:lstStyle/>
+          <a:p>
+            <a:pPr>
+              <a:buNone/>
+            </a:pPr>
+            <a:r>
+              <a:rPr lang="en-NZ" sz="2400" dirty="0">
+                <a:effectLst/>
+                <a:cs typeface="Times New Roman" panose="02020603050405020304" pitchFamily="18" charset="0"/>
+              </a:rPr>
+              <a:t>4 reasons for </a:t>
+            </a:r>
+            <a:r>
+              <a:rPr lang="en-NZ" sz="2400" dirty="0" smtClean="0">
+                <a:effectLst/>
+                <a:cs typeface="Times New Roman" panose="02020603050405020304" pitchFamily="18" charset="0"/>
+              </a:rPr>
+              <a:t>using </a:t>
+            </a:r>
+            <a:r>
+              <a:rPr lang="en-NZ" sz="2400" dirty="0">
+                <a:effectLst/>
+                <a:cs typeface="Times New Roman" panose="02020603050405020304" pitchFamily="18" charset="0"/>
+              </a:rPr>
+              <a:t>waterfall methodology </a:t>
+            </a:r>
+          </a:p>
+          <a:p>
+            <a:pPr lvl="1">
+              <a:lnSpc>
+                <a:spcPct val="150000"/>
+              </a:lnSpc>
+            </a:pPr>
+            <a:r>
+              <a:rPr lang="en-NZ" sz="2400" dirty="0">
+                <a:effectLst/>
+                <a:cs typeface="Times New Roman" panose="02020603050405020304" pitchFamily="18" charset="0"/>
+              </a:rPr>
+              <a:t>The </a:t>
+            </a:r>
+            <a:r>
+              <a:rPr lang="en-NZ" sz="2400" dirty="0" smtClean="0">
+                <a:effectLst/>
+                <a:cs typeface="Times New Roman" panose="02020603050405020304" pitchFamily="18" charset="0"/>
+              </a:rPr>
+              <a:t>requirements </a:t>
+            </a:r>
+            <a:r>
+              <a:rPr lang="en-NZ" sz="2400" dirty="0">
+                <a:effectLst/>
+                <a:cs typeface="Times New Roman" panose="02020603050405020304" pitchFamily="18" charset="0"/>
+              </a:rPr>
+              <a:t>are clear. </a:t>
+            </a:r>
+          </a:p>
+          <a:p>
+            <a:pPr lvl="1">
+              <a:lnSpc>
+                <a:spcPct val="150000"/>
+              </a:lnSpc>
+            </a:pPr>
+            <a:r>
+              <a:rPr lang="en-US" altLang="zh-CN" sz="2400" dirty="0">
+                <a:effectLst/>
+                <a:cs typeface="Times New Roman" panose="02020603050405020304" pitchFamily="18" charset="0"/>
+              </a:rPr>
+              <a:t>Relatively </a:t>
+            </a:r>
+            <a:r>
+              <a:rPr lang="en-NZ" sz="2400" dirty="0">
+                <a:effectLst/>
+                <a:cs typeface="Times New Roman" panose="02020603050405020304" pitchFamily="18" charset="0"/>
+              </a:rPr>
+              <a:t>simple system. </a:t>
+            </a:r>
+          </a:p>
+          <a:p>
+            <a:pPr lvl="1">
+              <a:lnSpc>
+                <a:spcPct val="150000"/>
+              </a:lnSpc>
+            </a:pPr>
+            <a:r>
+              <a:rPr lang="en-NZ" sz="2400" dirty="0">
+                <a:effectLst/>
+                <a:cs typeface="Times New Roman" panose="02020603050405020304" pitchFamily="18" charset="0"/>
+              </a:rPr>
+              <a:t>Only used in certain circumstances </a:t>
+            </a:r>
+          </a:p>
+          <a:p>
+            <a:pPr lvl="1">
+              <a:lnSpc>
+                <a:spcPct val="150000"/>
+              </a:lnSpc>
+            </a:pPr>
+            <a:r>
+              <a:rPr lang="en-US" altLang="zh-CN" sz="2400" dirty="0">
+                <a:effectLst/>
+                <a:cs typeface="Times New Roman" panose="02020603050405020304" pitchFamily="18" charset="0"/>
+              </a:rPr>
+              <a:t>U</a:t>
+            </a:r>
+            <a:r>
+              <a:rPr lang="en-NZ" sz="2400" dirty="0" err="1">
+                <a:effectLst/>
+                <a:cs typeface="Times New Roman" panose="02020603050405020304" pitchFamily="18" charset="0"/>
+              </a:rPr>
+              <a:t>nlikely</a:t>
+            </a:r>
+            <a:r>
+              <a:rPr lang="en-NZ" sz="2400" dirty="0">
+                <a:effectLst/>
+                <a:cs typeface="Times New Roman" panose="02020603050405020304" pitchFamily="18" charset="0"/>
+              </a:rPr>
+              <a:t> to be changed.</a:t>
+            </a:r>
+            <a:endParaRPr lang="en-NZ" sz="2400" dirty="0">
+              <a:cs typeface="Times New Roman" panose="02020603050405020304" pitchFamily="18" charset="0"/>
+            </a:endParaRPr>
+          </a:p>
+        </p:txBody>
+      </p:sp>
+      <p:sp>
+        <p:nvSpPr>
+          <p:cNvPr id="5" name="文本框 4">
             <a:extLst>
-              <a:ext uri="{28A0092B-C50C-407E-A947-70E740481C1C}">
-                <a14:useLocalDpi xmlns:a14="http://schemas.microsoft.com/office/drawing/2010/main" xmlns="" val="0"/>
+              <a:ext uri="{FF2B5EF4-FFF2-40B4-BE49-F238E27FC236}">
+                <a16:creationId xmlns="" xmlns:a16="http://schemas.microsoft.com/office/drawing/2014/main" id="{D233536E-5C4E-5A22-114B-E507F99608AF}"/>
               </a:ext>
             </a:extLst>
-          </a:blip>
-          <a:stretch>
-            <a:fillRect/>
-          </a:stretch>
-        </p:blipFill>
+          </p:cNvPr>
+          <p:cNvSpPr txBox="1"/>
+          <p:nvPr/>
+        </p:nvSpPr>
         <p:spPr>
           <a:xfrm>
-            <a:off x="2644663" y="2193925"/>
-            <a:ext cx="6902674" cy="4024313"/>
+            <a:off x="6567578" y="1725283"/>
+            <a:ext cx="5486399" cy="4247317"/>
           </a:xfrm>
+          <a:prstGeom prst="rect">
+            <a:avLst/>
+          </a:prstGeom>
+          <a:noFill/>
         </p:spPr>
-      </p:pic>
+        <p:txBody>
+          <a:bodyPr wrap="square" numCol="1" rtlCol="0">
+            <a:spAutoFit/>
+          </a:bodyPr>
+          <a:lstStyle/>
+          <a:p>
+            <a:pPr marL="0" algn="l" rtl="0" eaLnBrk="1" fontAlgn="b" latinLnBrk="0" hangingPunct="1">
+              <a:lnSpc>
+                <a:spcPct val="150000"/>
+              </a:lnSpc>
+              <a:spcBef>
+                <a:spcPts val="0"/>
+              </a:spcBef>
+              <a:spcAft>
+                <a:spcPts val="0"/>
+              </a:spcAft>
+            </a:pPr>
+            <a:r>
+              <a:rPr lang="en-NZ" b="0" i="0" u="none" strike="noStrike" kern="1200" dirty="0">
+                <a:solidFill>
+                  <a:schemeClr val="tx2">
+                    <a:lumMod val="90000"/>
+                  </a:schemeClr>
+                </a:solidFill>
+                <a:effectLst/>
+                <a:cs typeface="Times New Roman" panose="02020603050405020304" pitchFamily="18" charset="0"/>
+              </a:rPr>
+              <a:t>1.    Allow input of various input parameters on password such as Password Length, Include Special Characters, Numbers, Lower/Upper case Characters</a:t>
+            </a:r>
+          </a:p>
+          <a:p>
+            <a:pPr marL="0" algn="l" rtl="0" eaLnBrk="1" fontAlgn="b" latinLnBrk="0" hangingPunct="1">
+              <a:lnSpc>
+                <a:spcPct val="150000"/>
+              </a:lnSpc>
+              <a:spcBef>
+                <a:spcPts val="0"/>
+              </a:spcBef>
+              <a:spcAft>
+                <a:spcPts val="0"/>
+              </a:spcAft>
+            </a:pPr>
+            <a:r>
+              <a:rPr lang="en-NZ" b="0" i="0" u="none" strike="noStrike" kern="1200" dirty="0">
+                <a:solidFill>
+                  <a:schemeClr val="tx2">
+                    <a:lumMod val="90000"/>
+                  </a:schemeClr>
+                </a:solidFill>
+                <a:effectLst/>
+                <a:cs typeface="Times New Roman" panose="02020603050405020304" pitchFamily="18" charset="0"/>
+              </a:rPr>
+              <a:t>2.    Save the settings for future use</a:t>
+            </a:r>
+            <a:endParaRPr lang="en-NZ" b="0" i="0" u="none" strike="noStrike" dirty="0">
+              <a:solidFill>
+                <a:schemeClr val="tx2">
+                  <a:lumMod val="90000"/>
+                </a:schemeClr>
+              </a:solidFill>
+              <a:effectLst/>
+              <a:cs typeface="Times New Roman" panose="02020603050405020304" pitchFamily="18" charset="0"/>
+            </a:endParaRPr>
+          </a:p>
+          <a:p>
+            <a:pPr marL="0" algn="l" rtl="0" eaLnBrk="1" fontAlgn="b" latinLnBrk="0" hangingPunct="1">
+              <a:lnSpc>
+                <a:spcPct val="150000"/>
+              </a:lnSpc>
+              <a:spcBef>
+                <a:spcPts val="0"/>
+              </a:spcBef>
+              <a:spcAft>
+                <a:spcPts val="0"/>
+              </a:spcAft>
+            </a:pPr>
+            <a:r>
+              <a:rPr lang="en-NZ" b="0" i="0" u="none" strike="noStrike" kern="1200" dirty="0">
+                <a:solidFill>
+                  <a:schemeClr val="tx2">
+                    <a:lumMod val="90000"/>
+                  </a:schemeClr>
+                </a:solidFill>
+                <a:effectLst/>
+                <a:cs typeface="Times New Roman" panose="02020603050405020304" pitchFamily="18" charset="0"/>
+              </a:rPr>
+              <a:t>3.    Generate a random password based on the above parameters</a:t>
+            </a:r>
+            <a:endParaRPr lang="en-NZ" b="0" i="0" u="none" strike="noStrike" dirty="0">
+              <a:solidFill>
+                <a:schemeClr val="tx2">
+                  <a:lumMod val="90000"/>
+                </a:schemeClr>
+              </a:solidFill>
+              <a:effectLst/>
+              <a:cs typeface="Times New Roman" panose="02020603050405020304" pitchFamily="18" charset="0"/>
+            </a:endParaRPr>
+          </a:p>
+          <a:p>
+            <a:pPr marL="0" algn="l" rtl="0" eaLnBrk="1" fontAlgn="b" latinLnBrk="0" hangingPunct="1">
+              <a:lnSpc>
+                <a:spcPct val="150000"/>
+              </a:lnSpc>
+              <a:spcBef>
+                <a:spcPts val="0"/>
+              </a:spcBef>
+              <a:spcAft>
+                <a:spcPts val="0"/>
+              </a:spcAft>
+            </a:pPr>
+            <a:r>
+              <a:rPr lang="en-NZ" b="0" i="0" u="none" strike="noStrike" kern="1200" dirty="0">
+                <a:solidFill>
+                  <a:schemeClr val="tx2">
+                    <a:lumMod val="90000"/>
+                  </a:schemeClr>
+                </a:solidFill>
+                <a:effectLst/>
+                <a:cs typeface="Times New Roman" panose="02020603050405020304" pitchFamily="18" charset="0"/>
+              </a:rPr>
+              <a:t>4.    Copy function to copy the generated password to the buffer (like Control + C)</a:t>
+            </a:r>
+            <a:endParaRPr lang="en-NZ" b="0" i="0" u="none" strike="noStrike" dirty="0">
+              <a:solidFill>
+                <a:schemeClr val="tx2">
+                  <a:lumMod val="90000"/>
+                </a:schemeClr>
+              </a:solidFill>
+              <a:effectLst/>
+              <a:cs typeface="Times New Roman" panose="02020603050405020304" pitchFamily="18" charset="0"/>
+            </a:endParaRPr>
+          </a:p>
+          <a:p>
+            <a:endParaRPr lang="en-NZ" dirty="0">
+              <a:solidFill>
+                <a:schemeClr val="tx2">
+                  <a:lumMod val="90000"/>
+                </a:schemeClr>
+              </a:solidFill>
+              <a:latin typeface="Times New Roman" panose="02020603050405020304" pitchFamily="18" charset="0"/>
+              <a:cs typeface="Times New Roman" panose="02020603050405020304" pitchFamily="18" charset="0"/>
+            </a:endParaRPr>
+          </a:p>
+        </p:txBody>
+      </p:sp>
+      <p:sp>
+        <p:nvSpPr>
+          <p:cNvPr id="6" name="文本框 5">
+            <a:extLst>
+              <a:ext uri="{FF2B5EF4-FFF2-40B4-BE49-F238E27FC236}">
+                <a16:creationId xmlns="" xmlns:a16="http://schemas.microsoft.com/office/drawing/2014/main" id="{4432D91B-110E-9A16-F8F5-9DE69295486D}"/>
+              </a:ext>
+            </a:extLst>
+          </p:cNvPr>
+          <p:cNvSpPr txBox="1"/>
+          <p:nvPr/>
+        </p:nvSpPr>
+        <p:spPr>
+          <a:xfrm>
+            <a:off x="128318" y="6397925"/>
+            <a:ext cx="4724400" cy="338554"/>
+          </a:xfrm>
+          <a:prstGeom prst="rect">
+            <a:avLst/>
+          </a:prstGeom>
+          <a:noFill/>
+        </p:spPr>
+        <p:txBody>
+          <a:bodyPr wrap="square" rtlCol="0">
+            <a:spAutoFit/>
+          </a:bodyPr>
+          <a:lstStyle/>
+          <a:p>
+            <a:r>
+              <a:rPr lang="en-NZ" sz="1600" i="1" dirty="0" smtClean="0">
+                <a:latin typeface="Times New Roman" panose="02020603050405020304" pitchFamily="18" charset="0"/>
+                <a:cs typeface="Times New Roman" panose="02020603050405020304" pitchFamily="18" charset="0"/>
+              </a:rPr>
+              <a:t>Retrieved </a:t>
+            </a:r>
+            <a:r>
+              <a:rPr lang="en-NZ" sz="1600" i="1" dirty="0">
+                <a:latin typeface="Times New Roman" panose="02020603050405020304" pitchFamily="18" charset="0"/>
+                <a:cs typeface="Times New Roman" panose="02020603050405020304" pitchFamily="18" charset="0"/>
+              </a:rPr>
+              <a:t>from: </a:t>
+            </a:r>
+            <a:r>
+              <a:rPr lang="en-NZ" sz="1600" i="1" dirty="0" smtClean="0">
+                <a:solidFill>
+                  <a:srgbClr val="FF0000"/>
+                </a:solidFill>
+                <a:latin typeface="Times New Roman" panose="02020603050405020304" pitchFamily="18" charset="0"/>
+                <a:cs typeface="Times New Roman" panose="02020603050405020304" pitchFamily="18" charset="0"/>
+              </a:rPr>
+              <a:t>Project </a:t>
+            </a:r>
+            <a:r>
+              <a:rPr lang="en-NZ" sz="1600" i="1" dirty="0">
+                <a:solidFill>
+                  <a:srgbClr val="FF0000"/>
+                </a:solidFill>
+                <a:latin typeface="Times New Roman" panose="02020603050405020304" pitchFamily="18" charset="0"/>
+                <a:cs typeface="Times New Roman" panose="02020603050405020304" pitchFamily="18" charset="0"/>
+              </a:rPr>
+              <a:t>list</a:t>
+            </a:r>
+          </a:p>
+        </p:txBody>
+      </p:sp>
     </p:spTree>
     <p:extLst>
       <p:ext uri="{BB962C8B-B14F-4D97-AF65-F5344CB8AC3E}">
-        <p14:creationId xmlns:p14="http://schemas.microsoft.com/office/powerpoint/2010/main" xmlns="" val="3123407964"/>
+        <p14:creationId xmlns="" xmlns:p14="http://schemas.microsoft.com/office/powerpoint/2010/main" val="2361374323"/>
       </p:ext>
     </p:extLst>
   </p:cSld>
   <p:clrMapOvr>
     <a:masterClrMapping/>
   </p:clrMapOvr>
+  <p:transition spd="slow">
+    <p:cover dir="d"/>
+  </p:transition>
+  <p:timing>
+    <p:tnLst>
+      <p:par>
+        <p:cTn id="1" dur="indefinite" restart="never" nodeType="tmRoot"/>
+      </p:par>
+    </p:tnLst>
+  </p:timing>
 </p:sld>
 </file>
 
@@ -6416,7 +6891,7 @@
           <p:cNvPr id="2" name="标题 1">
             <a:extLst>
               <a:ext uri="{FF2B5EF4-FFF2-40B4-BE49-F238E27FC236}">
-                <a16:creationId xmlns:a16="http://schemas.microsoft.com/office/drawing/2014/main" xmlns="" id="{083AE34A-2EE8-6BAE-70F0-3E8DBE525781}"/>
+                <a16:creationId xmlns="" xmlns:a16="http://schemas.microsoft.com/office/drawing/2014/main" id="{B26EBC45-122C-5FE6-01A0-0B6F24E25785}"/>
               </a:ext>
             </a:extLst>
           </p:cNvPr>
@@ -6427,151 +6902,98 @@
             <p:ph type="title"/>
           </p:nvPr>
         </p:nvSpPr>
-        <p:spPr/>
+        <p:spPr>
+          <a:xfrm>
+            <a:off x="402566" y="634977"/>
+            <a:ext cx="8610600" cy="1293028"/>
+          </a:xfrm>
+        </p:spPr>
         <p:txBody>
           <a:bodyPr/>
           <a:lstStyle/>
           <a:p>
-            <a:r>
-              <a:rPr lang="en-NZ" dirty="0"/>
+            <a:pPr algn="l"/>
+            <a:r>
+              <a:rPr lang="en-NZ" b="1" dirty="0"/>
               <a:t>TEAM WORK</a:t>
             </a:r>
           </a:p>
         </p:txBody>
       </p:sp>
-      <p:sp>
-        <p:nvSpPr>
-          <p:cNvPr id="3" name="内容占位符 2">
+      <p:pic>
+        <p:nvPicPr>
+          <p:cNvPr id="5" name="内容占位符 4">
             <a:extLst>
               <a:ext uri="{FF2B5EF4-FFF2-40B4-BE49-F238E27FC236}">
-                <a16:creationId xmlns:a16="http://schemas.microsoft.com/office/drawing/2014/main" xmlns="" id="{D1631241-63E7-CCA1-C041-9CEE6DF91618}"/>
+                <a16:creationId xmlns="" xmlns:a16="http://schemas.microsoft.com/office/drawing/2014/main" id="{B34579D3-B1D0-FFDD-242D-00F815568178}"/>
               </a:ext>
             </a:extLst>
           </p:cNvPr>
-          <p:cNvSpPr>
-            <a:spLocks noGrp="1"/>
-          </p:cNvSpPr>
+          <p:cNvPicPr>
+            <a:picLocks noGrp="1" noChangeAspect="1"/>
+          </p:cNvPicPr>
           <p:nvPr>
             <p:ph idx="1"/>
           </p:nvPr>
-        </p:nvSpPr>
-        <p:spPr/>
-        <p:txBody>
-          <a:bodyPr/>
-          <a:lstStyle/>
-          <a:p>
-            <a:r>
-              <a:rPr lang="en-NZ" dirty="0"/>
-              <a:t>Client (Richard)</a:t>
-            </a:r>
-          </a:p>
-          <a:p>
-            <a:pPr lvl="1"/>
-            <a:r>
-              <a:rPr lang="en-NZ" dirty="0"/>
-              <a:t>User Interface (HTML/</a:t>
-            </a:r>
-            <a:r>
-              <a:rPr lang="en-NZ" dirty="0" err="1"/>
-              <a:t>ejs</a:t>
-            </a:r>
-            <a:r>
-              <a:rPr lang="en-NZ" dirty="0"/>
-              <a:t>, CSS, embedded </a:t>
-            </a:r>
-            <a:r>
-              <a:rPr lang="en-NZ" dirty="0" err="1"/>
-              <a:t>javascript</a:t>
-            </a:r>
-            <a:r>
-              <a:rPr lang="en-NZ" dirty="0"/>
-              <a:t>)</a:t>
-            </a:r>
-          </a:p>
-          <a:p>
-            <a:r>
-              <a:rPr lang="en-US" altLang="zh-CN" dirty="0"/>
-              <a:t>Server (Steven)</a:t>
-            </a:r>
-          </a:p>
-          <a:p>
-            <a:pPr lvl="1"/>
-            <a:r>
-              <a:rPr lang="en-US" altLang="zh-CN" dirty="0"/>
-              <a:t>request process (</a:t>
-            </a:r>
-            <a:r>
-              <a:rPr lang="en-US" altLang="zh-CN" dirty="0" err="1"/>
-              <a:t>javascript</a:t>
-            </a:r>
-            <a:r>
-              <a:rPr lang="en-US" altLang="zh-CN" dirty="0"/>
-              <a:t>)</a:t>
-            </a:r>
-          </a:p>
-          <a:p>
-            <a:pPr marL="457200" lvl="1" indent="0">
-              <a:buNone/>
-            </a:pPr>
-            <a:r>
-              <a:rPr lang="en-US" altLang="zh-CN" dirty="0"/>
-              <a:t>. Cookies process </a:t>
-            </a:r>
-            <a:r>
-              <a:rPr lang="zh-CN" altLang="en-US" dirty="0"/>
-              <a:t> </a:t>
-            </a:r>
-            <a:r>
-              <a:rPr lang="en-NZ" altLang="zh-CN" dirty="0"/>
-              <a:t>(</a:t>
-            </a:r>
-            <a:r>
-              <a:rPr lang="en-NZ" altLang="zh-CN" dirty="0" err="1"/>
-              <a:t>javascript</a:t>
-            </a:r>
-            <a:r>
-              <a:rPr lang="en-NZ" altLang="zh-CN" dirty="0"/>
-              <a:t>)</a:t>
-            </a:r>
-            <a:endParaRPr lang="en-US" altLang="zh-CN" dirty="0"/>
-          </a:p>
-          <a:p>
-            <a:r>
-              <a:rPr lang="en-US" altLang="zh-CN" dirty="0"/>
-              <a:t>Server( Maribeth)</a:t>
-            </a:r>
-          </a:p>
-          <a:p>
-            <a:pPr lvl="1"/>
-            <a:r>
-              <a:rPr lang="en-US" altLang="zh-CN" dirty="0"/>
-              <a:t> implement a module for Password Generator (</a:t>
-            </a:r>
-            <a:r>
-              <a:rPr lang="en-US" altLang="zh-CN" dirty="0" err="1"/>
-              <a:t>javascript</a:t>
-            </a:r>
-            <a:r>
-              <a:rPr lang="en-US" altLang="zh-CN" dirty="0"/>
-              <a:t>)</a:t>
-            </a:r>
-          </a:p>
-          <a:p>
-            <a:pPr lvl="1"/>
-            <a:endParaRPr lang="en-US" altLang="zh-CN" dirty="0"/>
-          </a:p>
-        </p:txBody>
-      </p:sp>
+        </p:nvPicPr>
+        <p:blipFill>
+          <a:blip r:embed="rId2">
+            <a:extLst>
+              <a:ext uri="{28A0092B-C50C-407E-A947-70E740481C1C}">
+                <a14:useLocalDpi xmlns="" xmlns:a14="http://schemas.microsoft.com/office/drawing/2010/main" val="0"/>
+              </a:ext>
+            </a:extLst>
+          </a:blip>
+          <a:stretch>
+            <a:fillRect/>
+          </a:stretch>
+        </p:blipFill>
+        <p:spPr>
+          <a:xfrm>
+            <a:off x="2446256" y="1871933"/>
+            <a:ext cx="7676916" cy="4475702"/>
+          </a:xfrm>
+          <a:prstGeom prst="round2DiagRect">
+            <a:avLst>
+              <a:gd name="adj1" fmla="val 16667"/>
+              <a:gd name="adj2" fmla="val 0"/>
+            </a:avLst>
+          </a:prstGeom>
+          <a:ln w="88900" cap="sq">
+            <a:solidFill>
+              <a:srgbClr val="FFFFFF"/>
+            </a:solidFill>
+            <a:miter lim="800000"/>
+          </a:ln>
+          <a:effectLst>
+            <a:outerShdw blurRad="254000" algn="tl" rotWithShape="0">
+              <a:srgbClr val="000000">
+                <a:alpha val="43000"/>
+              </a:srgbClr>
+            </a:outerShdw>
+          </a:effectLst>
+        </p:spPr>
+      </p:pic>
     </p:spTree>
     <p:extLst>
       <p:ext uri="{BB962C8B-B14F-4D97-AF65-F5344CB8AC3E}">
-        <p14:creationId xmlns:p14="http://schemas.microsoft.com/office/powerpoint/2010/main" xmlns="" val="3396672449"/>
+        <p14:creationId xmlns="" xmlns:p14="http://schemas.microsoft.com/office/powerpoint/2010/main" val="3123407964"/>
       </p:ext>
     </p:extLst>
   </p:cSld>
   <p:clrMapOvr>
     <a:masterClrMapping/>
   </p:clrMapOvr>
+  <p:transition spd="slow">
+    <p:cover dir="d"/>
+  </p:transition>
+  <p:timing>
+    <p:tnLst>
+      <p:par>
+        <p:cTn id="1" dur="indefinite" restart="never" nodeType="tmRoot"/>
+      </p:par>
+    </p:tnLst>
+  </p:timing>
 </p:sld>
 </file>
 
@@ -6597,7 +7019,7 @@
           <p:cNvPr id="2" name="标题 1">
             <a:extLst>
               <a:ext uri="{FF2B5EF4-FFF2-40B4-BE49-F238E27FC236}">
-                <a16:creationId xmlns:a16="http://schemas.microsoft.com/office/drawing/2014/main" xmlns="" id="{BCD0B7BF-66C7-8E0C-EE6E-210BC09261AB}"/>
+                <a16:creationId xmlns="" xmlns:a16="http://schemas.microsoft.com/office/drawing/2014/main" id="{083AE34A-2EE8-6BAE-70F0-3E8DBE525781}"/>
               </a:ext>
             </a:extLst>
           </p:cNvPr>
@@ -6608,14 +7030,20 @@
             <p:ph type="title"/>
           </p:nvPr>
         </p:nvSpPr>
-        <p:spPr/>
+        <p:spPr>
+          <a:xfrm>
+            <a:off x="419819" y="660856"/>
+            <a:ext cx="8610600" cy="1293028"/>
+          </a:xfrm>
+        </p:spPr>
         <p:txBody>
           <a:bodyPr/>
           <a:lstStyle/>
           <a:p>
-            <a:r>
-              <a:rPr lang="en-NZ" dirty="0"/>
-              <a:t>Reflections</a:t>
+            <a:pPr algn="l"/>
+            <a:r>
+              <a:rPr lang="en-NZ" b="1" dirty="0"/>
+              <a:t>TEAM WORK</a:t>
             </a:r>
           </a:p>
         </p:txBody>
@@ -6625,7 +7053,7 @@
           <p:cNvPr id="3" name="内容占位符 2">
             <a:extLst>
               <a:ext uri="{FF2B5EF4-FFF2-40B4-BE49-F238E27FC236}">
-                <a16:creationId xmlns:a16="http://schemas.microsoft.com/office/drawing/2014/main" xmlns="" id="{99BC1E35-F9E7-1295-FBBD-ED8B0075BF59}"/>
+                <a16:creationId xmlns="" xmlns:a16="http://schemas.microsoft.com/office/drawing/2014/main" id="{D1631241-63E7-CCA1-C041-9CEE6DF91618}"/>
               </a:ext>
             </a:extLst>
           </p:cNvPr>
@@ -6636,61 +7064,163 @@
             <p:ph idx="1"/>
           </p:nvPr>
         </p:nvSpPr>
-        <p:spPr/>
+        <p:spPr>
+          <a:xfrm>
+            <a:off x="565030" y="1961647"/>
+            <a:ext cx="10820400" cy="4024125"/>
+          </a:xfrm>
+        </p:spPr>
         <p:txBody>
           <a:bodyPr/>
           <a:lstStyle/>
           <a:p>
+            <a:pPr>
+              <a:lnSpc>
+                <a:spcPct val="150000"/>
+              </a:lnSpc>
+            </a:pPr>
+            <a:r>
+              <a:rPr lang="en-NZ" dirty="0"/>
+              <a:t>Client (Richard)</a:t>
+            </a:r>
+          </a:p>
+          <a:p>
+            <a:pPr lvl="1">
+              <a:lnSpc>
+                <a:spcPct val="150000"/>
+              </a:lnSpc>
+            </a:pPr>
+            <a:r>
+              <a:rPr lang="en-NZ" dirty="0"/>
+              <a:t>User Interface (HTML/</a:t>
+            </a:r>
             <a:r>
               <a:rPr lang="en-NZ" dirty="0" err="1"/>
-              <a:t>Maribeth</a:t>
-            </a:r>
-            <a:r>
-              <a:rPr lang="en-NZ" dirty="0" smtClean="0"/>
-              <a:t>: </a:t>
-            </a:r>
-            <a:r>
-              <a:rPr lang="en-NZ" smtClean="0"/>
-              <a:t>mamamam</a:t>
-            </a:r>
-            <a:endParaRPr lang="en-NZ" dirty="0"/>
-          </a:p>
-          <a:p>
-            <a:endParaRPr lang="en-NZ" dirty="0"/>
-          </a:p>
-          <a:p>
-            <a:endParaRPr lang="en-NZ" dirty="0"/>
-          </a:p>
-          <a:p>
+              <a:t>ejs</a:t>
+            </a:r>
             <a:r>
               <a:rPr lang="en-NZ" dirty="0"/>
-              <a:t>Richard:</a:t>
-            </a:r>
-          </a:p>
-          <a:p>
-            <a:endParaRPr lang="en-NZ" dirty="0"/>
-          </a:p>
-          <a:p>
-            <a:endParaRPr lang="en-NZ" dirty="0"/>
-          </a:p>
-          <a:p>
+              <a:t>, CSS, embedded </a:t>
+            </a:r>
+            <a:r>
+              <a:rPr lang="en-NZ" dirty="0" err="1"/>
+              <a:t>javascript</a:t>
+            </a:r>
             <a:r>
               <a:rPr lang="en-NZ" dirty="0"/>
-              <a:t>Steven:</a:t>
-            </a:r>
+              <a:t>)</a:t>
+            </a:r>
+          </a:p>
+          <a:p>
+            <a:pPr>
+              <a:lnSpc>
+                <a:spcPct val="150000"/>
+              </a:lnSpc>
+            </a:pPr>
+            <a:r>
+              <a:rPr lang="en-US" altLang="zh-CN" dirty="0"/>
+              <a:t>Server (Steven)</a:t>
+            </a:r>
+          </a:p>
+          <a:p>
+            <a:pPr lvl="1">
+              <a:lnSpc>
+                <a:spcPct val="150000"/>
+              </a:lnSpc>
+            </a:pPr>
+            <a:r>
+              <a:rPr lang="en-US" altLang="zh-CN" dirty="0"/>
+              <a:t>request process (</a:t>
+            </a:r>
+            <a:r>
+              <a:rPr lang="en-US" altLang="zh-CN" dirty="0" err="1"/>
+              <a:t>javascript</a:t>
+            </a:r>
+            <a:r>
+              <a:rPr lang="en-US" altLang="zh-CN" dirty="0" smtClean="0"/>
+              <a:t>)</a:t>
+            </a:r>
+          </a:p>
+          <a:p>
+            <a:pPr lvl="1">
+              <a:lnSpc>
+                <a:spcPct val="150000"/>
+              </a:lnSpc>
+            </a:pPr>
+            <a:r>
+              <a:rPr lang="en-SG" altLang="zh-CN" dirty="0" smtClean="0"/>
+              <a:t>Cookies process (</a:t>
+            </a:r>
+            <a:r>
+              <a:rPr lang="en-SG" altLang="zh-CN" dirty="0" err="1" smtClean="0"/>
+              <a:t>javascript</a:t>
+            </a:r>
+            <a:r>
+              <a:rPr lang="en-SG" altLang="zh-CN" dirty="0" smtClean="0"/>
+              <a:t>)</a:t>
+            </a:r>
+            <a:endParaRPr lang="en-US" altLang="zh-CN" dirty="0"/>
+          </a:p>
+          <a:p>
+            <a:pPr>
+              <a:lnSpc>
+                <a:spcPct val="150000"/>
+              </a:lnSpc>
+            </a:pPr>
+            <a:r>
+              <a:rPr lang="en-US" altLang="zh-CN" dirty="0"/>
+              <a:t>Server( Maribeth)</a:t>
+            </a:r>
+          </a:p>
+          <a:p>
+            <a:pPr lvl="1">
+              <a:lnSpc>
+                <a:spcPct val="150000"/>
+              </a:lnSpc>
+            </a:pPr>
+            <a:r>
+              <a:rPr lang="en-US" altLang="zh-CN" dirty="0"/>
+              <a:t> implement a module for Password Generator (</a:t>
+            </a:r>
+            <a:r>
+              <a:rPr lang="en-US" altLang="zh-CN" dirty="0" err="1"/>
+              <a:t>javascript</a:t>
+            </a:r>
+            <a:r>
+              <a:rPr lang="en-US" altLang="zh-CN" dirty="0"/>
+              <a:t>)</a:t>
+            </a:r>
+          </a:p>
+          <a:p>
+            <a:pPr lvl="1">
+              <a:lnSpc>
+                <a:spcPct val="150000"/>
+              </a:lnSpc>
+            </a:pPr>
+            <a:endParaRPr lang="en-US" altLang="zh-CN" dirty="0"/>
           </a:p>
         </p:txBody>
       </p:sp>
     </p:spTree>
     <p:extLst>
       <p:ext uri="{BB962C8B-B14F-4D97-AF65-F5344CB8AC3E}">
-        <p14:creationId xmlns:p14="http://schemas.microsoft.com/office/powerpoint/2010/main" xmlns="" val="358586711"/>
+        <p14:creationId xmlns="" xmlns:p14="http://schemas.microsoft.com/office/powerpoint/2010/main" val="3396672449"/>
       </p:ext>
     </p:extLst>
   </p:cSld>
   <p:clrMapOvr>
     <a:masterClrMapping/>
   </p:clrMapOvr>
+  <p:transition spd="slow">
+    <p:cover dir="d"/>
+  </p:transition>
+  <p:timing>
+    <p:tnLst>
+      <p:par>
+        <p:cTn id="1" dur="indefinite" restart="never" nodeType="tmRoot"/>
+      </p:par>
+    </p:tnLst>
+  </p:timing>
 </p:sld>
 </file>
 
@@ -6716,7 +7246,7 @@
           <p:cNvPr id="2" name="标题 1">
             <a:extLst>
               <a:ext uri="{FF2B5EF4-FFF2-40B4-BE49-F238E27FC236}">
-                <a16:creationId xmlns:a16="http://schemas.microsoft.com/office/drawing/2014/main" xmlns="" id="{7968832C-C89A-B085-ABDF-723E25F15B4E}"/>
+                <a16:creationId xmlns="" xmlns:a16="http://schemas.microsoft.com/office/drawing/2014/main" id="{BCD0B7BF-66C7-8E0C-EE6E-210BC09261AB}"/>
               </a:ext>
             </a:extLst>
           </p:cNvPr>
@@ -6734,7 +7264,7 @@
           <a:p>
             <a:r>
               <a:rPr lang="en-NZ" dirty="0"/>
-              <a:t>References</a:t>
+              <a:t>Reflections</a:t>
             </a:r>
           </a:p>
         </p:txBody>
@@ -6744,7 +7274,7 @@
           <p:cNvPr id="3" name="内容占位符 2">
             <a:extLst>
               <a:ext uri="{FF2B5EF4-FFF2-40B4-BE49-F238E27FC236}">
-                <a16:creationId xmlns:a16="http://schemas.microsoft.com/office/drawing/2014/main" xmlns="" id="{4029B2BD-2B47-E1CA-0E88-D9FBD2CA4E6C}"/>
+                <a16:creationId xmlns="" xmlns:a16="http://schemas.microsoft.com/office/drawing/2014/main" id="{99BC1E35-F9E7-1295-FBBD-ED8B0075BF59}"/>
               </a:ext>
             </a:extLst>
           </p:cNvPr>
@@ -6760,20 +7290,62 @@
           <a:bodyPr/>
           <a:lstStyle/>
           <a:p>
+            <a:r>
+              <a:rPr lang="en-NZ" dirty="0" err="1"/>
+              <a:t>Maribeth</a:t>
+            </a:r>
+            <a:r>
+              <a:rPr lang="en-NZ" dirty="0" smtClean="0"/>
+              <a:t>:</a:t>
+            </a:r>
             <a:endParaRPr lang="en-NZ" dirty="0"/>
+          </a:p>
+          <a:p>
+            <a:endParaRPr lang="en-NZ" dirty="0"/>
+          </a:p>
+          <a:p>
+            <a:endParaRPr lang="en-NZ" dirty="0"/>
+          </a:p>
+          <a:p>
+            <a:r>
+              <a:rPr lang="en-NZ" dirty="0"/>
+              <a:t>Richard:</a:t>
+            </a:r>
+          </a:p>
+          <a:p>
+            <a:endParaRPr lang="en-NZ" dirty="0"/>
+          </a:p>
+          <a:p>
+            <a:endParaRPr lang="en-NZ" dirty="0"/>
+          </a:p>
+          <a:p>
+            <a:r>
+              <a:rPr lang="en-NZ" dirty="0"/>
+              <a:t>Steven:</a:t>
+            </a:r>
           </a:p>
         </p:txBody>
       </p:sp>
     </p:spTree>
     <p:extLst>
       <p:ext uri="{BB962C8B-B14F-4D97-AF65-F5344CB8AC3E}">
-        <p14:creationId xmlns:p14="http://schemas.microsoft.com/office/powerpoint/2010/main" xmlns="" val="1669517618"/>
+        <p14:creationId xmlns="" xmlns:p14="http://schemas.microsoft.com/office/powerpoint/2010/main" val="358586711"/>
       </p:ext>
     </p:extLst>
   </p:cSld>
   <p:clrMapOvr>
     <a:masterClrMapping/>
   </p:clrMapOvr>
+  <p:transition spd="slow">
+    <p:cover dir="d"/>
+  </p:transition>
+  <p:timing>
+    <p:tnLst>
+      <p:par>
+        <p:cTn id="1" dur="indefinite" restart="never" nodeType="tmRoot"/>
+      </p:par>
+    </p:tnLst>
+  </p:timing>
 </p:sld>
 </file>
 
@@ -6799,7 +7371,7 @@
           <p:cNvPr id="2" name="标题 1">
             <a:extLst>
               <a:ext uri="{FF2B5EF4-FFF2-40B4-BE49-F238E27FC236}">
-                <a16:creationId xmlns:a16="http://schemas.microsoft.com/office/drawing/2014/main" xmlns="" id="{931FF632-26A4-A3C5-3BFA-108378087F3B}"/>
+                <a16:creationId xmlns="" xmlns:a16="http://schemas.microsoft.com/office/drawing/2014/main" id="{7968832C-C89A-B085-ABDF-723E25F15B4E}"/>
               </a:ext>
             </a:extLst>
           </p:cNvPr>
@@ -6817,7 +7389,7 @@
           <a:p>
             <a:r>
               <a:rPr lang="en-NZ" dirty="0"/>
-              <a:t>Q&amp;A</a:t>
+              <a:t>References</a:t>
             </a:r>
           </a:p>
         </p:txBody>
@@ -6827,7 +7399,7 @@
           <p:cNvPr id="3" name="内容占位符 2">
             <a:extLst>
               <a:ext uri="{FF2B5EF4-FFF2-40B4-BE49-F238E27FC236}">
-                <a16:creationId xmlns:a16="http://schemas.microsoft.com/office/drawing/2014/main" xmlns="" id="{10C10AB0-F6BB-26E5-C279-0931E8572F2F}"/>
+                <a16:creationId xmlns="" xmlns:a16="http://schemas.microsoft.com/office/drawing/2014/main" id="{4029B2BD-2B47-E1CA-0E88-D9FBD2CA4E6C}"/>
               </a:ext>
             </a:extLst>
           </p:cNvPr>
@@ -6843,23 +7415,126 @@
           <a:bodyPr/>
           <a:lstStyle/>
           <a:p>
-            <a:r>
-              <a:rPr lang="en-NZ" dirty="0"/>
-              <a:t>Answer Questions</a:t>
-            </a:r>
+            <a:endParaRPr lang="en-NZ" dirty="0"/>
           </a:p>
         </p:txBody>
       </p:sp>
     </p:spTree>
     <p:extLst>
       <p:ext uri="{BB962C8B-B14F-4D97-AF65-F5344CB8AC3E}">
-        <p14:creationId xmlns:p14="http://schemas.microsoft.com/office/powerpoint/2010/main" xmlns="" val="1405912245"/>
+        <p14:creationId xmlns="" xmlns:p14="http://schemas.microsoft.com/office/powerpoint/2010/main" val="1669517618"/>
       </p:ext>
     </p:extLst>
   </p:cSld>
   <p:clrMapOvr>
     <a:masterClrMapping/>
   </p:clrMapOvr>
+  <p:transition spd="slow">
+    <p:cover dir="d"/>
+  </p:transition>
+  <p:timing>
+    <p:tnLst>
+      <p:par>
+        <p:cTn id="1" dur="indefinite" restart="never" nodeType="tmRoot"/>
+      </p:par>
+    </p:tnLst>
+  </p:timing>
+</p:sld>
+</file>
+
+<file path=ppt/slides/slide16.xml><?xml version="1.0" encoding="utf-8"?>
+<p:sld xmlns:a="http://schemas.openxmlformats.org/drawingml/2006/main" xmlns:r="http://schemas.openxmlformats.org/officeDocument/2006/relationships" xmlns:p="http://schemas.openxmlformats.org/presentationml/2006/main">
+  <p:cSld>
+    <p:spTree>
+      <p:nvGrpSpPr>
+        <p:cNvPr id="1" name=""/>
+        <p:cNvGrpSpPr/>
+        <p:nvPr/>
+      </p:nvGrpSpPr>
+      <p:grpSpPr>
+        <a:xfrm>
+          <a:off x="0" y="0"/>
+          <a:ext cx="0" cy="0"/>
+          <a:chOff x="0" y="0"/>
+          <a:chExt cx="0" cy="0"/>
+        </a:xfrm>
+      </p:grpSpPr>
+      <p:sp>
+        <p:nvSpPr>
+          <p:cNvPr id="2" name="标题 1">
+            <a:extLst>
+              <a:ext uri="{FF2B5EF4-FFF2-40B4-BE49-F238E27FC236}">
+                <a16:creationId xmlns="" xmlns:a16="http://schemas.microsoft.com/office/drawing/2014/main" id="{931FF632-26A4-A3C5-3BFA-108378087F3B}"/>
+              </a:ext>
+            </a:extLst>
+          </p:cNvPr>
+          <p:cNvSpPr>
+            <a:spLocks noGrp="1"/>
+          </p:cNvSpPr>
+          <p:nvPr>
+            <p:ph type="title"/>
+          </p:nvPr>
+        </p:nvSpPr>
+        <p:spPr/>
+        <p:txBody>
+          <a:bodyPr/>
+          <a:lstStyle/>
+          <a:p>
+            <a:r>
+              <a:rPr lang="en-NZ" dirty="0"/>
+              <a:t>Q&amp;A</a:t>
+            </a:r>
+          </a:p>
+        </p:txBody>
+      </p:sp>
+      <p:sp>
+        <p:nvSpPr>
+          <p:cNvPr id="3" name="内容占位符 2">
+            <a:extLst>
+              <a:ext uri="{FF2B5EF4-FFF2-40B4-BE49-F238E27FC236}">
+                <a16:creationId xmlns="" xmlns:a16="http://schemas.microsoft.com/office/drawing/2014/main" id="{10C10AB0-F6BB-26E5-C279-0931E8572F2F}"/>
+              </a:ext>
+            </a:extLst>
+          </p:cNvPr>
+          <p:cNvSpPr>
+            <a:spLocks noGrp="1"/>
+          </p:cNvSpPr>
+          <p:nvPr>
+            <p:ph idx="1"/>
+          </p:nvPr>
+        </p:nvSpPr>
+        <p:spPr/>
+        <p:txBody>
+          <a:bodyPr/>
+          <a:lstStyle/>
+          <a:p>
+            <a:r>
+              <a:rPr lang="en-NZ" dirty="0"/>
+              <a:t>Answer Questions</a:t>
+            </a:r>
+          </a:p>
+        </p:txBody>
+      </p:sp>
+    </p:spTree>
+    <p:extLst>
+      <p:ext uri="{BB962C8B-B14F-4D97-AF65-F5344CB8AC3E}">
+        <p14:creationId xmlns="" xmlns:p14="http://schemas.microsoft.com/office/powerpoint/2010/main" val="1405912245"/>
+      </p:ext>
+    </p:extLst>
+  </p:cSld>
+  <p:clrMapOvr>
+    <a:masterClrMapping/>
+  </p:clrMapOvr>
+  <p:transition spd="slow">
+    <p:cover dir="d"/>
+  </p:transition>
+  <p:timing>
+    <p:tnLst>
+      <p:par>
+        <p:cTn id="1" dur="indefinite" restart="never" nodeType="tmRoot"/>
+      </p:par>
+    </p:tnLst>
+  </p:timing>
 </p:sld>
 </file>
 
@@ -6885,7 +7560,7 @@
           <p:cNvPr id="2" name="标题 1">
             <a:extLst>
               <a:ext uri="{FF2B5EF4-FFF2-40B4-BE49-F238E27FC236}">
-                <a16:creationId xmlns:a16="http://schemas.microsoft.com/office/drawing/2014/main" xmlns="" id="{3B121F95-2659-B777-A490-44CC5DFFC3A1}"/>
+                <a16:creationId xmlns="" xmlns:a16="http://schemas.microsoft.com/office/drawing/2014/main" id="{9378BB5D-5C77-1E3D-912F-AA79F30B85B4}"/>
               </a:ext>
             </a:extLst>
           </p:cNvPr>
@@ -6893,27 +7568,37 @@
             <a:spLocks noGrp="1"/>
           </p:cNvSpPr>
           <p:nvPr>
-            <p:ph type="title"/>
-          </p:nvPr>
-        </p:nvSpPr>
-        <p:spPr/>
-        <p:txBody>
-          <a:bodyPr/>
+            <p:ph type="ctrTitle"/>
+          </p:nvPr>
+        </p:nvSpPr>
+        <p:spPr>
+          <a:xfrm>
+            <a:off x="1457864" y="690114"/>
+            <a:ext cx="9448800" cy="2355011"/>
+          </a:xfrm>
+        </p:spPr>
+        <p:txBody>
+          <a:bodyPr>
+            <a:normAutofit/>
+          </a:bodyPr>
           <a:lstStyle/>
           <a:p>
             <a:r>
-              <a:rPr lang="en-NZ" dirty="0"/>
-              <a:t>Agenda</a:t>
-            </a:r>
-          </a:p>
-        </p:txBody>
-      </p:sp>
-      <p:sp>
-        <p:nvSpPr>
-          <p:cNvPr id="3" name="内容占位符 2">
+              <a:rPr lang="en-NZ" b="1" dirty="0">
+                <a:latin typeface="+mn-lt"/>
+                <a:cs typeface="Times New Roman" panose="02020603050405020304" pitchFamily="18" charset="0"/>
+              </a:rPr>
+              <a:t>Password Generator</a:t>
+            </a:r>
+          </a:p>
+        </p:txBody>
+      </p:sp>
+      <p:sp>
+        <p:nvSpPr>
+          <p:cNvPr id="3" name="副标题 2">
             <a:extLst>
               <a:ext uri="{FF2B5EF4-FFF2-40B4-BE49-F238E27FC236}">
-                <a16:creationId xmlns:a16="http://schemas.microsoft.com/office/drawing/2014/main" xmlns="" id="{7A6FE493-6895-3F84-9D5F-AB2A89BCCCAE}"/>
+                <a16:creationId xmlns="" xmlns:a16="http://schemas.microsoft.com/office/drawing/2014/main" id="{BE25738F-A275-37A7-AD92-00E90E767875}"/>
               </a:ext>
             </a:extLst>
           </p:cNvPr>
@@ -6921,70 +7606,79 @@
             <a:spLocks noGrp="1"/>
           </p:cNvSpPr>
           <p:nvPr>
-            <p:ph idx="1"/>
+            <p:ph type="subTitle" idx="1"/>
           </p:nvPr>
         </p:nvSpPr>
         <p:spPr/>
         <p:txBody>
-          <a:bodyPr/>
+          <a:bodyPr>
+            <a:noAutofit/>
+          </a:bodyPr>
           <a:lstStyle/>
           <a:p>
-            <a:r>
-              <a:rPr lang="en-NZ" dirty="0"/>
-              <a:t>1. What is a Password Generator</a:t>
-            </a:r>
-          </a:p>
-          <a:p>
-            <a:r>
-              <a:rPr lang="en-NZ" dirty="0"/>
-              <a:t>2. Why we chose this project</a:t>
-            </a:r>
-          </a:p>
-          <a:p>
-            <a:r>
-              <a:rPr lang="en-NZ" dirty="0"/>
-              <a:t>3. Technologies</a:t>
-            </a:r>
-          </a:p>
-          <a:p>
-            <a:r>
-              <a:rPr lang="en-NZ" dirty="0"/>
-              <a:t>4. Methodology</a:t>
-            </a:r>
-          </a:p>
-          <a:p>
-            <a:r>
-              <a:rPr lang="en-NZ" dirty="0"/>
-              <a:t>5. </a:t>
-            </a:r>
-            <a:r>
-              <a:rPr lang="en-US" altLang="zh-CN" dirty="0"/>
-              <a:t>Team work</a:t>
-            </a:r>
-            <a:endParaRPr lang="en-NZ" dirty="0"/>
-          </a:p>
-          <a:p>
-            <a:r>
-              <a:rPr lang="en-NZ" dirty="0"/>
-              <a:t>6. Reflections</a:t>
-            </a:r>
-          </a:p>
-          <a:p>
-            <a:r>
-              <a:rPr lang="en-NZ" dirty="0"/>
-              <a:t>7. References</a:t>
-            </a:r>
-          </a:p>
-          <a:p>
-            <a:r>
-              <a:rPr lang="en-NZ" dirty="0"/>
-              <a:t>8. Demo</a:t>
-            </a:r>
-          </a:p>
-          <a:p>
-            <a:r>
-              <a:rPr lang="en-NZ" dirty="0"/>
-              <a:t>9. Q &amp; A</a:t>
+            <a:endParaRPr lang="en-NZ" sz="3200" dirty="0">
+              <a:latin typeface="Times New Roman" panose="02020603050405020304" pitchFamily="18" charset="0"/>
+              <a:cs typeface="Times New Roman" panose="02020603050405020304" pitchFamily="18" charset="0"/>
+            </a:endParaRPr>
+          </a:p>
+          <a:p>
+            <a:pPr algn="ctr"/>
+            <a:endParaRPr lang="en-NZ" sz="2400" dirty="0" smtClean="0">
+              <a:cs typeface="Times New Roman" panose="02020603050405020304" pitchFamily="18" charset="0"/>
+            </a:endParaRPr>
+          </a:p>
+          <a:p>
+            <a:pPr algn="ctr"/>
+            <a:endParaRPr lang="en-NZ" sz="2400" dirty="0" smtClean="0">
+              <a:cs typeface="Times New Roman" panose="02020603050405020304" pitchFamily="18" charset="0"/>
+            </a:endParaRPr>
+          </a:p>
+          <a:p>
+            <a:pPr algn="ctr"/>
+            <a:r>
+              <a:rPr lang="en-NZ" sz="2400" dirty="0" err="1" smtClean="0">
+                <a:cs typeface="Times New Roman" panose="02020603050405020304" pitchFamily="18" charset="0"/>
+              </a:rPr>
+              <a:t>Maribeth</a:t>
+            </a:r>
+            <a:r>
+              <a:rPr lang="en-NZ" sz="2400" dirty="0" smtClean="0">
+                <a:cs typeface="Times New Roman" panose="02020603050405020304" pitchFamily="18" charset="0"/>
+              </a:rPr>
+              <a:t> </a:t>
+            </a:r>
+            <a:r>
+              <a:rPr lang="en-NZ" sz="2400" dirty="0" err="1">
+                <a:cs typeface="Times New Roman" panose="02020603050405020304" pitchFamily="18" charset="0"/>
+              </a:rPr>
+              <a:t>Estimos</a:t>
+            </a:r>
+            <a:endParaRPr lang="en-NZ" sz="2400" dirty="0">
+              <a:cs typeface="Times New Roman" panose="02020603050405020304" pitchFamily="18" charset="0"/>
+            </a:endParaRPr>
+          </a:p>
+          <a:p>
+            <a:pPr algn="ctr"/>
+            <a:r>
+              <a:rPr lang="en-NZ" sz="2400" dirty="0">
+                <a:cs typeface="Times New Roman" panose="02020603050405020304" pitchFamily="18" charset="0"/>
+              </a:rPr>
+              <a:t>Xian (Richard) Zhang</a:t>
+            </a:r>
+          </a:p>
+          <a:p>
+            <a:pPr algn="ctr"/>
+            <a:r>
+              <a:rPr lang="en-NZ" sz="2400" dirty="0" err="1">
+                <a:cs typeface="Times New Roman" panose="02020603050405020304" pitchFamily="18" charset="0"/>
+              </a:rPr>
+              <a:t>Zhengwen</a:t>
+            </a:r>
+            <a:r>
+              <a:rPr lang="en-NZ" sz="2400" dirty="0">
+                <a:cs typeface="Times New Roman" panose="02020603050405020304" pitchFamily="18" charset="0"/>
+              </a:rPr>
+              <a:t> (Steven) Lei</a:t>
             </a:r>
           </a:p>
         </p:txBody>
@@ -6992,13 +7686,286 @@
     </p:spTree>
     <p:extLst>
       <p:ext uri="{BB962C8B-B14F-4D97-AF65-F5344CB8AC3E}">
-        <p14:creationId xmlns:p14="http://schemas.microsoft.com/office/powerpoint/2010/main" xmlns="" val="3104536044"/>
+        <p14:creationId xmlns="" xmlns:p14="http://schemas.microsoft.com/office/powerpoint/2010/main" val="467902368"/>
       </p:ext>
     </p:extLst>
   </p:cSld>
   <p:clrMapOvr>
     <a:masterClrMapping/>
   </p:clrMapOvr>
+  <p:transition spd="slow">
+    <p:cover dir="d"/>
+  </p:transition>
+  <p:timing>
+    <p:tnLst>
+      <p:par>
+        <p:cTn id="1" dur="indefinite" restart="never" nodeType="tmRoot">
+          <p:childTnLst>
+            <p:seq concurrent="1" nextAc="seek">
+              <p:cTn id="2" dur="indefinite" nodeType="mainSeq">
+                <p:childTnLst>
+                  <p:par>
+                    <p:cTn id="3" fill="hold">
+                      <p:stCondLst>
+                        <p:cond delay="indefinite"/>
+                      </p:stCondLst>
+                      <p:childTnLst>
+                        <p:par>
+                          <p:cTn id="4" fill="hold">
+                            <p:stCondLst>
+                              <p:cond delay="0"/>
+                            </p:stCondLst>
+                            <p:childTnLst>
+                              <p:par>
+                                <p:cTn id="5" presetID="22" presetClass="entr" presetSubtype="4" fill="hold" grpId="0" nodeType="clickEffect">
+                                  <p:stCondLst>
+                                    <p:cond delay="0"/>
+                                  </p:stCondLst>
+                                  <p:childTnLst>
+                                    <p:set>
+                                      <p:cBhvr>
+                                        <p:cTn id="6" dur="1" fill="hold">
+                                          <p:stCondLst>
+                                            <p:cond delay="0"/>
+                                          </p:stCondLst>
+                                        </p:cTn>
+                                        <p:tgtEl>
+                                          <p:spTgt spid="3">
+                                            <p:txEl>
+                                              <p:pRg st="3" end="3"/>
+                                            </p:txEl>
+                                          </p:spTgt>
+                                        </p:tgtEl>
+                                        <p:attrNameLst>
+                                          <p:attrName>style.visibility</p:attrName>
+                                        </p:attrNameLst>
+                                      </p:cBhvr>
+                                      <p:to>
+                                        <p:strVal val="visible"/>
+                                      </p:to>
+                                    </p:set>
+                                    <p:animEffect transition="in" filter="wipe(down)">
+                                      <p:cBhvr>
+                                        <p:cTn id="7" dur="500"/>
+                                        <p:tgtEl>
+                                          <p:spTgt spid="3">
+                                            <p:txEl>
+                                              <p:pRg st="3" end="3"/>
+                                            </p:txEl>
+                                          </p:spTgt>
+                                        </p:tgtEl>
+                                      </p:cBhvr>
+                                    </p:animEffect>
+                                  </p:childTnLst>
+                                </p:cTn>
+                              </p:par>
+                            </p:childTnLst>
+                          </p:cTn>
+                        </p:par>
+                      </p:childTnLst>
+                    </p:cTn>
+                  </p:par>
+                  <p:par>
+                    <p:cTn id="8" fill="hold">
+                      <p:stCondLst>
+                        <p:cond delay="indefinite"/>
+                      </p:stCondLst>
+                      <p:childTnLst>
+                        <p:par>
+                          <p:cTn id="9" fill="hold">
+                            <p:stCondLst>
+                              <p:cond delay="0"/>
+                            </p:stCondLst>
+                            <p:childTnLst>
+                              <p:par>
+                                <p:cTn id="10" presetID="22" presetClass="entr" presetSubtype="4" fill="hold" grpId="0" nodeType="clickEffect">
+                                  <p:stCondLst>
+                                    <p:cond delay="0"/>
+                                  </p:stCondLst>
+                                  <p:childTnLst>
+                                    <p:set>
+                                      <p:cBhvr>
+                                        <p:cTn id="11" dur="1" fill="hold">
+                                          <p:stCondLst>
+                                            <p:cond delay="0"/>
+                                          </p:stCondLst>
+                                        </p:cTn>
+                                        <p:tgtEl>
+                                          <p:spTgt spid="3">
+                                            <p:txEl>
+                                              <p:pRg st="4" end="4"/>
+                                            </p:txEl>
+                                          </p:spTgt>
+                                        </p:tgtEl>
+                                        <p:attrNameLst>
+                                          <p:attrName>style.visibility</p:attrName>
+                                        </p:attrNameLst>
+                                      </p:cBhvr>
+                                      <p:to>
+                                        <p:strVal val="visible"/>
+                                      </p:to>
+                                    </p:set>
+                                    <p:animEffect transition="in" filter="wipe(down)">
+                                      <p:cBhvr>
+                                        <p:cTn id="12" dur="500"/>
+                                        <p:tgtEl>
+                                          <p:spTgt spid="3">
+                                            <p:txEl>
+                                              <p:pRg st="4" end="4"/>
+                                            </p:txEl>
+                                          </p:spTgt>
+                                        </p:tgtEl>
+                                      </p:cBhvr>
+                                    </p:animEffect>
+                                  </p:childTnLst>
+                                </p:cTn>
+                              </p:par>
+                            </p:childTnLst>
+                          </p:cTn>
+                        </p:par>
+                      </p:childTnLst>
+                    </p:cTn>
+                  </p:par>
+                  <p:par>
+                    <p:cTn id="13" fill="hold">
+                      <p:stCondLst>
+                        <p:cond delay="indefinite"/>
+                      </p:stCondLst>
+                      <p:childTnLst>
+                        <p:par>
+                          <p:cTn id="14" fill="hold">
+                            <p:stCondLst>
+                              <p:cond delay="0"/>
+                            </p:stCondLst>
+                            <p:childTnLst>
+                              <p:par>
+                                <p:cTn id="15" presetID="22" presetClass="entr" presetSubtype="4" fill="hold" grpId="0" nodeType="clickEffect">
+                                  <p:stCondLst>
+                                    <p:cond delay="0"/>
+                                  </p:stCondLst>
+                                  <p:childTnLst>
+                                    <p:set>
+                                      <p:cBhvr>
+                                        <p:cTn id="16" dur="1" fill="hold">
+                                          <p:stCondLst>
+                                            <p:cond delay="0"/>
+                                          </p:stCondLst>
+                                        </p:cTn>
+                                        <p:tgtEl>
+                                          <p:spTgt spid="3">
+                                            <p:txEl>
+                                              <p:pRg st="5" end="5"/>
+                                            </p:txEl>
+                                          </p:spTgt>
+                                        </p:tgtEl>
+                                        <p:attrNameLst>
+                                          <p:attrName>style.visibility</p:attrName>
+                                        </p:attrNameLst>
+                                      </p:cBhvr>
+                                      <p:to>
+                                        <p:strVal val="visible"/>
+                                      </p:to>
+                                    </p:set>
+                                    <p:animEffect transition="in" filter="wipe(down)">
+                                      <p:cBhvr>
+                                        <p:cTn id="17" dur="500"/>
+                                        <p:tgtEl>
+                                          <p:spTgt spid="3">
+                                            <p:txEl>
+                                              <p:pRg st="5" end="5"/>
+                                            </p:txEl>
+                                          </p:spTgt>
+                                        </p:tgtEl>
+                                      </p:cBhvr>
+                                    </p:animEffect>
+                                  </p:childTnLst>
+                                </p:cTn>
+                              </p:par>
+                            </p:childTnLst>
+                          </p:cTn>
+                        </p:par>
+                      </p:childTnLst>
+                    </p:cTn>
+                  </p:par>
+                  <p:par>
+                    <p:cTn id="18" fill="hold">
+                      <p:stCondLst>
+                        <p:cond delay="indefinite"/>
+                      </p:stCondLst>
+                      <p:childTnLst>
+                        <p:par>
+                          <p:cTn id="19" fill="hold">
+                            <p:stCondLst>
+                              <p:cond delay="0"/>
+                            </p:stCondLst>
+                            <p:childTnLst>
+                              <p:par>
+                                <p:cTn id="20" presetID="10" presetClass="entr" presetSubtype="0" fill="hold" grpId="0" nodeType="clickEffect">
+                                  <p:stCondLst>
+                                    <p:cond delay="0"/>
+                                  </p:stCondLst>
+                                  <p:childTnLst>
+                                    <p:set>
+                                      <p:cBhvr>
+                                        <p:cTn id="21" dur="1" fill="hold">
+                                          <p:stCondLst>
+                                            <p:cond delay="0"/>
+                                          </p:stCondLst>
+                                        </p:cTn>
+                                        <p:tgtEl>
+                                          <p:spTgt spid="2"/>
+                                        </p:tgtEl>
+                                        <p:attrNameLst>
+                                          <p:attrName>style.visibility</p:attrName>
+                                        </p:attrNameLst>
+                                      </p:cBhvr>
+                                      <p:to>
+                                        <p:strVal val="visible"/>
+                                      </p:to>
+                                    </p:set>
+                                    <p:animEffect transition="in" filter="fade">
+                                      <p:cBhvr>
+                                        <p:cTn id="22" dur="2000"/>
+                                        <p:tgtEl>
+                                          <p:spTgt spid="2"/>
+                                        </p:tgtEl>
+                                      </p:cBhvr>
+                                    </p:animEffect>
+                                  </p:childTnLst>
+                                </p:cTn>
+                              </p:par>
+                            </p:childTnLst>
+                          </p:cTn>
+                        </p:par>
+                      </p:childTnLst>
+                    </p:cTn>
+                  </p:par>
+                </p:childTnLst>
+              </p:cTn>
+              <p:prevCondLst>
+                <p:cond evt="onPrev" delay="0">
+                  <p:tgtEl>
+                    <p:sldTgt/>
+                  </p:tgtEl>
+                </p:cond>
+              </p:prevCondLst>
+              <p:nextCondLst>
+                <p:cond evt="onNext" delay="0">
+                  <p:tgtEl>
+                    <p:sldTgt/>
+                  </p:tgtEl>
+                </p:cond>
+              </p:nextCondLst>
+            </p:seq>
+          </p:childTnLst>
+        </p:cTn>
+      </p:par>
+    </p:tnLst>
+    <p:bldLst>
+      <p:bldP spid="2" grpId="0"/>
+      <p:bldP spid="3" grpId="0" build="p"/>
+    </p:bldLst>
+  </p:timing>
 </p:sld>
 </file>
 
@@ -7024,7 +7991,7 @@
           <p:cNvPr id="2" name="标题 1">
             <a:extLst>
               <a:ext uri="{FF2B5EF4-FFF2-40B4-BE49-F238E27FC236}">
-                <a16:creationId xmlns:a16="http://schemas.microsoft.com/office/drawing/2014/main" xmlns="" id="{92465190-A9B5-15FB-0CC7-52D427954EC8}"/>
+                <a16:creationId xmlns="" xmlns:a16="http://schemas.microsoft.com/office/drawing/2014/main" id="{3B121F95-2659-B777-A490-44CC5DFFC3A1}"/>
               </a:ext>
             </a:extLst>
           </p:cNvPr>
@@ -7035,14 +8002,20 @@
             <p:ph type="title"/>
           </p:nvPr>
         </p:nvSpPr>
-        <p:spPr/>
+        <p:spPr>
+          <a:xfrm>
+            <a:off x="376687" y="402064"/>
+            <a:ext cx="8610600" cy="1293028"/>
+          </a:xfrm>
+        </p:spPr>
         <p:txBody>
           <a:bodyPr/>
           <a:lstStyle/>
           <a:p>
+            <a:pPr algn="l"/>
             <a:r>
               <a:rPr lang="en-NZ" dirty="0"/>
-              <a:t>What is A Password Generator</a:t>
+              <a:t>Agenda</a:t>
             </a:r>
           </a:p>
         </p:txBody>
@@ -7052,7 +8025,7 @@
           <p:cNvPr id="3" name="内容占位符 2">
             <a:extLst>
               <a:ext uri="{FF2B5EF4-FFF2-40B4-BE49-F238E27FC236}">
-                <a16:creationId xmlns:a16="http://schemas.microsoft.com/office/drawing/2014/main" xmlns="" id="{CAC7A421-7F2F-3B65-83AB-9B04FEA923A7}"/>
+                <a16:creationId xmlns="" xmlns:a16="http://schemas.microsoft.com/office/drawing/2014/main" id="{7A6FE493-6895-3F84-9D5F-AB2A89BCCCAE}"/>
               </a:ext>
             </a:extLst>
           </p:cNvPr>
@@ -7068,38 +8041,89 @@
           <a:bodyPr/>
           <a:lstStyle/>
           <a:p>
+            <a:pPr>
+              <a:buNone/>
+            </a:pPr>
             <a:r>
               <a:rPr lang="en-NZ" dirty="0"/>
-              <a:t>Create a random password for use when registering or changing passwords in websites and apps</a:t>
-            </a:r>
-          </a:p>
-          <a:p>
+              <a:t>1. What is a Password Generator</a:t>
+            </a:r>
+          </a:p>
+          <a:p>
+            <a:pPr>
+              <a:buNone/>
+            </a:pPr>
             <a:r>
               <a:rPr lang="en-NZ" dirty="0"/>
-              <a:t>Platforms: </a:t>
-            </a:r>
-          </a:p>
-          <a:p>
-            <a:pPr lvl="1"/>
+              <a:t>2. Why we chose this project</a:t>
+            </a:r>
+          </a:p>
+          <a:p>
+            <a:pPr>
+              <a:buNone/>
+            </a:pPr>
             <a:r>
               <a:rPr lang="en-NZ" dirty="0"/>
-              <a:t>Computers/Laptops (Mac &amp; Windows), phones (IOS &amp; Android), </a:t>
+              <a:t>3. Technologies</a:t>
+            </a:r>
+          </a:p>
+          <a:p>
+            <a:pPr>
+              <a:buNone/>
+            </a:pPr>
+            <a:r>
+              <a:rPr lang="en-NZ" dirty="0"/>
+              <a:t>4. Methodology</a:t>
+            </a:r>
+          </a:p>
+          <a:p>
+            <a:pPr>
+              <a:buNone/>
+            </a:pPr>
+            <a:r>
+              <a:rPr lang="en-NZ" dirty="0"/>
+              <a:t>5. </a:t>
             </a:r>
             <a:r>
               <a:rPr lang="en-US" altLang="zh-CN" dirty="0"/>
-              <a:t>tablets (</a:t>
-            </a:r>
-            <a:r>
-              <a:rPr lang="en-NZ" altLang="zh-CN" dirty="0" err="1"/>
-              <a:t>i</a:t>
-            </a:r>
-            <a:r>
-              <a:rPr lang="en-NZ" dirty="0" err="1"/>
-              <a:t>pads</a:t>
-            </a:r>
+              <a:t>Team work</a:t>
+            </a:r>
+            <a:endParaRPr lang="en-NZ" dirty="0"/>
+          </a:p>
+          <a:p>
+            <a:pPr>
+              <a:buNone/>
+            </a:pPr>
             <a:r>
               <a:rPr lang="en-NZ" dirty="0"/>
-              <a:t> &amp; other brands)</a:t>
+              <a:t>6. Reflections</a:t>
+            </a:r>
+          </a:p>
+          <a:p>
+            <a:pPr>
+              <a:buNone/>
+            </a:pPr>
+            <a:r>
+              <a:rPr lang="en-NZ" dirty="0"/>
+              <a:t>7. References</a:t>
+            </a:r>
+          </a:p>
+          <a:p>
+            <a:pPr>
+              <a:buNone/>
+            </a:pPr>
+            <a:r>
+              <a:rPr lang="en-NZ" dirty="0"/>
+              <a:t>8. Demo</a:t>
+            </a:r>
+          </a:p>
+          <a:p>
+            <a:pPr>
+              <a:buNone/>
+            </a:pPr>
+            <a:r>
+              <a:rPr lang="en-NZ" dirty="0"/>
+              <a:t>9. Q &amp; A</a:t>
             </a:r>
           </a:p>
         </p:txBody>
@@ -7107,13 +8131,598 @@
     </p:spTree>
     <p:extLst>
       <p:ext uri="{BB962C8B-B14F-4D97-AF65-F5344CB8AC3E}">
-        <p14:creationId xmlns:p14="http://schemas.microsoft.com/office/powerpoint/2010/main" xmlns="" val="3295134947"/>
+        <p14:creationId xmlns="" xmlns:p14="http://schemas.microsoft.com/office/powerpoint/2010/main" val="3104536044"/>
       </p:ext>
     </p:extLst>
   </p:cSld>
   <p:clrMapOvr>
     <a:masterClrMapping/>
   </p:clrMapOvr>
+  <p:transition spd="slow">
+    <p:cover dir="d"/>
+  </p:transition>
+  <p:timing>
+    <p:tnLst>
+      <p:par>
+        <p:cTn id="1" dur="indefinite" restart="never" nodeType="tmRoot">
+          <p:childTnLst>
+            <p:seq concurrent="1" nextAc="seek">
+              <p:cTn id="2" dur="indefinite" nodeType="mainSeq">
+                <p:childTnLst>
+                  <p:par>
+                    <p:cTn id="3" fill="hold">
+                      <p:stCondLst>
+                        <p:cond delay="indefinite"/>
+                      </p:stCondLst>
+                      <p:childTnLst>
+                        <p:par>
+                          <p:cTn id="4" fill="hold">
+                            <p:stCondLst>
+                              <p:cond delay="0"/>
+                            </p:stCondLst>
+                            <p:childTnLst>
+                              <p:par>
+                                <p:cTn id="5" presetID="10" presetClass="entr" presetSubtype="0" fill="hold" grpId="0" nodeType="clickEffect">
+                                  <p:stCondLst>
+                                    <p:cond delay="0"/>
+                                  </p:stCondLst>
+                                  <p:childTnLst>
+                                    <p:set>
+                                      <p:cBhvr>
+                                        <p:cTn id="6" dur="1" fill="hold">
+                                          <p:stCondLst>
+                                            <p:cond delay="0"/>
+                                          </p:stCondLst>
+                                        </p:cTn>
+                                        <p:tgtEl>
+                                          <p:spTgt spid="3">
+                                            <p:txEl>
+                                              <p:pRg st="0" end="0"/>
+                                            </p:txEl>
+                                          </p:spTgt>
+                                        </p:tgtEl>
+                                        <p:attrNameLst>
+                                          <p:attrName>style.visibility</p:attrName>
+                                        </p:attrNameLst>
+                                      </p:cBhvr>
+                                      <p:to>
+                                        <p:strVal val="visible"/>
+                                      </p:to>
+                                    </p:set>
+                                    <p:animEffect transition="in" filter="fade">
+                                      <p:cBhvr>
+                                        <p:cTn id="7" dur="2000"/>
+                                        <p:tgtEl>
+                                          <p:spTgt spid="3">
+                                            <p:txEl>
+                                              <p:pRg st="0" end="0"/>
+                                            </p:txEl>
+                                          </p:spTgt>
+                                        </p:tgtEl>
+                                      </p:cBhvr>
+                                    </p:animEffect>
+                                  </p:childTnLst>
+                                </p:cTn>
+                              </p:par>
+                            </p:childTnLst>
+                          </p:cTn>
+                        </p:par>
+                      </p:childTnLst>
+                    </p:cTn>
+                  </p:par>
+                  <p:par>
+                    <p:cTn id="8" fill="hold">
+                      <p:stCondLst>
+                        <p:cond delay="indefinite"/>
+                      </p:stCondLst>
+                      <p:childTnLst>
+                        <p:par>
+                          <p:cTn id="9" fill="hold">
+                            <p:stCondLst>
+                              <p:cond delay="0"/>
+                            </p:stCondLst>
+                            <p:childTnLst>
+                              <p:par>
+                                <p:cTn id="10" presetID="10" presetClass="entr" presetSubtype="0" fill="hold" grpId="0" nodeType="clickEffect">
+                                  <p:stCondLst>
+                                    <p:cond delay="0"/>
+                                  </p:stCondLst>
+                                  <p:childTnLst>
+                                    <p:set>
+                                      <p:cBhvr>
+                                        <p:cTn id="11" dur="1" fill="hold">
+                                          <p:stCondLst>
+                                            <p:cond delay="0"/>
+                                          </p:stCondLst>
+                                        </p:cTn>
+                                        <p:tgtEl>
+                                          <p:spTgt spid="3">
+                                            <p:txEl>
+                                              <p:pRg st="1" end="1"/>
+                                            </p:txEl>
+                                          </p:spTgt>
+                                        </p:tgtEl>
+                                        <p:attrNameLst>
+                                          <p:attrName>style.visibility</p:attrName>
+                                        </p:attrNameLst>
+                                      </p:cBhvr>
+                                      <p:to>
+                                        <p:strVal val="visible"/>
+                                      </p:to>
+                                    </p:set>
+                                    <p:animEffect transition="in" filter="fade">
+                                      <p:cBhvr>
+                                        <p:cTn id="12" dur="2000"/>
+                                        <p:tgtEl>
+                                          <p:spTgt spid="3">
+                                            <p:txEl>
+                                              <p:pRg st="1" end="1"/>
+                                            </p:txEl>
+                                          </p:spTgt>
+                                        </p:tgtEl>
+                                      </p:cBhvr>
+                                    </p:animEffect>
+                                  </p:childTnLst>
+                                </p:cTn>
+                              </p:par>
+                            </p:childTnLst>
+                          </p:cTn>
+                        </p:par>
+                      </p:childTnLst>
+                    </p:cTn>
+                  </p:par>
+                  <p:par>
+                    <p:cTn id="13" fill="hold">
+                      <p:stCondLst>
+                        <p:cond delay="indefinite"/>
+                      </p:stCondLst>
+                      <p:childTnLst>
+                        <p:par>
+                          <p:cTn id="14" fill="hold">
+                            <p:stCondLst>
+                              <p:cond delay="0"/>
+                            </p:stCondLst>
+                            <p:childTnLst>
+                              <p:par>
+                                <p:cTn id="15" presetID="10" presetClass="entr" presetSubtype="0" fill="hold" grpId="0" nodeType="clickEffect">
+                                  <p:stCondLst>
+                                    <p:cond delay="0"/>
+                                  </p:stCondLst>
+                                  <p:childTnLst>
+                                    <p:set>
+                                      <p:cBhvr>
+                                        <p:cTn id="16" dur="1" fill="hold">
+                                          <p:stCondLst>
+                                            <p:cond delay="0"/>
+                                          </p:stCondLst>
+                                        </p:cTn>
+                                        <p:tgtEl>
+                                          <p:spTgt spid="3">
+                                            <p:txEl>
+                                              <p:pRg st="2" end="2"/>
+                                            </p:txEl>
+                                          </p:spTgt>
+                                        </p:tgtEl>
+                                        <p:attrNameLst>
+                                          <p:attrName>style.visibility</p:attrName>
+                                        </p:attrNameLst>
+                                      </p:cBhvr>
+                                      <p:to>
+                                        <p:strVal val="visible"/>
+                                      </p:to>
+                                    </p:set>
+                                    <p:animEffect transition="in" filter="fade">
+                                      <p:cBhvr>
+                                        <p:cTn id="17" dur="2000"/>
+                                        <p:tgtEl>
+                                          <p:spTgt spid="3">
+                                            <p:txEl>
+                                              <p:pRg st="2" end="2"/>
+                                            </p:txEl>
+                                          </p:spTgt>
+                                        </p:tgtEl>
+                                      </p:cBhvr>
+                                    </p:animEffect>
+                                  </p:childTnLst>
+                                </p:cTn>
+                              </p:par>
+                            </p:childTnLst>
+                          </p:cTn>
+                        </p:par>
+                      </p:childTnLst>
+                    </p:cTn>
+                  </p:par>
+                  <p:par>
+                    <p:cTn id="18" fill="hold">
+                      <p:stCondLst>
+                        <p:cond delay="indefinite"/>
+                      </p:stCondLst>
+                      <p:childTnLst>
+                        <p:par>
+                          <p:cTn id="19" fill="hold">
+                            <p:stCondLst>
+                              <p:cond delay="0"/>
+                            </p:stCondLst>
+                            <p:childTnLst>
+                              <p:par>
+                                <p:cTn id="20" presetID="10" presetClass="entr" presetSubtype="0" fill="hold" grpId="0" nodeType="clickEffect">
+                                  <p:stCondLst>
+                                    <p:cond delay="0"/>
+                                  </p:stCondLst>
+                                  <p:childTnLst>
+                                    <p:set>
+                                      <p:cBhvr>
+                                        <p:cTn id="21" dur="1" fill="hold">
+                                          <p:stCondLst>
+                                            <p:cond delay="0"/>
+                                          </p:stCondLst>
+                                        </p:cTn>
+                                        <p:tgtEl>
+                                          <p:spTgt spid="3">
+                                            <p:txEl>
+                                              <p:pRg st="3" end="3"/>
+                                            </p:txEl>
+                                          </p:spTgt>
+                                        </p:tgtEl>
+                                        <p:attrNameLst>
+                                          <p:attrName>style.visibility</p:attrName>
+                                        </p:attrNameLst>
+                                      </p:cBhvr>
+                                      <p:to>
+                                        <p:strVal val="visible"/>
+                                      </p:to>
+                                    </p:set>
+                                    <p:animEffect transition="in" filter="fade">
+                                      <p:cBhvr>
+                                        <p:cTn id="22" dur="2000"/>
+                                        <p:tgtEl>
+                                          <p:spTgt spid="3">
+                                            <p:txEl>
+                                              <p:pRg st="3" end="3"/>
+                                            </p:txEl>
+                                          </p:spTgt>
+                                        </p:tgtEl>
+                                      </p:cBhvr>
+                                    </p:animEffect>
+                                  </p:childTnLst>
+                                </p:cTn>
+                              </p:par>
+                            </p:childTnLst>
+                          </p:cTn>
+                        </p:par>
+                      </p:childTnLst>
+                    </p:cTn>
+                  </p:par>
+                  <p:par>
+                    <p:cTn id="23" fill="hold">
+                      <p:stCondLst>
+                        <p:cond delay="indefinite"/>
+                      </p:stCondLst>
+                      <p:childTnLst>
+                        <p:par>
+                          <p:cTn id="24" fill="hold">
+                            <p:stCondLst>
+                              <p:cond delay="0"/>
+                            </p:stCondLst>
+                            <p:childTnLst>
+                              <p:par>
+                                <p:cTn id="25" presetID="10" presetClass="entr" presetSubtype="0" fill="hold" grpId="0" nodeType="clickEffect">
+                                  <p:stCondLst>
+                                    <p:cond delay="0"/>
+                                  </p:stCondLst>
+                                  <p:childTnLst>
+                                    <p:set>
+                                      <p:cBhvr>
+                                        <p:cTn id="26" dur="1" fill="hold">
+                                          <p:stCondLst>
+                                            <p:cond delay="0"/>
+                                          </p:stCondLst>
+                                        </p:cTn>
+                                        <p:tgtEl>
+                                          <p:spTgt spid="3">
+                                            <p:txEl>
+                                              <p:pRg st="4" end="4"/>
+                                            </p:txEl>
+                                          </p:spTgt>
+                                        </p:tgtEl>
+                                        <p:attrNameLst>
+                                          <p:attrName>style.visibility</p:attrName>
+                                        </p:attrNameLst>
+                                      </p:cBhvr>
+                                      <p:to>
+                                        <p:strVal val="visible"/>
+                                      </p:to>
+                                    </p:set>
+                                    <p:animEffect transition="in" filter="fade">
+                                      <p:cBhvr>
+                                        <p:cTn id="27" dur="2000"/>
+                                        <p:tgtEl>
+                                          <p:spTgt spid="3">
+                                            <p:txEl>
+                                              <p:pRg st="4" end="4"/>
+                                            </p:txEl>
+                                          </p:spTgt>
+                                        </p:tgtEl>
+                                      </p:cBhvr>
+                                    </p:animEffect>
+                                  </p:childTnLst>
+                                </p:cTn>
+                              </p:par>
+                            </p:childTnLst>
+                          </p:cTn>
+                        </p:par>
+                      </p:childTnLst>
+                    </p:cTn>
+                  </p:par>
+                  <p:par>
+                    <p:cTn id="28" fill="hold">
+                      <p:stCondLst>
+                        <p:cond delay="indefinite"/>
+                      </p:stCondLst>
+                      <p:childTnLst>
+                        <p:par>
+                          <p:cTn id="29" fill="hold">
+                            <p:stCondLst>
+                              <p:cond delay="0"/>
+                            </p:stCondLst>
+                            <p:childTnLst>
+                              <p:par>
+                                <p:cTn id="30" presetID="10" presetClass="entr" presetSubtype="0" fill="hold" grpId="0" nodeType="clickEffect">
+                                  <p:stCondLst>
+                                    <p:cond delay="0"/>
+                                  </p:stCondLst>
+                                  <p:childTnLst>
+                                    <p:set>
+                                      <p:cBhvr>
+                                        <p:cTn id="31" dur="1" fill="hold">
+                                          <p:stCondLst>
+                                            <p:cond delay="0"/>
+                                          </p:stCondLst>
+                                        </p:cTn>
+                                        <p:tgtEl>
+                                          <p:spTgt spid="3">
+                                            <p:txEl>
+                                              <p:pRg st="5" end="5"/>
+                                            </p:txEl>
+                                          </p:spTgt>
+                                        </p:tgtEl>
+                                        <p:attrNameLst>
+                                          <p:attrName>style.visibility</p:attrName>
+                                        </p:attrNameLst>
+                                      </p:cBhvr>
+                                      <p:to>
+                                        <p:strVal val="visible"/>
+                                      </p:to>
+                                    </p:set>
+                                    <p:animEffect transition="in" filter="fade">
+                                      <p:cBhvr>
+                                        <p:cTn id="32" dur="2000"/>
+                                        <p:tgtEl>
+                                          <p:spTgt spid="3">
+                                            <p:txEl>
+                                              <p:pRg st="5" end="5"/>
+                                            </p:txEl>
+                                          </p:spTgt>
+                                        </p:tgtEl>
+                                      </p:cBhvr>
+                                    </p:animEffect>
+                                  </p:childTnLst>
+                                </p:cTn>
+                              </p:par>
+                            </p:childTnLst>
+                          </p:cTn>
+                        </p:par>
+                      </p:childTnLst>
+                    </p:cTn>
+                  </p:par>
+                  <p:par>
+                    <p:cTn id="33" fill="hold">
+                      <p:stCondLst>
+                        <p:cond delay="indefinite"/>
+                      </p:stCondLst>
+                      <p:childTnLst>
+                        <p:par>
+                          <p:cTn id="34" fill="hold">
+                            <p:stCondLst>
+                              <p:cond delay="0"/>
+                            </p:stCondLst>
+                            <p:childTnLst>
+                              <p:par>
+                                <p:cTn id="35" presetID="10" presetClass="entr" presetSubtype="0" fill="hold" grpId="0" nodeType="clickEffect">
+                                  <p:stCondLst>
+                                    <p:cond delay="0"/>
+                                  </p:stCondLst>
+                                  <p:childTnLst>
+                                    <p:set>
+                                      <p:cBhvr>
+                                        <p:cTn id="36" dur="1" fill="hold">
+                                          <p:stCondLst>
+                                            <p:cond delay="0"/>
+                                          </p:stCondLst>
+                                        </p:cTn>
+                                        <p:tgtEl>
+                                          <p:spTgt spid="3">
+                                            <p:txEl>
+                                              <p:pRg st="6" end="6"/>
+                                            </p:txEl>
+                                          </p:spTgt>
+                                        </p:tgtEl>
+                                        <p:attrNameLst>
+                                          <p:attrName>style.visibility</p:attrName>
+                                        </p:attrNameLst>
+                                      </p:cBhvr>
+                                      <p:to>
+                                        <p:strVal val="visible"/>
+                                      </p:to>
+                                    </p:set>
+                                    <p:animEffect transition="in" filter="fade">
+                                      <p:cBhvr>
+                                        <p:cTn id="37" dur="2000"/>
+                                        <p:tgtEl>
+                                          <p:spTgt spid="3">
+                                            <p:txEl>
+                                              <p:pRg st="6" end="6"/>
+                                            </p:txEl>
+                                          </p:spTgt>
+                                        </p:tgtEl>
+                                      </p:cBhvr>
+                                    </p:animEffect>
+                                  </p:childTnLst>
+                                </p:cTn>
+                              </p:par>
+                            </p:childTnLst>
+                          </p:cTn>
+                        </p:par>
+                      </p:childTnLst>
+                    </p:cTn>
+                  </p:par>
+                  <p:par>
+                    <p:cTn id="38" fill="hold">
+                      <p:stCondLst>
+                        <p:cond delay="indefinite"/>
+                      </p:stCondLst>
+                      <p:childTnLst>
+                        <p:par>
+                          <p:cTn id="39" fill="hold">
+                            <p:stCondLst>
+                              <p:cond delay="0"/>
+                            </p:stCondLst>
+                            <p:childTnLst>
+                              <p:par>
+                                <p:cTn id="40" presetID="10" presetClass="entr" presetSubtype="0" fill="hold" grpId="0" nodeType="clickEffect">
+                                  <p:stCondLst>
+                                    <p:cond delay="0"/>
+                                  </p:stCondLst>
+                                  <p:childTnLst>
+                                    <p:set>
+                                      <p:cBhvr>
+                                        <p:cTn id="41" dur="1" fill="hold">
+                                          <p:stCondLst>
+                                            <p:cond delay="0"/>
+                                          </p:stCondLst>
+                                        </p:cTn>
+                                        <p:tgtEl>
+                                          <p:spTgt spid="3">
+                                            <p:txEl>
+                                              <p:pRg st="7" end="7"/>
+                                            </p:txEl>
+                                          </p:spTgt>
+                                        </p:tgtEl>
+                                        <p:attrNameLst>
+                                          <p:attrName>style.visibility</p:attrName>
+                                        </p:attrNameLst>
+                                      </p:cBhvr>
+                                      <p:to>
+                                        <p:strVal val="visible"/>
+                                      </p:to>
+                                    </p:set>
+                                    <p:animEffect transition="in" filter="fade">
+                                      <p:cBhvr>
+                                        <p:cTn id="42" dur="2000"/>
+                                        <p:tgtEl>
+                                          <p:spTgt spid="3">
+                                            <p:txEl>
+                                              <p:pRg st="7" end="7"/>
+                                            </p:txEl>
+                                          </p:spTgt>
+                                        </p:tgtEl>
+                                      </p:cBhvr>
+                                    </p:animEffect>
+                                  </p:childTnLst>
+                                </p:cTn>
+                              </p:par>
+                            </p:childTnLst>
+                          </p:cTn>
+                        </p:par>
+                      </p:childTnLst>
+                    </p:cTn>
+                  </p:par>
+                  <p:par>
+                    <p:cTn id="43" fill="hold">
+                      <p:stCondLst>
+                        <p:cond delay="indefinite"/>
+                      </p:stCondLst>
+                      <p:childTnLst>
+                        <p:par>
+                          <p:cTn id="44" fill="hold">
+                            <p:stCondLst>
+                              <p:cond delay="0"/>
+                            </p:stCondLst>
+                            <p:childTnLst>
+                              <p:par>
+                                <p:cTn id="45" presetID="10" presetClass="entr" presetSubtype="0" fill="hold" grpId="0" nodeType="clickEffect">
+                                  <p:stCondLst>
+                                    <p:cond delay="0"/>
+                                  </p:stCondLst>
+                                  <p:childTnLst>
+                                    <p:set>
+                                      <p:cBhvr>
+                                        <p:cTn id="46" dur="1" fill="hold">
+                                          <p:stCondLst>
+                                            <p:cond delay="0"/>
+                                          </p:stCondLst>
+                                        </p:cTn>
+                                        <p:tgtEl>
+                                          <p:spTgt spid="3">
+                                            <p:txEl>
+                                              <p:pRg st="8" end="8"/>
+                                            </p:txEl>
+                                          </p:spTgt>
+                                        </p:tgtEl>
+                                        <p:attrNameLst>
+                                          <p:attrName>style.visibility</p:attrName>
+                                        </p:attrNameLst>
+                                      </p:cBhvr>
+                                      <p:to>
+                                        <p:strVal val="visible"/>
+                                      </p:to>
+                                    </p:set>
+                                    <p:animEffect transition="in" filter="fade">
+                                      <p:cBhvr>
+                                        <p:cTn id="47" dur="2000"/>
+                                        <p:tgtEl>
+                                          <p:spTgt spid="3">
+                                            <p:txEl>
+                                              <p:pRg st="8" end="8"/>
+                                            </p:txEl>
+                                          </p:spTgt>
+                                        </p:tgtEl>
+                                      </p:cBhvr>
+                                    </p:animEffect>
+                                  </p:childTnLst>
+                                </p:cTn>
+                              </p:par>
+                            </p:childTnLst>
+                          </p:cTn>
+                        </p:par>
+                      </p:childTnLst>
+                    </p:cTn>
+                  </p:par>
+                </p:childTnLst>
+              </p:cTn>
+              <p:prevCondLst>
+                <p:cond evt="onPrev" delay="0">
+                  <p:tgtEl>
+                    <p:sldTgt/>
+                  </p:tgtEl>
+                </p:cond>
+              </p:prevCondLst>
+              <p:nextCondLst>
+                <p:cond evt="onNext" delay="0">
+                  <p:tgtEl>
+                    <p:sldTgt/>
+                  </p:tgtEl>
+                </p:cond>
+              </p:nextCondLst>
+            </p:seq>
+          </p:childTnLst>
+        </p:cTn>
+      </p:par>
+    </p:tnLst>
+    <p:bldLst>
+      <p:bldP spid="3" grpId="0" build="p"/>
+    </p:bldLst>
+  </p:timing>
 </p:sld>
 </file>
 
@@ -7139,7 +8748,7 @@
           <p:cNvPr id="2" name="标题 1">
             <a:extLst>
               <a:ext uri="{FF2B5EF4-FFF2-40B4-BE49-F238E27FC236}">
-                <a16:creationId xmlns:a16="http://schemas.microsoft.com/office/drawing/2014/main" xmlns="" id="{FCD0B3A6-F68D-1E92-C281-AEDB26248FFD}"/>
+                <a16:creationId xmlns="" xmlns:a16="http://schemas.microsoft.com/office/drawing/2014/main" id="{92465190-A9B5-15FB-0CC7-52D427954EC8}"/>
               </a:ext>
             </a:extLst>
           </p:cNvPr>
@@ -7150,20 +8759,35 @@
             <p:ph type="title"/>
           </p:nvPr>
         </p:nvSpPr>
-        <p:spPr/>
-        <p:txBody>
-          <a:bodyPr>
-            <a:normAutofit/>
-          </a:bodyPr>
+        <p:spPr>
+          <a:xfrm>
+            <a:off x="230038" y="453822"/>
+            <a:ext cx="8610600" cy="1293028"/>
+          </a:xfrm>
+        </p:spPr>
+        <p:txBody>
+          <a:bodyPr/>
           <a:lstStyle/>
           <a:p>
-            <a:r>
-              <a:rPr lang="en-NZ" sz="2400" dirty="0">
-                <a:latin typeface="Times New Roman" panose="02020603050405020304" pitchFamily="18" charset="0"/>
-                <a:cs typeface="Times New Roman" panose="02020603050405020304" pitchFamily="18" charset="0"/>
+            <a:pPr algn="l"/>
+            <a:r>
+              <a:rPr lang="en-NZ" dirty="0">
+                <a:latin typeface="Times New Roman" pitchFamily="18" charset="0"/>
+                <a:cs typeface="Times New Roman" pitchFamily="18" charset="0"/>
               </a:rPr>
-              <a:t>Why we chose this project</a:t>
-            </a:r>
+              <a:t>What is A Password </a:t>
+            </a:r>
+            <a:r>
+              <a:rPr lang="en-NZ" dirty="0" smtClean="0">
+                <a:latin typeface="Times New Roman" pitchFamily="18" charset="0"/>
+                <a:cs typeface="Times New Roman" pitchFamily="18" charset="0"/>
+              </a:rPr>
+              <a:t>Generator?</a:t>
+            </a:r>
+            <a:endParaRPr lang="en-NZ" dirty="0">
+              <a:latin typeface="Times New Roman" pitchFamily="18" charset="0"/>
+              <a:cs typeface="Times New Roman" pitchFamily="18" charset="0"/>
+            </a:endParaRPr>
           </a:p>
         </p:txBody>
       </p:sp>
@@ -7172,7 +8796,7 @@
           <p:cNvPr id="3" name="内容占位符 2">
             <a:extLst>
               <a:ext uri="{FF2B5EF4-FFF2-40B4-BE49-F238E27FC236}">
-                <a16:creationId xmlns:a16="http://schemas.microsoft.com/office/drawing/2014/main" xmlns="" id="{78485416-BC42-8064-E043-36117E18E39D}"/>
+                <a16:creationId xmlns="" xmlns:a16="http://schemas.microsoft.com/office/drawing/2014/main" id="{CAC7A421-7F2F-3B65-83AB-9B04FEA923A7}"/>
               </a:ext>
             </a:extLst>
           </p:cNvPr>
@@ -7189,61 +8813,252 @@
           <a:lstStyle/>
           <a:p>
             <a:r>
-              <a:rPr lang="en-NZ" sz="3200" dirty="0"/>
-              <a:t>Hard to create a complex password</a:t>
-            </a:r>
-          </a:p>
-          <a:p>
-            <a:endParaRPr lang="en-NZ" dirty="0"/>
-          </a:p>
-        </p:txBody>
-      </p:sp>
-      <p:pic>
-        <p:nvPicPr>
-          <p:cNvPr id="9" name="图片 8">
-            <a:extLst>
-              <a:ext uri="{FF2B5EF4-FFF2-40B4-BE49-F238E27FC236}">
-                <a16:creationId xmlns:a16="http://schemas.microsoft.com/office/drawing/2014/main" xmlns="" id="{FF651C45-FDCD-6C22-94A4-F7073AFDB5F7}"/>
-              </a:ext>
-            </a:extLst>
-          </p:cNvPr>
-          <p:cNvPicPr>
-            <a:picLocks noChangeAspect="1"/>
-          </p:cNvPicPr>
-          <p:nvPr/>
-        </p:nvPicPr>
-        <p:blipFill>
-          <a:blip r:embed="rId2">
-            <a:extLst>
-              <a:ext uri="{28A0092B-C50C-407E-A947-70E740481C1C}">
-                <a14:useLocalDpi xmlns:a14="http://schemas.microsoft.com/office/drawing/2010/main" xmlns="" val="0"/>
-              </a:ext>
-            </a:extLst>
-          </a:blip>
-          <a:stretch>
-            <a:fillRect/>
-          </a:stretch>
-        </p:blipFill>
-        <p:spPr>
-          <a:xfrm>
-            <a:off x="124422" y="2597149"/>
-            <a:ext cx="9729844" cy="3496477"/>
-          </a:xfrm>
-          <a:prstGeom prst="rect">
-            <a:avLst/>
-          </a:prstGeom>
-        </p:spPr>
-      </p:pic>
+              <a:rPr lang="en-NZ" dirty="0"/>
+              <a:t>Create a random password for use when registering or changing passwords in websites and apps</a:t>
+            </a:r>
+          </a:p>
+          <a:p>
+            <a:r>
+              <a:rPr lang="en-NZ" dirty="0"/>
+              <a:t>Platforms: </a:t>
+            </a:r>
+          </a:p>
+          <a:p>
+            <a:pPr lvl="1"/>
+            <a:r>
+              <a:rPr lang="en-NZ" dirty="0"/>
+              <a:t>Computers/Laptops (Mac &amp; Windows), phones (IOS &amp; Android), </a:t>
+            </a:r>
+            <a:r>
+              <a:rPr lang="en-US" altLang="zh-CN" dirty="0"/>
+              <a:t>tablets (</a:t>
+            </a:r>
+            <a:r>
+              <a:rPr lang="en-NZ" altLang="zh-CN" dirty="0" err="1"/>
+              <a:t>i</a:t>
+            </a:r>
+            <a:r>
+              <a:rPr lang="en-NZ" dirty="0" err="1"/>
+              <a:t>pads</a:t>
+            </a:r>
+            <a:r>
+              <a:rPr lang="en-NZ" dirty="0"/>
+              <a:t> &amp; other brands)</a:t>
+            </a:r>
+          </a:p>
+        </p:txBody>
+      </p:sp>
     </p:spTree>
     <p:extLst>
       <p:ext uri="{BB962C8B-B14F-4D97-AF65-F5344CB8AC3E}">
-        <p14:creationId xmlns:p14="http://schemas.microsoft.com/office/powerpoint/2010/main" xmlns="" val="1071497059"/>
+        <p14:creationId xmlns="" xmlns:p14="http://schemas.microsoft.com/office/powerpoint/2010/main" val="3295134947"/>
       </p:ext>
     </p:extLst>
   </p:cSld>
   <p:clrMapOvr>
     <a:masterClrMapping/>
   </p:clrMapOvr>
+  <p:transition spd="slow">
+    <p:cover dir="d"/>
+  </p:transition>
+  <p:timing>
+    <p:tnLst>
+      <p:par>
+        <p:cTn id="1" dur="indefinite" restart="never" nodeType="tmRoot">
+          <p:childTnLst>
+            <p:seq concurrent="1" nextAc="seek">
+              <p:cTn id="2" dur="indefinite" nodeType="mainSeq">
+                <p:childTnLst>
+                  <p:par>
+                    <p:cTn id="3" fill="hold">
+                      <p:stCondLst>
+                        <p:cond delay="indefinite"/>
+                      </p:stCondLst>
+                      <p:childTnLst>
+                        <p:par>
+                          <p:cTn id="4" fill="hold">
+                            <p:stCondLst>
+                              <p:cond delay="0"/>
+                            </p:stCondLst>
+                            <p:childTnLst>
+                              <p:par>
+                                <p:cTn id="5" presetID="10" presetClass="entr" presetSubtype="0" fill="hold" grpId="0" nodeType="clickEffect">
+                                  <p:stCondLst>
+                                    <p:cond delay="0"/>
+                                  </p:stCondLst>
+                                  <p:childTnLst>
+                                    <p:set>
+                                      <p:cBhvr>
+                                        <p:cTn id="6" dur="1" fill="hold">
+                                          <p:stCondLst>
+                                            <p:cond delay="0"/>
+                                          </p:stCondLst>
+                                        </p:cTn>
+                                        <p:tgtEl>
+                                          <p:spTgt spid="3">
+                                            <p:txEl>
+                                              <p:pRg st="0" end="0"/>
+                                            </p:txEl>
+                                          </p:spTgt>
+                                        </p:tgtEl>
+                                        <p:attrNameLst>
+                                          <p:attrName>style.visibility</p:attrName>
+                                        </p:attrNameLst>
+                                      </p:cBhvr>
+                                      <p:to>
+                                        <p:strVal val="visible"/>
+                                      </p:to>
+                                    </p:set>
+                                    <p:animEffect transition="in" filter="fade">
+                                      <p:cBhvr>
+                                        <p:cTn id="7" dur="2000"/>
+                                        <p:tgtEl>
+                                          <p:spTgt spid="3">
+                                            <p:txEl>
+                                              <p:pRg st="0" end="0"/>
+                                            </p:txEl>
+                                          </p:spTgt>
+                                        </p:tgtEl>
+                                      </p:cBhvr>
+                                    </p:animEffect>
+                                  </p:childTnLst>
+                                </p:cTn>
+                              </p:par>
+                            </p:childTnLst>
+                          </p:cTn>
+                        </p:par>
+                      </p:childTnLst>
+                    </p:cTn>
+                  </p:par>
+                  <p:par>
+                    <p:cTn id="8" fill="hold">
+                      <p:stCondLst>
+                        <p:cond delay="indefinite"/>
+                      </p:stCondLst>
+                      <p:childTnLst>
+                        <p:par>
+                          <p:cTn id="9" fill="hold">
+                            <p:stCondLst>
+                              <p:cond delay="0"/>
+                            </p:stCondLst>
+                            <p:childTnLst>
+                              <p:par>
+                                <p:cTn id="10" presetID="10" presetClass="entr" presetSubtype="0" fill="hold" grpId="0" nodeType="clickEffect">
+                                  <p:stCondLst>
+                                    <p:cond delay="0"/>
+                                  </p:stCondLst>
+                                  <p:childTnLst>
+                                    <p:set>
+                                      <p:cBhvr>
+                                        <p:cTn id="11" dur="1" fill="hold">
+                                          <p:stCondLst>
+                                            <p:cond delay="0"/>
+                                          </p:stCondLst>
+                                        </p:cTn>
+                                        <p:tgtEl>
+                                          <p:spTgt spid="3">
+                                            <p:txEl>
+                                              <p:pRg st="1" end="1"/>
+                                            </p:txEl>
+                                          </p:spTgt>
+                                        </p:tgtEl>
+                                        <p:attrNameLst>
+                                          <p:attrName>style.visibility</p:attrName>
+                                        </p:attrNameLst>
+                                      </p:cBhvr>
+                                      <p:to>
+                                        <p:strVal val="visible"/>
+                                      </p:to>
+                                    </p:set>
+                                    <p:animEffect transition="in" filter="fade">
+                                      <p:cBhvr>
+                                        <p:cTn id="12" dur="2000"/>
+                                        <p:tgtEl>
+                                          <p:spTgt spid="3">
+                                            <p:txEl>
+                                              <p:pRg st="1" end="1"/>
+                                            </p:txEl>
+                                          </p:spTgt>
+                                        </p:tgtEl>
+                                      </p:cBhvr>
+                                    </p:animEffect>
+                                  </p:childTnLst>
+                                </p:cTn>
+                              </p:par>
+                              <p:par>
+                                <p:cTn id="13" presetID="10" presetClass="entr" presetSubtype="0" fill="hold" grpId="0" nodeType="withEffect">
+                                  <p:stCondLst>
+                                    <p:cond delay="0"/>
+                                  </p:stCondLst>
+                                  <p:childTnLst>
+                                    <p:set>
+                                      <p:cBhvr>
+                                        <p:cTn id="14" dur="1" fill="hold">
+                                          <p:stCondLst>
+                                            <p:cond delay="0"/>
+                                          </p:stCondLst>
+                                        </p:cTn>
+                                        <p:tgtEl>
+                                          <p:spTgt spid="3">
+                                            <p:txEl>
+                                              <p:pRg st="2" end="2"/>
+                                            </p:txEl>
+                                          </p:spTgt>
+                                        </p:tgtEl>
+                                        <p:attrNameLst>
+                                          <p:attrName>style.visibility</p:attrName>
+                                        </p:attrNameLst>
+                                      </p:cBhvr>
+                                      <p:to>
+                                        <p:strVal val="visible"/>
+                                      </p:to>
+                                    </p:set>
+                                    <p:animEffect transition="in" filter="fade">
+                                      <p:cBhvr>
+                                        <p:cTn id="15" dur="2000"/>
+                                        <p:tgtEl>
+                                          <p:spTgt spid="3">
+                                            <p:txEl>
+                                              <p:pRg st="2" end="2"/>
+                                            </p:txEl>
+                                          </p:spTgt>
+                                        </p:tgtEl>
+                                      </p:cBhvr>
+                                    </p:animEffect>
+                                  </p:childTnLst>
+                                </p:cTn>
+                              </p:par>
+                            </p:childTnLst>
+                          </p:cTn>
+                        </p:par>
+                      </p:childTnLst>
+                    </p:cTn>
+                  </p:par>
+                </p:childTnLst>
+              </p:cTn>
+              <p:prevCondLst>
+                <p:cond evt="onPrev" delay="0">
+                  <p:tgtEl>
+                    <p:sldTgt/>
+                  </p:tgtEl>
+                </p:cond>
+              </p:prevCondLst>
+              <p:nextCondLst>
+                <p:cond evt="onNext" delay="0">
+                  <p:tgtEl>
+                    <p:sldTgt/>
+                  </p:tgtEl>
+                </p:cond>
+              </p:nextCondLst>
+            </p:seq>
+          </p:childTnLst>
+        </p:cTn>
+      </p:par>
+    </p:tnLst>
+    <p:bldLst>
+      <p:bldP spid="3" grpId="0" build="p"/>
+    </p:bldLst>
+  </p:timing>
 </p:sld>
 </file>
 
@@ -7269,7 +9084,7 @@
           <p:cNvPr id="2" name="标题 1">
             <a:extLst>
               <a:ext uri="{FF2B5EF4-FFF2-40B4-BE49-F238E27FC236}">
-                <a16:creationId xmlns:a16="http://schemas.microsoft.com/office/drawing/2014/main" xmlns="" id="{FCD0B3A6-F68D-1E92-C281-AEDB26248FFD}"/>
+                <a16:creationId xmlns="" xmlns:a16="http://schemas.microsoft.com/office/drawing/2014/main" id="{FCD0B3A6-F68D-1E92-C281-AEDB26248FFD}"/>
               </a:ext>
             </a:extLst>
           </p:cNvPr>
@@ -7280,20 +9095,37 @@
             <p:ph type="title"/>
           </p:nvPr>
         </p:nvSpPr>
-        <p:spPr/>
+        <p:spPr>
+          <a:xfrm>
+            <a:off x="402567" y="402063"/>
+            <a:ext cx="8610600" cy="1293028"/>
+          </a:xfrm>
+        </p:spPr>
         <p:txBody>
           <a:bodyPr>
             <a:normAutofit/>
           </a:bodyPr>
           <a:lstStyle/>
           <a:p>
+            <a:pPr algn="l"/>
             <a:r>
               <a:rPr lang="en-NZ" sz="2400" dirty="0">
                 <a:latin typeface="Times New Roman" panose="02020603050405020304" pitchFamily="18" charset="0"/>
                 <a:cs typeface="Times New Roman" panose="02020603050405020304" pitchFamily="18" charset="0"/>
               </a:rPr>
-              <a:t>Why we chose this project</a:t>
-            </a:r>
+              <a:t>Why we chose this </a:t>
+            </a:r>
+            <a:r>
+              <a:rPr lang="en-NZ" sz="2400" dirty="0" smtClean="0">
+                <a:latin typeface="Times New Roman" panose="02020603050405020304" pitchFamily="18" charset="0"/>
+                <a:cs typeface="Times New Roman" panose="02020603050405020304" pitchFamily="18" charset="0"/>
+              </a:rPr>
+              <a:t>project?</a:t>
+            </a:r>
+            <a:endParaRPr lang="en-NZ" sz="2400" dirty="0">
+              <a:latin typeface="Times New Roman" panose="02020603050405020304" pitchFamily="18" charset="0"/>
+              <a:cs typeface="Times New Roman" panose="02020603050405020304" pitchFamily="18" charset="0"/>
+            </a:endParaRPr>
           </a:p>
         </p:txBody>
       </p:sp>
@@ -7302,7 +9134,7 @@
           <p:cNvPr id="3" name="内容占位符 2">
             <a:extLst>
               <a:ext uri="{FF2B5EF4-FFF2-40B4-BE49-F238E27FC236}">
-                <a16:creationId xmlns:a16="http://schemas.microsoft.com/office/drawing/2014/main" xmlns="" id="{78485416-BC42-8064-E043-36117E18E39D}"/>
+                <a16:creationId xmlns="" xmlns:a16="http://schemas.microsoft.com/office/drawing/2014/main" id="{78485416-BC42-8064-E043-36117E18E39D}"/>
               </a:ext>
             </a:extLst>
           </p:cNvPr>
@@ -7330,10 +9162,10 @@
       </p:sp>
       <p:pic>
         <p:nvPicPr>
-          <p:cNvPr id="11" name="图片 10">
+          <p:cNvPr id="9" name="图片 8">
             <a:extLst>
               <a:ext uri="{FF2B5EF4-FFF2-40B4-BE49-F238E27FC236}">
-                <a16:creationId xmlns:a16="http://schemas.microsoft.com/office/drawing/2014/main" xmlns="" id="{9773E204-33CE-964E-0098-1E0F62D66402}"/>
+                <a16:creationId xmlns="" xmlns:a16="http://schemas.microsoft.com/office/drawing/2014/main" id="{FF651C45-FDCD-6C22-94A4-F7073AFDB5F7}"/>
               </a:ext>
             </a:extLst>
           </p:cNvPr>
@@ -7346,7 +9178,7 @@
           <a:blip r:embed="rId2">
             <a:extLst>
               <a:ext uri="{28A0092B-C50C-407E-A947-70E740481C1C}">
-                <a14:useLocalDpi xmlns:a14="http://schemas.microsoft.com/office/drawing/2010/main" xmlns="" val="0"/>
+                <a14:useLocalDpi xmlns="" xmlns:a14="http://schemas.microsoft.com/office/drawing/2010/main" val="0"/>
               </a:ext>
             </a:extLst>
           </a:blip>
@@ -7356,8 +9188,8 @@
         </p:blipFill>
         <p:spPr>
           <a:xfrm>
-            <a:off x="1428750" y="2764919"/>
-            <a:ext cx="8413749" cy="3590925"/>
+            <a:off x="1616791" y="2971801"/>
+            <a:ext cx="8519246" cy="3061441"/>
           </a:xfrm>
           <a:prstGeom prst="rect">
             <a:avLst/>
@@ -7367,13 +9199,99 @@
     </p:spTree>
     <p:extLst>
       <p:ext uri="{BB962C8B-B14F-4D97-AF65-F5344CB8AC3E}">
-        <p14:creationId xmlns:p14="http://schemas.microsoft.com/office/powerpoint/2010/main" xmlns="" val="2552742250"/>
+        <p14:creationId xmlns="" xmlns:p14="http://schemas.microsoft.com/office/powerpoint/2010/main" val="1071497059"/>
       </p:ext>
     </p:extLst>
   </p:cSld>
   <p:clrMapOvr>
     <a:masterClrMapping/>
   </p:clrMapOvr>
+  <p:transition spd="slow">
+    <p:cover dir="d"/>
+  </p:transition>
+  <p:timing>
+    <p:tnLst>
+      <p:par>
+        <p:cTn id="1" dur="indefinite" restart="never" nodeType="tmRoot">
+          <p:childTnLst>
+            <p:seq concurrent="1" nextAc="seek">
+              <p:cTn id="2" dur="indefinite" nodeType="mainSeq">
+                <p:childTnLst>
+                  <p:par>
+                    <p:cTn id="3" fill="hold">
+                      <p:stCondLst>
+                        <p:cond delay="indefinite"/>
+                      </p:stCondLst>
+                      <p:childTnLst>
+                        <p:par>
+                          <p:cTn id="4" fill="hold">
+                            <p:stCondLst>
+                              <p:cond delay="0"/>
+                            </p:stCondLst>
+                            <p:childTnLst>
+                              <p:par>
+                                <p:cTn id="5" presetID="10" presetClass="entr" presetSubtype="0" fill="hold" nodeType="clickEffect">
+                                  <p:stCondLst>
+                                    <p:cond delay="0"/>
+                                  </p:stCondLst>
+                                  <p:childTnLst>
+                                    <p:set>
+                                      <p:cBhvr>
+                                        <p:cTn id="6" dur="1" fill="hold">
+                                          <p:stCondLst>
+                                            <p:cond delay="0"/>
+                                          </p:stCondLst>
+                                        </p:cTn>
+                                        <p:tgtEl>
+                                          <p:spTgt spid="9"/>
+                                        </p:tgtEl>
+                                        <p:attrNameLst>
+                                          <p:attrName>style.visibility</p:attrName>
+                                        </p:attrNameLst>
+                                      </p:cBhvr>
+                                      <p:to>
+                                        <p:strVal val="visible"/>
+                                      </p:to>
+                                    </p:set>
+                                    <p:animEffect transition="in" filter="fade">
+                                      <p:cBhvr>
+                                        <p:cTn id="7" dur="2000"/>
+                                        <p:tgtEl>
+                                          <p:spTgt spid="9"/>
+                                        </p:tgtEl>
+                                      </p:cBhvr>
+                                    </p:animEffect>
+                                  </p:childTnLst>
+                                </p:cTn>
+                              </p:par>
+                            </p:childTnLst>
+                          </p:cTn>
+                        </p:par>
+                      </p:childTnLst>
+                    </p:cTn>
+                  </p:par>
+                </p:childTnLst>
+              </p:cTn>
+              <p:prevCondLst>
+                <p:cond evt="onPrev" delay="0">
+                  <p:tgtEl>
+                    <p:sldTgt/>
+                  </p:tgtEl>
+                </p:cond>
+              </p:prevCondLst>
+              <p:nextCondLst>
+                <p:cond evt="onNext" delay="0">
+                  <p:tgtEl>
+                    <p:sldTgt/>
+                  </p:tgtEl>
+                </p:cond>
+              </p:nextCondLst>
+            </p:seq>
+          </p:childTnLst>
+        </p:cTn>
+      </p:par>
+    </p:tnLst>
+  </p:timing>
 </p:sld>
 </file>
 
@@ -7399,7 +9317,7 @@
           <p:cNvPr id="2" name="标题 1">
             <a:extLst>
               <a:ext uri="{FF2B5EF4-FFF2-40B4-BE49-F238E27FC236}">
-                <a16:creationId xmlns:a16="http://schemas.microsoft.com/office/drawing/2014/main" xmlns="" id="{1C26FFD8-8C79-58A2-F8D7-E748D28C4407}"/>
+                <a16:creationId xmlns="" xmlns:a16="http://schemas.microsoft.com/office/drawing/2014/main" id="{FCD0B3A6-F68D-1E92-C281-AEDB26248FFD}"/>
               </a:ext>
             </a:extLst>
           </p:cNvPr>
@@ -7410,17 +9328,37 @@
             <p:ph type="title"/>
           </p:nvPr>
         </p:nvSpPr>
-        <p:spPr/>
+        <p:spPr>
+          <a:xfrm>
+            <a:off x="575095" y="471075"/>
+            <a:ext cx="8610600" cy="1293028"/>
+          </a:xfrm>
+        </p:spPr>
         <p:txBody>
           <a:bodyPr>
             <a:normAutofit/>
           </a:bodyPr>
           <a:lstStyle/>
           <a:p>
-            <a:r>
-              <a:rPr lang="en-NZ" sz="2400" dirty="0"/>
-              <a:t>Why we chose this project</a:t>
-            </a:r>
+            <a:pPr algn="l"/>
+            <a:r>
+              <a:rPr lang="en-NZ" sz="2400" dirty="0">
+                <a:latin typeface="Times New Roman" panose="02020603050405020304" pitchFamily="18" charset="0"/>
+                <a:cs typeface="Times New Roman" panose="02020603050405020304" pitchFamily="18" charset="0"/>
+              </a:rPr>
+              <a:t>Why we chose this </a:t>
+            </a:r>
+            <a:r>
+              <a:rPr lang="en-NZ" sz="2400" dirty="0" smtClean="0">
+                <a:latin typeface="Times New Roman" panose="02020603050405020304" pitchFamily="18" charset="0"/>
+                <a:cs typeface="Times New Roman" panose="02020603050405020304" pitchFamily="18" charset="0"/>
+              </a:rPr>
+              <a:t>project?</a:t>
+            </a:r>
+            <a:endParaRPr lang="en-NZ" sz="2400" dirty="0">
+              <a:latin typeface="Times New Roman" panose="02020603050405020304" pitchFamily="18" charset="0"/>
+              <a:cs typeface="Times New Roman" panose="02020603050405020304" pitchFamily="18" charset="0"/>
+            </a:endParaRPr>
           </a:p>
         </p:txBody>
       </p:sp>
@@ -7429,7 +9367,7 @@
           <p:cNvPr id="3" name="内容占位符 2">
             <a:extLst>
               <a:ext uri="{FF2B5EF4-FFF2-40B4-BE49-F238E27FC236}">
-                <a16:creationId xmlns:a16="http://schemas.microsoft.com/office/drawing/2014/main" xmlns="" id="{41F1D2A7-5294-7557-9EB3-8D491A63F4EB}"/>
+                <a16:creationId xmlns="" xmlns:a16="http://schemas.microsoft.com/office/drawing/2014/main" id="{78485416-BC42-8064-E043-36117E18E39D}"/>
               </a:ext>
             </a:extLst>
           </p:cNvPr>
@@ -7442,8 +9380,196 @@
         </p:nvSpPr>
         <p:spPr>
           <a:xfrm>
-            <a:off x="838200" y="1825626"/>
-            <a:ext cx="6991350" cy="460376"/>
+            <a:off x="685800" y="1613140"/>
+            <a:ext cx="10820400" cy="4605545"/>
+          </a:xfrm>
+        </p:spPr>
+        <p:txBody>
+          <a:bodyPr/>
+          <a:lstStyle/>
+          <a:p>
+            <a:r>
+              <a:rPr lang="en-NZ" sz="3200" dirty="0"/>
+              <a:t>Hard to create a complex password</a:t>
+            </a:r>
+          </a:p>
+          <a:p>
+            <a:endParaRPr lang="en-NZ" dirty="0"/>
+          </a:p>
+        </p:txBody>
+      </p:sp>
+      <p:pic>
+        <p:nvPicPr>
+          <p:cNvPr id="11" name="图片 10">
+            <a:extLst>
+              <a:ext uri="{FF2B5EF4-FFF2-40B4-BE49-F238E27FC236}">
+                <a16:creationId xmlns="" xmlns:a16="http://schemas.microsoft.com/office/drawing/2014/main" id="{9773E204-33CE-964E-0098-1E0F62D66402}"/>
+              </a:ext>
+            </a:extLst>
+          </p:cNvPr>
+          <p:cNvPicPr>
+            <a:picLocks noChangeAspect="1"/>
+          </p:cNvPicPr>
+          <p:nvPr/>
+        </p:nvPicPr>
+        <p:blipFill>
+          <a:blip r:embed="rId2">
+            <a:extLst>
+              <a:ext uri="{28A0092B-C50C-407E-A947-70E740481C1C}">
+                <a14:useLocalDpi xmlns="" xmlns:a14="http://schemas.microsoft.com/office/drawing/2010/main" val="0"/>
+              </a:ext>
+            </a:extLst>
+          </a:blip>
+          <a:stretch>
+            <a:fillRect/>
+          </a:stretch>
+        </p:blipFill>
+        <p:spPr>
+          <a:xfrm>
+            <a:off x="1946335" y="2130724"/>
+            <a:ext cx="7913658" cy="4408099"/>
+          </a:xfrm>
+          <a:prstGeom prst="rect">
+            <a:avLst/>
+          </a:prstGeom>
+        </p:spPr>
+      </p:pic>
+    </p:spTree>
+    <p:extLst>
+      <p:ext uri="{BB962C8B-B14F-4D97-AF65-F5344CB8AC3E}">
+        <p14:creationId xmlns="" xmlns:p14="http://schemas.microsoft.com/office/powerpoint/2010/main" val="2552742250"/>
+      </p:ext>
+    </p:extLst>
+  </p:cSld>
+  <p:clrMapOvr>
+    <a:masterClrMapping/>
+  </p:clrMapOvr>
+  <p:transition spd="slow">
+    <p:cover dir="d"/>
+  </p:transition>
+  <p:timing>
+    <p:tnLst>
+      <p:par>
+        <p:cTn id="1" dur="indefinite" restart="never" nodeType="tmRoot">
+          <p:childTnLst>
+            <p:seq concurrent="1" nextAc="seek">
+              <p:cTn id="2" dur="indefinite" nodeType="mainSeq">
+                <p:childTnLst>
+                  <p:par>
+                    <p:cTn id="3" fill="hold">
+                      <p:stCondLst>
+                        <p:cond delay="indefinite"/>
+                      </p:stCondLst>
+                      <p:childTnLst>
+                        <p:par>
+                          <p:cTn id="4" fill="hold">
+                            <p:stCondLst>
+                              <p:cond delay="0"/>
+                            </p:stCondLst>
+                            <p:childTnLst>
+                              <p:par>
+                                <p:cTn id="5" presetID="10" presetClass="entr" presetSubtype="0" fill="hold" nodeType="clickEffect">
+                                  <p:stCondLst>
+                                    <p:cond delay="0"/>
+                                  </p:stCondLst>
+                                  <p:childTnLst>
+                                    <p:set>
+                                      <p:cBhvr>
+                                        <p:cTn id="6" dur="1" fill="hold">
+                                          <p:stCondLst>
+                                            <p:cond delay="0"/>
+                                          </p:stCondLst>
+                                        </p:cTn>
+                                        <p:tgtEl>
+                                          <p:spTgt spid="11"/>
+                                        </p:tgtEl>
+                                        <p:attrNameLst>
+                                          <p:attrName>style.visibility</p:attrName>
+                                        </p:attrNameLst>
+                                      </p:cBhvr>
+                                      <p:to>
+                                        <p:strVal val="visible"/>
+                                      </p:to>
+                                    </p:set>
+                                    <p:animEffect transition="in" filter="fade">
+                                      <p:cBhvr>
+                                        <p:cTn id="7" dur="2000"/>
+                                        <p:tgtEl>
+                                          <p:spTgt spid="11"/>
+                                        </p:tgtEl>
+                                      </p:cBhvr>
+                                    </p:animEffect>
+                                  </p:childTnLst>
+                                </p:cTn>
+                              </p:par>
+                            </p:childTnLst>
+                          </p:cTn>
+                        </p:par>
+                      </p:childTnLst>
+                    </p:cTn>
+                  </p:par>
+                </p:childTnLst>
+              </p:cTn>
+              <p:prevCondLst>
+                <p:cond evt="onPrev" delay="0">
+                  <p:tgtEl>
+                    <p:sldTgt/>
+                  </p:tgtEl>
+                </p:cond>
+              </p:prevCondLst>
+              <p:nextCondLst>
+                <p:cond evt="onNext" delay="0">
+                  <p:tgtEl>
+                    <p:sldTgt/>
+                  </p:tgtEl>
+                </p:cond>
+              </p:nextCondLst>
+            </p:seq>
+          </p:childTnLst>
+        </p:cTn>
+      </p:par>
+    </p:tnLst>
+  </p:timing>
+</p:sld>
+</file>
+
+<file path=ppt/slides/slide7.xml><?xml version="1.0" encoding="utf-8"?>
+<p:sld xmlns:a="http://schemas.openxmlformats.org/drawingml/2006/main" xmlns:r="http://schemas.openxmlformats.org/officeDocument/2006/relationships" xmlns:p="http://schemas.openxmlformats.org/presentationml/2006/main">
+  <p:cSld>
+    <p:spTree>
+      <p:nvGrpSpPr>
+        <p:cNvPr id="1" name=""/>
+        <p:cNvGrpSpPr/>
+        <p:nvPr/>
+      </p:nvGrpSpPr>
+      <p:grpSpPr>
+        <a:xfrm>
+          <a:off x="0" y="0"/>
+          <a:ext cx="0" cy="0"/>
+          <a:chOff x="0" y="0"/>
+          <a:chExt cx="0" cy="0"/>
+        </a:xfrm>
+      </p:grpSpPr>
+      <p:sp>
+        <p:nvSpPr>
+          <p:cNvPr id="2" name="标题 1">
+            <a:extLst>
+              <a:ext uri="{FF2B5EF4-FFF2-40B4-BE49-F238E27FC236}">
+                <a16:creationId xmlns="" xmlns:a16="http://schemas.microsoft.com/office/drawing/2014/main" id="{1C26FFD8-8C79-58A2-F8D7-E748D28C4407}"/>
+              </a:ext>
+            </a:extLst>
+          </p:cNvPr>
+          <p:cNvSpPr>
+            <a:spLocks noGrp="1"/>
+          </p:cNvSpPr>
+          <p:nvPr>
+            <p:ph type="title"/>
+          </p:nvPr>
+        </p:nvSpPr>
+        <p:spPr>
+          <a:xfrm>
+            <a:off x="333555" y="552090"/>
+            <a:ext cx="8610600" cy="1035169"/>
           </a:xfrm>
         </p:spPr>
         <p:txBody>
@@ -7452,10 +9578,56 @@
           </a:bodyPr>
           <a:lstStyle/>
           <a:p>
+            <a:pPr algn="l"/>
+            <a:r>
+              <a:rPr lang="en-NZ" sz="2400" b="1" dirty="0"/>
+              <a:t>Why we chose this </a:t>
+            </a:r>
+            <a:r>
+              <a:rPr lang="en-NZ" sz="2400" b="1" dirty="0" smtClean="0"/>
+              <a:t>project?</a:t>
+            </a:r>
+            <a:endParaRPr lang="en-NZ" sz="2400" b="1" dirty="0"/>
+          </a:p>
+        </p:txBody>
+      </p:sp>
+      <p:sp>
+        <p:nvSpPr>
+          <p:cNvPr id="3" name="内容占位符 2">
+            <a:extLst>
+              <a:ext uri="{FF2B5EF4-FFF2-40B4-BE49-F238E27FC236}">
+                <a16:creationId xmlns="" xmlns:a16="http://schemas.microsoft.com/office/drawing/2014/main" id="{41F1D2A7-5294-7557-9EB3-8D491A63F4EB}"/>
+              </a:ext>
+            </a:extLst>
+          </p:cNvPr>
+          <p:cNvSpPr>
+            <a:spLocks noGrp="1"/>
+          </p:cNvSpPr>
+          <p:nvPr>
+            <p:ph idx="1"/>
+          </p:nvPr>
+        </p:nvSpPr>
+        <p:spPr>
+          <a:xfrm>
+            <a:off x="838200" y="1825626"/>
+            <a:ext cx="7425906" cy="546638"/>
+          </a:xfrm>
+        </p:spPr>
+        <p:txBody>
+          <a:bodyPr>
+            <a:normAutofit/>
+          </a:bodyPr>
+          <a:lstStyle/>
+          <a:p>
             <a:r>
               <a:rPr lang="en-NZ" dirty="0"/>
-              <a:t>Users often create simple passwords like these</a:t>
-            </a:r>
+              <a:t>Users often create simple passwords like </a:t>
+            </a:r>
+            <a:r>
+              <a:rPr lang="en-NZ" dirty="0" smtClean="0"/>
+              <a:t>these;</a:t>
+            </a:r>
+            <a:endParaRPr lang="en-NZ" dirty="0"/>
           </a:p>
         </p:txBody>
       </p:sp>
@@ -7464,7 +9636,7 @@
           <p:cNvPr id="4" name="内容占位符 2">
             <a:extLst>
               <a:ext uri="{FF2B5EF4-FFF2-40B4-BE49-F238E27FC236}">
-                <a16:creationId xmlns:a16="http://schemas.microsoft.com/office/drawing/2014/main" xmlns="" id="{4FF7128B-6B50-FCD4-9C75-80B7963E49CE}"/>
+                <a16:creationId xmlns="" xmlns:a16="http://schemas.microsoft.com/office/drawing/2014/main" id="{4FF7128B-6B50-FCD4-9C75-80B7963E49CE}"/>
               </a:ext>
             </a:extLst>
           </p:cNvPr>
@@ -7476,6 +9648,254 @@
         <p:spPr>
           <a:xfrm>
             <a:off x="1454150" y="2435225"/>
+            <a:ext cx="6991350" cy="2430073"/>
+          </a:xfrm>
+          <a:prstGeom prst="rect">
+            <a:avLst/>
+          </a:prstGeom>
+        </p:spPr>
+        <p:txBody>
+          <a:bodyPr vert="horz" lIns="91440" tIns="45720" rIns="91440" bIns="45720" rtlCol="0">
+            <a:normAutofit/>
+          </a:bodyPr>
+          <a:lstStyle>
+            <a:lvl1pPr marL="228600" indent="-228600" algn="l" defTabSz="914400" rtl="0" eaLnBrk="1" latinLnBrk="0" hangingPunct="1">
+              <a:lnSpc>
+                <a:spcPct val="90000"/>
+              </a:lnSpc>
+              <a:spcBef>
+                <a:spcPts val="1000"/>
+              </a:spcBef>
+              <a:buFont typeface="Arial" panose="020B0604020202020204" pitchFamily="34" charset="0"/>
+              <a:buChar char="•"/>
+              <a:defRPr sz="2800" kern="1200">
+                <a:solidFill>
+                  <a:schemeClr val="tx1"/>
+                </a:solidFill>
+                <a:latin typeface="+mn-lt"/>
+                <a:ea typeface="+mn-ea"/>
+                <a:cs typeface="+mn-cs"/>
+              </a:defRPr>
+            </a:lvl1pPr>
+            <a:lvl2pPr marL="685800" indent="-228600" algn="l" defTabSz="914400" rtl="0" eaLnBrk="1" latinLnBrk="0" hangingPunct="1">
+              <a:lnSpc>
+                <a:spcPct val="90000"/>
+              </a:lnSpc>
+              <a:spcBef>
+                <a:spcPts val="500"/>
+              </a:spcBef>
+              <a:buFont typeface="Arial" panose="020B0604020202020204" pitchFamily="34" charset="0"/>
+              <a:buChar char="•"/>
+              <a:defRPr sz="2400" kern="1200">
+                <a:solidFill>
+                  <a:schemeClr val="tx1"/>
+                </a:solidFill>
+                <a:latin typeface="+mn-lt"/>
+                <a:ea typeface="+mn-ea"/>
+                <a:cs typeface="+mn-cs"/>
+              </a:defRPr>
+            </a:lvl2pPr>
+            <a:lvl3pPr marL="1143000" indent="-228600" algn="l" defTabSz="914400" rtl="0" eaLnBrk="1" latinLnBrk="0" hangingPunct="1">
+              <a:lnSpc>
+                <a:spcPct val="90000"/>
+              </a:lnSpc>
+              <a:spcBef>
+                <a:spcPts val="500"/>
+              </a:spcBef>
+              <a:buFont typeface="Arial" panose="020B0604020202020204" pitchFamily="34" charset="0"/>
+              <a:buChar char="•"/>
+              <a:defRPr sz="2000" kern="1200">
+                <a:solidFill>
+                  <a:schemeClr val="tx1"/>
+                </a:solidFill>
+                <a:latin typeface="+mn-lt"/>
+                <a:ea typeface="+mn-ea"/>
+                <a:cs typeface="+mn-cs"/>
+              </a:defRPr>
+            </a:lvl3pPr>
+            <a:lvl4pPr marL="1600200" indent="-228600" algn="l" defTabSz="914400" rtl="0" eaLnBrk="1" latinLnBrk="0" hangingPunct="1">
+              <a:lnSpc>
+                <a:spcPct val="90000"/>
+              </a:lnSpc>
+              <a:spcBef>
+                <a:spcPts val="500"/>
+              </a:spcBef>
+              <a:buFont typeface="Arial" panose="020B0604020202020204" pitchFamily="34" charset="0"/>
+              <a:buChar char="•"/>
+              <a:defRPr sz="1800" kern="1200">
+                <a:solidFill>
+                  <a:schemeClr val="tx1"/>
+                </a:solidFill>
+                <a:latin typeface="+mn-lt"/>
+                <a:ea typeface="+mn-ea"/>
+                <a:cs typeface="+mn-cs"/>
+              </a:defRPr>
+            </a:lvl4pPr>
+            <a:lvl5pPr marL="2057400" indent="-228600" algn="l" defTabSz="914400" rtl="0" eaLnBrk="1" latinLnBrk="0" hangingPunct="1">
+              <a:lnSpc>
+                <a:spcPct val="90000"/>
+              </a:lnSpc>
+              <a:spcBef>
+                <a:spcPts val="500"/>
+              </a:spcBef>
+              <a:buFont typeface="Arial" panose="020B0604020202020204" pitchFamily="34" charset="0"/>
+              <a:buChar char="•"/>
+              <a:defRPr sz="1800" kern="1200">
+                <a:solidFill>
+                  <a:schemeClr val="tx1"/>
+                </a:solidFill>
+                <a:latin typeface="+mn-lt"/>
+                <a:ea typeface="+mn-ea"/>
+                <a:cs typeface="+mn-cs"/>
+              </a:defRPr>
+            </a:lvl5pPr>
+            <a:lvl6pPr marL="2514600" indent="-228600" algn="l" defTabSz="914400" rtl="0" eaLnBrk="1" latinLnBrk="0" hangingPunct="1">
+              <a:lnSpc>
+                <a:spcPct val="90000"/>
+              </a:lnSpc>
+              <a:spcBef>
+                <a:spcPts val="500"/>
+              </a:spcBef>
+              <a:buFont typeface="Arial" panose="020B0604020202020204" pitchFamily="34" charset="0"/>
+              <a:buChar char="•"/>
+              <a:defRPr sz="1800" kern="1200">
+                <a:solidFill>
+                  <a:schemeClr val="tx1"/>
+                </a:solidFill>
+                <a:latin typeface="+mn-lt"/>
+                <a:ea typeface="+mn-ea"/>
+                <a:cs typeface="+mn-cs"/>
+              </a:defRPr>
+            </a:lvl6pPr>
+            <a:lvl7pPr marL="2971800" indent="-228600" algn="l" defTabSz="914400" rtl="0" eaLnBrk="1" latinLnBrk="0" hangingPunct="1">
+              <a:lnSpc>
+                <a:spcPct val="90000"/>
+              </a:lnSpc>
+              <a:spcBef>
+                <a:spcPts val="500"/>
+              </a:spcBef>
+              <a:buFont typeface="Arial" panose="020B0604020202020204" pitchFamily="34" charset="0"/>
+              <a:buChar char="•"/>
+              <a:defRPr sz="1800" kern="1200">
+                <a:solidFill>
+                  <a:schemeClr val="tx1"/>
+                </a:solidFill>
+                <a:latin typeface="+mn-lt"/>
+                <a:ea typeface="+mn-ea"/>
+                <a:cs typeface="+mn-cs"/>
+              </a:defRPr>
+            </a:lvl7pPr>
+            <a:lvl8pPr marL="3429000" indent="-228600" algn="l" defTabSz="914400" rtl="0" eaLnBrk="1" latinLnBrk="0" hangingPunct="1">
+              <a:lnSpc>
+                <a:spcPct val="90000"/>
+              </a:lnSpc>
+              <a:spcBef>
+                <a:spcPts val="500"/>
+              </a:spcBef>
+              <a:buFont typeface="Arial" panose="020B0604020202020204" pitchFamily="34" charset="0"/>
+              <a:buChar char="•"/>
+              <a:defRPr sz="1800" kern="1200">
+                <a:solidFill>
+                  <a:schemeClr val="tx1"/>
+                </a:solidFill>
+                <a:latin typeface="+mn-lt"/>
+                <a:ea typeface="+mn-ea"/>
+                <a:cs typeface="+mn-cs"/>
+              </a:defRPr>
+            </a:lvl8pPr>
+            <a:lvl9pPr marL="3886200" indent="-228600" algn="l" defTabSz="914400" rtl="0" eaLnBrk="1" latinLnBrk="0" hangingPunct="1">
+              <a:lnSpc>
+                <a:spcPct val="90000"/>
+              </a:lnSpc>
+              <a:spcBef>
+                <a:spcPts val="500"/>
+              </a:spcBef>
+              <a:buFont typeface="Arial" panose="020B0604020202020204" pitchFamily="34" charset="0"/>
+              <a:buChar char="•"/>
+              <a:defRPr sz="1800" kern="1200">
+                <a:solidFill>
+                  <a:schemeClr val="tx1"/>
+                </a:solidFill>
+                <a:latin typeface="+mn-lt"/>
+                <a:ea typeface="+mn-ea"/>
+                <a:cs typeface="+mn-cs"/>
+              </a:defRPr>
+            </a:lvl9pPr>
+          </a:lstStyle>
+          <a:p>
+            <a:pPr>
+              <a:lnSpc>
+                <a:spcPct val="100000"/>
+              </a:lnSpc>
+            </a:pPr>
+            <a:r>
+              <a:rPr lang="en-NZ" dirty="0" smtClean="0"/>
+              <a:t>123456,1234567890</a:t>
+            </a:r>
+          </a:p>
+          <a:p>
+            <a:pPr>
+              <a:lnSpc>
+                <a:spcPct val="100000"/>
+              </a:lnSpc>
+            </a:pPr>
+            <a:r>
+              <a:rPr lang="en-NZ" dirty="0" err="1" smtClean="0"/>
+              <a:t>q</a:t>
+            </a:r>
+            <a:r>
+              <a:rPr lang="en-NZ" dirty="0" err="1" smtClean="0"/>
+              <a:t>wert</a:t>
+            </a:r>
+            <a:r>
+              <a:rPr lang="en-NZ" dirty="0" smtClean="0"/>
+              <a:t>, </a:t>
+            </a:r>
+            <a:r>
+              <a:rPr lang="en-NZ" dirty="0" err="1" smtClean="0"/>
+              <a:t>qweryuiop</a:t>
+            </a:r>
+            <a:endParaRPr lang="en-NZ" dirty="0" smtClean="0"/>
+          </a:p>
+          <a:p>
+            <a:pPr>
+              <a:lnSpc>
+                <a:spcPct val="100000"/>
+              </a:lnSpc>
+            </a:pPr>
+            <a:r>
+              <a:rPr lang="en-NZ" dirty="0" smtClean="0"/>
+              <a:t>123456qwerty, 1qaz2wsx</a:t>
+            </a:r>
+          </a:p>
+          <a:p>
+            <a:pPr>
+              <a:lnSpc>
+                <a:spcPct val="100000"/>
+              </a:lnSpc>
+              <a:buNone/>
+            </a:pPr>
+            <a:endParaRPr lang="en-NZ" dirty="0"/>
+          </a:p>
+        </p:txBody>
+      </p:sp>
+      <p:sp>
+        <p:nvSpPr>
+          <p:cNvPr id="6" name="内容占位符 2">
+            <a:extLst>
+              <a:ext uri="{FF2B5EF4-FFF2-40B4-BE49-F238E27FC236}">
+                <a16:creationId xmlns="" xmlns:a16="http://schemas.microsoft.com/office/drawing/2014/main" id="{F12022C7-B80B-2281-9B7A-0C3246F09551}"/>
+              </a:ext>
+            </a:extLst>
+          </p:cNvPr>
+          <p:cNvSpPr txBox="1">
+            <a:spLocks/>
+          </p:cNvSpPr>
+          <p:nvPr/>
+        </p:nvSpPr>
+        <p:spPr>
+          <a:xfrm>
+            <a:off x="1454150" y="2878135"/>
             <a:ext cx="6991350" cy="460375"/>
           </a:xfrm>
           <a:prstGeom prst="rect">
@@ -7651,19 +10071,19 @@
             </a:lvl9pPr>
           </a:lstStyle>
           <a:p>
-            <a:r>
-              <a:rPr lang="en-NZ" dirty="0"/>
-              <a:t>123456,1234567890</a:t>
-            </a:r>
-          </a:p>
-        </p:txBody>
-      </p:sp>
-      <p:sp>
-        <p:nvSpPr>
-          <p:cNvPr id="6" name="内容占位符 2">
+            <a:pPr>
+              <a:buNone/>
+            </a:pPr>
+            <a:endParaRPr lang="en-NZ" dirty="0"/>
+          </a:p>
+        </p:txBody>
+      </p:sp>
+      <p:sp>
+        <p:nvSpPr>
+          <p:cNvPr id="8" name="内容占位符 2">
             <a:extLst>
               <a:ext uri="{FF2B5EF4-FFF2-40B4-BE49-F238E27FC236}">
-                <a16:creationId xmlns:a16="http://schemas.microsoft.com/office/drawing/2014/main" xmlns="" id="{F12022C7-B80B-2281-9B7A-0C3246F09551}"/>
+                <a16:creationId xmlns="" xmlns:a16="http://schemas.microsoft.com/office/drawing/2014/main" id="{764F7FE3-0392-CCF7-AAD7-C83EF28C73C9}"/>
               </a:ext>
             </a:extLst>
           </p:cNvPr>
@@ -7674,7 +10094,7 @@
         </p:nvSpPr>
         <p:spPr>
           <a:xfrm>
-            <a:off x="1454150" y="2878135"/>
+            <a:off x="1454150" y="3338510"/>
             <a:ext cx="6991350" cy="460375"/>
           </a:xfrm>
           <a:prstGeom prst="rect">
@@ -7850,385 +10270,242 @@
             </a:lvl9pPr>
           </a:lstStyle>
           <a:p>
-            <a:r>
-              <a:rPr lang="en-NZ" dirty="0" err="1"/>
-              <a:t>qwert</a:t>
-            </a:r>
-            <a:r>
-              <a:rPr lang="en-NZ" dirty="0"/>
-              <a:t>, </a:t>
-            </a:r>
-            <a:r>
-              <a:rPr lang="en-NZ" dirty="0" err="1"/>
-              <a:t>qwertyuiop</a:t>
-            </a:r>
+            <a:pPr>
+              <a:buNone/>
+            </a:pPr>
             <a:endParaRPr lang="en-NZ" dirty="0"/>
-          </a:p>
-        </p:txBody>
-      </p:sp>
-      <p:sp>
-        <p:nvSpPr>
-          <p:cNvPr id="8" name="内容占位符 2">
-            <a:extLst>
-              <a:ext uri="{FF2B5EF4-FFF2-40B4-BE49-F238E27FC236}">
-                <a16:creationId xmlns:a16="http://schemas.microsoft.com/office/drawing/2014/main" xmlns="" id="{764F7FE3-0392-CCF7-AAD7-C83EF28C73C9}"/>
-              </a:ext>
-            </a:extLst>
-          </p:cNvPr>
-          <p:cNvSpPr txBox="1">
-            <a:spLocks/>
-          </p:cNvSpPr>
-          <p:nvPr/>
-        </p:nvSpPr>
-        <p:spPr>
-          <a:xfrm>
-            <a:off x="1454150" y="3338510"/>
-            <a:ext cx="6991350" cy="460375"/>
-          </a:xfrm>
-          <a:prstGeom prst="rect">
-            <a:avLst/>
-          </a:prstGeom>
-        </p:spPr>
-        <p:txBody>
-          <a:bodyPr vert="horz" lIns="91440" tIns="45720" rIns="91440" bIns="45720" rtlCol="0">
-            <a:normAutofit lnSpcReduction="10000"/>
-          </a:bodyPr>
-          <a:lstStyle>
-            <a:lvl1pPr marL="228600" indent="-228600" algn="l" defTabSz="914400" rtl="0" eaLnBrk="1" latinLnBrk="0" hangingPunct="1">
-              <a:lnSpc>
-                <a:spcPct val="90000"/>
-              </a:lnSpc>
-              <a:spcBef>
-                <a:spcPts val="1000"/>
-              </a:spcBef>
-              <a:buFont typeface="Arial" panose="020B0604020202020204" pitchFamily="34" charset="0"/>
-              <a:buChar char="•"/>
-              <a:defRPr sz="2800" kern="1200">
-                <a:solidFill>
-                  <a:schemeClr val="tx1"/>
-                </a:solidFill>
-                <a:latin typeface="+mn-lt"/>
-                <a:ea typeface="+mn-ea"/>
-                <a:cs typeface="+mn-cs"/>
-              </a:defRPr>
-            </a:lvl1pPr>
-            <a:lvl2pPr marL="685800" indent="-228600" algn="l" defTabSz="914400" rtl="0" eaLnBrk="1" latinLnBrk="0" hangingPunct="1">
-              <a:lnSpc>
-                <a:spcPct val="90000"/>
-              </a:lnSpc>
-              <a:spcBef>
-                <a:spcPts val="500"/>
-              </a:spcBef>
-              <a:buFont typeface="Arial" panose="020B0604020202020204" pitchFamily="34" charset="0"/>
-              <a:buChar char="•"/>
-              <a:defRPr sz="2400" kern="1200">
-                <a:solidFill>
-                  <a:schemeClr val="tx1"/>
-                </a:solidFill>
-                <a:latin typeface="+mn-lt"/>
-                <a:ea typeface="+mn-ea"/>
-                <a:cs typeface="+mn-cs"/>
-              </a:defRPr>
-            </a:lvl2pPr>
-            <a:lvl3pPr marL="1143000" indent="-228600" algn="l" defTabSz="914400" rtl="0" eaLnBrk="1" latinLnBrk="0" hangingPunct="1">
-              <a:lnSpc>
-                <a:spcPct val="90000"/>
-              </a:lnSpc>
-              <a:spcBef>
-                <a:spcPts val="500"/>
-              </a:spcBef>
-              <a:buFont typeface="Arial" panose="020B0604020202020204" pitchFamily="34" charset="0"/>
-              <a:buChar char="•"/>
-              <a:defRPr sz="2000" kern="1200">
-                <a:solidFill>
-                  <a:schemeClr val="tx1"/>
-                </a:solidFill>
-                <a:latin typeface="+mn-lt"/>
-                <a:ea typeface="+mn-ea"/>
-                <a:cs typeface="+mn-cs"/>
-              </a:defRPr>
-            </a:lvl3pPr>
-            <a:lvl4pPr marL="1600200" indent="-228600" algn="l" defTabSz="914400" rtl="0" eaLnBrk="1" latinLnBrk="0" hangingPunct="1">
-              <a:lnSpc>
-                <a:spcPct val="90000"/>
-              </a:lnSpc>
-              <a:spcBef>
-                <a:spcPts val="500"/>
-              </a:spcBef>
-              <a:buFont typeface="Arial" panose="020B0604020202020204" pitchFamily="34" charset="0"/>
-              <a:buChar char="•"/>
-              <a:defRPr sz="1800" kern="1200">
-                <a:solidFill>
-                  <a:schemeClr val="tx1"/>
-                </a:solidFill>
-                <a:latin typeface="+mn-lt"/>
-                <a:ea typeface="+mn-ea"/>
-                <a:cs typeface="+mn-cs"/>
-              </a:defRPr>
-            </a:lvl4pPr>
-            <a:lvl5pPr marL="2057400" indent="-228600" algn="l" defTabSz="914400" rtl="0" eaLnBrk="1" latinLnBrk="0" hangingPunct="1">
-              <a:lnSpc>
-                <a:spcPct val="90000"/>
-              </a:lnSpc>
-              <a:spcBef>
-                <a:spcPts val="500"/>
-              </a:spcBef>
-              <a:buFont typeface="Arial" panose="020B0604020202020204" pitchFamily="34" charset="0"/>
-              <a:buChar char="•"/>
-              <a:defRPr sz="1800" kern="1200">
-                <a:solidFill>
-                  <a:schemeClr val="tx1"/>
-                </a:solidFill>
-                <a:latin typeface="+mn-lt"/>
-                <a:ea typeface="+mn-ea"/>
-                <a:cs typeface="+mn-cs"/>
-              </a:defRPr>
-            </a:lvl5pPr>
-            <a:lvl6pPr marL="2514600" indent="-228600" algn="l" defTabSz="914400" rtl="0" eaLnBrk="1" latinLnBrk="0" hangingPunct="1">
-              <a:lnSpc>
-                <a:spcPct val="90000"/>
-              </a:lnSpc>
-              <a:spcBef>
-                <a:spcPts val="500"/>
-              </a:spcBef>
-              <a:buFont typeface="Arial" panose="020B0604020202020204" pitchFamily="34" charset="0"/>
-              <a:buChar char="•"/>
-              <a:defRPr sz="1800" kern="1200">
-                <a:solidFill>
-                  <a:schemeClr val="tx1"/>
-                </a:solidFill>
-                <a:latin typeface="+mn-lt"/>
-                <a:ea typeface="+mn-ea"/>
-                <a:cs typeface="+mn-cs"/>
-              </a:defRPr>
-            </a:lvl6pPr>
-            <a:lvl7pPr marL="2971800" indent="-228600" algn="l" defTabSz="914400" rtl="0" eaLnBrk="1" latinLnBrk="0" hangingPunct="1">
-              <a:lnSpc>
-                <a:spcPct val="90000"/>
-              </a:lnSpc>
-              <a:spcBef>
-                <a:spcPts val="500"/>
-              </a:spcBef>
-              <a:buFont typeface="Arial" panose="020B0604020202020204" pitchFamily="34" charset="0"/>
-              <a:buChar char="•"/>
-              <a:defRPr sz="1800" kern="1200">
-                <a:solidFill>
-                  <a:schemeClr val="tx1"/>
-                </a:solidFill>
-                <a:latin typeface="+mn-lt"/>
-                <a:ea typeface="+mn-ea"/>
-                <a:cs typeface="+mn-cs"/>
-              </a:defRPr>
-            </a:lvl7pPr>
-            <a:lvl8pPr marL="3429000" indent="-228600" algn="l" defTabSz="914400" rtl="0" eaLnBrk="1" latinLnBrk="0" hangingPunct="1">
-              <a:lnSpc>
-                <a:spcPct val="90000"/>
-              </a:lnSpc>
-              <a:spcBef>
-                <a:spcPts val="500"/>
-              </a:spcBef>
-              <a:buFont typeface="Arial" panose="020B0604020202020204" pitchFamily="34" charset="0"/>
-              <a:buChar char="•"/>
-              <a:defRPr sz="1800" kern="1200">
-                <a:solidFill>
-                  <a:schemeClr val="tx1"/>
-                </a:solidFill>
-                <a:latin typeface="+mn-lt"/>
-                <a:ea typeface="+mn-ea"/>
-                <a:cs typeface="+mn-cs"/>
-              </a:defRPr>
-            </a:lvl8pPr>
-            <a:lvl9pPr marL="3886200" indent="-228600" algn="l" defTabSz="914400" rtl="0" eaLnBrk="1" latinLnBrk="0" hangingPunct="1">
-              <a:lnSpc>
-                <a:spcPct val="90000"/>
-              </a:lnSpc>
-              <a:spcBef>
-                <a:spcPts val="500"/>
-              </a:spcBef>
-              <a:buFont typeface="Arial" panose="020B0604020202020204" pitchFamily="34" charset="0"/>
-              <a:buChar char="•"/>
-              <a:defRPr sz="1800" kern="1200">
-                <a:solidFill>
-                  <a:schemeClr val="tx1"/>
-                </a:solidFill>
-                <a:latin typeface="+mn-lt"/>
-                <a:ea typeface="+mn-ea"/>
-                <a:cs typeface="+mn-cs"/>
-              </a:defRPr>
-            </a:lvl9pPr>
-          </a:lstStyle>
-          <a:p>
-            <a:r>
-              <a:rPr lang="en-NZ" dirty="0"/>
-              <a:t>123456qwerty, 1qaz2wsx</a:t>
-            </a:r>
           </a:p>
         </p:txBody>
       </p:sp>
     </p:spTree>
     <p:extLst>
       <p:ext uri="{BB962C8B-B14F-4D97-AF65-F5344CB8AC3E}">
-        <p14:creationId xmlns:p14="http://schemas.microsoft.com/office/powerpoint/2010/main" xmlns="" val="244496848"/>
+        <p14:creationId xmlns="" xmlns:p14="http://schemas.microsoft.com/office/powerpoint/2010/main" val="244496848"/>
       </p:ext>
     </p:extLst>
   </p:cSld>
   <p:clrMapOvr>
     <a:masterClrMapping/>
   </p:clrMapOvr>
-</p:sld>
-</file>
-
-<file path=ppt/slides/slide7.xml><?xml version="1.0" encoding="utf-8"?>
-<p:sld xmlns:a="http://schemas.openxmlformats.org/drawingml/2006/main" xmlns:r="http://schemas.openxmlformats.org/officeDocument/2006/relationships" xmlns:p="http://schemas.openxmlformats.org/presentationml/2006/main">
-  <p:cSld>
-    <p:spTree>
-      <p:nvGrpSpPr>
-        <p:cNvPr id="1" name=""/>
-        <p:cNvGrpSpPr/>
-        <p:nvPr/>
-      </p:nvGrpSpPr>
-      <p:grpSpPr>
-        <a:xfrm>
-          <a:off x="0" y="0"/>
-          <a:ext cx="0" cy="0"/>
-          <a:chOff x="0" y="0"/>
-          <a:chExt cx="0" cy="0"/>
-        </a:xfrm>
-      </p:grpSpPr>
-      <p:sp>
-        <p:nvSpPr>
-          <p:cNvPr id="7" name="标题 6">
-            <a:extLst>
-              <a:ext uri="{FF2B5EF4-FFF2-40B4-BE49-F238E27FC236}">
-                <a16:creationId xmlns:a16="http://schemas.microsoft.com/office/drawing/2014/main" xmlns="" id="{CD83F32C-8A6B-5F30-3947-35CFC8F07AD6}"/>
-              </a:ext>
-            </a:extLst>
-          </p:cNvPr>
-          <p:cNvSpPr>
-            <a:spLocks noGrp="1"/>
-          </p:cNvSpPr>
-          <p:nvPr>
-            <p:ph type="title"/>
-          </p:nvPr>
-        </p:nvSpPr>
-        <p:spPr>
-          <a:xfrm>
-            <a:off x="184150" y="831850"/>
-            <a:ext cx="10515600" cy="1320800"/>
-          </a:xfrm>
-        </p:spPr>
-        <p:txBody>
-          <a:bodyPr>
-            <a:normAutofit/>
-          </a:bodyPr>
-          <a:lstStyle/>
-          <a:p>
-            <a:endParaRPr lang="en-NZ" sz="1800" dirty="0">
-              <a:latin typeface="Times New Roman" panose="02020603050405020304" pitchFamily="18" charset="0"/>
-              <a:cs typeface="Times New Roman" panose="02020603050405020304" pitchFamily="18" charset="0"/>
-            </a:endParaRPr>
-          </a:p>
-        </p:txBody>
-      </p:sp>
-      <p:pic>
-        <p:nvPicPr>
-          <p:cNvPr id="5" name="内容占位符 4">
-            <a:extLst>
-              <a:ext uri="{FF2B5EF4-FFF2-40B4-BE49-F238E27FC236}">
-                <a16:creationId xmlns:a16="http://schemas.microsoft.com/office/drawing/2014/main" xmlns="" id="{A72F22B4-E4AA-DED2-4FE8-84589D8E0072}"/>
-              </a:ext>
-            </a:extLst>
-          </p:cNvPr>
-          <p:cNvPicPr>
-            <a:picLocks noGrp="1" noChangeAspect="1"/>
-          </p:cNvPicPr>
-          <p:nvPr>
-            <p:ph idx="1"/>
-          </p:nvPr>
-        </p:nvPicPr>
-        <p:blipFill>
-          <a:blip r:embed="rId2">
-            <a:extLst>
-              <a:ext uri="{28A0092B-C50C-407E-A947-70E740481C1C}">
-                <a14:useLocalDpi xmlns:a14="http://schemas.microsoft.com/office/drawing/2010/main" xmlns="" val="0"/>
-              </a:ext>
-            </a:extLst>
-          </a:blip>
-          <a:stretch>
-            <a:fillRect/>
-          </a:stretch>
-        </p:blipFill>
-        <p:spPr>
-          <a:xfrm>
-            <a:off x="1162050" y="436458"/>
-            <a:ext cx="10064750" cy="5243344"/>
-          </a:xfrm>
-        </p:spPr>
-      </p:pic>
-      <p:sp>
-        <p:nvSpPr>
-          <p:cNvPr id="8" name="文本框 7">
-            <a:extLst>
-              <a:ext uri="{FF2B5EF4-FFF2-40B4-BE49-F238E27FC236}">
-                <a16:creationId xmlns:a16="http://schemas.microsoft.com/office/drawing/2014/main" xmlns="" id="{848B05F5-64E6-7B36-6AD3-7E4F7830C95F}"/>
-              </a:ext>
-            </a:extLst>
-          </p:cNvPr>
-          <p:cNvSpPr txBox="1"/>
-          <p:nvPr/>
-        </p:nvSpPr>
-        <p:spPr>
-          <a:xfrm>
-            <a:off x="1435100" y="5975769"/>
-            <a:ext cx="9791700" cy="369332"/>
-          </a:xfrm>
-          <a:prstGeom prst="rect">
-            <a:avLst/>
-          </a:prstGeom>
-          <a:noFill/>
-        </p:spPr>
-        <p:txBody>
-          <a:bodyPr wrap="square" rtlCol="0">
-            <a:spAutoFit/>
-          </a:bodyPr>
-          <a:lstStyle/>
-          <a:p>
-            <a:r>
-              <a:rPr lang="en-NZ" sz="1800" dirty="0" err="1">
-                <a:latin typeface="Times New Roman" panose="02020603050405020304" pitchFamily="18" charset="0"/>
-                <a:cs typeface="Times New Roman" panose="02020603050405020304" pitchFamily="18" charset="0"/>
-              </a:rPr>
-              <a:t>Retrived</a:t>
-            </a:r>
-            <a:r>
-              <a:rPr lang="en-NZ" sz="1800" dirty="0">
-                <a:latin typeface="Times New Roman" panose="02020603050405020304" pitchFamily="18" charset="0"/>
-                <a:cs typeface="Times New Roman" panose="02020603050405020304" pitchFamily="18" charset="0"/>
-              </a:rPr>
-              <a:t> from: </a:t>
-            </a:r>
-            <a:r>
-              <a:rPr lang="en-NZ" sz="1800" dirty="0">
-                <a:latin typeface="Times New Roman" panose="02020603050405020304" pitchFamily="18" charset="0"/>
-                <a:cs typeface="Times New Roman" panose="02020603050405020304" pitchFamily="18" charset="0"/>
-                <a:hlinkClick r:id="rId3"/>
-              </a:rPr>
-              <a:t>List of the most common passwords - Wikipedia</a:t>
-            </a:r>
-            <a:endParaRPr lang="en-NZ" dirty="0"/>
-          </a:p>
-        </p:txBody>
-      </p:sp>
-    </p:spTree>
-    <p:extLst>
-      <p:ext uri="{BB962C8B-B14F-4D97-AF65-F5344CB8AC3E}">
-        <p14:creationId xmlns:p14="http://schemas.microsoft.com/office/powerpoint/2010/main" xmlns="" val="4200007885"/>
-      </p:ext>
-    </p:extLst>
-  </p:cSld>
-  <p:clrMapOvr>
-    <a:masterClrMapping/>
-  </p:clrMapOvr>
+  <p:transition spd="slow">
+    <p:cover dir="d"/>
+  </p:transition>
+  <p:timing>
+    <p:tnLst>
+      <p:par>
+        <p:cTn id="1" dur="indefinite" restart="never" nodeType="tmRoot">
+          <p:childTnLst>
+            <p:seq concurrent="1" nextAc="seek">
+              <p:cTn id="2" dur="indefinite" nodeType="mainSeq">
+                <p:childTnLst>
+                  <p:par>
+                    <p:cTn id="3" fill="hold">
+                      <p:stCondLst>
+                        <p:cond delay="indefinite"/>
+                      </p:stCondLst>
+                      <p:childTnLst>
+                        <p:par>
+                          <p:cTn id="4" fill="hold">
+                            <p:stCondLst>
+                              <p:cond delay="0"/>
+                            </p:stCondLst>
+                            <p:childTnLst>
+                              <p:par>
+                                <p:cTn id="5" presetID="22" presetClass="entr" presetSubtype="4" fill="hold" grpId="0" nodeType="clickEffect">
+                                  <p:stCondLst>
+                                    <p:cond delay="0"/>
+                                  </p:stCondLst>
+                                  <p:childTnLst>
+                                    <p:set>
+                                      <p:cBhvr>
+                                        <p:cTn id="6" dur="1" fill="hold">
+                                          <p:stCondLst>
+                                            <p:cond delay="0"/>
+                                          </p:stCondLst>
+                                        </p:cTn>
+                                        <p:tgtEl>
+                                          <p:spTgt spid="4">
+                                            <p:txEl>
+                                              <p:pRg st="0" end="0"/>
+                                            </p:txEl>
+                                          </p:spTgt>
+                                        </p:tgtEl>
+                                        <p:attrNameLst>
+                                          <p:attrName>style.visibility</p:attrName>
+                                        </p:attrNameLst>
+                                      </p:cBhvr>
+                                      <p:to>
+                                        <p:strVal val="visible"/>
+                                      </p:to>
+                                    </p:set>
+                                    <p:animEffect transition="in" filter="wipe(down)">
+                                      <p:cBhvr>
+                                        <p:cTn id="7" dur="500"/>
+                                        <p:tgtEl>
+                                          <p:spTgt spid="4">
+                                            <p:txEl>
+                                              <p:pRg st="0" end="0"/>
+                                            </p:txEl>
+                                          </p:spTgt>
+                                        </p:tgtEl>
+                                      </p:cBhvr>
+                                    </p:animEffect>
+                                  </p:childTnLst>
+                                </p:cTn>
+                              </p:par>
+                            </p:childTnLst>
+                          </p:cTn>
+                        </p:par>
+                      </p:childTnLst>
+                    </p:cTn>
+                  </p:par>
+                  <p:par>
+                    <p:cTn id="8" fill="hold">
+                      <p:stCondLst>
+                        <p:cond delay="indefinite"/>
+                      </p:stCondLst>
+                      <p:childTnLst>
+                        <p:par>
+                          <p:cTn id="9" fill="hold">
+                            <p:stCondLst>
+                              <p:cond delay="0"/>
+                            </p:stCondLst>
+                            <p:childTnLst>
+                              <p:par>
+                                <p:cTn id="10" presetID="22" presetClass="entr" presetSubtype="4" fill="hold" grpId="0" nodeType="clickEffect">
+                                  <p:stCondLst>
+                                    <p:cond delay="0"/>
+                                  </p:stCondLst>
+                                  <p:childTnLst>
+                                    <p:set>
+                                      <p:cBhvr>
+                                        <p:cTn id="11" dur="1" fill="hold">
+                                          <p:stCondLst>
+                                            <p:cond delay="0"/>
+                                          </p:stCondLst>
+                                        </p:cTn>
+                                        <p:tgtEl>
+                                          <p:spTgt spid="4">
+                                            <p:txEl>
+                                              <p:pRg st="1" end="1"/>
+                                            </p:txEl>
+                                          </p:spTgt>
+                                        </p:tgtEl>
+                                        <p:attrNameLst>
+                                          <p:attrName>style.visibility</p:attrName>
+                                        </p:attrNameLst>
+                                      </p:cBhvr>
+                                      <p:to>
+                                        <p:strVal val="visible"/>
+                                      </p:to>
+                                    </p:set>
+                                    <p:animEffect transition="in" filter="wipe(down)">
+                                      <p:cBhvr>
+                                        <p:cTn id="12" dur="500"/>
+                                        <p:tgtEl>
+                                          <p:spTgt spid="4">
+                                            <p:txEl>
+                                              <p:pRg st="1" end="1"/>
+                                            </p:txEl>
+                                          </p:spTgt>
+                                        </p:tgtEl>
+                                      </p:cBhvr>
+                                    </p:animEffect>
+                                  </p:childTnLst>
+                                </p:cTn>
+                              </p:par>
+                            </p:childTnLst>
+                          </p:cTn>
+                        </p:par>
+                      </p:childTnLst>
+                    </p:cTn>
+                  </p:par>
+                  <p:par>
+                    <p:cTn id="13" fill="hold">
+                      <p:stCondLst>
+                        <p:cond delay="indefinite"/>
+                      </p:stCondLst>
+                      <p:childTnLst>
+                        <p:par>
+                          <p:cTn id="14" fill="hold">
+                            <p:stCondLst>
+                              <p:cond delay="0"/>
+                            </p:stCondLst>
+                            <p:childTnLst>
+                              <p:par>
+                                <p:cTn id="15" presetID="22" presetClass="entr" presetSubtype="4" fill="hold" grpId="0" nodeType="clickEffect">
+                                  <p:stCondLst>
+                                    <p:cond delay="0"/>
+                                  </p:stCondLst>
+                                  <p:childTnLst>
+                                    <p:set>
+                                      <p:cBhvr>
+                                        <p:cTn id="16" dur="1" fill="hold">
+                                          <p:stCondLst>
+                                            <p:cond delay="0"/>
+                                          </p:stCondLst>
+                                        </p:cTn>
+                                        <p:tgtEl>
+                                          <p:spTgt spid="4">
+                                            <p:txEl>
+                                              <p:pRg st="2" end="2"/>
+                                            </p:txEl>
+                                          </p:spTgt>
+                                        </p:tgtEl>
+                                        <p:attrNameLst>
+                                          <p:attrName>style.visibility</p:attrName>
+                                        </p:attrNameLst>
+                                      </p:cBhvr>
+                                      <p:to>
+                                        <p:strVal val="visible"/>
+                                      </p:to>
+                                    </p:set>
+                                    <p:animEffect transition="in" filter="wipe(down)">
+                                      <p:cBhvr>
+                                        <p:cTn id="17" dur="500"/>
+                                        <p:tgtEl>
+                                          <p:spTgt spid="4">
+                                            <p:txEl>
+                                              <p:pRg st="2" end="2"/>
+                                            </p:txEl>
+                                          </p:spTgt>
+                                        </p:tgtEl>
+                                      </p:cBhvr>
+                                    </p:animEffect>
+                                  </p:childTnLst>
+                                </p:cTn>
+                              </p:par>
+                            </p:childTnLst>
+                          </p:cTn>
+                        </p:par>
+                      </p:childTnLst>
+                    </p:cTn>
+                  </p:par>
+                </p:childTnLst>
+              </p:cTn>
+              <p:prevCondLst>
+                <p:cond evt="onPrev" delay="0">
+                  <p:tgtEl>
+                    <p:sldTgt/>
+                  </p:tgtEl>
+                </p:cond>
+              </p:prevCondLst>
+              <p:nextCondLst>
+                <p:cond evt="onNext" delay="0">
+                  <p:tgtEl>
+                    <p:sldTgt/>
+                  </p:tgtEl>
+                </p:cond>
+              </p:nextCondLst>
+            </p:seq>
+          </p:childTnLst>
+        </p:cTn>
+      </p:par>
+    </p:tnLst>
+    <p:bldLst>
+      <p:bldP spid="4" grpId="0" build="p"/>
+    </p:bldLst>
+  </p:timing>
 </p:sld>
 </file>
 
@@ -8249,40 +10526,12 @@
           <a:chExt cx="0" cy="0"/>
         </a:xfrm>
       </p:grpSpPr>
-      <p:sp>
-        <p:nvSpPr>
-          <p:cNvPr id="2" name="标题 1">
-            <a:extLst>
-              <a:ext uri="{FF2B5EF4-FFF2-40B4-BE49-F238E27FC236}">
-                <a16:creationId xmlns:a16="http://schemas.microsoft.com/office/drawing/2014/main" xmlns="" id="{B3F13335-104A-015E-3032-EACBD2BEBA00}"/>
-              </a:ext>
-            </a:extLst>
-          </p:cNvPr>
-          <p:cNvSpPr>
-            <a:spLocks noGrp="1"/>
-          </p:cNvSpPr>
-          <p:nvPr>
-            <p:ph type="title"/>
-          </p:nvPr>
-        </p:nvSpPr>
-        <p:spPr/>
-        <p:txBody>
-          <a:bodyPr/>
-          <a:lstStyle/>
-          <a:p>
-            <a:r>
-              <a:rPr lang="en-NZ" dirty="0"/>
-              <a:t>Risks of password leaking</a:t>
-            </a:r>
-          </a:p>
-        </p:txBody>
-      </p:sp>
       <p:pic>
         <p:nvPicPr>
           <p:cNvPr id="5" name="内容占位符 4">
             <a:extLst>
               <a:ext uri="{FF2B5EF4-FFF2-40B4-BE49-F238E27FC236}">
-                <a16:creationId xmlns:a16="http://schemas.microsoft.com/office/drawing/2014/main" xmlns="" id="{37CA7186-F461-8768-6AB0-EDB502334978}"/>
+                <a16:creationId xmlns="" xmlns:a16="http://schemas.microsoft.com/office/drawing/2014/main" id="{A72F22B4-E4AA-DED2-4FE8-84589D8E0072}"/>
               </a:ext>
             </a:extLst>
           </p:cNvPr>
@@ -8294,105 +10543,31 @@
           </p:nvPr>
         </p:nvPicPr>
         <p:blipFill>
-          <a:blip r:embed="rId2" cstate="print">
+          <a:blip r:embed="rId2">
             <a:extLst>
               <a:ext uri="{28A0092B-C50C-407E-A947-70E740481C1C}">
-                <a14:useLocalDpi xmlns:a14="http://schemas.microsoft.com/office/drawing/2010/main" xmlns="" val="0"/>
+                <a14:useLocalDpi xmlns="" xmlns:a14="http://schemas.microsoft.com/office/drawing/2010/main" val="0"/>
               </a:ext>
             </a:extLst>
           </a:blip>
+          <a:srcRect l="7225" t="1712" r="9380"/>
           <a:stretch>
             <a:fillRect/>
           </a:stretch>
         </p:blipFill>
         <p:spPr>
           <a:xfrm>
-            <a:off x="5999984" y="2136775"/>
-            <a:ext cx="4192532" cy="4024313"/>
+            <a:off x="1647645" y="181154"/>
+            <a:ext cx="8591910" cy="6039945"/>
           </a:xfrm>
         </p:spPr>
       </p:pic>
       <p:sp>
         <p:nvSpPr>
-          <p:cNvPr id="6" name="标题 1">
+          <p:cNvPr id="8" name="文本框 7">
             <a:extLst>
               <a:ext uri="{FF2B5EF4-FFF2-40B4-BE49-F238E27FC236}">
-                <a16:creationId xmlns:a16="http://schemas.microsoft.com/office/drawing/2014/main" xmlns="" id="{C81291C8-DC21-C98A-E80F-705776E3EB74}"/>
-              </a:ext>
-            </a:extLst>
-          </p:cNvPr>
-          <p:cNvSpPr txBox="1">
-            <a:spLocks/>
-          </p:cNvSpPr>
-          <p:nvPr/>
-        </p:nvSpPr>
-        <p:spPr>
-          <a:xfrm>
-            <a:off x="590550" y="1577975"/>
-            <a:ext cx="5334000" cy="5032375"/>
-          </a:xfrm>
-          <a:prstGeom prst="rect">
-            <a:avLst/>
-          </a:prstGeom>
-        </p:spPr>
-        <p:txBody>
-          <a:bodyPr vert="horz" lIns="91440" tIns="45720" rIns="91440" bIns="45720" rtlCol="0" anchor="ctr">
-            <a:normAutofit/>
-          </a:bodyPr>
-          <a:lstStyle>
-            <a:lvl1pPr algn="l" defTabSz="914400" rtl="0" eaLnBrk="1" latinLnBrk="0" hangingPunct="1">
-              <a:lnSpc>
-                <a:spcPct val="90000"/>
-              </a:lnSpc>
-              <a:spcBef>
-                <a:spcPct val="0"/>
-              </a:spcBef>
-              <a:buNone/>
-              <a:defRPr sz="4400" kern="1200">
-                <a:solidFill>
-                  <a:schemeClr val="tx1"/>
-                </a:solidFill>
-                <a:latin typeface="+mj-lt"/>
-                <a:ea typeface="+mj-ea"/>
-                <a:cs typeface="+mj-cs"/>
-              </a:defRPr>
-            </a:lvl1pPr>
-          </a:lstStyle>
-          <a:p>
-            <a:r>
-              <a:rPr lang="en-NZ" sz="2800" dirty="0">
-                <a:latin typeface="Times New Roman" panose="02020603050405020304" pitchFamily="18" charset="0"/>
-                <a:cs typeface="Times New Roman" panose="02020603050405020304" pitchFamily="18" charset="0"/>
-              </a:rPr>
-              <a:t>1. Private information exposure</a:t>
-            </a:r>
-          </a:p>
-          <a:p>
-            <a:r>
-              <a:rPr lang="en-NZ" sz="2800" dirty="0">
-                <a:latin typeface="Times New Roman" panose="02020603050405020304" pitchFamily="18" charset="0"/>
-                <a:cs typeface="Times New Roman" panose="02020603050405020304" pitchFamily="18" charset="0"/>
-              </a:rPr>
-              <a:t>2. Money loss</a:t>
-            </a:r>
-          </a:p>
-          <a:p>
-            <a:r>
-              <a:rPr lang="en-NZ" sz="2800" dirty="0">
-                <a:latin typeface="Times New Roman" panose="02020603050405020304" pitchFamily="18" charset="0"/>
-                <a:cs typeface="Times New Roman" panose="02020603050405020304" pitchFamily="18" charset="0"/>
-              </a:rPr>
-              <a:t>3. Risks of ID frauds</a:t>
-            </a:r>
-          </a:p>
-        </p:txBody>
-      </p:sp>
-      <p:sp>
-        <p:nvSpPr>
-          <p:cNvPr id="7" name="文本框 6">
-            <a:extLst>
-              <a:ext uri="{FF2B5EF4-FFF2-40B4-BE49-F238E27FC236}">
-                <a16:creationId xmlns:a16="http://schemas.microsoft.com/office/drawing/2014/main" xmlns="" id="{5A115FD7-B5F6-D919-5860-BD9C52F64019}"/>
+                <a16:creationId xmlns="" xmlns:a16="http://schemas.microsoft.com/office/drawing/2014/main" id="{848B05F5-64E6-7B36-6AD3-7E4F7830C95F}"/>
               </a:ext>
             </a:extLst>
           </p:cNvPr>
@@ -8401,8 +10576,8 @@
         </p:nvSpPr>
         <p:spPr>
           <a:xfrm>
-            <a:off x="1016000" y="6470651"/>
-            <a:ext cx="10204450" cy="369332"/>
+            <a:off x="0" y="6312199"/>
+            <a:ext cx="9791700" cy="369332"/>
           </a:xfrm>
           <a:prstGeom prst="rect">
             <a:avLst/>
@@ -8416,44 +10591,165 @@
           <a:lstStyle/>
           <a:p>
             <a:r>
-              <a:rPr lang="en-NZ" dirty="0" err="1">
+              <a:rPr lang="en-NZ" sz="1800" i="1" dirty="0" smtClean="0">
                 <a:latin typeface="Times New Roman" panose="02020603050405020304" pitchFamily="18" charset="0"/>
                 <a:cs typeface="Times New Roman" panose="02020603050405020304" pitchFamily="18" charset="0"/>
               </a:rPr>
-              <a:t>Retrived</a:t>
-            </a:r>
-            <a:r>
-              <a:rPr lang="en-NZ" dirty="0">
+              <a:t>Retrieved </a:t>
+            </a:r>
+            <a:r>
+              <a:rPr lang="en-NZ" sz="1800" i="1" dirty="0">
                 <a:latin typeface="Times New Roman" panose="02020603050405020304" pitchFamily="18" charset="0"/>
                 <a:cs typeface="Times New Roman" panose="02020603050405020304" pitchFamily="18" charset="0"/>
               </a:rPr>
-              <a:t> from:</a:t>
-            </a:r>
-            <a:r>
-              <a:rPr lang="en-NZ" dirty="0">
+              <a:t>from: </a:t>
+            </a:r>
+            <a:r>
+              <a:rPr lang="en-NZ" sz="1800" i="1" dirty="0">
                 <a:latin typeface="Times New Roman" panose="02020603050405020304" pitchFamily="18" charset="0"/>
                 <a:cs typeface="Times New Roman" panose="02020603050405020304" pitchFamily="18" charset="0"/>
                 <a:hlinkClick r:id="rId3"/>
               </a:rPr>
-              <a:t> Change your password NOW! 15 million Plex passwords stolen by hackers | Express.co.uk</a:t>
-            </a:r>
-            <a:endParaRPr lang="en-NZ" dirty="0">
-              <a:latin typeface="Times New Roman" panose="02020603050405020304" pitchFamily="18" charset="0"/>
-              <a:cs typeface="Times New Roman" panose="02020603050405020304" pitchFamily="18" charset="0"/>
-            </a:endParaRPr>
+              <a:t>List of the most common passwords - Wikipedia</a:t>
+            </a:r>
+            <a:endParaRPr lang="en-NZ" i="1" dirty="0"/>
           </a:p>
         </p:txBody>
       </p:sp>
     </p:spTree>
     <p:extLst>
       <p:ext uri="{BB962C8B-B14F-4D97-AF65-F5344CB8AC3E}">
-        <p14:creationId xmlns:p14="http://schemas.microsoft.com/office/powerpoint/2010/main" xmlns="" val="1039722178"/>
+        <p14:creationId xmlns="" xmlns:p14="http://schemas.microsoft.com/office/powerpoint/2010/main" val="4200007885"/>
       </p:ext>
     </p:extLst>
   </p:cSld>
   <p:clrMapOvr>
     <a:masterClrMapping/>
   </p:clrMapOvr>
+  <p:transition spd="slow">
+    <p:cover dir="d"/>
+  </p:transition>
+  <p:timing>
+    <p:tnLst>
+      <p:par>
+        <p:cTn id="1" dur="indefinite" restart="never" nodeType="tmRoot">
+          <p:childTnLst>
+            <p:seq concurrent="1" nextAc="seek">
+              <p:cTn id="2" dur="indefinite" nodeType="mainSeq">
+                <p:childTnLst>
+                  <p:par>
+                    <p:cTn id="3" fill="hold">
+                      <p:stCondLst>
+                        <p:cond delay="indefinite"/>
+                      </p:stCondLst>
+                      <p:childTnLst>
+                        <p:par>
+                          <p:cTn id="4" fill="hold">
+                            <p:stCondLst>
+                              <p:cond delay="0"/>
+                            </p:stCondLst>
+                            <p:childTnLst>
+                              <p:par>
+                                <p:cTn id="5" presetID="2" presetClass="entr" presetSubtype="4" fill="hold" nodeType="clickEffect">
+                                  <p:stCondLst>
+                                    <p:cond delay="0"/>
+                                  </p:stCondLst>
+                                  <p:childTnLst>
+                                    <p:set>
+                                      <p:cBhvr>
+                                        <p:cTn id="6" dur="1" fill="hold">
+                                          <p:stCondLst>
+                                            <p:cond delay="0"/>
+                                          </p:stCondLst>
+                                        </p:cTn>
+                                        <p:tgtEl>
+                                          <p:spTgt spid="5"/>
+                                        </p:tgtEl>
+                                        <p:attrNameLst>
+                                          <p:attrName>style.visibility</p:attrName>
+                                        </p:attrNameLst>
+                                      </p:cBhvr>
+                                      <p:to>
+                                        <p:strVal val="visible"/>
+                                      </p:to>
+                                    </p:set>
+                                    <p:anim calcmode="lin" valueType="num">
+                                      <p:cBhvr additive="base">
+                                        <p:cTn id="7" dur="500" fill="hold"/>
+                                        <p:tgtEl>
+                                          <p:spTgt spid="5"/>
+                                        </p:tgtEl>
+                                        <p:attrNameLst>
+                                          <p:attrName>ppt_x</p:attrName>
+                                        </p:attrNameLst>
+                                      </p:cBhvr>
+                                      <p:tavLst>
+                                        <p:tav tm="0">
+                                          <p:val>
+                                            <p:strVal val="#ppt_x"/>
+                                          </p:val>
+                                        </p:tav>
+                                        <p:tav tm="100000">
+                                          <p:val>
+                                            <p:strVal val="#ppt_x"/>
+                                          </p:val>
+                                        </p:tav>
+                                      </p:tavLst>
+                                    </p:anim>
+                                    <p:anim calcmode="lin" valueType="num">
+                                      <p:cBhvr additive="base">
+                                        <p:cTn id="8" dur="500" fill="hold"/>
+                                        <p:tgtEl>
+                                          <p:spTgt spid="5"/>
+                                        </p:tgtEl>
+                                        <p:attrNameLst>
+                                          <p:attrName>ppt_y</p:attrName>
+                                        </p:attrNameLst>
+                                      </p:cBhvr>
+                                      <p:tavLst>
+                                        <p:tav tm="0">
+                                          <p:val>
+                                            <p:strVal val="1+#ppt_h/2"/>
+                                          </p:val>
+                                        </p:tav>
+                                        <p:tav tm="100000">
+                                          <p:val>
+                                            <p:strVal val="#ppt_y"/>
+                                          </p:val>
+                                        </p:tav>
+                                      </p:tavLst>
+                                    </p:anim>
+                                  </p:childTnLst>
+                                </p:cTn>
+                              </p:par>
+                            </p:childTnLst>
+                          </p:cTn>
+                        </p:par>
+                      </p:childTnLst>
+                    </p:cTn>
+                  </p:par>
+                </p:childTnLst>
+              </p:cTn>
+              <p:prevCondLst>
+                <p:cond evt="onPrev" delay="0">
+                  <p:tgtEl>
+                    <p:sldTgt/>
+                  </p:tgtEl>
+                </p:cond>
+              </p:prevCondLst>
+              <p:nextCondLst>
+                <p:cond evt="onNext" delay="0">
+                  <p:tgtEl>
+                    <p:sldTgt/>
+                  </p:tgtEl>
+                </p:cond>
+              </p:nextCondLst>
+            </p:seq>
+          </p:childTnLst>
+        </p:cTn>
+      </p:par>
+    </p:tnLst>
+  </p:timing>
 </p:sld>
 </file>
 
@@ -8479,7 +10775,7 @@
           <p:cNvPr id="2" name="标题 1">
             <a:extLst>
               <a:ext uri="{FF2B5EF4-FFF2-40B4-BE49-F238E27FC236}">
-                <a16:creationId xmlns:a16="http://schemas.microsoft.com/office/drawing/2014/main" xmlns="" id="{03477B6E-72BF-255C-BEB8-DAC7203DD43E}"/>
+                <a16:creationId xmlns="" xmlns:a16="http://schemas.microsoft.com/office/drawing/2014/main" id="{B3F13335-104A-015E-3032-EACBD2BEBA00}"/>
               </a:ext>
             </a:extLst>
           </p:cNvPr>
@@ -8490,108 +10786,546 @@
             <p:ph type="title"/>
           </p:nvPr>
         </p:nvSpPr>
-        <p:spPr/>
+        <p:spPr>
+          <a:xfrm>
+            <a:off x="2403894" y="479701"/>
+            <a:ext cx="8610600" cy="1293028"/>
+          </a:xfrm>
+        </p:spPr>
         <p:txBody>
           <a:bodyPr/>
           <a:lstStyle/>
           <a:p>
-            <a:r>
-              <a:rPr lang="en-NZ" dirty="0"/>
-              <a:t>Technologies Used</a:t>
-            </a:r>
-          </a:p>
-        </p:txBody>
-      </p:sp>
-      <p:sp>
-        <p:nvSpPr>
-          <p:cNvPr id="3" name="内容占位符 2">
+            <a:pPr algn="l"/>
+            <a:r>
+              <a:rPr lang="en-NZ" b="1" dirty="0"/>
+              <a:t>Risks of password leaking</a:t>
+            </a:r>
+          </a:p>
+        </p:txBody>
+      </p:sp>
+      <p:pic>
+        <p:nvPicPr>
+          <p:cNvPr id="5" name="内容占位符 4">
             <a:extLst>
               <a:ext uri="{FF2B5EF4-FFF2-40B4-BE49-F238E27FC236}">
-                <a16:creationId xmlns:a16="http://schemas.microsoft.com/office/drawing/2014/main" xmlns="" id="{B5BDCBB6-C660-4E0C-04B9-8784DABF995E}"/>
+                <a16:creationId xmlns="" xmlns:a16="http://schemas.microsoft.com/office/drawing/2014/main" id="{37CA7186-F461-8768-6AB0-EDB502334978}"/>
               </a:ext>
             </a:extLst>
           </p:cNvPr>
-          <p:cNvSpPr>
-            <a:spLocks noGrp="1"/>
-          </p:cNvSpPr>
+          <p:cNvPicPr>
+            <a:picLocks noGrp="1" noChangeAspect="1"/>
+          </p:cNvPicPr>
           <p:nvPr>
             <p:ph idx="1"/>
           </p:nvPr>
-        </p:nvSpPr>
-        <p:spPr/>
-        <p:txBody>
-          <a:bodyPr/>
+        </p:nvPicPr>
+        <p:blipFill>
+          <a:blip r:embed="rId2" cstate="print">
+            <a:extLst>
+              <a:ext uri="{28A0092B-C50C-407E-A947-70E740481C1C}">
+                <a14:useLocalDpi xmlns="" xmlns:a14="http://schemas.microsoft.com/office/drawing/2010/main" val="0"/>
+              </a:ext>
+            </a:extLst>
+          </a:blip>
+          <a:srcRect l="4348"/>
+          <a:stretch>
+            <a:fillRect/>
+          </a:stretch>
+        </p:blipFill>
+        <p:spPr>
+          <a:xfrm>
+            <a:off x="6443933" y="1450874"/>
+            <a:ext cx="4830792" cy="4847735"/>
+          </a:xfrm>
+          <a:prstGeom prst="round2DiagRect">
+            <a:avLst>
+              <a:gd name="adj1" fmla="val 16667"/>
+              <a:gd name="adj2" fmla="val 0"/>
+            </a:avLst>
+          </a:prstGeom>
+          <a:ln w="88900" cap="sq">
+            <a:solidFill>
+              <a:srgbClr val="FFFFFF"/>
+            </a:solidFill>
+            <a:miter lim="800000"/>
+          </a:ln>
+          <a:effectLst>
+            <a:outerShdw blurRad="254000" algn="tl" rotWithShape="0">
+              <a:srgbClr val="000000">
+                <a:alpha val="43000"/>
+              </a:srgbClr>
+            </a:outerShdw>
+          </a:effectLst>
+        </p:spPr>
+      </p:pic>
+      <p:sp>
+        <p:nvSpPr>
+          <p:cNvPr id="6" name="标题 1">
+            <a:extLst>
+              <a:ext uri="{FF2B5EF4-FFF2-40B4-BE49-F238E27FC236}">
+                <a16:creationId xmlns="" xmlns:a16="http://schemas.microsoft.com/office/drawing/2014/main" id="{C81291C8-DC21-C98A-E80F-705776E3EB74}"/>
+              </a:ext>
+            </a:extLst>
+          </p:cNvPr>
+          <p:cNvSpPr txBox="1">
+            <a:spLocks/>
+          </p:cNvSpPr>
+          <p:nvPr/>
+        </p:nvSpPr>
+        <p:spPr>
+          <a:xfrm>
+            <a:off x="590549" y="1371600"/>
+            <a:ext cx="5654975" cy="3019245"/>
+          </a:xfrm>
+          <a:prstGeom prst="rect">
+            <a:avLst/>
+          </a:prstGeom>
+        </p:spPr>
+        <p:txBody>
+          <a:bodyPr vert="horz" lIns="91440" tIns="45720" rIns="91440" bIns="45720" rtlCol="0" anchor="ctr">
+            <a:normAutofit/>
+          </a:bodyPr>
+          <a:lstStyle>
+            <a:lvl1pPr algn="l" defTabSz="914400" rtl="0" eaLnBrk="1" latinLnBrk="0" hangingPunct="1">
+              <a:lnSpc>
+                <a:spcPct val="90000"/>
+              </a:lnSpc>
+              <a:spcBef>
+                <a:spcPct val="0"/>
+              </a:spcBef>
+              <a:buNone/>
+              <a:defRPr sz="4400" kern="1200">
+                <a:solidFill>
+                  <a:schemeClr val="tx1"/>
+                </a:solidFill>
+                <a:latin typeface="+mj-lt"/>
+                <a:ea typeface="+mj-ea"/>
+                <a:cs typeface="+mj-cs"/>
+              </a:defRPr>
+            </a:lvl1pPr>
+          </a:lstStyle>
+          <a:p>
+            <a:pPr>
+              <a:lnSpc>
+                <a:spcPct val="150000"/>
+              </a:lnSpc>
+            </a:pPr>
+            <a:r>
+              <a:rPr lang="en-NZ" sz="2800" dirty="0">
+                <a:latin typeface="+mn-lt"/>
+                <a:cs typeface="Times New Roman" panose="02020603050405020304" pitchFamily="18" charset="0"/>
+              </a:rPr>
+              <a:t>1. Private information exposure</a:t>
+            </a:r>
+          </a:p>
+          <a:p>
+            <a:pPr>
+              <a:lnSpc>
+                <a:spcPct val="150000"/>
+              </a:lnSpc>
+            </a:pPr>
+            <a:r>
+              <a:rPr lang="en-NZ" sz="2800" dirty="0">
+                <a:latin typeface="+mn-lt"/>
+                <a:cs typeface="Times New Roman" panose="02020603050405020304" pitchFamily="18" charset="0"/>
+              </a:rPr>
+              <a:t>2. Money loss</a:t>
+            </a:r>
+          </a:p>
+          <a:p>
+            <a:pPr>
+              <a:lnSpc>
+                <a:spcPct val="150000"/>
+              </a:lnSpc>
+            </a:pPr>
+            <a:r>
+              <a:rPr lang="en-NZ" sz="2800" dirty="0">
+                <a:latin typeface="+mn-lt"/>
+                <a:cs typeface="Times New Roman" panose="02020603050405020304" pitchFamily="18" charset="0"/>
+              </a:rPr>
+              <a:t>3. Risks of ID frauds</a:t>
+            </a:r>
+          </a:p>
+        </p:txBody>
+      </p:sp>
+      <p:sp>
+        <p:nvSpPr>
+          <p:cNvPr id="7" name="文本框 6">
+            <a:extLst>
+              <a:ext uri="{FF2B5EF4-FFF2-40B4-BE49-F238E27FC236}">
+                <a16:creationId xmlns="" xmlns:a16="http://schemas.microsoft.com/office/drawing/2014/main" id="{5A115FD7-B5F6-D919-5860-BD9C52F64019}"/>
+              </a:ext>
+            </a:extLst>
+          </p:cNvPr>
+          <p:cNvSpPr txBox="1"/>
+          <p:nvPr/>
+        </p:nvSpPr>
+        <p:spPr>
+          <a:xfrm>
+            <a:off x="144732" y="6418892"/>
+            <a:ext cx="10204450" cy="307777"/>
+          </a:xfrm>
+          <a:prstGeom prst="rect">
+            <a:avLst/>
+          </a:prstGeom>
+          <a:noFill/>
+        </p:spPr>
+        <p:txBody>
+          <a:bodyPr wrap="square" rtlCol="0">
+            <a:spAutoFit/>
+          </a:bodyPr>
           <a:lstStyle/>
           <a:p>
             <a:r>
-              <a:rPr lang="en-NZ" sz="3200" dirty="0"/>
-              <a:t>Web-based software</a:t>
-            </a:r>
-          </a:p>
-          <a:p>
-            <a:pPr lvl="1"/>
-            <a:r>
-              <a:rPr lang="en-NZ" dirty="0"/>
-              <a:t>Tools: Apache, Nodejs</a:t>
-            </a:r>
-          </a:p>
-          <a:p>
-            <a:pPr lvl="1"/>
-            <a:r>
-              <a:rPr lang="en-NZ" dirty="0"/>
-              <a:t>Modules: express, </a:t>
-            </a:r>
-            <a:r>
-              <a:rPr lang="en-NZ" dirty="0" err="1"/>
-              <a:t>ejs</a:t>
-            </a:r>
-            <a:r>
-              <a:rPr lang="en-NZ" dirty="0"/>
-              <a:t>, cookie-parser</a:t>
-            </a:r>
-          </a:p>
-          <a:p>
-            <a:pPr lvl="1"/>
-            <a:r>
-              <a:rPr lang="en-NZ" dirty="0"/>
-              <a:t>Languages: </a:t>
-            </a:r>
-            <a:r>
-              <a:rPr lang="en-NZ" dirty="0" err="1"/>
-              <a:t>Javascript</a:t>
-            </a:r>
-            <a:r>
-              <a:rPr lang="en-NZ" dirty="0"/>
-              <a:t>, </a:t>
-            </a:r>
-            <a:r>
-              <a:rPr lang="en-NZ" dirty="0" err="1"/>
-              <a:t>Javascript</a:t>
-            </a:r>
-            <a:r>
-              <a:rPr lang="en-NZ" dirty="0"/>
-              <a:t>( embedded ), HTML, CSS</a:t>
-            </a:r>
-          </a:p>
-          <a:p>
-            <a:pPr lvl="1"/>
-            <a:r>
-              <a:rPr lang="en-NZ" dirty="0"/>
-              <a:t>Request method: POST / GET</a:t>
-            </a:r>
+              <a:rPr lang="en-NZ" sz="1400" i="1" dirty="0" smtClean="0">
+                <a:latin typeface="Times New Roman" panose="02020603050405020304" pitchFamily="18" charset="0"/>
+                <a:cs typeface="Times New Roman" panose="02020603050405020304" pitchFamily="18" charset="0"/>
+              </a:rPr>
+              <a:t>Retrieved </a:t>
+            </a:r>
+            <a:r>
+              <a:rPr lang="en-NZ" sz="1400" i="1" dirty="0">
+                <a:latin typeface="Times New Roman" panose="02020603050405020304" pitchFamily="18" charset="0"/>
+                <a:cs typeface="Times New Roman" panose="02020603050405020304" pitchFamily="18" charset="0"/>
+              </a:rPr>
+              <a:t>from:</a:t>
+            </a:r>
+            <a:r>
+              <a:rPr lang="en-NZ" sz="1400" i="1" dirty="0">
+                <a:latin typeface="Times New Roman" panose="02020603050405020304" pitchFamily="18" charset="0"/>
+                <a:cs typeface="Times New Roman" panose="02020603050405020304" pitchFamily="18" charset="0"/>
+                <a:hlinkClick r:id="rId3"/>
+              </a:rPr>
+              <a:t> Change your password NOW! 15 million Plex passwords stolen by hackers | Express.co.uk</a:t>
+            </a:r>
+            <a:endParaRPr lang="en-NZ" sz="1400" i="1" dirty="0">
+              <a:latin typeface="Times New Roman" panose="02020603050405020304" pitchFamily="18" charset="0"/>
+              <a:cs typeface="Times New Roman" panose="02020603050405020304" pitchFamily="18" charset="0"/>
+            </a:endParaRPr>
           </a:p>
         </p:txBody>
       </p:sp>
     </p:spTree>
     <p:extLst>
       <p:ext uri="{BB962C8B-B14F-4D97-AF65-F5344CB8AC3E}">
-        <p14:creationId xmlns:p14="http://schemas.microsoft.com/office/powerpoint/2010/main" xmlns="" val="1522651155"/>
+        <p14:creationId xmlns="" xmlns:p14="http://schemas.microsoft.com/office/powerpoint/2010/main" val="1039722178"/>
       </p:ext>
     </p:extLst>
   </p:cSld>
   <p:clrMapOvr>
     <a:masterClrMapping/>
   </p:clrMapOvr>
+  <p:transition spd="slow">
+    <p:cover dir="d"/>
+  </p:transition>
+  <p:timing>
+    <p:tnLst>
+      <p:par>
+        <p:cTn id="1" dur="indefinite" restart="never" nodeType="tmRoot">
+          <p:childTnLst>
+            <p:seq concurrent="1" nextAc="seek">
+              <p:cTn id="2" dur="indefinite" nodeType="mainSeq">
+                <p:childTnLst>
+                  <p:par>
+                    <p:cTn id="3" fill="hold">
+                      <p:stCondLst>
+                        <p:cond delay="indefinite"/>
+                      </p:stCondLst>
+                      <p:childTnLst>
+                        <p:par>
+                          <p:cTn id="4" fill="hold">
+                            <p:stCondLst>
+                              <p:cond delay="0"/>
+                            </p:stCondLst>
+                            <p:childTnLst>
+                              <p:par>
+                                <p:cTn id="5" presetID="10" presetClass="entr" presetSubtype="0" fill="hold" grpId="0" nodeType="clickEffect">
+                                  <p:stCondLst>
+                                    <p:cond delay="0"/>
+                                  </p:stCondLst>
+                                  <p:childTnLst>
+                                    <p:set>
+                                      <p:cBhvr>
+                                        <p:cTn id="6" dur="1" fill="hold">
+                                          <p:stCondLst>
+                                            <p:cond delay="0"/>
+                                          </p:stCondLst>
+                                        </p:cTn>
+                                        <p:tgtEl>
+                                          <p:spTgt spid="6">
+                                            <p:txEl>
+                                              <p:pRg st="0" end="0"/>
+                                            </p:txEl>
+                                          </p:spTgt>
+                                        </p:tgtEl>
+                                        <p:attrNameLst>
+                                          <p:attrName>style.visibility</p:attrName>
+                                        </p:attrNameLst>
+                                      </p:cBhvr>
+                                      <p:to>
+                                        <p:strVal val="visible"/>
+                                      </p:to>
+                                    </p:set>
+                                    <p:animEffect transition="in" filter="fade">
+                                      <p:cBhvr>
+                                        <p:cTn id="7" dur="2000"/>
+                                        <p:tgtEl>
+                                          <p:spTgt spid="6">
+                                            <p:txEl>
+                                              <p:pRg st="0" end="0"/>
+                                            </p:txEl>
+                                          </p:spTgt>
+                                        </p:tgtEl>
+                                      </p:cBhvr>
+                                    </p:animEffect>
+                                  </p:childTnLst>
+                                </p:cTn>
+                              </p:par>
+                            </p:childTnLst>
+                          </p:cTn>
+                        </p:par>
+                      </p:childTnLst>
+                    </p:cTn>
+                  </p:par>
+                  <p:par>
+                    <p:cTn id="8" fill="hold">
+                      <p:stCondLst>
+                        <p:cond delay="indefinite"/>
+                      </p:stCondLst>
+                      <p:childTnLst>
+                        <p:par>
+                          <p:cTn id="9" fill="hold">
+                            <p:stCondLst>
+                              <p:cond delay="0"/>
+                            </p:stCondLst>
+                            <p:childTnLst>
+                              <p:par>
+                                <p:cTn id="10" presetID="10" presetClass="entr" presetSubtype="0" fill="hold" grpId="0" nodeType="clickEffect">
+                                  <p:stCondLst>
+                                    <p:cond delay="0"/>
+                                  </p:stCondLst>
+                                  <p:childTnLst>
+                                    <p:set>
+                                      <p:cBhvr>
+                                        <p:cTn id="11" dur="1" fill="hold">
+                                          <p:stCondLst>
+                                            <p:cond delay="0"/>
+                                          </p:stCondLst>
+                                        </p:cTn>
+                                        <p:tgtEl>
+                                          <p:spTgt spid="6">
+                                            <p:txEl>
+                                              <p:pRg st="1" end="1"/>
+                                            </p:txEl>
+                                          </p:spTgt>
+                                        </p:tgtEl>
+                                        <p:attrNameLst>
+                                          <p:attrName>style.visibility</p:attrName>
+                                        </p:attrNameLst>
+                                      </p:cBhvr>
+                                      <p:to>
+                                        <p:strVal val="visible"/>
+                                      </p:to>
+                                    </p:set>
+                                    <p:animEffect transition="in" filter="fade">
+                                      <p:cBhvr>
+                                        <p:cTn id="12" dur="2000"/>
+                                        <p:tgtEl>
+                                          <p:spTgt spid="6">
+                                            <p:txEl>
+                                              <p:pRg st="1" end="1"/>
+                                            </p:txEl>
+                                          </p:spTgt>
+                                        </p:tgtEl>
+                                      </p:cBhvr>
+                                    </p:animEffect>
+                                  </p:childTnLst>
+                                </p:cTn>
+                              </p:par>
+                            </p:childTnLst>
+                          </p:cTn>
+                        </p:par>
+                      </p:childTnLst>
+                    </p:cTn>
+                  </p:par>
+                  <p:par>
+                    <p:cTn id="13" fill="hold">
+                      <p:stCondLst>
+                        <p:cond delay="indefinite"/>
+                      </p:stCondLst>
+                      <p:childTnLst>
+                        <p:par>
+                          <p:cTn id="14" fill="hold">
+                            <p:stCondLst>
+                              <p:cond delay="0"/>
+                            </p:stCondLst>
+                            <p:childTnLst>
+                              <p:par>
+                                <p:cTn id="15" presetID="10" presetClass="entr" presetSubtype="0" fill="hold" grpId="0" nodeType="clickEffect">
+                                  <p:stCondLst>
+                                    <p:cond delay="0"/>
+                                  </p:stCondLst>
+                                  <p:childTnLst>
+                                    <p:set>
+                                      <p:cBhvr>
+                                        <p:cTn id="16" dur="1" fill="hold">
+                                          <p:stCondLst>
+                                            <p:cond delay="0"/>
+                                          </p:stCondLst>
+                                        </p:cTn>
+                                        <p:tgtEl>
+                                          <p:spTgt spid="6">
+                                            <p:txEl>
+                                              <p:pRg st="2" end="2"/>
+                                            </p:txEl>
+                                          </p:spTgt>
+                                        </p:tgtEl>
+                                        <p:attrNameLst>
+                                          <p:attrName>style.visibility</p:attrName>
+                                        </p:attrNameLst>
+                                      </p:cBhvr>
+                                      <p:to>
+                                        <p:strVal val="visible"/>
+                                      </p:to>
+                                    </p:set>
+                                    <p:animEffect transition="in" filter="fade">
+                                      <p:cBhvr>
+                                        <p:cTn id="17" dur="2000"/>
+                                        <p:tgtEl>
+                                          <p:spTgt spid="6">
+                                            <p:txEl>
+                                              <p:pRg st="2" end="2"/>
+                                            </p:txEl>
+                                          </p:spTgt>
+                                        </p:tgtEl>
+                                      </p:cBhvr>
+                                    </p:animEffect>
+                                  </p:childTnLst>
+                                </p:cTn>
+                              </p:par>
+                            </p:childTnLst>
+                          </p:cTn>
+                        </p:par>
+                      </p:childTnLst>
+                    </p:cTn>
+                  </p:par>
+                  <p:par>
+                    <p:cTn id="18" fill="hold">
+                      <p:stCondLst>
+                        <p:cond delay="indefinite"/>
+                      </p:stCondLst>
+                      <p:childTnLst>
+                        <p:par>
+                          <p:cTn id="19" fill="hold">
+                            <p:stCondLst>
+                              <p:cond delay="0"/>
+                            </p:stCondLst>
+                            <p:childTnLst>
+                              <p:par>
+                                <p:cTn id="20" presetID="2" presetClass="entr" presetSubtype="4" fill="hold" nodeType="clickEffect">
+                                  <p:stCondLst>
+                                    <p:cond delay="0"/>
+                                  </p:stCondLst>
+                                  <p:childTnLst>
+                                    <p:set>
+                                      <p:cBhvr>
+                                        <p:cTn id="21" dur="1" fill="hold">
+                                          <p:stCondLst>
+                                            <p:cond delay="0"/>
+                                          </p:stCondLst>
+                                        </p:cTn>
+                                        <p:tgtEl>
+                                          <p:spTgt spid="5"/>
+                                        </p:tgtEl>
+                                        <p:attrNameLst>
+                                          <p:attrName>style.visibility</p:attrName>
+                                        </p:attrNameLst>
+                                      </p:cBhvr>
+                                      <p:to>
+                                        <p:strVal val="visible"/>
+                                      </p:to>
+                                    </p:set>
+                                    <p:anim calcmode="lin" valueType="num">
+                                      <p:cBhvr additive="base">
+                                        <p:cTn id="22" dur="500" fill="hold"/>
+                                        <p:tgtEl>
+                                          <p:spTgt spid="5"/>
+                                        </p:tgtEl>
+                                        <p:attrNameLst>
+                                          <p:attrName>ppt_x</p:attrName>
+                                        </p:attrNameLst>
+                                      </p:cBhvr>
+                                      <p:tavLst>
+                                        <p:tav tm="0">
+                                          <p:val>
+                                            <p:strVal val="#ppt_x"/>
+                                          </p:val>
+                                        </p:tav>
+                                        <p:tav tm="100000">
+                                          <p:val>
+                                            <p:strVal val="#ppt_x"/>
+                                          </p:val>
+                                        </p:tav>
+                                      </p:tavLst>
+                                    </p:anim>
+                                    <p:anim calcmode="lin" valueType="num">
+                                      <p:cBhvr additive="base">
+                                        <p:cTn id="23" dur="500" fill="hold"/>
+                                        <p:tgtEl>
+                                          <p:spTgt spid="5"/>
+                                        </p:tgtEl>
+                                        <p:attrNameLst>
+                                          <p:attrName>ppt_y</p:attrName>
+                                        </p:attrNameLst>
+                                      </p:cBhvr>
+                                      <p:tavLst>
+                                        <p:tav tm="0">
+                                          <p:val>
+                                            <p:strVal val="1+#ppt_h/2"/>
+                                          </p:val>
+                                        </p:tav>
+                                        <p:tav tm="100000">
+                                          <p:val>
+                                            <p:strVal val="#ppt_y"/>
+                                          </p:val>
+                                        </p:tav>
+                                      </p:tavLst>
+                                    </p:anim>
+                                  </p:childTnLst>
+                                </p:cTn>
+                              </p:par>
+                            </p:childTnLst>
+                          </p:cTn>
+                        </p:par>
+                      </p:childTnLst>
+                    </p:cTn>
+                  </p:par>
+                </p:childTnLst>
+              </p:cTn>
+              <p:prevCondLst>
+                <p:cond evt="onPrev" delay="0">
+                  <p:tgtEl>
+                    <p:sldTgt/>
+                  </p:tgtEl>
+                </p:cond>
+              </p:prevCondLst>
+              <p:nextCondLst>
+                <p:cond evt="onNext" delay="0">
+                  <p:tgtEl>
+                    <p:sldTgt/>
+                  </p:tgtEl>
+                </p:cond>
+              </p:nextCondLst>
+            </p:seq>
+          </p:childTnLst>
+        </p:cTn>
+      </p:par>
+    </p:tnLst>
+    <p:bldLst>
+      <p:bldP spid="6" grpId="0" build="p"/>
+    </p:bldLst>
+  </p:timing>
 </p:sld>
 </file>
 
@@ -8859,7 +11593,7 @@
   <a:extraClrSchemeLst/>
   <a:extLst>
     <a:ext uri="{05A4C25C-085E-4340-85A3-A5531E510DB2}">
-      <thm15:themeFamily xmlns:thm15="http://schemas.microsoft.com/office/thememl/2012/main" xmlns="" name="Vapor Trail" id="{4FDF2955-7D9C-493C-B9F9-C205151B46CD}" vid="{8F31A783-2159-4870-BC29-2BA7D038EA44}"/>
+      <thm15:themeFamily xmlns="" xmlns:thm15="http://schemas.microsoft.com/office/thememl/2012/main" name="Vapor Trail" id="{4FDF2955-7D9C-493C-B9F9-C205151B46CD}" vid="{8F31A783-2159-4870-BC29-2BA7D038EA44}"/>
     </a:ext>
   </a:extLst>
 </a:theme>

--- a/document/Presentation Password Generator.pptx
+++ b/document/Presentation Password Generator.pptx
@@ -16,8 +16,8 @@
     <p:sldId id="262" r:id="rId10"/>
     <p:sldId id="263" r:id="rId11"/>
     <p:sldId id="266" r:id="rId12"/>
-    <p:sldId id="264" r:id="rId13"/>
-    <p:sldId id="265" r:id="rId14"/>
+    <p:sldId id="265" r:id="rId13"/>
+    <p:sldId id="264" r:id="rId14"/>
     <p:sldId id="267" r:id="rId15"/>
     <p:sldId id="268" r:id="rId16"/>
     <p:sldId id="269" r:id="rId17"/>
@@ -121,7 +121,7 @@
   </p:defaultTextStyle>
   <p:extLst>
     <p:ext uri="{EFAFB233-063F-42B5-8137-9DF3F51BA10A}">
-      <p15:sldGuideLst xmlns="" xmlns:p15="http://schemas.microsoft.com/office/powerpoint/2012/main">
+      <p15:sldGuideLst xmlns:p15="http://schemas.microsoft.com/office/powerpoint/2012/main" xmlns="">
         <p15:guide id="1" orient="horz" pos="2160">
           <p15:clr>
             <a:srgbClr val="A4A3A4"/>
@@ -167,7 +167,7 @@
           <a:blip r:embed="rId2">
             <a:extLst>
               <a:ext uri="{28A0092B-C50C-407E-A947-70E740481C1C}">
-                <a14:useLocalDpi xmlns="" xmlns:a14="http://schemas.microsoft.com/office/drawing/2010/main" val="0"/>
+                <a14:useLocalDpi xmlns:a14="http://schemas.microsoft.com/office/drawing/2010/main" xmlns="" val="0"/>
               </a:ext>
             </a:extLst>
           </a:blip>
@@ -371,7 +371,7 @@
     </p:spTree>
     <p:extLst>
       <p:ext uri="{BB962C8B-B14F-4D97-AF65-F5344CB8AC3E}">
-        <p14:creationId xmlns="" xmlns:p14="http://schemas.microsoft.com/office/powerpoint/2010/main" val="3646990326"/>
+        <p14:creationId xmlns:p14="http://schemas.microsoft.com/office/powerpoint/2010/main" xmlns="" val="3646990326"/>
       </p:ext>
     </p:extLst>
   </p:cSld>
@@ -633,7 +633,7 @@
     </p:spTree>
     <p:extLst>
       <p:ext uri="{BB962C8B-B14F-4D97-AF65-F5344CB8AC3E}">
-        <p14:creationId xmlns="" xmlns:p14="http://schemas.microsoft.com/office/powerpoint/2010/main" val="71176386"/>
+        <p14:creationId xmlns:p14="http://schemas.microsoft.com/office/powerpoint/2010/main" xmlns="" val="71176386"/>
       </p:ext>
     </p:extLst>
   </p:cSld>
@@ -675,7 +675,7 @@
           <a:blip r:embed="rId2">
             <a:extLst>
               <a:ext uri="{28A0092B-C50C-407E-A947-70E740481C1C}">
-                <a14:useLocalDpi xmlns="" xmlns:a14="http://schemas.microsoft.com/office/drawing/2010/main" val="0"/>
+                <a14:useLocalDpi xmlns:a14="http://schemas.microsoft.com/office/drawing/2010/main" xmlns="" val="0"/>
               </a:ext>
             </a:extLst>
           </a:blip>
@@ -879,7 +879,7 @@
     </p:spTree>
     <p:extLst>
       <p:ext uri="{BB962C8B-B14F-4D97-AF65-F5344CB8AC3E}">
-        <p14:creationId xmlns="" xmlns:p14="http://schemas.microsoft.com/office/powerpoint/2010/main" val="1798571661"/>
+        <p14:creationId xmlns:p14="http://schemas.microsoft.com/office/powerpoint/2010/main" xmlns="" val="1798571661"/>
       </p:ext>
     </p:extLst>
   </p:cSld>
@@ -921,7 +921,7 @@
           <a:blip r:embed="rId2">
             <a:extLst>
               <a:ext uri="{28A0092B-C50C-407E-A947-70E740481C1C}">
-                <a14:useLocalDpi xmlns="" xmlns:a14="http://schemas.microsoft.com/office/drawing/2010/main" val="0"/>
+                <a14:useLocalDpi xmlns:a14="http://schemas.microsoft.com/office/drawing/2010/main" xmlns="" val="0"/>
               </a:ext>
             </a:extLst>
           </a:blip>
@@ -1426,7 +1426,7 @@
     </p:spTree>
     <p:extLst>
       <p:ext uri="{BB962C8B-B14F-4D97-AF65-F5344CB8AC3E}">
-        <p14:creationId xmlns="" xmlns:p14="http://schemas.microsoft.com/office/powerpoint/2010/main" val="2241860457"/>
+        <p14:creationId xmlns:p14="http://schemas.microsoft.com/office/powerpoint/2010/main" xmlns="" val="2241860457"/>
       </p:ext>
     </p:extLst>
   </p:cSld>
@@ -1468,7 +1468,7 @@
           <a:blip r:embed="rId2">
             <a:extLst>
               <a:ext uri="{28A0092B-C50C-407E-A947-70E740481C1C}">
-                <a14:useLocalDpi xmlns="" xmlns:a14="http://schemas.microsoft.com/office/drawing/2010/main" val="0"/>
+                <a14:useLocalDpi xmlns:a14="http://schemas.microsoft.com/office/drawing/2010/main" xmlns="" val="0"/>
               </a:ext>
             </a:extLst>
           </a:blip>
@@ -1672,7 +1672,7 @@
     </p:spTree>
     <p:extLst>
       <p:ext uri="{BB962C8B-B14F-4D97-AF65-F5344CB8AC3E}">
-        <p14:creationId xmlns="" xmlns:p14="http://schemas.microsoft.com/office/powerpoint/2010/main" val="3785431333"/>
+        <p14:creationId xmlns:p14="http://schemas.microsoft.com/office/powerpoint/2010/main" xmlns="" val="3785431333"/>
       </p:ext>
     </p:extLst>
   </p:cSld>
@@ -2214,7 +2214,7 @@
     </p:spTree>
     <p:extLst>
       <p:ext uri="{BB962C8B-B14F-4D97-AF65-F5344CB8AC3E}">
-        <p14:creationId xmlns="" xmlns:p14="http://schemas.microsoft.com/office/powerpoint/2010/main" val="3188093362"/>
+        <p14:creationId xmlns:p14="http://schemas.microsoft.com/office/powerpoint/2010/main" xmlns="" val="3188093362"/>
       </p:ext>
     </p:extLst>
   </p:cSld>
@@ -2993,7 +2993,7 @@
     </p:spTree>
     <p:extLst>
       <p:ext uri="{BB962C8B-B14F-4D97-AF65-F5344CB8AC3E}">
-        <p14:creationId xmlns="" xmlns:p14="http://schemas.microsoft.com/office/powerpoint/2010/main" val="1247721429"/>
+        <p14:creationId xmlns:p14="http://schemas.microsoft.com/office/powerpoint/2010/main" xmlns="" val="1247721429"/>
       </p:ext>
     </p:extLst>
   </p:cSld>
@@ -3173,7 +3173,7 @@
     </p:spTree>
     <p:extLst>
       <p:ext uri="{BB962C8B-B14F-4D97-AF65-F5344CB8AC3E}">
-        <p14:creationId xmlns="" xmlns:p14="http://schemas.microsoft.com/office/powerpoint/2010/main" val="1314504317"/>
+        <p14:creationId xmlns:p14="http://schemas.microsoft.com/office/powerpoint/2010/main" xmlns="" val="1314504317"/>
       </p:ext>
     </p:extLst>
   </p:cSld>
@@ -3215,7 +3215,7 @@
           <a:blip r:embed="rId2">
             <a:extLst>
               <a:ext uri="{28A0092B-C50C-407E-A947-70E740481C1C}">
-                <a14:useLocalDpi xmlns="" xmlns:a14="http://schemas.microsoft.com/office/drawing/2010/main" val="0"/>
+                <a14:useLocalDpi xmlns:a14="http://schemas.microsoft.com/office/drawing/2010/main" xmlns="" val="0"/>
               </a:ext>
             </a:extLst>
           </a:blip>
@@ -3411,7 +3411,7 @@
     </p:spTree>
     <p:extLst>
       <p:ext uri="{BB962C8B-B14F-4D97-AF65-F5344CB8AC3E}">
-        <p14:creationId xmlns="" xmlns:p14="http://schemas.microsoft.com/office/powerpoint/2010/main" val="3268017753"/>
+        <p14:creationId xmlns:p14="http://schemas.microsoft.com/office/powerpoint/2010/main" xmlns="" val="3268017753"/>
       </p:ext>
     </p:extLst>
   </p:cSld>
@@ -3586,7 +3586,7 @@
     </p:spTree>
     <p:extLst>
       <p:ext uri="{BB962C8B-B14F-4D97-AF65-F5344CB8AC3E}">
-        <p14:creationId xmlns="" xmlns:p14="http://schemas.microsoft.com/office/powerpoint/2010/main" val="900410543"/>
+        <p14:creationId xmlns:p14="http://schemas.microsoft.com/office/powerpoint/2010/main" xmlns="" val="900410543"/>
       </p:ext>
     </p:extLst>
   </p:cSld>
@@ -3628,7 +3628,7 @@
           <a:blip r:embed="rId2">
             <a:extLst>
               <a:ext uri="{28A0092B-C50C-407E-A947-70E740481C1C}">
-                <a14:useLocalDpi xmlns="" xmlns:a14="http://schemas.microsoft.com/office/drawing/2010/main" val="0"/>
+                <a14:useLocalDpi xmlns:a14="http://schemas.microsoft.com/office/drawing/2010/main" xmlns="" val="0"/>
               </a:ext>
             </a:extLst>
           </a:blip>
@@ -3890,7 +3890,7 @@
     </p:spTree>
     <p:extLst>
       <p:ext uri="{BB962C8B-B14F-4D97-AF65-F5344CB8AC3E}">
-        <p14:creationId xmlns="" xmlns:p14="http://schemas.microsoft.com/office/powerpoint/2010/main" val="2811421413"/>
+        <p14:creationId xmlns:p14="http://schemas.microsoft.com/office/powerpoint/2010/main" xmlns="" val="2811421413"/>
       </p:ext>
     </p:extLst>
   </p:cSld>
@@ -4127,7 +4127,7 @@
     </p:spTree>
     <p:extLst>
       <p:ext uri="{BB962C8B-B14F-4D97-AF65-F5344CB8AC3E}">
-        <p14:creationId xmlns="" xmlns:p14="http://schemas.microsoft.com/office/powerpoint/2010/main" val="2818974999"/>
+        <p14:creationId xmlns:p14="http://schemas.microsoft.com/office/powerpoint/2010/main" xmlns="" val="2818974999"/>
       </p:ext>
     </p:extLst>
   </p:cSld>
@@ -4511,7 +4511,7 @@
     </p:spTree>
     <p:extLst>
       <p:ext uri="{BB962C8B-B14F-4D97-AF65-F5344CB8AC3E}">
-        <p14:creationId xmlns="" xmlns:p14="http://schemas.microsoft.com/office/powerpoint/2010/main" val="3602584676"/>
+        <p14:creationId xmlns:p14="http://schemas.microsoft.com/office/powerpoint/2010/main" xmlns="" val="3602584676"/>
       </p:ext>
     </p:extLst>
   </p:cSld>
@@ -4634,7 +4634,7 @@
     </p:spTree>
     <p:extLst>
       <p:ext uri="{BB962C8B-B14F-4D97-AF65-F5344CB8AC3E}">
-        <p14:creationId xmlns="" xmlns:p14="http://schemas.microsoft.com/office/powerpoint/2010/main" val="3525800094"/>
+        <p14:creationId xmlns:p14="http://schemas.microsoft.com/office/powerpoint/2010/main" xmlns="" val="3525800094"/>
       </p:ext>
     </p:extLst>
   </p:cSld>
@@ -4734,7 +4734,7 @@
     </p:spTree>
     <p:extLst>
       <p:ext uri="{BB962C8B-B14F-4D97-AF65-F5344CB8AC3E}">
-        <p14:creationId xmlns="" xmlns:p14="http://schemas.microsoft.com/office/powerpoint/2010/main" val="900002222"/>
+        <p14:creationId xmlns:p14="http://schemas.microsoft.com/office/powerpoint/2010/main" xmlns="" val="900002222"/>
       </p:ext>
     </p:extLst>
   </p:cSld>
@@ -4988,7 +4988,7 @@
     </p:spTree>
     <p:extLst>
       <p:ext uri="{BB962C8B-B14F-4D97-AF65-F5344CB8AC3E}">
-        <p14:creationId xmlns="" xmlns:p14="http://schemas.microsoft.com/office/powerpoint/2010/main" val="1979681908"/>
+        <p14:creationId xmlns:p14="http://schemas.microsoft.com/office/powerpoint/2010/main" xmlns="" val="1979681908"/>
       </p:ext>
     </p:extLst>
   </p:cSld>
@@ -5250,7 +5250,7 @@
     </p:spTree>
     <p:extLst>
       <p:ext uri="{BB962C8B-B14F-4D97-AF65-F5344CB8AC3E}">
-        <p14:creationId xmlns="" xmlns:p14="http://schemas.microsoft.com/office/powerpoint/2010/main" val="3490336120"/>
+        <p14:creationId xmlns:p14="http://schemas.microsoft.com/office/powerpoint/2010/main" xmlns="" val="3490336120"/>
       </p:ext>
     </p:extLst>
   </p:cSld>
@@ -5297,7 +5297,7 @@
           <a:blip r:embed="rId19">
             <a:extLst>
               <a:ext uri="{28A0092B-C50C-407E-A947-70E740481C1C}">
-                <a14:useLocalDpi xmlns="" xmlns:a14="http://schemas.microsoft.com/office/drawing/2010/main" val="0"/>
+                <a14:useLocalDpi xmlns:a14="http://schemas.microsoft.com/office/drawing/2010/main" xmlns="" val="0"/>
               </a:ext>
             </a:extLst>
           </a:blip>
@@ -5534,7 +5534,7 @@
     </p:spTree>
     <p:extLst>
       <p:ext uri="{BB962C8B-B14F-4D97-AF65-F5344CB8AC3E}">
-        <p14:creationId xmlns="" xmlns:p14="http://schemas.microsoft.com/office/powerpoint/2010/main" val="475220722"/>
+        <p14:creationId xmlns:p14="http://schemas.microsoft.com/office/powerpoint/2010/main" xmlns="" val="475220722"/>
       </p:ext>
     </p:extLst>
   </p:cSld>
@@ -5890,23 +5890,7 @@
                   <a:srgbClr val="FFFF00"/>
                 </a:solidFill>
               </a:rPr>
-              <a:t>MCSD51:                                    </a:t>
-            </a:r>
-            <a:r>
-              <a:rPr lang="en-US" b="1" dirty="0" smtClean="0">
-                <a:solidFill>
-                  <a:srgbClr val="FFFF00"/>
-                </a:solidFill>
-              </a:rPr>
-              <a:t>Certificate </a:t>
-            </a:r>
-            <a:r>
-              <a:rPr lang="en-US" b="1" dirty="0" smtClean="0">
-                <a:solidFill>
-                  <a:srgbClr val="FFFF00"/>
-                </a:solidFill>
-              </a:rPr>
-              <a:t>in Introductory Software Development Level 5</a:t>
+              <a:t>MCSD51:                                    Certificate in Introductory Software Development Level 5</a:t>
             </a:r>
             <a:br>
               <a:rPr lang="en-US" b="1" dirty="0" smtClean="0">
@@ -6004,7 +5988,7 @@
           <p:cNvPr id="2" name="标题 1">
             <a:extLst>
               <a:ext uri="{FF2B5EF4-FFF2-40B4-BE49-F238E27FC236}">
-                <a16:creationId xmlns="" xmlns:a16="http://schemas.microsoft.com/office/drawing/2014/main" id="{03477B6E-72BF-255C-BEB8-DAC7203DD43E}"/>
+                <a16:creationId xmlns:a16="http://schemas.microsoft.com/office/drawing/2014/main" xmlns="" id="{03477B6E-72BF-255C-BEB8-DAC7203DD43E}"/>
               </a:ext>
             </a:extLst>
           </p:cNvPr>
@@ -6038,7 +6022,7 @@
           <p:cNvPr id="3" name="内容占位符 2">
             <a:extLst>
               <a:ext uri="{FF2B5EF4-FFF2-40B4-BE49-F238E27FC236}">
-                <a16:creationId xmlns="" xmlns:a16="http://schemas.microsoft.com/office/drawing/2014/main" id="{B5BDCBB6-C660-4E0C-04B9-8784DABF995E}"/>
+                <a16:creationId xmlns:a16="http://schemas.microsoft.com/office/drawing/2014/main" xmlns="" id="{B5BDCBB6-C660-4E0C-04B9-8784DABF995E}"/>
               </a:ext>
             </a:extLst>
           </p:cNvPr>
@@ -6135,7 +6119,7 @@
     </p:spTree>
     <p:extLst>
       <p:ext uri="{BB962C8B-B14F-4D97-AF65-F5344CB8AC3E}">
-        <p14:creationId xmlns="" xmlns:p14="http://schemas.microsoft.com/office/powerpoint/2010/main" val="1522651155"/>
+        <p14:creationId xmlns:p14="http://schemas.microsoft.com/office/powerpoint/2010/main" xmlns="" val="1522651155"/>
       </p:ext>
     </p:extLst>
   </p:cSld>
@@ -6436,7 +6420,7 @@
           <p:cNvPr id="2" name="标题 1">
             <a:extLst>
               <a:ext uri="{FF2B5EF4-FFF2-40B4-BE49-F238E27FC236}">
-                <a16:creationId xmlns="" xmlns:a16="http://schemas.microsoft.com/office/drawing/2014/main" id="{594441FE-9332-F0E4-7AE1-3123F39EBF02}"/>
+                <a16:creationId xmlns:a16="http://schemas.microsoft.com/office/drawing/2014/main" xmlns="" id="{594441FE-9332-F0E4-7AE1-3123F39EBF02}"/>
               </a:ext>
             </a:extLst>
           </p:cNvPr>
@@ -6470,7 +6454,7 @@
           <p:cNvPr id="3" name="内容占位符 2">
             <a:extLst>
               <a:ext uri="{FF2B5EF4-FFF2-40B4-BE49-F238E27FC236}">
-                <a16:creationId xmlns="" xmlns:a16="http://schemas.microsoft.com/office/drawing/2014/main" id="{C1BFAA36-BAFA-2A56-98AB-CC6300CECA0C}"/>
+                <a16:creationId xmlns:a16="http://schemas.microsoft.com/office/drawing/2014/main" xmlns="" id="{C1BFAA36-BAFA-2A56-98AB-CC6300CECA0C}"/>
               </a:ext>
             </a:extLst>
           </p:cNvPr>
@@ -6619,7 +6603,7 @@
           <p:cNvPr id="5" name="文本框 4">
             <a:extLst>
               <a:ext uri="{FF2B5EF4-FFF2-40B4-BE49-F238E27FC236}">
-                <a16:creationId xmlns="" xmlns:a16="http://schemas.microsoft.com/office/drawing/2014/main" id="{D233536E-5C4E-5A22-114B-E507F99608AF}"/>
+                <a16:creationId xmlns:a16="http://schemas.microsoft.com/office/drawing/2014/main" xmlns="" id="{D233536E-5C4E-5A22-114B-E507F99608AF}"/>
               </a:ext>
             </a:extLst>
           </p:cNvPr>
@@ -6786,7 +6770,7 @@
           <p:cNvPr id="6" name="文本框 5">
             <a:extLst>
               <a:ext uri="{FF2B5EF4-FFF2-40B4-BE49-F238E27FC236}">
-                <a16:creationId xmlns="" xmlns:a16="http://schemas.microsoft.com/office/drawing/2014/main" id="{4432D91B-110E-9A16-F8F5-9DE69295486D}"/>
+                <a16:creationId xmlns:a16="http://schemas.microsoft.com/office/drawing/2014/main" xmlns="" id="{4432D91B-110E-9A16-F8F5-9DE69295486D}"/>
               </a:ext>
             </a:extLst>
           </p:cNvPr>
@@ -6849,7 +6833,7 @@
     </p:spTree>
     <p:extLst>
       <p:ext uri="{BB962C8B-B14F-4D97-AF65-F5344CB8AC3E}">
-        <p14:creationId xmlns="" xmlns:p14="http://schemas.microsoft.com/office/powerpoint/2010/main" val="2361374323"/>
+        <p14:creationId xmlns:p14="http://schemas.microsoft.com/office/powerpoint/2010/main" xmlns="" val="2361374323"/>
       </p:ext>
     </p:extLst>
   </p:cSld>
@@ -6891,7 +6875,234 @@
           <p:cNvPr id="2" name="标题 1">
             <a:extLst>
               <a:ext uri="{FF2B5EF4-FFF2-40B4-BE49-F238E27FC236}">
-                <a16:creationId xmlns="" xmlns:a16="http://schemas.microsoft.com/office/drawing/2014/main" id="{B26EBC45-122C-5FE6-01A0-0B6F24E25785}"/>
+                <a16:creationId xmlns:a16="http://schemas.microsoft.com/office/drawing/2014/main" xmlns="" id="{083AE34A-2EE8-6BAE-70F0-3E8DBE525781}"/>
+              </a:ext>
+            </a:extLst>
+          </p:cNvPr>
+          <p:cNvSpPr>
+            <a:spLocks noGrp="1"/>
+          </p:cNvSpPr>
+          <p:nvPr>
+            <p:ph type="title"/>
+          </p:nvPr>
+        </p:nvSpPr>
+        <p:spPr>
+          <a:xfrm>
+            <a:off x="419819" y="660856"/>
+            <a:ext cx="8610600" cy="1293028"/>
+          </a:xfrm>
+        </p:spPr>
+        <p:txBody>
+          <a:bodyPr/>
+          <a:lstStyle/>
+          <a:p>
+            <a:pPr algn="l"/>
+            <a:r>
+              <a:rPr lang="en-NZ" b="1" dirty="0"/>
+              <a:t>TEAM WORK</a:t>
+            </a:r>
+          </a:p>
+        </p:txBody>
+      </p:sp>
+      <p:sp>
+        <p:nvSpPr>
+          <p:cNvPr id="3" name="内容占位符 2">
+            <a:extLst>
+              <a:ext uri="{FF2B5EF4-FFF2-40B4-BE49-F238E27FC236}">
+                <a16:creationId xmlns:a16="http://schemas.microsoft.com/office/drawing/2014/main" xmlns="" id="{D1631241-63E7-CCA1-C041-9CEE6DF91618}"/>
+              </a:ext>
+            </a:extLst>
+          </p:cNvPr>
+          <p:cNvSpPr>
+            <a:spLocks noGrp="1"/>
+          </p:cNvSpPr>
+          <p:nvPr>
+            <p:ph idx="1"/>
+          </p:nvPr>
+        </p:nvSpPr>
+        <p:spPr>
+          <a:xfrm>
+            <a:off x="565030" y="1961647"/>
+            <a:ext cx="10820400" cy="4024125"/>
+          </a:xfrm>
+        </p:spPr>
+        <p:txBody>
+          <a:bodyPr/>
+          <a:lstStyle/>
+          <a:p>
+            <a:pPr>
+              <a:lnSpc>
+                <a:spcPct val="150000"/>
+              </a:lnSpc>
+            </a:pPr>
+            <a:r>
+              <a:rPr lang="en-NZ" dirty="0"/>
+              <a:t>Client (Richard)</a:t>
+            </a:r>
+          </a:p>
+          <a:p>
+            <a:pPr lvl="1">
+              <a:lnSpc>
+                <a:spcPct val="150000"/>
+              </a:lnSpc>
+            </a:pPr>
+            <a:r>
+              <a:rPr lang="en-NZ" dirty="0"/>
+              <a:t>User Interface (HTML/</a:t>
+            </a:r>
+            <a:r>
+              <a:rPr lang="en-NZ" dirty="0" err="1"/>
+              <a:t>ejs</a:t>
+            </a:r>
+            <a:r>
+              <a:rPr lang="en-NZ" dirty="0"/>
+              <a:t>, CSS, embedded </a:t>
+            </a:r>
+            <a:r>
+              <a:rPr lang="en-NZ" dirty="0" err="1"/>
+              <a:t>javascript</a:t>
+            </a:r>
+            <a:r>
+              <a:rPr lang="en-NZ" dirty="0"/>
+              <a:t>)</a:t>
+            </a:r>
+          </a:p>
+          <a:p>
+            <a:pPr>
+              <a:lnSpc>
+                <a:spcPct val="150000"/>
+              </a:lnSpc>
+            </a:pPr>
+            <a:r>
+              <a:rPr lang="en-US" altLang="zh-CN" dirty="0"/>
+              <a:t>Server (Steven)</a:t>
+            </a:r>
+          </a:p>
+          <a:p>
+            <a:pPr lvl="1">
+              <a:lnSpc>
+                <a:spcPct val="150000"/>
+              </a:lnSpc>
+            </a:pPr>
+            <a:r>
+              <a:rPr lang="en-US" altLang="zh-CN" dirty="0"/>
+              <a:t>request process (</a:t>
+            </a:r>
+            <a:r>
+              <a:rPr lang="en-US" altLang="zh-CN" dirty="0" err="1"/>
+              <a:t>javascript</a:t>
+            </a:r>
+            <a:r>
+              <a:rPr lang="en-US" altLang="zh-CN" dirty="0" smtClean="0"/>
+              <a:t>)</a:t>
+            </a:r>
+          </a:p>
+          <a:p>
+            <a:pPr lvl="1">
+              <a:lnSpc>
+                <a:spcPct val="150000"/>
+              </a:lnSpc>
+            </a:pPr>
+            <a:r>
+              <a:rPr lang="en-SG" altLang="zh-CN" dirty="0" smtClean="0"/>
+              <a:t>Cookies process (</a:t>
+            </a:r>
+            <a:r>
+              <a:rPr lang="en-SG" altLang="zh-CN" dirty="0" err="1" smtClean="0"/>
+              <a:t>javascript</a:t>
+            </a:r>
+            <a:r>
+              <a:rPr lang="en-SG" altLang="zh-CN" dirty="0" smtClean="0"/>
+              <a:t>)</a:t>
+            </a:r>
+            <a:endParaRPr lang="en-US" altLang="zh-CN" dirty="0"/>
+          </a:p>
+          <a:p>
+            <a:pPr>
+              <a:lnSpc>
+                <a:spcPct val="150000"/>
+              </a:lnSpc>
+            </a:pPr>
+            <a:r>
+              <a:rPr lang="en-US" altLang="zh-CN" dirty="0"/>
+              <a:t>Server( Maribeth)</a:t>
+            </a:r>
+          </a:p>
+          <a:p>
+            <a:pPr lvl="1">
+              <a:lnSpc>
+                <a:spcPct val="150000"/>
+              </a:lnSpc>
+            </a:pPr>
+            <a:r>
+              <a:rPr lang="en-US" altLang="zh-CN" dirty="0"/>
+              <a:t> implement a module for Password Generator (</a:t>
+            </a:r>
+            <a:r>
+              <a:rPr lang="en-US" altLang="zh-CN" dirty="0" err="1"/>
+              <a:t>javascript</a:t>
+            </a:r>
+            <a:r>
+              <a:rPr lang="en-US" altLang="zh-CN" dirty="0"/>
+              <a:t>)</a:t>
+            </a:r>
+          </a:p>
+          <a:p>
+            <a:pPr lvl="1">
+              <a:lnSpc>
+                <a:spcPct val="150000"/>
+              </a:lnSpc>
+            </a:pPr>
+            <a:endParaRPr lang="en-US" altLang="zh-CN" dirty="0"/>
+          </a:p>
+        </p:txBody>
+      </p:sp>
+    </p:spTree>
+    <p:extLst>
+      <p:ext uri="{BB962C8B-B14F-4D97-AF65-F5344CB8AC3E}">
+        <p14:creationId xmlns:p14="http://schemas.microsoft.com/office/powerpoint/2010/main" xmlns="" val="3396672449"/>
+      </p:ext>
+    </p:extLst>
+  </p:cSld>
+  <p:clrMapOvr>
+    <a:masterClrMapping/>
+  </p:clrMapOvr>
+  <p:transition spd="slow">
+    <p:cover dir="d"/>
+  </p:transition>
+  <p:timing>
+    <p:tnLst>
+      <p:par>
+        <p:cTn id="1" dur="indefinite" restart="never" nodeType="tmRoot"/>
+      </p:par>
+    </p:tnLst>
+  </p:timing>
+</p:sld>
+</file>
+
+<file path=ppt/slides/slide13.xml><?xml version="1.0" encoding="utf-8"?>
+<p:sld xmlns:a="http://schemas.openxmlformats.org/drawingml/2006/main" xmlns:r="http://schemas.openxmlformats.org/officeDocument/2006/relationships" xmlns:p="http://schemas.openxmlformats.org/presentationml/2006/main">
+  <p:cSld>
+    <p:spTree>
+      <p:nvGrpSpPr>
+        <p:cNvPr id="1" name=""/>
+        <p:cNvGrpSpPr/>
+        <p:nvPr/>
+      </p:nvGrpSpPr>
+      <p:grpSpPr>
+        <a:xfrm>
+          <a:off x="0" y="0"/>
+          <a:ext cx="0" cy="0"/>
+          <a:chOff x="0" y="0"/>
+          <a:chExt cx="0" cy="0"/>
+        </a:xfrm>
+      </p:grpSpPr>
+      <p:sp>
+        <p:nvSpPr>
+          <p:cNvPr id="2" name="标题 1">
+            <a:extLst>
+              <a:ext uri="{FF2B5EF4-FFF2-40B4-BE49-F238E27FC236}">
+                <a16:creationId xmlns:a16="http://schemas.microsoft.com/office/drawing/2014/main" xmlns="" id="{B26EBC45-122C-5FE6-01A0-0B6F24E25785}"/>
               </a:ext>
             </a:extLst>
           </p:cNvPr>
@@ -6925,7 +7136,7 @@
           <p:cNvPr id="5" name="内容占位符 4">
             <a:extLst>
               <a:ext uri="{FF2B5EF4-FFF2-40B4-BE49-F238E27FC236}">
-                <a16:creationId xmlns="" xmlns:a16="http://schemas.microsoft.com/office/drawing/2014/main" id="{B34579D3-B1D0-FFDD-242D-00F815568178}"/>
+                <a16:creationId xmlns:a16="http://schemas.microsoft.com/office/drawing/2014/main" xmlns="" id="{B34579D3-B1D0-FFDD-242D-00F815568178}"/>
               </a:ext>
             </a:extLst>
           </p:cNvPr>
@@ -6940,7 +7151,7 @@
           <a:blip r:embed="rId2">
             <a:extLst>
               <a:ext uri="{28A0092B-C50C-407E-A947-70E740481C1C}">
-                <a14:useLocalDpi xmlns="" xmlns:a14="http://schemas.microsoft.com/office/drawing/2010/main" val="0"/>
+                <a14:useLocalDpi xmlns:a14="http://schemas.microsoft.com/office/drawing/2010/main" xmlns="" val="0"/>
               </a:ext>
             </a:extLst>
           </a:blip>
@@ -6977,234 +7188,7 @@
     </p:spTree>
     <p:extLst>
       <p:ext uri="{BB962C8B-B14F-4D97-AF65-F5344CB8AC3E}">
-        <p14:creationId xmlns="" xmlns:p14="http://schemas.microsoft.com/office/powerpoint/2010/main" val="3123407964"/>
-      </p:ext>
-    </p:extLst>
-  </p:cSld>
-  <p:clrMapOvr>
-    <a:masterClrMapping/>
-  </p:clrMapOvr>
-  <p:transition spd="slow">
-    <p:cover dir="d"/>
-  </p:transition>
-  <p:timing>
-    <p:tnLst>
-      <p:par>
-        <p:cTn id="1" dur="indefinite" restart="never" nodeType="tmRoot"/>
-      </p:par>
-    </p:tnLst>
-  </p:timing>
-</p:sld>
-</file>
-
-<file path=ppt/slides/slide13.xml><?xml version="1.0" encoding="utf-8"?>
-<p:sld xmlns:a="http://schemas.openxmlformats.org/drawingml/2006/main" xmlns:r="http://schemas.openxmlformats.org/officeDocument/2006/relationships" xmlns:p="http://schemas.openxmlformats.org/presentationml/2006/main">
-  <p:cSld>
-    <p:spTree>
-      <p:nvGrpSpPr>
-        <p:cNvPr id="1" name=""/>
-        <p:cNvGrpSpPr/>
-        <p:nvPr/>
-      </p:nvGrpSpPr>
-      <p:grpSpPr>
-        <a:xfrm>
-          <a:off x="0" y="0"/>
-          <a:ext cx="0" cy="0"/>
-          <a:chOff x="0" y="0"/>
-          <a:chExt cx="0" cy="0"/>
-        </a:xfrm>
-      </p:grpSpPr>
-      <p:sp>
-        <p:nvSpPr>
-          <p:cNvPr id="2" name="标题 1">
-            <a:extLst>
-              <a:ext uri="{FF2B5EF4-FFF2-40B4-BE49-F238E27FC236}">
-                <a16:creationId xmlns="" xmlns:a16="http://schemas.microsoft.com/office/drawing/2014/main" id="{083AE34A-2EE8-6BAE-70F0-3E8DBE525781}"/>
-              </a:ext>
-            </a:extLst>
-          </p:cNvPr>
-          <p:cNvSpPr>
-            <a:spLocks noGrp="1"/>
-          </p:cNvSpPr>
-          <p:nvPr>
-            <p:ph type="title"/>
-          </p:nvPr>
-        </p:nvSpPr>
-        <p:spPr>
-          <a:xfrm>
-            <a:off x="419819" y="660856"/>
-            <a:ext cx="8610600" cy="1293028"/>
-          </a:xfrm>
-        </p:spPr>
-        <p:txBody>
-          <a:bodyPr/>
-          <a:lstStyle/>
-          <a:p>
-            <a:pPr algn="l"/>
-            <a:r>
-              <a:rPr lang="en-NZ" b="1" dirty="0"/>
-              <a:t>TEAM WORK</a:t>
-            </a:r>
-          </a:p>
-        </p:txBody>
-      </p:sp>
-      <p:sp>
-        <p:nvSpPr>
-          <p:cNvPr id="3" name="内容占位符 2">
-            <a:extLst>
-              <a:ext uri="{FF2B5EF4-FFF2-40B4-BE49-F238E27FC236}">
-                <a16:creationId xmlns="" xmlns:a16="http://schemas.microsoft.com/office/drawing/2014/main" id="{D1631241-63E7-CCA1-C041-9CEE6DF91618}"/>
-              </a:ext>
-            </a:extLst>
-          </p:cNvPr>
-          <p:cNvSpPr>
-            <a:spLocks noGrp="1"/>
-          </p:cNvSpPr>
-          <p:nvPr>
-            <p:ph idx="1"/>
-          </p:nvPr>
-        </p:nvSpPr>
-        <p:spPr>
-          <a:xfrm>
-            <a:off x="565030" y="1961647"/>
-            <a:ext cx="10820400" cy="4024125"/>
-          </a:xfrm>
-        </p:spPr>
-        <p:txBody>
-          <a:bodyPr/>
-          <a:lstStyle/>
-          <a:p>
-            <a:pPr>
-              <a:lnSpc>
-                <a:spcPct val="150000"/>
-              </a:lnSpc>
-            </a:pPr>
-            <a:r>
-              <a:rPr lang="en-NZ" dirty="0"/>
-              <a:t>Client (Richard)</a:t>
-            </a:r>
-          </a:p>
-          <a:p>
-            <a:pPr lvl="1">
-              <a:lnSpc>
-                <a:spcPct val="150000"/>
-              </a:lnSpc>
-            </a:pPr>
-            <a:r>
-              <a:rPr lang="en-NZ" dirty="0"/>
-              <a:t>User Interface (HTML/</a:t>
-            </a:r>
-            <a:r>
-              <a:rPr lang="en-NZ" dirty="0" err="1"/>
-              <a:t>ejs</a:t>
-            </a:r>
-            <a:r>
-              <a:rPr lang="en-NZ" dirty="0"/>
-              <a:t>, CSS, embedded </a:t>
-            </a:r>
-            <a:r>
-              <a:rPr lang="en-NZ" dirty="0" err="1"/>
-              <a:t>javascript</a:t>
-            </a:r>
-            <a:r>
-              <a:rPr lang="en-NZ" dirty="0"/>
-              <a:t>)</a:t>
-            </a:r>
-          </a:p>
-          <a:p>
-            <a:pPr>
-              <a:lnSpc>
-                <a:spcPct val="150000"/>
-              </a:lnSpc>
-            </a:pPr>
-            <a:r>
-              <a:rPr lang="en-US" altLang="zh-CN" dirty="0"/>
-              <a:t>Server (Steven)</a:t>
-            </a:r>
-          </a:p>
-          <a:p>
-            <a:pPr lvl="1">
-              <a:lnSpc>
-                <a:spcPct val="150000"/>
-              </a:lnSpc>
-            </a:pPr>
-            <a:r>
-              <a:rPr lang="en-US" altLang="zh-CN" dirty="0"/>
-              <a:t>request process (</a:t>
-            </a:r>
-            <a:r>
-              <a:rPr lang="en-US" altLang="zh-CN" dirty="0" err="1"/>
-              <a:t>javascript</a:t>
-            </a:r>
-            <a:r>
-              <a:rPr lang="en-US" altLang="zh-CN" dirty="0" smtClean="0"/>
-              <a:t>)</a:t>
-            </a:r>
-          </a:p>
-          <a:p>
-            <a:pPr lvl="1">
-              <a:lnSpc>
-                <a:spcPct val="150000"/>
-              </a:lnSpc>
-            </a:pPr>
-            <a:r>
-              <a:rPr lang="en-SG" altLang="zh-CN" dirty="0" smtClean="0"/>
-              <a:t>Cookies process (</a:t>
-            </a:r>
-            <a:r>
-              <a:rPr lang="en-SG" altLang="zh-CN" dirty="0" err="1" smtClean="0"/>
-              <a:t>javascript</a:t>
-            </a:r>
-            <a:r>
-              <a:rPr lang="en-SG" altLang="zh-CN" dirty="0" smtClean="0"/>
-              <a:t>)</a:t>
-            </a:r>
-            <a:endParaRPr lang="en-US" altLang="zh-CN" dirty="0"/>
-          </a:p>
-          <a:p>
-            <a:pPr>
-              <a:lnSpc>
-                <a:spcPct val="150000"/>
-              </a:lnSpc>
-            </a:pPr>
-            <a:r>
-              <a:rPr lang="en-US" altLang="zh-CN" dirty="0"/>
-              <a:t>Server( Maribeth)</a:t>
-            </a:r>
-          </a:p>
-          <a:p>
-            <a:pPr lvl="1">
-              <a:lnSpc>
-                <a:spcPct val="150000"/>
-              </a:lnSpc>
-            </a:pPr>
-            <a:r>
-              <a:rPr lang="en-US" altLang="zh-CN" dirty="0"/>
-              <a:t> implement a module for Password Generator (</a:t>
-            </a:r>
-            <a:r>
-              <a:rPr lang="en-US" altLang="zh-CN" dirty="0" err="1"/>
-              <a:t>javascript</a:t>
-            </a:r>
-            <a:r>
-              <a:rPr lang="en-US" altLang="zh-CN" dirty="0"/>
-              <a:t>)</a:t>
-            </a:r>
-          </a:p>
-          <a:p>
-            <a:pPr lvl="1">
-              <a:lnSpc>
-                <a:spcPct val="150000"/>
-              </a:lnSpc>
-            </a:pPr>
-            <a:endParaRPr lang="en-US" altLang="zh-CN" dirty="0"/>
-          </a:p>
-        </p:txBody>
-      </p:sp>
-    </p:spTree>
-    <p:extLst>
-      <p:ext uri="{BB962C8B-B14F-4D97-AF65-F5344CB8AC3E}">
-        <p14:creationId xmlns="" xmlns:p14="http://schemas.microsoft.com/office/powerpoint/2010/main" val="3396672449"/>
+        <p14:creationId xmlns:p14="http://schemas.microsoft.com/office/powerpoint/2010/main" xmlns="" val="3123407964"/>
       </p:ext>
     </p:extLst>
   </p:cSld>
@@ -7246,7 +7230,7 @@
           <p:cNvPr id="2" name="标题 1">
             <a:extLst>
               <a:ext uri="{FF2B5EF4-FFF2-40B4-BE49-F238E27FC236}">
-                <a16:creationId xmlns="" xmlns:a16="http://schemas.microsoft.com/office/drawing/2014/main" id="{BCD0B7BF-66C7-8E0C-EE6E-210BC09261AB}"/>
+                <a16:creationId xmlns:a16="http://schemas.microsoft.com/office/drawing/2014/main" xmlns="" id="{BCD0B7BF-66C7-8E0C-EE6E-210BC09261AB}"/>
               </a:ext>
             </a:extLst>
           </p:cNvPr>
@@ -7274,7 +7258,7 @@
           <p:cNvPr id="3" name="内容占位符 2">
             <a:extLst>
               <a:ext uri="{FF2B5EF4-FFF2-40B4-BE49-F238E27FC236}">
-                <a16:creationId xmlns="" xmlns:a16="http://schemas.microsoft.com/office/drawing/2014/main" id="{99BC1E35-F9E7-1295-FBBD-ED8B0075BF59}"/>
+                <a16:creationId xmlns:a16="http://schemas.microsoft.com/office/drawing/2014/main" xmlns="" id="{99BC1E35-F9E7-1295-FBBD-ED8B0075BF59}"/>
               </a:ext>
             </a:extLst>
           </p:cNvPr>
@@ -7329,7 +7313,7 @@
     </p:spTree>
     <p:extLst>
       <p:ext uri="{BB962C8B-B14F-4D97-AF65-F5344CB8AC3E}">
-        <p14:creationId xmlns="" xmlns:p14="http://schemas.microsoft.com/office/powerpoint/2010/main" val="358586711"/>
+        <p14:creationId xmlns:p14="http://schemas.microsoft.com/office/powerpoint/2010/main" xmlns="" val="358586711"/>
       </p:ext>
     </p:extLst>
   </p:cSld>
@@ -7371,7 +7355,7 @@
           <p:cNvPr id="2" name="标题 1">
             <a:extLst>
               <a:ext uri="{FF2B5EF4-FFF2-40B4-BE49-F238E27FC236}">
-                <a16:creationId xmlns="" xmlns:a16="http://schemas.microsoft.com/office/drawing/2014/main" id="{7968832C-C89A-B085-ABDF-723E25F15B4E}"/>
+                <a16:creationId xmlns:a16="http://schemas.microsoft.com/office/drawing/2014/main" xmlns="" id="{7968832C-C89A-B085-ABDF-723E25F15B4E}"/>
               </a:ext>
             </a:extLst>
           </p:cNvPr>
@@ -7399,7 +7383,7 @@
           <p:cNvPr id="3" name="内容占位符 2">
             <a:extLst>
               <a:ext uri="{FF2B5EF4-FFF2-40B4-BE49-F238E27FC236}">
-                <a16:creationId xmlns="" xmlns:a16="http://schemas.microsoft.com/office/drawing/2014/main" id="{4029B2BD-2B47-E1CA-0E88-D9FBD2CA4E6C}"/>
+                <a16:creationId xmlns:a16="http://schemas.microsoft.com/office/drawing/2014/main" xmlns="" id="{4029B2BD-2B47-E1CA-0E88-D9FBD2CA4E6C}"/>
               </a:ext>
             </a:extLst>
           </p:cNvPr>
@@ -7422,7 +7406,7 @@
     </p:spTree>
     <p:extLst>
       <p:ext uri="{BB962C8B-B14F-4D97-AF65-F5344CB8AC3E}">
-        <p14:creationId xmlns="" xmlns:p14="http://schemas.microsoft.com/office/powerpoint/2010/main" val="1669517618"/>
+        <p14:creationId xmlns:p14="http://schemas.microsoft.com/office/powerpoint/2010/main" xmlns="" val="1669517618"/>
       </p:ext>
     </p:extLst>
   </p:cSld>
@@ -7464,7 +7448,7 @@
           <p:cNvPr id="2" name="标题 1">
             <a:extLst>
               <a:ext uri="{FF2B5EF4-FFF2-40B4-BE49-F238E27FC236}">
-                <a16:creationId xmlns="" xmlns:a16="http://schemas.microsoft.com/office/drawing/2014/main" id="{931FF632-26A4-A3C5-3BFA-108378087F3B}"/>
+                <a16:creationId xmlns:a16="http://schemas.microsoft.com/office/drawing/2014/main" xmlns="" id="{931FF632-26A4-A3C5-3BFA-108378087F3B}"/>
               </a:ext>
             </a:extLst>
           </p:cNvPr>
@@ -7492,7 +7476,7 @@
           <p:cNvPr id="3" name="内容占位符 2">
             <a:extLst>
               <a:ext uri="{FF2B5EF4-FFF2-40B4-BE49-F238E27FC236}">
-                <a16:creationId xmlns="" xmlns:a16="http://schemas.microsoft.com/office/drawing/2014/main" id="{10C10AB0-F6BB-26E5-C279-0931E8572F2F}"/>
+                <a16:creationId xmlns:a16="http://schemas.microsoft.com/office/drawing/2014/main" xmlns="" id="{10C10AB0-F6BB-26E5-C279-0931E8572F2F}"/>
               </a:ext>
             </a:extLst>
           </p:cNvPr>
@@ -7518,7 +7502,7 @@
     </p:spTree>
     <p:extLst>
       <p:ext uri="{BB962C8B-B14F-4D97-AF65-F5344CB8AC3E}">
-        <p14:creationId xmlns="" xmlns:p14="http://schemas.microsoft.com/office/powerpoint/2010/main" val="1405912245"/>
+        <p14:creationId xmlns:p14="http://schemas.microsoft.com/office/powerpoint/2010/main" xmlns="" val="1405912245"/>
       </p:ext>
     </p:extLst>
   </p:cSld>
@@ -7560,7 +7544,7 @@
           <p:cNvPr id="2" name="标题 1">
             <a:extLst>
               <a:ext uri="{FF2B5EF4-FFF2-40B4-BE49-F238E27FC236}">
-                <a16:creationId xmlns="" xmlns:a16="http://schemas.microsoft.com/office/drawing/2014/main" id="{9378BB5D-5C77-1E3D-912F-AA79F30B85B4}"/>
+                <a16:creationId xmlns:a16="http://schemas.microsoft.com/office/drawing/2014/main" xmlns="" id="{9378BB5D-5C77-1E3D-912F-AA79F30B85B4}"/>
               </a:ext>
             </a:extLst>
           </p:cNvPr>
@@ -7598,7 +7582,7 @@
           <p:cNvPr id="3" name="副标题 2">
             <a:extLst>
               <a:ext uri="{FF2B5EF4-FFF2-40B4-BE49-F238E27FC236}">
-                <a16:creationId xmlns="" xmlns:a16="http://schemas.microsoft.com/office/drawing/2014/main" id="{BE25738F-A275-37A7-AD92-00E90E767875}"/>
+                <a16:creationId xmlns:a16="http://schemas.microsoft.com/office/drawing/2014/main" xmlns="" id="{BE25738F-A275-37A7-AD92-00E90E767875}"/>
               </a:ext>
             </a:extLst>
           </p:cNvPr>
@@ -7686,7 +7670,7 @@
     </p:spTree>
     <p:extLst>
       <p:ext uri="{BB962C8B-B14F-4D97-AF65-F5344CB8AC3E}">
-        <p14:creationId xmlns="" xmlns:p14="http://schemas.microsoft.com/office/powerpoint/2010/main" val="467902368"/>
+        <p14:creationId xmlns:p14="http://schemas.microsoft.com/office/powerpoint/2010/main" xmlns="" val="467902368"/>
       </p:ext>
     </p:extLst>
   </p:cSld>
@@ -7991,7 +7975,7 @@
           <p:cNvPr id="2" name="标题 1">
             <a:extLst>
               <a:ext uri="{FF2B5EF4-FFF2-40B4-BE49-F238E27FC236}">
-                <a16:creationId xmlns="" xmlns:a16="http://schemas.microsoft.com/office/drawing/2014/main" id="{3B121F95-2659-B777-A490-44CC5DFFC3A1}"/>
+                <a16:creationId xmlns:a16="http://schemas.microsoft.com/office/drawing/2014/main" xmlns="" id="{3B121F95-2659-B777-A490-44CC5DFFC3A1}"/>
               </a:ext>
             </a:extLst>
           </p:cNvPr>
@@ -8025,7 +8009,7 @@
           <p:cNvPr id="3" name="内容占位符 2">
             <a:extLst>
               <a:ext uri="{FF2B5EF4-FFF2-40B4-BE49-F238E27FC236}">
-                <a16:creationId xmlns="" xmlns:a16="http://schemas.microsoft.com/office/drawing/2014/main" id="{7A6FE493-6895-3F84-9D5F-AB2A89BCCCAE}"/>
+                <a16:creationId xmlns:a16="http://schemas.microsoft.com/office/drawing/2014/main" xmlns="" id="{7A6FE493-6895-3F84-9D5F-AB2A89BCCCAE}"/>
               </a:ext>
             </a:extLst>
           </p:cNvPr>
@@ -8131,7 +8115,7 @@
     </p:spTree>
     <p:extLst>
       <p:ext uri="{BB962C8B-B14F-4D97-AF65-F5344CB8AC3E}">
-        <p14:creationId xmlns="" xmlns:p14="http://schemas.microsoft.com/office/powerpoint/2010/main" val="3104536044"/>
+        <p14:creationId xmlns:p14="http://schemas.microsoft.com/office/powerpoint/2010/main" xmlns="" val="3104536044"/>
       </p:ext>
     </p:extLst>
   </p:cSld>
@@ -8748,7 +8732,7 @@
           <p:cNvPr id="2" name="标题 1">
             <a:extLst>
               <a:ext uri="{FF2B5EF4-FFF2-40B4-BE49-F238E27FC236}">
-                <a16:creationId xmlns="" xmlns:a16="http://schemas.microsoft.com/office/drawing/2014/main" id="{92465190-A9B5-15FB-0CC7-52D427954EC8}"/>
+                <a16:creationId xmlns:a16="http://schemas.microsoft.com/office/drawing/2014/main" xmlns="" id="{92465190-A9B5-15FB-0CC7-52D427954EC8}"/>
               </a:ext>
             </a:extLst>
           </p:cNvPr>
@@ -8796,7 +8780,7 @@
           <p:cNvPr id="3" name="内容占位符 2">
             <a:extLst>
               <a:ext uri="{FF2B5EF4-FFF2-40B4-BE49-F238E27FC236}">
-                <a16:creationId xmlns="" xmlns:a16="http://schemas.microsoft.com/office/drawing/2014/main" id="{CAC7A421-7F2F-3B65-83AB-9B04FEA923A7}"/>
+                <a16:creationId xmlns:a16="http://schemas.microsoft.com/office/drawing/2014/main" xmlns="" id="{CAC7A421-7F2F-3B65-83AB-9B04FEA923A7}"/>
               </a:ext>
             </a:extLst>
           </p:cNvPr>
@@ -8851,7 +8835,7 @@
     </p:spTree>
     <p:extLst>
       <p:ext uri="{BB962C8B-B14F-4D97-AF65-F5344CB8AC3E}">
-        <p14:creationId xmlns="" xmlns:p14="http://schemas.microsoft.com/office/powerpoint/2010/main" val="3295134947"/>
+        <p14:creationId xmlns:p14="http://schemas.microsoft.com/office/powerpoint/2010/main" xmlns="" val="3295134947"/>
       </p:ext>
     </p:extLst>
   </p:cSld>
@@ -9084,7 +9068,7 @@
           <p:cNvPr id="2" name="标题 1">
             <a:extLst>
               <a:ext uri="{FF2B5EF4-FFF2-40B4-BE49-F238E27FC236}">
-                <a16:creationId xmlns="" xmlns:a16="http://schemas.microsoft.com/office/drawing/2014/main" id="{FCD0B3A6-F68D-1E92-C281-AEDB26248FFD}"/>
+                <a16:creationId xmlns:a16="http://schemas.microsoft.com/office/drawing/2014/main" xmlns="" id="{FCD0B3A6-F68D-1E92-C281-AEDB26248FFD}"/>
               </a:ext>
             </a:extLst>
           </p:cNvPr>
@@ -9134,7 +9118,7 @@
           <p:cNvPr id="3" name="内容占位符 2">
             <a:extLst>
               <a:ext uri="{FF2B5EF4-FFF2-40B4-BE49-F238E27FC236}">
-                <a16:creationId xmlns="" xmlns:a16="http://schemas.microsoft.com/office/drawing/2014/main" id="{78485416-BC42-8064-E043-36117E18E39D}"/>
+                <a16:creationId xmlns:a16="http://schemas.microsoft.com/office/drawing/2014/main" xmlns="" id="{78485416-BC42-8064-E043-36117E18E39D}"/>
               </a:ext>
             </a:extLst>
           </p:cNvPr>
@@ -9145,7 +9129,12 @@
             <p:ph idx="1"/>
           </p:nvPr>
         </p:nvSpPr>
-        <p:spPr/>
+        <p:spPr>
+          <a:xfrm>
+            <a:off x="685800" y="1725284"/>
+            <a:ext cx="10820400" cy="4493402"/>
+          </a:xfrm>
+        </p:spPr>
         <p:txBody>
           <a:bodyPr/>
           <a:lstStyle/>
@@ -9165,7 +9154,7 @@
           <p:cNvPr id="9" name="图片 8">
             <a:extLst>
               <a:ext uri="{FF2B5EF4-FFF2-40B4-BE49-F238E27FC236}">
-                <a16:creationId xmlns="" xmlns:a16="http://schemas.microsoft.com/office/drawing/2014/main" id="{FF651C45-FDCD-6C22-94A4-F7073AFDB5F7}"/>
+                <a16:creationId xmlns:a16="http://schemas.microsoft.com/office/drawing/2014/main" xmlns="" id="{FF651C45-FDCD-6C22-94A4-F7073AFDB5F7}"/>
               </a:ext>
             </a:extLst>
           </p:cNvPr>
@@ -9178,7 +9167,7 @@
           <a:blip r:embed="rId2">
             <a:extLst>
               <a:ext uri="{28A0092B-C50C-407E-A947-70E740481C1C}">
-                <a14:useLocalDpi xmlns="" xmlns:a14="http://schemas.microsoft.com/office/drawing/2010/main" val="0"/>
+                <a14:useLocalDpi xmlns:a14="http://schemas.microsoft.com/office/drawing/2010/main" xmlns="" val="0"/>
               </a:ext>
             </a:extLst>
           </a:blip>
@@ -9199,7 +9188,7 @@
     </p:spTree>
     <p:extLst>
       <p:ext uri="{BB962C8B-B14F-4D97-AF65-F5344CB8AC3E}">
-        <p14:creationId xmlns="" xmlns:p14="http://schemas.microsoft.com/office/powerpoint/2010/main" val="1071497059"/>
+        <p14:creationId xmlns:p14="http://schemas.microsoft.com/office/powerpoint/2010/main" xmlns="" val="1071497059"/>
       </p:ext>
     </p:extLst>
   </p:cSld>
@@ -9317,7 +9306,7 @@
           <p:cNvPr id="2" name="标题 1">
             <a:extLst>
               <a:ext uri="{FF2B5EF4-FFF2-40B4-BE49-F238E27FC236}">
-                <a16:creationId xmlns="" xmlns:a16="http://schemas.microsoft.com/office/drawing/2014/main" id="{FCD0B3A6-F68D-1E92-C281-AEDB26248FFD}"/>
+                <a16:creationId xmlns:a16="http://schemas.microsoft.com/office/drawing/2014/main" xmlns="" id="{FCD0B3A6-F68D-1E92-C281-AEDB26248FFD}"/>
               </a:ext>
             </a:extLst>
           </p:cNvPr>
@@ -9367,7 +9356,7 @@
           <p:cNvPr id="3" name="内容占位符 2">
             <a:extLst>
               <a:ext uri="{FF2B5EF4-FFF2-40B4-BE49-F238E27FC236}">
-                <a16:creationId xmlns="" xmlns:a16="http://schemas.microsoft.com/office/drawing/2014/main" id="{78485416-BC42-8064-E043-36117E18E39D}"/>
+                <a16:creationId xmlns:a16="http://schemas.microsoft.com/office/drawing/2014/main" xmlns="" id="{78485416-BC42-8064-E043-36117E18E39D}"/>
               </a:ext>
             </a:extLst>
           </p:cNvPr>
@@ -9403,7 +9392,7 @@
           <p:cNvPr id="11" name="图片 10">
             <a:extLst>
               <a:ext uri="{FF2B5EF4-FFF2-40B4-BE49-F238E27FC236}">
-                <a16:creationId xmlns="" xmlns:a16="http://schemas.microsoft.com/office/drawing/2014/main" id="{9773E204-33CE-964E-0098-1E0F62D66402}"/>
+                <a16:creationId xmlns:a16="http://schemas.microsoft.com/office/drawing/2014/main" xmlns="" id="{9773E204-33CE-964E-0098-1E0F62D66402}"/>
               </a:ext>
             </a:extLst>
           </p:cNvPr>
@@ -9416,7 +9405,7 @@
           <a:blip r:embed="rId2">
             <a:extLst>
               <a:ext uri="{28A0092B-C50C-407E-A947-70E740481C1C}">
-                <a14:useLocalDpi xmlns="" xmlns:a14="http://schemas.microsoft.com/office/drawing/2010/main" val="0"/>
+                <a14:useLocalDpi xmlns:a14="http://schemas.microsoft.com/office/drawing/2010/main" xmlns="" val="0"/>
               </a:ext>
             </a:extLst>
           </a:blip>
@@ -9437,7 +9426,7 @@
     </p:spTree>
     <p:extLst>
       <p:ext uri="{BB962C8B-B14F-4D97-AF65-F5344CB8AC3E}">
-        <p14:creationId xmlns="" xmlns:p14="http://schemas.microsoft.com/office/powerpoint/2010/main" val="2552742250"/>
+        <p14:creationId xmlns:p14="http://schemas.microsoft.com/office/powerpoint/2010/main" xmlns="" val="2552742250"/>
       </p:ext>
     </p:extLst>
   </p:cSld>
@@ -9555,7 +9544,7 @@
           <p:cNvPr id="2" name="标题 1">
             <a:extLst>
               <a:ext uri="{FF2B5EF4-FFF2-40B4-BE49-F238E27FC236}">
-                <a16:creationId xmlns="" xmlns:a16="http://schemas.microsoft.com/office/drawing/2014/main" id="{1C26FFD8-8C79-58A2-F8D7-E748D28C4407}"/>
+                <a16:creationId xmlns:a16="http://schemas.microsoft.com/office/drawing/2014/main" xmlns="" id="{1C26FFD8-8C79-58A2-F8D7-E748D28C4407}"/>
               </a:ext>
             </a:extLst>
           </p:cNvPr>
@@ -9596,7 +9585,7 @@
           <p:cNvPr id="3" name="内容占位符 2">
             <a:extLst>
               <a:ext uri="{FF2B5EF4-FFF2-40B4-BE49-F238E27FC236}">
-                <a16:creationId xmlns="" xmlns:a16="http://schemas.microsoft.com/office/drawing/2014/main" id="{41F1D2A7-5294-7557-9EB3-8D491A63F4EB}"/>
+                <a16:creationId xmlns:a16="http://schemas.microsoft.com/office/drawing/2014/main" xmlns="" id="{41F1D2A7-5294-7557-9EB3-8D491A63F4EB}"/>
               </a:ext>
             </a:extLst>
           </p:cNvPr>
@@ -9636,7 +9625,7 @@
           <p:cNvPr id="4" name="内容占位符 2">
             <a:extLst>
               <a:ext uri="{FF2B5EF4-FFF2-40B4-BE49-F238E27FC236}">
-                <a16:creationId xmlns="" xmlns:a16="http://schemas.microsoft.com/office/drawing/2014/main" id="{4FF7128B-6B50-FCD4-9C75-80B7963E49CE}"/>
+                <a16:creationId xmlns:a16="http://schemas.microsoft.com/office/drawing/2014/main" xmlns="" id="{4FF7128B-6B50-FCD4-9C75-80B7963E49CE}"/>
               </a:ext>
             </a:extLst>
           </p:cNvPr>
@@ -9841,11 +9830,7 @@
             </a:pPr>
             <a:r>
               <a:rPr lang="en-NZ" dirty="0" err="1" smtClean="0"/>
-              <a:t>q</a:t>
-            </a:r>
-            <a:r>
-              <a:rPr lang="en-NZ" dirty="0" err="1" smtClean="0"/>
-              <a:t>wert</a:t>
+              <a:t>qwert</a:t>
             </a:r>
             <a:r>
               <a:rPr lang="en-NZ" dirty="0" smtClean="0"/>
@@ -9884,7 +9869,7 @@
           <p:cNvPr id="6" name="内容占位符 2">
             <a:extLst>
               <a:ext uri="{FF2B5EF4-FFF2-40B4-BE49-F238E27FC236}">
-                <a16:creationId xmlns="" xmlns:a16="http://schemas.microsoft.com/office/drawing/2014/main" id="{F12022C7-B80B-2281-9B7A-0C3246F09551}"/>
+                <a16:creationId xmlns:a16="http://schemas.microsoft.com/office/drawing/2014/main" xmlns="" id="{F12022C7-B80B-2281-9B7A-0C3246F09551}"/>
               </a:ext>
             </a:extLst>
           </p:cNvPr>
@@ -10083,7 +10068,7 @@
           <p:cNvPr id="8" name="内容占位符 2">
             <a:extLst>
               <a:ext uri="{FF2B5EF4-FFF2-40B4-BE49-F238E27FC236}">
-                <a16:creationId xmlns="" xmlns:a16="http://schemas.microsoft.com/office/drawing/2014/main" id="{764F7FE3-0392-CCF7-AAD7-C83EF28C73C9}"/>
+                <a16:creationId xmlns:a16="http://schemas.microsoft.com/office/drawing/2014/main" xmlns="" id="{764F7FE3-0392-CCF7-AAD7-C83EF28C73C9}"/>
               </a:ext>
             </a:extLst>
           </p:cNvPr>
@@ -10280,7 +10265,7 @@
     </p:spTree>
     <p:extLst>
       <p:ext uri="{BB962C8B-B14F-4D97-AF65-F5344CB8AC3E}">
-        <p14:creationId xmlns="" xmlns:p14="http://schemas.microsoft.com/office/powerpoint/2010/main" val="244496848"/>
+        <p14:creationId xmlns:p14="http://schemas.microsoft.com/office/powerpoint/2010/main" xmlns="" val="244496848"/>
       </p:ext>
     </p:extLst>
   </p:cSld>
@@ -10531,7 +10516,7 @@
           <p:cNvPr id="5" name="内容占位符 4">
             <a:extLst>
               <a:ext uri="{FF2B5EF4-FFF2-40B4-BE49-F238E27FC236}">
-                <a16:creationId xmlns="" xmlns:a16="http://schemas.microsoft.com/office/drawing/2014/main" id="{A72F22B4-E4AA-DED2-4FE8-84589D8E0072}"/>
+                <a16:creationId xmlns:a16="http://schemas.microsoft.com/office/drawing/2014/main" xmlns="" id="{A72F22B4-E4AA-DED2-4FE8-84589D8E0072}"/>
               </a:ext>
             </a:extLst>
           </p:cNvPr>
@@ -10546,7 +10531,7 @@
           <a:blip r:embed="rId2">
             <a:extLst>
               <a:ext uri="{28A0092B-C50C-407E-A947-70E740481C1C}">
-                <a14:useLocalDpi xmlns="" xmlns:a14="http://schemas.microsoft.com/office/drawing/2010/main" val="0"/>
+                <a14:useLocalDpi xmlns:a14="http://schemas.microsoft.com/office/drawing/2010/main" xmlns="" val="0"/>
               </a:ext>
             </a:extLst>
           </a:blip>
@@ -10567,7 +10552,7 @@
           <p:cNvPr id="8" name="文本框 7">
             <a:extLst>
               <a:ext uri="{FF2B5EF4-FFF2-40B4-BE49-F238E27FC236}">
-                <a16:creationId xmlns="" xmlns:a16="http://schemas.microsoft.com/office/drawing/2014/main" id="{848B05F5-64E6-7B36-6AD3-7E4F7830C95F}"/>
+                <a16:creationId xmlns:a16="http://schemas.microsoft.com/office/drawing/2014/main" xmlns="" id="{848B05F5-64E6-7B36-6AD3-7E4F7830C95F}"/>
               </a:ext>
             </a:extLst>
           </p:cNvPr>
@@ -10619,7 +10604,7 @@
     </p:spTree>
     <p:extLst>
       <p:ext uri="{BB962C8B-B14F-4D97-AF65-F5344CB8AC3E}">
-        <p14:creationId xmlns="" xmlns:p14="http://schemas.microsoft.com/office/powerpoint/2010/main" val="4200007885"/>
+        <p14:creationId xmlns:p14="http://schemas.microsoft.com/office/powerpoint/2010/main" xmlns="" val="4200007885"/>
       </p:ext>
     </p:extLst>
   </p:cSld>
@@ -10775,7 +10760,7 @@
           <p:cNvPr id="2" name="标题 1">
             <a:extLst>
               <a:ext uri="{FF2B5EF4-FFF2-40B4-BE49-F238E27FC236}">
-                <a16:creationId xmlns="" xmlns:a16="http://schemas.microsoft.com/office/drawing/2014/main" id="{B3F13335-104A-015E-3032-EACBD2BEBA00}"/>
+                <a16:creationId xmlns:a16="http://schemas.microsoft.com/office/drawing/2014/main" xmlns="" id="{B3F13335-104A-015E-3032-EACBD2BEBA00}"/>
               </a:ext>
             </a:extLst>
           </p:cNvPr>
@@ -10809,7 +10794,7 @@
           <p:cNvPr id="5" name="内容占位符 4">
             <a:extLst>
               <a:ext uri="{FF2B5EF4-FFF2-40B4-BE49-F238E27FC236}">
-                <a16:creationId xmlns="" xmlns:a16="http://schemas.microsoft.com/office/drawing/2014/main" id="{37CA7186-F461-8768-6AB0-EDB502334978}"/>
+                <a16:creationId xmlns:a16="http://schemas.microsoft.com/office/drawing/2014/main" xmlns="" id="{37CA7186-F461-8768-6AB0-EDB502334978}"/>
               </a:ext>
             </a:extLst>
           </p:cNvPr>
@@ -10824,7 +10809,7 @@
           <a:blip r:embed="rId2" cstate="print">
             <a:extLst>
               <a:ext uri="{28A0092B-C50C-407E-A947-70E740481C1C}">
-                <a14:useLocalDpi xmlns="" xmlns:a14="http://schemas.microsoft.com/office/drawing/2010/main" val="0"/>
+                <a14:useLocalDpi xmlns:a14="http://schemas.microsoft.com/office/drawing/2010/main" xmlns="" val="0"/>
               </a:ext>
             </a:extLst>
           </a:blip>
@@ -10864,7 +10849,7 @@
           <p:cNvPr id="6" name="标题 1">
             <a:extLst>
               <a:ext uri="{FF2B5EF4-FFF2-40B4-BE49-F238E27FC236}">
-                <a16:creationId xmlns="" xmlns:a16="http://schemas.microsoft.com/office/drawing/2014/main" id="{C81291C8-DC21-C98A-E80F-705776E3EB74}"/>
+                <a16:creationId xmlns:a16="http://schemas.microsoft.com/office/drawing/2014/main" xmlns="" id="{C81291C8-DC21-C98A-E80F-705776E3EB74}"/>
               </a:ext>
             </a:extLst>
           </p:cNvPr>
@@ -10954,7 +10939,7 @@
           <p:cNvPr id="7" name="文本框 6">
             <a:extLst>
               <a:ext uri="{FF2B5EF4-FFF2-40B4-BE49-F238E27FC236}">
-                <a16:creationId xmlns="" xmlns:a16="http://schemas.microsoft.com/office/drawing/2014/main" id="{5A115FD7-B5F6-D919-5860-BD9C52F64019}"/>
+                <a16:creationId xmlns:a16="http://schemas.microsoft.com/office/drawing/2014/main" xmlns="" id="{5A115FD7-B5F6-D919-5860-BD9C52F64019}"/>
               </a:ext>
             </a:extLst>
           </p:cNvPr>
@@ -11009,7 +10994,7 @@
     </p:spTree>
     <p:extLst>
       <p:ext uri="{BB962C8B-B14F-4D97-AF65-F5344CB8AC3E}">
-        <p14:creationId xmlns="" xmlns:p14="http://schemas.microsoft.com/office/powerpoint/2010/main" val="1039722178"/>
+        <p14:creationId xmlns:p14="http://schemas.microsoft.com/office/powerpoint/2010/main" xmlns="" val="1039722178"/>
       </p:ext>
     </p:extLst>
   </p:cSld>
@@ -11593,7 +11578,7 @@
   <a:extraClrSchemeLst/>
   <a:extLst>
     <a:ext uri="{05A4C25C-085E-4340-85A3-A5531E510DB2}">
-      <thm15:themeFamily xmlns="" xmlns:thm15="http://schemas.microsoft.com/office/thememl/2012/main" name="Vapor Trail" id="{4FDF2955-7D9C-493C-B9F9-C205151B46CD}" vid="{8F31A783-2159-4870-BC29-2BA7D038EA44}"/>
+      <thm15:themeFamily xmlns:thm15="http://schemas.microsoft.com/office/thememl/2012/main" xmlns="" name="Vapor Trail" id="{4FDF2955-7D9C-493C-B9F9-C205151B46CD}" vid="{8F31A783-2159-4870-BC29-2BA7D038EA44}"/>
     </a:ext>
   </a:extLst>
 </a:theme>

--- a/document/Presentation Password Generator.pptx
+++ b/document/Presentation Password Generator.pptx
@@ -121,7 +121,7 @@
   </p:defaultTextStyle>
   <p:extLst>
     <p:ext uri="{EFAFB233-063F-42B5-8137-9DF3F51BA10A}">
-      <p15:sldGuideLst xmlns:p15="http://schemas.microsoft.com/office/powerpoint/2012/main" xmlns="">
+      <p15:sldGuideLst xmlns="" xmlns:p15="http://schemas.microsoft.com/office/powerpoint/2012/main">
         <p15:guide id="1" orient="horz" pos="2160">
           <p15:clr>
             <a:srgbClr val="A4A3A4"/>
@@ -167,7 +167,7 @@
           <a:blip r:embed="rId2">
             <a:extLst>
               <a:ext uri="{28A0092B-C50C-407E-A947-70E740481C1C}">
-                <a14:useLocalDpi xmlns:a14="http://schemas.microsoft.com/office/drawing/2010/main" xmlns="" val="0"/>
+                <a14:useLocalDpi xmlns="" xmlns:a14="http://schemas.microsoft.com/office/drawing/2010/main" val="0"/>
               </a:ext>
             </a:extLst>
           </a:blip>
@@ -309,7 +309,7 @@
             <a:fld id="{F1FEB44C-43DA-42AA-B9E9-395B842E5567}" type="datetimeFigureOut">
               <a:rPr lang="en-NZ" smtClean="0"/>
               <a:pPr/>
-              <a:t>17/09/2022</a:t>
+              <a:t>26/09/2022</a:t>
             </a:fld>
             <a:endParaRPr lang="en-NZ"/>
           </a:p>
@@ -371,7 +371,7 @@
     </p:spTree>
     <p:extLst>
       <p:ext uri="{BB962C8B-B14F-4D97-AF65-F5344CB8AC3E}">
-        <p14:creationId xmlns:p14="http://schemas.microsoft.com/office/powerpoint/2010/main" xmlns="" val="3646990326"/>
+        <p14:creationId xmlns="" xmlns:p14="http://schemas.microsoft.com/office/powerpoint/2010/main" val="3646990326"/>
       </p:ext>
     </p:extLst>
   </p:cSld>
@@ -581,7 +581,7 @@
             <a:fld id="{F1FEB44C-43DA-42AA-B9E9-395B842E5567}" type="datetimeFigureOut">
               <a:rPr lang="en-NZ" smtClean="0"/>
               <a:pPr/>
-              <a:t>17/09/2022</a:t>
+              <a:t>26/09/2022</a:t>
             </a:fld>
             <a:endParaRPr lang="en-NZ"/>
           </a:p>
@@ -633,7 +633,7 @@
     </p:spTree>
     <p:extLst>
       <p:ext uri="{BB962C8B-B14F-4D97-AF65-F5344CB8AC3E}">
-        <p14:creationId xmlns:p14="http://schemas.microsoft.com/office/powerpoint/2010/main" xmlns="" val="71176386"/>
+        <p14:creationId xmlns="" xmlns:p14="http://schemas.microsoft.com/office/powerpoint/2010/main" val="71176386"/>
       </p:ext>
     </p:extLst>
   </p:cSld>
@@ -675,7 +675,7 @@
           <a:blip r:embed="rId2">
             <a:extLst>
               <a:ext uri="{28A0092B-C50C-407E-A947-70E740481C1C}">
-                <a14:useLocalDpi xmlns:a14="http://schemas.microsoft.com/office/drawing/2010/main" xmlns="" val="0"/>
+                <a14:useLocalDpi xmlns="" xmlns:a14="http://schemas.microsoft.com/office/drawing/2010/main" val="0"/>
               </a:ext>
             </a:extLst>
           </a:blip>
@@ -817,7 +817,7 @@
             <a:fld id="{F1FEB44C-43DA-42AA-B9E9-395B842E5567}" type="datetimeFigureOut">
               <a:rPr lang="en-NZ" smtClean="0"/>
               <a:pPr/>
-              <a:t>17/09/2022</a:t>
+              <a:t>26/09/2022</a:t>
             </a:fld>
             <a:endParaRPr lang="en-NZ"/>
           </a:p>
@@ -879,7 +879,7 @@
     </p:spTree>
     <p:extLst>
       <p:ext uri="{BB962C8B-B14F-4D97-AF65-F5344CB8AC3E}">
-        <p14:creationId xmlns:p14="http://schemas.microsoft.com/office/powerpoint/2010/main" xmlns="" val="1798571661"/>
+        <p14:creationId xmlns="" xmlns:p14="http://schemas.microsoft.com/office/powerpoint/2010/main" val="1798571661"/>
       </p:ext>
     </p:extLst>
   </p:cSld>
@@ -921,7 +921,7 @@
           <a:blip r:embed="rId2">
             <a:extLst>
               <a:ext uri="{28A0092B-C50C-407E-A947-70E740481C1C}">
-                <a14:useLocalDpi xmlns:a14="http://schemas.microsoft.com/office/drawing/2010/main" xmlns="" val="0"/>
+                <a14:useLocalDpi xmlns="" xmlns:a14="http://schemas.microsoft.com/office/drawing/2010/main" val="0"/>
               </a:ext>
             </a:extLst>
           </a:blip>
@@ -1132,7 +1132,7 @@
             <a:fld id="{F1FEB44C-43DA-42AA-B9E9-395B842E5567}" type="datetimeFigureOut">
               <a:rPr lang="en-NZ" smtClean="0"/>
               <a:pPr/>
-              <a:t>17/09/2022</a:t>
+              <a:t>26/09/2022</a:t>
             </a:fld>
             <a:endParaRPr lang="en-NZ"/>
           </a:p>
@@ -1426,7 +1426,7 @@
     </p:spTree>
     <p:extLst>
       <p:ext uri="{BB962C8B-B14F-4D97-AF65-F5344CB8AC3E}">
-        <p14:creationId xmlns:p14="http://schemas.microsoft.com/office/powerpoint/2010/main" xmlns="" val="2241860457"/>
+        <p14:creationId xmlns="" xmlns:p14="http://schemas.microsoft.com/office/powerpoint/2010/main" val="2241860457"/>
       </p:ext>
     </p:extLst>
   </p:cSld>
@@ -1468,7 +1468,7 @@
           <a:blip r:embed="rId2">
             <a:extLst>
               <a:ext uri="{28A0092B-C50C-407E-A947-70E740481C1C}">
-                <a14:useLocalDpi xmlns:a14="http://schemas.microsoft.com/office/drawing/2010/main" xmlns="" val="0"/>
+                <a14:useLocalDpi xmlns="" xmlns:a14="http://schemas.microsoft.com/office/drawing/2010/main" val="0"/>
               </a:ext>
             </a:extLst>
           </a:blip>
@@ -1610,7 +1610,7 @@
             <a:fld id="{F1FEB44C-43DA-42AA-B9E9-395B842E5567}" type="datetimeFigureOut">
               <a:rPr lang="en-NZ" smtClean="0"/>
               <a:pPr/>
-              <a:t>17/09/2022</a:t>
+              <a:t>26/09/2022</a:t>
             </a:fld>
             <a:endParaRPr lang="en-NZ"/>
           </a:p>
@@ -1672,7 +1672,7 @@
     </p:spTree>
     <p:extLst>
       <p:ext uri="{BB962C8B-B14F-4D97-AF65-F5344CB8AC3E}">
-        <p14:creationId xmlns:p14="http://schemas.microsoft.com/office/powerpoint/2010/main" xmlns="" val="3785431333"/>
+        <p14:creationId xmlns="" xmlns:p14="http://schemas.microsoft.com/office/powerpoint/2010/main" val="3785431333"/>
       </p:ext>
     </p:extLst>
   </p:cSld>
@@ -2162,7 +2162,7 @@
             <a:fld id="{F1FEB44C-43DA-42AA-B9E9-395B842E5567}" type="datetimeFigureOut">
               <a:rPr lang="en-NZ" smtClean="0"/>
               <a:pPr/>
-              <a:t>17/09/2022</a:t>
+              <a:t>26/09/2022</a:t>
             </a:fld>
             <a:endParaRPr lang="en-NZ"/>
           </a:p>
@@ -2214,7 +2214,7 @@
     </p:spTree>
     <p:extLst>
       <p:ext uri="{BB962C8B-B14F-4D97-AF65-F5344CB8AC3E}">
-        <p14:creationId xmlns:p14="http://schemas.microsoft.com/office/powerpoint/2010/main" xmlns="" val="3188093362"/>
+        <p14:creationId xmlns="" xmlns:p14="http://schemas.microsoft.com/office/powerpoint/2010/main" val="3188093362"/>
       </p:ext>
     </p:extLst>
   </p:cSld>
@@ -2941,7 +2941,7 @@
             <a:fld id="{F1FEB44C-43DA-42AA-B9E9-395B842E5567}" type="datetimeFigureOut">
               <a:rPr lang="en-NZ" smtClean="0"/>
               <a:pPr/>
-              <a:t>17/09/2022</a:t>
+              <a:t>26/09/2022</a:t>
             </a:fld>
             <a:endParaRPr lang="en-NZ"/>
           </a:p>
@@ -2993,7 +2993,7 @@
     </p:spTree>
     <p:extLst>
       <p:ext uri="{BB962C8B-B14F-4D97-AF65-F5344CB8AC3E}">
-        <p14:creationId xmlns:p14="http://schemas.microsoft.com/office/powerpoint/2010/main" xmlns="" val="1247721429"/>
+        <p14:creationId xmlns="" xmlns:p14="http://schemas.microsoft.com/office/powerpoint/2010/main" val="1247721429"/>
       </p:ext>
     </p:extLst>
   </p:cSld>
@@ -3121,7 +3121,7 @@
             <a:fld id="{F1FEB44C-43DA-42AA-B9E9-395B842E5567}" type="datetimeFigureOut">
               <a:rPr lang="en-NZ" smtClean="0"/>
               <a:pPr/>
-              <a:t>17/09/2022</a:t>
+              <a:t>26/09/2022</a:t>
             </a:fld>
             <a:endParaRPr lang="en-NZ"/>
           </a:p>
@@ -3173,7 +3173,7 @@
     </p:spTree>
     <p:extLst>
       <p:ext uri="{BB962C8B-B14F-4D97-AF65-F5344CB8AC3E}">
-        <p14:creationId xmlns:p14="http://schemas.microsoft.com/office/powerpoint/2010/main" xmlns="" val="1314504317"/>
+        <p14:creationId xmlns="" xmlns:p14="http://schemas.microsoft.com/office/powerpoint/2010/main" val="1314504317"/>
       </p:ext>
     </p:extLst>
   </p:cSld>
@@ -3215,7 +3215,7 @@
           <a:blip r:embed="rId2">
             <a:extLst>
               <a:ext uri="{28A0092B-C50C-407E-A947-70E740481C1C}">
-                <a14:useLocalDpi xmlns:a14="http://schemas.microsoft.com/office/drawing/2010/main" xmlns="" val="0"/>
+                <a14:useLocalDpi xmlns="" xmlns:a14="http://schemas.microsoft.com/office/drawing/2010/main" val="0"/>
               </a:ext>
             </a:extLst>
           </a:blip>
@@ -3349,7 +3349,7 @@
             <a:fld id="{F1FEB44C-43DA-42AA-B9E9-395B842E5567}" type="datetimeFigureOut">
               <a:rPr lang="en-NZ" smtClean="0"/>
               <a:pPr/>
-              <a:t>17/09/2022</a:t>
+              <a:t>26/09/2022</a:t>
             </a:fld>
             <a:endParaRPr lang="en-NZ"/>
           </a:p>
@@ -3411,7 +3411,7 @@
     </p:spTree>
     <p:extLst>
       <p:ext uri="{BB962C8B-B14F-4D97-AF65-F5344CB8AC3E}">
-        <p14:creationId xmlns:p14="http://schemas.microsoft.com/office/powerpoint/2010/main" xmlns="" val="3268017753"/>
+        <p14:creationId xmlns="" xmlns:p14="http://schemas.microsoft.com/office/powerpoint/2010/main" val="3268017753"/>
       </p:ext>
     </p:extLst>
   </p:cSld>
@@ -3534,7 +3534,7 @@
             <a:fld id="{F1FEB44C-43DA-42AA-B9E9-395B842E5567}" type="datetimeFigureOut">
               <a:rPr lang="en-NZ" smtClean="0"/>
               <a:pPr/>
-              <a:t>17/09/2022</a:t>
+              <a:t>26/09/2022</a:t>
             </a:fld>
             <a:endParaRPr lang="en-NZ"/>
           </a:p>
@@ -3586,7 +3586,7 @@
     </p:spTree>
     <p:extLst>
       <p:ext uri="{BB962C8B-B14F-4D97-AF65-F5344CB8AC3E}">
-        <p14:creationId xmlns:p14="http://schemas.microsoft.com/office/powerpoint/2010/main" xmlns="" val="900410543"/>
+        <p14:creationId xmlns="" xmlns:p14="http://schemas.microsoft.com/office/powerpoint/2010/main" val="900410543"/>
       </p:ext>
     </p:extLst>
   </p:cSld>
@@ -3628,7 +3628,7 @@
           <a:blip r:embed="rId2">
             <a:extLst>
               <a:ext uri="{28A0092B-C50C-407E-A947-70E740481C1C}">
-                <a14:useLocalDpi xmlns:a14="http://schemas.microsoft.com/office/drawing/2010/main" xmlns="" val="0"/>
+                <a14:useLocalDpi xmlns="" xmlns:a14="http://schemas.microsoft.com/office/drawing/2010/main" val="0"/>
               </a:ext>
             </a:extLst>
           </a:blip>
@@ -3828,7 +3828,7 @@
             <a:fld id="{F1FEB44C-43DA-42AA-B9E9-395B842E5567}" type="datetimeFigureOut">
               <a:rPr lang="en-NZ" smtClean="0"/>
               <a:pPr/>
-              <a:t>17/09/2022</a:t>
+              <a:t>26/09/2022</a:t>
             </a:fld>
             <a:endParaRPr lang="en-NZ"/>
           </a:p>
@@ -3890,7 +3890,7 @@
     </p:spTree>
     <p:extLst>
       <p:ext uri="{BB962C8B-B14F-4D97-AF65-F5344CB8AC3E}">
-        <p14:creationId xmlns:p14="http://schemas.microsoft.com/office/powerpoint/2010/main" xmlns="" val="2811421413"/>
+        <p14:creationId xmlns="" xmlns:p14="http://schemas.microsoft.com/office/powerpoint/2010/main" val="2811421413"/>
       </p:ext>
     </p:extLst>
   </p:cSld>
@@ -4075,7 +4075,7 @@
             <a:fld id="{F1FEB44C-43DA-42AA-B9E9-395B842E5567}" type="datetimeFigureOut">
               <a:rPr lang="en-NZ" smtClean="0"/>
               <a:pPr/>
-              <a:t>17/09/2022</a:t>
+              <a:t>26/09/2022</a:t>
             </a:fld>
             <a:endParaRPr lang="en-NZ"/>
           </a:p>
@@ -4127,7 +4127,7 @@
     </p:spTree>
     <p:extLst>
       <p:ext uri="{BB962C8B-B14F-4D97-AF65-F5344CB8AC3E}">
-        <p14:creationId xmlns:p14="http://schemas.microsoft.com/office/powerpoint/2010/main" xmlns="" val="2818974999"/>
+        <p14:creationId xmlns="" xmlns:p14="http://schemas.microsoft.com/office/powerpoint/2010/main" val="2818974999"/>
       </p:ext>
     </p:extLst>
   </p:cSld>
@@ -4459,7 +4459,7 @@
             <a:fld id="{F1FEB44C-43DA-42AA-B9E9-395B842E5567}" type="datetimeFigureOut">
               <a:rPr lang="en-NZ" smtClean="0"/>
               <a:pPr/>
-              <a:t>17/09/2022</a:t>
+              <a:t>26/09/2022</a:t>
             </a:fld>
             <a:endParaRPr lang="en-NZ"/>
           </a:p>
@@ -4511,7 +4511,7 @@
     </p:spTree>
     <p:extLst>
       <p:ext uri="{BB962C8B-B14F-4D97-AF65-F5344CB8AC3E}">
-        <p14:creationId xmlns:p14="http://schemas.microsoft.com/office/powerpoint/2010/main" xmlns="" val="3602584676"/>
+        <p14:creationId xmlns="" xmlns:p14="http://schemas.microsoft.com/office/powerpoint/2010/main" val="3602584676"/>
       </p:ext>
     </p:extLst>
   </p:cSld>
@@ -4582,7 +4582,7 @@
             <a:fld id="{F1FEB44C-43DA-42AA-B9E9-395B842E5567}" type="datetimeFigureOut">
               <a:rPr lang="en-NZ" smtClean="0"/>
               <a:pPr/>
-              <a:t>17/09/2022</a:t>
+              <a:t>26/09/2022</a:t>
             </a:fld>
             <a:endParaRPr lang="en-NZ"/>
           </a:p>
@@ -4634,7 +4634,7 @@
     </p:spTree>
     <p:extLst>
       <p:ext uri="{BB962C8B-B14F-4D97-AF65-F5344CB8AC3E}">
-        <p14:creationId xmlns:p14="http://schemas.microsoft.com/office/powerpoint/2010/main" xmlns="" val="3525800094"/>
+        <p14:creationId xmlns="" xmlns:p14="http://schemas.microsoft.com/office/powerpoint/2010/main" val="3525800094"/>
       </p:ext>
     </p:extLst>
   </p:cSld>
@@ -4682,7 +4682,7 @@
             <a:fld id="{F1FEB44C-43DA-42AA-B9E9-395B842E5567}" type="datetimeFigureOut">
               <a:rPr lang="en-NZ" smtClean="0"/>
               <a:pPr/>
-              <a:t>17/09/2022</a:t>
+              <a:t>26/09/2022</a:t>
             </a:fld>
             <a:endParaRPr lang="en-NZ"/>
           </a:p>
@@ -4734,7 +4734,7 @@
     </p:spTree>
     <p:extLst>
       <p:ext uri="{BB962C8B-B14F-4D97-AF65-F5344CB8AC3E}">
-        <p14:creationId xmlns:p14="http://schemas.microsoft.com/office/powerpoint/2010/main" xmlns="" val="900002222"/>
+        <p14:creationId xmlns="" xmlns:p14="http://schemas.microsoft.com/office/powerpoint/2010/main" val="900002222"/>
       </p:ext>
     </p:extLst>
   </p:cSld>
@@ -4936,7 +4936,7 @@
             <a:fld id="{F1FEB44C-43DA-42AA-B9E9-395B842E5567}" type="datetimeFigureOut">
               <a:rPr lang="en-NZ" smtClean="0"/>
               <a:pPr/>
-              <a:t>17/09/2022</a:t>
+              <a:t>26/09/2022</a:t>
             </a:fld>
             <a:endParaRPr lang="en-NZ"/>
           </a:p>
@@ -4988,7 +4988,7 @@
     </p:spTree>
     <p:extLst>
       <p:ext uri="{BB962C8B-B14F-4D97-AF65-F5344CB8AC3E}">
-        <p14:creationId xmlns:p14="http://schemas.microsoft.com/office/powerpoint/2010/main" xmlns="" val="1979681908"/>
+        <p14:creationId xmlns="" xmlns:p14="http://schemas.microsoft.com/office/powerpoint/2010/main" val="1979681908"/>
       </p:ext>
     </p:extLst>
   </p:cSld>
@@ -5198,7 +5198,7 @@
             <a:fld id="{F1FEB44C-43DA-42AA-B9E9-395B842E5567}" type="datetimeFigureOut">
               <a:rPr lang="en-NZ" smtClean="0"/>
               <a:pPr/>
-              <a:t>17/09/2022</a:t>
+              <a:t>26/09/2022</a:t>
             </a:fld>
             <a:endParaRPr lang="en-NZ"/>
           </a:p>
@@ -5250,7 +5250,7 @@
     </p:spTree>
     <p:extLst>
       <p:ext uri="{BB962C8B-B14F-4D97-AF65-F5344CB8AC3E}">
-        <p14:creationId xmlns:p14="http://schemas.microsoft.com/office/powerpoint/2010/main" xmlns="" val="3490336120"/>
+        <p14:creationId xmlns="" xmlns:p14="http://schemas.microsoft.com/office/powerpoint/2010/main" val="3490336120"/>
       </p:ext>
     </p:extLst>
   </p:cSld>
@@ -5297,7 +5297,7 @@
           <a:blip r:embed="rId19">
             <a:extLst>
               <a:ext uri="{28A0092B-C50C-407E-A947-70E740481C1C}">
-                <a14:useLocalDpi xmlns:a14="http://schemas.microsoft.com/office/drawing/2010/main" xmlns="" val="0"/>
+                <a14:useLocalDpi xmlns="" xmlns:a14="http://schemas.microsoft.com/office/drawing/2010/main" val="0"/>
               </a:ext>
             </a:extLst>
           </a:blip>
@@ -5446,7 +5446,7 @@
             <a:fld id="{F1FEB44C-43DA-42AA-B9E9-395B842E5567}" type="datetimeFigureOut">
               <a:rPr lang="en-NZ" smtClean="0"/>
               <a:pPr/>
-              <a:t>17/09/2022</a:t>
+              <a:t>26/09/2022</a:t>
             </a:fld>
             <a:endParaRPr lang="en-NZ"/>
           </a:p>
@@ -5534,7 +5534,7 @@
     </p:spTree>
     <p:extLst>
       <p:ext uri="{BB962C8B-B14F-4D97-AF65-F5344CB8AC3E}">
-        <p14:creationId xmlns:p14="http://schemas.microsoft.com/office/powerpoint/2010/main" xmlns="" val="475220722"/>
+        <p14:creationId xmlns="" xmlns:p14="http://schemas.microsoft.com/office/powerpoint/2010/main" val="475220722"/>
       </p:ext>
     </p:extLst>
   </p:cSld>
@@ -5988,7 +5988,7 @@
           <p:cNvPr id="2" name="标题 1">
             <a:extLst>
               <a:ext uri="{FF2B5EF4-FFF2-40B4-BE49-F238E27FC236}">
-                <a16:creationId xmlns:a16="http://schemas.microsoft.com/office/drawing/2014/main" xmlns="" id="{03477B6E-72BF-255C-BEB8-DAC7203DD43E}"/>
+                <a16:creationId xmlns="" xmlns:a16="http://schemas.microsoft.com/office/drawing/2014/main" id="{03477B6E-72BF-255C-BEB8-DAC7203DD43E}"/>
               </a:ext>
             </a:extLst>
           </p:cNvPr>
@@ -6022,7 +6022,7 @@
           <p:cNvPr id="3" name="内容占位符 2">
             <a:extLst>
               <a:ext uri="{FF2B5EF4-FFF2-40B4-BE49-F238E27FC236}">
-                <a16:creationId xmlns:a16="http://schemas.microsoft.com/office/drawing/2014/main" xmlns="" id="{B5BDCBB6-C660-4E0C-04B9-8784DABF995E}"/>
+                <a16:creationId xmlns="" xmlns:a16="http://schemas.microsoft.com/office/drawing/2014/main" id="{B5BDCBB6-C660-4E0C-04B9-8784DABF995E}"/>
               </a:ext>
             </a:extLst>
           </p:cNvPr>
@@ -6119,7 +6119,7 @@
     </p:spTree>
     <p:extLst>
       <p:ext uri="{BB962C8B-B14F-4D97-AF65-F5344CB8AC3E}">
-        <p14:creationId xmlns:p14="http://schemas.microsoft.com/office/powerpoint/2010/main" xmlns="" val="1522651155"/>
+        <p14:creationId xmlns="" xmlns:p14="http://schemas.microsoft.com/office/powerpoint/2010/main" val="1522651155"/>
       </p:ext>
     </p:extLst>
   </p:cSld>
@@ -6420,7 +6420,7 @@
           <p:cNvPr id="2" name="标题 1">
             <a:extLst>
               <a:ext uri="{FF2B5EF4-FFF2-40B4-BE49-F238E27FC236}">
-                <a16:creationId xmlns:a16="http://schemas.microsoft.com/office/drawing/2014/main" xmlns="" id="{594441FE-9332-F0E4-7AE1-3123F39EBF02}"/>
+                <a16:creationId xmlns="" xmlns:a16="http://schemas.microsoft.com/office/drawing/2014/main" id="{594441FE-9332-F0E4-7AE1-3123F39EBF02}"/>
               </a:ext>
             </a:extLst>
           </p:cNvPr>
@@ -6454,7 +6454,7 @@
           <p:cNvPr id="3" name="内容占位符 2">
             <a:extLst>
               <a:ext uri="{FF2B5EF4-FFF2-40B4-BE49-F238E27FC236}">
-                <a16:creationId xmlns:a16="http://schemas.microsoft.com/office/drawing/2014/main" xmlns="" id="{C1BFAA36-BAFA-2A56-98AB-CC6300CECA0C}"/>
+                <a16:creationId xmlns="" xmlns:a16="http://schemas.microsoft.com/office/drawing/2014/main" id="{C1BFAA36-BAFA-2A56-98AB-CC6300CECA0C}"/>
               </a:ext>
             </a:extLst>
           </p:cNvPr>
@@ -6603,7 +6603,7 @@
           <p:cNvPr id="5" name="文本框 4">
             <a:extLst>
               <a:ext uri="{FF2B5EF4-FFF2-40B4-BE49-F238E27FC236}">
-                <a16:creationId xmlns:a16="http://schemas.microsoft.com/office/drawing/2014/main" xmlns="" id="{D233536E-5C4E-5A22-114B-E507F99608AF}"/>
+                <a16:creationId xmlns="" xmlns:a16="http://schemas.microsoft.com/office/drawing/2014/main" id="{D233536E-5C4E-5A22-114B-E507F99608AF}"/>
               </a:ext>
             </a:extLst>
           </p:cNvPr>
@@ -6770,7 +6770,7 @@
           <p:cNvPr id="6" name="文本框 5">
             <a:extLst>
               <a:ext uri="{FF2B5EF4-FFF2-40B4-BE49-F238E27FC236}">
-                <a16:creationId xmlns:a16="http://schemas.microsoft.com/office/drawing/2014/main" xmlns="" id="{4432D91B-110E-9A16-F8F5-9DE69295486D}"/>
+                <a16:creationId xmlns="" xmlns:a16="http://schemas.microsoft.com/office/drawing/2014/main" id="{4432D91B-110E-9A16-F8F5-9DE69295486D}"/>
               </a:ext>
             </a:extLst>
           </p:cNvPr>
@@ -6833,7 +6833,7 @@
     </p:spTree>
     <p:extLst>
       <p:ext uri="{BB962C8B-B14F-4D97-AF65-F5344CB8AC3E}">
-        <p14:creationId xmlns:p14="http://schemas.microsoft.com/office/powerpoint/2010/main" xmlns="" val="2361374323"/>
+        <p14:creationId xmlns="" xmlns:p14="http://schemas.microsoft.com/office/powerpoint/2010/main" val="2361374323"/>
       </p:ext>
     </p:extLst>
   </p:cSld>
@@ -6875,7 +6875,7 @@
           <p:cNvPr id="2" name="标题 1">
             <a:extLst>
               <a:ext uri="{FF2B5EF4-FFF2-40B4-BE49-F238E27FC236}">
-                <a16:creationId xmlns:a16="http://schemas.microsoft.com/office/drawing/2014/main" xmlns="" id="{083AE34A-2EE8-6BAE-70F0-3E8DBE525781}"/>
+                <a16:creationId xmlns="" xmlns:a16="http://schemas.microsoft.com/office/drawing/2014/main" id="{083AE34A-2EE8-6BAE-70F0-3E8DBE525781}"/>
               </a:ext>
             </a:extLst>
           </p:cNvPr>
@@ -6909,7 +6909,7 @@
           <p:cNvPr id="3" name="内容占位符 2">
             <a:extLst>
               <a:ext uri="{FF2B5EF4-FFF2-40B4-BE49-F238E27FC236}">
-                <a16:creationId xmlns:a16="http://schemas.microsoft.com/office/drawing/2014/main" xmlns="" id="{D1631241-63E7-CCA1-C041-9CEE6DF91618}"/>
+                <a16:creationId xmlns="" xmlns:a16="http://schemas.microsoft.com/office/drawing/2014/main" id="{D1631241-63E7-CCA1-C041-9CEE6DF91618}"/>
               </a:ext>
             </a:extLst>
           </p:cNvPr>
@@ -7060,7 +7060,7 @@
     </p:spTree>
     <p:extLst>
       <p:ext uri="{BB962C8B-B14F-4D97-AF65-F5344CB8AC3E}">
-        <p14:creationId xmlns:p14="http://schemas.microsoft.com/office/powerpoint/2010/main" xmlns="" val="3396672449"/>
+        <p14:creationId xmlns="" xmlns:p14="http://schemas.microsoft.com/office/powerpoint/2010/main" val="3396672449"/>
       </p:ext>
     </p:extLst>
   </p:cSld>
@@ -7102,7 +7102,7 @@
           <p:cNvPr id="2" name="标题 1">
             <a:extLst>
               <a:ext uri="{FF2B5EF4-FFF2-40B4-BE49-F238E27FC236}">
-                <a16:creationId xmlns:a16="http://schemas.microsoft.com/office/drawing/2014/main" xmlns="" id="{B26EBC45-122C-5FE6-01A0-0B6F24E25785}"/>
+                <a16:creationId xmlns="" xmlns:a16="http://schemas.microsoft.com/office/drawing/2014/main" id="{B26EBC45-122C-5FE6-01A0-0B6F24E25785}"/>
               </a:ext>
             </a:extLst>
           </p:cNvPr>
@@ -7136,7 +7136,7 @@
           <p:cNvPr id="5" name="内容占位符 4">
             <a:extLst>
               <a:ext uri="{FF2B5EF4-FFF2-40B4-BE49-F238E27FC236}">
-                <a16:creationId xmlns:a16="http://schemas.microsoft.com/office/drawing/2014/main" xmlns="" id="{B34579D3-B1D0-FFDD-242D-00F815568178}"/>
+                <a16:creationId xmlns="" xmlns:a16="http://schemas.microsoft.com/office/drawing/2014/main" id="{B34579D3-B1D0-FFDD-242D-00F815568178}"/>
               </a:ext>
             </a:extLst>
           </p:cNvPr>
@@ -7151,7 +7151,7 @@
           <a:blip r:embed="rId2">
             <a:extLst>
               <a:ext uri="{28A0092B-C50C-407E-A947-70E740481C1C}">
-                <a14:useLocalDpi xmlns:a14="http://schemas.microsoft.com/office/drawing/2010/main" xmlns="" val="0"/>
+                <a14:useLocalDpi xmlns="" xmlns:a14="http://schemas.microsoft.com/office/drawing/2010/main" val="0"/>
               </a:ext>
             </a:extLst>
           </a:blip>
@@ -7188,7 +7188,7 @@
     </p:spTree>
     <p:extLst>
       <p:ext uri="{BB962C8B-B14F-4D97-AF65-F5344CB8AC3E}">
-        <p14:creationId xmlns:p14="http://schemas.microsoft.com/office/powerpoint/2010/main" xmlns="" val="3123407964"/>
+        <p14:creationId xmlns="" xmlns:p14="http://schemas.microsoft.com/office/powerpoint/2010/main" val="3123407964"/>
       </p:ext>
     </p:extLst>
   </p:cSld>
@@ -7230,7 +7230,7 @@
           <p:cNvPr id="2" name="标题 1">
             <a:extLst>
               <a:ext uri="{FF2B5EF4-FFF2-40B4-BE49-F238E27FC236}">
-                <a16:creationId xmlns:a16="http://schemas.microsoft.com/office/drawing/2014/main" xmlns="" id="{BCD0B7BF-66C7-8E0C-EE6E-210BC09261AB}"/>
+                <a16:creationId xmlns="" xmlns:a16="http://schemas.microsoft.com/office/drawing/2014/main" id="{BCD0B7BF-66C7-8E0C-EE6E-210BC09261AB}"/>
               </a:ext>
             </a:extLst>
           </p:cNvPr>
@@ -7258,7 +7258,7 @@
           <p:cNvPr id="3" name="内容占位符 2">
             <a:extLst>
               <a:ext uri="{FF2B5EF4-FFF2-40B4-BE49-F238E27FC236}">
-                <a16:creationId xmlns:a16="http://schemas.microsoft.com/office/drawing/2014/main" xmlns="" id="{99BC1E35-F9E7-1295-FBBD-ED8B0075BF59}"/>
+                <a16:creationId xmlns="" xmlns:a16="http://schemas.microsoft.com/office/drawing/2014/main" id="{99BC1E35-F9E7-1295-FBBD-ED8B0075BF59}"/>
               </a:ext>
             </a:extLst>
           </p:cNvPr>
@@ -7271,17 +7271,35 @@
         </p:nvSpPr>
         <p:spPr/>
         <p:txBody>
-          <a:bodyPr/>
+          <a:bodyPr>
+            <a:normAutofit fontScale="55000" lnSpcReduction="20000"/>
+          </a:bodyPr>
           <a:lstStyle/>
           <a:p>
-            <a:r>
-              <a:rPr lang="en-NZ" dirty="0" err="1"/>
+            <a:pPr>
+              <a:lnSpc>
+                <a:spcPct val="170000"/>
+              </a:lnSpc>
+            </a:pPr>
+            <a:r>
+              <a:rPr lang="en-NZ" dirty="0" err="1" smtClean="0"/>
               <a:t>Maribeth</a:t>
             </a:r>
             <a:r>
               <a:rPr lang="en-NZ" dirty="0" smtClean="0"/>
-              <a:t>:</a:t>
-            </a:r>
+              <a:t>: </a:t>
+            </a:r>
+            <a:r>
+              <a:rPr lang="en-NZ" dirty="0" smtClean="0"/>
+              <a:t>As </a:t>
+            </a:r>
+            <a:r>
+              <a:rPr lang="en-NZ" dirty="0" smtClean="0"/>
+              <a:t>I sit down to reflect on my learning journey at Future Skills Academy, I must say that it was a positive one. Working in a totally different field was such a challenge to begin with. I have no clue about the tools, modules and languages and even felt overwhelmed, finding out that we need to create a program as part of our project. Thankfully, I was put in a group where my team will always check if I needed help and has been very supportive from day 1 up to the final stage. We worked closely just to ensure that we are all in the same page. By doing this project, I gained the knowledge how to use basic CSS, HTML and JavaScript. I also learnt about User Story and Use Cases. It is no secret that there is much more to learn on my end. Learning environment is amazing; lecturers are very supportive and willing to extend help as much as they could.</a:t>
+            </a:r>
+            <a:endParaRPr lang="en-US" dirty="0" smtClean="0"/>
+          </a:p>
+          <a:p>
             <a:endParaRPr lang="en-NZ" dirty="0"/>
           </a:p>
           <a:p>
@@ -7313,7 +7331,7 @@
     </p:spTree>
     <p:extLst>
       <p:ext uri="{BB962C8B-B14F-4D97-AF65-F5344CB8AC3E}">
-        <p14:creationId xmlns:p14="http://schemas.microsoft.com/office/powerpoint/2010/main" xmlns="" val="358586711"/>
+        <p14:creationId xmlns="" xmlns:p14="http://schemas.microsoft.com/office/powerpoint/2010/main" val="358586711"/>
       </p:ext>
     </p:extLst>
   </p:cSld>
@@ -7355,7 +7373,7 @@
           <p:cNvPr id="2" name="标题 1">
             <a:extLst>
               <a:ext uri="{FF2B5EF4-FFF2-40B4-BE49-F238E27FC236}">
-                <a16:creationId xmlns:a16="http://schemas.microsoft.com/office/drawing/2014/main" xmlns="" id="{7968832C-C89A-B085-ABDF-723E25F15B4E}"/>
+                <a16:creationId xmlns="" xmlns:a16="http://schemas.microsoft.com/office/drawing/2014/main" id="{7968832C-C89A-B085-ABDF-723E25F15B4E}"/>
               </a:ext>
             </a:extLst>
           </p:cNvPr>
@@ -7383,7 +7401,7 @@
           <p:cNvPr id="3" name="内容占位符 2">
             <a:extLst>
               <a:ext uri="{FF2B5EF4-FFF2-40B4-BE49-F238E27FC236}">
-                <a16:creationId xmlns:a16="http://schemas.microsoft.com/office/drawing/2014/main" xmlns="" id="{4029B2BD-2B47-E1CA-0E88-D9FBD2CA4E6C}"/>
+                <a16:creationId xmlns="" xmlns:a16="http://schemas.microsoft.com/office/drawing/2014/main" id="{4029B2BD-2B47-E1CA-0E88-D9FBD2CA4E6C}"/>
               </a:ext>
             </a:extLst>
           </p:cNvPr>
@@ -7406,7 +7424,7 @@
     </p:spTree>
     <p:extLst>
       <p:ext uri="{BB962C8B-B14F-4D97-AF65-F5344CB8AC3E}">
-        <p14:creationId xmlns:p14="http://schemas.microsoft.com/office/powerpoint/2010/main" xmlns="" val="1669517618"/>
+        <p14:creationId xmlns="" xmlns:p14="http://schemas.microsoft.com/office/powerpoint/2010/main" val="1669517618"/>
       </p:ext>
     </p:extLst>
   </p:cSld>
@@ -7448,7 +7466,7 @@
           <p:cNvPr id="2" name="标题 1">
             <a:extLst>
               <a:ext uri="{FF2B5EF4-FFF2-40B4-BE49-F238E27FC236}">
-                <a16:creationId xmlns:a16="http://schemas.microsoft.com/office/drawing/2014/main" xmlns="" id="{931FF632-26A4-A3C5-3BFA-108378087F3B}"/>
+                <a16:creationId xmlns="" xmlns:a16="http://schemas.microsoft.com/office/drawing/2014/main" id="{931FF632-26A4-A3C5-3BFA-108378087F3B}"/>
               </a:ext>
             </a:extLst>
           </p:cNvPr>
@@ -7476,7 +7494,7 @@
           <p:cNvPr id="3" name="内容占位符 2">
             <a:extLst>
               <a:ext uri="{FF2B5EF4-FFF2-40B4-BE49-F238E27FC236}">
-                <a16:creationId xmlns:a16="http://schemas.microsoft.com/office/drawing/2014/main" xmlns="" id="{10C10AB0-F6BB-26E5-C279-0931E8572F2F}"/>
+                <a16:creationId xmlns="" xmlns:a16="http://schemas.microsoft.com/office/drawing/2014/main" id="{10C10AB0-F6BB-26E5-C279-0931E8572F2F}"/>
               </a:ext>
             </a:extLst>
           </p:cNvPr>
@@ -7502,7 +7520,7 @@
     </p:spTree>
     <p:extLst>
       <p:ext uri="{BB962C8B-B14F-4D97-AF65-F5344CB8AC3E}">
-        <p14:creationId xmlns:p14="http://schemas.microsoft.com/office/powerpoint/2010/main" xmlns="" val="1405912245"/>
+        <p14:creationId xmlns="" xmlns:p14="http://schemas.microsoft.com/office/powerpoint/2010/main" val="1405912245"/>
       </p:ext>
     </p:extLst>
   </p:cSld>
@@ -7544,7 +7562,7 @@
           <p:cNvPr id="2" name="标题 1">
             <a:extLst>
               <a:ext uri="{FF2B5EF4-FFF2-40B4-BE49-F238E27FC236}">
-                <a16:creationId xmlns:a16="http://schemas.microsoft.com/office/drawing/2014/main" xmlns="" id="{9378BB5D-5C77-1E3D-912F-AA79F30B85B4}"/>
+                <a16:creationId xmlns="" xmlns:a16="http://schemas.microsoft.com/office/drawing/2014/main" id="{9378BB5D-5C77-1E3D-912F-AA79F30B85B4}"/>
               </a:ext>
             </a:extLst>
           </p:cNvPr>
@@ -7582,7 +7600,7 @@
           <p:cNvPr id="3" name="副标题 2">
             <a:extLst>
               <a:ext uri="{FF2B5EF4-FFF2-40B4-BE49-F238E27FC236}">
-                <a16:creationId xmlns:a16="http://schemas.microsoft.com/office/drawing/2014/main" xmlns="" id="{BE25738F-A275-37A7-AD92-00E90E767875}"/>
+                <a16:creationId xmlns="" xmlns:a16="http://schemas.microsoft.com/office/drawing/2014/main" id="{BE25738F-A275-37A7-AD92-00E90E767875}"/>
               </a:ext>
             </a:extLst>
           </p:cNvPr>
@@ -7670,7 +7688,7 @@
     </p:spTree>
     <p:extLst>
       <p:ext uri="{BB962C8B-B14F-4D97-AF65-F5344CB8AC3E}">
-        <p14:creationId xmlns:p14="http://schemas.microsoft.com/office/powerpoint/2010/main" xmlns="" val="467902368"/>
+        <p14:creationId xmlns="" xmlns:p14="http://schemas.microsoft.com/office/powerpoint/2010/main" val="467902368"/>
       </p:ext>
     </p:extLst>
   </p:cSld>
@@ -7975,7 +7993,7 @@
           <p:cNvPr id="2" name="标题 1">
             <a:extLst>
               <a:ext uri="{FF2B5EF4-FFF2-40B4-BE49-F238E27FC236}">
-                <a16:creationId xmlns:a16="http://schemas.microsoft.com/office/drawing/2014/main" xmlns="" id="{3B121F95-2659-B777-A490-44CC5DFFC3A1}"/>
+                <a16:creationId xmlns="" xmlns:a16="http://schemas.microsoft.com/office/drawing/2014/main" id="{3B121F95-2659-B777-A490-44CC5DFFC3A1}"/>
               </a:ext>
             </a:extLst>
           </p:cNvPr>
@@ -8009,7 +8027,7 @@
           <p:cNvPr id="3" name="内容占位符 2">
             <a:extLst>
               <a:ext uri="{FF2B5EF4-FFF2-40B4-BE49-F238E27FC236}">
-                <a16:creationId xmlns:a16="http://schemas.microsoft.com/office/drawing/2014/main" xmlns="" id="{7A6FE493-6895-3F84-9D5F-AB2A89BCCCAE}"/>
+                <a16:creationId xmlns="" xmlns:a16="http://schemas.microsoft.com/office/drawing/2014/main" id="{7A6FE493-6895-3F84-9D5F-AB2A89BCCCAE}"/>
               </a:ext>
             </a:extLst>
           </p:cNvPr>
@@ -8115,7 +8133,7 @@
     </p:spTree>
     <p:extLst>
       <p:ext uri="{BB962C8B-B14F-4D97-AF65-F5344CB8AC3E}">
-        <p14:creationId xmlns:p14="http://schemas.microsoft.com/office/powerpoint/2010/main" xmlns="" val="3104536044"/>
+        <p14:creationId xmlns="" xmlns:p14="http://schemas.microsoft.com/office/powerpoint/2010/main" val="3104536044"/>
       </p:ext>
     </p:extLst>
   </p:cSld>
@@ -8732,7 +8750,7 @@
           <p:cNvPr id="2" name="标题 1">
             <a:extLst>
               <a:ext uri="{FF2B5EF4-FFF2-40B4-BE49-F238E27FC236}">
-                <a16:creationId xmlns:a16="http://schemas.microsoft.com/office/drawing/2014/main" xmlns="" id="{92465190-A9B5-15FB-0CC7-52D427954EC8}"/>
+                <a16:creationId xmlns="" xmlns:a16="http://schemas.microsoft.com/office/drawing/2014/main" id="{92465190-A9B5-15FB-0CC7-52D427954EC8}"/>
               </a:ext>
             </a:extLst>
           </p:cNvPr>
@@ -8780,7 +8798,7 @@
           <p:cNvPr id="3" name="内容占位符 2">
             <a:extLst>
               <a:ext uri="{FF2B5EF4-FFF2-40B4-BE49-F238E27FC236}">
-                <a16:creationId xmlns:a16="http://schemas.microsoft.com/office/drawing/2014/main" xmlns="" id="{CAC7A421-7F2F-3B65-83AB-9B04FEA923A7}"/>
+                <a16:creationId xmlns="" xmlns:a16="http://schemas.microsoft.com/office/drawing/2014/main" id="{CAC7A421-7F2F-3B65-83AB-9B04FEA923A7}"/>
               </a:ext>
             </a:extLst>
           </p:cNvPr>
@@ -8835,7 +8853,7 @@
     </p:spTree>
     <p:extLst>
       <p:ext uri="{BB962C8B-B14F-4D97-AF65-F5344CB8AC3E}">
-        <p14:creationId xmlns:p14="http://schemas.microsoft.com/office/powerpoint/2010/main" xmlns="" val="3295134947"/>
+        <p14:creationId xmlns="" xmlns:p14="http://schemas.microsoft.com/office/powerpoint/2010/main" val="3295134947"/>
       </p:ext>
     </p:extLst>
   </p:cSld>
@@ -9068,7 +9086,7 @@
           <p:cNvPr id="2" name="标题 1">
             <a:extLst>
               <a:ext uri="{FF2B5EF4-FFF2-40B4-BE49-F238E27FC236}">
-                <a16:creationId xmlns:a16="http://schemas.microsoft.com/office/drawing/2014/main" xmlns="" id="{FCD0B3A6-F68D-1E92-C281-AEDB26248FFD}"/>
+                <a16:creationId xmlns="" xmlns:a16="http://schemas.microsoft.com/office/drawing/2014/main" id="{FCD0B3A6-F68D-1E92-C281-AEDB26248FFD}"/>
               </a:ext>
             </a:extLst>
           </p:cNvPr>
@@ -9118,7 +9136,7 @@
           <p:cNvPr id="3" name="内容占位符 2">
             <a:extLst>
               <a:ext uri="{FF2B5EF4-FFF2-40B4-BE49-F238E27FC236}">
-                <a16:creationId xmlns:a16="http://schemas.microsoft.com/office/drawing/2014/main" xmlns="" id="{78485416-BC42-8064-E043-36117E18E39D}"/>
+                <a16:creationId xmlns="" xmlns:a16="http://schemas.microsoft.com/office/drawing/2014/main" id="{78485416-BC42-8064-E043-36117E18E39D}"/>
               </a:ext>
             </a:extLst>
           </p:cNvPr>
@@ -9154,7 +9172,7 @@
           <p:cNvPr id="9" name="图片 8">
             <a:extLst>
               <a:ext uri="{FF2B5EF4-FFF2-40B4-BE49-F238E27FC236}">
-                <a16:creationId xmlns:a16="http://schemas.microsoft.com/office/drawing/2014/main" xmlns="" id="{FF651C45-FDCD-6C22-94A4-F7073AFDB5F7}"/>
+                <a16:creationId xmlns="" xmlns:a16="http://schemas.microsoft.com/office/drawing/2014/main" id="{FF651C45-FDCD-6C22-94A4-F7073AFDB5F7}"/>
               </a:ext>
             </a:extLst>
           </p:cNvPr>
@@ -9167,7 +9185,7 @@
           <a:blip r:embed="rId2">
             <a:extLst>
               <a:ext uri="{28A0092B-C50C-407E-A947-70E740481C1C}">
-                <a14:useLocalDpi xmlns:a14="http://schemas.microsoft.com/office/drawing/2010/main" xmlns="" val="0"/>
+                <a14:useLocalDpi xmlns="" xmlns:a14="http://schemas.microsoft.com/office/drawing/2010/main" val="0"/>
               </a:ext>
             </a:extLst>
           </a:blip>
@@ -9188,7 +9206,7 @@
     </p:spTree>
     <p:extLst>
       <p:ext uri="{BB962C8B-B14F-4D97-AF65-F5344CB8AC3E}">
-        <p14:creationId xmlns:p14="http://schemas.microsoft.com/office/powerpoint/2010/main" xmlns="" val="1071497059"/>
+        <p14:creationId xmlns="" xmlns:p14="http://schemas.microsoft.com/office/powerpoint/2010/main" val="1071497059"/>
       </p:ext>
     </p:extLst>
   </p:cSld>
@@ -9306,7 +9324,7 @@
           <p:cNvPr id="2" name="标题 1">
             <a:extLst>
               <a:ext uri="{FF2B5EF4-FFF2-40B4-BE49-F238E27FC236}">
-                <a16:creationId xmlns:a16="http://schemas.microsoft.com/office/drawing/2014/main" xmlns="" id="{FCD0B3A6-F68D-1E92-C281-AEDB26248FFD}"/>
+                <a16:creationId xmlns="" xmlns:a16="http://schemas.microsoft.com/office/drawing/2014/main" id="{FCD0B3A6-F68D-1E92-C281-AEDB26248FFD}"/>
               </a:ext>
             </a:extLst>
           </p:cNvPr>
@@ -9356,7 +9374,7 @@
           <p:cNvPr id="3" name="内容占位符 2">
             <a:extLst>
               <a:ext uri="{FF2B5EF4-FFF2-40B4-BE49-F238E27FC236}">
-                <a16:creationId xmlns:a16="http://schemas.microsoft.com/office/drawing/2014/main" xmlns="" id="{78485416-BC42-8064-E043-36117E18E39D}"/>
+                <a16:creationId xmlns="" xmlns:a16="http://schemas.microsoft.com/office/drawing/2014/main" id="{78485416-BC42-8064-E043-36117E18E39D}"/>
               </a:ext>
             </a:extLst>
           </p:cNvPr>
@@ -9392,7 +9410,7 @@
           <p:cNvPr id="11" name="图片 10">
             <a:extLst>
               <a:ext uri="{FF2B5EF4-FFF2-40B4-BE49-F238E27FC236}">
-                <a16:creationId xmlns:a16="http://schemas.microsoft.com/office/drawing/2014/main" xmlns="" id="{9773E204-33CE-964E-0098-1E0F62D66402}"/>
+                <a16:creationId xmlns="" xmlns:a16="http://schemas.microsoft.com/office/drawing/2014/main" id="{9773E204-33CE-964E-0098-1E0F62D66402}"/>
               </a:ext>
             </a:extLst>
           </p:cNvPr>
@@ -9405,7 +9423,7 @@
           <a:blip r:embed="rId2">
             <a:extLst>
               <a:ext uri="{28A0092B-C50C-407E-A947-70E740481C1C}">
-                <a14:useLocalDpi xmlns:a14="http://schemas.microsoft.com/office/drawing/2010/main" xmlns="" val="0"/>
+                <a14:useLocalDpi xmlns="" xmlns:a14="http://schemas.microsoft.com/office/drawing/2010/main" val="0"/>
               </a:ext>
             </a:extLst>
           </a:blip>
@@ -9426,7 +9444,7 @@
     </p:spTree>
     <p:extLst>
       <p:ext uri="{BB962C8B-B14F-4D97-AF65-F5344CB8AC3E}">
-        <p14:creationId xmlns:p14="http://schemas.microsoft.com/office/powerpoint/2010/main" xmlns="" val="2552742250"/>
+        <p14:creationId xmlns="" xmlns:p14="http://schemas.microsoft.com/office/powerpoint/2010/main" val="2552742250"/>
       </p:ext>
     </p:extLst>
   </p:cSld>
@@ -9544,7 +9562,7 @@
           <p:cNvPr id="2" name="标题 1">
             <a:extLst>
               <a:ext uri="{FF2B5EF4-FFF2-40B4-BE49-F238E27FC236}">
-                <a16:creationId xmlns:a16="http://schemas.microsoft.com/office/drawing/2014/main" xmlns="" id="{1C26FFD8-8C79-58A2-F8D7-E748D28C4407}"/>
+                <a16:creationId xmlns="" xmlns:a16="http://schemas.microsoft.com/office/drawing/2014/main" id="{1C26FFD8-8C79-58A2-F8D7-E748D28C4407}"/>
               </a:ext>
             </a:extLst>
           </p:cNvPr>
@@ -9585,7 +9603,7 @@
           <p:cNvPr id="3" name="内容占位符 2">
             <a:extLst>
               <a:ext uri="{FF2B5EF4-FFF2-40B4-BE49-F238E27FC236}">
-                <a16:creationId xmlns:a16="http://schemas.microsoft.com/office/drawing/2014/main" xmlns="" id="{41F1D2A7-5294-7557-9EB3-8D491A63F4EB}"/>
+                <a16:creationId xmlns="" xmlns:a16="http://schemas.microsoft.com/office/drawing/2014/main" id="{41F1D2A7-5294-7557-9EB3-8D491A63F4EB}"/>
               </a:ext>
             </a:extLst>
           </p:cNvPr>
@@ -9625,7 +9643,7 @@
           <p:cNvPr id="4" name="内容占位符 2">
             <a:extLst>
               <a:ext uri="{FF2B5EF4-FFF2-40B4-BE49-F238E27FC236}">
-                <a16:creationId xmlns:a16="http://schemas.microsoft.com/office/drawing/2014/main" xmlns="" id="{4FF7128B-6B50-FCD4-9C75-80B7963E49CE}"/>
+                <a16:creationId xmlns="" xmlns:a16="http://schemas.microsoft.com/office/drawing/2014/main" id="{4FF7128B-6B50-FCD4-9C75-80B7963E49CE}"/>
               </a:ext>
             </a:extLst>
           </p:cNvPr>
@@ -9869,7 +9887,7 @@
           <p:cNvPr id="6" name="内容占位符 2">
             <a:extLst>
               <a:ext uri="{FF2B5EF4-FFF2-40B4-BE49-F238E27FC236}">
-                <a16:creationId xmlns:a16="http://schemas.microsoft.com/office/drawing/2014/main" xmlns="" id="{F12022C7-B80B-2281-9B7A-0C3246F09551}"/>
+                <a16:creationId xmlns="" xmlns:a16="http://schemas.microsoft.com/office/drawing/2014/main" id="{F12022C7-B80B-2281-9B7A-0C3246F09551}"/>
               </a:ext>
             </a:extLst>
           </p:cNvPr>
@@ -10068,7 +10086,7 @@
           <p:cNvPr id="8" name="内容占位符 2">
             <a:extLst>
               <a:ext uri="{FF2B5EF4-FFF2-40B4-BE49-F238E27FC236}">
-                <a16:creationId xmlns:a16="http://schemas.microsoft.com/office/drawing/2014/main" xmlns="" id="{764F7FE3-0392-CCF7-AAD7-C83EF28C73C9}"/>
+                <a16:creationId xmlns="" xmlns:a16="http://schemas.microsoft.com/office/drawing/2014/main" id="{764F7FE3-0392-CCF7-AAD7-C83EF28C73C9}"/>
               </a:ext>
             </a:extLst>
           </p:cNvPr>
@@ -10265,7 +10283,7 @@
     </p:spTree>
     <p:extLst>
       <p:ext uri="{BB962C8B-B14F-4D97-AF65-F5344CB8AC3E}">
-        <p14:creationId xmlns:p14="http://schemas.microsoft.com/office/powerpoint/2010/main" xmlns="" val="244496848"/>
+        <p14:creationId xmlns="" xmlns:p14="http://schemas.microsoft.com/office/powerpoint/2010/main" val="244496848"/>
       </p:ext>
     </p:extLst>
   </p:cSld>
@@ -10516,7 +10534,7 @@
           <p:cNvPr id="5" name="内容占位符 4">
             <a:extLst>
               <a:ext uri="{FF2B5EF4-FFF2-40B4-BE49-F238E27FC236}">
-                <a16:creationId xmlns:a16="http://schemas.microsoft.com/office/drawing/2014/main" xmlns="" id="{A72F22B4-E4AA-DED2-4FE8-84589D8E0072}"/>
+                <a16:creationId xmlns="" xmlns:a16="http://schemas.microsoft.com/office/drawing/2014/main" id="{A72F22B4-E4AA-DED2-4FE8-84589D8E0072}"/>
               </a:ext>
             </a:extLst>
           </p:cNvPr>
@@ -10531,7 +10549,7 @@
           <a:blip r:embed="rId2">
             <a:extLst>
               <a:ext uri="{28A0092B-C50C-407E-A947-70E740481C1C}">
-                <a14:useLocalDpi xmlns:a14="http://schemas.microsoft.com/office/drawing/2010/main" xmlns="" val="0"/>
+                <a14:useLocalDpi xmlns="" xmlns:a14="http://schemas.microsoft.com/office/drawing/2010/main" val="0"/>
               </a:ext>
             </a:extLst>
           </a:blip>
@@ -10552,7 +10570,7 @@
           <p:cNvPr id="8" name="文本框 7">
             <a:extLst>
               <a:ext uri="{FF2B5EF4-FFF2-40B4-BE49-F238E27FC236}">
-                <a16:creationId xmlns:a16="http://schemas.microsoft.com/office/drawing/2014/main" xmlns="" id="{848B05F5-64E6-7B36-6AD3-7E4F7830C95F}"/>
+                <a16:creationId xmlns="" xmlns:a16="http://schemas.microsoft.com/office/drawing/2014/main" id="{848B05F5-64E6-7B36-6AD3-7E4F7830C95F}"/>
               </a:ext>
             </a:extLst>
           </p:cNvPr>
@@ -10604,7 +10622,7 @@
     </p:spTree>
     <p:extLst>
       <p:ext uri="{BB962C8B-B14F-4D97-AF65-F5344CB8AC3E}">
-        <p14:creationId xmlns:p14="http://schemas.microsoft.com/office/powerpoint/2010/main" xmlns="" val="4200007885"/>
+        <p14:creationId xmlns="" xmlns:p14="http://schemas.microsoft.com/office/powerpoint/2010/main" val="4200007885"/>
       </p:ext>
     </p:extLst>
   </p:cSld>
@@ -10760,7 +10778,7 @@
           <p:cNvPr id="2" name="标题 1">
             <a:extLst>
               <a:ext uri="{FF2B5EF4-FFF2-40B4-BE49-F238E27FC236}">
-                <a16:creationId xmlns:a16="http://schemas.microsoft.com/office/drawing/2014/main" xmlns="" id="{B3F13335-104A-015E-3032-EACBD2BEBA00}"/>
+                <a16:creationId xmlns="" xmlns:a16="http://schemas.microsoft.com/office/drawing/2014/main" id="{B3F13335-104A-015E-3032-EACBD2BEBA00}"/>
               </a:ext>
             </a:extLst>
           </p:cNvPr>
@@ -10794,7 +10812,7 @@
           <p:cNvPr id="5" name="内容占位符 4">
             <a:extLst>
               <a:ext uri="{FF2B5EF4-FFF2-40B4-BE49-F238E27FC236}">
-                <a16:creationId xmlns:a16="http://schemas.microsoft.com/office/drawing/2014/main" xmlns="" id="{37CA7186-F461-8768-6AB0-EDB502334978}"/>
+                <a16:creationId xmlns="" xmlns:a16="http://schemas.microsoft.com/office/drawing/2014/main" id="{37CA7186-F461-8768-6AB0-EDB502334978}"/>
               </a:ext>
             </a:extLst>
           </p:cNvPr>
@@ -10809,7 +10827,7 @@
           <a:blip r:embed="rId2" cstate="print">
             <a:extLst>
               <a:ext uri="{28A0092B-C50C-407E-A947-70E740481C1C}">
-                <a14:useLocalDpi xmlns:a14="http://schemas.microsoft.com/office/drawing/2010/main" xmlns="" val="0"/>
+                <a14:useLocalDpi xmlns="" xmlns:a14="http://schemas.microsoft.com/office/drawing/2010/main" val="0"/>
               </a:ext>
             </a:extLst>
           </a:blip>
@@ -10849,7 +10867,7 @@
           <p:cNvPr id="6" name="标题 1">
             <a:extLst>
               <a:ext uri="{FF2B5EF4-FFF2-40B4-BE49-F238E27FC236}">
-                <a16:creationId xmlns:a16="http://schemas.microsoft.com/office/drawing/2014/main" xmlns="" id="{C81291C8-DC21-C98A-E80F-705776E3EB74}"/>
+                <a16:creationId xmlns="" xmlns:a16="http://schemas.microsoft.com/office/drawing/2014/main" id="{C81291C8-DC21-C98A-E80F-705776E3EB74}"/>
               </a:ext>
             </a:extLst>
           </p:cNvPr>
@@ -10939,7 +10957,7 @@
           <p:cNvPr id="7" name="文本框 6">
             <a:extLst>
               <a:ext uri="{FF2B5EF4-FFF2-40B4-BE49-F238E27FC236}">
-                <a16:creationId xmlns:a16="http://schemas.microsoft.com/office/drawing/2014/main" xmlns="" id="{5A115FD7-B5F6-D919-5860-BD9C52F64019}"/>
+                <a16:creationId xmlns="" xmlns:a16="http://schemas.microsoft.com/office/drawing/2014/main" id="{5A115FD7-B5F6-D919-5860-BD9C52F64019}"/>
               </a:ext>
             </a:extLst>
           </p:cNvPr>
@@ -10994,7 +11012,7 @@
     </p:spTree>
     <p:extLst>
       <p:ext uri="{BB962C8B-B14F-4D97-AF65-F5344CB8AC3E}">
-        <p14:creationId xmlns:p14="http://schemas.microsoft.com/office/powerpoint/2010/main" xmlns="" val="1039722178"/>
+        <p14:creationId xmlns="" xmlns:p14="http://schemas.microsoft.com/office/powerpoint/2010/main" val="1039722178"/>
       </p:ext>
     </p:extLst>
   </p:cSld>
@@ -11578,7 +11596,7 @@
   <a:extraClrSchemeLst/>
   <a:extLst>
     <a:ext uri="{05A4C25C-085E-4340-85A3-A5531E510DB2}">
-      <thm15:themeFamily xmlns:thm15="http://schemas.microsoft.com/office/thememl/2012/main" xmlns="" name="Vapor Trail" id="{4FDF2955-7D9C-493C-B9F9-C205151B46CD}" vid="{8F31A783-2159-4870-BC29-2BA7D038EA44}"/>
+      <thm15:themeFamily xmlns="" xmlns:thm15="http://schemas.microsoft.com/office/thememl/2012/main" name="Vapor Trail" id="{4FDF2955-7D9C-493C-B9F9-C205151B46CD}" vid="{8F31A783-2159-4870-BC29-2BA7D038EA44}"/>
     </a:ext>
   </a:extLst>
 </a:theme>

--- a/document/Presentation Password Generator.pptx
+++ b/document/Presentation Password Generator.pptx
@@ -21,6 +21,7 @@
     <p:sldId id="267" r:id="rId15"/>
     <p:sldId id="268" r:id="rId16"/>
     <p:sldId id="269" r:id="rId17"/>
+    <p:sldId id="272" r:id="rId18"/>
   </p:sldIdLst>
   <p:sldSz cx="12192000" cy="6858000"/>
   <p:notesSz cx="6858000" cy="9144000"/>
@@ -121,7 +122,7 @@
   </p:defaultTextStyle>
   <p:extLst>
     <p:ext uri="{EFAFB233-063F-42B5-8137-9DF3F51BA10A}">
-      <p15:sldGuideLst xmlns="" xmlns:p15="http://schemas.microsoft.com/office/powerpoint/2012/main">
+      <p15:sldGuideLst xmlns:p15="http://schemas.microsoft.com/office/powerpoint/2012/main" xmlns="">
         <p15:guide id="1" orient="horz" pos="2160">
           <p15:clr>
             <a:srgbClr val="A4A3A4"/>
@@ -167,7 +168,7 @@
           <a:blip r:embed="rId2">
             <a:extLst>
               <a:ext uri="{28A0092B-C50C-407E-A947-70E740481C1C}">
-                <a14:useLocalDpi xmlns="" xmlns:a14="http://schemas.microsoft.com/office/drawing/2010/main" val="0"/>
+                <a14:useLocalDpi xmlns:a14="http://schemas.microsoft.com/office/drawing/2010/main" xmlns="" val="0"/>
               </a:ext>
             </a:extLst>
           </a:blip>
@@ -309,7 +310,7 @@
             <a:fld id="{F1FEB44C-43DA-42AA-B9E9-395B842E5567}" type="datetimeFigureOut">
               <a:rPr lang="en-NZ" smtClean="0"/>
               <a:pPr/>
-              <a:t>26/09/2022</a:t>
+              <a:t>27/09/2022</a:t>
             </a:fld>
             <a:endParaRPr lang="en-NZ"/>
           </a:p>
@@ -371,7 +372,7 @@
     </p:spTree>
     <p:extLst>
       <p:ext uri="{BB962C8B-B14F-4D97-AF65-F5344CB8AC3E}">
-        <p14:creationId xmlns="" xmlns:p14="http://schemas.microsoft.com/office/powerpoint/2010/main" val="3646990326"/>
+        <p14:creationId xmlns:p14="http://schemas.microsoft.com/office/powerpoint/2010/main" xmlns="" val="3646990326"/>
       </p:ext>
     </p:extLst>
   </p:cSld>
@@ -581,7 +582,7 @@
             <a:fld id="{F1FEB44C-43DA-42AA-B9E9-395B842E5567}" type="datetimeFigureOut">
               <a:rPr lang="en-NZ" smtClean="0"/>
               <a:pPr/>
-              <a:t>26/09/2022</a:t>
+              <a:t>27/09/2022</a:t>
             </a:fld>
             <a:endParaRPr lang="en-NZ"/>
           </a:p>
@@ -633,7 +634,7 @@
     </p:spTree>
     <p:extLst>
       <p:ext uri="{BB962C8B-B14F-4D97-AF65-F5344CB8AC3E}">
-        <p14:creationId xmlns="" xmlns:p14="http://schemas.microsoft.com/office/powerpoint/2010/main" val="71176386"/>
+        <p14:creationId xmlns:p14="http://schemas.microsoft.com/office/powerpoint/2010/main" xmlns="" val="71176386"/>
       </p:ext>
     </p:extLst>
   </p:cSld>
@@ -675,7 +676,7 @@
           <a:blip r:embed="rId2">
             <a:extLst>
               <a:ext uri="{28A0092B-C50C-407E-A947-70E740481C1C}">
-                <a14:useLocalDpi xmlns="" xmlns:a14="http://schemas.microsoft.com/office/drawing/2010/main" val="0"/>
+                <a14:useLocalDpi xmlns:a14="http://schemas.microsoft.com/office/drawing/2010/main" xmlns="" val="0"/>
               </a:ext>
             </a:extLst>
           </a:blip>
@@ -817,7 +818,7 @@
             <a:fld id="{F1FEB44C-43DA-42AA-B9E9-395B842E5567}" type="datetimeFigureOut">
               <a:rPr lang="en-NZ" smtClean="0"/>
               <a:pPr/>
-              <a:t>26/09/2022</a:t>
+              <a:t>27/09/2022</a:t>
             </a:fld>
             <a:endParaRPr lang="en-NZ"/>
           </a:p>
@@ -879,7 +880,7 @@
     </p:spTree>
     <p:extLst>
       <p:ext uri="{BB962C8B-B14F-4D97-AF65-F5344CB8AC3E}">
-        <p14:creationId xmlns="" xmlns:p14="http://schemas.microsoft.com/office/powerpoint/2010/main" val="1798571661"/>
+        <p14:creationId xmlns:p14="http://schemas.microsoft.com/office/powerpoint/2010/main" xmlns="" val="1798571661"/>
       </p:ext>
     </p:extLst>
   </p:cSld>
@@ -921,7 +922,7 @@
           <a:blip r:embed="rId2">
             <a:extLst>
               <a:ext uri="{28A0092B-C50C-407E-A947-70E740481C1C}">
-                <a14:useLocalDpi xmlns="" xmlns:a14="http://schemas.microsoft.com/office/drawing/2010/main" val="0"/>
+                <a14:useLocalDpi xmlns:a14="http://schemas.microsoft.com/office/drawing/2010/main" xmlns="" val="0"/>
               </a:ext>
             </a:extLst>
           </a:blip>
@@ -1132,7 +1133,7 @@
             <a:fld id="{F1FEB44C-43DA-42AA-B9E9-395B842E5567}" type="datetimeFigureOut">
               <a:rPr lang="en-NZ" smtClean="0"/>
               <a:pPr/>
-              <a:t>26/09/2022</a:t>
+              <a:t>27/09/2022</a:t>
             </a:fld>
             <a:endParaRPr lang="en-NZ"/>
           </a:p>
@@ -1426,7 +1427,7 @@
     </p:spTree>
     <p:extLst>
       <p:ext uri="{BB962C8B-B14F-4D97-AF65-F5344CB8AC3E}">
-        <p14:creationId xmlns="" xmlns:p14="http://schemas.microsoft.com/office/powerpoint/2010/main" val="2241860457"/>
+        <p14:creationId xmlns:p14="http://schemas.microsoft.com/office/powerpoint/2010/main" xmlns="" val="2241860457"/>
       </p:ext>
     </p:extLst>
   </p:cSld>
@@ -1468,7 +1469,7 @@
           <a:blip r:embed="rId2">
             <a:extLst>
               <a:ext uri="{28A0092B-C50C-407E-A947-70E740481C1C}">
-                <a14:useLocalDpi xmlns="" xmlns:a14="http://schemas.microsoft.com/office/drawing/2010/main" val="0"/>
+                <a14:useLocalDpi xmlns:a14="http://schemas.microsoft.com/office/drawing/2010/main" xmlns="" val="0"/>
               </a:ext>
             </a:extLst>
           </a:blip>
@@ -1610,7 +1611,7 @@
             <a:fld id="{F1FEB44C-43DA-42AA-B9E9-395B842E5567}" type="datetimeFigureOut">
               <a:rPr lang="en-NZ" smtClean="0"/>
               <a:pPr/>
-              <a:t>26/09/2022</a:t>
+              <a:t>27/09/2022</a:t>
             </a:fld>
             <a:endParaRPr lang="en-NZ"/>
           </a:p>
@@ -1672,7 +1673,7 @@
     </p:spTree>
     <p:extLst>
       <p:ext uri="{BB962C8B-B14F-4D97-AF65-F5344CB8AC3E}">
-        <p14:creationId xmlns="" xmlns:p14="http://schemas.microsoft.com/office/powerpoint/2010/main" val="3785431333"/>
+        <p14:creationId xmlns:p14="http://schemas.microsoft.com/office/powerpoint/2010/main" xmlns="" val="3785431333"/>
       </p:ext>
     </p:extLst>
   </p:cSld>
@@ -2162,7 +2163,7 @@
             <a:fld id="{F1FEB44C-43DA-42AA-B9E9-395B842E5567}" type="datetimeFigureOut">
               <a:rPr lang="en-NZ" smtClean="0"/>
               <a:pPr/>
-              <a:t>26/09/2022</a:t>
+              <a:t>27/09/2022</a:t>
             </a:fld>
             <a:endParaRPr lang="en-NZ"/>
           </a:p>
@@ -2214,7 +2215,7 @@
     </p:spTree>
     <p:extLst>
       <p:ext uri="{BB962C8B-B14F-4D97-AF65-F5344CB8AC3E}">
-        <p14:creationId xmlns="" xmlns:p14="http://schemas.microsoft.com/office/powerpoint/2010/main" val="3188093362"/>
+        <p14:creationId xmlns:p14="http://schemas.microsoft.com/office/powerpoint/2010/main" xmlns="" val="3188093362"/>
       </p:ext>
     </p:extLst>
   </p:cSld>
@@ -2941,7 +2942,7 @@
             <a:fld id="{F1FEB44C-43DA-42AA-B9E9-395B842E5567}" type="datetimeFigureOut">
               <a:rPr lang="en-NZ" smtClean="0"/>
               <a:pPr/>
-              <a:t>26/09/2022</a:t>
+              <a:t>27/09/2022</a:t>
             </a:fld>
             <a:endParaRPr lang="en-NZ"/>
           </a:p>
@@ -2993,7 +2994,7 @@
     </p:spTree>
     <p:extLst>
       <p:ext uri="{BB962C8B-B14F-4D97-AF65-F5344CB8AC3E}">
-        <p14:creationId xmlns="" xmlns:p14="http://schemas.microsoft.com/office/powerpoint/2010/main" val="1247721429"/>
+        <p14:creationId xmlns:p14="http://schemas.microsoft.com/office/powerpoint/2010/main" xmlns="" val="1247721429"/>
       </p:ext>
     </p:extLst>
   </p:cSld>
@@ -3121,7 +3122,7 @@
             <a:fld id="{F1FEB44C-43DA-42AA-B9E9-395B842E5567}" type="datetimeFigureOut">
               <a:rPr lang="en-NZ" smtClean="0"/>
               <a:pPr/>
-              <a:t>26/09/2022</a:t>
+              <a:t>27/09/2022</a:t>
             </a:fld>
             <a:endParaRPr lang="en-NZ"/>
           </a:p>
@@ -3173,7 +3174,7 @@
     </p:spTree>
     <p:extLst>
       <p:ext uri="{BB962C8B-B14F-4D97-AF65-F5344CB8AC3E}">
-        <p14:creationId xmlns="" xmlns:p14="http://schemas.microsoft.com/office/powerpoint/2010/main" val="1314504317"/>
+        <p14:creationId xmlns:p14="http://schemas.microsoft.com/office/powerpoint/2010/main" xmlns="" val="1314504317"/>
       </p:ext>
     </p:extLst>
   </p:cSld>
@@ -3215,7 +3216,7 @@
           <a:blip r:embed="rId2">
             <a:extLst>
               <a:ext uri="{28A0092B-C50C-407E-A947-70E740481C1C}">
-                <a14:useLocalDpi xmlns="" xmlns:a14="http://schemas.microsoft.com/office/drawing/2010/main" val="0"/>
+                <a14:useLocalDpi xmlns:a14="http://schemas.microsoft.com/office/drawing/2010/main" xmlns="" val="0"/>
               </a:ext>
             </a:extLst>
           </a:blip>
@@ -3349,7 +3350,7 @@
             <a:fld id="{F1FEB44C-43DA-42AA-B9E9-395B842E5567}" type="datetimeFigureOut">
               <a:rPr lang="en-NZ" smtClean="0"/>
               <a:pPr/>
-              <a:t>26/09/2022</a:t>
+              <a:t>27/09/2022</a:t>
             </a:fld>
             <a:endParaRPr lang="en-NZ"/>
           </a:p>
@@ -3411,7 +3412,7 @@
     </p:spTree>
     <p:extLst>
       <p:ext uri="{BB962C8B-B14F-4D97-AF65-F5344CB8AC3E}">
-        <p14:creationId xmlns="" xmlns:p14="http://schemas.microsoft.com/office/powerpoint/2010/main" val="3268017753"/>
+        <p14:creationId xmlns:p14="http://schemas.microsoft.com/office/powerpoint/2010/main" xmlns="" val="3268017753"/>
       </p:ext>
     </p:extLst>
   </p:cSld>
@@ -3534,7 +3535,7 @@
             <a:fld id="{F1FEB44C-43DA-42AA-B9E9-395B842E5567}" type="datetimeFigureOut">
               <a:rPr lang="en-NZ" smtClean="0"/>
               <a:pPr/>
-              <a:t>26/09/2022</a:t>
+              <a:t>27/09/2022</a:t>
             </a:fld>
             <a:endParaRPr lang="en-NZ"/>
           </a:p>
@@ -3586,7 +3587,7 @@
     </p:spTree>
     <p:extLst>
       <p:ext uri="{BB962C8B-B14F-4D97-AF65-F5344CB8AC3E}">
-        <p14:creationId xmlns="" xmlns:p14="http://schemas.microsoft.com/office/powerpoint/2010/main" val="900410543"/>
+        <p14:creationId xmlns:p14="http://schemas.microsoft.com/office/powerpoint/2010/main" xmlns="" val="900410543"/>
       </p:ext>
     </p:extLst>
   </p:cSld>
@@ -3628,7 +3629,7 @@
           <a:blip r:embed="rId2">
             <a:extLst>
               <a:ext uri="{28A0092B-C50C-407E-A947-70E740481C1C}">
-                <a14:useLocalDpi xmlns="" xmlns:a14="http://schemas.microsoft.com/office/drawing/2010/main" val="0"/>
+                <a14:useLocalDpi xmlns:a14="http://schemas.microsoft.com/office/drawing/2010/main" xmlns="" val="0"/>
               </a:ext>
             </a:extLst>
           </a:blip>
@@ -3828,7 +3829,7 @@
             <a:fld id="{F1FEB44C-43DA-42AA-B9E9-395B842E5567}" type="datetimeFigureOut">
               <a:rPr lang="en-NZ" smtClean="0"/>
               <a:pPr/>
-              <a:t>26/09/2022</a:t>
+              <a:t>27/09/2022</a:t>
             </a:fld>
             <a:endParaRPr lang="en-NZ"/>
           </a:p>
@@ -3890,7 +3891,7 @@
     </p:spTree>
     <p:extLst>
       <p:ext uri="{BB962C8B-B14F-4D97-AF65-F5344CB8AC3E}">
-        <p14:creationId xmlns="" xmlns:p14="http://schemas.microsoft.com/office/powerpoint/2010/main" val="2811421413"/>
+        <p14:creationId xmlns:p14="http://schemas.microsoft.com/office/powerpoint/2010/main" xmlns="" val="2811421413"/>
       </p:ext>
     </p:extLst>
   </p:cSld>
@@ -4075,7 +4076,7 @@
             <a:fld id="{F1FEB44C-43DA-42AA-B9E9-395B842E5567}" type="datetimeFigureOut">
               <a:rPr lang="en-NZ" smtClean="0"/>
               <a:pPr/>
-              <a:t>26/09/2022</a:t>
+              <a:t>27/09/2022</a:t>
             </a:fld>
             <a:endParaRPr lang="en-NZ"/>
           </a:p>
@@ -4127,7 +4128,7 @@
     </p:spTree>
     <p:extLst>
       <p:ext uri="{BB962C8B-B14F-4D97-AF65-F5344CB8AC3E}">
-        <p14:creationId xmlns="" xmlns:p14="http://schemas.microsoft.com/office/powerpoint/2010/main" val="2818974999"/>
+        <p14:creationId xmlns:p14="http://schemas.microsoft.com/office/powerpoint/2010/main" xmlns="" val="2818974999"/>
       </p:ext>
     </p:extLst>
   </p:cSld>
@@ -4459,7 +4460,7 @@
             <a:fld id="{F1FEB44C-43DA-42AA-B9E9-395B842E5567}" type="datetimeFigureOut">
               <a:rPr lang="en-NZ" smtClean="0"/>
               <a:pPr/>
-              <a:t>26/09/2022</a:t>
+              <a:t>27/09/2022</a:t>
             </a:fld>
             <a:endParaRPr lang="en-NZ"/>
           </a:p>
@@ -4511,7 +4512,7 @@
     </p:spTree>
     <p:extLst>
       <p:ext uri="{BB962C8B-B14F-4D97-AF65-F5344CB8AC3E}">
-        <p14:creationId xmlns="" xmlns:p14="http://schemas.microsoft.com/office/powerpoint/2010/main" val="3602584676"/>
+        <p14:creationId xmlns:p14="http://schemas.microsoft.com/office/powerpoint/2010/main" xmlns="" val="3602584676"/>
       </p:ext>
     </p:extLst>
   </p:cSld>
@@ -4582,7 +4583,7 @@
             <a:fld id="{F1FEB44C-43DA-42AA-B9E9-395B842E5567}" type="datetimeFigureOut">
               <a:rPr lang="en-NZ" smtClean="0"/>
               <a:pPr/>
-              <a:t>26/09/2022</a:t>
+              <a:t>27/09/2022</a:t>
             </a:fld>
             <a:endParaRPr lang="en-NZ"/>
           </a:p>
@@ -4634,7 +4635,7 @@
     </p:spTree>
     <p:extLst>
       <p:ext uri="{BB962C8B-B14F-4D97-AF65-F5344CB8AC3E}">
-        <p14:creationId xmlns="" xmlns:p14="http://schemas.microsoft.com/office/powerpoint/2010/main" val="3525800094"/>
+        <p14:creationId xmlns:p14="http://schemas.microsoft.com/office/powerpoint/2010/main" xmlns="" val="3525800094"/>
       </p:ext>
     </p:extLst>
   </p:cSld>
@@ -4682,7 +4683,7 @@
             <a:fld id="{F1FEB44C-43DA-42AA-B9E9-395B842E5567}" type="datetimeFigureOut">
               <a:rPr lang="en-NZ" smtClean="0"/>
               <a:pPr/>
-              <a:t>26/09/2022</a:t>
+              <a:t>27/09/2022</a:t>
             </a:fld>
             <a:endParaRPr lang="en-NZ"/>
           </a:p>
@@ -4734,7 +4735,7 @@
     </p:spTree>
     <p:extLst>
       <p:ext uri="{BB962C8B-B14F-4D97-AF65-F5344CB8AC3E}">
-        <p14:creationId xmlns="" xmlns:p14="http://schemas.microsoft.com/office/powerpoint/2010/main" val="900002222"/>
+        <p14:creationId xmlns:p14="http://schemas.microsoft.com/office/powerpoint/2010/main" xmlns="" val="900002222"/>
       </p:ext>
     </p:extLst>
   </p:cSld>
@@ -4936,7 +4937,7 @@
             <a:fld id="{F1FEB44C-43DA-42AA-B9E9-395B842E5567}" type="datetimeFigureOut">
               <a:rPr lang="en-NZ" smtClean="0"/>
               <a:pPr/>
-              <a:t>26/09/2022</a:t>
+              <a:t>27/09/2022</a:t>
             </a:fld>
             <a:endParaRPr lang="en-NZ"/>
           </a:p>
@@ -4988,7 +4989,7 @@
     </p:spTree>
     <p:extLst>
       <p:ext uri="{BB962C8B-B14F-4D97-AF65-F5344CB8AC3E}">
-        <p14:creationId xmlns="" xmlns:p14="http://schemas.microsoft.com/office/powerpoint/2010/main" val="1979681908"/>
+        <p14:creationId xmlns:p14="http://schemas.microsoft.com/office/powerpoint/2010/main" xmlns="" val="1979681908"/>
       </p:ext>
     </p:extLst>
   </p:cSld>
@@ -5198,7 +5199,7 @@
             <a:fld id="{F1FEB44C-43DA-42AA-B9E9-395B842E5567}" type="datetimeFigureOut">
               <a:rPr lang="en-NZ" smtClean="0"/>
               <a:pPr/>
-              <a:t>26/09/2022</a:t>
+              <a:t>27/09/2022</a:t>
             </a:fld>
             <a:endParaRPr lang="en-NZ"/>
           </a:p>
@@ -5250,7 +5251,7 @@
     </p:spTree>
     <p:extLst>
       <p:ext uri="{BB962C8B-B14F-4D97-AF65-F5344CB8AC3E}">
-        <p14:creationId xmlns="" xmlns:p14="http://schemas.microsoft.com/office/powerpoint/2010/main" val="3490336120"/>
+        <p14:creationId xmlns:p14="http://schemas.microsoft.com/office/powerpoint/2010/main" xmlns="" val="3490336120"/>
       </p:ext>
     </p:extLst>
   </p:cSld>
@@ -5297,7 +5298,7 @@
           <a:blip r:embed="rId19">
             <a:extLst>
               <a:ext uri="{28A0092B-C50C-407E-A947-70E740481C1C}">
-                <a14:useLocalDpi xmlns="" xmlns:a14="http://schemas.microsoft.com/office/drawing/2010/main" val="0"/>
+                <a14:useLocalDpi xmlns:a14="http://schemas.microsoft.com/office/drawing/2010/main" xmlns="" val="0"/>
               </a:ext>
             </a:extLst>
           </a:blip>
@@ -5446,7 +5447,7 @@
             <a:fld id="{F1FEB44C-43DA-42AA-B9E9-395B842E5567}" type="datetimeFigureOut">
               <a:rPr lang="en-NZ" smtClean="0"/>
               <a:pPr/>
-              <a:t>26/09/2022</a:t>
+              <a:t>27/09/2022</a:t>
             </a:fld>
             <a:endParaRPr lang="en-NZ"/>
           </a:p>
@@ -5534,7 +5535,7 @@
     </p:spTree>
     <p:extLst>
       <p:ext uri="{BB962C8B-B14F-4D97-AF65-F5344CB8AC3E}">
-        <p14:creationId xmlns="" xmlns:p14="http://schemas.microsoft.com/office/powerpoint/2010/main" val="475220722"/>
+        <p14:creationId xmlns:p14="http://schemas.microsoft.com/office/powerpoint/2010/main" xmlns="" val="475220722"/>
       </p:ext>
     </p:extLst>
   </p:cSld>
@@ -5988,7 +5989,7 @@
           <p:cNvPr id="2" name="标题 1">
             <a:extLst>
               <a:ext uri="{FF2B5EF4-FFF2-40B4-BE49-F238E27FC236}">
-                <a16:creationId xmlns="" xmlns:a16="http://schemas.microsoft.com/office/drawing/2014/main" id="{03477B6E-72BF-255C-BEB8-DAC7203DD43E}"/>
+                <a16:creationId xmlns:a16="http://schemas.microsoft.com/office/drawing/2014/main" xmlns="" id="{03477B6E-72BF-255C-BEB8-DAC7203DD43E}"/>
               </a:ext>
             </a:extLst>
           </p:cNvPr>
@@ -6022,7 +6023,7 @@
           <p:cNvPr id="3" name="内容占位符 2">
             <a:extLst>
               <a:ext uri="{FF2B5EF4-FFF2-40B4-BE49-F238E27FC236}">
-                <a16:creationId xmlns="" xmlns:a16="http://schemas.microsoft.com/office/drawing/2014/main" id="{B5BDCBB6-C660-4E0C-04B9-8784DABF995E}"/>
+                <a16:creationId xmlns:a16="http://schemas.microsoft.com/office/drawing/2014/main" xmlns="" id="{B5BDCBB6-C660-4E0C-04B9-8784DABF995E}"/>
               </a:ext>
             </a:extLst>
           </p:cNvPr>
@@ -6119,7 +6120,7 @@
     </p:spTree>
     <p:extLst>
       <p:ext uri="{BB962C8B-B14F-4D97-AF65-F5344CB8AC3E}">
-        <p14:creationId xmlns="" xmlns:p14="http://schemas.microsoft.com/office/powerpoint/2010/main" val="1522651155"/>
+        <p14:creationId xmlns:p14="http://schemas.microsoft.com/office/powerpoint/2010/main" xmlns="" val="1522651155"/>
       </p:ext>
     </p:extLst>
   </p:cSld>
@@ -6420,7 +6421,7 @@
           <p:cNvPr id="2" name="标题 1">
             <a:extLst>
               <a:ext uri="{FF2B5EF4-FFF2-40B4-BE49-F238E27FC236}">
-                <a16:creationId xmlns="" xmlns:a16="http://schemas.microsoft.com/office/drawing/2014/main" id="{594441FE-9332-F0E4-7AE1-3123F39EBF02}"/>
+                <a16:creationId xmlns:a16="http://schemas.microsoft.com/office/drawing/2014/main" xmlns="" id="{594441FE-9332-F0E4-7AE1-3123F39EBF02}"/>
               </a:ext>
             </a:extLst>
           </p:cNvPr>
@@ -6454,7 +6455,7 @@
           <p:cNvPr id="3" name="内容占位符 2">
             <a:extLst>
               <a:ext uri="{FF2B5EF4-FFF2-40B4-BE49-F238E27FC236}">
-                <a16:creationId xmlns="" xmlns:a16="http://schemas.microsoft.com/office/drawing/2014/main" id="{C1BFAA36-BAFA-2A56-98AB-CC6300CECA0C}"/>
+                <a16:creationId xmlns:a16="http://schemas.microsoft.com/office/drawing/2014/main" xmlns="" id="{C1BFAA36-BAFA-2A56-98AB-CC6300CECA0C}"/>
               </a:ext>
             </a:extLst>
           </p:cNvPr>
@@ -6603,7 +6604,7 @@
           <p:cNvPr id="5" name="文本框 4">
             <a:extLst>
               <a:ext uri="{FF2B5EF4-FFF2-40B4-BE49-F238E27FC236}">
-                <a16:creationId xmlns="" xmlns:a16="http://schemas.microsoft.com/office/drawing/2014/main" id="{D233536E-5C4E-5A22-114B-E507F99608AF}"/>
+                <a16:creationId xmlns:a16="http://schemas.microsoft.com/office/drawing/2014/main" xmlns="" id="{D233536E-5C4E-5A22-114B-E507F99608AF}"/>
               </a:ext>
             </a:extLst>
           </p:cNvPr>
@@ -6770,7 +6771,7 @@
           <p:cNvPr id="6" name="文本框 5">
             <a:extLst>
               <a:ext uri="{FF2B5EF4-FFF2-40B4-BE49-F238E27FC236}">
-                <a16:creationId xmlns="" xmlns:a16="http://schemas.microsoft.com/office/drawing/2014/main" id="{4432D91B-110E-9A16-F8F5-9DE69295486D}"/>
+                <a16:creationId xmlns:a16="http://schemas.microsoft.com/office/drawing/2014/main" xmlns="" id="{4432D91B-110E-9A16-F8F5-9DE69295486D}"/>
               </a:ext>
             </a:extLst>
           </p:cNvPr>
@@ -6833,7 +6834,7 @@
     </p:spTree>
     <p:extLst>
       <p:ext uri="{BB962C8B-B14F-4D97-AF65-F5344CB8AC3E}">
-        <p14:creationId xmlns="" xmlns:p14="http://schemas.microsoft.com/office/powerpoint/2010/main" val="2361374323"/>
+        <p14:creationId xmlns:p14="http://schemas.microsoft.com/office/powerpoint/2010/main" xmlns="" val="2361374323"/>
       </p:ext>
     </p:extLst>
   </p:cSld>
@@ -6875,7 +6876,7 @@
           <p:cNvPr id="2" name="标题 1">
             <a:extLst>
               <a:ext uri="{FF2B5EF4-FFF2-40B4-BE49-F238E27FC236}">
-                <a16:creationId xmlns="" xmlns:a16="http://schemas.microsoft.com/office/drawing/2014/main" id="{083AE34A-2EE8-6BAE-70F0-3E8DBE525781}"/>
+                <a16:creationId xmlns:a16="http://schemas.microsoft.com/office/drawing/2014/main" xmlns="" id="{083AE34A-2EE8-6BAE-70F0-3E8DBE525781}"/>
               </a:ext>
             </a:extLst>
           </p:cNvPr>
@@ -6909,7 +6910,7 @@
           <p:cNvPr id="3" name="内容占位符 2">
             <a:extLst>
               <a:ext uri="{FF2B5EF4-FFF2-40B4-BE49-F238E27FC236}">
-                <a16:creationId xmlns="" xmlns:a16="http://schemas.microsoft.com/office/drawing/2014/main" id="{D1631241-63E7-CCA1-C041-9CEE6DF91618}"/>
+                <a16:creationId xmlns:a16="http://schemas.microsoft.com/office/drawing/2014/main" xmlns="" id="{D1631241-63E7-CCA1-C041-9CEE6DF91618}"/>
               </a:ext>
             </a:extLst>
           </p:cNvPr>
@@ -7060,7 +7061,7 @@
     </p:spTree>
     <p:extLst>
       <p:ext uri="{BB962C8B-B14F-4D97-AF65-F5344CB8AC3E}">
-        <p14:creationId xmlns="" xmlns:p14="http://schemas.microsoft.com/office/powerpoint/2010/main" val="3396672449"/>
+        <p14:creationId xmlns:p14="http://schemas.microsoft.com/office/powerpoint/2010/main" xmlns="" val="3396672449"/>
       </p:ext>
     </p:extLst>
   </p:cSld>
@@ -7102,7 +7103,7 @@
           <p:cNvPr id="2" name="标题 1">
             <a:extLst>
               <a:ext uri="{FF2B5EF4-FFF2-40B4-BE49-F238E27FC236}">
-                <a16:creationId xmlns="" xmlns:a16="http://schemas.microsoft.com/office/drawing/2014/main" id="{B26EBC45-122C-5FE6-01A0-0B6F24E25785}"/>
+                <a16:creationId xmlns:a16="http://schemas.microsoft.com/office/drawing/2014/main" xmlns="" id="{B26EBC45-122C-5FE6-01A0-0B6F24E25785}"/>
               </a:ext>
             </a:extLst>
           </p:cNvPr>
@@ -7136,7 +7137,7 @@
           <p:cNvPr id="5" name="内容占位符 4">
             <a:extLst>
               <a:ext uri="{FF2B5EF4-FFF2-40B4-BE49-F238E27FC236}">
-                <a16:creationId xmlns="" xmlns:a16="http://schemas.microsoft.com/office/drawing/2014/main" id="{B34579D3-B1D0-FFDD-242D-00F815568178}"/>
+                <a16:creationId xmlns:a16="http://schemas.microsoft.com/office/drawing/2014/main" xmlns="" id="{B34579D3-B1D0-FFDD-242D-00F815568178}"/>
               </a:ext>
             </a:extLst>
           </p:cNvPr>
@@ -7151,7 +7152,7 @@
           <a:blip r:embed="rId2">
             <a:extLst>
               <a:ext uri="{28A0092B-C50C-407E-A947-70E740481C1C}">
-                <a14:useLocalDpi xmlns="" xmlns:a14="http://schemas.microsoft.com/office/drawing/2010/main" val="0"/>
+                <a14:useLocalDpi xmlns:a14="http://schemas.microsoft.com/office/drawing/2010/main" xmlns="" val="0"/>
               </a:ext>
             </a:extLst>
           </a:blip>
@@ -7188,7 +7189,7 @@
     </p:spTree>
     <p:extLst>
       <p:ext uri="{BB962C8B-B14F-4D97-AF65-F5344CB8AC3E}">
-        <p14:creationId xmlns="" xmlns:p14="http://schemas.microsoft.com/office/powerpoint/2010/main" val="3123407964"/>
+        <p14:creationId xmlns:p14="http://schemas.microsoft.com/office/powerpoint/2010/main" xmlns="" val="3123407964"/>
       </p:ext>
     </p:extLst>
   </p:cSld>
@@ -7230,7 +7231,7 @@
           <p:cNvPr id="2" name="标题 1">
             <a:extLst>
               <a:ext uri="{FF2B5EF4-FFF2-40B4-BE49-F238E27FC236}">
-                <a16:creationId xmlns="" xmlns:a16="http://schemas.microsoft.com/office/drawing/2014/main" id="{BCD0B7BF-66C7-8E0C-EE6E-210BC09261AB}"/>
+                <a16:creationId xmlns:a16="http://schemas.microsoft.com/office/drawing/2014/main" xmlns="" id="{BCD0B7BF-66C7-8E0C-EE6E-210BC09261AB}"/>
               </a:ext>
             </a:extLst>
           </p:cNvPr>
@@ -7241,13 +7242,21 @@
             <p:ph type="title"/>
           </p:nvPr>
         </p:nvSpPr>
-        <p:spPr/>
-        <p:txBody>
-          <a:bodyPr/>
+        <p:spPr>
+          <a:xfrm>
+            <a:off x="316301" y="0"/>
+            <a:ext cx="8610600" cy="1293028"/>
+          </a:xfrm>
+        </p:spPr>
+        <p:txBody>
+          <a:bodyPr>
+            <a:normAutofit/>
+          </a:bodyPr>
           <a:lstStyle/>
           <a:p>
-            <a:r>
-              <a:rPr lang="en-NZ" dirty="0"/>
+            <a:pPr algn="l"/>
+            <a:r>
+              <a:rPr lang="en-NZ" sz="3600" dirty="0"/>
               <a:t>Reflections</a:t>
             </a:r>
           </a:p>
@@ -7258,7 +7267,7 @@
           <p:cNvPr id="3" name="内容占位符 2">
             <a:extLst>
               <a:ext uri="{FF2B5EF4-FFF2-40B4-BE49-F238E27FC236}">
-                <a16:creationId xmlns="" xmlns:a16="http://schemas.microsoft.com/office/drawing/2014/main" id="{99BC1E35-F9E7-1295-FBBD-ED8B0075BF59}"/>
+                <a16:creationId xmlns:a16="http://schemas.microsoft.com/office/drawing/2014/main" xmlns="" id="{99BC1E35-F9E7-1295-FBBD-ED8B0075BF59}"/>
               </a:ext>
             </a:extLst>
           </p:cNvPr>
@@ -7269,10 +7278,15 @@
             <p:ph idx="1"/>
           </p:nvPr>
         </p:nvSpPr>
-        <p:spPr/>
+        <p:spPr>
+          <a:xfrm>
+            <a:off x="685800" y="854015"/>
+            <a:ext cx="10820400" cy="5693434"/>
+          </a:xfrm>
+        </p:spPr>
         <p:txBody>
           <a:bodyPr>
-            <a:normAutofit fontScale="55000" lnSpcReduction="20000"/>
+            <a:normAutofit fontScale="40000" lnSpcReduction="20000"/>
           </a:bodyPr>
           <a:lstStyle/>
           <a:p>
@@ -7282,56 +7296,115 @@
               </a:lnSpc>
             </a:pPr>
             <a:r>
-              <a:rPr lang="en-NZ" dirty="0" err="1" smtClean="0"/>
+              <a:rPr lang="en-NZ" sz="3000" dirty="0" err="1" smtClean="0"/>
               <a:t>Maribeth</a:t>
             </a:r>
             <a:r>
-              <a:rPr lang="en-NZ" dirty="0" smtClean="0"/>
+              <a:rPr lang="en-NZ" sz="3000" dirty="0" smtClean="0"/>
               <a:t>: </a:t>
             </a:r>
             <a:r>
-              <a:rPr lang="en-NZ" dirty="0" smtClean="0"/>
-              <a:t>As </a:t>
-            </a:r>
-            <a:r>
-              <a:rPr lang="en-NZ" dirty="0" smtClean="0"/>
-              <a:t>I sit down to reflect on my learning journey at Future Skills Academy, I must say that it was a positive one. Working in a totally different field was such a challenge to begin with. I have no clue about the tools, modules and languages and even felt overwhelmed, finding out that we need to create a program as part of our project. Thankfully, I was put in a group where my team will always check if I needed help and has been very supportive from day 1 up to the final stage. We worked closely just to ensure that we are all in the same page. By doing this project, I gained the knowledge how to use basic CSS, HTML and JavaScript. I also learnt about User Story and Use Cases. It is no secret that there is much more to learn on my end. Learning environment is amazing; lecturers are very supportive and willing to extend help as much as they could.</a:t>
-            </a:r>
-            <a:endParaRPr lang="en-US" dirty="0" smtClean="0"/>
+              <a:rPr lang="en-NZ" sz="3000" dirty="0" smtClean="0"/>
+              <a:t>As I sit down to reflect on my learning journey at Future Skills Academy, I must say that it was a positive one. Being in a different working environment was such a challenge to begin with. I have no clue about the tools, modules and languages at all. I even felt overwhelmed, finding out that we needed to create a program as part of our project. Thankfully, I was put in a group where my team will always check if I needed help and has been very supportive from day 1 up to the final stage. I am very pleased with all the encouragement that they’ve shown me. We worked closely just to ensure that we are all in the same page. By doing this course/project, I gained the knowledge how to use basic CSS and notepad ++. I also learnt about User Story and Use Cases but I guess more than that, I have gained friends and built friendship. It is no secret that there is much more to learn </a:t>
+            </a:r>
+            <a:r>
+              <a:rPr lang="en-NZ" sz="3000" dirty="0" smtClean="0"/>
+              <a:t>and understand on my end. The </a:t>
+            </a:r>
+            <a:r>
+              <a:rPr lang="en-NZ" sz="3000" dirty="0" smtClean="0"/>
+              <a:t>learning environment is amazing; lecturers are very supportive and willing to extend help as much as they could</a:t>
+            </a:r>
+            <a:r>
+              <a:rPr lang="en-NZ" sz="3000" dirty="0" smtClean="0"/>
+              <a:t>.</a:t>
+            </a:r>
+            <a:endParaRPr lang="en-US" sz="3000" dirty="0" smtClean="0"/>
+          </a:p>
+          <a:p>
+            <a:pPr>
+              <a:buNone/>
+            </a:pPr>
+            <a:endParaRPr lang="en-NZ" sz="3000" dirty="0"/>
+          </a:p>
+          <a:p>
+            <a:pPr>
+              <a:lnSpc>
+                <a:spcPct val="170000"/>
+              </a:lnSpc>
+            </a:pPr>
+            <a:r>
+              <a:rPr lang="en-NZ" sz="3000" dirty="0"/>
+              <a:t>Richard</a:t>
+            </a:r>
+            <a:r>
+              <a:rPr lang="en-NZ" sz="3000" dirty="0" smtClean="0"/>
+              <a:t>: </a:t>
+            </a:r>
+            <a:r>
+              <a:rPr lang="en-NZ" sz="3000" dirty="0"/>
+              <a:t> </a:t>
+            </a:r>
+            <a:r>
+              <a:rPr lang="en-US" sz="3000" dirty="0" smtClean="0"/>
+              <a:t>It </a:t>
+            </a:r>
+            <a:r>
+              <a:rPr lang="en-US" sz="3000" dirty="0" smtClean="0"/>
+              <a:t>is such a tremendous learning journey for me to code and test the program step by step, and my self-confidence in building the web-based program enhanced gradually. Although, this is a very simple and beginning stage for software development, however, every step and learning experience is fundamentally important for me to grow and learn through firsthand experience.</a:t>
+            </a:r>
+          </a:p>
+          <a:p>
+            <a:pPr>
+              <a:buNone/>
+            </a:pPr>
+            <a:endParaRPr lang="en-NZ" sz="3000" dirty="0"/>
+          </a:p>
+          <a:p>
+            <a:pPr>
+              <a:lnSpc>
+                <a:spcPct val="170000"/>
+              </a:lnSpc>
+            </a:pPr>
+            <a:r>
+              <a:rPr lang="en-NZ" sz="3000" dirty="0"/>
+              <a:t>Steven</a:t>
+            </a:r>
+            <a:r>
+              <a:rPr lang="en-NZ" sz="3000" dirty="0" smtClean="0"/>
+              <a:t>:  </a:t>
+            </a:r>
+            <a:r>
+              <a:rPr lang="en-NZ" sz="3000" dirty="0" smtClean="0"/>
+              <a:t>I was a programmer and most of my jobs were developing small games. I only had some basic knowledge about HTML and java scripts. I have never used some tools, such as </a:t>
+            </a:r>
+            <a:r>
+              <a:rPr lang="en-NZ" sz="3000" dirty="0" err="1" smtClean="0"/>
+              <a:t>Nodejs</a:t>
+            </a:r>
+            <a:r>
+              <a:rPr lang="en-NZ" sz="3000" dirty="0" smtClean="0"/>
+              <a:t>, Git hub, and Gantt charts before this class. Through learning this course, I managed to use all of these tools. Besides, as a team leader of this project, I need to coordinate work with other team members. For example, when I realised </a:t>
+            </a:r>
+            <a:r>
+              <a:rPr lang="en-NZ" sz="3000" dirty="0" err="1" smtClean="0"/>
+              <a:t>Maribeth</a:t>
+            </a:r>
+            <a:r>
+              <a:rPr lang="en-NZ" sz="3000" dirty="0" smtClean="0"/>
+              <a:t> couldn’t test her code when the whole project has not finished, I decided to provide a new interface for her – to simply show the result that her function returns on screen. It increases my ability in project management. In addition, one of my weaknesses is my English skills. Of course, by attending this class, my English has improved.</a:t>
+            </a:r>
+            <a:endParaRPr lang="en-US" sz="3000" dirty="0" smtClean="0"/>
           </a:p>
           <a:p>
             <a:endParaRPr lang="en-NZ" dirty="0"/>
-          </a:p>
-          <a:p>
-            <a:endParaRPr lang="en-NZ" dirty="0"/>
-          </a:p>
-          <a:p>
-            <a:endParaRPr lang="en-NZ" dirty="0"/>
-          </a:p>
-          <a:p>
-            <a:r>
-              <a:rPr lang="en-NZ" dirty="0"/>
-              <a:t>Richard:</a:t>
-            </a:r>
-          </a:p>
-          <a:p>
-            <a:endParaRPr lang="en-NZ" dirty="0"/>
-          </a:p>
-          <a:p>
-            <a:endParaRPr lang="en-NZ" dirty="0"/>
-          </a:p>
-          <a:p>
-            <a:r>
-              <a:rPr lang="en-NZ" dirty="0"/>
-              <a:t>Steven:</a:t>
-            </a:r>
           </a:p>
         </p:txBody>
       </p:sp>
     </p:spTree>
     <p:extLst>
       <p:ext uri="{BB962C8B-B14F-4D97-AF65-F5344CB8AC3E}">
-        <p14:creationId xmlns="" xmlns:p14="http://schemas.microsoft.com/office/powerpoint/2010/main" val="358586711"/>
+        <p14:creationId xmlns:p14="http://schemas.microsoft.com/office/powerpoint/2010/main" xmlns="" val="358586711"/>
       </p:ext>
     </p:extLst>
   </p:cSld>
@@ -7373,7 +7446,7 @@
           <p:cNvPr id="2" name="标题 1">
             <a:extLst>
               <a:ext uri="{FF2B5EF4-FFF2-40B4-BE49-F238E27FC236}">
-                <a16:creationId xmlns="" xmlns:a16="http://schemas.microsoft.com/office/drawing/2014/main" id="{7968832C-C89A-B085-ABDF-723E25F15B4E}"/>
+                <a16:creationId xmlns:a16="http://schemas.microsoft.com/office/drawing/2014/main" xmlns="" id="{7968832C-C89A-B085-ABDF-723E25F15B4E}"/>
               </a:ext>
             </a:extLst>
           </p:cNvPr>
@@ -7384,11 +7457,17 @@
             <p:ph type="title"/>
           </p:nvPr>
         </p:nvSpPr>
-        <p:spPr/>
+        <p:spPr>
+          <a:xfrm>
+            <a:off x="626852" y="229535"/>
+            <a:ext cx="8610600" cy="1293028"/>
+          </a:xfrm>
+        </p:spPr>
         <p:txBody>
           <a:bodyPr/>
           <a:lstStyle/>
           <a:p>
+            <a:pPr algn="l"/>
             <a:r>
               <a:rPr lang="en-NZ" dirty="0"/>
               <a:t>References</a:t>
@@ -7401,7 +7480,7 @@
           <p:cNvPr id="3" name="内容占位符 2">
             <a:extLst>
               <a:ext uri="{FF2B5EF4-FFF2-40B4-BE49-F238E27FC236}">
-                <a16:creationId xmlns="" xmlns:a16="http://schemas.microsoft.com/office/drawing/2014/main" id="{4029B2BD-2B47-E1CA-0E88-D9FBD2CA4E6C}"/>
+                <a16:creationId xmlns:a16="http://schemas.microsoft.com/office/drawing/2014/main" xmlns="" id="{4029B2BD-2B47-E1CA-0E88-D9FBD2CA4E6C}"/>
               </a:ext>
             </a:extLst>
           </p:cNvPr>
@@ -7412,10 +7491,175 @@
             <p:ph idx="1"/>
           </p:nvPr>
         </p:nvSpPr>
-        <p:spPr/>
-        <p:txBody>
-          <a:bodyPr/>
+        <p:spPr>
+          <a:xfrm>
+            <a:off x="685800" y="1406106"/>
+            <a:ext cx="10820400" cy="4812579"/>
+          </a:xfrm>
+        </p:spPr>
+        <p:txBody>
+          <a:bodyPr>
+            <a:normAutofit fontScale="70000" lnSpcReduction="20000"/>
+          </a:bodyPr>
           <a:lstStyle/>
+          <a:p>
+            <a:pPr>
+              <a:lnSpc>
+                <a:spcPct val="150000"/>
+              </a:lnSpc>
+            </a:pPr>
+            <a:r>
+              <a:rPr lang="en-NZ" dirty="0" smtClean="0"/>
+              <a:t>Future Skills Academy ( August 2022), JavaScript.</a:t>
+            </a:r>
+            <a:endParaRPr lang="en-US" dirty="0" smtClean="0"/>
+          </a:p>
+          <a:p>
+            <a:pPr>
+              <a:lnSpc>
+                <a:spcPct val="150000"/>
+              </a:lnSpc>
+            </a:pPr>
+            <a:r>
+              <a:rPr lang="en-NZ" dirty="0" smtClean="0"/>
+              <a:t>What is a Password Generator? (2022),</a:t>
+            </a:r>
+            <a:r>
+              <a:rPr lang="en-NZ" i="1" u="sng" dirty="0" smtClean="0">
+                <a:hlinkClick r:id="rId2"/>
+              </a:rPr>
+              <a:t>https://www.techopedia.com/definition/31414/password-generator</a:t>
+            </a:r>
+            <a:endParaRPr lang="en-US" dirty="0" smtClean="0"/>
+          </a:p>
+          <a:p>
+            <a:pPr>
+              <a:lnSpc>
+                <a:spcPct val="150000"/>
+              </a:lnSpc>
+            </a:pPr>
+            <a:r>
+              <a:rPr lang="en-NZ" dirty="0" smtClean="0"/>
+              <a:t>Why should I use a Password Generator? (Teampassword,27.10.2022),</a:t>
+            </a:r>
+            <a:r>
+              <a:rPr lang="en-NZ" i="1" dirty="0" smtClean="0"/>
+              <a:t> https://teampassword.com/blog/why-should-i-use-a-password-generator</a:t>
+            </a:r>
+            <a:endParaRPr lang="en-US" dirty="0" smtClean="0"/>
+          </a:p>
+          <a:p>
+            <a:pPr>
+              <a:lnSpc>
+                <a:spcPct val="150000"/>
+              </a:lnSpc>
+            </a:pPr>
+            <a:r>
+              <a:rPr lang="en-NZ" dirty="0" smtClean="0"/>
+              <a:t>User Stories and Use Cases </a:t>
+            </a:r>
+            <a:r>
+              <a:rPr lang="en-NZ" i="1" dirty="0" smtClean="0"/>
+              <a:t>SDLC – Define Phase: Use Cases 13</a:t>
+            </a:r>
+            <a:r>
+              <a:rPr lang="en-NZ" i="1" baseline="30000" dirty="0" smtClean="0"/>
+              <a:t>th</a:t>
+            </a:r>
+            <a:r>
+              <a:rPr lang="en-NZ" i="1" dirty="0" smtClean="0"/>
+              <a:t> June 2022 MCSD51: Prepared by Boon</a:t>
+            </a:r>
+            <a:endParaRPr lang="en-US" dirty="0" smtClean="0"/>
+          </a:p>
+          <a:p>
+            <a:pPr>
+              <a:lnSpc>
+                <a:spcPct val="150000"/>
+              </a:lnSpc>
+            </a:pPr>
+            <a:r>
+              <a:rPr lang="en-NZ" dirty="0" smtClean="0"/>
+              <a:t>Ethical and Cultural Impact (</a:t>
+            </a:r>
+            <a:r>
+              <a:rPr lang="en-NZ" dirty="0" err="1" smtClean="0"/>
+              <a:t>Sanam</a:t>
+            </a:r>
+            <a:r>
+              <a:rPr lang="en-NZ" dirty="0" smtClean="0"/>
+              <a:t> </a:t>
+            </a:r>
+            <a:r>
+              <a:rPr lang="en-NZ" dirty="0" err="1" smtClean="0"/>
+              <a:t>Ghorbani</a:t>
+            </a:r>
+            <a:r>
+              <a:rPr lang="en-NZ" dirty="0" smtClean="0"/>
+              <a:t> </a:t>
+            </a:r>
+            <a:r>
+              <a:rPr lang="en-NZ" dirty="0" err="1" smtClean="0"/>
+              <a:t>Lyastani</a:t>
+            </a:r>
+            <a:r>
+              <a:rPr lang="en-NZ" dirty="0" smtClean="0"/>
+              <a:t> et al., 24.12.2017), </a:t>
+            </a:r>
+            <a:r>
+              <a:rPr lang="en-NZ" i="1" u="sng" dirty="0" smtClean="0">
+                <a:hlinkClick r:id="rId3"/>
+              </a:rPr>
+              <a:t>https://arxiv.org/pdf/1712.08940.pdf%22%20%5Ct%20%22_blank</a:t>
+            </a:r>
+            <a:r>
+              <a:rPr lang="en-NZ" i="1" dirty="0" smtClean="0"/>
+              <a:t>  , </a:t>
+            </a:r>
+            <a:r>
+              <a:rPr lang="en-NZ" i="1" u="sng" dirty="0" smtClean="0">
+                <a:hlinkClick r:id="rId4"/>
+              </a:rPr>
+              <a:t>https://www.sain.ca/publication/thorpePDFS/Do_Password_Managers_Nudge_Secure_Random_Passwords_SOUPS2022.pdf</a:t>
+            </a:r>
+            <a:r>
+              <a:rPr lang="en-NZ" i="1" dirty="0" smtClean="0"/>
+              <a:t> ,</a:t>
+            </a:r>
+            <a:r>
+              <a:rPr lang="en-NZ" i="1" u="sng" dirty="0" smtClean="0">
+                <a:hlinkClick r:id="rId5"/>
+              </a:rPr>
+              <a:t>https://www.researchgate.net/publication/309467190</a:t>
+            </a:r>
+            <a:endParaRPr lang="en-US" dirty="0" smtClean="0"/>
+          </a:p>
+          <a:p>
+            <a:pPr>
+              <a:lnSpc>
+                <a:spcPct val="150000"/>
+              </a:lnSpc>
+            </a:pPr>
+            <a:r>
+              <a:rPr lang="en-NZ" dirty="0" smtClean="0"/>
+              <a:t>Project Management Methodology, Water Fall Methodology Image from Google</a:t>
+            </a:r>
+            <a:endParaRPr lang="en-US" dirty="0" smtClean="0"/>
+          </a:p>
+          <a:p>
+            <a:pPr>
+              <a:lnSpc>
+                <a:spcPct val="150000"/>
+              </a:lnSpc>
+            </a:pPr>
+            <a:r>
+              <a:rPr lang="en-NZ" u="sng" dirty="0" smtClean="0">
+                <a:hlinkClick r:id="rId6"/>
+              </a:rPr>
+              <a:t>https://www.w3schools.com/cs/trycs.php?filename=demo_helloworld</a:t>
+            </a:r>
+            <a:endParaRPr lang="en-US" dirty="0" smtClean="0"/>
+          </a:p>
           <a:p>
             <a:endParaRPr lang="en-NZ" dirty="0"/>
           </a:p>
@@ -7424,7 +7668,7 @@
     </p:spTree>
     <p:extLst>
       <p:ext uri="{BB962C8B-B14F-4D97-AF65-F5344CB8AC3E}">
-        <p14:creationId xmlns="" xmlns:p14="http://schemas.microsoft.com/office/powerpoint/2010/main" val="1669517618"/>
+        <p14:creationId xmlns:p14="http://schemas.microsoft.com/office/powerpoint/2010/main" xmlns="" val="1669517618"/>
       </p:ext>
     </p:extLst>
   </p:cSld>
@@ -7466,7 +7710,7 @@
           <p:cNvPr id="2" name="标题 1">
             <a:extLst>
               <a:ext uri="{FF2B5EF4-FFF2-40B4-BE49-F238E27FC236}">
-                <a16:creationId xmlns="" xmlns:a16="http://schemas.microsoft.com/office/drawing/2014/main" id="{931FF632-26A4-A3C5-3BFA-108378087F3B}"/>
+                <a16:creationId xmlns:a16="http://schemas.microsoft.com/office/drawing/2014/main" xmlns="" id="{931FF632-26A4-A3C5-3BFA-108378087F3B}"/>
               </a:ext>
             </a:extLst>
           </p:cNvPr>
@@ -7477,11 +7721,17 @@
             <p:ph type="title"/>
           </p:nvPr>
         </p:nvSpPr>
-        <p:spPr/>
+        <p:spPr>
+          <a:xfrm>
+            <a:off x="326136" y="352893"/>
+            <a:ext cx="8610600" cy="1293028"/>
+          </a:xfrm>
+        </p:spPr>
         <p:txBody>
           <a:bodyPr/>
           <a:lstStyle/>
           <a:p>
+            <a:pPr algn="l"/>
             <a:r>
               <a:rPr lang="en-NZ" dirty="0"/>
               <a:t>Q&amp;A</a:t>
@@ -7494,7 +7744,7 @@
           <p:cNvPr id="3" name="内容占位符 2">
             <a:extLst>
               <a:ext uri="{FF2B5EF4-FFF2-40B4-BE49-F238E27FC236}">
-                <a16:creationId xmlns="" xmlns:a16="http://schemas.microsoft.com/office/drawing/2014/main" id="{10C10AB0-F6BB-26E5-C279-0931E8572F2F}"/>
+                <a16:creationId xmlns:a16="http://schemas.microsoft.com/office/drawing/2014/main" xmlns="" id="{10C10AB0-F6BB-26E5-C279-0931E8572F2F}"/>
               </a:ext>
             </a:extLst>
           </p:cNvPr>
@@ -7511,16 +7761,17 @@
           <a:lstStyle/>
           <a:p>
             <a:r>
-              <a:rPr lang="en-NZ" dirty="0"/>
-              <a:t>Answer Questions</a:t>
-            </a:r>
+              <a:rPr lang="en-NZ" dirty="0" smtClean="0"/>
+              <a:t>Questions and Answers</a:t>
+            </a:r>
+            <a:endParaRPr lang="en-NZ" dirty="0"/>
           </a:p>
         </p:txBody>
       </p:sp>
     </p:spTree>
     <p:extLst>
       <p:ext uri="{BB962C8B-B14F-4D97-AF65-F5344CB8AC3E}">
-        <p14:creationId xmlns="" xmlns:p14="http://schemas.microsoft.com/office/powerpoint/2010/main" val="1405912245"/>
+        <p14:creationId xmlns:p14="http://schemas.microsoft.com/office/powerpoint/2010/main" xmlns="" val="1405912245"/>
       </p:ext>
     </p:extLst>
   </p:cSld>
@@ -7529,6 +7780,89 @@
   </p:clrMapOvr>
   <p:transition spd="slow">
     <p:cover dir="d"/>
+  </p:transition>
+  <p:timing>
+    <p:tnLst>
+      <p:par>
+        <p:cTn id="1" dur="indefinite" restart="never" nodeType="tmRoot"/>
+      </p:par>
+    </p:tnLst>
+  </p:timing>
+</p:sld>
+</file>
+
+<file path=ppt/slides/slide17.xml><?xml version="1.0" encoding="utf-8"?>
+<p:sld xmlns:a="http://schemas.openxmlformats.org/drawingml/2006/main" xmlns:r="http://schemas.openxmlformats.org/officeDocument/2006/relationships" xmlns:p="http://schemas.openxmlformats.org/presentationml/2006/main">
+  <p:cSld>
+    <p:spTree>
+      <p:nvGrpSpPr>
+        <p:cNvPr id="1" name=""/>
+        <p:cNvGrpSpPr/>
+        <p:nvPr/>
+      </p:nvGrpSpPr>
+      <p:grpSpPr>
+        <a:xfrm>
+          <a:off x="0" y="0"/>
+          <a:ext cx="0" cy="0"/>
+          <a:chOff x="0" y="0"/>
+          <a:chExt cx="0" cy="0"/>
+        </a:xfrm>
+      </p:grpSpPr>
+      <p:sp>
+        <p:nvSpPr>
+          <p:cNvPr id="3" name="Content Placeholder 2"/>
+          <p:cNvSpPr>
+            <a:spLocks noGrp="1"/>
+          </p:cNvSpPr>
+          <p:nvPr>
+            <p:ph idx="1"/>
+          </p:nvPr>
+        </p:nvSpPr>
+        <p:spPr>
+          <a:xfrm>
+            <a:off x="685800" y="932688"/>
+            <a:ext cx="10820400" cy="5285997"/>
+          </a:xfrm>
+        </p:spPr>
+        <p:txBody>
+          <a:bodyPr>
+            <a:normAutofit/>
+          </a:bodyPr>
+          <a:lstStyle/>
+          <a:p>
+            <a:pPr algn="ctr">
+              <a:buNone/>
+            </a:pPr>
+            <a:endParaRPr lang="en-SG" sz="6000" dirty="0" smtClean="0"/>
+          </a:p>
+          <a:p>
+            <a:pPr algn="ctr">
+              <a:buNone/>
+            </a:pPr>
+            <a:endParaRPr lang="en-SG" sz="6000" smtClean="0"/>
+          </a:p>
+          <a:p>
+            <a:pPr algn="ctr">
+              <a:buNone/>
+            </a:pPr>
+            <a:r>
+              <a:rPr lang="en-SG" sz="6000" smtClean="0"/>
+              <a:t>Thank </a:t>
+            </a:r>
+            <a:r>
+              <a:rPr lang="en-SG" sz="6000" dirty="0" smtClean="0"/>
+              <a:t>you everyone!</a:t>
+            </a:r>
+          </a:p>
+        </p:txBody>
+      </p:sp>
+    </p:spTree>
+  </p:cSld>
+  <p:clrMapOvr>
+    <a:masterClrMapping/>
+  </p:clrMapOvr>
+  <p:transition spd="slow">
+    <p:newsflash/>
   </p:transition>
   <p:timing>
     <p:tnLst>
@@ -7562,7 +7896,7 @@
           <p:cNvPr id="2" name="标题 1">
             <a:extLst>
               <a:ext uri="{FF2B5EF4-FFF2-40B4-BE49-F238E27FC236}">
-                <a16:creationId xmlns="" xmlns:a16="http://schemas.microsoft.com/office/drawing/2014/main" id="{9378BB5D-5C77-1E3D-912F-AA79F30B85B4}"/>
+                <a16:creationId xmlns:a16="http://schemas.microsoft.com/office/drawing/2014/main" xmlns="" id="{9378BB5D-5C77-1E3D-912F-AA79F30B85B4}"/>
               </a:ext>
             </a:extLst>
           </p:cNvPr>
@@ -7600,7 +7934,7 @@
           <p:cNvPr id="3" name="副标题 2">
             <a:extLst>
               <a:ext uri="{FF2B5EF4-FFF2-40B4-BE49-F238E27FC236}">
-                <a16:creationId xmlns="" xmlns:a16="http://schemas.microsoft.com/office/drawing/2014/main" id="{BE25738F-A275-37A7-AD92-00E90E767875}"/>
+                <a16:creationId xmlns:a16="http://schemas.microsoft.com/office/drawing/2014/main" xmlns="" id="{BE25738F-A275-37A7-AD92-00E90E767875}"/>
               </a:ext>
             </a:extLst>
           </p:cNvPr>
@@ -7688,7 +8022,7 @@
     </p:spTree>
     <p:extLst>
       <p:ext uri="{BB962C8B-B14F-4D97-AF65-F5344CB8AC3E}">
-        <p14:creationId xmlns="" xmlns:p14="http://schemas.microsoft.com/office/powerpoint/2010/main" val="467902368"/>
+        <p14:creationId xmlns:p14="http://schemas.microsoft.com/office/powerpoint/2010/main" xmlns="" val="467902368"/>
       </p:ext>
     </p:extLst>
   </p:cSld>
@@ -7993,7 +8327,7 @@
           <p:cNvPr id="2" name="标题 1">
             <a:extLst>
               <a:ext uri="{FF2B5EF4-FFF2-40B4-BE49-F238E27FC236}">
-                <a16:creationId xmlns="" xmlns:a16="http://schemas.microsoft.com/office/drawing/2014/main" id="{3B121F95-2659-B777-A490-44CC5DFFC3A1}"/>
+                <a16:creationId xmlns:a16="http://schemas.microsoft.com/office/drawing/2014/main" xmlns="" id="{3B121F95-2659-B777-A490-44CC5DFFC3A1}"/>
               </a:ext>
             </a:extLst>
           </p:cNvPr>
@@ -8027,7 +8361,7 @@
           <p:cNvPr id="3" name="内容占位符 2">
             <a:extLst>
               <a:ext uri="{FF2B5EF4-FFF2-40B4-BE49-F238E27FC236}">
-                <a16:creationId xmlns="" xmlns:a16="http://schemas.microsoft.com/office/drawing/2014/main" id="{7A6FE493-6895-3F84-9D5F-AB2A89BCCCAE}"/>
+                <a16:creationId xmlns:a16="http://schemas.microsoft.com/office/drawing/2014/main" xmlns="" id="{7A6FE493-6895-3F84-9D5F-AB2A89BCCCAE}"/>
               </a:ext>
             </a:extLst>
           </p:cNvPr>
@@ -8040,7 +8374,9 @@
         </p:nvSpPr>
         <p:spPr/>
         <p:txBody>
-          <a:bodyPr/>
+          <a:bodyPr>
+            <a:normAutofit/>
+          </a:bodyPr>
           <a:lstStyle/>
           <a:p>
             <a:pPr>
@@ -8098,7 +8434,11 @@
             </a:pPr>
             <a:r>
               <a:rPr lang="en-NZ" dirty="0"/>
-              <a:t>6. Reflections</a:t>
+              <a:t>6. </a:t>
+            </a:r>
+            <a:r>
+              <a:rPr lang="en-NZ" dirty="0" smtClean="0"/>
+              <a:t>Reflections</a:t>
             </a:r>
           </a:p>
           <a:p>
@@ -8106,8 +8446,26 @@
               <a:buNone/>
             </a:pPr>
             <a:r>
+              <a:rPr lang="en-NZ" dirty="0" smtClean="0"/>
+              <a:t>7. Demo</a:t>
+            </a:r>
+            <a:endParaRPr lang="en-NZ" dirty="0"/>
+          </a:p>
+          <a:p>
+            <a:pPr>
+              <a:buNone/>
+            </a:pPr>
+            <a:r>
+              <a:rPr lang="en-NZ" dirty="0" smtClean="0"/>
+              <a:t>8.</a:t>
+            </a:r>
+            <a:r>
+              <a:rPr lang="en-NZ" dirty="0" smtClean="0"/>
+              <a:t> </a:t>
+            </a:r>
+            <a:r>
               <a:rPr lang="en-NZ" dirty="0"/>
-              <a:t>7. References</a:t>
+              <a:t>References</a:t>
             </a:r>
           </a:p>
           <a:p>
@@ -8116,24 +8474,24 @@
             </a:pPr>
             <a:r>
               <a:rPr lang="en-NZ" dirty="0"/>
-              <a:t>8. Demo</a:t>
-            </a:r>
-          </a:p>
-          <a:p>
-            <a:pPr>
-              <a:buNone/>
-            </a:pPr>
-            <a:r>
-              <a:rPr lang="en-NZ" dirty="0"/>
-              <a:t>9. Q &amp; A</a:t>
-            </a:r>
+              <a:t>9</a:t>
+            </a:r>
+            <a:r>
+              <a:rPr lang="en-NZ" dirty="0" smtClean="0"/>
+              <a:t>. </a:t>
+            </a:r>
+            <a:r>
+              <a:rPr lang="en-NZ" dirty="0" smtClean="0"/>
+              <a:t>Q &amp; A</a:t>
+            </a:r>
+            <a:endParaRPr lang="en-NZ" dirty="0"/>
           </a:p>
         </p:txBody>
       </p:sp>
     </p:spTree>
     <p:extLst>
       <p:ext uri="{BB962C8B-B14F-4D97-AF65-F5344CB8AC3E}">
-        <p14:creationId xmlns="" xmlns:p14="http://schemas.microsoft.com/office/powerpoint/2010/main" val="3104536044"/>
+        <p14:creationId xmlns:p14="http://schemas.microsoft.com/office/powerpoint/2010/main" xmlns="" val="3104536044"/>
       </p:ext>
     </p:extLst>
   </p:cSld>
@@ -8750,7 +9108,7 @@
           <p:cNvPr id="2" name="标题 1">
             <a:extLst>
               <a:ext uri="{FF2B5EF4-FFF2-40B4-BE49-F238E27FC236}">
-                <a16:creationId xmlns="" xmlns:a16="http://schemas.microsoft.com/office/drawing/2014/main" id="{92465190-A9B5-15FB-0CC7-52D427954EC8}"/>
+                <a16:creationId xmlns:a16="http://schemas.microsoft.com/office/drawing/2014/main" xmlns="" id="{92465190-A9B5-15FB-0CC7-52D427954EC8}"/>
               </a:ext>
             </a:extLst>
           </p:cNvPr>
@@ -8798,7 +9156,7 @@
           <p:cNvPr id="3" name="内容占位符 2">
             <a:extLst>
               <a:ext uri="{FF2B5EF4-FFF2-40B4-BE49-F238E27FC236}">
-                <a16:creationId xmlns="" xmlns:a16="http://schemas.microsoft.com/office/drawing/2014/main" id="{CAC7A421-7F2F-3B65-83AB-9B04FEA923A7}"/>
+                <a16:creationId xmlns:a16="http://schemas.microsoft.com/office/drawing/2014/main" xmlns="" id="{CAC7A421-7F2F-3B65-83AB-9B04FEA923A7}"/>
               </a:ext>
             </a:extLst>
           </p:cNvPr>
@@ -8809,51 +9167,84 @@
             <p:ph idx="1"/>
           </p:nvPr>
         </p:nvSpPr>
-        <p:spPr/>
-        <p:txBody>
-          <a:bodyPr/>
+        <p:spPr>
+          <a:xfrm>
+            <a:off x="685800" y="2194561"/>
+            <a:ext cx="10820400" cy="3826678"/>
+          </a:xfrm>
+        </p:spPr>
+        <p:txBody>
+          <a:bodyPr>
+            <a:normAutofit lnSpcReduction="10000"/>
+          </a:bodyPr>
           <a:lstStyle/>
           <a:p>
-            <a:r>
-              <a:rPr lang="en-NZ" dirty="0"/>
-              <a:t>Create a random password for use when registering or changing passwords in websites and apps</a:t>
-            </a:r>
-          </a:p>
-          <a:p>
-            <a:r>
-              <a:rPr lang="en-NZ" dirty="0"/>
-              <a:t>Platforms: </a:t>
-            </a:r>
-          </a:p>
-          <a:p>
-            <a:pPr lvl="1"/>
-            <a:r>
-              <a:rPr lang="en-NZ" dirty="0"/>
-              <a:t>Computers/Laptops (Mac &amp; Windows), phones (IOS &amp; Android), </a:t>
-            </a:r>
-            <a:r>
-              <a:rPr lang="en-US" altLang="zh-CN" dirty="0"/>
-              <a:t>tablets (</a:t>
-            </a:r>
-            <a:r>
-              <a:rPr lang="en-NZ" altLang="zh-CN" dirty="0" err="1"/>
-              <a:t>i</a:t>
-            </a:r>
-            <a:r>
-              <a:rPr lang="en-NZ" dirty="0" err="1"/>
-              <a:t>pads</a:t>
-            </a:r>
-            <a:r>
-              <a:rPr lang="en-NZ" dirty="0"/>
-              <a:t> &amp; other brands)</a:t>
-            </a:r>
+            <a:pPr>
+              <a:lnSpc>
+                <a:spcPct val="150000"/>
+              </a:lnSpc>
+            </a:pPr>
+            <a:r>
+              <a:rPr lang="en-NZ" dirty="0" smtClean="0"/>
+              <a:t>Password Generator </a:t>
+            </a:r>
+            <a:r>
+              <a:rPr lang="en-US" dirty="0" smtClean="0"/>
+              <a:t>is a software tool that creates random or customized passwords for users. It helps users create a stronger password that provide greater security for a given type of access</a:t>
+            </a:r>
+            <a:r>
+              <a:rPr lang="en-US" dirty="0" smtClean="0"/>
+              <a:t>.</a:t>
+            </a:r>
+          </a:p>
+          <a:p>
+            <a:pPr>
+              <a:lnSpc>
+                <a:spcPct val="150000"/>
+              </a:lnSpc>
+            </a:pPr>
+            <a:endParaRPr lang="en-NZ" dirty="0" smtClean="0"/>
+          </a:p>
+          <a:p>
+            <a:pPr>
+              <a:lnSpc>
+                <a:spcPct val="150000"/>
+              </a:lnSpc>
+              <a:buNone/>
+            </a:pPr>
+            <a:r>
+              <a:rPr lang="en-US" dirty="0" smtClean="0"/>
+              <a:t>• These </a:t>
+            </a:r>
+            <a:r>
+              <a:rPr lang="en-US" dirty="0" smtClean="0"/>
+              <a:t>programs produce complex/strong passwords with combinations of numbers, uppercase and lowercase letters, and special characters such as braces, asterisks, and slashes.</a:t>
+            </a:r>
+          </a:p>
+          <a:p>
+            <a:pPr>
+              <a:buNone/>
+            </a:pPr>
+            <a:endParaRPr lang="en-NZ" dirty="0" smtClean="0"/>
+          </a:p>
+          <a:p>
+            <a:pPr>
+              <a:buNone/>
+            </a:pPr>
+            <a:endParaRPr lang="en-NZ" dirty="0" smtClean="0"/>
+          </a:p>
+          <a:p>
+            <a:pPr>
+              <a:buNone/>
+            </a:pPr>
+            <a:endParaRPr lang="en-NZ" dirty="0" smtClean="0"/>
           </a:p>
         </p:txBody>
       </p:sp>
     </p:spTree>
     <p:extLst>
       <p:ext uri="{BB962C8B-B14F-4D97-AF65-F5344CB8AC3E}">
-        <p14:creationId xmlns="" xmlns:p14="http://schemas.microsoft.com/office/powerpoint/2010/main" val="3295134947"/>
+        <p14:creationId xmlns:p14="http://schemas.microsoft.com/office/powerpoint/2010/main" xmlns="" val="3295134947"/>
       </p:ext>
     </p:extLst>
   </p:cSld>
@@ -8960,7 +9351,7 @@
                                         <p:tgtEl>
                                           <p:spTgt spid="3">
                                             <p:txEl>
-                                              <p:pRg st="1" end="1"/>
+                                              <p:pRg st="2" end="2"/>
                                             </p:txEl>
                                           </p:spTgt>
                                         </p:tgtEl>
@@ -8975,49 +9366,6 @@
                                     <p:animEffect transition="in" filter="fade">
                                       <p:cBhvr>
                                         <p:cTn id="12" dur="2000"/>
-                                        <p:tgtEl>
-                                          <p:spTgt spid="3">
-                                            <p:txEl>
-                                              <p:pRg st="1" end="1"/>
-                                            </p:txEl>
-                                          </p:spTgt>
-                                        </p:tgtEl>
-                                      </p:cBhvr>
-                                    </p:animEffect>
-                                  </p:childTnLst>
-                                </p:cTn>
-                              </p:par>
-                              <p:par>
-                                <p:cTn id="13" presetID="10" presetClass="entr" presetSubtype="0" fill="hold" grpId="0" nodeType="withEffect">
-                                  <p:stCondLst>
-                                    <p:cond delay="0"/>
-                                  </p:stCondLst>
-                                  <p:childTnLst>
-                                    <p:set>
-                                      <p:cBhvr>
-                                        <p:cTn id="14" dur="1" fill="hold">
-                                          <p:stCondLst>
-                                            <p:cond delay="0"/>
-                                          </p:stCondLst>
-                                        </p:cTn>
-                                        <p:tgtEl>
-                                          <p:spTgt spid="3">
-                                            <p:txEl>
-                                              <p:pRg st="2" end="2"/>
-                                            </p:txEl>
-                                          </p:spTgt>
-                                        </p:tgtEl>
-                                        <p:attrNameLst>
-                                          <p:attrName>style.visibility</p:attrName>
-                                        </p:attrNameLst>
-                                      </p:cBhvr>
-                                      <p:to>
-                                        <p:strVal val="visible"/>
-                                      </p:to>
-                                    </p:set>
-                                    <p:animEffect transition="in" filter="fade">
-                                      <p:cBhvr>
-                                        <p:cTn id="15" dur="2000"/>
                                         <p:tgtEl>
                                           <p:spTgt spid="3">
                                             <p:txEl>
@@ -9086,7 +9434,7 @@
           <p:cNvPr id="2" name="标题 1">
             <a:extLst>
               <a:ext uri="{FF2B5EF4-FFF2-40B4-BE49-F238E27FC236}">
-                <a16:creationId xmlns="" xmlns:a16="http://schemas.microsoft.com/office/drawing/2014/main" id="{FCD0B3A6-F68D-1E92-C281-AEDB26248FFD}"/>
+                <a16:creationId xmlns:a16="http://schemas.microsoft.com/office/drawing/2014/main" xmlns="" id="{FCD0B3A6-F68D-1E92-C281-AEDB26248FFD}"/>
               </a:ext>
             </a:extLst>
           </p:cNvPr>
@@ -9136,7 +9484,7 @@
           <p:cNvPr id="3" name="内容占位符 2">
             <a:extLst>
               <a:ext uri="{FF2B5EF4-FFF2-40B4-BE49-F238E27FC236}">
-                <a16:creationId xmlns="" xmlns:a16="http://schemas.microsoft.com/office/drawing/2014/main" id="{78485416-BC42-8064-E043-36117E18E39D}"/>
+                <a16:creationId xmlns:a16="http://schemas.microsoft.com/office/drawing/2014/main" xmlns="" id="{78485416-BC42-8064-E043-36117E18E39D}"/>
               </a:ext>
             </a:extLst>
           </p:cNvPr>
@@ -9172,7 +9520,7 @@
           <p:cNvPr id="9" name="图片 8">
             <a:extLst>
               <a:ext uri="{FF2B5EF4-FFF2-40B4-BE49-F238E27FC236}">
-                <a16:creationId xmlns="" xmlns:a16="http://schemas.microsoft.com/office/drawing/2014/main" id="{FF651C45-FDCD-6C22-94A4-F7073AFDB5F7}"/>
+                <a16:creationId xmlns:a16="http://schemas.microsoft.com/office/drawing/2014/main" xmlns="" id="{FF651C45-FDCD-6C22-94A4-F7073AFDB5F7}"/>
               </a:ext>
             </a:extLst>
           </p:cNvPr>
@@ -9185,7 +9533,7 @@
           <a:blip r:embed="rId2">
             <a:extLst>
               <a:ext uri="{28A0092B-C50C-407E-A947-70E740481C1C}">
-                <a14:useLocalDpi xmlns="" xmlns:a14="http://schemas.microsoft.com/office/drawing/2010/main" val="0"/>
+                <a14:useLocalDpi xmlns:a14="http://schemas.microsoft.com/office/drawing/2010/main" xmlns="" val="0"/>
               </a:ext>
             </a:extLst>
           </a:blip>
@@ -9206,7 +9554,7 @@
     </p:spTree>
     <p:extLst>
       <p:ext uri="{BB962C8B-B14F-4D97-AF65-F5344CB8AC3E}">
-        <p14:creationId xmlns="" xmlns:p14="http://schemas.microsoft.com/office/powerpoint/2010/main" val="1071497059"/>
+        <p14:creationId xmlns:p14="http://schemas.microsoft.com/office/powerpoint/2010/main" xmlns="" val="1071497059"/>
       </p:ext>
     </p:extLst>
   </p:cSld>
@@ -9237,7 +9585,7 @@
                             </p:stCondLst>
                             <p:childTnLst>
                               <p:par>
-                                <p:cTn id="5" presetID="10" presetClass="entr" presetSubtype="0" fill="hold" nodeType="clickEffect">
+                                <p:cTn id="5" presetID="10" presetClass="entr" presetSubtype="0" fill="hold" grpId="0" nodeType="clickEffect">
                                   <p:stCondLst>
                                     <p:cond delay="0"/>
                                   </p:stCondLst>
@@ -9245,6 +9593,67 @@
                                     <p:set>
                                       <p:cBhvr>
                                         <p:cTn id="6" dur="1" fill="hold">
+                                          <p:stCondLst>
+                                            <p:cond delay="0"/>
+                                          </p:stCondLst>
+                                        </p:cTn>
+                                        <p:tgtEl>
+                                          <p:spTgt spid="3">
+                                            <p:txEl>
+                                              <p:pRg st="0" end="0"/>
+                                            </p:txEl>
+                                          </p:spTgt>
+                                        </p:tgtEl>
+                                        <p:attrNameLst>
+                                          <p:attrName>style.visibility</p:attrName>
+                                        </p:attrNameLst>
+                                      </p:cBhvr>
+                                      <p:to>
+                                        <p:strVal val="visible"/>
+                                      </p:to>
+                                    </p:set>
+                                    <p:animEffect transition="in" filter="fade">
+                                      <p:cBhvr>
+                                        <p:cTn id="7" dur="2000"/>
+                                        <p:tgtEl>
+                                          <p:spTgt spid="3">
+                                            <p:txEl>
+                                              <p:pRg st="0" end="0"/>
+                                            </p:txEl>
+                                          </p:spTgt>
+                                        </p:tgtEl>
+                                      </p:cBhvr>
+                                    </p:animEffect>
+                                  </p:childTnLst>
+                                </p:cTn>
+                              </p:par>
+                            </p:childTnLst>
+                          </p:cTn>
+                        </p:par>
+                      </p:childTnLst>
+                    </p:cTn>
+                  </p:par>
+                  <p:par>
+                    <p:cTn id="8" fill="hold">
+                      <p:stCondLst>
+                        <p:cond delay="indefinite"/>
+                      </p:stCondLst>
+                      <p:childTnLst>
+                        <p:par>
+                          <p:cTn id="9" fill="hold">
+                            <p:stCondLst>
+                              <p:cond delay="0"/>
+                            </p:stCondLst>
+                            <p:childTnLst>
+                              <p:par>
+                                <p:cTn id="10" presetID="10" presetClass="entr" presetSubtype="0" fill="hold" nodeType="clickEffect">
+                                  <p:stCondLst>
+                                    <p:cond delay="0"/>
+                                  </p:stCondLst>
+                                  <p:childTnLst>
+                                    <p:set>
+                                      <p:cBhvr>
+                                        <p:cTn id="11" dur="1" fill="hold">
                                           <p:stCondLst>
                                             <p:cond delay="0"/>
                                           </p:stCondLst>
@@ -9262,7 +9671,7 @@
                                     </p:set>
                                     <p:animEffect transition="in" filter="fade">
                                       <p:cBhvr>
-                                        <p:cTn id="7" dur="2000"/>
+                                        <p:cTn id="12" dur="2000"/>
                                         <p:tgtEl>
                                           <p:spTgt spid="9"/>
                                         </p:tgtEl>
@@ -9298,6 +9707,9 @@
         </p:cTn>
       </p:par>
     </p:tnLst>
+    <p:bldLst>
+      <p:bldP spid="3" grpId="0" build="allAtOnce"/>
+    </p:bldLst>
   </p:timing>
 </p:sld>
 </file>
@@ -9324,7 +9736,7 @@
           <p:cNvPr id="2" name="标题 1">
             <a:extLst>
               <a:ext uri="{FF2B5EF4-FFF2-40B4-BE49-F238E27FC236}">
-                <a16:creationId xmlns="" xmlns:a16="http://schemas.microsoft.com/office/drawing/2014/main" id="{FCD0B3A6-F68D-1E92-C281-AEDB26248FFD}"/>
+                <a16:creationId xmlns:a16="http://schemas.microsoft.com/office/drawing/2014/main" xmlns="" id="{FCD0B3A6-F68D-1E92-C281-AEDB26248FFD}"/>
               </a:ext>
             </a:extLst>
           </p:cNvPr>
@@ -9374,7 +9786,7 @@
           <p:cNvPr id="3" name="内容占位符 2">
             <a:extLst>
               <a:ext uri="{FF2B5EF4-FFF2-40B4-BE49-F238E27FC236}">
-                <a16:creationId xmlns="" xmlns:a16="http://schemas.microsoft.com/office/drawing/2014/main" id="{78485416-BC42-8064-E043-36117E18E39D}"/>
+                <a16:creationId xmlns:a16="http://schemas.microsoft.com/office/drawing/2014/main" xmlns="" id="{78485416-BC42-8064-E043-36117E18E39D}"/>
               </a:ext>
             </a:extLst>
           </p:cNvPr>
@@ -9410,7 +9822,7 @@
           <p:cNvPr id="11" name="图片 10">
             <a:extLst>
               <a:ext uri="{FF2B5EF4-FFF2-40B4-BE49-F238E27FC236}">
-                <a16:creationId xmlns="" xmlns:a16="http://schemas.microsoft.com/office/drawing/2014/main" id="{9773E204-33CE-964E-0098-1E0F62D66402}"/>
+                <a16:creationId xmlns:a16="http://schemas.microsoft.com/office/drawing/2014/main" xmlns="" id="{9773E204-33CE-964E-0098-1E0F62D66402}"/>
               </a:ext>
             </a:extLst>
           </p:cNvPr>
@@ -9423,7 +9835,7 @@
           <a:blip r:embed="rId2">
             <a:extLst>
               <a:ext uri="{28A0092B-C50C-407E-A947-70E740481C1C}">
-                <a14:useLocalDpi xmlns="" xmlns:a14="http://schemas.microsoft.com/office/drawing/2010/main" val="0"/>
+                <a14:useLocalDpi xmlns:a14="http://schemas.microsoft.com/office/drawing/2010/main" xmlns="" val="0"/>
               </a:ext>
             </a:extLst>
           </a:blip>
@@ -9444,7 +9856,7 @@
     </p:spTree>
     <p:extLst>
       <p:ext uri="{BB962C8B-B14F-4D97-AF65-F5344CB8AC3E}">
-        <p14:creationId xmlns="" xmlns:p14="http://schemas.microsoft.com/office/powerpoint/2010/main" val="2552742250"/>
+        <p14:creationId xmlns:p14="http://schemas.microsoft.com/office/powerpoint/2010/main" xmlns="" val="2552742250"/>
       </p:ext>
     </p:extLst>
   </p:cSld>
@@ -9562,7 +9974,7 @@
           <p:cNvPr id="2" name="标题 1">
             <a:extLst>
               <a:ext uri="{FF2B5EF4-FFF2-40B4-BE49-F238E27FC236}">
-                <a16:creationId xmlns="" xmlns:a16="http://schemas.microsoft.com/office/drawing/2014/main" id="{1C26FFD8-8C79-58A2-F8D7-E748D28C4407}"/>
+                <a16:creationId xmlns:a16="http://schemas.microsoft.com/office/drawing/2014/main" xmlns="" id="{1C26FFD8-8C79-58A2-F8D7-E748D28C4407}"/>
               </a:ext>
             </a:extLst>
           </p:cNvPr>
@@ -9603,7 +10015,7 @@
           <p:cNvPr id="3" name="内容占位符 2">
             <a:extLst>
               <a:ext uri="{FF2B5EF4-FFF2-40B4-BE49-F238E27FC236}">
-                <a16:creationId xmlns="" xmlns:a16="http://schemas.microsoft.com/office/drawing/2014/main" id="{41F1D2A7-5294-7557-9EB3-8D491A63F4EB}"/>
+                <a16:creationId xmlns:a16="http://schemas.microsoft.com/office/drawing/2014/main" xmlns="" id="{41F1D2A7-5294-7557-9EB3-8D491A63F4EB}"/>
               </a:ext>
             </a:extLst>
           </p:cNvPr>
@@ -9643,7 +10055,7 @@
           <p:cNvPr id="4" name="内容占位符 2">
             <a:extLst>
               <a:ext uri="{FF2B5EF4-FFF2-40B4-BE49-F238E27FC236}">
-                <a16:creationId xmlns="" xmlns:a16="http://schemas.microsoft.com/office/drawing/2014/main" id="{4FF7128B-6B50-FCD4-9C75-80B7963E49CE}"/>
+                <a16:creationId xmlns:a16="http://schemas.microsoft.com/office/drawing/2014/main" xmlns="" id="{4FF7128B-6B50-FCD4-9C75-80B7963E49CE}"/>
               </a:ext>
             </a:extLst>
           </p:cNvPr>
@@ -9887,7 +10299,7 @@
           <p:cNvPr id="6" name="内容占位符 2">
             <a:extLst>
               <a:ext uri="{FF2B5EF4-FFF2-40B4-BE49-F238E27FC236}">
-                <a16:creationId xmlns="" xmlns:a16="http://schemas.microsoft.com/office/drawing/2014/main" id="{F12022C7-B80B-2281-9B7A-0C3246F09551}"/>
+                <a16:creationId xmlns:a16="http://schemas.microsoft.com/office/drawing/2014/main" xmlns="" id="{F12022C7-B80B-2281-9B7A-0C3246F09551}"/>
               </a:ext>
             </a:extLst>
           </p:cNvPr>
@@ -10086,7 +10498,7 @@
           <p:cNvPr id="8" name="内容占位符 2">
             <a:extLst>
               <a:ext uri="{FF2B5EF4-FFF2-40B4-BE49-F238E27FC236}">
-                <a16:creationId xmlns="" xmlns:a16="http://schemas.microsoft.com/office/drawing/2014/main" id="{764F7FE3-0392-CCF7-AAD7-C83EF28C73C9}"/>
+                <a16:creationId xmlns:a16="http://schemas.microsoft.com/office/drawing/2014/main" xmlns="" id="{764F7FE3-0392-CCF7-AAD7-C83EF28C73C9}"/>
               </a:ext>
             </a:extLst>
           </p:cNvPr>
@@ -10283,7 +10695,7 @@
     </p:spTree>
     <p:extLst>
       <p:ext uri="{BB962C8B-B14F-4D97-AF65-F5344CB8AC3E}">
-        <p14:creationId xmlns="" xmlns:p14="http://schemas.microsoft.com/office/powerpoint/2010/main" val="244496848"/>
+        <p14:creationId xmlns:p14="http://schemas.microsoft.com/office/powerpoint/2010/main" xmlns="" val="244496848"/>
       </p:ext>
     </p:extLst>
   </p:cSld>
@@ -10534,7 +10946,7 @@
           <p:cNvPr id="5" name="内容占位符 4">
             <a:extLst>
               <a:ext uri="{FF2B5EF4-FFF2-40B4-BE49-F238E27FC236}">
-                <a16:creationId xmlns="" xmlns:a16="http://schemas.microsoft.com/office/drawing/2014/main" id="{A72F22B4-E4AA-DED2-4FE8-84589D8E0072}"/>
+                <a16:creationId xmlns:a16="http://schemas.microsoft.com/office/drawing/2014/main" xmlns="" id="{A72F22B4-E4AA-DED2-4FE8-84589D8E0072}"/>
               </a:ext>
             </a:extLst>
           </p:cNvPr>
@@ -10549,7 +10961,7 @@
           <a:blip r:embed="rId2">
             <a:extLst>
               <a:ext uri="{28A0092B-C50C-407E-A947-70E740481C1C}">
-                <a14:useLocalDpi xmlns="" xmlns:a14="http://schemas.microsoft.com/office/drawing/2010/main" val="0"/>
+                <a14:useLocalDpi xmlns:a14="http://schemas.microsoft.com/office/drawing/2010/main" xmlns="" val="0"/>
               </a:ext>
             </a:extLst>
           </a:blip>
@@ -10570,7 +10982,7 @@
           <p:cNvPr id="8" name="文本框 7">
             <a:extLst>
               <a:ext uri="{FF2B5EF4-FFF2-40B4-BE49-F238E27FC236}">
-                <a16:creationId xmlns="" xmlns:a16="http://schemas.microsoft.com/office/drawing/2014/main" id="{848B05F5-64E6-7B36-6AD3-7E4F7830C95F}"/>
+                <a16:creationId xmlns:a16="http://schemas.microsoft.com/office/drawing/2014/main" xmlns="" id="{848B05F5-64E6-7B36-6AD3-7E4F7830C95F}"/>
               </a:ext>
             </a:extLst>
           </p:cNvPr>
@@ -10622,7 +11034,7 @@
     </p:spTree>
     <p:extLst>
       <p:ext uri="{BB962C8B-B14F-4D97-AF65-F5344CB8AC3E}">
-        <p14:creationId xmlns="" xmlns:p14="http://schemas.microsoft.com/office/powerpoint/2010/main" val="4200007885"/>
+        <p14:creationId xmlns:p14="http://schemas.microsoft.com/office/powerpoint/2010/main" xmlns="" val="4200007885"/>
       </p:ext>
     </p:extLst>
   </p:cSld>
@@ -10778,7 +11190,7 @@
           <p:cNvPr id="2" name="标题 1">
             <a:extLst>
               <a:ext uri="{FF2B5EF4-FFF2-40B4-BE49-F238E27FC236}">
-                <a16:creationId xmlns="" xmlns:a16="http://schemas.microsoft.com/office/drawing/2014/main" id="{B3F13335-104A-015E-3032-EACBD2BEBA00}"/>
+                <a16:creationId xmlns:a16="http://schemas.microsoft.com/office/drawing/2014/main" xmlns="" id="{B3F13335-104A-015E-3032-EACBD2BEBA00}"/>
               </a:ext>
             </a:extLst>
           </p:cNvPr>
@@ -10812,7 +11224,7 @@
           <p:cNvPr id="5" name="内容占位符 4">
             <a:extLst>
               <a:ext uri="{FF2B5EF4-FFF2-40B4-BE49-F238E27FC236}">
-                <a16:creationId xmlns="" xmlns:a16="http://schemas.microsoft.com/office/drawing/2014/main" id="{37CA7186-F461-8768-6AB0-EDB502334978}"/>
+                <a16:creationId xmlns:a16="http://schemas.microsoft.com/office/drawing/2014/main" xmlns="" id="{37CA7186-F461-8768-6AB0-EDB502334978}"/>
               </a:ext>
             </a:extLst>
           </p:cNvPr>
@@ -10827,7 +11239,7 @@
           <a:blip r:embed="rId2" cstate="print">
             <a:extLst>
               <a:ext uri="{28A0092B-C50C-407E-A947-70E740481C1C}">
-                <a14:useLocalDpi xmlns="" xmlns:a14="http://schemas.microsoft.com/office/drawing/2010/main" val="0"/>
+                <a14:useLocalDpi xmlns:a14="http://schemas.microsoft.com/office/drawing/2010/main" xmlns="" val="0"/>
               </a:ext>
             </a:extLst>
           </a:blip>
@@ -10867,7 +11279,7 @@
           <p:cNvPr id="6" name="标题 1">
             <a:extLst>
               <a:ext uri="{FF2B5EF4-FFF2-40B4-BE49-F238E27FC236}">
-                <a16:creationId xmlns="" xmlns:a16="http://schemas.microsoft.com/office/drawing/2014/main" id="{C81291C8-DC21-C98A-E80F-705776E3EB74}"/>
+                <a16:creationId xmlns:a16="http://schemas.microsoft.com/office/drawing/2014/main" xmlns="" id="{C81291C8-DC21-C98A-E80F-705776E3EB74}"/>
               </a:ext>
             </a:extLst>
           </p:cNvPr>
@@ -10957,7 +11369,7 @@
           <p:cNvPr id="7" name="文本框 6">
             <a:extLst>
               <a:ext uri="{FF2B5EF4-FFF2-40B4-BE49-F238E27FC236}">
-                <a16:creationId xmlns="" xmlns:a16="http://schemas.microsoft.com/office/drawing/2014/main" id="{5A115FD7-B5F6-D919-5860-BD9C52F64019}"/>
+                <a16:creationId xmlns:a16="http://schemas.microsoft.com/office/drawing/2014/main" xmlns="" id="{5A115FD7-B5F6-D919-5860-BD9C52F64019}"/>
               </a:ext>
             </a:extLst>
           </p:cNvPr>
@@ -11012,7 +11424,7 @@
     </p:spTree>
     <p:extLst>
       <p:ext uri="{BB962C8B-B14F-4D97-AF65-F5344CB8AC3E}">
-        <p14:creationId xmlns="" xmlns:p14="http://schemas.microsoft.com/office/powerpoint/2010/main" val="1039722178"/>
+        <p14:creationId xmlns:p14="http://schemas.microsoft.com/office/powerpoint/2010/main" xmlns="" val="1039722178"/>
       </p:ext>
     </p:extLst>
   </p:cSld>
@@ -11596,7 +12008,7 @@
   <a:extraClrSchemeLst/>
   <a:extLst>
     <a:ext uri="{05A4C25C-085E-4340-85A3-A5531E510DB2}">
-      <thm15:themeFamily xmlns="" xmlns:thm15="http://schemas.microsoft.com/office/thememl/2012/main" name="Vapor Trail" id="{4FDF2955-7D9C-493C-B9F9-C205151B46CD}" vid="{8F31A783-2159-4870-BC29-2BA7D038EA44}"/>
+      <thm15:themeFamily xmlns:thm15="http://schemas.microsoft.com/office/thememl/2012/main" xmlns="" name="Vapor Trail" id="{4FDF2955-7D9C-493C-B9F9-C205151B46CD}" vid="{8F31A783-2159-4870-BC29-2BA7D038EA44}"/>
     </a:ext>
   </a:extLst>
 </a:theme>

--- a/document/Presentation Password Generator.pptx
+++ b/document/Presentation Password Generator.pptx
@@ -122,7 +122,7 @@
   </p:defaultTextStyle>
   <p:extLst>
     <p:ext uri="{EFAFB233-063F-42B5-8137-9DF3F51BA10A}">
-      <p15:sldGuideLst xmlns:p15="http://schemas.microsoft.com/office/powerpoint/2012/main" xmlns="">
+      <p15:sldGuideLst xmlns="" xmlns:p15="http://schemas.microsoft.com/office/powerpoint/2012/main">
         <p15:guide id="1" orient="horz" pos="2160">
           <p15:clr>
             <a:srgbClr val="A4A3A4"/>
@@ -168,7 +168,7 @@
           <a:blip r:embed="rId2">
             <a:extLst>
               <a:ext uri="{28A0092B-C50C-407E-A947-70E740481C1C}">
-                <a14:useLocalDpi xmlns:a14="http://schemas.microsoft.com/office/drawing/2010/main" xmlns="" val="0"/>
+                <a14:useLocalDpi xmlns="" xmlns:a14="http://schemas.microsoft.com/office/drawing/2010/main" val="0"/>
               </a:ext>
             </a:extLst>
           </a:blip>
@@ -372,7 +372,7 @@
     </p:spTree>
     <p:extLst>
       <p:ext uri="{BB962C8B-B14F-4D97-AF65-F5344CB8AC3E}">
-        <p14:creationId xmlns:p14="http://schemas.microsoft.com/office/powerpoint/2010/main" xmlns="" val="3646990326"/>
+        <p14:creationId xmlns="" xmlns:p14="http://schemas.microsoft.com/office/powerpoint/2010/main" val="3646990326"/>
       </p:ext>
     </p:extLst>
   </p:cSld>
@@ -634,7 +634,7 @@
     </p:spTree>
     <p:extLst>
       <p:ext uri="{BB962C8B-B14F-4D97-AF65-F5344CB8AC3E}">
-        <p14:creationId xmlns:p14="http://schemas.microsoft.com/office/powerpoint/2010/main" xmlns="" val="71176386"/>
+        <p14:creationId xmlns="" xmlns:p14="http://schemas.microsoft.com/office/powerpoint/2010/main" val="71176386"/>
       </p:ext>
     </p:extLst>
   </p:cSld>
@@ -676,7 +676,7 @@
           <a:blip r:embed="rId2">
             <a:extLst>
               <a:ext uri="{28A0092B-C50C-407E-A947-70E740481C1C}">
-                <a14:useLocalDpi xmlns:a14="http://schemas.microsoft.com/office/drawing/2010/main" xmlns="" val="0"/>
+                <a14:useLocalDpi xmlns="" xmlns:a14="http://schemas.microsoft.com/office/drawing/2010/main" val="0"/>
               </a:ext>
             </a:extLst>
           </a:blip>
@@ -880,7 +880,7 @@
     </p:spTree>
     <p:extLst>
       <p:ext uri="{BB962C8B-B14F-4D97-AF65-F5344CB8AC3E}">
-        <p14:creationId xmlns:p14="http://schemas.microsoft.com/office/powerpoint/2010/main" xmlns="" val="1798571661"/>
+        <p14:creationId xmlns="" xmlns:p14="http://schemas.microsoft.com/office/powerpoint/2010/main" val="1798571661"/>
       </p:ext>
     </p:extLst>
   </p:cSld>
@@ -922,7 +922,7 @@
           <a:blip r:embed="rId2">
             <a:extLst>
               <a:ext uri="{28A0092B-C50C-407E-A947-70E740481C1C}">
-                <a14:useLocalDpi xmlns:a14="http://schemas.microsoft.com/office/drawing/2010/main" xmlns="" val="0"/>
+                <a14:useLocalDpi xmlns="" xmlns:a14="http://schemas.microsoft.com/office/drawing/2010/main" val="0"/>
               </a:ext>
             </a:extLst>
           </a:blip>
@@ -1427,7 +1427,7 @@
     </p:spTree>
     <p:extLst>
       <p:ext uri="{BB962C8B-B14F-4D97-AF65-F5344CB8AC3E}">
-        <p14:creationId xmlns:p14="http://schemas.microsoft.com/office/powerpoint/2010/main" xmlns="" val="2241860457"/>
+        <p14:creationId xmlns="" xmlns:p14="http://schemas.microsoft.com/office/powerpoint/2010/main" val="2241860457"/>
       </p:ext>
     </p:extLst>
   </p:cSld>
@@ -1469,7 +1469,7 @@
           <a:blip r:embed="rId2">
             <a:extLst>
               <a:ext uri="{28A0092B-C50C-407E-A947-70E740481C1C}">
-                <a14:useLocalDpi xmlns:a14="http://schemas.microsoft.com/office/drawing/2010/main" xmlns="" val="0"/>
+                <a14:useLocalDpi xmlns="" xmlns:a14="http://schemas.microsoft.com/office/drawing/2010/main" val="0"/>
               </a:ext>
             </a:extLst>
           </a:blip>
@@ -1673,7 +1673,7 @@
     </p:spTree>
     <p:extLst>
       <p:ext uri="{BB962C8B-B14F-4D97-AF65-F5344CB8AC3E}">
-        <p14:creationId xmlns:p14="http://schemas.microsoft.com/office/powerpoint/2010/main" xmlns="" val="3785431333"/>
+        <p14:creationId xmlns="" xmlns:p14="http://schemas.microsoft.com/office/powerpoint/2010/main" val="3785431333"/>
       </p:ext>
     </p:extLst>
   </p:cSld>
@@ -2215,7 +2215,7 @@
     </p:spTree>
     <p:extLst>
       <p:ext uri="{BB962C8B-B14F-4D97-AF65-F5344CB8AC3E}">
-        <p14:creationId xmlns:p14="http://schemas.microsoft.com/office/powerpoint/2010/main" xmlns="" val="3188093362"/>
+        <p14:creationId xmlns="" xmlns:p14="http://schemas.microsoft.com/office/powerpoint/2010/main" val="3188093362"/>
       </p:ext>
     </p:extLst>
   </p:cSld>
@@ -2994,7 +2994,7 @@
     </p:spTree>
     <p:extLst>
       <p:ext uri="{BB962C8B-B14F-4D97-AF65-F5344CB8AC3E}">
-        <p14:creationId xmlns:p14="http://schemas.microsoft.com/office/powerpoint/2010/main" xmlns="" val="1247721429"/>
+        <p14:creationId xmlns="" xmlns:p14="http://schemas.microsoft.com/office/powerpoint/2010/main" val="1247721429"/>
       </p:ext>
     </p:extLst>
   </p:cSld>
@@ -3174,7 +3174,7 @@
     </p:spTree>
     <p:extLst>
       <p:ext uri="{BB962C8B-B14F-4D97-AF65-F5344CB8AC3E}">
-        <p14:creationId xmlns:p14="http://schemas.microsoft.com/office/powerpoint/2010/main" xmlns="" val="1314504317"/>
+        <p14:creationId xmlns="" xmlns:p14="http://schemas.microsoft.com/office/powerpoint/2010/main" val="1314504317"/>
       </p:ext>
     </p:extLst>
   </p:cSld>
@@ -3216,7 +3216,7 @@
           <a:blip r:embed="rId2">
             <a:extLst>
               <a:ext uri="{28A0092B-C50C-407E-A947-70E740481C1C}">
-                <a14:useLocalDpi xmlns:a14="http://schemas.microsoft.com/office/drawing/2010/main" xmlns="" val="0"/>
+                <a14:useLocalDpi xmlns="" xmlns:a14="http://schemas.microsoft.com/office/drawing/2010/main" val="0"/>
               </a:ext>
             </a:extLst>
           </a:blip>
@@ -3412,7 +3412,7 @@
     </p:spTree>
     <p:extLst>
       <p:ext uri="{BB962C8B-B14F-4D97-AF65-F5344CB8AC3E}">
-        <p14:creationId xmlns:p14="http://schemas.microsoft.com/office/powerpoint/2010/main" xmlns="" val="3268017753"/>
+        <p14:creationId xmlns="" xmlns:p14="http://schemas.microsoft.com/office/powerpoint/2010/main" val="3268017753"/>
       </p:ext>
     </p:extLst>
   </p:cSld>
@@ -3587,7 +3587,7 @@
     </p:spTree>
     <p:extLst>
       <p:ext uri="{BB962C8B-B14F-4D97-AF65-F5344CB8AC3E}">
-        <p14:creationId xmlns:p14="http://schemas.microsoft.com/office/powerpoint/2010/main" xmlns="" val="900410543"/>
+        <p14:creationId xmlns="" xmlns:p14="http://schemas.microsoft.com/office/powerpoint/2010/main" val="900410543"/>
       </p:ext>
     </p:extLst>
   </p:cSld>
@@ -3629,7 +3629,7 @@
           <a:blip r:embed="rId2">
             <a:extLst>
               <a:ext uri="{28A0092B-C50C-407E-A947-70E740481C1C}">
-                <a14:useLocalDpi xmlns:a14="http://schemas.microsoft.com/office/drawing/2010/main" xmlns="" val="0"/>
+                <a14:useLocalDpi xmlns="" xmlns:a14="http://schemas.microsoft.com/office/drawing/2010/main" val="0"/>
               </a:ext>
             </a:extLst>
           </a:blip>
@@ -3891,7 +3891,7 @@
     </p:spTree>
     <p:extLst>
       <p:ext uri="{BB962C8B-B14F-4D97-AF65-F5344CB8AC3E}">
-        <p14:creationId xmlns:p14="http://schemas.microsoft.com/office/powerpoint/2010/main" xmlns="" val="2811421413"/>
+        <p14:creationId xmlns="" xmlns:p14="http://schemas.microsoft.com/office/powerpoint/2010/main" val="2811421413"/>
       </p:ext>
     </p:extLst>
   </p:cSld>
@@ -4128,7 +4128,7 @@
     </p:spTree>
     <p:extLst>
       <p:ext uri="{BB962C8B-B14F-4D97-AF65-F5344CB8AC3E}">
-        <p14:creationId xmlns:p14="http://schemas.microsoft.com/office/powerpoint/2010/main" xmlns="" val="2818974999"/>
+        <p14:creationId xmlns="" xmlns:p14="http://schemas.microsoft.com/office/powerpoint/2010/main" val="2818974999"/>
       </p:ext>
     </p:extLst>
   </p:cSld>
@@ -4512,7 +4512,7 @@
     </p:spTree>
     <p:extLst>
       <p:ext uri="{BB962C8B-B14F-4D97-AF65-F5344CB8AC3E}">
-        <p14:creationId xmlns:p14="http://schemas.microsoft.com/office/powerpoint/2010/main" xmlns="" val="3602584676"/>
+        <p14:creationId xmlns="" xmlns:p14="http://schemas.microsoft.com/office/powerpoint/2010/main" val="3602584676"/>
       </p:ext>
     </p:extLst>
   </p:cSld>
@@ -4635,7 +4635,7 @@
     </p:spTree>
     <p:extLst>
       <p:ext uri="{BB962C8B-B14F-4D97-AF65-F5344CB8AC3E}">
-        <p14:creationId xmlns:p14="http://schemas.microsoft.com/office/powerpoint/2010/main" xmlns="" val="3525800094"/>
+        <p14:creationId xmlns="" xmlns:p14="http://schemas.microsoft.com/office/powerpoint/2010/main" val="3525800094"/>
       </p:ext>
     </p:extLst>
   </p:cSld>
@@ -4735,7 +4735,7 @@
     </p:spTree>
     <p:extLst>
       <p:ext uri="{BB962C8B-B14F-4D97-AF65-F5344CB8AC3E}">
-        <p14:creationId xmlns:p14="http://schemas.microsoft.com/office/powerpoint/2010/main" xmlns="" val="900002222"/>
+        <p14:creationId xmlns="" xmlns:p14="http://schemas.microsoft.com/office/powerpoint/2010/main" val="900002222"/>
       </p:ext>
     </p:extLst>
   </p:cSld>
@@ -4989,7 +4989,7 @@
     </p:spTree>
     <p:extLst>
       <p:ext uri="{BB962C8B-B14F-4D97-AF65-F5344CB8AC3E}">
-        <p14:creationId xmlns:p14="http://schemas.microsoft.com/office/powerpoint/2010/main" xmlns="" val="1979681908"/>
+        <p14:creationId xmlns="" xmlns:p14="http://schemas.microsoft.com/office/powerpoint/2010/main" val="1979681908"/>
       </p:ext>
     </p:extLst>
   </p:cSld>
@@ -5251,7 +5251,7 @@
     </p:spTree>
     <p:extLst>
       <p:ext uri="{BB962C8B-B14F-4D97-AF65-F5344CB8AC3E}">
-        <p14:creationId xmlns:p14="http://schemas.microsoft.com/office/powerpoint/2010/main" xmlns="" val="3490336120"/>
+        <p14:creationId xmlns="" xmlns:p14="http://schemas.microsoft.com/office/powerpoint/2010/main" val="3490336120"/>
       </p:ext>
     </p:extLst>
   </p:cSld>
@@ -5298,7 +5298,7 @@
           <a:blip r:embed="rId19">
             <a:extLst>
               <a:ext uri="{28A0092B-C50C-407E-A947-70E740481C1C}">
-                <a14:useLocalDpi xmlns:a14="http://schemas.microsoft.com/office/drawing/2010/main" xmlns="" val="0"/>
+                <a14:useLocalDpi xmlns="" xmlns:a14="http://schemas.microsoft.com/office/drawing/2010/main" val="0"/>
               </a:ext>
             </a:extLst>
           </a:blip>
@@ -5535,7 +5535,7 @@
     </p:spTree>
     <p:extLst>
       <p:ext uri="{BB962C8B-B14F-4D97-AF65-F5344CB8AC3E}">
-        <p14:creationId xmlns:p14="http://schemas.microsoft.com/office/powerpoint/2010/main" xmlns="" val="475220722"/>
+        <p14:creationId xmlns="" xmlns:p14="http://schemas.microsoft.com/office/powerpoint/2010/main" val="475220722"/>
       </p:ext>
     </p:extLst>
   </p:cSld>
@@ -5989,7 +5989,7 @@
           <p:cNvPr id="2" name="标题 1">
             <a:extLst>
               <a:ext uri="{FF2B5EF4-FFF2-40B4-BE49-F238E27FC236}">
-                <a16:creationId xmlns:a16="http://schemas.microsoft.com/office/drawing/2014/main" xmlns="" id="{03477B6E-72BF-255C-BEB8-DAC7203DD43E}"/>
+                <a16:creationId xmlns="" xmlns:a16="http://schemas.microsoft.com/office/drawing/2014/main" id="{03477B6E-72BF-255C-BEB8-DAC7203DD43E}"/>
               </a:ext>
             </a:extLst>
           </p:cNvPr>
@@ -6023,7 +6023,7 @@
           <p:cNvPr id="3" name="内容占位符 2">
             <a:extLst>
               <a:ext uri="{FF2B5EF4-FFF2-40B4-BE49-F238E27FC236}">
-                <a16:creationId xmlns:a16="http://schemas.microsoft.com/office/drawing/2014/main" xmlns="" id="{B5BDCBB6-C660-4E0C-04B9-8784DABF995E}"/>
+                <a16:creationId xmlns="" xmlns:a16="http://schemas.microsoft.com/office/drawing/2014/main" id="{B5BDCBB6-C660-4E0C-04B9-8784DABF995E}"/>
               </a:ext>
             </a:extLst>
           </p:cNvPr>
@@ -6120,7 +6120,7 @@
     </p:spTree>
     <p:extLst>
       <p:ext uri="{BB962C8B-B14F-4D97-AF65-F5344CB8AC3E}">
-        <p14:creationId xmlns:p14="http://schemas.microsoft.com/office/powerpoint/2010/main" xmlns="" val="1522651155"/>
+        <p14:creationId xmlns="" xmlns:p14="http://schemas.microsoft.com/office/powerpoint/2010/main" val="1522651155"/>
       </p:ext>
     </p:extLst>
   </p:cSld>
@@ -6421,7 +6421,7 @@
           <p:cNvPr id="2" name="标题 1">
             <a:extLst>
               <a:ext uri="{FF2B5EF4-FFF2-40B4-BE49-F238E27FC236}">
-                <a16:creationId xmlns:a16="http://schemas.microsoft.com/office/drawing/2014/main" xmlns="" id="{594441FE-9332-F0E4-7AE1-3123F39EBF02}"/>
+                <a16:creationId xmlns="" xmlns:a16="http://schemas.microsoft.com/office/drawing/2014/main" id="{594441FE-9332-F0E4-7AE1-3123F39EBF02}"/>
               </a:ext>
             </a:extLst>
           </p:cNvPr>
@@ -6455,7 +6455,7 @@
           <p:cNvPr id="3" name="内容占位符 2">
             <a:extLst>
               <a:ext uri="{FF2B5EF4-FFF2-40B4-BE49-F238E27FC236}">
-                <a16:creationId xmlns:a16="http://schemas.microsoft.com/office/drawing/2014/main" xmlns="" id="{C1BFAA36-BAFA-2A56-98AB-CC6300CECA0C}"/>
+                <a16:creationId xmlns="" xmlns:a16="http://schemas.microsoft.com/office/drawing/2014/main" id="{C1BFAA36-BAFA-2A56-98AB-CC6300CECA0C}"/>
               </a:ext>
             </a:extLst>
           </p:cNvPr>
@@ -6604,7 +6604,7 @@
           <p:cNvPr id="5" name="文本框 4">
             <a:extLst>
               <a:ext uri="{FF2B5EF4-FFF2-40B4-BE49-F238E27FC236}">
-                <a16:creationId xmlns:a16="http://schemas.microsoft.com/office/drawing/2014/main" xmlns="" id="{D233536E-5C4E-5A22-114B-E507F99608AF}"/>
+                <a16:creationId xmlns="" xmlns:a16="http://schemas.microsoft.com/office/drawing/2014/main" id="{D233536E-5C4E-5A22-114B-E507F99608AF}"/>
               </a:ext>
             </a:extLst>
           </p:cNvPr>
@@ -6771,7 +6771,7 @@
           <p:cNvPr id="6" name="文本框 5">
             <a:extLst>
               <a:ext uri="{FF2B5EF4-FFF2-40B4-BE49-F238E27FC236}">
-                <a16:creationId xmlns:a16="http://schemas.microsoft.com/office/drawing/2014/main" xmlns="" id="{4432D91B-110E-9A16-F8F5-9DE69295486D}"/>
+                <a16:creationId xmlns="" xmlns:a16="http://schemas.microsoft.com/office/drawing/2014/main" id="{4432D91B-110E-9A16-F8F5-9DE69295486D}"/>
               </a:ext>
             </a:extLst>
           </p:cNvPr>
@@ -6834,7 +6834,7 @@
     </p:spTree>
     <p:extLst>
       <p:ext uri="{BB962C8B-B14F-4D97-AF65-F5344CB8AC3E}">
-        <p14:creationId xmlns:p14="http://schemas.microsoft.com/office/powerpoint/2010/main" xmlns="" val="2361374323"/>
+        <p14:creationId xmlns="" xmlns:p14="http://schemas.microsoft.com/office/powerpoint/2010/main" val="2361374323"/>
       </p:ext>
     </p:extLst>
   </p:cSld>
@@ -6876,7 +6876,7 @@
           <p:cNvPr id="2" name="标题 1">
             <a:extLst>
               <a:ext uri="{FF2B5EF4-FFF2-40B4-BE49-F238E27FC236}">
-                <a16:creationId xmlns:a16="http://schemas.microsoft.com/office/drawing/2014/main" xmlns="" id="{083AE34A-2EE8-6BAE-70F0-3E8DBE525781}"/>
+                <a16:creationId xmlns="" xmlns:a16="http://schemas.microsoft.com/office/drawing/2014/main" id="{083AE34A-2EE8-6BAE-70F0-3E8DBE525781}"/>
               </a:ext>
             </a:extLst>
           </p:cNvPr>
@@ -6910,7 +6910,7 @@
           <p:cNvPr id="3" name="内容占位符 2">
             <a:extLst>
               <a:ext uri="{FF2B5EF4-FFF2-40B4-BE49-F238E27FC236}">
-                <a16:creationId xmlns:a16="http://schemas.microsoft.com/office/drawing/2014/main" xmlns="" id="{D1631241-63E7-CCA1-C041-9CEE6DF91618}"/>
+                <a16:creationId xmlns="" xmlns:a16="http://schemas.microsoft.com/office/drawing/2014/main" id="{D1631241-63E7-CCA1-C041-9CEE6DF91618}"/>
               </a:ext>
             </a:extLst>
           </p:cNvPr>
@@ -7061,7 +7061,7 @@
     </p:spTree>
     <p:extLst>
       <p:ext uri="{BB962C8B-B14F-4D97-AF65-F5344CB8AC3E}">
-        <p14:creationId xmlns:p14="http://schemas.microsoft.com/office/powerpoint/2010/main" xmlns="" val="3396672449"/>
+        <p14:creationId xmlns="" xmlns:p14="http://schemas.microsoft.com/office/powerpoint/2010/main" val="3396672449"/>
       </p:ext>
     </p:extLst>
   </p:cSld>
@@ -7103,7 +7103,7 @@
           <p:cNvPr id="2" name="标题 1">
             <a:extLst>
               <a:ext uri="{FF2B5EF4-FFF2-40B4-BE49-F238E27FC236}">
-                <a16:creationId xmlns:a16="http://schemas.microsoft.com/office/drawing/2014/main" xmlns="" id="{B26EBC45-122C-5FE6-01A0-0B6F24E25785}"/>
+                <a16:creationId xmlns="" xmlns:a16="http://schemas.microsoft.com/office/drawing/2014/main" id="{B26EBC45-122C-5FE6-01A0-0B6F24E25785}"/>
               </a:ext>
             </a:extLst>
           </p:cNvPr>
@@ -7137,7 +7137,7 @@
           <p:cNvPr id="5" name="内容占位符 4">
             <a:extLst>
               <a:ext uri="{FF2B5EF4-FFF2-40B4-BE49-F238E27FC236}">
-                <a16:creationId xmlns:a16="http://schemas.microsoft.com/office/drawing/2014/main" xmlns="" id="{B34579D3-B1D0-FFDD-242D-00F815568178}"/>
+                <a16:creationId xmlns="" xmlns:a16="http://schemas.microsoft.com/office/drawing/2014/main" id="{B34579D3-B1D0-FFDD-242D-00F815568178}"/>
               </a:ext>
             </a:extLst>
           </p:cNvPr>
@@ -7152,7 +7152,7 @@
           <a:blip r:embed="rId2">
             <a:extLst>
               <a:ext uri="{28A0092B-C50C-407E-A947-70E740481C1C}">
-                <a14:useLocalDpi xmlns:a14="http://schemas.microsoft.com/office/drawing/2010/main" xmlns="" val="0"/>
+                <a14:useLocalDpi xmlns="" xmlns:a14="http://schemas.microsoft.com/office/drawing/2010/main" val="0"/>
               </a:ext>
             </a:extLst>
           </a:blip>
@@ -7189,7 +7189,7 @@
     </p:spTree>
     <p:extLst>
       <p:ext uri="{BB962C8B-B14F-4D97-AF65-F5344CB8AC3E}">
-        <p14:creationId xmlns:p14="http://schemas.microsoft.com/office/powerpoint/2010/main" xmlns="" val="3123407964"/>
+        <p14:creationId xmlns="" xmlns:p14="http://schemas.microsoft.com/office/powerpoint/2010/main" val="3123407964"/>
       </p:ext>
     </p:extLst>
   </p:cSld>
@@ -7231,7 +7231,7 @@
           <p:cNvPr id="2" name="标题 1">
             <a:extLst>
               <a:ext uri="{FF2B5EF4-FFF2-40B4-BE49-F238E27FC236}">
-                <a16:creationId xmlns:a16="http://schemas.microsoft.com/office/drawing/2014/main" xmlns="" id="{BCD0B7BF-66C7-8E0C-EE6E-210BC09261AB}"/>
+                <a16:creationId xmlns="" xmlns:a16="http://schemas.microsoft.com/office/drawing/2014/main" id="{BCD0B7BF-66C7-8E0C-EE6E-210BC09261AB}"/>
               </a:ext>
             </a:extLst>
           </p:cNvPr>
@@ -7267,7 +7267,7 @@
           <p:cNvPr id="3" name="内容占位符 2">
             <a:extLst>
               <a:ext uri="{FF2B5EF4-FFF2-40B4-BE49-F238E27FC236}">
-                <a16:creationId xmlns:a16="http://schemas.microsoft.com/office/drawing/2014/main" xmlns="" id="{99BC1E35-F9E7-1295-FBBD-ED8B0075BF59}"/>
+                <a16:creationId xmlns="" xmlns:a16="http://schemas.microsoft.com/office/drawing/2014/main" id="{99BC1E35-F9E7-1295-FBBD-ED8B0075BF59}"/>
               </a:ext>
             </a:extLst>
           </p:cNvPr>
@@ -7286,7 +7286,7 @@
         </p:spPr>
         <p:txBody>
           <a:bodyPr>
-            <a:normAutofit fontScale="40000" lnSpcReduction="20000"/>
+            <a:normAutofit fontScale="25000" lnSpcReduction="20000"/>
           </a:bodyPr>
           <a:lstStyle/>
           <a:p>
@@ -7296,36 +7296,24 @@
               </a:lnSpc>
             </a:pPr>
             <a:r>
-              <a:rPr lang="en-NZ" sz="3000" dirty="0" err="1" smtClean="0"/>
+              <a:rPr lang="en-NZ" sz="4800" b="1" dirty="0" err="1" smtClean="0"/>
               <a:t>Maribeth</a:t>
             </a:r>
             <a:r>
-              <a:rPr lang="en-NZ" sz="3000" dirty="0" smtClean="0"/>
-              <a:t>: </a:t>
-            </a:r>
-            <a:r>
-              <a:rPr lang="en-NZ" sz="3000" dirty="0" smtClean="0"/>
-              <a:t>As I sit down to reflect on my learning journey at Future Skills Academy, I must say that it was a positive one. Being in a different working environment was such a challenge to begin with. I have no clue about the tools, modules and languages at all. I even felt overwhelmed, finding out that we needed to create a program as part of our project. Thankfully, I was put in a group where my team will always check if I needed help and has been very supportive from day 1 up to the final stage. I am very pleased with all the encouragement that they’ve shown me. We worked closely just to ensure that we are all in the same page. By doing this course/project, I gained the knowledge how to use basic CSS and notepad ++. I also learnt about User Story and Use Cases but I guess more than that, I have gained friends and built friendship. It is no secret that there is much more to learn </a:t>
-            </a:r>
-            <a:r>
-              <a:rPr lang="en-NZ" sz="3000" dirty="0" smtClean="0"/>
-              <a:t>and understand on my end. The </a:t>
-            </a:r>
-            <a:r>
-              <a:rPr lang="en-NZ" sz="3000" dirty="0" smtClean="0"/>
-              <a:t>learning environment is amazing; lecturers are very supportive and willing to extend help as much as they could</a:t>
-            </a:r>
-            <a:r>
-              <a:rPr lang="en-NZ" sz="3000" dirty="0" smtClean="0"/>
-              <a:t>.</a:t>
-            </a:r>
-            <a:endParaRPr lang="en-US" sz="3000" dirty="0" smtClean="0"/>
+              <a:rPr lang="en-NZ" sz="4800" b="1" dirty="0" smtClean="0"/>
+              <a:t>:</a:t>
+            </a:r>
+            <a:r>
+              <a:rPr lang="en-NZ" sz="4800" dirty="0" smtClean="0"/>
+              <a:t> As I sit down to reflect on my learning journey at Future Skills Academy, I must say that it was a positive one. Being in a different working environment was such a challenge to begin with. I have no clue about the tools, modules and languages at all. I even felt overwhelmed, finding out that we needed to create a program as part of our project. Thankfully, I was put in a group where my team will always check if I needed help and has been very supportive from day 1 up to the final stage. I am very pleased with all the encouragement that they’ve shown me. We worked closely just to ensure that we are all in the same page. By doing this course/project, I gained the knowledge how to use basic CSS and notepad ++. I also learnt about User Story and Use Cases but I guess more than that, I have gained friends and built friendship. It is no secret that there is much more to learn and understand on my end. The learning environment is amazing; lecturers are very supportive and willing to extend help as much as they could.</a:t>
+            </a:r>
+            <a:endParaRPr lang="en-US" sz="4800" dirty="0" smtClean="0"/>
           </a:p>
           <a:p>
             <a:pPr>
               <a:buNone/>
             </a:pPr>
-            <a:endParaRPr lang="en-NZ" sz="3000" dirty="0"/>
+            <a:endParaRPr lang="en-NZ" sz="4800" dirty="0"/>
           </a:p>
           <a:p>
             <a:pPr>
@@ -7334,31 +7322,31 @@
               </a:lnSpc>
             </a:pPr>
             <a:r>
-              <a:rPr lang="en-NZ" sz="3000" dirty="0"/>
+              <a:rPr lang="en-NZ" sz="4800" b="1" dirty="0"/>
               <a:t>Richard</a:t>
             </a:r>
             <a:r>
-              <a:rPr lang="en-NZ" sz="3000" dirty="0" smtClean="0"/>
-              <a:t>: </a:t>
-            </a:r>
-            <a:r>
-              <a:rPr lang="en-NZ" sz="3000" dirty="0"/>
+              <a:rPr lang="en-NZ" sz="4800" b="1" dirty="0" smtClean="0"/>
+              <a:t>:</a:t>
+            </a:r>
+            <a:r>
+              <a:rPr lang="en-NZ" sz="4800" dirty="0" smtClean="0"/>
               <a:t> </a:t>
             </a:r>
             <a:r>
-              <a:rPr lang="en-US" sz="3000" dirty="0" smtClean="0"/>
-              <a:t>It </a:t>
-            </a:r>
-            <a:r>
-              <a:rPr lang="en-US" sz="3000" dirty="0" smtClean="0"/>
-              <a:t>is such a tremendous learning journey for me to code and test the program step by step, and my self-confidence in building the web-based program enhanced gradually. Although, this is a very simple and beginning stage for software development, however, every step and learning experience is fundamentally important for me to grow and learn through firsthand experience.</a:t>
+              <a:rPr lang="en-NZ" sz="4800" dirty="0"/>
+              <a:t> </a:t>
+            </a:r>
+            <a:r>
+              <a:rPr lang="en-US" sz="4800" dirty="0" smtClean="0"/>
+              <a:t>It is such a tremendous learning journey for me to code and test the program step by step, and my self-confidence in building the web-based program enhanced gradually. Although, this is a very simple and beginning stage for software development, however, every step and learning experience is fundamentally important for me to grow and learn through firsthand experience.</a:t>
             </a:r>
           </a:p>
           <a:p>
             <a:pPr>
               <a:buNone/>
             </a:pPr>
-            <a:endParaRPr lang="en-NZ" sz="3000" dirty="0"/>
+            <a:endParaRPr lang="en-NZ" sz="4800" dirty="0"/>
           </a:p>
           <a:p>
             <a:pPr>
@@ -7367,33 +7355,61 @@
               </a:lnSpc>
             </a:pPr>
             <a:r>
-              <a:rPr lang="en-NZ" sz="3000" dirty="0"/>
+              <a:rPr lang="en-NZ" sz="4800" b="1" dirty="0"/>
               <a:t>Steven</a:t>
             </a:r>
             <a:r>
-              <a:rPr lang="en-NZ" sz="3000" dirty="0" smtClean="0"/>
-              <a:t>:  </a:t>
-            </a:r>
-            <a:r>
-              <a:rPr lang="en-NZ" sz="3000" dirty="0" smtClean="0"/>
-              <a:t>I was a programmer and most of my jobs were developing small games. I only had some basic knowledge about HTML and java scripts. I have never used some tools, such as </a:t>
-            </a:r>
-            <a:r>
-              <a:rPr lang="en-NZ" sz="3000" dirty="0" err="1" smtClean="0"/>
+              <a:rPr lang="en-NZ" sz="4800" b="1" dirty="0" smtClean="0"/>
+              <a:t>:</a:t>
+            </a:r>
+            <a:r>
+              <a:rPr lang="en-NZ" sz="4800" dirty="0" smtClean="0"/>
+              <a:t>  </a:t>
+            </a:r>
+            <a:r>
+              <a:rPr lang="en-NZ" sz="4800" dirty="0" smtClean="0"/>
+              <a:t>I was a programmer and most of my jobs were developing small games. I have basic knowledge with HTML and java scripts. I have never used some tools before such as </a:t>
+            </a:r>
+            <a:r>
+              <a:rPr lang="en-NZ" sz="4800" dirty="0" err="1" smtClean="0"/>
               <a:t>Nodejs</a:t>
             </a:r>
             <a:r>
-              <a:rPr lang="en-NZ" sz="3000" dirty="0" smtClean="0"/>
-              <a:t>, Git hub, and Gantt charts before this class. Through learning this course, I managed to use all of these tools. Besides, as a team leader of this project, I need to coordinate work with other team members. For example, when I realised </a:t>
-            </a:r>
-            <a:r>
-              <a:rPr lang="en-NZ" sz="3000" dirty="0" err="1" smtClean="0"/>
+              <a:rPr lang="en-NZ" sz="4800" dirty="0" smtClean="0"/>
+              <a:t>, </a:t>
+            </a:r>
+            <a:r>
+              <a:rPr lang="en-NZ" sz="4800" dirty="0" err="1" smtClean="0"/>
+              <a:t>GitHub</a:t>
+            </a:r>
+            <a:r>
+              <a:rPr lang="en-NZ" sz="4800" dirty="0" smtClean="0"/>
+              <a:t>, and Gantt charts before this class. Through this course, I managed to use all of these tools. Furthermore, as a team leader of this project, I need to coordinate and work closely with my other team members. For example, when I realised </a:t>
+            </a:r>
+            <a:r>
+              <a:rPr lang="en-NZ" sz="4800" dirty="0" err="1" smtClean="0"/>
               <a:t>Maribeth</a:t>
             </a:r>
             <a:r>
-              <a:rPr lang="en-NZ" sz="3000" dirty="0" smtClean="0"/>
-              <a:t> couldn’t test her code when the whole project has not finished, I decided to provide a new interface for her – to simply show the result that her function returns on screen. It increases my ability in project management. In addition, one of my weaknesses is my English skills. Of course, by attending this class, my English has improved.</a:t>
-            </a:r>
+              <a:rPr lang="en-NZ" sz="4800" dirty="0" smtClean="0"/>
+              <a:t> couldn’t test her code when the whole project has not finished, I decided to provide a new interface for her – to simply show the result that her function returns on screen. It increases my ability in project management and gained self-confidence. In addition, one of my weaknesses is my English skills. </a:t>
+            </a:r>
+            <a:r>
+              <a:rPr lang="en-NZ" sz="4800" dirty="0" smtClean="0"/>
+              <a:t>Definitely, </a:t>
+            </a:r>
+            <a:r>
+              <a:rPr lang="en-NZ" sz="4800" dirty="0" smtClean="0"/>
+              <a:t>by attending this class, my English has improved.</a:t>
+            </a:r>
+            <a:endParaRPr lang="en-US" sz="4800" dirty="0" smtClean="0"/>
+          </a:p>
+          <a:p>
+            <a:pPr>
+              <a:lnSpc>
+                <a:spcPct val="170000"/>
+              </a:lnSpc>
+            </a:pPr>
             <a:endParaRPr lang="en-US" sz="3000" dirty="0" smtClean="0"/>
           </a:p>
           <a:p>
@@ -7404,7 +7420,7 @@
     </p:spTree>
     <p:extLst>
       <p:ext uri="{BB962C8B-B14F-4D97-AF65-F5344CB8AC3E}">
-        <p14:creationId xmlns:p14="http://schemas.microsoft.com/office/powerpoint/2010/main" xmlns="" val="358586711"/>
+        <p14:creationId xmlns="" xmlns:p14="http://schemas.microsoft.com/office/powerpoint/2010/main" val="358586711"/>
       </p:ext>
     </p:extLst>
   </p:cSld>
@@ -7446,7 +7462,7 @@
           <p:cNvPr id="2" name="标题 1">
             <a:extLst>
               <a:ext uri="{FF2B5EF4-FFF2-40B4-BE49-F238E27FC236}">
-                <a16:creationId xmlns:a16="http://schemas.microsoft.com/office/drawing/2014/main" xmlns="" id="{7968832C-C89A-B085-ABDF-723E25F15B4E}"/>
+                <a16:creationId xmlns="" xmlns:a16="http://schemas.microsoft.com/office/drawing/2014/main" id="{7968832C-C89A-B085-ABDF-723E25F15B4E}"/>
               </a:ext>
             </a:extLst>
           </p:cNvPr>
@@ -7480,7 +7496,7 @@
           <p:cNvPr id="3" name="内容占位符 2">
             <a:extLst>
               <a:ext uri="{FF2B5EF4-FFF2-40B4-BE49-F238E27FC236}">
-                <a16:creationId xmlns:a16="http://schemas.microsoft.com/office/drawing/2014/main" xmlns="" id="{4029B2BD-2B47-E1CA-0E88-D9FBD2CA4E6C}"/>
+                <a16:creationId xmlns="" xmlns:a16="http://schemas.microsoft.com/office/drawing/2014/main" id="{4029B2BD-2B47-E1CA-0E88-D9FBD2CA4E6C}"/>
               </a:ext>
             </a:extLst>
           </p:cNvPr>
@@ -7668,7 +7684,7 @@
     </p:spTree>
     <p:extLst>
       <p:ext uri="{BB962C8B-B14F-4D97-AF65-F5344CB8AC3E}">
-        <p14:creationId xmlns:p14="http://schemas.microsoft.com/office/powerpoint/2010/main" xmlns="" val="1669517618"/>
+        <p14:creationId xmlns="" xmlns:p14="http://schemas.microsoft.com/office/powerpoint/2010/main" val="1669517618"/>
       </p:ext>
     </p:extLst>
   </p:cSld>
@@ -7710,7 +7726,7 @@
           <p:cNvPr id="2" name="标题 1">
             <a:extLst>
               <a:ext uri="{FF2B5EF4-FFF2-40B4-BE49-F238E27FC236}">
-                <a16:creationId xmlns:a16="http://schemas.microsoft.com/office/drawing/2014/main" xmlns="" id="{931FF632-26A4-A3C5-3BFA-108378087F3B}"/>
+                <a16:creationId xmlns="" xmlns:a16="http://schemas.microsoft.com/office/drawing/2014/main" id="{931FF632-26A4-A3C5-3BFA-108378087F3B}"/>
               </a:ext>
             </a:extLst>
           </p:cNvPr>
@@ -7744,7 +7760,7 @@
           <p:cNvPr id="3" name="内容占位符 2">
             <a:extLst>
               <a:ext uri="{FF2B5EF4-FFF2-40B4-BE49-F238E27FC236}">
-                <a16:creationId xmlns:a16="http://schemas.microsoft.com/office/drawing/2014/main" xmlns="" id="{10C10AB0-F6BB-26E5-C279-0931E8572F2F}"/>
+                <a16:creationId xmlns="" xmlns:a16="http://schemas.microsoft.com/office/drawing/2014/main" id="{10C10AB0-F6BB-26E5-C279-0931E8572F2F}"/>
               </a:ext>
             </a:extLst>
           </p:cNvPr>
@@ -7771,7 +7787,7 @@
     </p:spTree>
     <p:extLst>
       <p:ext uri="{BB962C8B-B14F-4D97-AF65-F5344CB8AC3E}">
-        <p14:creationId xmlns:p14="http://schemas.microsoft.com/office/powerpoint/2010/main" xmlns="" val="1405912245"/>
+        <p14:creationId xmlns="" xmlns:p14="http://schemas.microsoft.com/office/powerpoint/2010/main" val="1405912245"/>
       </p:ext>
     </p:extLst>
   </p:cSld>
@@ -7896,7 +7912,7 @@
           <p:cNvPr id="2" name="标题 1">
             <a:extLst>
               <a:ext uri="{FF2B5EF4-FFF2-40B4-BE49-F238E27FC236}">
-                <a16:creationId xmlns:a16="http://schemas.microsoft.com/office/drawing/2014/main" xmlns="" id="{9378BB5D-5C77-1E3D-912F-AA79F30B85B4}"/>
+                <a16:creationId xmlns="" xmlns:a16="http://schemas.microsoft.com/office/drawing/2014/main" id="{9378BB5D-5C77-1E3D-912F-AA79F30B85B4}"/>
               </a:ext>
             </a:extLst>
           </p:cNvPr>
@@ -7934,7 +7950,7 @@
           <p:cNvPr id="3" name="副标题 2">
             <a:extLst>
               <a:ext uri="{FF2B5EF4-FFF2-40B4-BE49-F238E27FC236}">
-                <a16:creationId xmlns:a16="http://schemas.microsoft.com/office/drawing/2014/main" xmlns="" id="{BE25738F-A275-37A7-AD92-00E90E767875}"/>
+                <a16:creationId xmlns="" xmlns:a16="http://schemas.microsoft.com/office/drawing/2014/main" id="{BE25738F-A275-37A7-AD92-00E90E767875}"/>
               </a:ext>
             </a:extLst>
           </p:cNvPr>
@@ -8022,7 +8038,7 @@
     </p:spTree>
     <p:extLst>
       <p:ext uri="{BB962C8B-B14F-4D97-AF65-F5344CB8AC3E}">
-        <p14:creationId xmlns:p14="http://schemas.microsoft.com/office/powerpoint/2010/main" xmlns="" val="467902368"/>
+        <p14:creationId xmlns="" xmlns:p14="http://schemas.microsoft.com/office/powerpoint/2010/main" val="467902368"/>
       </p:ext>
     </p:extLst>
   </p:cSld>
@@ -8327,7 +8343,7 @@
           <p:cNvPr id="2" name="标题 1">
             <a:extLst>
               <a:ext uri="{FF2B5EF4-FFF2-40B4-BE49-F238E27FC236}">
-                <a16:creationId xmlns:a16="http://schemas.microsoft.com/office/drawing/2014/main" xmlns="" id="{3B121F95-2659-B777-A490-44CC5DFFC3A1}"/>
+                <a16:creationId xmlns="" xmlns:a16="http://schemas.microsoft.com/office/drawing/2014/main" id="{3B121F95-2659-B777-A490-44CC5DFFC3A1}"/>
               </a:ext>
             </a:extLst>
           </p:cNvPr>
@@ -8361,7 +8377,7 @@
           <p:cNvPr id="3" name="内容占位符 2">
             <a:extLst>
               <a:ext uri="{FF2B5EF4-FFF2-40B4-BE49-F238E27FC236}">
-                <a16:creationId xmlns:a16="http://schemas.microsoft.com/office/drawing/2014/main" xmlns="" id="{7A6FE493-6895-3F84-9D5F-AB2A89BCCCAE}"/>
+                <a16:creationId xmlns="" xmlns:a16="http://schemas.microsoft.com/office/drawing/2014/main" id="{7A6FE493-6895-3F84-9D5F-AB2A89BCCCAE}"/>
               </a:ext>
             </a:extLst>
           </p:cNvPr>
@@ -8457,11 +8473,7 @@
             </a:pPr>
             <a:r>
               <a:rPr lang="en-NZ" dirty="0" smtClean="0"/>
-              <a:t>8.</a:t>
-            </a:r>
-            <a:r>
-              <a:rPr lang="en-NZ" dirty="0" smtClean="0"/>
-              <a:t> </a:t>
+              <a:t>8. </a:t>
             </a:r>
             <a:r>
               <a:rPr lang="en-NZ" dirty="0"/>
@@ -8478,11 +8490,7 @@
             </a:r>
             <a:r>
               <a:rPr lang="en-NZ" dirty="0" smtClean="0"/>
-              <a:t>. </a:t>
-            </a:r>
-            <a:r>
-              <a:rPr lang="en-NZ" dirty="0" smtClean="0"/>
-              <a:t>Q &amp; A</a:t>
+              <a:t>. Q &amp; A</a:t>
             </a:r>
             <a:endParaRPr lang="en-NZ" dirty="0"/>
           </a:p>
@@ -8491,7 +8499,7 @@
     </p:spTree>
     <p:extLst>
       <p:ext uri="{BB962C8B-B14F-4D97-AF65-F5344CB8AC3E}">
-        <p14:creationId xmlns:p14="http://schemas.microsoft.com/office/powerpoint/2010/main" xmlns="" val="3104536044"/>
+        <p14:creationId xmlns="" xmlns:p14="http://schemas.microsoft.com/office/powerpoint/2010/main" val="3104536044"/>
       </p:ext>
     </p:extLst>
   </p:cSld>
@@ -9108,7 +9116,7 @@
           <p:cNvPr id="2" name="标题 1">
             <a:extLst>
               <a:ext uri="{FF2B5EF4-FFF2-40B4-BE49-F238E27FC236}">
-                <a16:creationId xmlns:a16="http://schemas.microsoft.com/office/drawing/2014/main" xmlns="" id="{92465190-A9B5-15FB-0CC7-52D427954EC8}"/>
+                <a16:creationId xmlns="" xmlns:a16="http://schemas.microsoft.com/office/drawing/2014/main" id="{92465190-A9B5-15FB-0CC7-52D427954EC8}"/>
               </a:ext>
             </a:extLst>
           </p:cNvPr>
@@ -9156,7 +9164,7 @@
           <p:cNvPr id="3" name="内容占位符 2">
             <a:extLst>
               <a:ext uri="{FF2B5EF4-FFF2-40B4-BE49-F238E27FC236}">
-                <a16:creationId xmlns:a16="http://schemas.microsoft.com/office/drawing/2014/main" xmlns="" id="{CAC7A421-7F2F-3B65-83AB-9B04FEA923A7}"/>
+                <a16:creationId xmlns="" xmlns:a16="http://schemas.microsoft.com/office/drawing/2014/main" id="{CAC7A421-7F2F-3B65-83AB-9B04FEA923A7}"/>
               </a:ext>
             </a:extLst>
           </p:cNvPr>
@@ -9190,11 +9198,7 @@
             </a:r>
             <a:r>
               <a:rPr lang="en-US" dirty="0" smtClean="0"/>
-              <a:t>is a software tool that creates random or customized passwords for users. It helps users create a stronger password that provide greater security for a given type of access</a:t>
-            </a:r>
-            <a:r>
-              <a:rPr lang="en-US" dirty="0" smtClean="0"/>
-              <a:t>.</a:t>
+              <a:t>is a software tool that creates random or customized passwords for users. It helps users create a stronger password that provide greater security for a given type of access.</a:t>
             </a:r>
           </a:p>
           <a:p>
@@ -9214,11 +9218,7 @@
             </a:pPr>
             <a:r>
               <a:rPr lang="en-US" dirty="0" smtClean="0"/>
-              <a:t>• These </a:t>
-            </a:r>
-            <a:r>
-              <a:rPr lang="en-US" dirty="0" smtClean="0"/>
-              <a:t>programs produce complex/strong passwords with combinations of numbers, uppercase and lowercase letters, and special characters such as braces, asterisks, and slashes.</a:t>
+              <a:t>• These programs produce complex/strong passwords with combinations of numbers, uppercase and lowercase letters, and special characters such as braces, asterisks, and slashes.</a:t>
             </a:r>
           </a:p>
           <a:p>
@@ -9244,7 +9244,7 @@
     </p:spTree>
     <p:extLst>
       <p:ext uri="{BB962C8B-B14F-4D97-AF65-F5344CB8AC3E}">
-        <p14:creationId xmlns:p14="http://schemas.microsoft.com/office/powerpoint/2010/main" xmlns="" val="3295134947"/>
+        <p14:creationId xmlns="" xmlns:p14="http://schemas.microsoft.com/office/powerpoint/2010/main" val="3295134947"/>
       </p:ext>
     </p:extLst>
   </p:cSld>
@@ -9434,7 +9434,7 @@
           <p:cNvPr id="2" name="标题 1">
             <a:extLst>
               <a:ext uri="{FF2B5EF4-FFF2-40B4-BE49-F238E27FC236}">
-                <a16:creationId xmlns:a16="http://schemas.microsoft.com/office/drawing/2014/main" xmlns="" id="{FCD0B3A6-F68D-1E92-C281-AEDB26248FFD}"/>
+                <a16:creationId xmlns="" xmlns:a16="http://schemas.microsoft.com/office/drawing/2014/main" id="{FCD0B3A6-F68D-1E92-C281-AEDB26248FFD}"/>
               </a:ext>
             </a:extLst>
           </p:cNvPr>
@@ -9484,7 +9484,7 @@
           <p:cNvPr id="3" name="内容占位符 2">
             <a:extLst>
               <a:ext uri="{FF2B5EF4-FFF2-40B4-BE49-F238E27FC236}">
-                <a16:creationId xmlns:a16="http://schemas.microsoft.com/office/drawing/2014/main" xmlns="" id="{78485416-BC42-8064-E043-36117E18E39D}"/>
+                <a16:creationId xmlns="" xmlns:a16="http://schemas.microsoft.com/office/drawing/2014/main" id="{78485416-BC42-8064-E043-36117E18E39D}"/>
               </a:ext>
             </a:extLst>
           </p:cNvPr>
@@ -9520,7 +9520,7 @@
           <p:cNvPr id="9" name="图片 8">
             <a:extLst>
               <a:ext uri="{FF2B5EF4-FFF2-40B4-BE49-F238E27FC236}">
-                <a16:creationId xmlns:a16="http://schemas.microsoft.com/office/drawing/2014/main" xmlns="" id="{FF651C45-FDCD-6C22-94A4-F7073AFDB5F7}"/>
+                <a16:creationId xmlns="" xmlns:a16="http://schemas.microsoft.com/office/drawing/2014/main" id="{FF651C45-FDCD-6C22-94A4-F7073AFDB5F7}"/>
               </a:ext>
             </a:extLst>
           </p:cNvPr>
@@ -9533,7 +9533,7 @@
           <a:blip r:embed="rId2">
             <a:extLst>
               <a:ext uri="{28A0092B-C50C-407E-A947-70E740481C1C}">
-                <a14:useLocalDpi xmlns:a14="http://schemas.microsoft.com/office/drawing/2010/main" xmlns="" val="0"/>
+                <a14:useLocalDpi xmlns="" xmlns:a14="http://schemas.microsoft.com/office/drawing/2010/main" val="0"/>
               </a:ext>
             </a:extLst>
           </a:blip>
@@ -9554,7 +9554,7 @@
     </p:spTree>
     <p:extLst>
       <p:ext uri="{BB962C8B-B14F-4D97-AF65-F5344CB8AC3E}">
-        <p14:creationId xmlns:p14="http://schemas.microsoft.com/office/powerpoint/2010/main" xmlns="" val="1071497059"/>
+        <p14:creationId xmlns="" xmlns:p14="http://schemas.microsoft.com/office/powerpoint/2010/main" val="1071497059"/>
       </p:ext>
     </p:extLst>
   </p:cSld>
@@ -9736,7 +9736,7 @@
           <p:cNvPr id="2" name="标题 1">
             <a:extLst>
               <a:ext uri="{FF2B5EF4-FFF2-40B4-BE49-F238E27FC236}">
-                <a16:creationId xmlns:a16="http://schemas.microsoft.com/office/drawing/2014/main" xmlns="" id="{FCD0B3A6-F68D-1E92-C281-AEDB26248FFD}"/>
+                <a16:creationId xmlns="" xmlns:a16="http://schemas.microsoft.com/office/drawing/2014/main" id="{FCD0B3A6-F68D-1E92-C281-AEDB26248FFD}"/>
               </a:ext>
             </a:extLst>
           </p:cNvPr>
@@ -9786,7 +9786,7 @@
           <p:cNvPr id="3" name="内容占位符 2">
             <a:extLst>
               <a:ext uri="{FF2B5EF4-FFF2-40B4-BE49-F238E27FC236}">
-                <a16:creationId xmlns:a16="http://schemas.microsoft.com/office/drawing/2014/main" xmlns="" id="{78485416-BC42-8064-E043-36117E18E39D}"/>
+                <a16:creationId xmlns="" xmlns:a16="http://schemas.microsoft.com/office/drawing/2014/main" id="{78485416-BC42-8064-E043-36117E18E39D}"/>
               </a:ext>
             </a:extLst>
           </p:cNvPr>
@@ -9822,7 +9822,7 @@
           <p:cNvPr id="11" name="图片 10">
             <a:extLst>
               <a:ext uri="{FF2B5EF4-FFF2-40B4-BE49-F238E27FC236}">
-                <a16:creationId xmlns:a16="http://schemas.microsoft.com/office/drawing/2014/main" xmlns="" id="{9773E204-33CE-964E-0098-1E0F62D66402}"/>
+                <a16:creationId xmlns="" xmlns:a16="http://schemas.microsoft.com/office/drawing/2014/main" id="{9773E204-33CE-964E-0098-1E0F62D66402}"/>
               </a:ext>
             </a:extLst>
           </p:cNvPr>
@@ -9835,7 +9835,7 @@
           <a:blip r:embed="rId2">
             <a:extLst>
               <a:ext uri="{28A0092B-C50C-407E-A947-70E740481C1C}">
-                <a14:useLocalDpi xmlns:a14="http://schemas.microsoft.com/office/drawing/2010/main" xmlns="" val="0"/>
+                <a14:useLocalDpi xmlns="" xmlns:a14="http://schemas.microsoft.com/office/drawing/2010/main" val="0"/>
               </a:ext>
             </a:extLst>
           </a:blip>
@@ -9856,7 +9856,7 @@
     </p:spTree>
     <p:extLst>
       <p:ext uri="{BB962C8B-B14F-4D97-AF65-F5344CB8AC3E}">
-        <p14:creationId xmlns:p14="http://schemas.microsoft.com/office/powerpoint/2010/main" xmlns="" val="2552742250"/>
+        <p14:creationId xmlns="" xmlns:p14="http://schemas.microsoft.com/office/powerpoint/2010/main" val="2552742250"/>
       </p:ext>
     </p:extLst>
   </p:cSld>
@@ -9974,7 +9974,7 @@
           <p:cNvPr id="2" name="标题 1">
             <a:extLst>
               <a:ext uri="{FF2B5EF4-FFF2-40B4-BE49-F238E27FC236}">
-                <a16:creationId xmlns:a16="http://schemas.microsoft.com/office/drawing/2014/main" xmlns="" id="{1C26FFD8-8C79-58A2-F8D7-E748D28C4407}"/>
+                <a16:creationId xmlns="" xmlns:a16="http://schemas.microsoft.com/office/drawing/2014/main" id="{1C26FFD8-8C79-58A2-F8D7-E748D28C4407}"/>
               </a:ext>
             </a:extLst>
           </p:cNvPr>
@@ -10015,7 +10015,7 @@
           <p:cNvPr id="3" name="内容占位符 2">
             <a:extLst>
               <a:ext uri="{FF2B5EF4-FFF2-40B4-BE49-F238E27FC236}">
-                <a16:creationId xmlns:a16="http://schemas.microsoft.com/office/drawing/2014/main" xmlns="" id="{41F1D2A7-5294-7557-9EB3-8D491A63F4EB}"/>
+                <a16:creationId xmlns="" xmlns:a16="http://schemas.microsoft.com/office/drawing/2014/main" id="{41F1D2A7-5294-7557-9EB3-8D491A63F4EB}"/>
               </a:ext>
             </a:extLst>
           </p:cNvPr>
@@ -10055,7 +10055,7 @@
           <p:cNvPr id="4" name="内容占位符 2">
             <a:extLst>
               <a:ext uri="{FF2B5EF4-FFF2-40B4-BE49-F238E27FC236}">
-                <a16:creationId xmlns:a16="http://schemas.microsoft.com/office/drawing/2014/main" xmlns="" id="{4FF7128B-6B50-FCD4-9C75-80B7963E49CE}"/>
+                <a16:creationId xmlns="" xmlns:a16="http://schemas.microsoft.com/office/drawing/2014/main" id="{4FF7128B-6B50-FCD4-9C75-80B7963E49CE}"/>
               </a:ext>
             </a:extLst>
           </p:cNvPr>
@@ -10299,7 +10299,7 @@
           <p:cNvPr id="6" name="内容占位符 2">
             <a:extLst>
               <a:ext uri="{FF2B5EF4-FFF2-40B4-BE49-F238E27FC236}">
-                <a16:creationId xmlns:a16="http://schemas.microsoft.com/office/drawing/2014/main" xmlns="" id="{F12022C7-B80B-2281-9B7A-0C3246F09551}"/>
+                <a16:creationId xmlns="" xmlns:a16="http://schemas.microsoft.com/office/drawing/2014/main" id="{F12022C7-B80B-2281-9B7A-0C3246F09551}"/>
               </a:ext>
             </a:extLst>
           </p:cNvPr>
@@ -10498,7 +10498,7 @@
           <p:cNvPr id="8" name="内容占位符 2">
             <a:extLst>
               <a:ext uri="{FF2B5EF4-FFF2-40B4-BE49-F238E27FC236}">
-                <a16:creationId xmlns:a16="http://schemas.microsoft.com/office/drawing/2014/main" xmlns="" id="{764F7FE3-0392-CCF7-AAD7-C83EF28C73C9}"/>
+                <a16:creationId xmlns="" xmlns:a16="http://schemas.microsoft.com/office/drawing/2014/main" id="{764F7FE3-0392-CCF7-AAD7-C83EF28C73C9}"/>
               </a:ext>
             </a:extLst>
           </p:cNvPr>
@@ -10695,7 +10695,7 @@
     </p:spTree>
     <p:extLst>
       <p:ext uri="{BB962C8B-B14F-4D97-AF65-F5344CB8AC3E}">
-        <p14:creationId xmlns:p14="http://schemas.microsoft.com/office/powerpoint/2010/main" xmlns="" val="244496848"/>
+        <p14:creationId xmlns="" xmlns:p14="http://schemas.microsoft.com/office/powerpoint/2010/main" val="244496848"/>
       </p:ext>
     </p:extLst>
   </p:cSld>
@@ -10946,7 +10946,7 @@
           <p:cNvPr id="5" name="内容占位符 4">
             <a:extLst>
               <a:ext uri="{FF2B5EF4-FFF2-40B4-BE49-F238E27FC236}">
-                <a16:creationId xmlns:a16="http://schemas.microsoft.com/office/drawing/2014/main" xmlns="" id="{A72F22B4-E4AA-DED2-4FE8-84589D8E0072}"/>
+                <a16:creationId xmlns="" xmlns:a16="http://schemas.microsoft.com/office/drawing/2014/main" id="{A72F22B4-E4AA-DED2-4FE8-84589D8E0072}"/>
               </a:ext>
             </a:extLst>
           </p:cNvPr>
@@ -10961,7 +10961,7 @@
           <a:blip r:embed="rId2">
             <a:extLst>
               <a:ext uri="{28A0092B-C50C-407E-A947-70E740481C1C}">
-                <a14:useLocalDpi xmlns:a14="http://schemas.microsoft.com/office/drawing/2010/main" xmlns="" val="0"/>
+                <a14:useLocalDpi xmlns="" xmlns:a14="http://schemas.microsoft.com/office/drawing/2010/main" val="0"/>
               </a:ext>
             </a:extLst>
           </a:blip>
@@ -10982,7 +10982,7 @@
           <p:cNvPr id="8" name="文本框 7">
             <a:extLst>
               <a:ext uri="{FF2B5EF4-FFF2-40B4-BE49-F238E27FC236}">
-                <a16:creationId xmlns:a16="http://schemas.microsoft.com/office/drawing/2014/main" xmlns="" id="{848B05F5-64E6-7B36-6AD3-7E4F7830C95F}"/>
+                <a16:creationId xmlns="" xmlns:a16="http://schemas.microsoft.com/office/drawing/2014/main" id="{848B05F5-64E6-7B36-6AD3-7E4F7830C95F}"/>
               </a:ext>
             </a:extLst>
           </p:cNvPr>
@@ -11034,7 +11034,7 @@
     </p:spTree>
     <p:extLst>
       <p:ext uri="{BB962C8B-B14F-4D97-AF65-F5344CB8AC3E}">
-        <p14:creationId xmlns:p14="http://schemas.microsoft.com/office/powerpoint/2010/main" xmlns="" val="4200007885"/>
+        <p14:creationId xmlns="" xmlns:p14="http://schemas.microsoft.com/office/powerpoint/2010/main" val="4200007885"/>
       </p:ext>
     </p:extLst>
   </p:cSld>
@@ -11190,7 +11190,7 @@
           <p:cNvPr id="2" name="标题 1">
             <a:extLst>
               <a:ext uri="{FF2B5EF4-FFF2-40B4-BE49-F238E27FC236}">
-                <a16:creationId xmlns:a16="http://schemas.microsoft.com/office/drawing/2014/main" xmlns="" id="{B3F13335-104A-015E-3032-EACBD2BEBA00}"/>
+                <a16:creationId xmlns="" xmlns:a16="http://schemas.microsoft.com/office/drawing/2014/main" id="{B3F13335-104A-015E-3032-EACBD2BEBA00}"/>
               </a:ext>
             </a:extLst>
           </p:cNvPr>
@@ -11224,7 +11224,7 @@
           <p:cNvPr id="5" name="内容占位符 4">
             <a:extLst>
               <a:ext uri="{FF2B5EF4-FFF2-40B4-BE49-F238E27FC236}">
-                <a16:creationId xmlns:a16="http://schemas.microsoft.com/office/drawing/2014/main" xmlns="" id="{37CA7186-F461-8768-6AB0-EDB502334978}"/>
+                <a16:creationId xmlns="" xmlns:a16="http://schemas.microsoft.com/office/drawing/2014/main" id="{37CA7186-F461-8768-6AB0-EDB502334978}"/>
               </a:ext>
             </a:extLst>
           </p:cNvPr>
@@ -11239,7 +11239,7 @@
           <a:blip r:embed="rId2" cstate="print">
             <a:extLst>
               <a:ext uri="{28A0092B-C50C-407E-A947-70E740481C1C}">
-                <a14:useLocalDpi xmlns:a14="http://schemas.microsoft.com/office/drawing/2010/main" xmlns="" val="0"/>
+                <a14:useLocalDpi xmlns="" xmlns:a14="http://schemas.microsoft.com/office/drawing/2010/main" val="0"/>
               </a:ext>
             </a:extLst>
           </a:blip>
@@ -11279,7 +11279,7 @@
           <p:cNvPr id="6" name="标题 1">
             <a:extLst>
               <a:ext uri="{FF2B5EF4-FFF2-40B4-BE49-F238E27FC236}">
-                <a16:creationId xmlns:a16="http://schemas.microsoft.com/office/drawing/2014/main" xmlns="" id="{C81291C8-DC21-C98A-E80F-705776E3EB74}"/>
+                <a16:creationId xmlns="" xmlns:a16="http://schemas.microsoft.com/office/drawing/2014/main" id="{C81291C8-DC21-C98A-E80F-705776E3EB74}"/>
               </a:ext>
             </a:extLst>
           </p:cNvPr>
@@ -11369,7 +11369,7 @@
           <p:cNvPr id="7" name="文本框 6">
             <a:extLst>
               <a:ext uri="{FF2B5EF4-FFF2-40B4-BE49-F238E27FC236}">
-                <a16:creationId xmlns:a16="http://schemas.microsoft.com/office/drawing/2014/main" xmlns="" id="{5A115FD7-B5F6-D919-5860-BD9C52F64019}"/>
+                <a16:creationId xmlns="" xmlns:a16="http://schemas.microsoft.com/office/drawing/2014/main" id="{5A115FD7-B5F6-D919-5860-BD9C52F64019}"/>
               </a:ext>
             </a:extLst>
           </p:cNvPr>
@@ -11424,7 +11424,7 @@
     </p:spTree>
     <p:extLst>
       <p:ext uri="{BB962C8B-B14F-4D97-AF65-F5344CB8AC3E}">
-        <p14:creationId xmlns:p14="http://schemas.microsoft.com/office/powerpoint/2010/main" xmlns="" val="1039722178"/>
+        <p14:creationId xmlns="" xmlns:p14="http://schemas.microsoft.com/office/powerpoint/2010/main" val="1039722178"/>
       </p:ext>
     </p:extLst>
   </p:cSld>
@@ -12008,7 +12008,7 @@
   <a:extraClrSchemeLst/>
   <a:extLst>
     <a:ext uri="{05A4C25C-085E-4340-85A3-A5531E510DB2}">
-      <thm15:themeFamily xmlns:thm15="http://schemas.microsoft.com/office/thememl/2012/main" xmlns="" name="Vapor Trail" id="{4FDF2955-7D9C-493C-B9F9-C205151B46CD}" vid="{8F31A783-2159-4870-BC29-2BA7D038EA44}"/>
+      <thm15:themeFamily xmlns="" xmlns:thm15="http://schemas.microsoft.com/office/thememl/2012/main" name="Vapor Trail" id="{4FDF2955-7D9C-493C-B9F9-C205151B46CD}" vid="{8F31A783-2159-4870-BC29-2BA7D038EA44}"/>
     </a:ext>
   </a:extLst>
 </a:theme>

--- a/document/Presentation Password Generator.pptx
+++ b/document/Presentation Password Generator.pptx
@@ -19,9 +19,10 @@
     <p:sldId id="265" r:id="rId13"/>
     <p:sldId id="264" r:id="rId14"/>
     <p:sldId id="267" r:id="rId15"/>
-    <p:sldId id="268" r:id="rId16"/>
-    <p:sldId id="269" r:id="rId17"/>
-    <p:sldId id="272" r:id="rId18"/>
+    <p:sldId id="273" r:id="rId16"/>
+    <p:sldId id="268" r:id="rId17"/>
+    <p:sldId id="269" r:id="rId18"/>
+    <p:sldId id="272" r:id="rId19"/>
   </p:sldIdLst>
   <p:sldSz cx="12192000" cy="6858000"/>
   <p:notesSz cx="6858000" cy="9144000"/>
@@ -122,7 +123,7 @@
   </p:defaultTextStyle>
   <p:extLst>
     <p:ext uri="{EFAFB233-063F-42B5-8137-9DF3F51BA10A}">
-      <p15:sldGuideLst xmlns="" xmlns:p15="http://schemas.microsoft.com/office/powerpoint/2012/main">
+      <p15:sldGuideLst xmlns:p15="http://schemas.microsoft.com/office/powerpoint/2012/main" xmlns="">
         <p15:guide id="1" orient="horz" pos="2160">
           <p15:clr>
             <a:srgbClr val="A4A3A4"/>
@@ -168,7 +169,7 @@
           <a:blip r:embed="rId2">
             <a:extLst>
               <a:ext uri="{28A0092B-C50C-407E-A947-70E740481C1C}">
-                <a14:useLocalDpi xmlns="" xmlns:a14="http://schemas.microsoft.com/office/drawing/2010/main" val="0"/>
+                <a14:useLocalDpi xmlns:a14="http://schemas.microsoft.com/office/drawing/2010/main" xmlns="" val="0"/>
               </a:ext>
             </a:extLst>
           </a:blip>
@@ -310,7 +311,7 @@
             <a:fld id="{F1FEB44C-43DA-42AA-B9E9-395B842E5567}" type="datetimeFigureOut">
               <a:rPr lang="en-NZ" smtClean="0"/>
               <a:pPr/>
-              <a:t>27/09/2022</a:t>
+              <a:t>28/09/2022</a:t>
             </a:fld>
             <a:endParaRPr lang="en-NZ"/>
           </a:p>
@@ -372,7 +373,7 @@
     </p:spTree>
     <p:extLst>
       <p:ext uri="{BB962C8B-B14F-4D97-AF65-F5344CB8AC3E}">
-        <p14:creationId xmlns="" xmlns:p14="http://schemas.microsoft.com/office/powerpoint/2010/main" val="3646990326"/>
+        <p14:creationId xmlns:p14="http://schemas.microsoft.com/office/powerpoint/2010/main" xmlns="" val="3646990326"/>
       </p:ext>
     </p:extLst>
   </p:cSld>
@@ -582,7 +583,7 @@
             <a:fld id="{F1FEB44C-43DA-42AA-B9E9-395B842E5567}" type="datetimeFigureOut">
               <a:rPr lang="en-NZ" smtClean="0"/>
               <a:pPr/>
-              <a:t>27/09/2022</a:t>
+              <a:t>28/09/2022</a:t>
             </a:fld>
             <a:endParaRPr lang="en-NZ"/>
           </a:p>
@@ -634,7 +635,7 @@
     </p:spTree>
     <p:extLst>
       <p:ext uri="{BB962C8B-B14F-4D97-AF65-F5344CB8AC3E}">
-        <p14:creationId xmlns="" xmlns:p14="http://schemas.microsoft.com/office/powerpoint/2010/main" val="71176386"/>
+        <p14:creationId xmlns:p14="http://schemas.microsoft.com/office/powerpoint/2010/main" xmlns="" val="71176386"/>
       </p:ext>
     </p:extLst>
   </p:cSld>
@@ -676,7 +677,7 @@
           <a:blip r:embed="rId2">
             <a:extLst>
               <a:ext uri="{28A0092B-C50C-407E-A947-70E740481C1C}">
-                <a14:useLocalDpi xmlns="" xmlns:a14="http://schemas.microsoft.com/office/drawing/2010/main" val="0"/>
+                <a14:useLocalDpi xmlns:a14="http://schemas.microsoft.com/office/drawing/2010/main" xmlns="" val="0"/>
               </a:ext>
             </a:extLst>
           </a:blip>
@@ -818,7 +819,7 @@
             <a:fld id="{F1FEB44C-43DA-42AA-B9E9-395B842E5567}" type="datetimeFigureOut">
               <a:rPr lang="en-NZ" smtClean="0"/>
               <a:pPr/>
-              <a:t>27/09/2022</a:t>
+              <a:t>28/09/2022</a:t>
             </a:fld>
             <a:endParaRPr lang="en-NZ"/>
           </a:p>
@@ -880,7 +881,7 @@
     </p:spTree>
     <p:extLst>
       <p:ext uri="{BB962C8B-B14F-4D97-AF65-F5344CB8AC3E}">
-        <p14:creationId xmlns="" xmlns:p14="http://schemas.microsoft.com/office/powerpoint/2010/main" val="1798571661"/>
+        <p14:creationId xmlns:p14="http://schemas.microsoft.com/office/powerpoint/2010/main" xmlns="" val="1798571661"/>
       </p:ext>
     </p:extLst>
   </p:cSld>
@@ -922,7 +923,7 @@
           <a:blip r:embed="rId2">
             <a:extLst>
               <a:ext uri="{28A0092B-C50C-407E-A947-70E740481C1C}">
-                <a14:useLocalDpi xmlns="" xmlns:a14="http://schemas.microsoft.com/office/drawing/2010/main" val="0"/>
+                <a14:useLocalDpi xmlns:a14="http://schemas.microsoft.com/office/drawing/2010/main" xmlns="" val="0"/>
               </a:ext>
             </a:extLst>
           </a:blip>
@@ -1133,7 +1134,7 @@
             <a:fld id="{F1FEB44C-43DA-42AA-B9E9-395B842E5567}" type="datetimeFigureOut">
               <a:rPr lang="en-NZ" smtClean="0"/>
               <a:pPr/>
-              <a:t>27/09/2022</a:t>
+              <a:t>28/09/2022</a:t>
             </a:fld>
             <a:endParaRPr lang="en-NZ"/>
           </a:p>
@@ -1427,7 +1428,7 @@
     </p:spTree>
     <p:extLst>
       <p:ext uri="{BB962C8B-B14F-4D97-AF65-F5344CB8AC3E}">
-        <p14:creationId xmlns="" xmlns:p14="http://schemas.microsoft.com/office/powerpoint/2010/main" val="2241860457"/>
+        <p14:creationId xmlns:p14="http://schemas.microsoft.com/office/powerpoint/2010/main" xmlns="" val="2241860457"/>
       </p:ext>
     </p:extLst>
   </p:cSld>
@@ -1469,7 +1470,7 @@
           <a:blip r:embed="rId2">
             <a:extLst>
               <a:ext uri="{28A0092B-C50C-407E-A947-70E740481C1C}">
-                <a14:useLocalDpi xmlns="" xmlns:a14="http://schemas.microsoft.com/office/drawing/2010/main" val="0"/>
+                <a14:useLocalDpi xmlns:a14="http://schemas.microsoft.com/office/drawing/2010/main" xmlns="" val="0"/>
               </a:ext>
             </a:extLst>
           </a:blip>
@@ -1611,7 +1612,7 @@
             <a:fld id="{F1FEB44C-43DA-42AA-B9E9-395B842E5567}" type="datetimeFigureOut">
               <a:rPr lang="en-NZ" smtClean="0"/>
               <a:pPr/>
-              <a:t>27/09/2022</a:t>
+              <a:t>28/09/2022</a:t>
             </a:fld>
             <a:endParaRPr lang="en-NZ"/>
           </a:p>
@@ -1673,7 +1674,7 @@
     </p:spTree>
     <p:extLst>
       <p:ext uri="{BB962C8B-B14F-4D97-AF65-F5344CB8AC3E}">
-        <p14:creationId xmlns="" xmlns:p14="http://schemas.microsoft.com/office/powerpoint/2010/main" val="3785431333"/>
+        <p14:creationId xmlns:p14="http://schemas.microsoft.com/office/powerpoint/2010/main" xmlns="" val="3785431333"/>
       </p:ext>
     </p:extLst>
   </p:cSld>
@@ -2163,7 +2164,7 @@
             <a:fld id="{F1FEB44C-43DA-42AA-B9E9-395B842E5567}" type="datetimeFigureOut">
               <a:rPr lang="en-NZ" smtClean="0"/>
               <a:pPr/>
-              <a:t>27/09/2022</a:t>
+              <a:t>28/09/2022</a:t>
             </a:fld>
             <a:endParaRPr lang="en-NZ"/>
           </a:p>
@@ -2215,7 +2216,7 @@
     </p:spTree>
     <p:extLst>
       <p:ext uri="{BB962C8B-B14F-4D97-AF65-F5344CB8AC3E}">
-        <p14:creationId xmlns="" xmlns:p14="http://schemas.microsoft.com/office/powerpoint/2010/main" val="3188093362"/>
+        <p14:creationId xmlns:p14="http://schemas.microsoft.com/office/powerpoint/2010/main" xmlns="" val="3188093362"/>
       </p:ext>
     </p:extLst>
   </p:cSld>
@@ -2942,7 +2943,7 @@
             <a:fld id="{F1FEB44C-43DA-42AA-B9E9-395B842E5567}" type="datetimeFigureOut">
               <a:rPr lang="en-NZ" smtClean="0"/>
               <a:pPr/>
-              <a:t>27/09/2022</a:t>
+              <a:t>28/09/2022</a:t>
             </a:fld>
             <a:endParaRPr lang="en-NZ"/>
           </a:p>
@@ -2994,7 +2995,7 @@
     </p:spTree>
     <p:extLst>
       <p:ext uri="{BB962C8B-B14F-4D97-AF65-F5344CB8AC3E}">
-        <p14:creationId xmlns="" xmlns:p14="http://schemas.microsoft.com/office/powerpoint/2010/main" val="1247721429"/>
+        <p14:creationId xmlns:p14="http://schemas.microsoft.com/office/powerpoint/2010/main" xmlns="" val="1247721429"/>
       </p:ext>
     </p:extLst>
   </p:cSld>
@@ -3122,7 +3123,7 @@
             <a:fld id="{F1FEB44C-43DA-42AA-B9E9-395B842E5567}" type="datetimeFigureOut">
               <a:rPr lang="en-NZ" smtClean="0"/>
               <a:pPr/>
-              <a:t>27/09/2022</a:t>
+              <a:t>28/09/2022</a:t>
             </a:fld>
             <a:endParaRPr lang="en-NZ"/>
           </a:p>
@@ -3174,7 +3175,7 @@
     </p:spTree>
     <p:extLst>
       <p:ext uri="{BB962C8B-B14F-4D97-AF65-F5344CB8AC3E}">
-        <p14:creationId xmlns="" xmlns:p14="http://schemas.microsoft.com/office/powerpoint/2010/main" val="1314504317"/>
+        <p14:creationId xmlns:p14="http://schemas.microsoft.com/office/powerpoint/2010/main" xmlns="" val="1314504317"/>
       </p:ext>
     </p:extLst>
   </p:cSld>
@@ -3216,7 +3217,7 @@
           <a:blip r:embed="rId2">
             <a:extLst>
               <a:ext uri="{28A0092B-C50C-407E-A947-70E740481C1C}">
-                <a14:useLocalDpi xmlns="" xmlns:a14="http://schemas.microsoft.com/office/drawing/2010/main" val="0"/>
+                <a14:useLocalDpi xmlns:a14="http://schemas.microsoft.com/office/drawing/2010/main" xmlns="" val="0"/>
               </a:ext>
             </a:extLst>
           </a:blip>
@@ -3350,7 +3351,7 @@
             <a:fld id="{F1FEB44C-43DA-42AA-B9E9-395B842E5567}" type="datetimeFigureOut">
               <a:rPr lang="en-NZ" smtClean="0"/>
               <a:pPr/>
-              <a:t>27/09/2022</a:t>
+              <a:t>28/09/2022</a:t>
             </a:fld>
             <a:endParaRPr lang="en-NZ"/>
           </a:p>
@@ -3412,7 +3413,7 @@
     </p:spTree>
     <p:extLst>
       <p:ext uri="{BB962C8B-B14F-4D97-AF65-F5344CB8AC3E}">
-        <p14:creationId xmlns="" xmlns:p14="http://schemas.microsoft.com/office/powerpoint/2010/main" val="3268017753"/>
+        <p14:creationId xmlns:p14="http://schemas.microsoft.com/office/powerpoint/2010/main" xmlns="" val="3268017753"/>
       </p:ext>
     </p:extLst>
   </p:cSld>
@@ -3535,7 +3536,7 @@
             <a:fld id="{F1FEB44C-43DA-42AA-B9E9-395B842E5567}" type="datetimeFigureOut">
               <a:rPr lang="en-NZ" smtClean="0"/>
               <a:pPr/>
-              <a:t>27/09/2022</a:t>
+              <a:t>28/09/2022</a:t>
             </a:fld>
             <a:endParaRPr lang="en-NZ"/>
           </a:p>
@@ -3587,7 +3588,7 @@
     </p:spTree>
     <p:extLst>
       <p:ext uri="{BB962C8B-B14F-4D97-AF65-F5344CB8AC3E}">
-        <p14:creationId xmlns="" xmlns:p14="http://schemas.microsoft.com/office/powerpoint/2010/main" val="900410543"/>
+        <p14:creationId xmlns:p14="http://schemas.microsoft.com/office/powerpoint/2010/main" xmlns="" val="900410543"/>
       </p:ext>
     </p:extLst>
   </p:cSld>
@@ -3629,7 +3630,7 @@
           <a:blip r:embed="rId2">
             <a:extLst>
               <a:ext uri="{28A0092B-C50C-407E-A947-70E740481C1C}">
-                <a14:useLocalDpi xmlns="" xmlns:a14="http://schemas.microsoft.com/office/drawing/2010/main" val="0"/>
+                <a14:useLocalDpi xmlns:a14="http://schemas.microsoft.com/office/drawing/2010/main" xmlns="" val="0"/>
               </a:ext>
             </a:extLst>
           </a:blip>
@@ -3829,7 +3830,7 @@
             <a:fld id="{F1FEB44C-43DA-42AA-B9E9-395B842E5567}" type="datetimeFigureOut">
               <a:rPr lang="en-NZ" smtClean="0"/>
               <a:pPr/>
-              <a:t>27/09/2022</a:t>
+              <a:t>28/09/2022</a:t>
             </a:fld>
             <a:endParaRPr lang="en-NZ"/>
           </a:p>
@@ -3891,7 +3892,7 @@
     </p:spTree>
     <p:extLst>
       <p:ext uri="{BB962C8B-B14F-4D97-AF65-F5344CB8AC3E}">
-        <p14:creationId xmlns="" xmlns:p14="http://schemas.microsoft.com/office/powerpoint/2010/main" val="2811421413"/>
+        <p14:creationId xmlns:p14="http://schemas.microsoft.com/office/powerpoint/2010/main" xmlns="" val="2811421413"/>
       </p:ext>
     </p:extLst>
   </p:cSld>
@@ -4076,7 +4077,7 @@
             <a:fld id="{F1FEB44C-43DA-42AA-B9E9-395B842E5567}" type="datetimeFigureOut">
               <a:rPr lang="en-NZ" smtClean="0"/>
               <a:pPr/>
-              <a:t>27/09/2022</a:t>
+              <a:t>28/09/2022</a:t>
             </a:fld>
             <a:endParaRPr lang="en-NZ"/>
           </a:p>
@@ -4128,7 +4129,7 @@
     </p:spTree>
     <p:extLst>
       <p:ext uri="{BB962C8B-B14F-4D97-AF65-F5344CB8AC3E}">
-        <p14:creationId xmlns="" xmlns:p14="http://schemas.microsoft.com/office/powerpoint/2010/main" val="2818974999"/>
+        <p14:creationId xmlns:p14="http://schemas.microsoft.com/office/powerpoint/2010/main" xmlns="" val="2818974999"/>
       </p:ext>
     </p:extLst>
   </p:cSld>
@@ -4460,7 +4461,7 @@
             <a:fld id="{F1FEB44C-43DA-42AA-B9E9-395B842E5567}" type="datetimeFigureOut">
               <a:rPr lang="en-NZ" smtClean="0"/>
               <a:pPr/>
-              <a:t>27/09/2022</a:t>
+              <a:t>28/09/2022</a:t>
             </a:fld>
             <a:endParaRPr lang="en-NZ"/>
           </a:p>
@@ -4512,7 +4513,7 @@
     </p:spTree>
     <p:extLst>
       <p:ext uri="{BB962C8B-B14F-4D97-AF65-F5344CB8AC3E}">
-        <p14:creationId xmlns="" xmlns:p14="http://schemas.microsoft.com/office/powerpoint/2010/main" val="3602584676"/>
+        <p14:creationId xmlns:p14="http://schemas.microsoft.com/office/powerpoint/2010/main" xmlns="" val="3602584676"/>
       </p:ext>
     </p:extLst>
   </p:cSld>
@@ -4583,7 +4584,7 @@
             <a:fld id="{F1FEB44C-43DA-42AA-B9E9-395B842E5567}" type="datetimeFigureOut">
               <a:rPr lang="en-NZ" smtClean="0"/>
               <a:pPr/>
-              <a:t>27/09/2022</a:t>
+              <a:t>28/09/2022</a:t>
             </a:fld>
             <a:endParaRPr lang="en-NZ"/>
           </a:p>
@@ -4635,7 +4636,7 @@
     </p:spTree>
     <p:extLst>
       <p:ext uri="{BB962C8B-B14F-4D97-AF65-F5344CB8AC3E}">
-        <p14:creationId xmlns="" xmlns:p14="http://schemas.microsoft.com/office/powerpoint/2010/main" val="3525800094"/>
+        <p14:creationId xmlns:p14="http://schemas.microsoft.com/office/powerpoint/2010/main" xmlns="" val="3525800094"/>
       </p:ext>
     </p:extLst>
   </p:cSld>
@@ -4683,7 +4684,7 @@
             <a:fld id="{F1FEB44C-43DA-42AA-B9E9-395B842E5567}" type="datetimeFigureOut">
               <a:rPr lang="en-NZ" smtClean="0"/>
               <a:pPr/>
-              <a:t>27/09/2022</a:t>
+              <a:t>28/09/2022</a:t>
             </a:fld>
             <a:endParaRPr lang="en-NZ"/>
           </a:p>
@@ -4735,7 +4736,7 @@
     </p:spTree>
     <p:extLst>
       <p:ext uri="{BB962C8B-B14F-4D97-AF65-F5344CB8AC3E}">
-        <p14:creationId xmlns="" xmlns:p14="http://schemas.microsoft.com/office/powerpoint/2010/main" val="900002222"/>
+        <p14:creationId xmlns:p14="http://schemas.microsoft.com/office/powerpoint/2010/main" xmlns="" val="900002222"/>
       </p:ext>
     </p:extLst>
   </p:cSld>
@@ -4937,7 +4938,7 @@
             <a:fld id="{F1FEB44C-43DA-42AA-B9E9-395B842E5567}" type="datetimeFigureOut">
               <a:rPr lang="en-NZ" smtClean="0"/>
               <a:pPr/>
-              <a:t>27/09/2022</a:t>
+              <a:t>28/09/2022</a:t>
             </a:fld>
             <a:endParaRPr lang="en-NZ"/>
           </a:p>
@@ -4989,7 +4990,7 @@
     </p:spTree>
     <p:extLst>
       <p:ext uri="{BB962C8B-B14F-4D97-AF65-F5344CB8AC3E}">
-        <p14:creationId xmlns="" xmlns:p14="http://schemas.microsoft.com/office/powerpoint/2010/main" val="1979681908"/>
+        <p14:creationId xmlns:p14="http://schemas.microsoft.com/office/powerpoint/2010/main" xmlns="" val="1979681908"/>
       </p:ext>
     </p:extLst>
   </p:cSld>
@@ -5199,7 +5200,7 @@
             <a:fld id="{F1FEB44C-43DA-42AA-B9E9-395B842E5567}" type="datetimeFigureOut">
               <a:rPr lang="en-NZ" smtClean="0"/>
               <a:pPr/>
-              <a:t>27/09/2022</a:t>
+              <a:t>28/09/2022</a:t>
             </a:fld>
             <a:endParaRPr lang="en-NZ"/>
           </a:p>
@@ -5251,7 +5252,7 @@
     </p:spTree>
     <p:extLst>
       <p:ext uri="{BB962C8B-B14F-4D97-AF65-F5344CB8AC3E}">
-        <p14:creationId xmlns="" xmlns:p14="http://schemas.microsoft.com/office/powerpoint/2010/main" val="3490336120"/>
+        <p14:creationId xmlns:p14="http://schemas.microsoft.com/office/powerpoint/2010/main" xmlns="" val="3490336120"/>
       </p:ext>
     </p:extLst>
   </p:cSld>
@@ -5298,7 +5299,7 @@
           <a:blip r:embed="rId19">
             <a:extLst>
               <a:ext uri="{28A0092B-C50C-407E-A947-70E740481C1C}">
-                <a14:useLocalDpi xmlns="" xmlns:a14="http://schemas.microsoft.com/office/drawing/2010/main" val="0"/>
+                <a14:useLocalDpi xmlns:a14="http://schemas.microsoft.com/office/drawing/2010/main" xmlns="" val="0"/>
               </a:ext>
             </a:extLst>
           </a:blip>
@@ -5447,7 +5448,7 @@
             <a:fld id="{F1FEB44C-43DA-42AA-B9E9-395B842E5567}" type="datetimeFigureOut">
               <a:rPr lang="en-NZ" smtClean="0"/>
               <a:pPr/>
-              <a:t>27/09/2022</a:t>
+              <a:t>28/09/2022</a:t>
             </a:fld>
             <a:endParaRPr lang="en-NZ"/>
           </a:p>
@@ -5535,7 +5536,7 @@
     </p:spTree>
     <p:extLst>
       <p:ext uri="{BB962C8B-B14F-4D97-AF65-F5344CB8AC3E}">
-        <p14:creationId xmlns="" xmlns:p14="http://schemas.microsoft.com/office/powerpoint/2010/main" val="475220722"/>
+        <p14:creationId xmlns:p14="http://schemas.microsoft.com/office/powerpoint/2010/main" xmlns="" val="475220722"/>
       </p:ext>
     </p:extLst>
   </p:cSld>
@@ -5989,7 +5990,7 @@
           <p:cNvPr id="2" name="标题 1">
             <a:extLst>
               <a:ext uri="{FF2B5EF4-FFF2-40B4-BE49-F238E27FC236}">
-                <a16:creationId xmlns="" xmlns:a16="http://schemas.microsoft.com/office/drawing/2014/main" id="{03477B6E-72BF-255C-BEB8-DAC7203DD43E}"/>
+                <a16:creationId xmlns:a16="http://schemas.microsoft.com/office/drawing/2014/main" xmlns="" id="{03477B6E-72BF-255C-BEB8-DAC7203DD43E}"/>
               </a:ext>
             </a:extLst>
           </p:cNvPr>
@@ -6023,7 +6024,7 @@
           <p:cNvPr id="3" name="内容占位符 2">
             <a:extLst>
               <a:ext uri="{FF2B5EF4-FFF2-40B4-BE49-F238E27FC236}">
-                <a16:creationId xmlns="" xmlns:a16="http://schemas.microsoft.com/office/drawing/2014/main" id="{B5BDCBB6-C660-4E0C-04B9-8784DABF995E}"/>
+                <a16:creationId xmlns:a16="http://schemas.microsoft.com/office/drawing/2014/main" xmlns="" id="{B5BDCBB6-C660-4E0C-04B9-8784DABF995E}"/>
               </a:ext>
             </a:extLst>
           </p:cNvPr>
@@ -6120,7 +6121,7 @@
     </p:spTree>
     <p:extLst>
       <p:ext uri="{BB962C8B-B14F-4D97-AF65-F5344CB8AC3E}">
-        <p14:creationId xmlns="" xmlns:p14="http://schemas.microsoft.com/office/powerpoint/2010/main" val="1522651155"/>
+        <p14:creationId xmlns:p14="http://schemas.microsoft.com/office/powerpoint/2010/main" xmlns="" val="1522651155"/>
       </p:ext>
     </p:extLst>
   </p:cSld>
@@ -6421,7 +6422,7 @@
           <p:cNvPr id="2" name="标题 1">
             <a:extLst>
               <a:ext uri="{FF2B5EF4-FFF2-40B4-BE49-F238E27FC236}">
-                <a16:creationId xmlns="" xmlns:a16="http://schemas.microsoft.com/office/drawing/2014/main" id="{594441FE-9332-F0E4-7AE1-3123F39EBF02}"/>
+                <a16:creationId xmlns:a16="http://schemas.microsoft.com/office/drawing/2014/main" xmlns="" id="{594441FE-9332-F0E4-7AE1-3123F39EBF02}"/>
               </a:ext>
             </a:extLst>
           </p:cNvPr>
@@ -6455,7 +6456,7 @@
           <p:cNvPr id="3" name="内容占位符 2">
             <a:extLst>
               <a:ext uri="{FF2B5EF4-FFF2-40B4-BE49-F238E27FC236}">
-                <a16:creationId xmlns="" xmlns:a16="http://schemas.microsoft.com/office/drawing/2014/main" id="{C1BFAA36-BAFA-2A56-98AB-CC6300CECA0C}"/>
+                <a16:creationId xmlns:a16="http://schemas.microsoft.com/office/drawing/2014/main" xmlns="" id="{C1BFAA36-BAFA-2A56-98AB-CC6300CECA0C}"/>
               </a:ext>
             </a:extLst>
           </p:cNvPr>
@@ -6604,7 +6605,7 @@
           <p:cNvPr id="5" name="文本框 4">
             <a:extLst>
               <a:ext uri="{FF2B5EF4-FFF2-40B4-BE49-F238E27FC236}">
-                <a16:creationId xmlns="" xmlns:a16="http://schemas.microsoft.com/office/drawing/2014/main" id="{D233536E-5C4E-5A22-114B-E507F99608AF}"/>
+                <a16:creationId xmlns:a16="http://schemas.microsoft.com/office/drawing/2014/main" xmlns="" id="{D233536E-5C4E-5A22-114B-E507F99608AF}"/>
               </a:ext>
             </a:extLst>
           </p:cNvPr>
@@ -6771,7 +6772,7 @@
           <p:cNvPr id="6" name="文本框 5">
             <a:extLst>
               <a:ext uri="{FF2B5EF4-FFF2-40B4-BE49-F238E27FC236}">
-                <a16:creationId xmlns="" xmlns:a16="http://schemas.microsoft.com/office/drawing/2014/main" id="{4432D91B-110E-9A16-F8F5-9DE69295486D}"/>
+                <a16:creationId xmlns:a16="http://schemas.microsoft.com/office/drawing/2014/main" xmlns="" id="{4432D91B-110E-9A16-F8F5-9DE69295486D}"/>
               </a:ext>
             </a:extLst>
           </p:cNvPr>
@@ -6834,7 +6835,7 @@
     </p:spTree>
     <p:extLst>
       <p:ext uri="{BB962C8B-B14F-4D97-AF65-F5344CB8AC3E}">
-        <p14:creationId xmlns="" xmlns:p14="http://schemas.microsoft.com/office/powerpoint/2010/main" val="2361374323"/>
+        <p14:creationId xmlns:p14="http://schemas.microsoft.com/office/powerpoint/2010/main" xmlns="" val="2361374323"/>
       </p:ext>
     </p:extLst>
   </p:cSld>
@@ -6876,7 +6877,7 @@
           <p:cNvPr id="2" name="标题 1">
             <a:extLst>
               <a:ext uri="{FF2B5EF4-FFF2-40B4-BE49-F238E27FC236}">
-                <a16:creationId xmlns="" xmlns:a16="http://schemas.microsoft.com/office/drawing/2014/main" id="{083AE34A-2EE8-6BAE-70F0-3E8DBE525781}"/>
+                <a16:creationId xmlns:a16="http://schemas.microsoft.com/office/drawing/2014/main" xmlns="" id="{083AE34A-2EE8-6BAE-70F0-3E8DBE525781}"/>
               </a:ext>
             </a:extLst>
           </p:cNvPr>
@@ -6910,7 +6911,7 @@
           <p:cNvPr id="3" name="内容占位符 2">
             <a:extLst>
               <a:ext uri="{FF2B5EF4-FFF2-40B4-BE49-F238E27FC236}">
-                <a16:creationId xmlns="" xmlns:a16="http://schemas.microsoft.com/office/drawing/2014/main" id="{D1631241-63E7-CCA1-C041-9CEE6DF91618}"/>
+                <a16:creationId xmlns:a16="http://schemas.microsoft.com/office/drawing/2014/main" xmlns="" id="{D1631241-63E7-CCA1-C041-9CEE6DF91618}"/>
               </a:ext>
             </a:extLst>
           </p:cNvPr>
@@ -7061,7 +7062,7 @@
     </p:spTree>
     <p:extLst>
       <p:ext uri="{BB962C8B-B14F-4D97-AF65-F5344CB8AC3E}">
-        <p14:creationId xmlns="" xmlns:p14="http://schemas.microsoft.com/office/powerpoint/2010/main" val="3396672449"/>
+        <p14:creationId xmlns:p14="http://schemas.microsoft.com/office/powerpoint/2010/main" xmlns="" val="3396672449"/>
       </p:ext>
     </p:extLst>
   </p:cSld>
@@ -7103,7 +7104,7 @@
           <p:cNvPr id="2" name="标题 1">
             <a:extLst>
               <a:ext uri="{FF2B5EF4-FFF2-40B4-BE49-F238E27FC236}">
-                <a16:creationId xmlns="" xmlns:a16="http://schemas.microsoft.com/office/drawing/2014/main" id="{B26EBC45-122C-5FE6-01A0-0B6F24E25785}"/>
+                <a16:creationId xmlns:a16="http://schemas.microsoft.com/office/drawing/2014/main" xmlns="" id="{B26EBC45-122C-5FE6-01A0-0B6F24E25785}"/>
               </a:ext>
             </a:extLst>
           </p:cNvPr>
@@ -7137,7 +7138,7 @@
           <p:cNvPr id="5" name="内容占位符 4">
             <a:extLst>
               <a:ext uri="{FF2B5EF4-FFF2-40B4-BE49-F238E27FC236}">
-                <a16:creationId xmlns="" xmlns:a16="http://schemas.microsoft.com/office/drawing/2014/main" id="{B34579D3-B1D0-FFDD-242D-00F815568178}"/>
+                <a16:creationId xmlns:a16="http://schemas.microsoft.com/office/drawing/2014/main" xmlns="" id="{B34579D3-B1D0-FFDD-242D-00F815568178}"/>
               </a:ext>
             </a:extLst>
           </p:cNvPr>
@@ -7152,7 +7153,7 @@
           <a:blip r:embed="rId2">
             <a:extLst>
               <a:ext uri="{28A0092B-C50C-407E-A947-70E740481C1C}">
-                <a14:useLocalDpi xmlns="" xmlns:a14="http://schemas.microsoft.com/office/drawing/2010/main" val="0"/>
+                <a14:useLocalDpi xmlns:a14="http://schemas.microsoft.com/office/drawing/2010/main" xmlns="" val="0"/>
               </a:ext>
             </a:extLst>
           </a:blip>
@@ -7189,7 +7190,7 @@
     </p:spTree>
     <p:extLst>
       <p:ext uri="{BB962C8B-B14F-4D97-AF65-F5344CB8AC3E}">
-        <p14:creationId xmlns="" xmlns:p14="http://schemas.microsoft.com/office/powerpoint/2010/main" val="3123407964"/>
+        <p14:creationId xmlns:p14="http://schemas.microsoft.com/office/powerpoint/2010/main" xmlns="" val="3123407964"/>
       </p:ext>
     </p:extLst>
   </p:cSld>
@@ -7231,7 +7232,7 @@
           <p:cNvPr id="2" name="标题 1">
             <a:extLst>
               <a:ext uri="{FF2B5EF4-FFF2-40B4-BE49-F238E27FC236}">
-                <a16:creationId xmlns="" xmlns:a16="http://schemas.microsoft.com/office/drawing/2014/main" id="{BCD0B7BF-66C7-8E0C-EE6E-210BC09261AB}"/>
+                <a16:creationId xmlns:a16="http://schemas.microsoft.com/office/drawing/2014/main" xmlns="" id="{BCD0B7BF-66C7-8E0C-EE6E-210BC09261AB}"/>
               </a:ext>
             </a:extLst>
           </p:cNvPr>
@@ -7267,7 +7268,7 @@
           <p:cNvPr id="3" name="内容占位符 2">
             <a:extLst>
               <a:ext uri="{FF2B5EF4-FFF2-40B4-BE49-F238E27FC236}">
-                <a16:creationId xmlns="" xmlns:a16="http://schemas.microsoft.com/office/drawing/2014/main" id="{99BC1E35-F9E7-1295-FBBD-ED8B0075BF59}"/>
+                <a16:creationId xmlns:a16="http://schemas.microsoft.com/office/drawing/2014/main" xmlns="" id="{99BC1E35-F9E7-1295-FBBD-ED8B0075BF59}"/>
               </a:ext>
             </a:extLst>
           </p:cNvPr>
@@ -7364,11 +7365,7 @@
             </a:r>
             <a:r>
               <a:rPr lang="en-NZ" sz="4800" dirty="0" smtClean="0"/>
-              <a:t>  </a:t>
-            </a:r>
-            <a:r>
-              <a:rPr lang="en-NZ" sz="4800" dirty="0" smtClean="0"/>
-              <a:t>I was a programmer and most of my jobs were developing small games. I have basic knowledge with HTML and java scripts. I have never used some tools before such as </a:t>
+              <a:t>  I was a programmer and most of my jobs were developing small games. I have basic knowledge with HTML and java scripts. I have never used some tools before such as </a:t>
             </a:r>
             <a:r>
               <a:rPr lang="en-NZ" sz="4800" dirty="0" err="1" smtClean="0"/>
@@ -7392,15 +7389,7 @@
             </a:r>
             <a:r>
               <a:rPr lang="en-NZ" sz="4800" dirty="0" smtClean="0"/>
-              <a:t> couldn’t test her code when the whole project has not finished, I decided to provide a new interface for her – to simply show the result that her function returns on screen. It increases my ability in project management and gained self-confidence. In addition, one of my weaknesses is my English skills. </a:t>
-            </a:r>
-            <a:r>
-              <a:rPr lang="en-NZ" sz="4800" dirty="0" smtClean="0"/>
-              <a:t>Definitely, </a:t>
-            </a:r>
-            <a:r>
-              <a:rPr lang="en-NZ" sz="4800" dirty="0" smtClean="0"/>
-              <a:t>by attending this class, my English has improved.</a:t>
+              <a:t> couldn’t test her code when the whole project has not finished, I decided to provide a new interface for her – to simply show the result that her function returns on screen. It increases my ability in project management and gained self-confidence. In addition, one of my weaknesses is my English skills. Definitely, by attending this class, my English has improved.</a:t>
             </a:r>
             <a:endParaRPr lang="en-US" sz="4800" dirty="0" smtClean="0"/>
           </a:p>
@@ -7420,7 +7409,7 @@
     </p:spTree>
     <p:extLst>
       <p:ext uri="{BB962C8B-B14F-4D97-AF65-F5344CB8AC3E}">
-        <p14:creationId xmlns="" xmlns:p14="http://schemas.microsoft.com/office/powerpoint/2010/main" val="358586711"/>
+        <p14:creationId xmlns:p14="http://schemas.microsoft.com/office/powerpoint/2010/main" xmlns="" val="358586711"/>
       </p:ext>
     </p:extLst>
   </p:cSld>
@@ -7459,13 +7448,7 @@
       </p:grpSpPr>
       <p:sp>
         <p:nvSpPr>
-          <p:cNvPr id="2" name="标题 1">
-            <a:extLst>
-              <a:ext uri="{FF2B5EF4-FFF2-40B4-BE49-F238E27FC236}">
-                <a16:creationId xmlns="" xmlns:a16="http://schemas.microsoft.com/office/drawing/2014/main" id="{7968832C-C89A-B085-ABDF-723E25F15B4E}"/>
-              </a:ext>
-            </a:extLst>
-          </p:cNvPr>
+          <p:cNvPr id="2" name="Title 1"/>
           <p:cNvSpPr>
             <a:spLocks noGrp="1"/>
           </p:cNvSpPr>
@@ -7475,218 +7458,26 @@
         </p:nvSpPr>
         <p:spPr>
           <a:xfrm>
-            <a:off x="626852" y="229535"/>
+            <a:off x="1748286" y="1842676"/>
             <a:ext cx="8610600" cy="1293028"/>
           </a:xfrm>
         </p:spPr>
         <p:txBody>
-          <a:bodyPr/>
-          <a:lstStyle/>
-          <a:p>
-            <a:pPr algn="l"/>
-            <a:r>
-              <a:rPr lang="en-NZ" dirty="0"/>
-              <a:t>References</a:t>
-            </a:r>
-          </a:p>
-        </p:txBody>
-      </p:sp>
-      <p:sp>
-        <p:nvSpPr>
-          <p:cNvPr id="3" name="内容占位符 2">
-            <a:extLst>
-              <a:ext uri="{FF2B5EF4-FFF2-40B4-BE49-F238E27FC236}">
-                <a16:creationId xmlns="" xmlns:a16="http://schemas.microsoft.com/office/drawing/2014/main" id="{4029B2BD-2B47-E1CA-0E88-D9FBD2CA4E6C}"/>
-              </a:ext>
-            </a:extLst>
-          </p:cNvPr>
-          <p:cNvSpPr>
-            <a:spLocks noGrp="1"/>
-          </p:cNvSpPr>
-          <p:nvPr>
-            <p:ph idx="1"/>
-          </p:nvPr>
-        </p:nvSpPr>
-        <p:spPr>
-          <a:xfrm>
-            <a:off x="685800" y="1406106"/>
-            <a:ext cx="10820400" cy="4812579"/>
-          </a:xfrm>
-        </p:spPr>
-        <p:txBody>
           <a:bodyPr>
-            <a:normAutofit fontScale="70000" lnSpcReduction="20000"/>
+            <a:normAutofit/>
           </a:bodyPr>
           <a:lstStyle/>
           <a:p>
-            <a:pPr>
-              <a:lnSpc>
-                <a:spcPct val="150000"/>
-              </a:lnSpc>
-            </a:pPr>
-            <a:r>
-              <a:rPr lang="en-NZ" dirty="0" smtClean="0"/>
-              <a:t>Future Skills Academy ( August 2022), JavaScript.</a:t>
-            </a:r>
-            <a:endParaRPr lang="en-US" dirty="0" smtClean="0"/>
-          </a:p>
-          <a:p>
-            <a:pPr>
-              <a:lnSpc>
-                <a:spcPct val="150000"/>
-              </a:lnSpc>
-            </a:pPr>
-            <a:r>
-              <a:rPr lang="en-NZ" dirty="0" smtClean="0"/>
-              <a:t>What is a Password Generator? (2022),</a:t>
-            </a:r>
-            <a:r>
-              <a:rPr lang="en-NZ" i="1" u="sng" dirty="0" smtClean="0">
-                <a:hlinkClick r:id="rId2"/>
-              </a:rPr>
-              <a:t>https://www.techopedia.com/definition/31414/password-generator</a:t>
-            </a:r>
-            <a:endParaRPr lang="en-US" dirty="0" smtClean="0"/>
-          </a:p>
-          <a:p>
-            <a:pPr>
-              <a:lnSpc>
-                <a:spcPct val="150000"/>
-              </a:lnSpc>
-            </a:pPr>
-            <a:r>
-              <a:rPr lang="en-NZ" dirty="0" smtClean="0"/>
-              <a:t>Why should I use a Password Generator? (Teampassword,27.10.2022),</a:t>
-            </a:r>
-            <a:r>
-              <a:rPr lang="en-NZ" i="1" dirty="0" smtClean="0"/>
-              <a:t> https://teampassword.com/blog/why-should-i-use-a-password-generator</a:t>
-            </a:r>
-            <a:endParaRPr lang="en-US" dirty="0" smtClean="0"/>
-          </a:p>
-          <a:p>
-            <a:pPr>
-              <a:lnSpc>
-                <a:spcPct val="150000"/>
-              </a:lnSpc>
-            </a:pPr>
-            <a:r>
-              <a:rPr lang="en-NZ" dirty="0" smtClean="0"/>
-              <a:t>User Stories and Use Cases </a:t>
-            </a:r>
-            <a:r>
-              <a:rPr lang="en-NZ" i="1" dirty="0" smtClean="0"/>
-              <a:t>SDLC – Define Phase: Use Cases 13</a:t>
-            </a:r>
-            <a:r>
-              <a:rPr lang="en-NZ" i="1" baseline="30000" dirty="0" smtClean="0"/>
-              <a:t>th</a:t>
-            </a:r>
-            <a:r>
-              <a:rPr lang="en-NZ" i="1" dirty="0" smtClean="0"/>
-              <a:t> June 2022 MCSD51: Prepared by Boon</a:t>
-            </a:r>
-            <a:endParaRPr lang="en-US" dirty="0" smtClean="0"/>
-          </a:p>
-          <a:p>
-            <a:pPr>
-              <a:lnSpc>
-                <a:spcPct val="150000"/>
-              </a:lnSpc>
-            </a:pPr>
-            <a:r>
-              <a:rPr lang="en-NZ" dirty="0" smtClean="0"/>
-              <a:t>Ethical and Cultural Impact (</a:t>
-            </a:r>
-            <a:r>
-              <a:rPr lang="en-NZ" dirty="0" err="1" smtClean="0"/>
-              <a:t>Sanam</a:t>
-            </a:r>
-            <a:r>
-              <a:rPr lang="en-NZ" dirty="0" smtClean="0"/>
-              <a:t> </a:t>
-            </a:r>
-            <a:r>
-              <a:rPr lang="en-NZ" dirty="0" err="1" smtClean="0"/>
-              <a:t>Ghorbani</a:t>
-            </a:r>
-            <a:r>
-              <a:rPr lang="en-NZ" dirty="0" smtClean="0"/>
-              <a:t> </a:t>
-            </a:r>
-            <a:r>
-              <a:rPr lang="en-NZ" dirty="0" err="1" smtClean="0"/>
-              <a:t>Lyastani</a:t>
-            </a:r>
-            <a:r>
-              <a:rPr lang="en-NZ" dirty="0" smtClean="0"/>
-              <a:t> et al., 24.12.2017), </a:t>
-            </a:r>
-            <a:r>
-              <a:rPr lang="en-NZ" i="1" u="sng" dirty="0" smtClean="0">
-                <a:hlinkClick r:id="rId3"/>
-              </a:rPr>
-              <a:t>https://arxiv.org/pdf/1712.08940.pdf%22%20%5Ct%20%22_blank</a:t>
-            </a:r>
-            <a:r>
-              <a:rPr lang="en-NZ" i="1" dirty="0" smtClean="0"/>
-              <a:t>  , </a:t>
-            </a:r>
-            <a:r>
-              <a:rPr lang="en-NZ" i="1" u="sng" dirty="0" smtClean="0">
-                <a:hlinkClick r:id="rId4"/>
-              </a:rPr>
-              <a:t>https://www.sain.ca/publication/thorpePDFS/Do_Password_Managers_Nudge_Secure_Random_Passwords_SOUPS2022.pdf</a:t>
-            </a:r>
-            <a:r>
-              <a:rPr lang="en-NZ" i="1" dirty="0" smtClean="0"/>
-              <a:t> ,</a:t>
-            </a:r>
-            <a:r>
-              <a:rPr lang="en-NZ" i="1" u="sng" dirty="0" smtClean="0">
-                <a:hlinkClick r:id="rId5"/>
-              </a:rPr>
-              <a:t>https://www.researchgate.net/publication/309467190</a:t>
-            </a:r>
-            <a:endParaRPr lang="en-US" dirty="0" smtClean="0"/>
-          </a:p>
-          <a:p>
-            <a:pPr>
-              <a:lnSpc>
-                <a:spcPct val="150000"/>
-              </a:lnSpc>
-            </a:pPr>
-            <a:r>
-              <a:rPr lang="en-NZ" dirty="0" smtClean="0"/>
-              <a:t>Project Management Methodology, Water Fall Methodology Image from Google</a:t>
-            </a:r>
-            <a:endParaRPr lang="en-US" dirty="0" smtClean="0"/>
-          </a:p>
-          <a:p>
-            <a:pPr>
-              <a:lnSpc>
-                <a:spcPct val="150000"/>
-              </a:lnSpc>
-            </a:pPr>
-            <a:r>
-              <a:rPr lang="en-NZ" u="sng" dirty="0" smtClean="0">
-                <a:hlinkClick r:id="rId6"/>
-              </a:rPr>
-              <a:t>https://www.w3schools.com/cs/trycs.php?filename=demo_helloworld</a:t>
-            </a:r>
-            <a:endParaRPr lang="en-US" dirty="0" smtClean="0"/>
-          </a:p>
-          <a:p>
-            <a:endParaRPr lang="en-NZ" dirty="0"/>
+            <a:pPr algn="ctr"/>
+            <a:r>
+              <a:rPr lang="en-SG" sz="5400" b="1" dirty="0" smtClean="0"/>
+              <a:t>demonstration</a:t>
+            </a:r>
+            <a:endParaRPr lang="en-US" sz="5400" b="1" dirty="0"/>
           </a:p>
         </p:txBody>
       </p:sp>
     </p:spTree>
-    <p:extLst>
-      <p:ext uri="{BB962C8B-B14F-4D97-AF65-F5344CB8AC3E}">
-        <p14:creationId xmlns="" xmlns:p14="http://schemas.microsoft.com/office/powerpoint/2010/main" val="1669517618"/>
-      </p:ext>
-    </p:extLst>
   </p:cSld>
   <p:clrMapOvr>
     <a:masterClrMapping/>
@@ -7726,7 +7517,7 @@
           <p:cNvPr id="2" name="标题 1">
             <a:extLst>
               <a:ext uri="{FF2B5EF4-FFF2-40B4-BE49-F238E27FC236}">
-                <a16:creationId xmlns="" xmlns:a16="http://schemas.microsoft.com/office/drawing/2014/main" id="{931FF632-26A4-A3C5-3BFA-108378087F3B}"/>
+                <a16:creationId xmlns:a16="http://schemas.microsoft.com/office/drawing/2014/main" xmlns="" id="{7968832C-C89A-B085-ABDF-723E25F15B4E}"/>
               </a:ext>
             </a:extLst>
           </p:cNvPr>
@@ -7739,7 +7530,7 @@
         </p:nvSpPr>
         <p:spPr>
           <a:xfrm>
-            <a:off x="326136" y="352893"/>
+            <a:off x="626852" y="229535"/>
             <a:ext cx="8610600" cy="1293028"/>
           </a:xfrm>
         </p:spPr>
@@ -7750,7 +7541,7 @@
             <a:pPr algn="l"/>
             <a:r>
               <a:rPr lang="en-NZ" dirty="0"/>
-              <a:t>Q&amp;A</a:t>
+              <a:t>References</a:t>
             </a:r>
           </a:p>
         </p:txBody>
@@ -7760,7 +7551,7 @@
           <p:cNvPr id="3" name="内容占位符 2">
             <a:extLst>
               <a:ext uri="{FF2B5EF4-FFF2-40B4-BE49-F238E27FC236}">
-                <a16:creationId xmlns="" xmlns:a16="http://schemas.microsoft.com/office/drawing/2014/main" id="{10C10AB0-F6BB-26E5-C279-0931E8572F2F}"/>
+                <a16:creationId xmlns:a16="http://schemas.microsoft.com/office/drawing/2014/main" xmlns="" id="{4029B2BD-2B47-E1CA-0E88-D9FBD2CA4E6C}"/>
               </a:ext>
             </a:extLst>
           </p:cNvPr>
@@ -7771,15 +7562,176 @@
             <p:ph idx="1"/>
           </p:nvPr>
         </p:nvSpPr>
-        <p:spPr/>
-        <p:txBody>
-          <a:bodyPr/>
+        <p:spPr>
+          <a:xfrm>
+            <a:off x="685800" y="1406106"/>
+            <a:ext cx="10820400" cy="4812579"/>
+          </a:xfrm>
+        </p:spPr>
+        <p:txBody>
+          <a:bodyPr>
+            <a:normAutofit fontScale="70000" lnSpcReduction="20000"/>
+          </a:bodyPr>
           <a:lstStyle/>
           <a:p>
+            <a:pPr>
+              <a:lnSpc>
+                <a:spcPct val="150000"/>
+              </a:lnSpc>
+            </a:pPr>
             <a:r>
               <a:rPr lang="en-NZ" dirty="0" smtClean="0"/>
-              <a:t>Questions and Answers</a:t>
-            </a:r>
+              <a:t>Future Skills Academy ( August 2022), JavaScript.</a:t>
+            </a:r>
+            <a:endParaRPr lang="en-US" dirty="0" smtClean="0"/>
+          </a:p>
+          <a:p>
+            <a:pPr>
+              <a:lnSpc>
+                <a:spcPct val="150000"/>
+              </a:lnSpc>
+            </a:pPr>
+            <a:r>
+              <a:rPr lang="en-NZ" dirty="0" smtClean="0"/>
+              <a:t>What is a Password Generator? (2022),</a:t>
+            </a:r>
+            <a:r>
+              <a:rPr lang="en-NZ" i="1" u="sng" dirty="0" smtClean="0">
+                <a:hlinkClick r:id="rId2"/>
+              </a:rPr>
+              <a:t>https://www.techopedia.com/definition/31414/password-generator</a:t>
+            </a:r>
+            <a:endParaRPr lang="en-US" dirty="0" smtClean="0"/>
+          </a:p>
+          <a:p>
+            <a:pPr>
+              <a:lnSpc>
+                <a:spcPct val="150000"/>
+              </a:lnSpc>
+            </a:pPr>
+            <a:r>
+              <a:rPr lang="en-NZ" dirty="0" smtClean="0"/>
+              <a:t>Why should I use a Password Generator? (Teampassword,27.10.2022),</a:t>
+            </a:r>
+            <a:r>
+              <a:rPr lang="en-NZ" i="1" dirty="0" smtClean="0"/>
+              <a:t> https://teampassword.com/blog/why-should-i-use-a-password-generator</a:t>
+            </a:r>
+            <a:endParaRPr lang="en-US" dirty="0" smtClean="0"/>
+          </a:p>
+          <a:p>
+            <a:pPr>
+              <a:lnSpc>
+                <a:spcPct val="150000"/>
+              </a:lnSpc>
+            </a:pPr>
+            <a:r>
+              <a:rPr lang="en-NZ" dirty="0" smtClean="0"/>
+              <a:t>User Stories and Use Cases </a:t>
+            </a:r>
+            <a:r>
+              <a:rPr lang="en-NZ" i="1" dirty="0" smtClean="0"/>
+              <a:t>SDLC – Define Phase: Use Cases 13</a:t>
+            </a:r>
+            <a:r>
+              <a:rPr lang="en-NZ" i="1" baseline="30000" dirty="0" smtClean="0"/>
+              <a:t>th</a:t>
+            </a:r>
+            <a:r>
+              <a:rPr lang="en-NZ" i="1" dirty="0" smtClean="0"/>
+              <a:t> June 2022 MCSD51: Prepared by Boon</a:t>
+            </a:r>
+            <a:endParaRPr lang="en-US" dirty="0" smtClean="0"/>
+          </a:p>
+          <a:p>
+            <a:pPr>
+              <a:lnSpc>
+                <a:spcPct val="150000"/>
+              </a:lnSpc>
+            </a:pPr>
+            <a:r>
+              <a:rPr lang="en-NZ" dirty="0" smtClean="0"/>
+              <a:t>Ethical and Cultural Impact (</a:t>
+            </a:r>
+            <a:r>
+              <a:rPr lang="en-NZ" dirty="0" err="1" smtClean="0"/>
+              <a:t>Sanam</a:t>
+            </a:r>
+            <a:r>
+              <a:rPr lang="en-NZ" dirty="0" smtClean="0"/>
+              <a:t> </a:t>
+            </a:r>
+            <a:r>
+              <a:rPr lang="en-NZ" dirty="0" err="1" smtClean="0"/>
+              <a:t>Ghorbani</a:t>
+            </a:r>
+            <a:r>
+              <a:rPr lang="en-NZ" dirty="0" smtClean="0"/>
+              <a:t> </a:t>
+            </a:r>
+            <a:r>
+              <a:rPr lang="en-NZ" dirty="0" err="1" smtClean="0"/>
+              <a:t>Lyastani</a:t>
+            </a:r>
+            <a:r>
+              <a:rPr lang="en-NZ" dirty="0" smtClean="0"/>
+              <a:t> et al., 24.12.2017), </a:t>
+            </a:r>
+            <a:r>
+              <a:rPr lang="en-NZ" i="1" u="sng" dirty="0" smtClean="0">
+                <a:hlinkClick r:id="rId3"/>
+              </a:rPr>
+              <a:t>https://arxiv.org/pdf/1712.08940.pdf%22%20%5Ct%20%22_blank</a:t>
+            </a:r>
+            <a:r>
+              <a:rPr lang="en-NZ" i="1" dirty="0" smtClean="0"/>
+              <a:t>  , </a:t>
+            </a:r>
+            <a:r>
+              <a:rPr lang="en-NZ" i="1" u="sng" dirty="0" smtClean="0">
+                <a:hlinkClick r:id="rId4"/>
+              </a:rPr>
+              <a:t>https://www.sain.ca/publication/thorpePDFS/Do_Password_Managers_Nudge_Secure_Random_Passwords_SOUPS2022.pdf</a:t>
+            </a:r>
+            <a:r>
+              <a:rPr lang="en-NZ" i="1" dirty="0" smtClean="0"/>
+              <a:t> ,</a:t>
+            </a:r>
+            <a:r>
+              <a:rPr lang="en-NZ" i="1" u="sng" dirty="0" smtClean="0">
+                <a:hlinkClick r:id="rId5"/>
+              </a:rPr>
+              <a:t>https://www.researchgate.net/publication/309467190</a:t>
+            </a:r>
+            <a:endParaRPr lang="en-US" dirty="0" smtClean="0"/>
+          </a:p>
+          <a:p>
+            <a:pPr>
+              <a:lnSpc>
+                <a:spcPct val="150000"/>
+              </a:lnSpc>
+            </a:pPr>
+            <a:r>
+              <a:rPr lang="en-NZ" dirty="0" smtClean="0"/>
+              <a:t>Project Management Methodology, Water Fall Methodology Image from Google</a:t>
+            </a:r>
+            <a:endParaRPr lang="en-US" dirty="0" smtClean="0"/>
+          </a:p>
+          <a:p>
+            <a:pPr>
+              <a:lnSpc>
+                <a:spcPct val="150000"/>
+              </a:lnSpc>
+            </a:pPr>
+            <a:r>
+              <a:rPr lang="en-NZ" u="sng" dirty="0" smtClean="0">
+                <a:hlinkClick r:id="rId6"/>
+              </a:rPr>
+              <a:t>https://www.w3schools.com/cs/trycs.php?filename=demo_helloworld</a:t>
+            </a:r>
+            <a:endParaRPr lang="en-US" dirty="0" smtClean="0"/>
+          </a:p>
+          <a:p>
             <a:endParaRPr lang="en-NZ" dirty="0"/>
           </a:p>
         </p:txBody>
@@ -7787,7 +7739,7 @@
     </p:spTree>
     <p:extLst>
       <p:ext uri="{BB962C8B-B14F-4D97-AF65-F5344CB8AC3E}">
-        <p14:creationId xmlns="" xmlns:p14="http://schemas.microsoft.com/office/powerpoint/2010/main" val="1405912245"/>
+        <p14:creationId xmlns:p14="http://schemas.microsoft.com/office/powerpoint/2010/main" xmlns="" val="1669517618"/>
       </p:ext>
     </p:extLst>
   </p:cSld>
@@ -7826,6 +7778,109 @@
       </p:grpSpPr>
       <p:sp>
         <p:nvSpPr>
+          <p:cNvPr id="2" name="标题 1">
+            <a:extLst>
+              <a:ext uri="{FF2B5EF4-FFF2-40B4-BE49-F238E27FC236}">
+                <a16:creationId xmlns:a16="http://schemas.microsoft.com/office/drawing/2014/main" xmlns="" id="{931FF632-26A4-A3C5-3BFA-108378087F3B}"/>
+              </a:ext>
+            </a:extLst>
+          </p:cNvPr>
+          <p:cNvSpPr>
+            <a:spLocks noGrp="1"/>
+          </p:cNvSpPr>
+          <p:nvPr>
+            <p:ph type="title"/>
+          </p:nvPr>
+        </p:nvSpPr>
+        <p:spPr>
+          <a:xfrm>
+            <a:off x="326136" y="352893"/>
+            <a:ext cx="8610600" cy="1293028"/>
+          </a:xfrm>
+        </p:spPr>
+        <p:txBody>
+          <a:bodyPr/>
+          <a:lstStyle/>
+          <a:p>
+            <a:pPr algn="l"/>
+            <a:r>
+              <a:rPr lang="en-NZ" dirty="0"/>
+              <a:t>Q&amp;A</a:t>
+            </a:r>
+          </a:p>
+        </p:txBody>
+      </p:sp>
+      <p:sp>
+        <p:nvSpPr>
+          <p:cNvPr id="3" name="内容占位符 2">
+            <a:extLst>
+              <a:ext uri="{FF2B5EF4-FFF2-40B4-BE49-F238E27FC236}">
+                <a16:creationId xmlns:a16="http://schemas.microsoft.com/office/drawing/2014/main" xmlns="" id="{10C10AB0-F6BB-26E5-C279-0931E8572F2F}"/>
+              </a:ext>
+            </a:extLst>
+          </p:cNvPr>
+          <p:cNvSpPr>
+            <a:spLocks noGrp="1"/>
+          </p:cNvSpPr>
+          <p:nvPr>
+            <p:ph idx="1"/>
+          </p:nvPr>
+        </p:nvSpPr>
+        <p:spPr/>
+        <p:txBody>
+          <a:bodyPr/>
+          <a:lstStyle/>
+          <a:p>
+            <a:r>
+              <a:rPr lang="en-NZ" dirty="0" smtClean="0"/>
+              <a:t>Questions and Answers</a:t>
+            </a:r>
+            <a:endParaRPr lang="en-NZ" dirty="0"/>
+          </a:p>
+        </p:txBody>
+      </p:sp>
+    </p:spTree>
+    <p:extLst>
+      <p:ext uri="{BB962C8B-B14F-4D97-AF65-F5344CB8AC3E}">
+        <p14:creationId xmlns:p14="http://schemas.microsoft.com/office/powerpoint/2010/main" xmlns="" val="1405912245"/>
+      </p:ext>
+    </p:extLst>
+  </p:cSld>
+  <p:clrMapOvr>
+    <a:masterClrMapping/>
+  </p:clrMapOvr>
+  <p:transition spd="slow">
+    <p:cover dir="d"/>
+  </p:transition>
+  <p:timing>
+    <p:tnLst>
+      <p:par>
+        <p:cTn id="1" dur="indefinite" restart="never" nodeType="tmRoot"/>
+      </p:par>
+    </p:tnLst>
+  </p:timing>
+</p:sld>
+</file>
+
+<file path=ppt/slides/slide18.xml><?xml version="1.0" encoding="utf-8"?>
+<p:sld xmlns:a="http://schemas.openxmlformats.org/drawingml/2006/main" xmlns:r="http://schemas.openxmlformats.org/officeDocument/2006/relationships" xmlns:p="http://schemas.openxmlformats.org/presentationml/2006/main">
+  <p:cSld>
+    <p:spTree>
+      <p:nvGrpSpPr>
+        <p:cNvPr id="1" name=""/>
+        <p:cNvGrpSpPr/>
+        <p:nvPr/>
+      </p:nvGrpSpPr>
+      <p:grpSpPr>
+        <a:xfrm>
+          <a:off x="0" y="0"/>
+          <a:ext cx="0" cy="0"/>
+          <a:chOff x="0" y="0"/>
+          <a:chExt cx="0" cy="0"/>
+        </a:xfrm>
+      </p:grpSpPr>
+      <p:sp>
+        <p:nvSpPr>
           <p:cNvPr id="3" name="Content Placeholder 2"/>
           <p:cNvSpPr>
             <a:spLocks noGrp="1"/>
@@ -7855,19 +7910,15 @@
             <a:pPr algn="ctr">
               <a:buNone/>
             </a:pPr>
-            <a:endParaRPr lang="en-SG" sz="6000" smtClean="0"/>
+            <a:endParaRPr lang="en-SG" sz="6000" dirty="0" smtClean="0"/>
           </a:p>
           <a:p>
             <a:pPr algn="ctr">
               <a:buNone/>
             </a:pPr>
             <a:r>
-              <a:rPr lang="en-SG" sz="6000" smtClean="0"/>
-              <a:t>Thank </a:t>
-            </a:r>
-            <a:r>
-              <a:rPr lang="en-SG" sz="6000" dirty="0" smtClean="0"/>
-              <a:t>you everyone!</a:t>
+              <a:rPr lang="en-SG" sz="6000" b="1" dirty="0" smtClean="0"/>
+              <a:t>Thank you everyone!</a:t>
             </a:r>
           </a:p>
         </p:txBody>
@@ -7912,7 +7963,7 @@
           <p:cNvPr id="2" name="标题 1">
             <a:extLst>
               <a:ext uri="{FF2B5EF4-FFF2-40B4-BE49-F238E27FC236}">
-                <a16:creationId xmlns="" xmlns:a16="http://schemas.microsoft.com/office/drawing/2014/main" id="{9378BB5D-5C77-1E3D-912F-AA79F30B85B4}"/>
+                <a16:creationId xmlns:a16="http://schemas.microsoft.com/office/drawing/2014/main" xmlns="" id="{9378BB5D-5C77-1E3D-912F-AA79F30B85B4}"/>
               </a:ext>
             </a:extLst>
           </p:cNvPr>
@@ -7950,7 +8001,7 @@
           <p:cNvPr id="3" name="副标题 2">
             <a:extLst>
               <a:ext uri="{FF2B5EF4-FFF2-40B4-BE49-F238E27FC236}">
-                <a16:creationId xmlns="" xmlns:a16="http://schemas.microsoft.com/office/drawing/2014/main" id="{BE25738F-A275-37A7-AD92-00E90E767875}"/>
+                <a16:creationId xmlns:a16="http://schemas.microsoft.com/office/drawing/2014/main" xmlns="" id="{BE25738F-A275-37A7-AD92-00E90E767875}"/>
               </a:ext>
             </a:extLst>
           </p:cNvPr>
@@ -8038,7 +8089,7 @@
     </p:spTree>
     <p:extLst>
       <p:ext uri="{BB962C8B-B14F-4D97-AF65-F5344CB8AC3E}">
-        <p14:creationId xmlns="" xmlns:p14="http://schemas.microsoft.com/office/powerpoint/2010/main" val="467902368"/>
+        <p14:creationId xmlns:p14="http://schemas.microsoft.com/office/powerpoint/2010/main" xmlns="" val="467902368"/>
       </p:ext>
     </p:extLst>
   </p:cSld>
@@ -8343,7 +8394,7 @@
           <p:cNvPr id="2" name="标题 1">
             <a:extLst>
               <a:ext uri="{FF2B5EF4-FFF2-40B4-BE49-F238E27FC236}">
-                <a16:creationId xmlns="" xmlns:a16="http://schemas.microsoft.com/office/drawing/2014/main" id="{3B121F95-2659-B777-A490-44CC5DFFC3A1}"/>
+                <a16:creationId xmlns:a16="http://schemas.microsoft.com/office/drawing/2014/main" xmlns="" id="{3B121F95-2659-B777-A490-44CC5DFFC3A1}"/>
               </a:ext>
             </a:extLst>
           </p:cNvPr>
@@ -8377,7 +8428,7 @@
           <p:cNvPr id="3" name="内容占位符 2">
             <a:extLst>
               <a:ext uri="{FF2B5EF4-FFF2-40B4-BE49-F238E27FC236}">
-                <a16:creationId xmlns="" xmlns:a16="http://schemas.microsoft.com/office/drawing/2014/main" id="{7A6FE493-6895-3F84-9D5F-AB2A89BCCCAE}"/>
+                <a16:creationId xmlns:a16="http://schemas.microsoft.com/office/drawing/2014/main" xmlns="" id="{7A6FE493-6895-3F84-9D5F-AB2A89BCCCAE}"/>
               </a:ext>
             </a:extLst>
           </p:cNvPr>
@@ -8499,7 +8550,7 @@
     </p:spTree>
     <p:extLst>
       <p:ext uri="{BB962C8B-B14F-4D97-AF65-F5344CB8AC3E}">
-        <p14:creationId xmlns="" xmlns:p14="http://schemas.microsoft.com/office/powerpoint/2010/main" val="3104536044"/>
+        <p14:creationId xmlns:p14="http://schemas.microsoft.com/office/powerpoint/2010/main" xmlns="" val="3104536044"/>
       </p:ext>
     </p:extLst>
   </p:cSld>
@@ -9116,7 +9167,7 @@
           <p:cNvPr id="2" name="标题 1">
             <a:extLst>
               <a:ext uri="{FF2B5EF4-FFF2-40B4-BE49-F238E27FC236}">
-                <a16:creationId xmlns="" xmlns:a16="http://schemas.microsoft.com/office/drawing/2014/main" id="{92465190-A9B5-15FB-0CC7-52D427954EC8}"/>
+                <a16:creationId xmlns:a16="http://schemas.microsoft.com/office/drawing/2014/main" xmlns="" id="{92465190-A9B5-15FB-0CC7-52D427954EC8}"/>
               </a:ext>
             </a:extLst>
           </p:cNvPr>
@@ -9164,7 +9215,7 @@
           <p:cNvPr id="3" name="内容占位符 2">
             <a:extLst>
               <a:ext uri="{FF2B5EF4-FFF2-40B4-BE49-F238E27FC236}">
-                <a16:creationId xmlns="" xmlns:a16="http://schemas.microsoft.com/office/drawing/2014/main" id="{CAC7A421-7F2F-3B65-83AB-9B04FEA923A7}"/>
+                <a16:creationId xmlns:a16="http://schemas.microsoft.com/office/drawing/2014/main" xmlns="" id="{CAC7A421-7F2F-3B65-83AB-9B04FEA923A7}"/>
               </a:ext>
             </a:extLst>
           </p:cNvPr>
@@ -9244,7 +9295,7 @@
     </p:spTree>
     <p:extLst>
       <p:ext uri="{BB962C8B-B14F-4D97-AF65-F5344CB8AC3E}">
-        <p14:creationId xmlns="" xmlns:p14="http://schemas.microsoft.com/office/powerpoint/2010/main" val="3295134947"/>
+        <p14:creationId xmlns:p14="http://schemas.microsoft.com/office/powerpoint/2010/main" xmlns="" val="3295134947"/>
       </p:ext>
     </p:extLst>
   </p:cSld>
@@ -9434,7 +9485,7 @@
           <p:cNvPr id="2" name="标题 1">
             <a:extLst>
               <a:ext uri="{FF2B5EF4-FFF2-40B4-BE49-F238E27FC236}">
-                <a16:creationId xmlns="" xmlns:a16="http://schemas.microsoft.com/office/drawing/2014/main" id="{FCD0B3A6-F68D-1E92-C281-AEDB26248FFD}"/>
+                <a16:creationId xmlns:a16="http://schemas.microsoft.com/office/drawing/2014/main" xmlns="" id="{FCD0B3A6-F68D-1E92-C281-AEDB26248FFD}"/>
               </a:ext>
             </a:extLst>
           </p:cNvPr>
@@ -9484,7 +9535,7 @@
           <p:cNvPr id="3" name="内容占位符 2">
             <a:extLst>
               <a:ext uri="{FF2B5EF4-FFF2-40B4-BE49-F238E27FC236}">
-                <a16:creationId xmlns="" xmlns:a16="http://schemas.microsoft.com/office/drawing/2014/main" id="{78485416-BC42-8064-E043-36117E18E39D}"/>
+                <a16:creationId xmlns:a16="http://schemas.microsoft.com/office/drawing/2014/main" xmlns="" id="{78485416-BC42-8064-E043-36117E18E39D}"/>
               </a:ext>
             </a:extLst>
           </p:cNvPr>
@@ -9520,7 +9571,7 @@
           <p:cNvPr id="9" name="图片 8">
             <a:extLst>
               <a:ext uri="{FF2B5EF4-FFF2-40B4-BE49-F238E27FC236}">
-                <a16:creationId xmlns="" xmlns:a16="http://schemas.microsoft.com/office/drawing/2014/main" id="{FF651C45-FDCD-6C22-94A4-F7073AFDB5F7}"/>
+                <a16:creationId xmlns:a16="http://schemas.microsoft.com/office/drawing/2014/main" xmlns="" id="{FF651C45-FDCD-6C22-94A4-F7073AFDB5F7}"/>
               </a:ext>
             </a:extLst>
           </p:cNvPr>
@@ -9533,7 +9584,7 @@
           <a:blip r:embed="rId2">
             <a:extLst>
               <a:ext uri="{28A0092B-C50C-407E-A947-70E740481C1C}">
-                <a14:useLocalDpi xmlns="" xmlns:a14="http://schemas.microsoft.com/office/drawing/2010/main" val="0"/>
+                <a14:useLocalDpi xmlns:a14="http://schemas.microsoft.com/office/drawing/2010/main" xmlns="" val="0"/>
               </a:ext>
             </a:extLst>
           </a:blip>
@@ -9554,7 +9605,7 @@
     </p:spTree>
     <p:extLst>
       <p:ext uri="{BB962C8B-B14F-4D97-AF65-F5344CB8AC3E}">
-        <p14:creationId xmlns="" xmlns:p14="http://schemas.microsoft.com/office/powerpoint/2010/main" val="1071497059"/>
+        <p14:creationId xmlns:p14="http://schemas.microsoft.com/office/powerpoint/2010/main" xmlns="" val="1071497059"/>
       </p:ext>
     </p:extLst>
   </p:cSld>
@@ -9736,7 +9787,7 @@
           <p:cNvPr id="2" name="标题 1">
             <a:extLst>
               <a:ext uri="{FF2B5EF4-FFF2-40B4-BE49-F238E27FC236}">
-                <a16:creationId xmlns="" xmlns:a16="http://schemas.microsoft.com/office/drawing/2014/main" id="{FCD0B3A6-F68D-1E92-C281-AEDB26248FFD}"/>
+                <a16:creationId xmlns:a16="http://schemas.microsoft.com/office/drawing/2014/main" xmlns="" id="{FCD0B3A6-F68D-1E92-C281-AEDB26248FFD}"/>
               </a:ext>
             </a:extLst>
           </p:cNvPr>
@@ -9786,7 +9837,7 @@
           <p:cNvPr id="3" name="内容占位符 2">
             <a:extLst>
               <a:ext uri="{FF2B5EF4-FFF2-40B4-BE49-F238E27FC236}">
-                <a16:creationId xmlns="" xmlns:a16="http://schemas.microsoft.com/office/drawing/2014/main" id="{78485416-BC42-8064-E043-36117E18E39D}"/>
+                <a16:creationId xmlns:a16="http://schemas.microsoft.com/office/drawing/2014/main" xmlns="" id="{78485416-BC42-8064-E043-36117E18E39D}"/>
               </a:ext>
             </a:extLst>
           </p:cNvPr>
@@ -9822,7 +9873,7 @@
           <p:cNvPr id="11" name="图片 10">
             <a:extLst>
               <a:ext uri="{FF2B5EF4-FFF2-40B4-BE49-F238E27FC236}">
-                <a16:creationId xmlns="" xmlns:a16="http://schemas.microsoft.com/office/drawing/2014/main" id="{9773E204-33CE-964E-0098-1E0F62D66402}"/>
+                <a16:creationId xmlns:a16="http://schemas.microsoft.com/office/drawing/2014/main" xmlns="" id="{9773E204-33CE-964E-0098-1E0F62D66402}"/>
               </a:ext>
             </a:extLst>
           </p:cNvPr>
@@ -9835,7 +9886,7 @@
           <a:blip r:embed="rId2">
             <a:extLst>
               <a:ext uri="{28A0092B-C50C-407E-A947-70E740481C1C}">
-                <a14:useLocalDpi xmlns="" xmlns:a14="http://schemas.microsoft.com/office/drawing/2010/main" val="0"/>
+                <a14:useLocalDpi xmlns:a14="http://schemas.microsoft.com/office/drawing/2010/main" xmlns="" val="0"/>
               </a:ext>
             </a:extLst>
           </a:blip>
@@ -9856,7 +9907,7 @@
     </p:spTree>
     <p:extLst>
       <p:ext uri="{BB962C8B-B14F-4D97-AF65-F5344CB8AC3E}">
-        <p14:creationId xmlns="" xmlns:p14="http://schemas.microsoft.com/office/powerpoint/2010/main" val="2552742250"/>
+        <p14:creationId xmlns:p14="http://schemas.microsoft.com/office/powerpoint/2010/main" xmlns="" val="2552742250"/>
       </p:ext>
     </p:extLst>
   </p:cSld>
@@ -9974,7 +10025,7 @@
           <p:cNvPr id="2" name="标题 1">
             <a:extLst>
               <a:ext uri="{FF2B5EF4-FFF2-40B4-BE49-F238E27FC236}">
-                <a16:creationId xmlns="" xmlns:a16="http://schemas.microsoft.com/office/drawing/2014/main" id="{1C26FFD8-8C79-58A2-F8D7-E748D28C4407}"/>
+                <a16:creationId xmlns:a16="http://schemas.microsoft.com/office/drawing/2014/main" xmlns="" id="{1C26FFD8-8C79-58A2-F8D7-E748D28C4407}"/>
               </a:ext>
             </a:extLst>
           </p:cNvPr>
@@ -10015,7 +10066,7 @@
           <p:cNvPr id="3" name="内容占位符 2">
             <a:extLst>
               <a:ext uri="{FF2B5EF4-FFF2-40B4-BE49-F238E27FC236}">
-                <a16:creationId xmlns="" xmlns:a16="http://schemas.microsoft.com/office/drawing/2014/main" id="{41F1D2A7-5294-7557-9EB3-8D491A63F4EB}"/>
+                <a16:creationId xmlns:a16="http://schemas.microsoft.com/office/drawing/2014/main" xmlns="" id="{41F1D2A7-5294-7557-9EB3-8D491A63F4EB}"/>
               </a:ext>
             </a:extLst>
           </p:cNvPr>
@@ -10055,7 +10106,7 @@
           <p:cNvPr id="4" name="内容占位符 2">
             <a:extLst>
               <a:ext uri="{FF2B5EF4-FFF2-40B4-BE49-F238E27FC236}">
-                <a16:creationId xmlns="" xmlns:a16="http://schemas.microsoft.com/office/drawing/2014/main" id="{4FF7128B-6B50-FCD4-9C75-80B7963E49CE}"/>
+                <a16:creationId xmlns:a16="http://schemas.microsoft.com/office/drawing/2014/main" xmlns="" id="{4FF7128B-6B50-FCD4-9C75-80B7963E49CE}"/>
               </a:ext>
             </a:extLst>
           </p:cNvPr>
@@ -10299,7 +10350,7 @@
           <p:cNvPr id="6" name="内容占位符 2">
             <a:extLst>
               <a:ext uri="{FF2B5EF4-FFF2-40B4-BE49-F238E27FC236}">
-                <a16:creationId xmlns="" xmlns:a16="http://schemas.microsoft.com/office/drawing/2014/main" id="{F12022C7-B80B-2281-9B7A-0C3246F09551}"/>
+                <a16:creationId xmlns:a16="http://schemas.microsoft.com/office/drawing/2014/main" xmlns="" id="{F12022C7-B80B-2281-9B7A-0C3246F09551}"/>
               </a:ext>
             </a:extLst>
           </p:cNvPr>
@@ -10498,7 +10549,7 @@
           <p:cNvPr id="8" name="内容占位符 2">
             <a:extLst>
               <a:ext uri="{FF2B5EF4-FFF2-40B4-BE49-F238E27FC236}">
-                <a16:creationId xmlns="" xmlns:a16="http://schemas.microsoft.com/office/drawing/2014/main" id="{764F7FE3-0392-CCF7-AAD7-C83EF28C73C9}"/>
+                <a16:creationId xmlns:a16="http://schemas.microsoft.com/office/drawing/2014/main" xmlns="" id="{764F7FE3-0392-CCF7-AAD7-C83EF28C73C9}"/>
               </a:ext>
             </a:extLst>
           </p:cNvPr>
@@ -10695,7 +10746,7 @@
     </p:spTree>
     <p:extLst>
       <p:ext uri="{BB962C8B-B14F-4D97-AF65-F5344CB8AC3E}">
-        <p14:creationId xmlns="" xmlns:p14="http://schemas.microsoft.com/office/powerpoint/2010/main" val="244496848"/>
+        <p14:creationId xmlns:p14="http://schemas.microsoft.com/office/powerpoint/2010/main" xmlns="" val="244496848"/>
       </p:ext>
     </p:extLst>
   </p:cSld>
@@ -10946,7 +10997,7 @@
           <p:cNvPr id="5" name="内容占位符 4">
             <a:extLst>
               <a:ext uri="{FF2B5EF4-FFF2-40B4-BE49-F238E27FC236}">
-                <a16:creationId xmlns="" xmlns:a16="http://schemas.microsoft.com/office/drawing/2014/main" id="{A72F22B4-E4AA-DED2-4FE8-84589D8E0072}"/>
+                <a16:creationId xmlns:a16="http://schemas.microsoft.com/office/drawing/2014/main" xmlns="" id="{A72F22B4-E4AA-DED2-4FE8-84589D8E0072}"/>
               </a:ext>
             </a:extLst>
           </p:cNvPr>
@@ -10961,7 +11012,7 @@
           <a:blip r:embed="rId2">
             <a:extLst>
               <a:ext uri="{28A0092B-C50C-407E-A947-70E740481C1C}">
-                <a14:useLocalDpi xmlns="" xmlns:a14="http://schemas.microsoft.com/office/drawing/2010/main" val="0"/>
+                <a14:useLocalDpi xmlns:a14="http://schemas.microsoft.com/office/drawing/2010/main" xmlns="" val="0"/>
               </a:ext>
             </a:extLst>
           </a:blip>
@@ -10982,7 +11033,7 @@
           <p:cNvPr id="8" name="文本框 7">
             <a:extLst>
               <a:ext uri="{FF2B5EF4-FFF2-40B4-BE49-F238E27FC236}">
-                <a16:creationId xmlns="" xmlns:a16="http://schemas.microsoft.com/office/drawing/2014/main" id="{848B05F5-64E6-7B36-6AD3-7E4F7830C95F}"/>
+                <a16:creationId xmlns:a16="http://schemas.microsoft.com/office/drawing/2014/main" xmlns="" id="{848B05F5-64E6-7B36-6AD3-7E4F7830C95F}"/>
               </a:ext>
             </a:extLst>
           </p:cNvPr>
@@ -11034,7 +11085,7 @@
     </p:spTree>
     <p:extLst>
       <p:ext uri="{BB962C8B-B14F-4D97-AF65-F5344CB8AC3E}">
-        <p14:creationId xmlns="" xmlns:p14="http://schemas.microsoft.com/office/powerpoint/2010/main" val="4200007885"/>
+        <p14:creationId xmlns:p14="http://schemas.microsoft.com/office/powerpoint/2010/main" xmlns="" val="4200007885"/>
       </p:ext>
     </p:extLst>
   </p:cSld>
@@ -11190,7 +11241,7 @@
           <p:cNvPr id="2" name="标题 1">
             <a:extLst>
               <a:ext uri="{FF2B5EF4-FFF2-40B4-BE49-F238E27FC236}">
-                <a16:creationId xmlns="" xmlns:a16="http://schemas.microsoft.com/office/drawing/2014/main" id="{B3F13335-104A-015E-3032-EACBD2BEBA00}"/>
+                <a16:creationId xmlns:a16="http://schemas.microsoft.com/office/drawing/2014/main" xmlns="" id="{B3F13335-104A-015E-3032-EACBD2BEBA00}"/>
               </a:ext>
             </a:extLst>
           </p:cNvPr>
@@ -11224,7 +11275,7 @@
           <p:cNvPr id="5" name="内容占位符 4">
             <a:extLst>
               <a:ext uri="{FF2B5EF4-FFF2-40B4-BE49-F238E27FC236}">
-                <a16:creationId xmlns="" xmlns:a16="http://schemas.microsoft.com/office/drawing/2014/main" id="{37CA7186-F461-8768-6AB0-EDB502334978}"/>
+                <a16:creationId xmlns:a16="http://schemas.microsoft.com/office/drawing/2014/main" xmlns="" id="{37CA7186-F461-8768-6AB0-EDB502334978}"/>
               </a:ext>
             </a:extLst>
           </p:cNvPr>
@@ -11239,7 +11290,7 @@
           <a:blip r:embed="rId2" cstate="print">
             <a:extLst>
               <a:ext uri="{28A0092B-C50C-407E-A947-70E740481C1C}">
-                <a14:useLocalDpi xmlns="" xmlns:a14="http://schemas.microsoft.com/office/drawing/2010/main" val="0"/>
+                <a14:useLocalDpi xmlns:a14="http://schemas.microsoft.com/office/drawing/2010/main" xmlns="" val="0"/>
               </a:ext>
             </a:extLst>
           </a:blip>
@@ -11279,7 +11330,7 @@
           <p:cNvPr id="6" name="标题 1">
             <a:extLst>
               <a:ext uri="{FF2B5EF4-FFF2-40B4-BE49-F238E27FC236}">
-                <a16:creationId xmlns="" xmlns:a16="http://schemas.microsoft.com/office/drawing/2014/main" id="{C81291C8-DC21-C98A-E80F-705776E3EB74}"/>
+                <a16:creationId xmlns:a16="http://schemas.microsoft.com/office/drawing/2014/main" xmlns="" id="{C81291C8-DC21-C98A-E80F-705776E3EB74}"/>
               </a:ext>
             </a:extLst>
           </p:cNvPr>
@@ -11369,7 +11420,7 @@
           <p:cNvPr id="7" name="文本框 6">
             <a:extLst>
               <a:ext uri="{FF2B5EF4-FFF2-40B4-BE49-F238E27FC236}">
-                <a16:creationId xmlns="" xmlns:a16="http://schemas.microsoft.com/office/drawing/2014/main" id="{5A115FD7-B5F6-D919-5860-BD9C52F64019}"/>
+                <a16:creationId xmlns:a16="http://schemas.microsoft.com/office/drawing/2014/main" xmlns="" id="{5A115FD7-B5F6-D919-5860-BD9C52F64019}"/>
               </a:ext>
             </a:extLst>
           </p:cNvPr>
@@ -11424,7 +11475,7 @@
     </p:spTree>
     <p:extLst>
       <p:ext uri="{BB962C8B-B14F-4D97-AF65-F5344CB8AC3E}">
-        <p14:creationId xmlns="" xmlns:p14="http://schemas.microsoft.com/office/powerpoint/2010/main" val="1039722178"/>
+        <p14:creationId xmlns:p14="http://schemas.microsoft.com/office/powerpoint/2010/main" xmlns="" val="1039722178"/>
       </p:ext>
     </p:extLst>
   </p:cSld>
@@ -12008,7 +12059,7 @@
   <a:extraClrSchemeLst/>
   <a:extLst>
     <a:ext uri="{05A4C25C-085E-4340-85A3-A5531E510DB2}">
-      <thm15:themeFamily xmlns="" xmlns:thm15="http://schemas.microsoft.com/office/thememl/2012/main" name="Vapor Trail" id="{4FDF2955-7D9C-493C-B9F9-C205151B46CD}" vid="{8F31A783-2159-4870-BC29-2BA7D038EA44}"/>
+      <thm15:themeFamily xmlns:thm15="http://schemas.microsoft.com/office/thememl/2012/main" xmlns="" name="Vapor Trail" id="{4FDF2955-7D9C-493C-B9F9-C205151B46CD}" vid="{8F31A783-2159-4870-BC29-2BA7D038EA44}"/>
     </a:ext>
   </a:extLst>
 </a:theme>
